--- a/Whiteboard design session/WDS trainer presentation - Cosmos DB Real Time Advanced Analytics.pptx
+++ b/Whiteboard design session/WDS trainer presentation - Cosmos DB Real Time Advanced Analytics.pptx
@@ -245,7 +245,7 @@
           <a:p>
             <a:fld id="{52A13B17-C506-4D51-BB37-16B365906619}" type="datetimeFigureOut">
               <a:rPr lang="en-US" smtClean="0"/>
-              <a:t>1/11/2019</a:t>
+              <a:t>1/12/2019</a:t>
             </a:fld>
             <a:endParaRPr lang="en-US"/>
           </a:p>
@@ -4622,7 +4622,7 @@
                   <a:prstClr val="black"/>
                 </a:solidFill>
               </a:rPr>
-              <a:t>1/11/2019 6:55 PM</a:t>
+              <a:t>1/12/2019 2:00 PM</a:t>
             </a:fld>
             <a:endParaRPr lang="en-US" dirty="0">
               <a:solidFill>
@@ -4869,7 +4869,7 @@
           <a:p>
             <a:fld id="{328EAAE8-B538-48EB-83B5-2B364220CC89}" type="datetime8">
               <a:rPr lang="en-US" smtClean="0"/>
-              <a:t>1/11/2019 6:55 PM</a:t>
+              <a:t>1/12/2019 2:00 PM</a:t>
             </a:fld>
             <a:endParaRPr lang="en-US" dirty="0"/>
           </a:p>
@@ -5001,7 +5001,7 @@
           <a:p>
             <a:fld id="{5A70A388-5CB4-42F2-85B9-1AE1F63398FA}" type="datetime8">
               <a:rPr lang="en-US" smtClean="0"/>
-              <a:t>1/11/2019 6:55 PM</a:t>
+              <a:t>1/12/2019 2:00 PM</a:t>
             </a:fld>
             <a:endParaRPr lang="en-US" dirty="0"/>
           </a:p>
@@ -5184,7 +5184,7 @@
           <a:p>
             <a:fld id="{6939CF7E-134C-4B4A-9853-17D7568CBCC2}" type="datetime8">
               <a:rPr lang="en-US" smtClean="0"/>
-              <a:t>1/11/2019 6:55 PM</a:t>
+              <a:t>1/12/2019 2:00 PM</a:t>
             </a:fld>
             <a:endParaRPr lang="en-US" dirty="0"/>
           </a:p>
@@ -5446,7 +5446,7 @@
           <a:p>
             <a:fld id="{B76134C8-AC9E-49DD-B3D6-722B1A93F18D}" type="datetime8">
               <a:rPr lang="en-US" smtClean="0"/>
-              <a:t>1/11/2019 6:55 PM</a:t>
+              <a:t>1/12/2019 2:00 PM</a:t>
             </a:fld>
             <a:endParaRPr lang="en-US" dirty="0"/>
           </a:p>
@@ -5627,7 +5627,7 @@
           <a:p>
             <a:fld id="{34FAA446-E61B-4D43-A3B1-7749AA6DC131}" type="datetime8">
               <a:rPr lang="en-US" smtClean="0"/>
-              <a:t>1/11/2019 6:55 PM</a:t>
+              <a:t>1/12/2019 2:00 PM</a:t>
             </a:fld>
             <a:endParaRPr lang="en-US" dirty="0"/>
           </a:p>
@@ -5808,7 +5808,7 @@
           <a:p>
             <a:fld id="{F86059B6-667D-4F24-AA48-46C1EA5D9E8E}" type="datetime8">
               <a:rPr lang="en-US" smtClean="0"/>
-              <a:t>1/11/2019 6:55 PM</a:t>
+              <a:t>1/12/2019 2:00 PM</a:t>
             </a:fld>
             <a:endParaRPr lang="en-US" dirty="0"/>
           </a:p>
@@ -5989,7 +5989,7 @@
           <a:p>
             <a:fld id="{35A2D088-BDBD-41A5-ADCE-5C6A4DC08057}" type="datetime8">
               <a:rPr lang="en-US" smtClean="0"/>
-              <a:t>1/11/2019 6:55 PM</a:t>
+              <a:t>1/12/2019 2:00 PM</a:t>
             </a:fld>
             <a:endParaRPr lang="en-US" dirty="0"/>
           </a:p>
@@ -6121,7 +6121,7 @@
           <a:p>
             <a:fld id="{174E4CE6-2FE4-433F-87B8-CB5DD266EBFC}" type="datetime8">
               <a:rPr lang="en-US" smtClean="0"/>
-              <a:t>1/11/2019 6:55 PM</a:t>
+              <a:t>1/12/2019 2:00 PM</a:t>
             </a:fld>
             <a:endParaRPr lang="en-US" dirty="0"/>
           </a:p>
@@ -6320,7 +6320,7 @@
                   <a:prstClr val="black"/>
                 </a:solidFill>
               </a:rPr>
-              <a:t>1/11/2019 6:55 PM</a:t>
+              <a:t>1/12/2019 2:00 PM</a:t>
             </a:fld>
             <a:endParaRPr lang="en-US" dirty="0">
               <a:solidFill>
@@ -19798,6 +19798,36 @@
           </a:p>
         </p:txBody>
       </p:sp>
+      <p:pic>
+        <p:nvPicPr>
+          <p:cNvPr id="4" name="Picture 3">
+            <a:extLst>
+              <a:ext uri="{FF2B5EF4-FFF2-40B4-BE49-F238E27FC236}">
+                <a16:creationId xmlns:a16="http://schemas.microsoft.com/office/drawing/2014/main" id="{FBE1216C-A00A-431B-BE38-1A55F1A057DA}"/>
+              </a:ext>
+            </a:extLst>
+          </p:cNvPr>
+          <p:cNvPicPr>
+            <a:picLocks noChangeAspect="1"/>
+          </p:cNvPicPr>
+          <p:nvPr/>
+        </p:nvPicPr>
+        <p:blipFill>
+          <a:blip r:embed="rId3"/>
+          <a:stretch>
+            <a:fillRect/>
+          </a:stretch>
+        </p:blipFill>
+        <p:spPr>
+          <a:xfrm>
+            <a:off x="928301" y="1028254"/>
+            <a:ext cx="10335398" cy="5702909"/>
+          </a:xfrm>
+          <a:prstGeom prst="rect">
+            <a:avLst/>
+          </a:prstGeom>
+        </p:spPr>
+      </p:pic>
     </p:spTree>
     <p:extLst>
       <p:ext uri="{BB962C8B-B14F-4D97-AF65-F5344CB8AC3E}">
@@ -33381,13 +33411,13 @@
   <p:clrMapOvr>
     <a:masterClrMapping/>
   </p:clrMapOvr>
-  <mc:AlternateContent xmlns:mc="http://schemas.openxmlformats.org/markup-compatibility/2006">
-    <mc:Choice xmlns:p14="http://schemas.microsoft.com/office/powerpoint/2010/main" Requires="p14">
+  <mc:AlternateContent xmlns:mc="http://schemas.openxmlformats.org/markup-compatibility/2006" xmlns:p14="http://schemas.microsoft.com/office/powerpoint/2010/main">
+    <mc:Choice Requires="p14">
       <p:transition spd="med" p14:dur="700">
         <p:fade/>
       </p:transition>
     </mc:Choice>
-    <mc:Fallback>
+    <mc:Fallback xmlns="">
       <p:transition spd="med">
         <p:fade/>
       </p:transition>
@@ -33789,13 +33819,13 @@
   <p:clrMapOvr>
     <a:masterClrMapping/>
   </p:clrMapOvr>
-  <mc:AlternateContent xmlns:mc="http://schemas.openxmlformats.org/markup-compatibility/2006">
-    <mc:Choice xmlns:p14="http://schemas.microsoft.com/office/powerpoint/2010/main" Requires="p14">
+  <mc:AlternateContent xmlns:mc="http://schemas.openxmlformats.org/markup-compatibility/2006" xmlns:p14="http://schemas.microsoft.com/office/powerpoint/2010/main">
+    <mc:Choice Requires="p14">
       <p:transition spd="med" p14:dur="700">
         <p:fade/>
       </p:transition>
     </mc:Choice>
-    <mc:Fallback>
+    <mc:Fallback xmlns="">
       <p:transition spd="med">
         <p:fade/>
       </p:transition>
@@ -33966,13 +33996,13 @@
   <p:clrMapOvr>
     <a:masterClrMapping/>
   </p:clrMapOvr>
-  <mc:AlternateContent xmlns:mc="http://schemas.openxmlformats.org/markup-compatibility/2006">
-    <mc:Choice xmlns:p14="http://schemas.microsoft.com/office/powerpoint/2010/main" Requires="p14">
+  <mc:AlternateContent xmlns:mc="http://schemas.openxmlformats.org/markup-compatibility/2006" xmlns:p14="http://schemas.microsoft.com/office/powerpoint/2010/main">
+    <mc:Choice Requires="p14">
       <p:transition spd="med" p14:dur="700">
         <p:fade/>
       </p:transition>
     </mc:Choice>
-    <mc:Fallback>
+    <mc:Fallback xmlns="">
       <p:transition spd="med">
         <p:fade/>
       </p:transition>
@@ -34057,13 +34087,13 @@
   <p:clrMapOvr>
     <a:masterClrMapping/>
   </p:clrMapOvr>
-  <mc:AlternateContent xmlns:mc="http://schemas.openxmlformats.org/markup-compatibility/2006">
-    <mc:Choice xmlns:p14="http://schemas.microsoft.com/office/powerpoint/2010/main" Requires="p14">
+  <mc:AlternateContent xmlns:mc="http://schemas.openxmlformats.org/markup-compatibility/2006" xmlns:p14="http://schemas.microsoft.com/office/powerpoint/2010/main">
+    <mc:Choice Requires="p14">
       <p:transition spd="med" p14:dur="700">
         <p:fade/>
       </p:transition>
     </mc:Choice>
-    <mc:Fallback>
+    <mc:Fallback xmlns="">
       <p:transition spd="med">
         <p:fade/>
       </p:transition>
@@ -34125,13 +34155,13 @@
   <p:clrMapOvr>
     <a:masterClrMapping/>
   </p:clrMapOvr>
-  <mc:AlternateContent xmlns:mc="http://schemas.openxmlformats.org/markup-compatibility/2006">
-    <mc:Choice xmlns:p14="http://schemas.microsoft.com/office/powerpoint/2010/main" Requires="p14">
+  <mc:AlternateContent xmlns:mc="http://schemas.openxmlformats.org/markup-compatibility/2006" xmlns:p14="http://schemas.microsoft.com/office/powerpoint/2010/main">
+    <mc:Choice Requires="p14">
       <p:transition spd="med" p14:dur="700">
         <p:fade/>
       </p:transition>
     </mc:Choice>
-    <mc:Fallback>
+    <mc:Fallback xmlns="">
       <p:transition spd="med">
         <p:fade/>
       </p:transition>
@@ -34189,13 +34219,13 @@
   <p:clrMapOvr>
     <a:masterClrMapping/>
   </p:clrMapOvr>
-  <mc:AlternateContent xmlns:mc="http://schemas.openxmlformats.org/markup-compatibility/2006">
-    <mc:Choice xmlns:p14="http://schemas.microsoft.com/office/powerpoint/2010/main" Requires="p14">
+  <mc:AlternateContent xmlns:mc="http://schemas.openxmlformats.org/markup-compatibility/2006" xmlns:p14="http://schemas.microsoft.com/office/powerpoint/2010/main">
+    <mc:Choice Requires="p14">
       <p:transition spd="med" p14:dur="700">
         <p:fade/>
       </p:transition>
     </mc:Choice>
-    <mc:Fallback>
+    <mc:Fallback xmlns="">
       <p:transition spd="med">
         <p:fade/>
       </p:transition>
@@ -34257,13 +34287,13 @@
   <p:clrMapOvr>
     <a:masterClrMapping/>
   </p:clrMapOvr>
-  <mc:AlternateContent xmlns:mc="http://schemas.openxmlformats.org/markup-compatibility/2006">
-    <mc:Choice xmlns:p14="http://schemas.microsoft.com/office/powerpoint/2010/main" Requires="p14">
+  <mc:AlternateContent xmlns:mc="http://schemas.openxmlformats.org/markup-compatibility/2006" xmlns:p14="http://schemas.microsoft.com/office/powerpoint/2010/main">
+    <mc:Choice Requires="p14">
       <p:transition spd="med" p14:dur="700">
         <p:fade/>
       </p:transition>
     </mc:Choice>
-    <mc:Fallback>
+    <mc:Fallback xmlns="">
       <p:transition spd="med">
         <p:fade/>
       </p:transition>
@@ -34343,13 +34373,13 @@
   <p:clrMapOvr>
     <a:masterClrMapping/>
   </p:clrMapOvr>
-  <mc:AlternateContent xmlns:mc="http://schemas.openxmlformats.org/markup-compatibility/2006">
-    <mc:Choice xmlns:p14="http://schemas.microsoft.com/office/powerpoint/2010/main" Requires="p14">
+  <mc:AlternateContent xmlns:mc="http://schemas.openxmlformats.org/markup-compatibility/2006" xmlns:p14="http://schemas.microsoft.com/office/powerpoint/2010/main">
+    <mc:Choice Requires="p14">
       <p:transition spd="med" p14:dur="700">
         <p:fade/>
       </p:transition>
     </mc:Choice>
-    <mc:Fallback>
+    <mc:Fallback xmlns="">
       <p:transition spd="med">
         <p:fade/>
       </p:transition>
@@ -34462,13 +34492,13 @@
   <p:clrMapOvr>
     <a:masterClrMapping/>
   </p:clrMapOvr>
-  <mc:AlternateContent xmlns:mc="http://schemas.openxmlformats.org/markup-compatibility/2006">
-    <mc:Choice xmlns:p14="http://schemas.microsoft.com/office/powerpoint/2010/main" Requires="p14">
+  <mc:AlternateContent xmlns:mc="http://schemas.openxmlformats.org/markup-compatibility/2006" xmlns:p14="http://schemas.microsoft.com/office/powerpoint/2010/main">
+    <mc:Choice Requires="p14">
       <p:transition spd="med" p14:dur="700">
         <p:fade/>
       </p:transition>
     </mc:Choice>
-    <mc:Fallback>
+    <mc:Fallback xmlns="">
       <p:transition spd="med">
         <p:fade/>
       </p:transition>
@@ -37203,12 +37233,12 @@
 </file>
 
 <file path=customXml/item1.xml><?xml version="1.0" encoding="utf-8"?>
-<?mso-contentType ?>
-<FormTemplates xmlns="http://schemas.microsoft.com/sharepoint/v3/contenttype/forms">
-  <Display>DocumentLibraryForm</Display>
-  <Edit>DocumentLibraryForm</Edit>
-  <New>DocumentLibraryForm</New>
-</FormTemplates>
+<p:properties xmlns:p="http://schemas.microsoft.com/office/2006/metadata/properties" xmlns:xsi="http://www.w3.org/2001/XMLSchema-instance" xmlns:pc="http://schemas.microsoft.com/office/infopath/2007/PartnerControls">
+  <documentManagement>
+    <_ip_UnifiedCompliancePolicyUIAction xmlns="http://schemas.microsoft.com/sharepoint/v3" xsi:nil="true"/>
+    <_ip_UnifiedCompliancePolicyProperties xmlns="http://schemas.microsoft.com/sharepoint/v3" xsi:nil="true"/>
+  </documentManagement>
+</p:properties>
 </file>
 
 <file path=customXml/item2.xml><?xml version="1.0" encoding="utf-8"?>
@@ -37414,18 +37444,28 @@
 </file>
 
 <file path=customXml/item3.xml><?xml version="1.0" encoding="utf-8"?>
-<p:properties xmlns:p="http://schemas.microsoft.com/office/2006/metadata/properties" xmlns:xsi="http://www.w3.org/2001/XMLSchema-instance" xmlns:pc="http://schemas.microsoft.com/office/infopath/2007/PartnerControls">
-  <documentManagement>
-    <_ip_UnifiedCompliancePolicyUIAction xmlns="http://schemas.microsoft.com/sharepoint/v3" xsi:nil="true"/>
-    <_ip_UnifiedCompliancePolicyProperties xmlns="http://schemas.microsoft.com/sharepoint/v3" xsi:nil="true"/>
-  </documentManagement>
-</p:properties>
+<?mso-contentType ?>
+<FormTemplates xmlns="http://schemas.microsoft.com/sharepoint/v3/contenttype/forms">
+  <Display>DocumentLibraryForm</Display>
+  <Edit>DocumentLibraryForm</Edit>
+  <New>DocumentLibraryForm</New>
+</FormTemplates>
 </file>
 
 <file path=customXml/itemProps1.xml><?xml version="1.0" encoding="utf-8"?>
-<ds:datastoreItem xmlns:ds="http://schemas.openxmlformats.org/officeDocument/2006/customXml" ds:itemID="{F18501AF-04CF-4482-BAE1-607B49DDC378}">
+<ds:datastoreItem xmlns:ds="http://schemas.openxmlformats.org/officeDocument/2006/customXml" ds:itemID="{BAF7D529-36AB-45DA-B239-2F912F2D1610}">
   <ds:schemaRefs>
-    <ds:schemaRef ds:uri="http://schemas.microsoft.com/sharepoint/v3/contenttype/forms"/>
+    <ds:schemaRef ds:uri="http://purl.org/dc/elements/1.1/"/>
+    <ds:schemaRef ds:uri="http://schemas.microsoft.com/office/2006/metadata/properties"/>
+    <ds:schemaRef ds:uri="http://purl.org/dc/terms/"/>
+    <ds:schemaRef ds:uri="http://schemas.microsoft.com/office/infopath/2007/PartnerControls"/>
+    <ds:schemaRef ds:uri="http://purl.org/dc/dcmitype/"/>
+    <ds:schemaRef ds:uri="http://schemas.openxmlformats.org/package/2006/metadata/core-properties"/>
+    <ds:schemaRef ds:uri="http://schemas.microsoft.com/office/2006/documentManagement/types"/>
+    <ds:schemaRef ds:uri="d9c797ad-d7c3-4982-82b7-81352a75e4a5"/>
+    <ds:schemaRef ds:uri="2023ac63-7b75-4916-a9ee-591457758eee"/>
+    <ds:schemaRef ds:uri="http://schemas.microsoft.com/sharepoint/v3"/>
+    <ds:schemaRef ds:uri="http://www.w3.org/XML/1998/namespace"/>
   </ds:schemaRefs>
 </ds:datastoreItem>
 </file>
@@ -37451,19 +37491,9 @@
 </file>
 
 <file path=customXml/itemProps3.xml><?xml version="1.0" encoding="utf-8"?>
-<ds:datastoreItem xmlns:ds="http://schemas.openxmlformats.org/officeDocument/2006/customXml" ds:itemID="{BAF7D529-36AB-45DA-B239-2F912F2D1610}">
+<ds:datastoreItem xmlns:ds="http://schemas.openxmlformats.org/officeDocument/2006/customXml" ds:itemID="{F18501AF-04CF-4482-BAE1-607B49DDC378}">
   <ds:schemaRefs>
-    <ds:schemaRef ds:uri="http://purl.org/dc/elements/1.1/"/>
-    <ds:schemaRef ds:uri="http://schemas.microsoft.com/office/2006/metadata/properties"/>
-    <ds:schemaRef ds:uri="http://purl.org/dc/terms/"/>
-    <ds:schemaRef ds:uri="http://schemas.microsoft.com/office/infopath/2007/PartnerControls"/>
-    <ds:schemaRef ds:uri="http://purl.org/dc/dcmitype/"/>
-    <ds:schemaRef ds:uri="http://schemas.openxmlformats.org/package/2006/metadata/core-properties"/>
-    <ds:schemaRef ds:uri="http://schemas.microsoft.com/office/2006/documentManagement/types"/>
-    <ds:schemaRef ds:uri="d9c797ad-d7c3-4982-82b7-81352a75e4a5"/>
-    <ds:schemaRef ds:uri="2023ac63-7b75-4916-a9ee-591457758eee"/>
-    <ds:schemaRef ds:uri="http://schemas.microsoft.com/sharepoint/v3"/>
-    <ds:schemaRef ds:uri="http://www.w3.org/XML/1998/namespace"/>
+    <ds:schemaRef ds:uri="http://schemas.microsoft.com/sharepoint/v3/contenttype/forms"/>
   </ds:schemaRefs>
 </ds:datastoreItem>
 </file>
--- a/Whiteboard design session/WDS trainer presentation - Cosmos DB Real Time Advanced Analytics.pptx
+++ b/Whiteboard design session/WDS trainer presentation - Cosmos DB Real Time Advanced Analytics.pptx
@@ -4622,7 +4622,7 @@
                   <a:prstClr val="black"/>
                 </a:solidFill>
               </a:rPr>
-              <a:t>1/12/2019 2:00 PM</a:t>
+              <a:t>1/12/2019 2:26 PM</a:t>
             </a:fld>
             <a:endParaRPr lang="en-US" dirty="0">
               <a:solidFill>
@@ -4869,7 +4869,7 @@
           <a:p>
             <a:fld id="{328EAAE8-B538-48EB-83B5-2B364220CC89}" type="datetime8">
               <a:rPr lang="en-US" smtClean="0"/>
-              <a:t>1/12/2019 2:00 PM</a:t>
+              <a:t>1/12/2019 2:26 PM</a:t>
             </a:fld>
             <a:endParaRPr lang="en-US" dirty="0"/>
           </a:p>
@@ -5001,7 +5001,7 @@
           <a:p>
             <a:fld id="{5A70A388-5CB4-42F2-85B9-1AE1F63398FA}" type="datetime8">
               <a:rPr lang="en-US" smtClean="0"/>
-              <a:t>1/12/2019 2:00 PM</a:t>
+              <a:t>1/12/2019 2:26 PM</a:t>
             </a:fld>
             <a:endParaRPr lang="en-US" dirty="0"/>
           </a:p>
@@ -5184,7 +5184,7 @@
           <a:p>
             <a:fld id="{6939CF7E-134C-4B4A-9853-17D7568CBCC2}" type="datetime8">
               <a:rPr lang="en-US" smtClean="0"/>
-              <a:t>1/12/2019 2:00 PM</a:t>
+              <a:t>1/12/2019 2:26 PM</a:t>
             </a:fld>
             <a:endParaRPr lang="en-US" dirty="0"/>
           </a:p>
@@ -5446,7 +5446,7 @@
           <a:p>
             <a:fld id="{B76134C8-AC9E-49DD-B3D6-722B1A93F18D}" type="datetime8">
               <a:rPr lang="en-US" smtClean="0"/>
-              <a:t>1/12/2019 2:00 PM</a:t>
+              <a:t>1/12/2019 2:26 PM</a:t>
             </a:fld>
             <a:endParaRPr lang="en-US" dirty="0"/>
           </a:p>
@@ -5627,7 +5627,7 @@
           <a:p>
             <a:fld id="{34FAA446-E61B-4D43-A3B1-7749AA6DC131}" type="datetime8">
               <a:rPr lang="en-US" smtClean="0"/>
-              <a:t>1/12/2019 2:00 PM</a:t>
+              <a:t>1/12/2019 2:26 PM</a:t>
             </a:fld>
             <a:endParaRPr lang="en-US" dirty="0"/>
           </a:p>
@@ -5808,7 +5808,7 @@
           <a:p>
             <a:fld id="{F86059B6-667D-4F24-AA48-46C1EA5D9E8E}" type="datetime8">
               <a:rPr lang="en-US" smtClean="0"/>
-              <a:t>1/12/2019 2:00 PM</a:t>
+              <a:t>1/12/2019 2:26 PM</a:t>
             </a:fld>
             <a:endParaRPr lang="en-US" dirty="0"/>
           </a:p>
@@ -5989,7 +5989,7 @@
           <a:p>
             <a:fld id="{35A2D088-BDBD-41A5-ADCE-5C6A4DC08057}" type="datetime8">
               <a:rPr lang="en-US" smtClean="0"/>
-              <a:t>1/12/2019 2:00 PM</a:t>
+              <a:t>1/12/2019 2:26 PM</a:t>
             </a:fld>
             <a:endParaRPr lang="en-US" dirty="0"/>
           </a:p>
@@ -6121,7 +6121,7 @@
           <a:p>
             <a:fld id="{174E4CE6-2FE4-433F-87B8-CB5DD266EBFC}" type="datetime8">
               <a:rPr lang="en-US" smtClean="0"/>
-              <a:t>1/12/2019 2:00 PM</a:t>
+              <a:t>1/12/2019 2:26 PM</a:t>
             </a:fld>
             <a:endParaRPr lang="en-US" dirty="0"/>
           </a:p>
@@ -6320,7 +6320,7 @@
                   <a:prstClr val="black"/>
                 </a:solidFill>
               </a:rPr>
-              <a:t>1/12/2019 2:00 PM</a:t>
+              <a:t>1/12/2019 2:26 PM</a:t>
             </a:fld>
             <a:endParaRPr lang="en-US" dirty="0">
               <a:solidFill>
@@ -19813,15 +19813,21 @@
           <p:nvPr/>
         </p:nvPicPr>
         <p:blipFill>
-          <a:blip r:embed="rId3"/>
+          <a:blip r:embed="rId3">
+            <a:extLst>
+              <a:ext uri="{28A0092B-C50C-407E-A947-70E740481C1C}">
+                <a14:useLocalDpi xmlns:a14="http://schemas.microsoft.com/office/drawing/2010/main" val="0"/>
+              </a:ext>
+            </a:extLst>
+          </a:blip>
           <a:stretch>
             <a:fillRect/>
           </a:stretch>
         </p:blipFill>
         <p:spPr>
           <a:xfrm>
-            <a:off x="928301" y="1028254"/>
-            <a:ext cx="10335398" cy="5702909"/>
+            <a:off x="928301" y="1040166"/>
+            <a:ext cx="10335398" cy="5679085"/>
           </a:xfrm>
           <a:prstGeom prst="rect">
             <a:avLst/>
@@ -37233,12 +37239,12 @@
 </file>
 
 <file path=customXml/item1.xml><?xml version="1.0" encoding="utf-8"?>
-<p:properties xmlns:p="http://schemas.microsoft.com/office/2006/metadata/properties" xmlns:xsi="http://www.w3.org/2001/XMLSchema-instance" xmlns:pc="http://schemas.microsoft.com/office/infopath/2007/PartnerControls">
-  <documentManagement>
-    <_ip_UnifiedCompliancePolicyUIAction xmlns="http://schemas.microsoft.com/sharepoint/v3" xsi:nil="true"/>
-    <_ip_UnifiedCompliancePolicyProperties xmlns="http://schemas.microsoft.com/sharepoint/v3" xsi:nil="true"/>
-  </documentManagement>
-</p:properties>
+<?mso-contentType ?>
+<FormTemplates xmlns="http://schemas.microsoft.com/sharepoint/v3/contenttype/forms">
+  <Display>DocumentLibraryForm</Display>
+  <Edit>DocumentLibraryForm</Edit>
+  <New>DocumentLibraryForm</New>
+</FormTemplates>
 </file>
 
 <file path=customXml/item2.xml><?xml version="1.0" encoding="utf-8"?>
@@ -37444,28 +37450,18 @@
 </file>
 
 <file path=customXml/item3.xml><?xml version="1.0" encoding="utf-8"?>
-<?mso-contentType ?>
-<FormTemplates xmlns="http://schemas.microsoft.com/sharepoint/v3/contenttype/forms">
-  <Display>DocumentLibraryForm</Display>
-  <Edit>DocumentLibraryForm</Edit>
-  <New>DocumentLibraryForm</New>
-</FormTemplates>
+<p:properties xmlns:p="http://schemas.microsoft.com/office/2006/metadata/properties" xmlns:xsi="http://www.w3.org/2001/XMLSchema-instance" xmlns:pc="http://schemas.microsoft.com/office/infopath/2007/PartnerControls">
+  <documentManagement>
+    <_ip_UnifiedCompliancePolicyUIAction xmlns="http://schemas.microsoft.com/sharepoint/v3" xsi:nil="true"/>
+    <_ip_UnifiedCompliancePolicyProperties xmlns="http://schemas.microsoft.com/sharepoint/v3" xsi:nil="true"/>
+  </documentManagement>
+</p:properties>
 </file>
 
 <file path=customXml/itemProps1.xml><?xml version="1.0" encoding="utf-8"?>
-<ds:datastoreItem xmlns:ds="http://schemas.openxmlformats.org/officeDocument/2006/customXml" ds:itemID="{BAF7D529-36AB-45DA-B239-2F912F2D1610}">
+<ds:datastoreItem xmlns:ds="http://schemas.openxmlformats.org/officeDocument/2006/customXml" ds:itemID="{F18501AF-04CF-4482-BAE1-607B49DDC378}">
   <ds:schemaRefs>
-    <ds:schemaRef ds:uri="http://purl.org/dc/elements/1.1/"/>
-    <ds:schemaRef ds:uri="http://schemas.microsoft.com/office/2006/metadata/properties"/>
-    <ds:schemaRef ds:uri="http://purl.org/dc/terms/"/>
-    <ds:schemaRef ds:uri="http://schemas.microsoft.com/office/infopath/2007/PartnerControls"/>
-    <ds:schemaRef ds:uri="http://purl.org/dc/dcmitype/"/>
-    <ds:schemaRef ds:uri="http://schemas.openxmlformats.org/package/2006/metadata/core-properties"/>
-    <ds:schemaRef ds:uri="http://schemas.microsoft.com/office/2006/documentManagement/types"/>
-    <ds:schemaRef ds:uri="d9c797ad-d7c3-4982-82b7-81352a75e4a5"/>
-    <ds:schemaRef ds:uri="2023ac63-7b75-4916-a9ee-591457758eee"/>
-    <ds:schemaRef ds:uri="http://schemas.microsoft.com/sharepoint/v3"/>
-    <ds:schemaRef ds:uri="http://www.w3.org/XML/1998/namespace"/>
+    <ds:schemaRef ds:uri="http://schemas.microsoft.com/sharepoint/v3/contenttype/forms"/>
   </ds:schemaRefs>
 </ds:datastoreItem>
 </file>
@@ -37491,9 +37487,19 @@
 </file>
 
 <file path=customXml/itemProps3.xml><?xml version="1.0" encoding="utf-8"?>
-<ds:datastoreItem xmlns:ds="http://schemas.openxmlformats.org/officeDocument/2006/customXml" ds:itemID="{F18501AF-04CF-4482-BAE1-607B49DDC378}">
+<ds:datastoreItem xmlns:ds="http://schemas.openxmlformats.org/officeDocument/2006/customXml" ds:itemID="{BAF7D529-36AB-45DA-B239-2F912F2D1610}">
   <ds:schemaRefs>
-    <ds:schemaRef ds:uri="http://schemas.microsoft.com/sharepoint/v3/contenttype/forms"/>
+    <ds:schemaRef ds:uri="http://purl.org/dc/elements/1.1/"/>
+    <ds:schemaRef ds:uri="http://schemas.microsoft.com/office/2006/metadata/properties"/>
+    <ds:schemaRef ds:uri="http://purl.org/dc/terms/"/>
+    <ds:schemaRef ds:uri="http://schemas.microsoft.com/office/infopath/2007/PartnerControls"/>
+    <ds:schemaRef ds:uri="http://purl.org/dc/dcmitype/"/>
+    <ds:schemaRef ds:uri="http://schemas.openxmlformats.org/package/2006/metadata/core-properties"/>
+    <ds:schemaRef ds:uri="http://schemas.microsoft.com/office/2006/documentManagement/types"/>
+    <ds:schemaRef ds:uri="d9c797ad-d7c3-4982-82b7-81352a75e4a5"/>
+    <ds:schemaRef ds:uri="2023ac63-7b75-4916-a9ee-591457758eee"/>
+    <ds:schemaRef ds:uri="http://schemas.microsoft.com/sharepoint/v3"/>
+    <ds:schemaRef ds:uri="http://www.w3.org/XML/1998/namespace"/>
   </ds:schemaRefs>
 </ds:datastoreItem>
 </file>
--- a/Whiteboard design session/WDS trainer presentation - Cosmos DB Real Time Advanced Analytics.pptx
+++ b/Whiteboard design session/WDS trainer presentation - Cosmos DB Real Time Advanced Analytics.pptx
@@ -6,7 +6,7 @@
     <p:sldMasterId id="2147483665" r:id="rId5"/>
   </p:sldMasterIdLst>
   <p:notesMasterIdLst>
-    <p:notesMasterId r:id="rId45"/>
+    <p:notesMasterId r:id="rId48"/>
   </p:notesMasterIdLst>
   <p:sldIdLst>
     <p:sldId id="300" r:id="rId6"/>
@@ -18,36 +18,39 @@
     <p:sldId id="324" r:id="rId12"/>
     <p:sldId id="325" r:id="rId13"/>
     <p:sldId id="304" r:id="rId14"/>
-    <p:sldId id="305" r:id="rId15"/>
-    <p:sldId id="320" r:id="rId16"/>
-    <p:sldId id="322" r:id="rId17"/>
-    <p:sldId id="321" r:id="rId18"/>
-    <p:sldId id="317" r:id="rId19"/>
-    <p:sldId id="316" r:id="rId20"/>
-    <p:sldId id="326" r:id="rId21"/>
-    <p:sldId id="327" r:id="rId22"/>
-    <p:sldId id="328" r:id="rId23"/>
-    <p:sldId id="329" r:id="rId24"/>
-    <p:sldId id="330" r:id="rId25"/>
-    <p:sldId id="331" r:id="rId26"/>
-    <p:sldId id="332" r:id="rId27"/>
-    <p:sldId id="333" r:id="rId28"/>
-    <p:sldId id="334" r:id="rId29"/>
-    <p:sldId id="335" r:id="rId30"/>
-    <p:sldId id="319" r:id="rId31"/>
-    <p:sldId id="336" r:id="rId32"/>
-    <p:sldId id="337" r:id="rId33"/>
-    <p:sldId id="318" r:id="rId34"/>
-    <p:sldId id="315" r:id="rId35"/>
-    <p:sldId id="306" r:id="rId36"/>
-    <p:sldId id="307" r:id="rId37"/>
-    <p:sldId id="308" r:id="rId38"/>
-    <p:sldId id="309" r:id="rId39"/>
-    <p:sldId id="310" r:id="rId40"/>
-    <p:sldId id="311" r:id="rId41"/>
-    <p:sldId id="312" r:id="rId42"/>
-    <p:sldId id="313" r:id="rId43"/>
-    <p:sldId id="314" r:id="rId44"/>
+    <p:sldId id="338" r:id="rId15"/>
+    <p:sldId id="305" r:id="rId16"/>
+    <p:sldId id="320" r:id="rId17"/>
+    <p:sldId id="322" r:id="rId18"/>
+    <p:sldId id="321" r:id="rId19"/>
+    <p:sldId id="317" r:id="rId20"/>
+    <p:sldId id="316" r:id="rId21"/>
+    <p:sldId id="326" r:id="rId22"/>
+    <p:sldId id="327" r:id="rId23"/>
+    <p:sldId id="328" r:id="rId24"/>
+    <p:sldId id="329" r:id="rId25"/>
+    <p:sldId id="330" r:id="rId26"/>
+    <p:sldId id="331" r:id="rId27"/>
+    <p:sldId id="332" r:id="rId28"/>
+    <p:sldId id="333" r:id="rId29"/>
+    <p:sldId id="334" r:id="rId30"/>
+    <p:sldId id="335" r:id="rId31"/>
+    <p:sldId id="340" r:id="rId32"/>
+    <p:sldId id="319" r:id="rId33"/>
+    <p:sldId id="336" r:id="rId34"/>
+    <p:sldId id="337" r:id="rId35"/>
+    <p:sldId id="339" r:id="rId36"/>
+    <p:sldId id="318" r:id="rId37"/>
+    <p:sldId id="315" r:id="rId38"/>
+    <p:sldId id="306" r:id="rId39"/>
+    <p:sldId id="307" r:id="rId40"/>
+    <p:sldId id="308" r:id="rId41"/>
+    <p:sldId id="309" r:id="rId42"/>
+    <p:sldId id="310" r:id="rId43"/>
+    <p:sldId id="311" r:id="rId44"/>
+    <p:sldId id="312" r:id="rId45"/>
+    <p:sldId id="313" r:id="rId46"/>
+    <p:sldId id="314" r:id="rId47"/>
   </p:sldIdLst>
   <p:sldSz cx="12192000" cy="6858000"/>
   <p:notesSz cx="6858000" cy="9144000"/>
@@ -245,7 +248,7 @@
           <a:p>
             <a:fld id="{52A13B17-C506-4D51-BB37-16B365906619}" type="datetimeFigureOut">
               <a:rPr lang="en-US" smtClean="0"/>
-              <a:t>1/12/2019</a:t>
+              <a:t>1/27/2019</a:t>
             </a:fld>
             <a:endParaRPr lang="en-US"/>
           </a:p>
@@ -700,7 +703,18 @@
           <a:bodyPr/>
           <a:lstStyle/>
           <a:p>
-            <a:endParaRPr lang="en-US"/>
+            <a:r>
+              <a:rPr lang="en-US" sz="1200" b="0" kern="1200" dirty="0">
+                <a:solidFill>
+                  <a:schemeClr val="tx1"/>
+                </a:solidFill>
+                <a:effectLst/>
+                <a:latin typeface="+mn-lt"/>
+                <a:ea typeface="+mn-ea"/>
+                <a:cs typeface="+mn-cs"/>
+              </a:rPr>
+              <a:t>We are concerned about how much it costs to use Cosmos DB for our solution. What is the real value in using this service?</a:t>
+            </a:r>
           </a:p>
         </p:txBody>
       </p:sp>
@@ -730,7 +744,7 @@
     </p:spTree>
     <p:extLst>
       <p:ext uri="{BB962C8B-B14F-4D97-AF65-F5344CB8AC3E}">
-        <p14:creationId xmlns:p14="http://schemas.microsoft.com/office/powerpoint/2010/main" val="1267405105"/>
+        <p14:creationId xmlns:p14="http://schemas.microsoft.com/office/powerpoint/2010/main" val="3134686713"/>
       </p:ext>
     </p:extLst>
   </p:cSld>
@@ -784,7 +798,7 @@
           <a:bodyPr/>
           <a:lstStyle/>
           <a:p>
-            <a:endParaRPr lang="en-US" dirty="0"/>
+            <a:endParaRPr lang="en-US"/>
           </a:p>
         </p:txBody>
       </p:sp>
@@ -814,7 +828,7 @@
     </p:spTree>
     <p:extLst>
       <p:ext uri="{BB962C8B-B14F-4D97-AF65-F5344CB8AC3E}">
-        <p14:creationId xmlns:p14="http://schemas.microsoft.com/office/powerpoint/2010/main" val="3229744285"/>
+        <p14:creationId xmlns:p14="http://schemas.microsoft.com/office/powerpoint/2010/main" val="1267405105"/>
       </p:ext>
     </p:extLst>
   </p:cSld>
@@ -898,7 +912,7 @@
     </p:spTree>
     <p:extLst>
       <p:ext uri="{BB962C8B-B14F-4D97-AF65-F5344CB8AC3E}">
-        <p14:creationId xmlns:p14="http://schemas.microsoft.com/office/powerpoint/2010/main" val="251902611"/>
+        <p14:creationId xmlns:p14="http://schemas.microsoft.com/office/powerpoint/2010/main" val="3229744285"/>
       </p:ext>
     </p:extLst>
   </p:cSld>
@@ -982,7 +996,7 @@
     </p:spTree>
     <p:extLst>
       <p:ext uri="{BB962C8B-B14F-4D97-AF65-F5344CB8AC3E}">
-        <p14:creationId xmlns:p14="http://schemas.microsoft.com/office/powerpoint/2010/main" val="1579283386"/>
+        <p14:creationId xmlns:p14="http://schemas.microsoft.com/office/powerpoint/2010/main" val="251902611"/>
       </p:ext>
     </p:extLst>
   </p:cSld>
@@ -1036,7 +1050,7 @@
           <a:bodyPr/>
           <a:lstStyle/>
           <a:p>
-            <a:endParaRPr lang="en-US"/>
+            <a:endParaRPr lang="en-US" dirty="0"/>
           </a:p>
         </p:txBody>
       </p:sp>
@@ -1066,7 +1080,7 @@
     </p:spTree>
     <p:extLst>
       <p:ext uri="{BB962C8B-B14F-4D97-AF65-F5344CB8AC3E}">
-        <p14:creationId xmlns:p14="http://schemas.microsoft.com/office/powerpoint/2010/main" val="647674203"/>
+        <p14:creationId xmlns:p14="http://schemas.microsoft.com/office/powerpoint/2010/main" val="1579283386"/>
       </p:ext>
     </p:extLst>
   </p:cSld>
@@ -1120,67 +1134,7 @@
           <a:bodyPr/>
           <a:lstStyle/>
           <a:p>
-            <a:r>
-              <a:rPr lang="en-US" sz="1200" b="0" i="0" kern="1200" dirty="0">
-                <a:solidFill>
-                  <a:schemeClr val="tx1"/>
-                </a:solidFill>
-                <a:effectLst/>
-                <a:latin typeface="+mn-lt"/>
-                <a:ea typeface="+mn-ea"/>
-                <a:cs typeface="+mn-cs"/>
-              </a:rPr>
-              <a:t>The solution begins with the payment transaction systems writing to Azure Cosmos DB. With change feed enabled in Cosmos, the transactions can be read as a stream of incoming data within an Azure Databricks notebook, using the </a:t>
-            </a:r>
-            <a:r>
-              <a:rPr lang="en-US" dirty="0"/>
-              <a:t>azure-</a:t>
-            </a:r>
-            <a:r>
-              <a:rPr lang="en-US" dirty="0" err="1"/>
-              <a:t>cosmosdb</a:t>
-            </a:r>
-            <a:r>
-              <a:rPr lang="en-US" dirty="0"/>
-              <a:t>-spark</a:t>
-            </a:r>
-            <a:r>
-              <a:rPr lang="en-US" sz="1200" b="0" i="0" kern="1200" dirty="0">
-                <a:solidFill>
-                  <a:schemeClr val="tx1"/>
-                </a:solidFill>
-                <a:effectLst/>
-                <a:latin typeface="+mn-lt"/>
-                <a:ea typeface="+mn-ea"/>
-                <a:cs typeface="+mn-cs"/>
-              </a:rPr>
-              <a:t> connector, and stored long-term within a Delta table backed by Data Lake Storage. This data can be accessed by business analysts using dashboards and reports in Power BI, using Power BI's Spark connector. Data scientists and engineers can create their own reports against this data, using Databricks notebooks. Azure Databricks also supports training and validating the machine learning model, using historical data stored in Data Lake Storage. The model can periodically be re-trained using the data stored in Delta tables. Azure Machine Learning is used to host the trained model and deploy it as a real-time scoring web service, using a highly available AKS cluster. The trained model is also used in scheduled offline scoring through Databricks jobs, and the "suspicious activity" output is stored in Azure Cosmos DB so it is globally available in regions closest to </a:t>
-            </a:r>
-            <a:r>
-              <a:rPr lang="en-US" sz="1200" b="0" i="0" kern="1200" dirty="0" err="1">
-                <a:solidFill>
-                  <a:schemeClr val="tx1"/>
-                </a:solidFill>
-                <a:effectLst/>
-                <a:latin typeface="+mn-lt"/>
-                <a:ea typeface="+mn-ea"/>
-                <a:cs typeface="+mn-cs"/>
-              </a:rPr>
-              <a:t>Woodgrove</a:t>
-            </a:r>
-            <a:r>
-              <a:rPr lang="en-US" sz="1200" b="0" i="0" kern="1200" dirty="0">
-                <a:solidFill>
-                  <a:schemeClr val="tx1"/>
-                </a:solidFill>
-                <a:effectLst/>
-                <a:latin typeface="+mn-lt"/>
-                <a:ea typeface="+mn-ea"/>
-                <a:cs typeface="+mn-cs"/>
-              </a:rPr>
-              <a:t> Bank's customers through their web applications. Finally, Azure Key Vault is used to securely store secrets, such as account keys and connection strings, and serves as a backing for Azure Databricks secret scopes.</a:t>
-            </a:r>
-            <a:endParaRPr lang="en-US" dirty="0"/>
+            <a:endParaRPr lang="en-US"/>
           </a:p>
         </p:txBody>
       </p:sp>
@@ -1210,7 +1164,7 @@
     </p:spTree>
     <p:extLst>
       <p:ext uri="{BB962C8B-B14F-4D97-AF65-F5344CB8AC3E}">
-        <p14:creationId xmlns:p14="http://schemas.microsoft.com/office/powerpoint/2010/main" val="4179281765"/>
+        <p14:creationId xmlns:p14="http://schemas.microsoft.com/office/powerpoint/2010/main" val="647674203"/>
       </p:ext>
     </p:extLst>
   </p:cSld>
@@ -1264,9 +1218,8 @@
           <a:bodyPr/>
           <a:lstStyle/>
           <a:p>
-            <a:pPr lvl="0"/>
-            <a:r>
-              <a:rPr lang="en-US" sz="1200" b="1" i="0" kern="1200" dirty="0">
+            <a:r>
+              <a:rPr lang="en-US" sz="1200" b="0" kern="1200" dirty="0">
                 <a:solidFill>
                   <a:schemeClr val="tx1"/>
                 </a:solidFill>
@@ -1275,10 +1228,10 @@
                 <a:ea typeface="+mn-ea"/>
                 <a:cs typeface="+mn-cs"/>
               </a:rPr>
-              <a:t>Which data storage service would you recommend for storing the suspicious transactions? Remember, </a:t>
-            </a:r>
-            <a:r>
-              <a:rPr lang="en-US" sz="1200" b="1" i="0" kern="1200" dirty="0" err="1">
+              <a:t>The solution begins with the payment transaction systems writing transactions to Azure Cosmos DB. With change feed enabled in Cosmos DB, the transactions can be read as a stream of incoming data within an Azure Databricks notebook, using the `azure-</a:t>
+            </a:r>
+            <a:r>
+              <a:rPr lang="en-US" sz="1200" b="0" kern="1200" dirty="0" err="1">
                 <a:solidFill>
                   <a:schemeClr val="tx1"/>
                 </a:solidFill>
@@ -1287,10 +1240,10 @@
                 <a:ea typeface="+mn-ea"/>
                 <a:cs typeface="+mn-cs"/>
               </a:rPr>
-              <a:t>Woodgrove</a:t>
-            </a:r>
-            <a:r>
-              <a:rPr lang="en-US" sz="1200" b="1" i="0" kern="1200" dirty="0">
+              <a:t>cosmosdb</a:t>
+            </a:r>
+            <a:r>
+              <a:rPr lang="en-US" sz="1200" b="0" kern="1200" dirty="0">
                 <a:solidFill>
                   <a:schemeClr val="tx1"/>
                 </a:solidFill>
@@ -1299,16 +1252,10 @@
                 <a:ea typeface="+mn-ea"/>
                 <a:cs typeface="+mn-cs"/>
               </a:rPr>
-              <a:t> Bank wants to minimize access latency for their global customers. Be specific about how data is replicated.</a:t>
-            </a:r>
-          </a:p>
-          <a:p>
-            <a:pPr marL="0" indent="0">
-              <a:buFontTx/>
-              <a:buNone/>
-            </a:pPr>
-            <a:r>
-              <a:rPr lang="en-US" sz="1200" b="0" i="0" kern="1200" dirty="0">
+              <a:t>-spark` connector, and stored long-term within an Azure Databricks Delta table backed by Azure Data Lake Storage. The Delta tables efficiently manage inserts and updates (e.g., </a:t>
+            </a:r>
+            <a:r>
+              <a:rPr lang="en-US" sz="1200" b="0" kern="1200" dirty="0" err="1">
                 <a:solidFill>
                   <a:schemeClr val="tx1"/>
                 </a:solidFill>
@@ -1317,16 +1264,10 @@
                 <a:ea typeface="+mn-ea"/>
                 <a:cs typeface="+mn-cs"/>
               </a:rPr>
-              <a:t>- Cosmos DB is well-suited for delivering large amounts of data in a fast and reliable way through data centers around the world. It supports multiple models (documents, graphs, key-value, column-family) without requiring schemas, which provides the flexibility of choice and changing data feature requirements. In addition, there is a connector available for reading and writing to Cosmos DB from Spark clusters, like those in Azure Databricks, making it a good candidate for both data ingest and as a data serving layer. Be sure to select a partition key that provides even distribution of storage and throughput, which also impacts scalability.</a:t>
-            </a:r>
-          </a:p>
-          <a:p>
-            <a:pPr marL="0" indent="0">
-              <a:buFontTx/>
-              <a:buNone/>
-            </a:pPr>
-            <a:r>
-              <a:rPr lang="en-US" sz="1200" b="1" i="0" kern="1200" dirty="0">
+              <a:t>upserts</a:t>
+            </a:r>
+            <a:r>
+              <a:rPr lang="en-US" sz="1200" b="0" kern="1200" dirty="0">
                 <a:solidFill>
                   <a:schemeClr val="tx1"/>
                 </a:solidFill>
@@ -1335,16 +1276,10 @@
                 <a:ea typeface="+mn-ea"/>
                 <a:cs typeface="+mn-cs"/>
               </a:rPr>
-              <a:t>How does your chosen service handle scaling to meet varying levels of demand across different regions? Can you set specific capacity for specific regions?</a:t>
-            </a:r>
-          </a:p>
-          <a:p>
-            <a:pPr marL="0" indent="0">
-              <a:buFontTx/>
-              <a:buNone/>
-            </a:pPr>
-            <a:r>
-              <a:rPr lang="en-US" sz="1200" b="0" i="0" kern="1200" dirty="0">
+              <a:t>) to the transaction data. Tables created in Databricks over this data can be accessed by business analysts using dashboards and reports in Power BI, by using Power BI's Spark connector. Alternately, semantic models can be stored in Azure Analysis Service to serve data to Power BI, eliminating the need to keep a dedicated Databricks cluster running for reporting. Data scientists and engineers can create their own reports against Databricks tables, using Azure Databricks notebooks. Azure Databricks also supports training and validating the machine learning model, using historical data stored in Azure Data Lake Storage. The model can be periodically re-trained using the data stored in Delta tables or other historical tables. The Azure Machine Learning service is used to deploy the trained model as a real-time scoring web service running on a highly available Azure Kubernetes Service cluster (AKS cluster). The trained model is also used in scheduled offline scoring through Databricks jobs, and the "suspicious activity" output is stored in Azure Cosmos DB so it is globally available in regions closest to </a:t>
+            </a:r>
+            <a:r>
+              <a:rPr lang="en-US" sz="1200" b="0" kern="1200" dirty="0" err="1">
                 <a:solidFill>
                   <a:schemeClr val="tx1"/>
                 </a:solidFill>
@@ -1353,7 +1288,19 @@
                 <a:ea typeface="+mn-ea"/>
                 <a:cs typeface="+mn-cs"/>
               </a:rPr>
-              <a:t>- Cosmos DB throughput represented as request units/second (RUs). You can quickly and easily add/remove regions without impacting your apps. Scale to millions/requests per second. You cannot selectively assign different Rus to a specific region. Rus are provisioned for a container (database) for all associated regions.</a:t>
+              <a:t>Woodgrove</a:t>
+            </a:r>
+            <a:r>
+              <a:rPr lang="en-US" sz="1200" b="0" kern="1200" dirty="0">
+                <a:solidFill>
+                  <a:schemeClr val="tx1"/>
+                </a:solidFill>
+                <a:effectLst/>
+                <a:latin typeface="+mn-lt"/>
+                <a:ea typeface="+mn-ea"/>
+                <a:cs typeface="+mn-cs"/>
+              </a:rPr>
+              <a:t> Bank's customers through their web applications. Finally, Azure Key Vault is used to securely store secrets, such as account keys and connection strings, and serves as a backing for Azure Databricks secret scopes.</a:t>
             </a:r>
           </a:p>
         </p:txBody>
@@ -1377,14 +1324,14 @@
               <a:rPr lang="en-US" smtClean="0"/>
               <a:t>16</a:t>
             </a:fld>
-            <a:endParaRPr lang="en-US" dirty="0"/>
+            <a:endParaRPr lang="en-US"/>
           </a:p>
         </p:txBody>
       </p:sp>
     </p:spTree>
     <p:extLst>
       <p:ext uri="{BB962C8B-B14F-4D97-AF65-F5344CB8AC3E}">
-        <p14:creationId xmlns:p14="http://schemas.microsoft.com/office/powerpoint/2010/main" val="4115832635"/>
+        <p14:creationId xmlns:p14="http://schemas.microsoft.com/office/powerpoint/2010/main" val="4179281765"/>
       </p:ext>
     </p:extLst>
   </p:cSld>
@@ -1449,7 +1396,7 @@
                 <a:ea typeface="+mn-ea"/>
                 <a:cs typeface="+mn-cs"/>
               </a:rPr>
-              <a:t>Distributed databases that replicate data to multiple locations have some potential delay between when you write a record and when that record is available for reading. What options does your chosen service have to ensure the data is not "stale" when read? Are there any tradeoffs between reducing the window between writes, and if so, how do they apply to </a:t>
+              <a:t>Which data storage service would you recommend for storing the suspicious transactions? Remember, </a:t>
             </a:r>
             <a:r>
               <a:rPr lang="en-US" sz="1200" b="1" i="0" kern="1200" dirty="0" err="1">
@@ -1473,11 +1420,14 @@
                 <a:ea typeface="+mn-ea"/>
                 <a:cs typeface="+mn-cs"/>
               </a:rPr>
-              <a:t> Bank's situation?</a:t>
-            </a:r>
-          </a:p>
-          <a:p>
-            <a:pPr lvl="0"/>
+              <a:t> Bank wants to minimize access latency for their global customers. Be specific about how data is replicated.</a:t>
+            </a:r>
+          </a:p>
+          <a:p>
+            <a:pPr marL="0" indent="0">
+              <a:buFontTx/>
+              <a:buNone/>
+            </a:pPr>
             <a:r>
               <a:rPr lang="en-US" sz="1200" b="0" i="0" kern="1200" dirty="0">
                 <a:solidFill>
@@ -1488,10 +1438,16 @@
                 <a:ea typeface="+mn-ea"/>
                 <a:cs typeface="+mn-cs"/>
               </a:rPr>
-              <a:t>- Cosmos DB offers 5 different consistency levels (strong, bounded staleness, session, consistent prefix, and eventual). There are tradeoffs between read consistency, availability, latency, and throughput with these levels. Session is the default, and it along with consistent prefix and eventual consistency provide roughly 2x read throughput compared to the stronger levels. </a:t>
-            </a:r>
-            <a:r>
-              <a:rPr lang="en-US" sz="1200" b="0" i="0" kern="1200" dirty="0" err="1">
+              <a:t>- Cosmos DB is well-suited for delivering large amounts of data in a fast and reliable way through data centers around the world. It supports multiple models (documents, graphs, key-value, column-family) without requiring schemas, which provides the flexibility of choice and changing data feature requirements. In addition, there is a connector available for reading and writing to Cosmos DB from Spark clusters, like those in Azure Databricks, making it a good candidate for both data ingest and as a data serving layer. Be sure to select a partition key that provides even distribution of storage and throughput, which also impacts scalability.</a:t>
+            </a:r>
+          </a:p>
+          <a:p>
+            <a:pPr marL="0" indent="0">
+              <a:buFontTx/>
+              <a:buNone/>
+            </a:pPr>
+            <a:r>
+              <a:rPr lang="en-US" sz="1200" b="1" i="0" kern="1200" dirty="0">
                 <a:solidFill>
                   <a:schemeClr val="tx1"/>
                 </a:solidFill>
@@ -1500,8 +1456,14 @@
                 <a:ea typeface="+mn-ea"/>
                 <a:cs typeface="+mn-cs"/>
               </a:rPr>
-              <a:t>Woodgrove</a:t>
-            </a:r>
+              <a:t>How does your chosen service handle scaling to meet varying levels of demand across different regions? Can you set specific capacity for specific regions?</a:t>
+            </a:r>
+          </a:p>
+          <a:p>
+            <a:pPr marL="0" indent="0">
+              <a:buFontTx/>
+              <a:buNone/>
+            </a:pPr>
             <a:r>
               <a:rPr lang="en-US" sz="1200" b="0" i="0" kern="1200" dirty="0">
                 <a:solidFill>
@@ -1512,16 +1474,8 @@
                 <a:ea typeface="+mn-ea"/>
                 <a:cs typeface="+mn-cs"/>
               </a:rPr>
-              <a:t> can use session consistency level for offline storage of suspicious activity, as it is very heavy on reads with seldom writes. For real-time transaction ingest, they should consider either Cosmos DB stored procedures or monitor the Probabilistically Bounded Staleness (PBS) metric of their Cosmos DB transactions to help select the most appropriate consistency level.</a:t>
-            </a:r>
-            <a:endParaRPr lang="en-US" sz="2200" b="0" dirty="0">
-              <a:solidFill>
-                <a:schemeClr val="tx1"/>
-              </a:solidFill>
-              <a:latin typeface="Segoe UI" panose="020B0502040204020203" pitchFamily="34" charset="0"/>
-              <a:ea typeface="Segoe UI" panose="020B0502040204020203" pitchFamily="34" charset="0"/>
-              <a:cs typeface="Segoe UI" panose="020B0502040204020203" pitchFamily="34" charset="0"/>
-            </a:endParaRPr>
+              <a:t>- Cosmos DB throughput represented as request units/second (RUs). You can quickly and easily add/remove regions without impacting your apps. Scale to millions/requests per second. You cannot selectively assign different Rus to a specific region. Rus are provisioned for a container (database) for all associated regions.</a:t>
+            </a:r>
           </a:p>
         </p:txBody>
       </p:sp>
@@ -1551,7 +1505,7 @@
     </p:spTree>
     <p:extLst>
       <p:ext uri="{BB962C8B-B14F-4D97-AF65-F5344CB8AC3E}">
-        <p14:creationId xmlns:p14="http://schemas.microsoft.com/office/powerpoint/2010/main" val="1017964691"/>
+        <p14:creationId xmlns:p14="http://schemas.microsoft.com/office/powerpoint/2010/main" val="4115832635"/>
       </p:ext>
     </p:extLst>
   </p:cSld>
@@ -1616,13 +1570,10 @@
                 <a:ea typeface="+mn-ea"/>
                 <a:cs typeface="+mn-cs"/>
               </a:rPr>
-              <a:t>What are your recommended options for ingesting payment transaction events as they occur in a scalable way that can be easily processed while maintaining event order with no data loss?</a:t>
-            </a:r>
-          </a:p>
-          <a:p>
-            <a:pPr lvl="0"/>
-            <a:r>
-              <a:rPr lang="en-US" sz="1200" b="0" i="0" kern="1200" dirty="0">
+              <a:t>Distributed databases that replicate data to multiple locations have some potential delay between when you write a record and when that record is available for reading. What options does your chosen service have to ensure the data is not "stale" when read? Are there any tradeoffs between reducing the window between writes, and if so, how do they apply to </a:t>
+            </a:r>
+            <a:r>
+              <a:rPr lang="en-US" sz="1200" b="1" i="0" kern="1200" dirty="0" err="1">
                 <a:solidFill>
                   <a:schemeClr val="tx1"/>
                 </a:solidFill>
@@ -1631,10 +1582,8 @@
                 <a:ea typeface="+mn-ea"/>
                 <a:cs typeface="+mn-cs"/>
               </a:rPr>
-              <a:t>- There are a couple of options in Azure for ingesting real-time streaming payment transactions. Which one you choose will depend on various factors, including the rate of flow (how many transactions/second), data source and compatibility, level of effort to implement, and long-term storage needs.</a:t>
-            </a:r>
-          </a:p>
-          <a:p>
+              <a:t>Woodgrove</a:t>
+            </a:r>
             <a:r>
               <a:rPr lang="en-US" sz="1200" b="1" i="0" kern="1200" dirty="0">
                 <a:solidFill>
@@ -1645,8 +1594,11 @@
                 <a:ea typeface="+mn-ea"/>
                 <a:cs typeface="+mn-cs"/>
               </a:rPr>
-              <a:t>Event Hubs</a:t>
-            </a:r>
+              <a:t> Bank's situation?</a:t>
+            </a:r>
+          </a:p>
+          <a:p>
+            <a:pPr lvl="0"/>
             <a:r>
               <a:rPr lang="en-US" sz="1200" b="0" i="0" kern="1200" dirty="0">
                 <a:solidFill>
@@ -1657,16 +1609,10 @@
                 <a:ea typeface="+mn-ea"/>
                 <a:cs typeface="+mn-cs"/>
               </a:rPr>
-              <a:t> is a Big Data streaming platform and event ingestion service, capable of ingesting millions of events per second. It supports multiple consumers (event processors), and is automatically scalable. Event Hubs is a good candidate for this architecture for the following reasons:</a:t>
-            </a:r>
-          </a:p>
-          <a:p>
-            <a:pPr marL="171450" indent="-171450">
-              <a:buFont typeface="Arial" panose="020B0604020202020204" pitchFamily="34" charset="0"/>
-              <a:buChar char="•"/>
-            </a:pPr>
-            <a:r>
-              <a:rPr lang="en-US" sz="1200" b="0" i="0" kern="1200" dirty="0">
+              <a:t>- Cosmos DB offers 5 different consistency levels (strong, bounded staleness, session, consistent prefix, and eventual). There are tradeoffs between read consistency, availability, latency, and throughput with these levels. Session is the default, and it along with consistent prefix and eventual consistency provide roughly 2x read throughput compared to the stronger levels. </a:t>
+            </a:r>
+            <a:r>
+              <a:rPr lang="en-US" sz="1200" b="0" i="0" kern="1200" dirty="0" err="1">
                 <a:solidFill>
                   <a:schemeClr val="tx1"/>
                 </a:solidFill>
@@ -1675,14 +1621,8 @@
                 <a:ea typeface="+mn-ea"/>
                 <a:cs typeface="+mn-cs"/>
               </a:rPr>
-              <a:t>Fully managed PaaS with little configuration or management overhead.</a:t>
-            </a:r>
-          </a:p>
-          <a:p>
-            <a:pPr marL="171450" indent="-171450">
-              <a:buFont typeface="Arial" panose="020B0604020202020204" pitchFamily="34" charset="0"/>
-              <a:buChar char="•"/>
-            </a:pPr>
+              <a:t>Woodgrove</a:t>
+            </a:r>
             <a:r>
               <a:rPr lang="en-US" sz="1200" b="0" i="0" kern="1200" dirty="0">
                 <a:solidFill>
@@ -1693,259 +1633,8 @@
                 <a:ea typeface="+mn-ea"/>
                 <a:cs typeface="+mn-cs"/>
               </a:rPr>
-              <a:t>Highly scalable to process millions of events per second. Use the Auto-inflate feature to automatically scale the number of throughput units to meet usage needs.</a:t>
-            </a:r>
-          </a:p>
-          <a:p>
-            <a:pPr marL="171450" indent="-171450">
-              <a:buFont typeface="Arial" panose="020B0604020202020204" pitchFamily="34" charset="0"/>
-              <a:buChar char="•"/>
-            </a:pPr>
-            <a:r>
-              <a:rPr lang="en-US" sz="1200" b="0" i="0" kern="1200" dirty="0">
-                <a:solidFill>
-                  <a:schemeClr val="tx1"/>
-                </a:solidFill>
-                <a:effectLst/>
-                <a:latin typeface="+mn-lt"/>
-                <a:ea typeface="+mn-ea"/>
-                <a:cs typeface="+mn-cs"/>
-              </a:rPr>
-              <a:t>Contains an optional Apache Kafka endpoint, allowing for event processing from existing Kafka-based applications. This also allows for simple integration with Apache Spark clusters, such as those hosted in Azure Databricks.</a:t>
-            </a:r>
-          </a:p>
-          <a:p>
-            <a:pPr marL="171450" indent="-171450">
-              <a:buFont typeface="Arial" panose="020B0604020202020204" pitchFamily="34" charset="0"/>
-              <a:buChar char="•"/>
-            </a:pPr>
-            <a:r>
-              <a:rPr lang="en-US" sz="1200" b="0" i="0" kern="1200" dirty="0">
-                <a:solidFill>
-                  <a:schemeClr val="tx1"/>
-                </a:solidFill>
-                <a:effectLst/>
-                <a:latin typeface="+mn-lt"/>
-                <a:ea typeface="+mn-ea"/>
-                <a:cs typeface="+mn-cs"/>
-              </a:rPr>
-              <a:t>Simultaneously supports real-time and batch processing through Event Hubs Capture. This feature allows one to easily capture and store all events in their raw form to either Azure Blob storage or Azure Data Lake Store for long-term retention and micro-batch processing.</a:t>
-            </a:r>
-          </a:p>
-          <a:p>
-            <a:pPr marL="171450" indent="-171450">
-              <a:buFont typeface="Arial" panose="020B0604020202020204" pitchFamily="34" charset="0"/>
-              <a:buChar char="•"/>
-            </a:pPr>
-            <a:r>
-              <a:rPr lang="en-US" sz="1200" b="0" i="0" kern="1200" dirty="0">
-                <a:solidFill>
-                  <a:schemeClr val="tx1"/>
-                </a:solidFill>
-                <a:effectLst/>
-                <a:latin typeface="+mn-lt"/>
-                <a:ea typeface="+mn-ea"/>
-                <a:cs typeface="+mn-cs"/>
-              </a:rPr>
-              <a:t>Event publishers (systems sending payment transaction data) can publish events using HTTPS, AMQP 1.0, or Apache Kafka 1.0 and above.</a:t>
-            </a:r>
-          </a:p>
-          <a:p>
-            <a:pPr marL="171450" indent="-171450">
-              <a:buFont typeface="Arial" panose="020B0604020202020204" pitchFamily="34" charset="0"/>
-              <a:buChar char="•"/>
-            </a:pPr>
-            <a:r>
-              <a:rPr lang="en-US" sz="1200" b="0" i="0" kern="1200" dirty="0">
-                <a:solidFill>
-                  <a:schemeClr val="tx1"/>
-                </a:solidFill>
-                <a:effectLst/>
-                <a:latin typeface="+mn-lt"/>
-                <a:ea typeface="+mn-ea"/>
-                <a:cs typeface="+mn-cs"/>
-              </a:rPr>
-              <a:t>Event consumers can process streams using .NET, Java, Python, Go, or Node.js.</a:t>
-            </a:r>
-          </a:p>
-          <a:p>
-            <a:r>
-              <a:rPr lang="en-US" sz="1200" b="1" i="0" kern="1200" dirty="0">
-                <a:solidFill>
-                  <a:schemeClr val="tx1"/>
-                </a:solidFill>
-                <a:effectLst/>
-                <a:latin typeface="+mn-lt"/>
-                <a:ea typeface="+mn-ea"/>
-                <a:cs typeface="+mn-cs"/>
-              </a:rPr>
-              <a:t>Azure Cosmos DB change feed</a:t>
-            </a:r>
-            <a:r>
-              <a:rPr lang="en-US" sz="1200" b="0" i="0" kern="1200" dirty="0">
-                <a:solidFill>
-                  <a:schemeClr val="tx1"/>
-                </a:solidFill>
-                <a:effectLst/>
-                <a:latin typeface="+mn-lt"/>
-                <a:ea typeface="+mn-ea"/>
-                <a:cs typeface="+mn-cs"/>
-              </a:rPr>
-              <a:t> outputs a sorted list of documents that were changed in the order in which they were modified or inserted. Like Event Hubs, the change feed output can be distributed across one or more consumers for parallel processing. Azure Cosmos DB change feed is a good candidate for this architecture for the following reasons:</a:t>
-            </a:r>
-          </a:p>
-          <a:p>
-            <a:pPr marL="171450" indent="-171450">
-              <a:buFont typeface="Arial" panose="020B0604020202020204" pitchFamily="34" charset="0"/>
-              <a:buChar char="•"/>
-            </a:pPr>
-            <a:r>
-              <a:rPr lang="en-US" sz="1200" b="0" i="0" kern="1200" dirty="0">
-                <a:solidFill>
-                  <a:schemeClr val="tx1"/>
-                </a:solidFill>
-                <a:effectLst/>
-                <a:latin typeface="+mn-lt"/>
-                <a:ea typeface="+mn-ea"/>
-                <a:cs typeface="+mn-cs"/>
-              </a:rPr>
-              <a:t>Fully managed PaaS with little configuration or management overhead.</a:t>
-            </a:r>
-          </a:p>
-          <a:p>
-            <a:pPr marL="171450" indent="-171450">
-              <a:buFont typeface="Arial" panose="020B0604020202020204" pitchFamily="34" charset="0"/>
-              <a:buChar char="•"/>
-            </a:pPr>
-            <a:r>
-              <a:rPr lang="en-US" sz="1200" b="0" i="0" kern="1200" dirty="0">
-                <a:solidFill>
-                  <a:schemeClr val="tx1"/>
-                </a:solidFill>
-                <a:effectLst/>
-                <a:latin typeface="+mn-lt"/>
-                <a:ea typeface="+mn-ea"/>
-                <a:cs typeface="+mn-cs"/>
-              </a:rPr>
-              <a:t>Cosmos DB is highly scalable, and is already being used to store pre-scored fraud data.</a:t>
-            </a:r>
-          </a:p>
-          <a:p>
-            <a:pPr marL="171450" indent="-171450">
-              <a:buFont typeface="Arial" panose="020B0604020202020204" pitchFamily="34" charset="0"/>
-              <a:buChar char="•"/>
-            </a:pPr>
-            <a:r>
-              <a:rPr lang="en-US" sz="1200" b="0" i="0" kern="1200" dirty="0">
-                <a:solidFill>
-                  <a:schemeClr val="tx1"/>
-                </a:solidFill>
-                <a:effectLst/>
-                <a:latin typeface="+mn-lt"/>
-                <a:ea typeface="+mn-ea"/>
-                <a:cs typeface="+mn-cs"/>
-              </a:rPr>
-              <a:t>An Apache Spark connector is available, allowing Azure Databricks clusters to directly access the change feed with very little code.</a:t>
-            </a:r>
-          </a:p>
-          <a:p>
-            <a:pPr marL="171450" indent="-171450">
-              <a:buFont typeface="Arial" panose="020B0604020202020204" pitchFamily="34" charset="0"/>
-              <a:buChar char="•"/>
-            </a:pPr>
-            <a:r>
-              <a:rPr lang="en-US" sz="1200" b="0" i="0" kern="1200" dirty="0">
-                <a:solidFill>
-                  <a:schemeClr val="tx1"/>
-                </a:solidFill>
-                <a:effectLst/>
-                <a:latin typeface="+mn-lt"/>
-                <a:ea typeface="+mn-ea"/>
-                <a:cs typeface="+mn-cs"/>
-              </a:rPr>
-              <a:t>Cosmos DB with change feed enabled acts as both a raw data store for batch processing and stream processing.</a:t>
-            </a:r>
-          </a:p>
-          <a:p>
-            <a:pPr marL="171450" indent="-171450">
-              <a:buFont typeface="Arial" panose="020B0604020202020204" pitchFamily="34" charset="0"/>
-              <a:buChar char="•"/>
-            </a:pPr>
-            <a:r>
-              <a:rPr lang="en-US" sz="1200" b="0" i="0" kern="1200" dirty="0">
-                <a:solidFill>
-                  <a:schemeClr val="tx1"/>
-                </a:solidFill>
-                <a:effectLst/>
-                <a:latin typeface="+mn-lt"/>
-                <a:ea typeface="+mn-ea"/>
-                <a:cs typeface="+mn-cs"/>
-              </a:rPr>
-              <a:t>Event publishers can publish events to Cosmos DB using .NET, Java, Node.js, and Python, using a number of APIs, such as SQL, Cassandra, MongoDB, Gremlin, and Azure Table Storage. However, please note that the change feed feature can only be used by the SQL and Gremlin APIs. </a:t>
-            </a:r>
-            <a:r>
-              <a:rPr lang="en-US" sz="1200" b="0" i="0" kern="1200" dirty="0" err="1">
-                <a:solidFill>
-                  <a:schemeClr val="tx1"/>
-                </a:solidFill>
-                <a:effectLst/>
-                <a:latin typeface="+mn-lt"/>
-                <a:ea typeface="+mn-ea"/>
-                <a:cs typeface="+mn-cs"/>
-              </a:rPr>
-              <a:t>Woodgrove</a:t>
-            </a:r>
-            <a:r>
-              <a:rPr lang="en-US" sz="1200" b="0" i="0" kern="1200" dirty="0">
-                <a:solidFill>
-                  <a:schemeClr val="tx1"/>
-                </a:solidFill>
-                <a:effectLst/>
-                <a:latin typeface="+mn-lt"/>
-                <a:ea typeface="+mn-ea"/>
-                <a:cs typeface="+mn-cs"/>
-              </a:rPr>
-              <a:t> will be using the SQL API, so they will be able to use the change feed feature.</a:t>
-            </a:r>
-          </a:p>
-          <a:p>
-            <a:pPr marL="171450" indent="-171450">
-              <a:buFont typeface="Arial" panose="020B0604020202020204" pitchFamily="34" charset="0"/>
-              <a:buChar char="•"/>
-            </a:pPr>
-            <a:r>
-              <a:rPr lang="en-US" sz="1200" b="0" i="0" kern="1200" dirty="0">
-                <a:solidFill>
-                  <a:schemeClr val="tx1"/>
-                </a:solidFill>
-                <a:effectLst/>
-                <a:latin typeface="+mn-lt"/>
-                <a:ea typeface="+mn-ea"/>
-                <a:cs typeface="+mn-cs"/>
-              </a:rPr>
-              <a:t>Cosmos DB is globally accessible across many Azure regions, bringing it closer to distributed event publishers and consumers.</a:t>
-            </a:r>
-          </a:p>
-          <a:p>
-            <a:pPr marL="171450" indent="-171450">
-              <a:buFont typeface="Arial" panose="020B0604020202020204" pitchFamily="34" charset="0"/>
-              <a:buChar char="•"/>
-            </a:pPr>
-            <a:r>
-              <a:rPr lang="en-US" sz="1200" b="0" i="0" kern="1200" dirty="0">
-                <a:solidFill>
-                  <a:schemeClr val="tx1"/>
-                </a:solidFill>
-                <a:effectLst/>
-                <a:latin typeface="+mn-lt"/>
-                <a:ea typeface="+mn-ea"/>
-                <a:cs typeface="+mn-cs"/>
-              </a:rPr>
-              <a:t>In a multi-region Azure Cosmos account, if a write-region fails over, change feed will work across the manual failover operation and it will be contiguous.</a:t>
-            </a:r>
-          </a:p>
-          <a:p>
-            <a:pPr lvl="0"/>
+              <a:t> can use session consistency level for offline storage of suspicious activity, as it is very heavy on reads with seldom writes. For real-time transaction ingest, they should consider either Cosmos DB stored procedures or monitor the Probabilistically Bounded Staleness (PBS) metric of their Cosmos DB transactions to help select the most appropriate consistency level.</a:t>
+            </a:r>
             <a:endParaRPr lang="en-US" sz="2200" b="0" dirty="0">
               <a:solidFill>
                 <a:schemeClr val="tx1"/>
@@ -1983,7 +1672,7 @@
     </p:spTree>
     <p:extLst>
       <p:ext uri="{BB962C8B-B14F-4D97-AF65-F5344CB8AC3E}">
-        <p14:creationId xmlns:p14="http://schemas.microsoft.com/office/powerpoint/2010/main" val="126400301"/>
+        <p14:creationId xmlns:p14="http://schemas.microsoft.com/office/powerpoint/2010/main" val="1017964691"/>
       </p:ext>
     </p:extLst>
   </p:cSld>
@@ -2048,10 +1737,11 @@
                 <a:ea typeface="+mn-ea"/>
                 <a:cs typeface="+mn-cs"/>
               </a:rPr>
-              <a:t>Of the ingest options you identified previously, which would you recommend for the scenario?</a:t>
-            </a:r>
-          </a:p>
-          <a:p>
+              <a:t>What are your recommended options for ingesting payment transaction events as they occur in a scalable way that can be easily processed while maintaining event order with no data loss?</a:t>
+            </a:r>
+          </a:p>
+          <a:p>
+            <a:pPr lvl="0"/>
             <a:r>
               <a:rPr lang="en-US" sz="1200" b="0" i="0" kern="1200" dirty="0">
                 <a:solidFill>
@@ -2062,23 +1752,12 @@
                 <a:ea typeface="+mn-ea"/>
                 <a:cs typeface="+mn-cs"/>
               </a:rPr>
-              <a:t>- Both services are certainly capable of acting as the ingestion service. They both support a high rate of flow, and both have options for long-term storage needs. However, Event Hubs requires an extra step for long-term storage, which is handled through Event Hubs Capture, whereas Cosmos DB already acts as this storage for raw data. Level of effort to implement tilts the scale toward Cosmos DB since transactional data is already being written to a database, those payment processors can be updated to also write to Cosmos DB, or switch over to Cosmos entirely if it makes sense. Event Hubs requires adding an event service to their architecture and learning how to use it from their current systems.</a:t>
-            </a:r>
-          </a:p>
-          <a:p>
-            <a:endParaRPr lang="en-US" sz="1200" b="0" i="0" kern="1200" dirty="0">
-              <a:solidFill>
-                <a:schemeClr val="tx1"/>
-              </a:solidFill>
-              <a:effectLst/>
-              <a:latin typeface="+mn-lt"/>
-              <a:ea typeface="+mn-ea"/>
-              <a:cs typeface="+mn-cs"/>
-            </a:endParaRPr>
-          </a:p>
-          <a:p>
-            <a:r>
-              <a:rPr lang="en-US" sz="1200" b="0" i="0" kern="1200" dirty="0">
+              <a:t>- There are a couple of options in Azure for ingesting real-time streaming payment transactions. Which one you choose will depend on various factors, including the rate of flow (how many transactions/second), data source and compatibility, level of effort to implement, and long-term storage needs.</a:t>
+            </a:r>
+          </a:p>
+          <a:p>
+            <a:r>
+              <a:rPr lang="en-US" sz="1200" b="1" i="0" kern="1200" dirty="0">
                 <a:solidFill>
                   <a:schemeClr val="tx1"/>
                 </a:solidFill>
@@ -2087,10 +1766,10 @@
                 <a:ea typeface="+mn-ea"/>
                 <a:cs typeface="+mn-cs"/>
               </a:rPr>
-              <a:t>- Apart from addressing the primary decision factors above, another strong consideration for choosing Cosmos DB is the issue of data sovereignty. Since </a:t>
-            </a:r>
-            <a:r>
-              <a:rPr lang="en-US" sz="1200" b="0" i="0" kern="1200" dirty="0" err="1">
+              <a:t>Event Hubs</a:t>
+            </a:r>
+            <a:r>
+              <a:rPr lang="en-US" sz="1200" b="0" i="0" kern="1200" dirty="0">
                 <a:solidFill>
                   <a:schemeClr val="tx1"/>
                 </a:solidFill>
@@ -2099,8 +1778,14 @@
                 <a:ea typeface="+mn-ea"/>
                 <a:cs typeface="+mn-cs"/>
               </a:rPr>
-              <a:t>Woodgrove</a:t>
-            </a:r>
+              <a:t> is a Big Data streaming platform and event ingestion service, capable of ingesting millions of events per second. It supports multiple consumers (event processors), and is automatically scalable. Event Hubs is a good candidate for this architecture for the following reasons:</a:t>
+            </a:r>
+          </a:p>
+          <a:p>
+            <a:pPr marL="171450" indent="-171450">
+              <a:buFont typeface="Arial" panose="020B0604020202020204" pitchFamily="34" charset="0"/>
+              <a:buChar char="•"/>
+            </a:pPr>
             <a:r>
               <a:rPr lang="en-US" sz="1200" b="0" i="0" kern="1200" dirty="0">
                 <a:solidFill>
@@ -2111,8 +1796,285 @@
                 <a:ea typeface="+mn-ea"/>
                 <a:cs typeface="+mn-cs"/>
               </a:rPr>
-              <a:t> Bank has customers around the world, some countries in which they operate may not allow data to be written and stored in a different country. Since Cosmos DB makes it easy to distribute data on a global scale, it may be required to have separate collections per region to meet regulatory requirements. This limitation can be worked around with Event Hubs, but the level of effort to do so may not be worth it in the long run. In this case, we will recommend Azure Cosmos DB for ingest.</a:t>
-            </a:r>
+              <a:t>Fully managed PaaS with little configuration or management overhead.</a:t>
+            </a:r>
+          </a:p>
+          <a:p>
+            <a:pPr marL="171450" indent="-171450">
+              <a:buFont typeface="Arial" panose="020B0604020202020204" pitchFamily="34" charset="0"/>
+              <a:buChar char="•"/>
+            </a:pPr>
+            <a:r>
+              <a:rPr lang="en-US" sz="1200" b="0" i="0" kern="1200" dirty="0">
+                <a:solidFill>
+                  <a:schemeClr val="tx1"/>
+                </a:solidFill>
+                <a:effectLst/>
+                <a:latin typeface="+mn-lt"/>
+                <a:ea typeface="+mn-ea"/>
+                <a:cs typeface="+mn-cs"/>
+              </a:rPr>
+              <a:t>Highly scalable to process millions of events per second. Use the Auto-inflate feature to automatically scale the number of throughput units to meet usage needs.</a:t>
+            </a:r>
+          </a:p>
+          <a:p>
+            <a:pPr marL="171450" indent="-171450">
+              <a:buFont typeface="Arial" panose="020B0604020202020204" pitchFamily="34" charset="0"/>
+              <a:buChar char="•"/>
+            </a:pPr>
+            <a:r>
+              <a:rPr lang="en-US" sz="1200" b="0" i="0" kern="1200" dirty="0">
+                <a:solidFill>
+                  <a:schemeClr val="tx1"/>
+                </a:solidFill>
+                <a:effectLst/>
+                <a:latin typeface="+mn-lt"/>
+                <a:ea typeface="+mn-ea"/>
+                <a:cs typeface="+mn-cs"/>
+              </a:rPr>
+              <a:t>Contains an optional Apache Kafka endpoint, allowing for event processing from existing Kafka-based applications. This also allows for simple integration with Apache Spark clusters, such as those hosted in Azure Databricks.</a:t>
+            </a:r>
+          </a:p>
+          <a:p>
+            <a:pPr marL="171450" indent="-171450">
+              <a:buFont typeface="Arial" panose="020B0604020202020204" pitchFamily="34" charset="0"/>
+              <a:buChar char="•"/>
+            </a:pPr>
+            <a:r>
+              <a:rPr lang="en-US" sz="1200" b="0" i="0" kern="1200" dirty="0">
+                <a:solidFill>
+                  <a:schemeClr val="tx1"/>
+                </a:solidFill>
+                <a:effectLst/>
+                <a:latin typeface="+mn-lt"/>
+                <a:ea typeface="+mn-ea"/>
+                <a:cs typeface="+mn-cs"/>
+              </a:rPr>
+              <a:t>Simultaneously supports real-time and batch processing through Event Hubs Capture. This feature allows one to easily capture and store all events in their raw form to either Azure Blob storage or Azure Data Lake Store for long-term retention and micro-batch processing.</a:t>
+            </a:r>
+          </a:p>
+          <a:p>
+            <a:pPr marL="171450" indent="-171450">
+              <a:buFont typeface="Arial" panose="020B0604020202020204" pitchFamily="34" charset="0"/>
+              <a:buChar char="•"/>
+            </a:pPr>
+            <a:r>
+              <a:rPr lang="en-US" sz="1200" b="0" i="0" kern="1200" dirty="0">
+                <a:solidFill>
+                  <a:schemeClr val="tx1"/>
+                </a:solidFill>
+                <a:effectLst/>
+                <a:latin typeface="+mn-lt"/>
+                <a:ea typeface="+mn-ea"/>
+                <a:cs typeface="+mn-cs"/>
+              </a:rPr>
+              <a:t>Event publishers (systems sending payment transaction data) can publish events using HTTPS, AMQP 1.0, or Apache Kafka 1.0 and above.</a:t>
+            </a:r>
+          </a:p>
+          <a:p>
+            <a:pPr marL="171450" indent="-171450">
+              <a:buFont typeface="Arial" panose="020B0604020202020204" pitchFamily="34" charset="0"/>
+              <a:buChar char="•"/>
+            </a:pPr>
+            <a:r>
+              <a:rPr lang="en-US" sz="1200" b="0" i="0" kern="1200" dirty="0">
+                <a:solidFill>
+                  <a:schemeClr val="tx1"/>
+                </a:solidFill>
+                <a:effectLst/>
+                <a:latin typeface="+mn-lt"/>
+                <a:ea typeface="+mn-ea"/>
+                <a:cs typeface="+mn-cs"/>
+              </a:rPr>
+              <a:t>Event consumers can process streams using .NET, Java, Python, Go, or Node.js.</a:t>
+            </a:r>
+          </a:p>
+          <a:p>
+            <a:r>
+              <a:rPr lang="en-US" sz="1200" b="1" i="0" kern="1200" dirty="0">
+                <a:solidFill>
+                  <a:schemeClr val="tx1"/>
+                </a:solidFill>
+                <a:effectLst/>
+                <a:latin typeface="+mn-lt"/>
+                <a:ea typeface="+mn-ea"/>
+                <a:cs typeface="+mn-cs"/>
+              </a:rPr>
+              <a:t>Azure Cosmos DB change feed</a:t>
+            </a:r>
+            <a:r>
+              <a:rPr lang="en-US" sz="1200" b="0" i="0" kern="1200" dirty="0">
+                <a:solidFill>
+                  <a:schemeClr val="tx1"/>
+                </a:solidFill>
+                <a:effectLst/>
+                <a:latin typeface="+mn-lt"/>
+                <a:ea typeface="+mn-ea"/>
+                <a:cs typeface="+mn-cs"/>
+              </a:rPr>
+              <a:t> outputs a sorted list of documents that were changed in the order in which they were modified or inserted. Like Event Hubs, the change feed output can be distributed across one or more consumers for parallel processing. Azure Cosmos DB change feed is a good candidate for this architecture for the following reasons:</a:t>
+            </a:r>
+          </a:p>
+          <a:p>
+            <a:pPr marL="171450" indent="-171450">
+              <a:buFont typeface="Arial" panose="020B0604020202020204" pitchFamily="34" charset="0"/>
+              <a:buChar char="•"/>
+            </a:pPr>
+            <a:r>
+              <a:rPr lang="en-US" sz="1200" b="0" i="0" kern="1200" dirty="0">
+                <a:solidFill>
+                  <a:schemeClr val="tx1"/>
+                </a:solidFill>
+                <a:effectLst/>
+                <a:latin typeface="+mn-lt"/>
+                <a:ea typeface="+mn-ea"/>
+                <a:cs typeface="+mn-cs"/>
+              </a:rPr>
+              <a:t>Fully managed PaaS with little configuration or management overhead.</a:t>
+            </a:r>
+          </a:p>
+          <a:p>
+            <a:pPr marL="171450" indent="-171450">
+              <a:buFont typeface="Arial" panose="020B0604020202020204" pitchFamily="34" charset="0"/>
+              <a:buChar char="•"/>
+            </a:pPr>
+            <a:r>
+              <a:rPr lang="en-US" sz="1200" b="0" i="0" kern="1200" dirty="0">
+                <a:solidFill>
+                  <a:schemeClr val="tx1"/>
+                </a:solidFill>
+                <a:effectLst/>
+                <a:latin typeface="+mn-lt"/>
+                <a:ea typeface="+mn-ea"/>
+                <a:cs typeface="+mn-cs"/>
+              </a:rPr>
+              <a:t>Cosmos DB is highly scalable, and is already being used to store pre-scored fraud data.</a:t>
+            </a:r>
+          </a:p>
+          <a:p>
+            <a:pPr marL="171450" indent="-171450">
+              <a:buFont typeface="Arial" panose="020B0604020202020204" pitchFamily="34" charset="0"/>
+              <a:buChar char="•"/>
+            </a:pPr>
+            <a:r>
+              <a:rPr lang="en-US" sz="1200" b="0" i="0" kern="1200" dirty="0">
+                <a:solidFill>
+                  <a:schemeClr val="tx1"/>
+                </a:solidFill>
+                <a:effectLst/>
+                <a:latin typeface="+mn-lt"/>
+                <a:ea typeface="+mn-ea"/>
+                <a:cs typeface="+mn-cs"/>
+              </a:rPr>
+              <a:t>An Apache Spark connector is available, allowing Azure Databricks clusters to directly access the change feed with very little code.</a:t>
+            </a:r>
+          </a:p>
+          <a:p>
+            <a:pPr marL="171450" indent="-171450">
+              <a:buFont typeface="Arial" panose="020B0604020202020204" pitchFamily="34" charset="0"/>
+              <a:buChar char="•"/>
+            </a:pPr>
+            <a:r>
+              <a:rPr lang="en-US" sz="1200" b="0" i="0" kern="1200" dirty="0">
+                <a:solidFill>
+                  <a:schemeClr val="tx1"/>
+                </a:solidFill>
+                <a:effectLst/>
+                <a:latin typeface="+mn-lt"/>
+                <a:ea typeface="+mn-ea"/>
+                <a:cs typeface="+mn-cs"/>
+              </a:rPr>
+              <a:t>Cosmos DB with change feed enabled acts as both a raw data store for batch processing and stream processing.</a:t>
+            </a:r>
+          </a:p>
+          <a:p>
+            <a:pPr marL="171450" indent="-171450">
+              <a:buFont typeface="Arial" panose="020B0604020202020204" pitchFamily="34" charset="0"/>
+              <a:buChar char="•"/>
+            </a:pPr>
+            <a:r>
+              <a:rPr lang="en-US" sz="1200" b="0" i="0" kern="1200" dirty="0">
+                <a:solidFill>
+                  <a:schemeClr val="tx1"/>
+                </a:solidFill>
+                <a:effectLst/>
+                <a:latin typeface="+mn-lt"/>
+                <a:ea typeface="+mn-ea"/>
+                <a:cs typeface="+mn-cs"/>
+              </a:rPr>
+              <a:t>Event publishers can publish events to Cosmos DB using .NET, Java, Node.js, and Python, using a number of APIs, such as SQL, Cassandra, MongoDB, Gremlin, and Azure Table Storage. However, please note that the change feed feature can only be used by the SQL and Gremlin APIs. </a:t>
+            </a:r>
+            <a:r>
+              <a:rPr lang="en-US" sz="1200" b="0" i="0" kern="1200" dirty="0" err="1">
+                <a:solidFill>
+                  <a:schemeClr val="tx1"/>
+                </a:solidFill>
+                <a:effectLst/>
+                <a:latin typeface="+mn-lt"/>
+                <a:ea typeface="+mn-ea"/>
+                <a:cs typeface="+mn-cs"/>
+              </a:rPr>
+              <a:t>Woodgrove</a:t>
+            </a:r>
+            <a:r>
+              <a:rPr lang="en-US" sz="1200" b="0" i="0" kern="1200" dirty="0">
+                <a:solidFill>
+                  <a:schemeClr val="tx1"/>
+                </a:solidFill>
+                <a:effectLst/>
+                <a:latin typeface="+mn-lt"/>
+                <a:ea typeface="+mn-ea"/>
+                <a:cs typeface="+mn-cs"/>
+              </a:rPr>
+              <a:t> will be using the SQL API, so they will be able to use the change feed feature.</a:t>
+            </a:r>
+          </a:p>
+          <a:p>
+            <a:pPr marL="171450" indent="-171450">
+              <a:buFont typeface="Arial" panose="020B0604020202020204" pitchFamily="34" charset="0"/>
+              <a:buChar char="•"/>
+            </a:pPr>
+            <a:r>
+              <a:rPr lang="en-US" sz="1200" b="0" i="0" kern="1200" dirty="0">
+                <a:solidFill>
+                  <a:schemeClr val="tx1"/>
+                </a:solidFill>
+                <a:effectLst/>
+                <a:latin typeface="+mn-lt"/>
+                <a:ea typeface="+mn-ea"/>
+                <a:cs typeface="+mn-cs"/>
+              </a:rPr>
+              <a:t>Cosmos DB is globally accessible across many Azure regions, bringing it closer to distributed event publishers and consumers.</a:t>
+            </a:r>
+          </a:p>
+          <a:p>
+            <a:pPr marL="171450" indent="-171450">
+              <a:buFont typeface="Arial" panose="020B0604020202020204" pitchFamily="34" charset="0"/>
+              <a:buChar char="•"/>
+            </a:pPr>
+            <a:r>
+              <a:rPr lang="en-US" sz="1200" b="0" i="0" kern="1200" dirty="0">
+                <a:solidFill>
+                  <a:schemeClr val="tx1"/>
+                </a:solidFill>
+                <a:effectLst/>
+                <a:latin typeface="+mn-lt"/>
+                <a:ea typeface="+mn-ea"/>
+                <a:cs typeface="+mn-cs"/>
+              </a:rPr>
+              <a:t>In a multi-region Azure Cosmos account, if a write-region fails over, change feed will work across the manual failover operation and it will be contiguous.</a:t>
+            </a:r>
+          </a:p>
+          <a:p>
+            <a:pPr lvl="0"/>
+            <a:endParaRPr lang="en-US" sz="2200" b="0" dirty="0">
+              <a:solidFill>
+                <a:schemeClr val="tx1"/>
+              </a:solidFill>
+              <a:latin typeface="Segoe UI" panose="020B0502040204020203" pitchFamily="34" charset="0"/>
+              <a:ea typeface="Segoe UI" panose="020B0502040204020203" pitchFamily="34" charset="0"/>
+              <a:cs typeface="Segoe UI" panose="020B0502040204020203" pitchFamily="34" charset="0"/>
+            </a:endParaRPr>
           </a:p>
         </p:txBody>
       </p:sp>
@@ -2142,7 +2104,7 @@
     </p:spTree>
     <p:extLst>
       <p:ext uri="{BB962C8B-B14F-4D97-AF65-F5344CB8AC3E}">
-        <p14:creationId xmlns:p14="http://schemas.microsoft.com/office/powerpoint/2010/main" val="2322909020"/>
+        <p14:creationId xmlns:p14="http://schemas.microsoft.com/office/powerpoint/2010/main" val="126400301"/>
       </p:ext>
     </p:extLst>
   </p:cSld>
@@ -2342,7 +2304,7 @@
           <a:p>
             <a:pPr lvl="0"/>
             <a:r>
-              <a:rPr lang="en-US" sz="1200" b="1" i="0" kern="1200" dirty="0" err="1">
+              <a:rPr lang="en-US" sz="1200" b="1" i="0" kern="1200" dirty="0">
                 <a:solidFill>
                   <a:schemeClr val="tx1"/>
                 </a:solidFill>
@@ -2351,10 +2313,12 @@
                 <a:ea typeface="+mn-ea"/>
                 <a:cs typeface="+mn-cs"/>
               </a:rPr>
-              <a:t>Woodgrove</a:t>
-            </a:r>
-            <a:r>
-              <a:rPr lang="en-US" sz="1200" b="1" i="0" kern="1200" dirty="0">
+              <a:t>Of the ingest options you identified previously, which would you recommend for the scenario?</a:t>
+            </a:r>
+          </a:p>
+          <a:p>
+            <a:r>
+              <a:rPr lang="en-US" sz="1200" b="0" i="0" kern="1200" dirty="0">
                 <a:solidFill>
                   <a:schemeClr val="tx1"/>
                 </a:solidFill>
@@ -2363,26 +2327,10 @@
                 <a:ea typeface="+mn-ea"/>
                 <a:cs typeface="+mn-cs"/>
               </a:rPr>
-              <a:t> Bank indicated that they would like a unified way to process both streaming data and batch data on a platform that can also support their data science, data engineering, and development needs. Which platform would you recommend, and why?</a:t>
-            </a:r>
-          </a:p>
-          <a:p>
-            <a:pPr lvl="0"/>
-            <a:r>
-              <a:rPr lang="en-US" sz="1200" b="0" i="0" kern="1200" dirty="0">
-                <a:solidFill>
-                  <a:schemeClr val="tx1"/>
-                </a:solidFill>
-                <a:effectLst/>
-                <a:latin typeface="+mn-lt"/>
-                <a:ea typeface="+mn-ea"/>
-                <a:cs typeface="+mn-cs"/>
-              </a:rPr>
-              <a:t>- Recommended platform is Azure Databricks. Built on Apache Spark and provides unified way of working with big data, whether you process it real-time as it arrives or in batches, Apache Spark provides a fast and capable engine that also supports data science processes, like machine learning and advanced analytics. Built as a joint effort by the team that started Apache Spark and Microsoft, Azure Databricks provides data science and engineering teams with a single platform for Big Data processing and Machine Learning.</a:t>
-            </a:r>
-          </a:p>
-          <a:p>
-            <a:pPr lvl="0"/>
+              <a:t>- Both services are certainly capable of acting as the ingestion service. They both support a high rate of flow, and both have options for long-term storage needs. However, Event Hubs requires an extra step for long-term storage, which is handled through Event Hubs Capture, whereas Cosmos DB already acts as this storage for raw data. Level of effort to implement tilts the scale toward Cosmos DB since transactional data is already being written to a database, those payment processors can be updated to also write to Cosmos DB, or switch over to Cosmos entirely if it makes sense. Event Hubs requires adding an event service to their architecture and learning how to use it from their current systems.</a:t>
+            </a:r>
+          </a:p>
+          <a:p>
             <a:endParaRPr lang="en-US" sz="1200" b="0" i="0" kern="1200" dirty="0">
               <a:solidFill>
                 <a:schemeClr val="tx1"/>
@@ -2404,7 +2352,7 @@
                 <a:ea typeface="+mn-ea"/>
                 <a:cs typeface="+mn-cs"/>
               </a:rPr>
-              <a:t>There are a lot of features Azure Databricks offers over top of standard Spark installations. The key features that make this a good choice for </a:t>
+              <a:t>- Apart from addressing the primary decision factors above, another strong consideration for choosing Cosmos DB is the issue of data sovereignty. Since </a:t>
             </a:r>
             <a:r>
               <a:rPr lang="en-US" sz="1200" b="0" i="0" kern="1200" dirty="0" err="1">
@@ -2428,188 +2376,8 @@
                 <a:ea typeface="+mn-ea"/>
                 <a:cs typeface="+mn-cs"/>
               </a:rPr>
-              <a:t> Bank are:</a:t>
-            </a:r>
-          </a:p>
-          <a:p>
-            <a:pPr marL="171450" indent="-171450">
-              <a:buFont typeface="Arial" panose="020B0604020202020204" pitchFamily="34" charset="0"/>
-              <a:buChar char="•"/>
-            </a:pPr>
-            <a:r>
-              <a:rPr lang="en-US" sz="1200" b="0" i="0" kern="1200" dirty="0">
-                <a:solidFill>
-                  <a:schemeClr val="tx1"/>
-                </a:solidFill>
-                <a:effectLst/>
-                <a:latin typeface="+mn-lt"/>
-                <a:ea typeface="+mn-ea"/>
-                <a:cs typeface="+mn-cs"/>
-              </a:rPr>
-              <a:t>Integrates with Azure Active Directory for single sign-on and RBAC in certain scenarios.</a:t>
-            </a:r>
-          </a:p>
-          <a:p>
-            <a:pPr marL="171450" indent="-171450">
-              <a:buFont typeface="Arial" panose="020B0604020202020204" pitchFamily="34" charset="0"/>
-              <a:buChar char="•"/>
-            </a:pPr>
-            <a:r>
-              <a:rPr lang="en-US" sz="1200" b="0" i="0" kern="1200" dirty="0">
-                <a:solidFill>
-                  <a:schemeClr val="tx1"/>
-                </a:solidFill>
-                <a:effectLst/>
-                <a:latin typeface="+mn-lt"/>
-                <a:ea typeface="+mn-ea"/>
-                <a:cs typeface="+mn-cs"/>
-              </a:rPr>
-              <a:t>Contains collaborative features such as the workspace that contains both private and shared folders, integrated change tracking of notebooks and integration with git source control systems like GitHub, and granular user and role-based permissions.</a:t>
-            </a:r>
-          </a:p>
-          <a:p>
-            <a:pPr marL="171450" indent="-171450">
-              <a:buFont typeface="Arial" panose="020B0604020202020204" pitchFamily="34" charset="0"/>
-              <a:buChar char="•"/>
-            </a:pPr>
-            <a:r>
-              <a:rPr lang="en-US" sz="1200" b="0" i="0" kern="1200" dirty="0">
-                <a:solidFill>
-                  <a:schemeClr val="tx1"/>
-                </a:solidFill>
-                <a:effectLst/>
-                <a:latin typeface="+mn-lt"/>
-                <a:ea typeface="+mn-ea"/>
-                <a:cs typeface="+mn-cs"/>
-              </a:rPr>
-              <a:t>It is possible to start and stop clusters either manually or automatically, based on usage.</a:t>
-            </a:r>
-          </a:p>
-          <a:p>
-            <a:pPr marL="171450" indent="-171450">
-              <a:buFont typeface="Arial" panose="020B0604020202020204" pitchFamily="34" charset="0"/>
-              <a:buChar char="•"/>
-            </a:pPr>
-            <a:r>
-              <a:rPr lang="en-US" sz="1200" b="0" i="0" kern="1200" dirty="0">
-                <a:solidFill>
-                  <a:schemeClr val="tx1"/>
-                </a:solidFill>
-                <a:effectLst/>
-                <a:latin typeface="+mn-lt"/>
-                <a:ea typeface="+mn-ea"/>
-                <a:cs typeface="+mn-cs"/>
-              </a:rPr>
-              <a:t>Supports running scheduled jobs for executing notebooks and libraries on a schedule.</a:t>
-            </a:r>
-          </a:p>
-          <a:p>
-            <a:pPr marL="171450" indent="-171450">
-              <a:buFont typeface="Arial" panose="020B0604020202020204" pitchFamily="34" charset="0"/>
-              <a:buChar char="•"/>
-            </a:pPr>
-            <a:r>
-              <a:rPr lang="en-US" sz="1200" b="0" i="0" kern="1200" dirty="0">
-                <a:solidFill>
-                  <a:schemeClr val="tx1"/>
-                </a:solidFill>
-                <a:effectLst/>
-                <a:latin typeface="+mn-lt"/>
-                <a:ea typeface="+mn-ea"/>
-                <a:cs typeface="+mn-cs"/>
-              </a:rPr>
-              <a:t>Integrates with Azure Key Vault, which serves as a backing store for secrets within Azure Databricks, including automatic redaction of those secrets when users attempt to output them in a notebook.</a:t>
-            </a:r>
-          </a:p>
-          <a:p>
-            <a:pPr marL="171450" indent="-171450">
-              <a:buFont typeface="Arial" panose="020B0604020202020204" pitchFamily="34" charset="0"/>
-              <a:buChar char="•"/>
-            </a:pPr>
-            <a:r>
-              <a:rPr lang="en-US" sz="1200" b="0" i="0" kern="1200" dirty="0">
-                <a:solidFill>
-                  <a:schemeClr val="tx1"/>
-                </a:solidFill>
-                <a:effectLst/>
-                <a:latin typeface="+mn-lt"/>
-                <a:ea typeface="+mn-ea"/>
-                <a:cs typeface="+mn-cs"/>
-              </a:rPr>
-              <a:t>Includes Databricks Delta, which supports features </a:t>
-            </a:r>
-            <a:r>
-              <a:rPr lang="en-US" sz="1200" b="0" i="0" kern="1200" dirty="0" err="1">
-                <a:solidFill>
-                  <a:schemeClr val="tx1"/>
-                </a:solidFill>
-                <a:effectLst/>
-                <a:latin typeface="+mn-lt"/>
-                <a:ea typeface="+mn-ea"/>
-                <a:cs typeface="+mn-cs"/>
-              </a:rPr>
-              <a:t>Woodgrove</a:t>
-            </a:r>
-            <a:r>
-              <a:rPr lang="en-US" sz="1200" b="0" i="0" kern="1200" dirty="0">
-                <a:solidFill>
-                  <a:schemeClr val="tx1"/>
-                </a:solidFill>
-                <a:effectLst/>
-                <a:latin typeface="+mn-lt"/>
-                <a:ea typeface="+mn-ea"/>
-                <a:cs typeface="+mn-cs"/>
-              </a:rPr>
-              <a:t> Bank is looking for, such as the ability to upsert data into tables, optimize data storage, and simultaneously read data from tables which are being written to by streaming and batch processes.</a:t>
-            </a:r>
-          </a:p>
-          <a:p>
-            <a:pPr marL="171450" indent="-171450">
-              <a:buFont typeface="Arial" panose="020B0604020202020204" pitchFamily="34" charset="0"/>
-              <a:buChar char="•"/>
-            </a:pPr>
-            <a:r>
-              <a:rPr lang="en-US" sz="1200" b="0" i="0" kern="1200" dirty="0">
-                <a:solidFill>
-                  <a:schemeClr val="tx1"/>
-                </a:solidFill>
-                <a:effectLst/>
-                <a:latin typeface="+mn-lt"/>
-                <a:ea typeface="+mn-ea"/>
-                <a:cs typeface="+mn-cs"/>
-              </a:rPr>
-              <a:t>Join disparate data sets found in data lakes.</a:t>
-            </a:r>
-          </a:p>
-          <a:p>
-            <a:pPr marL="171450" indent="-171450">
-              <a:buFont typeface="Arial" panose="020B0604020202020204" pitchFamily="34" charset="0"/>
-              <a:buChar char="•"/>
-            </a:pPr>
-            <a:r>
-              <a:rPr lang="en-US" sz="1200" b="0" i="0" kern="1200" dirty="0">
-                <a:solidFill>
-                  <a:schemeClr val="tx1"/>
-                </a:solidFill>
-                <a:effectLst/>
-                <a:latin typeface="+mn-lt"/>
-                <a:ea typeface="+mn-ea"/>
-                <a:cs typeface="+mn-cs"/>
-              </a:rPr>
-              <a:t>Train and evaluate machine learning models at scale.</a:t>
-            </a:r>
-          </a:p>
-          <a:p>
-            <a:pPr lvl="0"/>
-            <a:endParaRPr lang="en-US" sz="1200" b="0" i="0" kern="1200" dirty="0">
-              <a:solidFill>
-                <a:schemeClr val="tx1"/>
-              </a:solidFill>
-              <a:effectLst/>
-              <a:latin typeface="+mn-lt"/>
-              <a:ea typeface="+mn-ea"/>
-              <a:cs typeface="+mn-cs"/>
-            </a:endParaRPr>
+              <a:t> Bank has customers around the world, some countries in which they operate may not allow data to be written and stored in a different country. Since Cosmos DB makes it easy to distribute data on a global scale, it may be required to have separate collections per region to meet regulatory requirements. This limitation can be worked around with Event Hubs, but the level of effort to do so may not be worth it in the long run. In this case, we will recommend Azure Cosmos DB for ingest.</a:t>
+            </a:r>
           </a:p>
         </p:txBody>
       </p:sp>
@@ -2639,7 +2407,7 @@
     </p:spTree>
     <p:extLst>
       <p:ext uri="{BB962C8B-B14F-4D97-AF65-F5344CB8AC3E}">
-        <p14:creationId xmlns:p14="http://schemas.microsoft.com/office/powerpoint/2010/main" val="3218326915"/>
+        <p14:creationId xmlns:p14="http://schemas.microsoft.com/office/powerpoint/2010/main" val="2322909020"/>
       </p:ext>
     </p:extLst>
   </p:cSld>
@@ -2693,8 +2461,9 @@
           <a:bodyPr/>
           <a:lstStyle/>
           <a:p>
-            <a:r>
-              <a:rPr lang="en-US" sz="1200" b="1" i="0" kern="1200" dirty="0">
+            <a:pPr lvl="0"/>
+            <a:r>
+              <a:rPr lang="en-US" sz="1200" b="1" i="0" kern="1200" dirty="0" err="1">
                 <a:solidFill>
                   <a:schemeClr val="tx1"/>
                 </a:solidFill>
@@ -2703,10 +2472,10 @@
                 <a:ea typeface="+mn-ea"/>
                 <a:cs typeface="+mn-cs"/>
               </a:rPr>
-              <a:t>The big data systems </a:t>
-            </a:r>
-            <a:r>
-              <a:rPr lang="en-US" sz="1200" b="1" i="0" kern="1200" dirty="0" err="1">
+              <a:t>Woodgrove</a:t>
+            </a:r>
+            <a:r>
+              <a:rPr lang="en-US" sz="1200" b="1" i="0" kern="1200" dirty="0">
                 <a:solidFill>
                   <a:schemeClr val="tx1"/>
                 </a:solidFill>
@@ -2715,10 +2484,13 @@
                 <a:ea typeface="+mn-ea"/>
                 <a:cs typeface="+mn-cs"/>
               </a:rPr>
-              <a:t>Woodgrove</a:t>
-            </a:r>
-            <a:r>
-              <a:rPr lang="en-US" sz="1200" b="1" i="0" kern="1200" dirty="0">
+              <a:t> Bank indicated that they would like a unified way to process both streaming data and batch data on a platform that can also support their data science, data engineering, and development needs. Which platform would you recommend, and why?</a:t>
+            </a:r>
+          </a:p>
+          <a:p>
+            <a:pPr lvl="0"/>
+            <a:r>
+              <a:rPr lang="en-US" sz="1200" b="0" i="0" kern="1200" dirty="0">
                 <a:solidFill>
                   <a:schemeClr val="tx1"/>
                 </a:solidFill>
@@ -2727,8 +2499,20 @@
                 <a:ea typeface="+mn-ea"/>
                 <a:cs typeface="+mn-cs"/>
               </a:rPr>
-              <a:t> Bank used in the past were only able to append new data to the end of existing data sets. This meant each time they had update, they would actually create a duplicate row containing the changed data and then have to author queries to merge those rows so that they had a clean view of the current state of the data. How will your chosen platform cope with this challenge?</a:t>
-            </a:r>
+              <a:t>- Recommended platform is Azure Databricks. Built on Apache Spark and provides unified way of working with big data, whether you process it real-time as it arrives or in batches, Apache Spark provides a fast and capable engine that also supports data science processes, like machine learning and advanced analytics. Built as a joint effort by the team that started Apache Spark and Microsoft, Azure Databricks provides data science and engineering teams with a single platform for Big Data processing and Machine Learning.</a:t>
+            </a:r>
+          </a:p>
+          <a:p>
+            <a:pPr lvl="0"/>
+            <a:endParaRPr lang="en-US" sz="1200" b="0" i="0" kern="1200" dirty="0">
+              <a:solidFill>
+                <a:schemeClr val="tx1"/>
+              </a:solidFill>
+              <a:effectLst/>
+              <a:latin typeface="+mn-lt"/>
+              <a:ea typeface="+mn-ea"/>
+              <a:cs typeface="+mn-cs"/>
+            </a:endParaRPr>
           </a:p>
           <a:p>
             <a:r>
@@ -2741,12 +2525,10 @@
                 <a:ea typeface="+mn-ea"/>
                 <a:cs typeface="+mn-cs"/>
               </a:rPr>
-              <a:t>- Use Databricks Delta. Databricks Delta is a Spark table with built-in reliability and performance optimizations.</a:t>
-            </a:r>
-          </a:p>
-          <a:p>
-            <a:r>
-              <a:rPr lang="en-US" sz="1200" b="0" i="0" kern="1200" dirty="0">
+              <a:t>There are a lot of features Azure Databricks offers over top of standard Spark installations. The key features that make this a good choice for </a:t>
+            </a:r>
+            <a:r>
+              <a:rPr lang="en-US" sz="1200" b="0" i="0" kern="1200" dirty="0" err="1">
                 <a:solidFill>
                   <a:schemeClr val="tx1"/>
                 </a:solidFill>
@@ -2755,7 +2537,19 @@
                 <a:ea typeface="+mn-ea"/>
                 <a:cs typeface="+mn-cs"/>
               </a:rPr>
-              <a:t>- You can read and write data stored in Databricks Delta using the same familiar Apache Spark SQL batch and streaming APIs you use to work with Hive tables or Databricks File Store (DBFS) directories. Databricks Delta provides the following functionality:</a:t>
+              <a:t>Woodgrove</a:t>
+            </a:r>
+            <a:r>
+              <a:rPr lang="en-US" sz="1200" b="0" i="0" kern="1200" dirty="0">
+                <a:solidFill>
+                  <a:schemeClr val="tx1"/>
+                </a:solidFill>
+                <a:effectLst/>
+                <a:latin typeface="+mn-lt"/>
+                <a:ea typeface="+mn-ea"/>
+                <a:cs typeface="+mn-cs"/>
+              </a:rPr>
+              <a:t> Bank are:</a:t>
             </a:r>
           </a:p>
           <a:p>
@@ -2764,7 +2558,7 @@
               <a:buChar char="•"/>
             </a:pPr>
             <a:r>
-              <a:rPr lang="en-US" sz="1200" b="1" i="0" kern="1200" dirty="0">
+              <a:rPr lang="en-US" sz="1200" b="0" i="0" kern="1200" dirty="0">
                 <a:solidFill>
                   <a:schemeClr val="tx1"/>
                 </a:solidFill>
@@ -2773,8 +2567,14 @@
                 <a:ea typeface="+mn-ea"/>
                 <a:cs typeface="+mn-cs"/>
               </a:rPr>
-              <a:t>ACID transactions</a:t>
-            </a:r>
+              <a:t>Integrates with Azure Active Directory for single sign-on and RBAC in certain scenarios.</a:t>
+            </a:r>
+          </a:p>
+          <a:p>
+            <a:pPr marL="171450" indent="-171450">
+              <a:buFont typeface="Arial" panose="020B0604020202020204" pitchFamily="34" charset="0"/>
+              <a:buChar char="•"/>
+            </a:pPr>
             <a:r>
               <a:rPr lang="en-US" sz="1200" b="0" i="0" kern="1200" dirty="0">
                 <a:solidFill>
@@ -2785,7 +2585,7 @@
                 <a:ea typeface="+mn-ea"/>
                 <a:cs typeface="+mn-cs"/>
               </a:rPr>
-              <a:t> - Multiple writers can simultaneously modify a data set and see consistent views.</a:t>
+              <a:t>Contains collaborative features such as the workspace that contains both private and shared folders, integrated change tracking of notebooks and integration with git source control systems like GitHub, and granular user and role-based permissions.</a:t>
             </a:r>
           </a:p>
           <a:p>
@@ -2794,7 +2594,7 @@
               <a:buChar char="•"/>
             </a:pPr>
             <a:r>
-              <a:rPr lang="en-US" sz="1200" b="1" i="0" kern="1200" dirty="0">
+              <a:rPr lang="en-US" sz="1200" b="0" i="0" kern="1200" dirty="0">
                 <a:solidFill>
                   <a:schemeClr val="tx1"/>
                 </a:solidFill>
@@ -2803,8 +2603,14 @@
                 <a:ea typeface="+mn-ea"/>
                 <a:cs typeface="+mn-cs"/>
               </a:rPr>
-              <a:t>DELETES/UPDATES/UPSERTS</a:t>
-            </a:r>
+              <a:t>It is possible to start and stop clusters either manually or automatically, based on usage.</a:t>
+            </a:r>
+          </a:p>
+          <a:p>
+            <a:pPr marL="171450" indent="-171450">
+              <a:buFont typeface="Arial" panose="020B0604020202020204" pitchFamily="34" charset="0"/>
+              <a:buChar char="•"/>
+            </a:pPr>
             <a:r>
               <a:rPr lang="en-US" sz="1200" b="0" i="0" kern="1200" dirty="0">
                 <a:solidFill>
@@ -2815,7 +2621,7 @@
                 <a:ea typeface="+mn-ea"/>
                 <a:cs typeface="+mn-cs"/>
               </a:rPr>
-              <a:t> - Writers can modify a data set without interfering with jobs reading the data set.</a:t>
+              <a:t>Supports running scheduled jobs for executing notebooks and libraries on a schedule.</a:t>
             </a:r>
           </a:p>
           <a:p>
@@ -2824,7 +2630,7 @@
               <a:buChar char="•"/>
             </a:pPr>
             <a:r>
-              <a:rPr lang="en-US" sz="1200" b="1" i="0" kern="1200" dirty="0">
+              <a:rPr lang="en-US" sz="1200" b="0" i="0" kern="1200" dirty="0">
                 <a:solidFill>
                   <a:schemeClr val="tx1"/>
                 </a:solidFill>
@@ -2833,8 +2639,14 @@
                 <a:ea typeface="+mn-ea"/>
                 <a:cs typeface="+mn-cs"/>
               </a:rPr>
-              <a:t>Automatic file management</a:t>
-            </a:r>
+              <a:t>Integrates with Azure Key Vault, which serves as a backing store for secrets within Azure Databricks, including automatic redaction of those secrets when users attempt to output them in a notebook.</a:t>
+            </a:r>
+          </a:p>
+          <a:p>
+            <a:pPr marL="171450" indent="-171450">
+              <a:buFont typeface="Arial" panose="020B0604020202020204" pitchFamily="34" charset="0"/>
+              <a:buChar char="•"/>
+            </a:pPr>
             <a:r>
               <a:rPr lang="en-US" sz="1200" b="0" i="0" kern="1200" dirty="0">
                 <a:solidFill>
@@ -2845,7 +2657,31 @@
                 <a:ea typeface="+mn-ea"/>
                 <a:cs typeface="+mn-cs"/>
               </a:rPr>
-              <a:t> - Data access speeds up by organizing data into large files that can be read efficiently.</a:t>
+              <a:t>Includes Databricks Delta, which supports features </a:t>
+            </a:r>
+            <a:r>
+              <a:rPr lang="en-US" sz="1200" b="0" i="0" kern="1200" dirty="0" err="1">
+                <a:solidFill>
+                  <a:schemeClr val="tx1"/>
+                </a:solidFill>
+                <a:effectLst/>
+                <a:latin typeface="+mn-lt"/>
+                <a:ea typeface="+mn-ea"/>
+                <a:cs typeface="+mn-cs"/>
+              </a:rPr>
+              <a:t>Woodgrove</a:t>
+            </a:r>
+            <a:r>
+              <a:rPr lang="en-US" sz="1200" b="0" i="0" kern="1200" dirty="0">
+                <a:solidFill>
+                  <a:schemeClr val="tx1"/>
+                </a:solidFill>
+                <a:effectLst/>
+                <a:latin typeface="+mn-lt"/>
+                <a:ea typeface="+mn-ea"/>
+                <a:cs typeface="+mn-cs"/>
+              </a:rPr>
+              <a:t> Bank is looking for, such as the ability to upsert data into tables, optimize data storage, and simultaneously read data from tables which are being written to by streaming and batch processes.</a:t>
             </a:r>
           </a:p>
           <a:p>
@@ -2854,7 +2690,7 @@
               <a:buChar char="•"/>
             </a:pPr>
             <a:r>
-              <a:rPr lang="en-US" sz="1200" b="1" i="0" kern="1200" dirty="0">
+              <a:rPr lang="en-US" sz="1200" b="0" i="0" kern="1200" dirty="0">
                 <a:solidFill>
                   <a:schemeClr val="tx1"/>
                 </a:solidFill>
@@ -2863,8 +2699,14 @@
                 <a:ea typeface="+mn-ea"/>
                 <a:cs typeface="+mn-cs"/>
               </a:rPr>
-              <a:t>Statistics and data skipping</a:t>
-            </a:r>
+              <a:t>Join disparate data sets found in data lakes.</a:t>
+            </a:r>
+          </a:p>
+          <a:p>
+            <a:pPr marL="171450" indent="-171450">
+              <a:buFont typeface="Arial" panose="020B0604020202020204" pitchFamily="34" charset="0"/>
+              <a:buChar char="•"/>
+            </a:pPr>
             <a:r>
               <a:rPr lang="en-US" sz="1200" b="0" i="0" kern="1200" dirty="0">
                 <a:solidFill>
@@ -2875,7 +2717,7 @@
                 <a:ea typeface="+mn-ea"/>
                 <a:cs typeface="+mn-cs"/>
               </a:rPr>
-              <a:t> - Reads are 10-100x faster when statistics are tracked about the data in each file, allowing Delta to avoid reading irrelevant information.</a:t>
+              <a:t>Train and evaluate machine learning models at scale.</a:t>
             </a:r>
           </a:p>
           <a:p>
@@ -2918,7 +2760,7 @@
     </p:spTree>
     <p:extLst>
       <p:ext uri="{BB962C8B-B14F-4D97-AF65-F5344CB8AC3E}">
-        <p14:creationId xmlns:p14="http://schemas.microsoft.com/office/powerpoint/2010/main" val="3524087441"/>
+        <p14:creationId xmlns:p14="http://schemas.microsoft.com/office/powerpoint/2010/main" val="3218326915"/>
       </p:ext>
     </p:extLst>
   </p:cSld>
@@ -2982,12 +2824,10 @@
                 <a:ea typeface="+mn-ea"/>
                 <a:cs typeface="+mn-cs"/>
               </a:rPr>
-              <a:t>How will your chosen data processing platform connect to and process data from your chosen data ingest solution for streaming data?</a:t>
-            </a:r>
-          </a:p>
-          <a:p>
-            <a:r>
-              <a:rPr lang="en-US" sz="1200" b="0" i="0" kern="1200" dirty="0">
+              <a:t>The big data systems </a:t>
+            </a:r>
+            <a:r>
+              <a:rPr lang="en-US" sz="1200" b="1" i="0" kern="1200" dirty="0" err="1">
                 <a:solidFill>
                   <a:schemeClr val="tx1"/>
                 </a:solidFill>
@@ -2996,10 +2836,10 @@
                 <a:ea typeface="+mn-ea"/>
                 <a:cs typeface="+mn-cs"/>
               </a:rPr>
-              <a:t>- Whether you have chosen to ingest your data using Azure Cosmos DB with change feed, or Event Hubs, you can connect to either of these directly from Spark. For Cosmos DB, use the azure-</a:t>
-            </a:r>
-            <a:r>
-              <a:rPr lang="en-US" sz="1200" b="0" i="0" kern="1200" dirty="0" err="1">
+              <a:t>Woodgrove</a:t>
+            </a:r>
+            <a:r>
+              <a:rPr lang="en-US" sz="1200" b="1" i="0" kern="1200" dirty="0">
                 <a:solidFill>
                   <a:schemeClr val="tx1"/>
                 </a:solidFill>
@@ -3008,8 +2848,10 @@
                 <a:ea typeface="+mn-ea"/>
                 <a:cs typeface="+mn-cs"/>
               </a:rPr>
-              <a:t>cosmosdb</a:t>
-            </a:r>
+              <a:t> Bank used in the past were only able to append new data to the end of existing data sets. This meant each time they had update, they would actually create a duplicate row containing the changed data and then have to author queries to merge those rows so that they had a clean view of the current state of the data. How will your chosen platform cope with this challenge?</a:t>
+            </a:r>
+          </a:p>
+          <a:p>
             <a:r>
               <a:rPr lang="en-US" sz="1200" b="0" i="0" kern="1200" dirty="0">
                 <a:solidFill>
@@ -3020,10 +2862,12 @@
                 <a:ea typeface="+mn-ea"/>
                 <a:cs typeface="+mn-cs"/>
               </a:rPr>
-              <a:t>-spark connector, which lets you easily read to and write from Azure Cosmos DB via Spark </a:t>
-            </a:r>
-            <a:r>
-              <a:rPr lang="en-US" sz="1200" b="0" i="0" kern="1200" dirty="0" err="1">
+              <a:t>- Use Databricks Delta. Databricks Delta is a Spark table with built-in reliability and performance optimizations.</a:t>
+            </a:r>
+          </a:p>
+          <a:p>
+            <a:r>
+              <a:rPr lang="en-US" sz="1200" b="0" i="0" kern="1200" dirty="0">
                 <a:solidFill>
                   <a:schemeClr val="tx1"/>
                 </a:solidFill>
@@ -3032,10 +2876,16 @@
                 <a:ea typeface="+mn-ea"/>
                 <a:cs typeface="+mn-cs"/>
               </a:rPr>
-              <a:t>DataFrames</a:t>
-            </a:r>
-            <a:r>
-              <a:rPr lang="en-US" sz="1200" b="0" i="0" kern="1200" dirty="0">
+              <a:t>- You can read and write data stored in Databricks Delta using the same familiar Apache Spark SQL batch and streaming APIs you use to work with Hive tables or Databricks File Store (DBFS) directories. Databricks Delta provides the following functionality:</a:t>
+            </a:r>
+          </a:p>
+          <a:p>
+            <a:pPr marL="171450" indent="-171450">
+              <a:buFont typeface="Arial" panose="020B0604020202020204" pitchFamily="34" charset="0"/>
+              <a:buChar char="•"/>
+            </a:pPr>
+            <a:r>
+              <a:rPr lang="en-US" sz="1200" b="1" i="0" kern="1200" dirty="0">
                 <a:solidFill>
                   <a:schemeClr val="tx1"/>
                 </a:solidFill>
@@ -3044,10 +2894,10 @@
                 <a:ea typeface="+mn-ea"/>
                 <a:cs typeface="+mn-cs"/>
               </a:rPr>
-              <a:t> in either Python or Scala. For Event Hubs, either use the azure-</a:t>
-            </a:r>
-            <a:r>
-              <a:rPr lang="en-US" sz="1200" b="0" i="0" kern="1200" dirty="0" err="1">
+              <a:t>ACID transactions</a:t>
+            </a:r>
+            <a:r>
+              <a:rPr lang="en-US" sz="1200" b="0" i="0" kern="1200" dirty="0">
                 <a:solidFill>
                   <a:schemeClr val="tx1"/>
                 </a:solidFill>
@@ -3056,10 +2906,16 @@
                 <a:ea typeface="+mn-ea"/>
                 <a:cs typeface="+mn-cs"/>
               </a:rPr>
-              <a:t>eventhubs</a:t>
-            </a:r>
-            <a:r>
-              <a:rPr lang="en-US" sz="1200" b="0" i="0" kern="1200" dirty="0">
+              <a:t> - Multiple writers can simultaneously modify a data set and see consistent views.</a:t>
+            </a:r>
+          </a:p>
+          <a:p>
+            <a:pPr marL="171450" indent="-171450">
+              <a:buFont typeface="Arial" panose="020B0604020202020204" pitchFamily="34" charset="0"/>
+              <a:buChar char="•"/>
+            </a:pPr>
+            <a:r>
+              <a:rPr lang="en-US" sz="1200" b="1" i="0" kern="1200" dirty="0">
                 <a:solidFill>
                   <a:schemeClr val="tx1"/>
                 </a:solidFill>
@@ -3068,10 +2924,8 @@
                 <a:ea typeface="+mn-ea"/>
                 <a:cs typeface="+mn-cs"/>
               </a:rPr>
-              <a:t>-spark library, or enable Kafka on your event hub and use the Spark-Kafka adapter (supports Kafka v2.0+), available as of Spark v2.4.</a:t>
-            </a:r>
-          </a:p>
-          <a:p>
+              <a:t>DELETES/UPDATES/UPSERTS</a:t>
+            </a:r>
             <a:r>
               <a:rPr lang="en-US" sz="1200" b="0" i="0" kern="1200" dirty="0">
                 <a:solidFill>
@@ -3082,10 +2936,16 @@
                 <a:ea typeface="+mn-ea"/>
                 <a:cs typeface="+mn-cs"/>
               </a:rPr>
-              <a:t>- Because the payment transactions will be arriving in real time, you will want to use Spark Structured Streaming to process the data. Think of a stream of data as a table to which data is </a:t>
-            </a:r>
-            <a:r>
-              <a:rPr lang="en-US" sz="1200" b="0" i="0" kern="1200" dirty="0" err="1">
+              <a:t> - Writers can modify a data set without interfering with jobs reading the data set.</a:t>
+            </a:r>
+          </a:p>
+          <a:p>
+            <a:pPr marL="171450" indent="-171450">
+              <a:buFont typeface="Arial" panose="020B0604020202020204" pitchFamily="34" charset="0"/>
+              <a:buChar char="•"/>
+            </a:pPr>
+            <a:r>
+              <a:rPr lang="en-US" sz="1200" b="1" i="0" kern="1200" dirty="0">
                 <a:solidFill>
                   <a:schemeClr val="tx1"/>
                 </a:solidFill>
@@ -3094,7 +2954,7 @@
                 <a:ea typeface="+mn-ea"/>
                 <a:cs typeface="+mn-cs"/>
               </a:rPr>
-              <a:t>continously</a:t>
+              <a:t>Automatic file management</a:t>
             </a:r>
             <a:r>
               <a:rPr lang="en-US" sz="1200" b="0" i="0" kern="1200" dirty="0">
@@ -3106,21 +2966,14 @@
                 <a:ea typeface="+mn-ea"/>
                 <a:cs typeface="+mn-cs"/>
               </a:rPr>
-              <a:t> appended. In streaming, the problems of traditional data pipelines are exacerbated. Specifically, with frequent meta data refreshes, table repairs and accumulation of small files in intervals measured in seconds or minutes. Many small files result because data may be streamed in at low volumes with short triggers. Databricks Delta is uniquely designed to address these needs.</a:t>
-            </a:r>
-          </a:p>
-          <a:p>
-            <a:endParaRPr lang="en-US" sz="1200" b="1" i="0" kern="1200" dirty="0">
-              <a:solidFill>
-                <a:schemeClr val="tx1"/>
-              </a:solidFill>
-              <a:effectLst/>
-              <a:latin typeface="+mn-lt"/>
-              <a:ea typeface="+mn-ea"/>
-              <a:cs typeface="+mn-cs"/>
-            </a:endParaRPr>
-          </a:p>
-          <a:p>
+              <a:t> - Data access speeds up by organizing data into large files that can be read efficiently.</a:t>
+            </a:r>
+          </a:p>
+          <a:p>
+            <a:pPr marL="171450" indent="-171450">
+              <a:buFont typeface="Arial" panose="020B0604020202020204" pitchFamily="34" charset="0"/>
+              <a:buChar char="•"/>
+            </a:pPr>
             <a:r>
               <a:rPr lang="en-US" sz="1200" b="1" i="0" kern="1200" dirty="0">
                 <a:solidFill>
@@ -3131,10 +2984,8 @@
                 <a:ea typeface="+mn-ea"/>
                 <a:cs typeface="+mn-cs"/>
               </a:rPr>
-              <a:t>What configuration would you need to apply to your solution to allow it to restart any stream processing in the case the job is stopped?</a:t>
-            </a:r>
-          </a:p>
-          <a:p>
+              <a:t>Statistics and data skipping</a:t>
+            </a:r>
             <a:r>
               <a:rPr lang="en-US" sz="1200" b="0" i="0" kern="1200" dirty="0">
                 <a:solidFill>
@@ -3145,24 +2996,11 @@
                 <a:ea typeface="+mn-ea"/>
                 <a:cs typeface="+mn-cs"/>
               </a:rPr>
-              <a:t>- When defining a Delta streaming query, one of the options that you need to specify is the location of a checkpoint directory.</a:t>
-            </a:r>
-          </a:p>
-          <a:p>
-            <a:r>
-              <a:rPr lang="en-US" sz="1200" b="0" i="0" kern="1200" dirty="0">
-                <a:solidFill>
-                  <a:schemeClr val="tx1"/>
-                </a:solidFill>
-                <a:effectLst/>
-                <a:latin typeface="+mn-lt"/>
-                <a:ea typeface="+mn-ea"/>
-                <a:cs typeface="+mn-cs"/>
-              </a:rPr>
-              <a:t>- Please note, if you do not have a checkpoint directory, when the streaming job stops, you lose all state around your streaming job and upon restart, you start from scratch.</a:t>
-            </a:r>
-          </a:p>
-          <a:p>
+              <a:t> - Reads are 10-100x faster when statistics are tracked about the data in each file, allowing Delta to avoid reading irrelevant information.</a:t>
+            </a:r>
+          </a:p>
+          <a:p>
+            <a:pPr lvl="0"/>
             <a:endParaRPr lang="en-US" sz="1200" b="0" i="0" kern="1200" dirty="0">
               <a:solidFill>
                 <a:schemeClr val="tx1"/>
@@ -3172,62 +3010,6 @@
               <a:ea typeface="+mn-ea"/>
               <a:cs typeface="+mn-cs"/>
             </a:endParaRPr>
-          </a:p>
-          <a:p>
-            <a:r>
-              <a:rPr lang="en-US" sz="1200" b="1" i="0" kern="1200" dirty="0">
-                <a:solidFill>
-                  <a:schemeClr val="tx1"/>
-                </a:solidFill>
-                <a:effectLst/>
-                <a:latin typeface="+mn-lt"/>
-                <a:ea typeface="+mn-ea"/>
-                <a:cs typeface="+mn-cs"/>
-              </a:rPr>
-              <a:t>What specific secrets will their processing solution might want to store? How would they securely store and access those secrets?</a:t>
-            </a:r>
-          </a:p>
-          <a:p>
-            <a:r>
-              <a:rPr lang="en-US" sz="1200" b="0" i="0" kern="1200" dirty="0">
-                <a:solidFill>
-                  <a:schemeClr val="tx1"/>
-                </a:solidFill>
-                <a:effectLst/>
-                <a:latin typeface="+mn-lt"/>
-                <a:ea typeface="+mn-ea"/>
-                <a:cs typeface="+mn-cs"/>
-              </a:rPr>
-              <a:t>- Specific secrets that they may need to be accessed by Azure Databricks are account names and keys for Azure Data Lake Storage, Cosmos DB connection strings or access keys, and Azure Machine Learning account keys.</a:t>
-            </a:r>
-          </a:p>
-          <a:p>
-            <a:r>
-              <a:rPr lang="en-US" sz="1200" b="0" i="0" kern="1200" dirty="0">
-                <a:solidFill>
-                  <a:schemeClr val="tx1"/>
-                </a:solidFill>
-                <a:effectLst/>
-                <a:latin typeface="+mn-lt"/>
-                <a:ea typeface="+mn-ea"/>
-                <a:cs typeface="+mn-cs"/>
-              </a:rPr>
-              <a:t>- To securely store these secrets, use Azure Key Vault, in addition to Key Vault-backed secret scopes within Azure Databricks. Azure Key Vault provides a service that allows you to securely centralize application secrets. The benefit of it being a centralized store of secrets, is that you only need to define those secrets, like connection strings or account keys, in one place which can be accessed by several Azure services as well as custom applications.</a:t>
-            </a:r>
-          </a:p>
-          <a:p>
-            <a:r>
-              <a:rPr lang="en-US" sz="1200" b="0" i="0" kern="1200" dirty="0">
-                <a:solidFill>
-                  <a:schemeClr val="tx1"/>
-                </a:solidFill>
-                <a:effectLst/>
-                <a:latin typeface="+mn-lt"/>
-                <a:ea typeface="+mn-ea"/>
-                <a:cs typeface="+mn-cs"/>
-              </a:rPr>
-              <a:t>- Azure Databricks has two types of secret scopes: Key Vault-backed and Databricks-backed. These secret scopes allow you to store secrets, such as database connection strings, securely. If someone tries to output a secret to a notebook, it is replaced by [REDACTED]. This helps prevent someone from viewing the secret or accidentally leaking it when displaying or sharing the notebook.</a:t>
-            </a:r>
           </a:p>
         </p:txBody>
       </p:sp>
@@ -3257,7 +3039,7 @@
     </p:spTree>
     <p:extLst>
       <p:ext uri="{BB962C8B-B14F-4D97-AF65-F5344CB8AC3E}">
-        <p14:creationId xmlns:p14="http://schemas.microsoft.com/office/powerpoint/2010/main" val="3731698051"/>
+        <p14:creationId xmlns:p14="http://schemas.microsoft.com/office/powerpoint/2010/main" val="3524087441"/>
       </p:ext>
     </p:extLst>
   </p:cSld>
@@ -3321,7 +3103,7 @@
                 <a:ea typeface="+mn-ea"/>
                 <a:cs typeface="+mn-cs"/>
               </a:rPr>
-              <a:t>As incoming data is processed, refined, and scored, all of the transactions need to be persisted to long-term storage for analysis, model training and validation, and reporting. This storage needs to handle long-term growth, be fast enough to rapidly ingest new data while simultaneously handling reads against the same data set without interference, and act as a reliable data source for dashboards and reports. Which is your recommended long-term data storage solution, keeping in mind its role within your selected data pipeline processing platform?</a:t>
+              <a:t>How will your chosen data processing platform connect to and process data from your chosen data ingest solution for streaming data?</a:t>
             </a:r>
           </a:p>
           <a:p>
@@ -3335,12 +3117,10 @@
                 <a:ea typeface="+mn-ea"/>
                 <a:cs typeface="+mn-cs"/>
               </a:rPr>
-              <a:t>- Although our proposed solution uses Databricks Delta to store data within a Delta table, we still need to select the appropriate storage service it uses under the covers. For this, use Azure Data Lake Storage Gen2 (ADLS Gen2).</a:t>
-            </a:r>
-          </a:p>
-          <a:p>
-            <a:r>
-              <a:rPr lang="en-US" sz="1200" b="0" i="0" kern="1200" dirty="0">
+              <a:t>- Whether you have chosen to ingest your data using Azure Cosmos DB with change feed, or Event Hubs, you can connect to either of these directly from Spark. For Cosmos DB, use the azure-</a:t>
+            </a:r>
+            <a:r>
+              <a:rPr lang="en-US" sz="1200" b="0" i="0" kern="1200" dirty="0" err="1">
                 <a:solidFill>
                   <a:schemeClr val="tx1"/>
                 </a:solidFill>
@@ -3349,7 +3129,158 @@
                 <a:ea typeface="+mn-ea"/>
                 <a:cs typeface="+mn-cs"/>
               </a:rPr>
-              <a:t>- With Databricks Delta managing the files stored within ADLS, the files will be optimized through re-indexing and combining numerous small files into fewer, read-friendly large files. Other enhancements provided by Delta allow for simultaneously handling reads and writes against the same data set without interference. The Delta table can be accessed by BI dashboard and reporting services that support reading Hive tables, such as Power BI.</a:t>
+              <a:t>cosmosdb</a:t>
+            </a:r>
+            <a:r>
+              <a:rPr lang="en-US" sz="1200" b="0" i="0" kern="1200" dirty="0">
+                <a:solidFill>
+                  <a:schemeClr val="tx1"/>
+                </a:solidFill>
+                <a:effectLst/>
+                <a:latin typeface="+mn-lt"/>
+                <a:ea typeface="+mn-ea"/>
+                <a:cs typeface="+mn-cs"/>
+              </a:rPr>
+              <a:t>-spark connector, which lets you easily read to and write from Azure Cosmos DB via Spark </a:t>
+            </a:r>
+            <a:r>
+              <a:rPr lang="en-US" sz="1200" b="0" i="0" kern="1200" dirty="0" err="1">
+                <a:solidFill>
+                  <a:schemeClr val="tx1"/>
+                </a:solidFill>
+                <a:effectLst/>
+                <a:latin typeface="+mn-lt"/>
+                <a:ea typeface="+mn-ea"/>
+                <a:cs typeface="+mn-cs"/>
+              </a:rPr>
+              <a:t>DataFrames</a:t>
+            </a:r>
+            <a:r>
+              <a:rPr lang="en-US" sz="1200" b="0" i="0" kern="1200" dirty="0">
+                <a:solidFill>
+                  <a:schemeClr val="tx1"/>
+                </a:solidFill>
+                <a:effectLst/>
+                <a:latin typeface="+mn-lt"/>
+                <a:ea typeface="+mn-ea"/>
+                <a:cs typeface="+mn-cs"/>
+              </a:rPr>
+              <a:t> in either Python or Scala. For Event Hubs, either use the azure-</a:t>
+            </a:r>
+            <a:r>
+              <a:rPr lang="en-US" sz="1200" b="0" i="0" kern="1200" dirty="0" err="1">
+                <a:solidFill>
+                  <a:schemeClr val="tx1"/>
+                </a:solidFill>
+                <a:effectLst/>
+                <a:latin typeface="+mn-lt"/>
+                <a:ea typeface="+mn-ea"/>
+                <a:cs typeface="+mn-cs"/>
+              </a:rPr>
+              <a:t>eventhubs</a:t>
+            </a:r>
+            <a:r>
+              <a:rPr lang="en-US" sz="1200" b="0" i="0" kern="1200" dirty="0">
+                <a:solidFill>
+                  <a:schemeClr val="tx1"/>
+                </a:solidFill>
+                <a:effectLst/>
+                <a:latin typeface="+mn-lt"/>
+                <a:ea typeface="+mn-ea"/>
+                <a:cs typeface="+mn-cs"/>
+              </a:rPr>
+              <a:t>-spark library, or enable Kafka on your event hub and use the Spark-Kafka adapter (supports Kafka v2.0+), available as of Spark v2.4.</a:t>
+            </a:r>
+          </a:p>
+          <a:p>
+            <a:r>
+              <a:rPr lang="en-US" sz="1200" b="0" i="0" kern="1200" dirty="0">
+                <a:solidFill>
+                  <a:schemeClr val="tx1"/>
+                </a:solidFill>
+                <a:effectLst/>
+                <a:latin typeface="+mn-lt"/>
+                <a:ea typeface="+mn-ea"/>
+                <a:cs typeface="+mn-cs"/>
+              </a:rPr>
+              <a:t>- Because the payment transactions will be arriving in real time, you will want to use Spark Structured Streaming to process the data. Think of a stream of data as a table to which data is </a:t>
+            </a:r>
+            <a:r>
+              <a:rPr lang="en-US" sz="1200" b="0" i="0" kern="1200" dirty="0" err="1">
+                <a:solidFill>
+                  <a:schemeClr val="tx1"/>
+                </a:solidFill>
+                <a:effectLst/>
+                <a:latin typeface="+mn-lt"/>
+                <a:ea typeface="+mn-ea"/>
+                <a:cs typeface="+mn-cs"/>
+              </a:rPr>
+              <a:t>continously</a:t>
+            </a:r>
+            <a:r>
+              <a:rPr lang="en-US" sz="1200" b="0" i="0" kern="1200" dirty="0">
+                <a:solidFill>
+                  <a:schemeClr val="tx1"/>
+                </a:solidFill>
+                <a:effectLst/>
+                <a:latin typeface="+mn-lt"/>
+                <a:ea typeface="+mn-ea"/>
+                <a:cs typeface="+mn-cs"/>
+              </a:rPr>
+              <a:t> appended. In streaming, the problems of traditional data pipelines are exacerbated. Specifically, with frequent meta data refreshes, table repairs and accumulation of small files in intervals measured in seconds or minutes. Many small files result because data may be streamed in at low volumes with short triggers. Databricks Delta is uniquely designed to address these needs.</a:t>
+            </a:r>
+          </a:p>
+          <a:p>
+            <a:endParaRPr lang="en-US" sz="1200" b="1" i="0" kern="1200" dirty="0">
+              <a:solidFill>
+                <a:schemeClr val="tx1"/>
+              </a:solidFill>
+              <a:effectLst/>
+              <a:latin typeface="+mn-lt"/>
+              <a:ea typeface="+mn-ea"/>
+              <a:cs typeface="+mn-cs"/>
+            </a:endParaRPr>
+          </a:p>
+          <a:p>
+            <a:r>
+              <a:rPr lang="en-US" sz="1200" b="1" i="0" kern="1200" dirty="0">
+                <a:solidFill>
+                  <a:schemeClr val="tx1"/>
+                </a:solidFill>
+                <a:effectLst/>
+                <a:latin typeface="+mn-lt"/>
+                <a:ea typeface="+mn-ea"/>
+                <a:cs typeface="+mn-cs"/>
+              </a:rPr>
+              <a:t>What configuration would you need to apply to your solution to allow it to restart any stream processing in the case the job is stopped?</a:t>
+            </a:r>
+          </a:p>
+          <a:p>
+            <a:r>
+              <a:rPr lang="en-US" sz="1200" b="0" i="0" kern="1200" dirty="0">
+                <a:solidFill>
+                  <a:schemeClr val="tx1"/>
+                </a:solidFill>
+                <a:effectLst/>
+                <a:latin typeface="+mn-lt"/>
+                <a:ea typeface="+mn-ea"/>
+                <a:cs typeface="+mn-cs"/>
+              </a:rPr>
+              <a:t>- When defining a Delta streaming query, one of the options that you need to specify is the location of a checkpoint directory.</a:t>
+            </a:r>
+          </a:p>
+          <a:p>
+            <a:r>
+              <a:rPr lang="en-US" sz="1200" b="0" i="0" kern="1200" dirty="0">
+                <a:solidFill>
+                  <a:schemeClr val="tx1"/>
+                </a:solidFill>
+                <a:effectLst/>
+                <a:latin typeface="+mn-lt"/>
+                <a:ea typeface="+mn-ea"/>
+                <a:cs typeface="+mn-cs"/>
+              </a:rPr>
+              <a:t>- Please note, if you do not have a checkpoint directory, when the streaming job stops, you lose all state around your streaming job and upon restart, you start from scratch.</a:t>
             </a:r>
           </a:p>
           <a:p>
@@ -3374,7 +3305,7 @@
                 <a:ea typeface="+mn-ea"/>
                 <a:cs typeface="+mn-cs"/>
               </a:rPr>
-              <a:t>How do you ensure your data is continuously optimized within your chosen long-term data storage solution, given the requirements to store inserts, updates, and deletes while avoiding generating very small, un-optimized files?</a:t>
+              <a:t>What specific secrets will their processing solution might want to store? How would they securely store and access those secrets?</a:t>
             </a:r>
           </a:p>
           <a:p>
@@ -3388,12 +3319,10 @@
                 <a:ea typeface="+mn-ea"/>
                 <a:cs typeface="+mn-cs"/>
               </a:rPr>
-              <a:t>- Historical and new data is often written in very small files and directories. This will especially be the case when dealing with real-time payment transaction data. The result is that a query on this data may be very slow due to network latency or volume of file metadata. The solution is to compact many small files into one larger file. Databricks Delta does this using the </a:t>
-            </a:r>
-            <a:r>
-              <a:rPr lang="en-US" dirty="0"/>
-              <a:t>OPTIMIZE</a:t>
-            </a:r>
+              <a:t>- Specific secrets that they may need to be accessed by Azure Databricks are account names and keys for Azure Data Lake Storage, Cosmos DB connection strings or access keys, and Azure Machine Learning account keys.</a:t>
+            </a:r>
+          </a:p>
+          <a:p>
             <a:r>
               <a:rPr lang="en-US" sz="1200" b="0" i="0" kern="1200" dirty="0">
                 <a:solidFill>
@@ -3404,7 +3333,7 @@
                 <a:ea typeface="+mn-ea"/>
                 <a:cs typeface="+mn-cs"/>
               </a:rPr>
-              <a:t> operation. Small files are compacted together into new larger files up to 1GB. The 1GB size was determined by the Databricks optimization team as a trade-off between query speed and run-time performance.</a:t>
+              <a:t>- To securely store these secrets, use Azure Key Vault, in addition to Key Vault-backed secret scopes within Azure Databricks. Azure Key Vault provides a service that allows you to securely centralize application secrets. The benefit of it being a centralized store of secrets, is that you only need to define those secrets, like connection strings or account keys, in one place which can be accessed by several Azure services as well as custom applications.</a:t>
             </a:r>
           </a:p>
           <a:p>
@@ -3418,7 +3347,7 @@
                 <a:ea typeface="+mn-ea"/>
                 <a:cs typeface="+mn-cs"/>
               </a:rPr>
-              <a:t>- OPTIMIZE is not run automatically and can take some time to complete. Set up a schedule to periodically run and observe results.</a:t>
+              <a:t>- Azure Databricks has two types of secret scopes: Key Vault-backed and Databricks-backed. These secret scopes allow you to store secrets, such as database connection strings, securely. If someone tries to output a secret to a notebook, it is replaced by [REDACTED]. This helps prevent someone from viewing the secret or accidentally leaking it when displaying or sharing the notebook.</a:t>
             </a:r>
           </a:p>
         </p:txBody>
@@ -3449,7 +3378,7 @@
     </p:spTree>
     <p:extLst>
       <p:ext uri="{BB962C8B-B14F-4D97-AF65-F5344CB8AC3E}">
-        <p14:creationId xmlns:p14="http://schemas.microsoft.com/office/powerpoint/2010/main" val="1537834090"/>
+        <p14:creationId xmlns:p14="http://schemas.microsoft.com/office/powerpoint/2010/main" val="3731698051"/>
       </p:ext>
     </p:extLst>
   </p:cSld>
@@ -3513,7 +3442,7 @@
                 <a:ea typeface="+mn-ea"/>
                 <a:cs typeface="+mn-cs"/>
               </a:rPr>
-              <a:t>Describe how your chosen data processing platform will support machine learning model training and deployment. The model will need to be trained on and validated against historical payment transaction data that includes known fraudulent transactions.</a:t>
+              <a:t>As incoming data is processed, refined, and scored, all of the transactions need to be persisted to long-term storage for analysis, model training and validation, and reporting. This storage needs to handle long-term growth, be fast enough to rapidly ingest new data while simultaneously handling reads against the same data set without interference, and act as a reliable data source for dashboards and reports. Which is your recommended long-term data storage solution, keeping in mind its role within your selected data pipeline processing platform?</a:t>
             </a:r>
           </a:p>
           <a:p>
@@ -3527,10 +3456,12 @@
                 <a:ea typeface="+mn-ea"/>
                 <a:cs typeface="+mn-cs"/>
               </a:rPr>
-              <a:t>- Azure Databricks supports machine learning training at scale. This means that it can handle the historical payment transaction data, which </a:t>
-            </a:r>
-            <a:r>
-              <a:rPr lang="en-US" sz="1200" b="0" i="0" kern="1200" dirty="0" err="1">
+              <a:t>- Although our proposed solution uses Databricks Delta to store data within a Delta table, we still need to select the appropriate storage service it uses under the covers. For this, use Azure Data Lake Storage Gen2 (ADLS Gen2).</a:t>
+            </a:r>
+          </a:p>
+          <a:p>
+            <a:r>
+              <a:rPr lang="en-US" sz="1200" b="0" i="0" kern="1200" dirty="0">
                 <a:solidFill>
                   <a:schemeClr val="tx1"/>
                 </a:solidFill>
@@ -3539,57 +3470,7 @@
                 <a:ea typeface="+mn-ea"/>
                 <a:cs typeface="+mn-cs"/>
               </a:rPr>
-              <a:t>Woodgrove</a:t>
-            </a:r>
-            <a:r>
-              <a:rPr lang="en-US" sz="1200" b="0" i="0" kern="1200" dirty="0">
-                <a:solidFill>
-                  <a:schemeClr val="tx1"/>
-                </a:solidFill>
-                <a:effectLst/>
-                <a:latin typeface="+mn-lt"/>
-                <a:ea typeface="+mn-ea"/>
-                <a:cs typeface="+mn-cs"/>
-              </a:rPr>
-              <a:t> Bank said it can provide as a series of CSV files, and transform that data as needed for cleanup and feature selection. A large portion of that data will be used for training, and the rest can be used to validate the performance of the trained model.</a:t>
-            </a:r>
-          </a:p>
-          <a:p>
-            <a:r>
-              <a:rPr lang="en-US" sz="1200" b="0" i="0" kern="1200" dirty="0">
-                <a:solidFill>
-                  <a:schemeClr val="tx1"/>
-                </a:solidFill>
-                <a:effectLst/>
-                <a:latin typeface="+mn-lt"/>
-                <a:ea typeface="+mn-ea"/>
-                <a:cs typeface="+mn-cs"/>
-              </a:rPr>
-              <a:t>- For model deployment, use Azure Machine Learning service and the Azure Machine Learning SDK to host a trained machine learning model and automatically deploy the model to an Azure Kubernetes Service (AKS) cluster. Creating the AKS cluster is a one-time process for your workspace, </a:t>
-            </a:r>
-            <a:r>
-              <a:rPr lang="en-US" sz="1200" b="0" i="0" kern="1200" dirty="0" err="1">
-                <a:solidFill>
-                  <a:schemeClr val="tx1"/>
-                </a:solidFill>
-                <a:effectLst/>
-                <a:latin typeface="+mn-lt"/>
-                <a:ea typeface="+mn-ea"/>
-                <a:cs typeface="+mn-cs"/>
-              </a:rPr>
-              <a:t>whereafter</a:t>
-            </a:r>
-            <a:r>
-              <a:rPr lang="en-US" sz="1200" b="0" i="0" kern="1200" dirty="0">
-                <a:solidFill>
-                  <a:schemeClr val="tx1"/>
-                </a:solidFill>
-                <a:effectLst/>
-                <a:latin typeface="+mn-lt"/>
-                <a:ea typeface="+mn-ea"/>
-                <a:cs typeface="+mn-cs"/>
-              </a:rPr>
-              <a:t> you can reuse it for multiple deployments as the model gets updated through re-training.</a:t>
+              <a:t>- With Databricks Delta managing the files stored within ADLS, the files will be optimized through re-indexing and combining numerous small files into fewer, read-friendly large files. Other enhancements provided by Delta allow for simultaneously handling reads and writes against the same data set without interference. The Delta table can be accessed by BI dashboard and reporting services that support reading Hive tables, such as Power BI.</a:t>
             </a:r>
           </a:p>
           <a:p>
@@ -3614,10 +3495,12 @@
                 <a:ea typeface="+mn-ea"/>
                 <a:cs typeface="+mn-cs"/>
               </a:rPr>
-              <a:t>How will you schedule regular batch scoring of fraud data using the trained model, and make that data available to </a:t>
-            </a:r>
-            <a:r>
-              <a:rPr lang="en-US" sz="1200" b="1" i="0" kern="1200" dirty="0" err="1">
+              <a:t>How do you ensure your data is continuously optimized within your chosen long-term data storage solution, given the requirements to store inserts, updates, and deletes while avoiding generating very small, un-optimized files?</a:t>
+            </a:r>
+          </a:p>
+          <a:p>
+            <a:r>
+              <a:rPr lang="en-US" sz="1200" b="0" i="0" kern="1200" dirty="0">
                 <a:solidFill>
                   <a:schemeClr val="tx1"/>
                 </a:solidFill>
@@ -3626,10 +3509,14 @@
                 <a:ea typeface="+mn-ea"/>
                 <a:cs typeface="+mn-cs"/>
               </a:rPr>
-              <a:t>Woodgrove</a:t>
-            </a:r>
-            <a:r>
-              <a:rPr lang="en-US" sz="1200" b="1" i="0" kern="1200" dirty="0">
+              <a:t>- Historical and new data is often written in very small files and directories. This will especially be the case when dealing with real-time payment transaction data. The result is that a query on this data may be very slow due to network latency or volume of file metadata. The solution is to compact many small files into one larger file. Databricks Delta does this using the </a:t>
+            </a:r>
+            <a:r>
+              <a:rPr lang="en-US" dirty="0"/>
+              <a:t>OPTIMIZE</a:t>
+            </a:r>
+            <a:r>
+              <a:rPr lang="en-US" sz="1200" b="0" i="0" kern="1200" dirty="0">
                 <a:solidFill>
                   <a:schemeClr val="tx1"/>
                 </a:solidFill>
@@ -3638,7 +3525,7 @@
                 <a:ea typeface="+mn-ea"/>
                 <a:cs typeface="+mn-cs"/>
               </a:rPr>
-              <a:t> Bank's web applications at a global scale?</a:t>
+              <a:t> operation. Small files are compacted together into new larger files up to 1GB. The 1GB size was determined by the Databricks optimization team as a trade-off between query speed and run-time performance.</a:t>
             </a:r>
           </a:p>
           <a:p>
@@ -3652,19 +3539,8 @@
                 <a:ea typeface="+mn-ea"/>
                 <a:cs typeface="+mn-cs"/>
               </a:rPr>
-              <a:t>- The models that they have trained within Azure Databricks notebooks can be saved to ADLS or to Azure Machine Learning service. These saved models can then be re-loaded by a notebook or a job that executes a notebook to batch score the “suspicious transactions” on a scheduled basis. The notebook logic would use the Cosmos DB Spark connector to push the scored results out to the globally distributed set of collections, making the suspicious transactions “locally” available to authorized consuming applications.</a:t>
-            </a:r>
-          </a:p>
-          <a:p>
-            <a:endParaRPr lang="en-US" sz="1200" b="0" i="0" kern="1200" dirty="0">
-              <a:solidFill>
-                <a:schemeClr val="tx1"/>
-              </a:solidFill>
-              <a:effectLst/>
-              <a:latin typeface="+mn-lt"/>
-              <a:ea typeface="+mn-ea"/>
-              <a:cs typeface="+mn-cs"/>
-            </a:endParaRPr>
+              <a:t>- OPTIMIZE is not run automatically and can take some time to complete. Set up a schedule to periodically run and observe results.</a:t>
+            </a:r>
           </a:p>
         </p:txBody>
       </p:sp>
@@ -3694,7 +3570,7 @@
     </p:spTree>
     <p:extLst>
       <p:ext uri="{BB962C8B-B14F-4D97-AF65-F5344CB8AC3E}">
-        <p14:creationId xmlns:p14="http://schemas.microsoft.com/office/powerpoint/2010/main" val="1390008499"/>
+        <p14:creationId xmlns:p14="http://schemas.microsoft.com/office/powerpoint/2010/main" val="1537834090"/>
       </p:ext>
     </p:extLst>
   </p:cSld>
@@ -3749,7 +3625,7 @@
           <a:lstStyle/>
           <a:p>
             <a:r>
-              <a:rPr lang="en-US" sz="1200" b="1" i="0" kern="1200" dirty="0" err="1">
+              <a:rPr lang="en-US" sz="1200" b="1" i="0" kern="1200" dirty="0">
                 <a:solidFill>
                   <a:schemeClr val="tx1"/>
                 </a:solidFill>
@@ -3758,10 +3634,12 @@
                 <a:ea typeface="+mn-ea"/>
                 <a:cs typeface="+mn-cs"/>
               </a:rPr>
-              <a:t>Woodgrove</a:t>
-            </a:r>
-            <a:r>
-              <a:rPr lang="en-US" sz="1200" b="1" i="0" kern="1200" dirty="0">
+              <a:t>Describe how your chosen data processing platform will support machine learning model training and deployment. The model will need to be trained on and validated against historical payment transaction data that includes known fraudulent transactions.</a:t>
+            </a:r>
+          </a:p>
+          <a:p>
+            <a:r>
+              <a:rPr lang="en-US" sz="1200" b="0" i="0" kern="1200" dirty="0">
                 <a:solidFill>
                   <a:schemeClr val="tx1"/>
                 </a:solidFill>
@@ -3770,12 +3648,10 @@
                 <a:ea typeface="+mn-ea"/>
                 <a:cs typeface="+mn-cs"/>
               </a:rPr>
-              <a:t> Bank's business analysts would like to have a set of dashboards they can monitor that provide real-time views of fraud trends at a global scale. Thinking back to how your proposed solution provides a set of summary (gold) tables containing business-level aggregates, what do you propose using to meet this requirement? Be specific about how this solution will be put in place and which features it supports.</a:t>
-            </a:r>
-          </a:p>
-          <a:p>
-            <a:r>
-              <a:rPr lang="en-US" sz="1200" b="0" i="0" kern="1200" dirty="0">
+              <a:t>- Azure Databricks supports machine learning training at scale. This means that it can handle the historical payment transaction data, which </a:t>
+            </a:r>
+            <a:r>
+              <a:rPr lang="en-US" sz="1200" b="0" i="0" kern="1200" dirty="0" err="1">
                 <a:solidFill>
                   <a:schemeClr val="tx1"/>
                 </a:solidFill>
@@ -3784,10 +3660,10 @@
                 <a:ea typeface="+mn-ea"/>
                 <a:cs typeface="+mn-cs"/>
               </a:rPr>
-              <a:t>- </a:t>
-            </a:r>
-            <a:r>
-              <a:rPr lang="en-US" sz="1200" b="0" i="0" kern="1200" dirty="0" err="1">
+              <a:t>Woodgrove</a:t>
+            </a:r>
+            <a:r>
+              <a:rPr lang="en-US" sz="1200" b="0" i="0" kern="1200" dirty="0">
                 <a:solidFill>
                   <a:schemeClr val="tx1"/>
                 </a:solidFill>
@@ -3796,8 +3672,10 @@
                 <a:ea typeface="+mn-ea"/>
                 <a:cs typeface="+mn-cs"/>
               </a:rPr>
-              <a:t>PowerBI</a:t>
-            </a:r>
+              <a:t> Bank said it can provide as a series of CSV files, and transform that data as needed for cleanup and feature selection. A large portion of that data will be used for training, and the rest can be used to validate the performance of the trained model.</a:t>
+            </a:r>
+          </a:p>
+          <a:p>
             <a:r>
               <a:rPr lang="en-US" sz="1200" b="0" i="0" kern="1200" dirty="0">
                 <a:solidFill>
@@ -3808,7 +3686,31 @@
                 <a:ea typeface="+mn-ea"/>
                 <a:cs typeface="+mn-cs"/>
               </a:rPr>
-              <a:t> can query any tables created in Azure Databricks. This connection is facilitated via a JDBC connector, whose connection information is provided in the Get Data UI of Power BI by selecting the Spark connector. While the data for these tables may be stored in ADLS, the experience to the analysts is similar to them querying a table from a more traditional relational database. With the table connection in place, analysts can build reports and dashboards using Power BI.</a:t>
+              <a:t>- For model deployment, use Azure Machine Learning service and the Azure Machine Learning SDK to host a trained machine learning model and automatically deploy the model to an Azure Kubernetes Service (AKS) cluster. Creating the AKS cluster is a one-time process for your workspace, </a:t>
+            </a:r>
+            <a:r>
+              <a:rPr lang="en-US" sz="1200" b="0" i="0" kern="1200" dirty="0" err="1">
+                <a:solidFill>
+                  <a:schemeClr val="tx1"/>
+                </a:solidFill>
+                <a:effectLst/>
+                <a:latin typeface="+mn-lt"/>
+                <a:ea typeface="+mn-ea"/>
+                <a:cs typeface="+mn-cs"/>
+              </a:rPr>
+              <a:t>whereafter</a:t>
+            </a:r>
+            <a:r>
+              <a:rPr lang="en-US" sz="1200" b="0" i="0" kern="1200" dirty="0">
+                <a:solidFill>
+                  <a:schemeClr val="tx1"/>
+                </a:solidFill>
+                <a:effectLst/>
+                <a:latin typeface="+mn-lt"/>
+                <a:ea typeface="+mn-ea"/>
+                <a:cs typeface="+mn-cs"/>
+              </a:rPr>
+              <a:t> you can reuse it for multiple deployments as the model gets updated through re-training.</a:t>
             </a:r>
           </a:p>
           <a:p>
@@ -3833,7 +3735,7 @@
                 <a:ea typeface="+mn-ea"/>
                 <a:cs typeface="+mn-cs"/>
               </a:rPr>
-              <a:t>How do you propose giving access to this same data to </a:t>
+              <a:t>How will you schedule regular batch scoring of fraud data using the trained model, and make that data available to </a:t>
             </a:r>
             <a:r>
               <a:rPr lang="en-US" sz="1200" b="1" i="0" kern="1200" dirty="0" err="1">
@@ -3857,7 +3759,7 @@
                 <a:ea typeface="+mn-ea"/>
                 <a:cs typeface="+mn-cs"/>
               </a:rPr>
-              <a:t> Bank's data scientists and data engineers within the data processing environment wherein they can craft complex queries and data visualizations?</a:t>
+              <a:t> Bank's web applications at a global scale?</a:t>
             </a:r>
           </a:p>
           <a:p>
@@ -3871,8 +3773,19 @@
                 <a:ea typeface="+mn-ea"/>
                 <a:cs typeface="+mn-cs"/>
               </a:rPr>
-              <a:t>- Data scientists and data engineers would use Azure Databricks notebooks to craft complex queries and data visualizations.</a:t>
-            </a:r>
+              <a:t>- The models that they have trained within Azure Databricks notebooks can be saved to ADLS or to Azure Machine Learning service. These saved models can then be re-loaded by a notebook or a job that executes a notebook to batch score the “suspicious transactions” on a scheduled basis. The notebook logic would use the Cosmos DB Spark connector to push the scored results out to the globally distributed set of collections, making the suspicious transactions “locally” available to authorized consuming applications.</a:t>
+            </a:r>
+          </a:p>
+          <a:p>
+            <a:endParaRPr lang="en-US" sz="1200" b="0" i="0" kern="1200" dirty="0">
+              <a:solidFill>
+                <a:schemeClr val="tx1"/>
+              </a:solidFill>
+              <a:effectLst/>
+              <a:latin typeface="+mn-lt"/>
+              <a:ea typeface="+mn-ea"/>
+              <a:cs typeface="+mn-cs"/>
+            </a:endParaRPr>
           </a:p>
         </p:txBody>
       </p:sp>
@@ -3902,7 +3815,7 @@
     </p:spTree>
     <p:extLst>
       <p:ext uri="{BB962C8B-B14F-4D97-AF65-F5344CB8AC3E}">
-        <p14:creationId xmlns:p14="http://schemas.microsoft.com/office/powerpoint/2010/main" val="2965567035"/>
+        <p14:creationId xmlns:p14="http://schemas.microsoft.com/office/powerpoint/2010/main" val="1390008499"/>
       </p:ext>
     </p:extLst>
   </p:cSld>
@@ -3957,7 +3870,7 @@
           <a:lstStyle/>
           <a:p>
             <a:r>
-              <a:rPr lang="en-US" sz="1200" b="1" kern="1200" dirty="0">
+              <a:rPr lang="en-US" sz="1200" b="1" i="0" kern="1200" dirty="0" err="1">
                 <a:solidFill>
                   <a:schemeClr val="tx1"/>
                 </a:solidFill>
@@ -3966,12 +3879,10 @@
                 <a:ea typeface="+mn-ea"/>
                 <a:cs typeface="+mn-cs"/>
               </a:rPr>
-              <a:t>It's not clear to us if we can only use Cosmos DB as our web app's database, or if we should consider using it in other parts of our advanced analytics data pipeline such as for real-time transaction ingest or for serving of offline processed data.</a:t>
-            </a:r>
-          </a:p>
-          <a:p>
-            <a:br>
-              <a:rPr lang="en-US" sz="1200" b="1" kern="1200" dirty="0">
+              <a:t>Woodgrove</a:t>
+            </a:r>
+            <a:r>
+              <a:rPr lang="en-US" sz="1200" b="1" i="0" kern="1200" dirty="0">
                 <a:solidFill>
                   <a:schemeClr val="tx1"/>
                 </a:solidFill>
@@ -3980,9 +3891,12 @@
                 <a:ea typeface="+mn-ea"/>
                 <a:cs typeface="+mn-cs"/>
               </a:rPr>
-            </a:br>
-            <a:r>
-              <a:rPr lang="en-US" sz="1200" b="0" kern="1200" dirty="0">
+              <a:t> Bank's business analysts would like to have a set of dashboards they can monitor that provide real-time views of fraud trends at a global scale. Thinking back to how your proposed solution provides a set of summary (gold) tables containing business-level aggregates, what do you propose using to meet this requirement? Be specific about how this solution will be put in place and which features it supports.</a:t>
+            </a:r>
+          </a:p>
+          <a:p>
+            <a:r>
+              <a:rPr lang="en-US" sz="1200" b="0" i="0" kern="1200" dirty="0">
                 <a:solidFill>
                   <a:schemeClr val="tx1"/>
                 </a:solidFill>
@@ -3991,7 +3905,94 @@
                 <a:ea typeface="+mn-ea"/>
                 <a:cs typeface="+mn-cs"/>
               </a:rPr>
-              <a:t>Cosmos DB was created from the ground-up as a multi-model distributed database service that transparently handles the complexity of running within multiple regions around the world. Because providing data to customers around the globe is a key requirement, Cosmos DB is an ideal choice for ingesting data where it arrives, and serving the data where it is requested. The change feed feature of Cosmos DB makes it useful for both storing raw transaction data as it is written, and notifying consumers, like Azure Databricks, of changes as they occur for real-time processing.</a:t>
+              <a:t>- </a:t>
+            </a:r>
+            <a:r>
+              <a:rPr lang="en-US" sz="1200" b="0" i="0" kern="1200" dirty="0" err="1">
+                <a:solidFill>
+                  <a:schemeClr val="tx1"/>
+                </a:solidFill>
+                <a:effectLst/>
+                <a:latin typeface="+mn-lt"/>
+                <a:ea typeface="+mn-ea"/>
+                <a:cs typeface="+mn-cs"/>
+              </a:rPr>
+              <a:t>PowerBI</a:t>
+            </a:r>
+            <a:r>
+              <a:rPr lang="en-US" sz="1200" b="0" i="0" kern="1200" dirty="0">
+                <a:solidFill>
+                  <a:schemeClr val="tx1"/>
+                </a:solidFill>
+                <a:effectLst/>
+                <a:latin typeface="+mn-lt"/>
+                <a:ea typeface="+mn-ea"/>
+                <a:cs typeface="+mn-cs"/>
+              </a:rPr>
+              <a:t> can query any tables created in Azure Databricks. This connection is facilitated via a JDBC connector, whose connection information is provided in the Get Data UI of Power BI by selecting the Spark connector. While the data for these tables may be stored in ADLS, the experience to the analysts is similar to them querying a table from a more traditional relational database. With the table connection in place, analysts can build reports and dashboards using Power BI.</a:t>
+            </a:r>
+          </a:p>
+          <a:p>
+            <a:endParaRPr lang="en-US" sz="1200" b="0" i="0" kern="1200" dirty="0">
+              <a:solidFill>
+                <a:schemeClr val="tx1"/>
+              </a:solidFill>
+              <a:effectLst/>
+              <a:latin typeface="+mn-lt"/>
+              <a:ea typeface="+mn-ea"/>
+              <a:cs typeface="+mn-cs"/>
+            </a:endParaRPr>
+          </a:p>
+          <a:p>
+            <a:r>
+              <a:rPr lang="en-US" sz="1200" b="1" i="0" kern="1200" dirty="0">
+                <a:solidFill>
+                  <a:schemeClr val="tx1"/>
+                </a:solidFill>
+                <a:effectLst/>
+                <a:latin typeface="+mn-lt"/>
+                <a:ea typeface="+mn-ea"/>
+                <a:cs typeface="+mn-cs"/>
+              </a:rPr>
+              <a:t>How do you propose giving access to this same data to </a:t>
+            </a:r>
+            <a:r>
+              <a:rPr lang="en-US" sz="1200" b="1" i="0" kern="1200" dirty="0" err="1">
+                <a:solidFill>
+                  <a:schemeClr val="tx1"/>
+                </a:solidFill>
+                <a:effectLst/>
+                <a:latin typeface="+mn-lt"/>
+                <a:ea typeface="+mn-ea"/>
+                <a:cs typeface="+mn-cs"/>
+              </a:rPr>
+              <a:t>Woodgrove</a:t>
+            </a:r>
+            <a:r>
+              <a:rPr lang="en-US" sz="1200" b="1" i="0" kern="1200" dirty="0">
+                <a:solidFill>
+                  <a:schemeClr val="tx1"/>
+                </a:solidFill>
+                <a:effectLst/>
+                <a:latin typeface="+mn-lt"/>
+                <a:ea typeface="+mn-ea"/>
+                <a:cs typeface="+mn-cs"/>
+              </a:rPr>
+              <a:t> Bank's data scientists and data engineers within the data processing environment wherein they can craft complex queries and data visualizations?</a:t>
+            </a:r>
+          </a:p>
+          <a:p>
+            <a:r>
+              <a:rPr lang="en-US" sz="1200" b="0" i="0" kern="1200" dirty="0">
+                <a:solidFill>
+                  <a:schemeClr val="tx1"/>
+                </a:solidFill>
+                <a:effectLst/>
+                <a:latin typeface="+mn-lt"/>
+                <a:ea typeface="+mn-ea"/>
+                <a:cs typeface="+mn-cs"/>
+              </a:rPr>
+              <a:t>- Data scientists and data engineers would use Azure Databricks notebooks to craft complex queries and data visualizations.</a:t>
             </a:r>
           </a:p>
         </p:txBody>
@@ -4015,14 +4016,14 @@
               <a:rPr lang="en-US" smtClean="0"/>
               <a:t>26</a:t>
             </a:fld>
-            <a:endParaRPr lang="en-US"/>
+            <a:endParaRPr lang="en-US" dirty="0"/>
           </a:p>
         </p:txBody>
       </p:sp>
     </p:spTree>
     <p:extLst>
       <p:ext uri="{BB962C8B-B14F-4D97-AF65-F5344CB8AC3E}">
-        <p14:creationId xmlns:p14="http://schemas.microsoft.com/office/powerpoint/2010/main" val="4115832635"/>
+        <p14:creationId xmlns:p14="http://schemas.microsoft.com/office/powerpoint/2010/main" val="2965567035"/>
       </p:ext>
     </p:extLst>
   </p:cSld>
@@ -4086,11 +4087,22 @@
                 <a:ea typeface="+mn-ea"/>
                 <a:cs typeface="+mn-cs"/>
               </a:rPr>
-              <a:t>Does Cosmos DB integrate with open source big data analytics like Apache Spark?</a:t>
-            </a:r>
-          </a:p>
-          <a:p>
-            <a:br>
+              <a:t>Option 2: Additional service and synchronization required, but lower cost option:</a:t>
+            </a:r>
+          </a:p>
+          <a:p>
+            <a:endParaRPr lang="en-US" sz="1200" b="1" kern="1200" dirty="0">
+              <a:solidFill>
+                <a:schemeClr val="tx1"/>
+              </a:solidFill>
+              <a:effectLst/>
+              <a:latin typeface="+mn-lt"/>
+              <a:ea typeface="+mn-ea"/>
+              <a:cs typeface="+mn-cs"/>
+            </a:endParaRPr>
+          </a:p>
+          <a:p>
+            <a:r>
               <a:rPr lang="en-US" sz="1200" b="0" kern="1200" dirty="0">
                 <a:solidFill>
                   <a:schemeClr val="tx1"/>
@@ -4100,46 +4112,19 @@
                 <a:ea typeface="+mn-ea"/>
                 <a:cs typeface="+mn-cs"/>
               </a:rPr>
-            </a:br>
-            <a:r>
-              <a:rPr lang="en-US" sz="1200" b="0" kern="1200" dirty="0">
-                <a:solidFill>
-                  <a:schemeClr val="tx1"/>
-                </a:solidFill>
-                <a:effectLst/>
-                <a:latin typeface="+mn-lt"/>
-                <a:ea typeface="+mn-ea"/>
-                <a:cs typeface="+mn-cs"/>
-              </a:rPr>
-              <a:t>Yes, the `azure-</a:t>
-            </a:r>
-            <a:r>
-              <a:rPr lang="en-US" sz="1200" b="0" kern="1200" dirty="0" err="1">
-                <a:solidFill>
-                  <a:schemeClr val="tx1"/>
-                </a:solidFill>
-                <a:effectLst/>
-                <a:latin typeface="+mn-lt"/>
-                <a:ea typeface="+mn-ea"/>
-                <a:cs typeface="+mn-cs"/>
-              </a:rPr>
-              <a:t>cosmosdb</a:t>
-            </a:r>
-            <a:r>
-              <a:rPr lang="en-US" sz="1200" b="0" kern="1200" dirty="0">
-                <a:solidFill>
-                  <a:schemeClr val="tx1"/>
-                </a:solidFill>
-                <a:effectLst/>
-                <a:latin typeface="+mn-lt"/>
-                <a:ea typeface="+mn-ea"/>
-                <a:cs typeface="+mn-cs"/>
-              </a:rPr>
-              <a:t>-spark` connector can be used to read and write to Cosmos DB, and is also capable of using the change feed to react to events as the occur. Visit &lt;https://github.com/Azure/azure-cosmosdb-spark&gt; to learn how to use the connector and to access sample code.</a:t>
-            </a:r>
-          </a:p>
-          <a:p>
-            <a:endParaRPr lang="en-US" dirty="0"/>
+              <a:t>A more cost-effective approach to reporting is to store the summary (gold) table data in Azure Analysis Services, which you connect to from Power BI. This eliminates having to have a dedicated Databricks cluster running at all times for reporting and analysis. Azure Analysis Services is a fully managed platform as a service (PaaS) for storing your data in a tabular semantic data model. You will need to synchronize the data to your semantic models in Azure Analysis Services to keep your dashboard and reports up-to-date. This can be done as an extra step during stream processing, using rolling aggregates over a time window, or by batch processing on a schedule, using an Azure Databricks job or an orchestration service like Azure Data Factory.</a:t>
+            </a:r>
+          </a:p>
+          <a:p>
+            <a:endParaRPr lang="en-US" sz="1200" b="0" i="0" kern="1200" dirty="0">
+              <a:solidFill>
+                <a:schemeClr val="tx1"/>
+              </a:solidFill>
+              <a:effectLst/>
+              <a:latin typeface="+mn-lt"/>
+              <a:ea typeface="+mn-ea"/>
+              <a:cs typeface="+mn-cs"/>
+            </a:endParaRPr>
           </a:p>
         </p:txBody>
       </p:sp>
@@ -4162,14 +4147,14 @@
               <a:rPr lang="en-US" smtClean="0"/>
               <a:t>27</a:t>
             </a:fld>
-            <a:endParaRPr lang="en-US"/>
+            <a:endParaRPr lang="en-US" dirty="0"/>
           </a:p>
         </p:txBody>
       </p:sp>
     </p:spTree>
     <p:extLst>
       <p:ext uri="{BB962C8B-B14F-4D97-AF65-F5344CB8AC3E}">
-        <p14:creationId xmlns:p14="http://schemas.microsoft.com/office/powerpoint/2010/main" val="3077549401"/>
+        <p14:creationId xmlns:p14="http://schemas.microsoft.com/office/powerpoint/2010/main" val="3743424142"/>
       </p:ext>
     </p:extLst>
   </p:cSld>
@@ -4224,7 +4209,7 @@
           <a:lstStyle/>
           <a:p>
             <a:r>
-              <a:rPr lang="en-US" sz="1200" b="1" i="0" kern="1200" dirty="0">
+              <a:rPr lang="en-US" sz="1200" b="1" kern="1200" dirty="0">
                 <a:solidFill>
                   <a:schemeClr val="tx1"/>
                 </a:solidFill>
@@ -4233,23 +4218,12 @@
                 <a:ea typeface="+mn-ea"/>
                 <a:cs typeface="+mn-cs"/>
               </a:rPr>
-              <a:t>Properly selecting the right algorithm and training a model using the optimal set of parameters can take a lot of time. Is there a way to speed up this process?</a:t>
-            </a:r>
-          </a:p>
-          <a:p>
-            <a:endParaRPr lang="en-US" sz="1200" b="0" i="0" kern="1200" dirty="0">
-              <a:solidFill>
-                <a:schemeClr val="tx1"/>
-              </a:solidFill>
-              <a:effectLst/>
-              <a:latin typeface="+mn-lt"/>
-              <a:ea typeface="+mn-ea"/>
-              <a:cs typeface="+mn-cs"/>
-            </a:endParaRPr>
-          </a:p>
-          <a:p>
-            <a:r>
-              <a:rPr lang="en-US" sz="1200" b="0" i="0" kern="1200" dirty="0">
+              <a:t>It's not clear to us if we can only use Cosmos DB as our web app's database, or if we should consider using it in other parts of our advanced analytics data pipeline such as for real-time transaction ingest or for serving of offline processed data.</a:t>
+            </a:r>
+          </a:p>
+          <a:p>
+            <a:br>
+              <a:rPr lang="en-US" sz="1200" b="1" kern="1200" dirty="0">
                 <a:solidFill>
                   <a:schemeClr val="tx1"/>
                 </a:solidFill>
@@ -4258,10 +4232,9 @@
                 <a:ea typeface="+mn-ea"/>
                 <a:cs typeface="+mn-cs"/>
               </a:rPr>
-              <a:t>The typical approach to model training involves a time-consuming process trying dozens or even hundreds of combinations. Data scientists often try different ways of normalizing the data, different algorithms and different settings for those algorithms (hyperparameters). Data scientists will often setup a grid-search approach that will run multiple independent tests using differing combinations, measuring the performance of each and choosing the combination that provides the best results according to some performance metrics they select. With Azure Machine Learning </a:t>
-            </a:r>
-            <a:r>
-              <a:rPr lang="en-US" sz="1200" b="0" i="0" kern="1200" dirty="0" err="1">
+            </a:br>
+            <a:r>
+              <a:rPr lang="en-US" sz="1200" b="0" kern="1200" dirty="0">
                 <a:solidFill>
                   <a:schemeClr val="tx1"/>
                 </a:solidFill>
@@ -4270,43 +4243,7 @@
                 <a:ea typeface="+mn-ea"/>
                 <a:cs typeface="+mn-cs"/>
               </a:rPr>
-              <a:t>AutoML</a:t>
-            </a:r>
-            <a:r>
-              <a:rPr lang="en-US" sz="1200" b="0" i="0" kern="1200" dirty="0">
-                <a:solidFill>
-                  <a:schemeClr val="tx1"/>
-                </a:solidFill>
-                <a:effectLst/>
-                <a:latin typeface="+mn-lt"/>
-                <a:ea typeface="+mn-ea"/>
-                <a:cs typeface="+mn-cs"/>
-              </a:rPr>
-              <a:t>, this search process is automated, and greatly simplifies the setup to try the typical combinations and quickly identify the best performing model against a user-selected performance metric. </a:t>
-            </a:r>
-            <a:r>
-              <a:rPr lang="en-US" sz="1200" b="0" i="0" kern="1200" dirty="0" err="1">
-                <a:solidFill>
-                  <a:schemeClr val="tx1"/>
-                </a:solidFill>
-                <a:effectLst/>
-                <a:latin typeface="+mn-lt"/>
-                <a:ea typeface="+mn-ea"/>
-                <a:cs typeface="+mn-cs"/>
-              </a:rPr>
-              <a:t>AutoML</a:t>
-            </a:r>
-            <a:r>
-              <a:rPr lang="en-US" sz="1200" b="0" i="0" kern="1200" dirty="0">
-                <a:solidFill>
-                  <a:schemeClr val="tx1"/>
-                </a:solidFill>
-                <a:effectLst/>
-                <a:latin typeface="+mn-lt"/>
-                <a:ea typeface="+mn-ea"/>
-                <a:cs typeface="+mn-cs"/>
-              </a:rPr>
-              <a:t> is used via the Azure Machine Learning Python SDK and can be utilized within Azure Databricks notebooks.</a:t>
+              <a:t>Cosmos DB was created from the ground-up as a multi-model distributed database service that transparently handles the complexity of running within multiple regions around the world. Because providing data to customers around the globe is a key requirement, Cosmos DB is an ideal choice for ingesting data where it arrives, and serving the data where it is requested. The change feed feature of Cosmos DB makes it useful for both storing raw transaction data as it is written, and notifying consumers, like Azure Databricks, of changes as they occur for real-time processing.</a:t>
             </a:r>
           </a:p>
         </p:txBody>
@@ -4337,7 +4274,7 @@
     </p:spTree>
     <p:extLst>
       <p:ext uri="{BB962C8B-B14F-4D97-AF65-F5344CB8AC3E}">
-        <p14:creationId xmlns:p14="http://schemas.microsoft.com/office/powerpoint/2010/main" val="1680162834"/>
+        <p14:creationId xmlns:p14="http://schemas.microsoft.com/office/powerpoint/2010/main" val="4115832635"/>
       </p:ext>
     </p:extLst>
   </p:cSld>
@@ -4391,7 +4328,70 @@
           <a:bodyPr/>
           <a:lstStyle/>
           <a:p>
-            <a:endParaRPr lang="en-US"/>
+            <a:r>
+              <a:rPr lang="en-US" sz="1200" b="1" kern="1200" dirty="0">
+                <a:solidFill>
+                  <a:schemeClr val="tx1"/>
+                </a:solidFill>
+                <a:effectLst/>
+                <a:latin typeface="+mn-lt"/>
+                <a:ea typeface="+mn-ea"/>
+                <a:cs typeface="+mn-cs"/>
+              </a:rPr>
+              <a:t>Does Cosmos DB integrate with open source big data analytics like Apache Spark?</a:t>
+            </a:r>
+          </a:p>
+          <a:p>
+            <a:br>
+              <a:rPr lang="en-US" sz="1200" b="0" kern="1200" dirty="0">
+                <a:solidFill>
+                  <a:schemeClr val="tx1"/>
+                </a:solidFill>
+                <a:effectLst/>
+                <a:latin typeface="+mn-lt"/>
+                <a:ea typeface="+mn-ea"/>
+                <a:cs typeface="+mn-cs"/>
+              </a:rPr>
+            </a:br>
+            <a:r>
+              <a:rPr lang="en-US" sz="1200" b="0" kern="1200" dirty="0">
+                <a:solidFill>
+                  <a:schemeClr val="tx1"/>
+                </a:solidFill>
+                <a:effectLst/>
+                <a:latin typeface="+mn-lt"/>
+                <a:ea typeface="+mn-ea"/>
+                <a:cs typeface="+mn-cs"/>
+              </a:rPr>
+              <a:t>Yes, the `azure-</a:t>
+            </a:r>
+            <a:r>
+              <a:rPr lang="en-US" sz="1200" b="0" kern="1200" dirty="0" err="1">
+                <a:solidFill>
+                  <a:schemeClr val="tx1"/>
+                </a:solidFill>
+                <a:effectLst/>
+                <a:latin typeface="+mn-lt"/>
+                <a:ea typeface="+mn-ea"/>
+                <a:cs typeface="+mn-cs"/>
+              </a:rPr>
+              <a:t>cosmosdb</a:t>
+            </a:r>
+            <a:r>
+              <a:rPr lang="en-US" sz="1200" b="0" kern="1200" dirty="0">
+                <a:solidFill>
+                  <a:schemeClr val="tx1"/>
+                </a:solidFill>
+                <a:effectLst/>
+                <a:latin typeface="+mn-lt"/>
+                <a:ea typeface="+mn-ea"/>
+                <a:cs typeface="+mn-cs"/>
+              </a:rPr>
+              <a:t>-spark` connector can be used to read and write to Cosmos DB, and is also capable of using the change feed to react to events as the occur. Visit &lt;https://github.com/Azure/azure-cosmosdb-spark&gt; to learn how to use the connector and to access sample code.</a:t>
+            </a:r>
+          </a:p>
+          <a:p>
+            <a:endParaRPr lang="en-US" dirty="0"/>
           </a:p>
         </p:txBody>
       </p:sp>
@@ -4421,7 +4421,7 @@
     </p:spTree>
     <p:extLst>
       <p:ext uri="{BB962C8B-B14F-4D97-AF65-F5344CB8AC3E}">
-        <p14:creationId xmlns:p14="http://schemas.microsoft.com/office/powerpoint/2010/main" val="671285550"/>
+        <p14:creationId xmlns:p14="http://schemas.microsoft.com/office/powerpoint/2010/main" val="3077549401"/>
       </p:ext>
     </p:extLst>
   </p:cSld>
@@ -4542,12 +4542,7 @@
             <p:ph type="sldImg"/>
           </p:nvPr>
         </p:nvSpPr>
-        <p:spPr>
-          <a:xfrm>
-            <a:off x="381000" y="685800"/>
-            <a:ext cx="6096000" cy="3429000"/>
-          </a:xfrm>
-        </p:spPr>
+        <p:spPr/>
       </p:sp>
       <p:sp>
         <p:nvSpPr>
@@ -4561,54 +4556,105 @@
         </p:nvSpPr>
         <p:spPr/>
         <p:txBody>
-          <a:bodyPr>
-            <a:normAutofit/>
-          </a:bodyPr>
+          <a:bodyPr/>
           <a:lstStyle/>
           <a:p>
-            <a:endParaRPr lang="en-US" dirty="0"/>
+            <a:r>
+              <a:rPr lang="en-US" sz="1200" b="1" i="0" kern="1200" dirty="0">
+                <a:solidFill>
+                  <a:schemeClr val="tx1"/>
+                </a:solidFill>
+                <a:effectLst/>
+                <a:latin typeface="+mn-lt"/>
+                <a:ea typeface="+mn-ea"/>
+                <a:cs typeface="+mn-cs"/>
+              </a:rPr>
+              <a:t>Properly selecting the right algorithm and training a model using the optimal set of parameters can take a lot of time. Is there a way to speed up this process?</a:t>
+            </a:r>
+          </a:p>
+          <a:p>
+            <a:endParaRPr lang="en-US" sz="1200" b="0" i="0" kern="1200" dirty="0">
+              <a:solidFill>
+                <a:schemeClr val="tx1"/>
+              </a:solidFill>
+              <a:effectLst/>
+              <a:latin typeface="+mn-lt"/>
+              <a:ea typeface="+mn-ea"/>
+              <a:cs typeface="+mn-cs"/>
+            </a:endParaRPr>
+          </a:p>
+          <a:p>
+            <a:r>
+              <a:rPr lang="en-US" sz="1200" b="0" i="0" kern="1200" dirty="0">
+                <a:solidFill>
+                  <a:schemeClr val="tx1"/>
+                </a:solidFill>
+                <a:effectLst/>
+                <a:latin typeface="+mn-lt"/>
+                <a:ea typeface="+mn-ea"/>
+                <a:cs typeface="+mn-cs"/>
+              </a:rPr>
+              <a:t>The typical approach to model training involves a time-consuming process trying dozens or even hundreds of combinations. Data scientists often try different ways of normalizing the data, different algorithms and different settings for those algorithms (hyperparameters). Data scientists will often setup a grid-search approach that will run multiple independent tests using differing combinations, measuring the performance of each and choosing the combination that provides the best results according to some performance metrics they select. With Azure Machine Learning </a:t>
+            </a:r>
+            <a:r>
+              <a:rPr lang="en-US" sz="1200" b="0" i="0" kern="1200" dirty="0" err="1">
+                <a:solidFill>
+                  <a:schemeClr val="tx1"/>
+                </a:solidFill>
+                <a:effectLst/>
+                <a:latin typeface="+mn-lt"/>
+                <a:ea typeface="+mn-ea"/>
+                <a:cs typeface="+mn-cs"/>
+              </a:rPr>
+              <a:t>AutoML</a:t>
+            </a:r>
+            <a:r>
+              <a:rPr lang="en-US" sz="1200" b="0" i="0" kern="1200" dirty="0">
+                <a:solidFill>
+                  <a:schemeClr val="tx1"/>
+                </a:solidFill>
+                <a:effectLst/>
+                <a:latin typeface="+mn-lt"/>
+                <a:ea typeface="+mn-ea"/>
+                <a:cs typeface="+mn-cs"/>
+              </a:rPr>
+              <a:t>, this search process is automated, and greatly simplifies the setup to try the typical combinations and quickly identify the best performing model against a user-selected performance metric. </a:t>
+            </a:r>
+            <a:r>
+              <a:rPr lang="en-US" sz="1200" b="0" i="0" kern="1200" dirty="0" err="1">
+                <a:solidFill>
+                  <a:schemeClr val="tx1"/>
+                </a:solidFill>
+                <a:effectLst/>
+                <a:latin typeface="+mn-lt"/>
+                <a:ea typeface="+mn-ea"/>
+                <a:cs typeface="+mn-cs"/>
+              </a:rPr>
+              <a:t>AutoML</a:t>
+            </a:r>
+            <a:r>
+              <a:rPr lang="en-US" sz="1200" b="0" i="0" kern="1200" dirty="0">
+                <a:solidFill>
+                  <a:schemeClr val="tx1"/>
+                </a:solidFill>
+                <a:effectLst/>
+                <a:latin typeface="+mn-lt"/>
+                <a:ea typeface="+mn-ea"/>
+                <a:cs typeface="+mn-cs"/>
+              </a:rPr>
+              <a:t> is used via the Azure Machine Learning Python SDK and can be utilized within Azure Databricks notebooks.</a:t>
+            </a:r>
           </a:p>
         </p:txBody>
       </p:sp>
       <p:sp>
         <p:nvSpPr>
-          <p:cNvPr id="4" name="Header Placeholder 3"/>
+          <p:cNvPr id="4" name="Slide Number Placeholder 3"/>
           <p:cNvSpPr>
             <a:spLocks noGrp="1"/>
           </p:cNvSpPr>
           <p:nvPr>
-            <p:ph type="hdr" sz="quarter" idx="10"/>
-          </p:nvPr>
-        </p:nvSpPr>
-        <p:spPr>
-          <a:xfrm>
-            <a:off x="0" y="0"/>
-            <a:ext cx="2971800" cy="457200"/>
-          </a:xfrm>
-          <a:prstGeom prst="rect">
-            <a:avLst/>
-          </a:prstGeom>
-        </p:spPr>
-        <p:txBody>
-          <a:bodyPr/>
-          <a:lstStyle/>
-          <a:p>
-            <a:endParaRPr lang="en-US" dirty="0">
-              <a:solidFill>
-                <a:prstClr val="black"/>
-              </a:solidFill>
-            </a:endParaRPr>
-          </a:p>
-        </p:txBody>
-      </p:sp>
-      <p:sp>
-        <p:nvSpPr>
-          <p:cNvPr id="5" name="Date Placeholder 4"/>
-          <p:cNvSpPr>
-            <a:spLocks noGrp="1"/>
-          </p:cNvSpPr>
-          <p:nvPr>
-            <p:ph type="dt" idx="11"/>
+            <p:ph type="sldNum" sz="quarter" idx="10"/>
           </p:nvPr>
         </p:nvSpPr>
         <p:spPr/>
@@ -4616,112 +4662,18 @@
           <a:bodyPr/>
           <a:lstStyle/>
           <a:p>
-            <a:fld id="{8AB9A6D4-FB34-4BDB-BA1E-7271914431FC}" type="datetime8">
-              <a:rPr lang="en-US" smtClean="0">
-                <a:solidFill>
-                  <a:prstClr val="black"/>
-                </a:solidFill>
-              </a:rPr>
-              <a:t>1/12/2019 2:26 PM</a:t>
-            </a:fld>
-            <a:endParaRPr lang="en-US" dirty="0">
-              <a:solidFill>
-                <a:prstClr val="black"/>
-              </a:solidFill>
-            </a:endParaRPr>
-          </a:p>
-        </p:txBody>
-      </p:sp>
-      <p:sp>
-        <p:nvSpPr>
-          <p:cNvPr id="7" name="Slide Number Placeholder 6"/>
-          <p:cNvSpPr>
-            <a:spLocks noGrp="1"/>
-          </p:cNvSpPr>
-          <p:nvPr>
-            <p:ph type="sldNum" sz="quarter" idx="13"/>
-          </p:nvPr>
-        </p:nvSpPr>
-        <p:spPr/>
-        <p:txBody>
-          <a:bodyPr/>
-          <a:lstStyle/>
-          <a:p>
-            <a:fld id="{EC87E0CF-87F6-4B58-B8B8-DCAB2DAAF3CA}" type="slidenum">
-              <a:rPr lang="en-US" smtClean="0">
-                <a:solidFill>
-                  <a:prstClr val="black"/>
-                </a:solidFill>
-              </a:rPr>
-              <a:pPr/>
+            <a:fld id="{0998D5BB-B127-481F-BC0A-2F77C576BB34}" type="slidenum">
+              <a:rPr lang="en-US" smtClean="0"/>
               <a:t>30</a:t>
             </a:fld>
-            <a:endParaRPr lang="en-US" dirty="0">
-              <a:solidFill>
-                <a:prstClr val="black"/>
-              </a:solidFill>
-            </a:endParaRPr>
-          </a:p>
-        </p:txBody>
-      </p:sp>
-      <p:sp>
-        <p:nvSpPr>
-          <p:cNvPr id="6" name="Footer Placeholder 5"/>
-          <p:cNvSpPr>
-            <a:spLocks noGrp="1"/>
-          </p:cNvSpPr>
-          <p:nvPr>
-            <p:ph type="ftr" sz="quarter" idx="14"/>
-          </p:nvPr>
-        </p:nvSpPr>
-        <p:spPr/>
-        <p:txBody>
-          <a:bodyPr/>
-          <a:lstStyle/>
-          <a:p>
-            <a:pPr defTabSz="914099" eaLnBrk="0" hangingPunct="0"/>
-            <a:r>
-              <a:rPr lang="en-US" sz="400">
-                <a:gradFill>
-                  <a:gsLst>
-                    <a:gs pos="0">
-                      <a:prstClr val="black"/>
-                    </a:gs>
-                    <a:gs pos="100000">
-                      <a:prstClr val="black"/>
-                    </a:gs>
-                  </a:gsLst>
-                  <a:lin ang="5400000" scaled="0"/>
-                </a:gradFill>
-                <a:latin typeface="Segoe UI" pitchFamily="34" charset="0"/>
-                <a:ea typeface="Segoe UI" pitchFamily="34" charset="0"/>
-                <a:cs typeface="Segoe UI" pitchFamily="34" charset="0"/>
-              </a:rPr>
-              <a:t>© Microsoft Corporation. All rights reserved. MICROSOFT MAKES NO WARRANTIES, EXPRESS, IMPLIED OR STATUTORY, AS TO THE INFORMATION IN THIS PRESENTATION.</a:t>
-            </a:r>
-            <a:endParaRPr lang="en-US" sz="400" dirty="0">
-              <a:gradFill>
-                <a:gsLst>
-                  <a:gs pos="0">
-                    <a:prstClr val="black"/>
-                  </a:gs>
-                  <a:gs pos="100000">
-                    <a:prstClr val="black"/>
-                  </a:gs>
-                </a:gsLst>
-                <a:lin ang="5400000" scaled="0"/>
-              </a:gradFill>
-              <a:latin typeface="Segoe UI" pitchFamily="34" charset="0"/>
-              <a:ea typeface="Segoe UI" pitchFamily="34" charset="0"/>
-              <a:cs typeface="Segoe UI" pitchFamily="34" charset="0"/>
-            </a:endParaRPr>
+            <a:endParaRPr lang="en-US"/>
           </a:p>
         </p:txBody>
       </p:sp>
     </p:spTree>
     <p:extLst>
       <p:ext uri="{BB962C8B-B14F-4D97-AF65-F5344CB8AC3E}">
-        <p14:creationId xmlns:p14="http://schemas.microsoft.com/office/powerpoint/2010/main" val="4011344012"/>
+        <p14:creationId xmlns:p14="http://schemas.microsoft.com/office/powerpoint/2010/main" val="1680162834"/>
       </p:ext>
     </p:extLst>
   </p:cSld>
@@ -4775,18 +4727,275 @@
           <a:bodyPr/>
           <a:lstStyle/>
           <a:p>
-            <a:endParaRPr lang="en-US" dirty="0"/>
+            <a:pPr marL="0" marR="0" lvl="0" indent="0" algn="l" defTabSz="914400" rtl="0" eaLnBrk="1" fontAlgn="auto" latinLnBrk="0" hangingPunct="1">
+              <a:lnSpc>
+                <a:spcPct val="100000"/>
+              </a:lnSpc>
+              <a:spcBef>
+                <a:spcPts val="0"/>
+              </a:spcBef>
+              <a:spcAft>
+                <a:spcPts val="0"/>
+              </a:spcAft>
+              <a:buClrTx/>
+              <a:buSzTx/>
+              <a:buFontTx/>
+              <a:buNone/>
+              <a:tabLst/>
+              <a:defRPr/>
+            </a:pPr>
+            <a:r>
+              <a:rPr lang="en-US" sz="1200" b="1" kern="1200" dirty="0">
+                <a:solidFill>
+                  <a:schemeClr val="tx1"/>
+                </a:solidFill>
+                <a:effectLst/>
+                <a:latin typeface="+mn-lt"/>
+                <a:ea typeface="+mn-ea"/>
+                <a:cs typeface="+mn-cs"/>
+              </a:rPr>
+              <a:t>We are concerned about how much it costs to use Cosmos DB for our solution. What is the real value in using this service?</a:t>
+            </a:r>
+            <a:endParaRPr lang="en-US" sz="1200" b="1" i="0" kern="1200" dirty="0">
+              <a:solidFill>
+                <a:schemeClr val="tx1"/>
+              </a:solidFill>
+              <a:effectLst/>
+              <a:latin typeface="+mn-lt"/>
+              <a:ea typeface="+mn-ea"/>
+              <a:cs typeface="+mn-cs"/>
+            </a:endParaRPr>
+          </a:p>
+          <a:p>
+            <a:endParaRPr lang="en-US" sz="1200" b="0" i="0" kern="1200" dirty="0">
+              <a:solidFill>
+                <a:schemeClr val="tx1"/>
+              </a:solidFill>
+              <a:effectLst/>
+              <a:latin typeface="+mn-lt"/>
+              <a:ea typeface="+mn-ea"/>
+              <a:cs typeface="+mn-cs"/>
+            </a:endParaRPr>
+          </a:p>
+          <a:p>
+            <a:r>
+              <a:rPr lang="en-US" sz="1200" b="0" kern="1200" dirty="0">
+                <a:solidFill>
+                  <a:schemeClr val="tx1"/>
+                </a:solidFill>
+                <a:effectLst/>
+                <a:latin typeface="+mn-lt"/>
+                <a:ea typeface="+mn-ea"/>
+                <a:cs typeface="+mn-cs"/>
+              </a:rPr>
+              <a:t>Azure Cosmos DB's greatest strength is that it provides a multi-model, globally available NoSQL database with high concurrency, low latency, and predictable results. The fact that it transparently synchronizes data to all regions, which can quickly and easily be added at any time, adds value by reducing the amount of development required to read and write the data and removes any need for synchronization.</a:t>
+            </a:r>
+          </a:p>
+          <a:p>
+            <a:endParaRPr lang="en-US" sz="1200" b="0" kern="1200" dirty="0">
+              <a:solidFill>
+                <a:schemeClr val="tx1"/>
+              </a:solidFill>
+              <a:effectLst/>
+              <a:latin typeface="+mn-lt"/>
+              <a:ea typeface="+mn-ea"/>
+              <a:cs typeface="+mn-cs"/>
+            </a:endParaRPr>
+          </a:p>
+          <a:p>
+            <a:r>
+              <a:rPr lang="en-US" sz="1200" b="0" kern="1200" dirty="0">
+                <a:solidFill>
+                  <a:schemeClr val="tx1"/>
+                </a:solidFill>
+                <a:effectLst/>
+                <a:latin typeface="+mn-lt"/>
+                <a:ea typeface="+mn-ea"/>
+                <a:cs typeface="+mn-cs"/>
+              </a:rPr>
+              <a:t>The cost of all database operations, such as throughput, CPU, and memory, is normalized by Azure Cosmos DB and is expressed in terms of Request Units (RUs). The cost to read a 1-KB item is 1 Request Unit (1 RU) and the minimum RUs required to consume 1 GB of storage is 40. The cost of writing a 1-KB item is 5 </a:t>
+            </a:r>
+            <a:r>
+              <a:rPr lang="en-US" sz="1200" b="0" kern="1200" dirty="0" err="1">
+                <a:solidFill>
+                  <a:schemeClr val="tx1"/>
+                </a:solidFill>
+                <a:effectLst/>
+                <a:latin typeface="+mn-lt"/>
+                <a:ea typeface="+mn-ea"/>
+                <a:cs typeface="+mn-cs"/>
+              </a:rPr>
+              <a:t>RUs.</a:t>
+            </a:r>
+            <a:r>
+              <a:rPr lang="en-US" sz="1200" b="0" kern="1200" dirty="0">
+                <a:solidFill>
+                  <a:schemeClr val="tx1"/>
+                </a:solidFill>
+                <a:effectLst/>
+                <a:latin typeface="+mn-lt"/>
+                <a:ea typeface="+mn-ea"/>
+                <a:cs typeface="+mn-cs"/>
+              </a:rPr>
+              <a:t> Many people risk over-allocating RUs to their collections, when they may not need such high levels at all times. To save costs, a good tactic is to ramp up the number of RUs during batch processing or other read/write-heavy loads, then reduce the number of RUs afterwards. This can be done automatically or manually through the portal. An example of how this can be automatically done is to monitor Cosmos DB with Azure Monitor and set an alert rule that calls an Azure Function to scale up the number of RUs for that collection. Then you would have another process to scale down as needed. You configure Azure Monitor to monitor the total requests for a 429 HTTP status code (which means the requests are throttled), apply alert logic where the total number of these codes are greater than a pre-defined value (like 10) over the last 5 minutes.</a:t>
+            </a:r>
+          </a:p>
+          <a:p>
+            <a:br>
+              <a:rPr lang="en-US" sz="1200" b="0" kern="1200" dirty="0">
+                <a:solidFill>
+                  <a:schemeClr val="tx1"/>
+                </a:solidFill>
+                <a:effectLst/>
+                <a:latin typeface="+mn-lt"/>
+                <a:ea typeface="+mn-ea"/>
+                <a:cs typeface="+mn-cs"/>
+              </a:rPr>
+            </a:br>
+            <a:r>
+              <a:rPr lang="en-US" sz="1200" b="0" kern="1200" dirty="0">
+                <a:solidFill>
+                  <a:schemeClr val="tx1"/>
+                </a:solidFill>
+                <a:effectLst/>
+                <a:latin typeface="+mn-lt"/>
+                <a:ea typeface="+mn-ea"/>
+                <a:cs typeface="+mn-cs"/>
+              </a:rPr>
+              <a:t>Cosmos DB also offers flexible time-to-live (TTL) that can be set at the collection-level or on individual documents. This value tells Cosmos DB to expire, or delete, a document after a certain amount of seconds. This value can be set to as little as one second, or months into the future. As a result, you can save storage costs for records that are no longer needed. The flexibility of setting TTL at the collection or record-level is a unique characteristic of Cosmos DB.</a:t>
+            </a:r>
+          </a:p>
+          <a:p>
+            <a:br>
+              <a:rPr lang="en-US" sz="1200" b="0" kern="1200" dirty="0">
+                <a:solidFill>
+                  <a:schemeClr val="tx1"/>
+                </a:solidFill>
+                <a:effectLst/>
+                <a:latin typeface="+mn-lt"/>
+                <a:ea typeface="+mn-ea"/>
+                <a:cs typeface="+mn-cs"/>
+              </a:rPr>
+            </a:br>
+            <a:r>
+              <a:rPr lang="en-US" sz="1200" b="0" kern="1200" dirty="0">
+                <a:solidFill>
+                  <a:schemeClr val="tx1"/>
+                </a:solidFill>
+                <a:effectLst/>
+                <a:latin typeface="+mn-lt"/>
+                <a:ea typeface="+mn-ea"/>
+                <a:cs typeface="+mn-cs"/>
+              </a:rPr>
+              <a:t>Another pitfall that developers or database administrators experience, especially those who are used to using traditional relational databases, is that they tend to want to create a Cosmos DB collection for each "table", or entity type they wish to store. Instead, you should consider storing any number of entity types within the same collection. The reason for this is that there is a cost associated with each collection that you add. Because collections do not enforce any type of schema, you are able to store entities of the same type with different schemas (likely due to changes over time or from excluding properties with no values), or entirely different entities within that collection. A common approach to dealing with different types of entities within a collection is to add a string property like `</a:t>
+            </a:r>
+            <a:r>
+              <a:rPr lang="en-US" sz="1200" b="0" kern="1200" dirty="0" err="1">
+                <a:solidFill>
+                  <a:schemeClr val="tx1"/>
+                </a:solidFill>
+                <a:effectLst/>
+                <a:latin typeface="+mn-lt"/>
+                <a:ea typeface="+mn-ea"/>
+                <a:cs typeface="+mn-cs"/>
+              </a:rPr>
+              <a:t>collectionType</a:t>
+            </a:r>
+            <a:r>
+              <a:rPr lang="en-US" sz="1200" b="0" kern="1200" dirty="0">
+                <a:solidFill>
+                  <a:schemeClr val="tx1"/>
+                </a:solidFill>
+                <a:effectLst/>
+                <a:latin typeface="+mn-lt"/>
+                <a:ea typeface="+mn-ea"/>
+                <a:cs typeface="+mn-cs"/>
+              </a:rPr>
+              <a:t>` so that you can filter query results by that type. For instance, </a:t>
+            </a:r>
+            <a:r>
+              <a:rPr lang="en-US" sz="1200" b="0" kern="1200" dirty="0" err="1">
+                <a:solidFill>
+                  <a:schemeClr val="tx1"/>
+                </a:solidFill>
+                <a:effectLst/>
+                <a:latin typeface="+mn-lt"/>
+                <a:ea typeface="+mn-ea"/>
+                <a:cs typeface="+mn-cs"/>
+              </a:rPr>
+              <a:t>Woodgrove</a:t>
+            </a:r>
+            <a:r>
+              <a:rPr lang="en-US" sz="1200" b="0" kern="1200" dirty="0">
+                <a:solidFill>
+                  <a:schemeClr val="tx1"/>
+                </a:solidFill>
+                <a:effectLst/>
+                <a:latin typeface="+mn-lt"/>
+                <a:ea typeface="+mn-ea"/>
+                <a:cs typeface="+mn-cs"/>
+              </a:rPr>
+              <a:t> Bank stores transaction and suspicious activity data within the same collection. They could assign a value of "Transaction" to the transaction entities, and "</a:t>
+            </a:r>
+            <a:r>
+              <a:rPr lang="en-US" sz="1200" b="0" kern="1200" dirty="0" err="1">
+                <a:solidFill>
+                  <a:schemeClr val="tx1"/>
+                </a:solidFill>
+                <a:effectLst/>
+                <a:latin typeface="+mn-lt"/>
+                <a:ea typeface="+mn-ea"/>
+                <a:cs typeface="+mn-cs"/>
+              </a:rPr>
+              <a:t>SuspiciousActivity</a:t>
+            </a:r>
+            <a:r>
+              <a:rPr lang="en-US" sz="1200" b="0" kern="1200" dirty="0">
+                <a:solidFill>
+                  <a:schemeClr val="tx1"/>
+                </a:solidFill>
+                <a:effectLst/>
+                <a:latin typeface="+mn-lt"/>
+                <a:ea typeface="+mn-ea"/>
+                <a:cs typeface="+mn-cs"/>
+              </a:rPr>
+              <a:t>" to the suspicious activity entities. Both types and many others can coexist within the collection and can easily be filtered by the `</a:t>
+            </a:r>
+            <a:r>
+              <a:rPr lang="en-US" sz="1200" b="0" kern="1200" dirty="0" err="1">
+                <a:solidFill>
+                  <a:schemeClr val="tx1"/>
+                </a:solidFill>
+                <a:effectLst/>
+                <a:latin typeface="+mn-lt"/>
+                <a:ea typeface="+mn-ea"/>
+                <a:cs typeface="+mn-cs"/>
+              </a:rPr>
+              <a:t>collectionType</a:t>
+            </a:r>
+            <a:r>
+              <a:rPr lang="en-US" sz="1200" b="0" kern="1200" dirty="0">
+                <a:solidFill>
+                  <a:schemeClr val="tx1"/>
+                </a:solidFill>
+                <a:effectLst/>
+                <a:latin typeface="+mn-lt"/>
+                <a:ea typeface="+mn-ea"/>
+                <a:cs typeface="+mn-cs"/>
+              </a:rPr>
+              <a:t>` property.</a:t>
+            </a:r>
           </a:p>
         </p:txBody>
       </p:sp>
       <p:sp>
         <p:nvSpPr>
-          <p:cNvPr id="4" name="Header Placeholder 3"/>
+          <p:cNvPr id="4" name="Slide Number Placeholder 3"/>
           <p:cNvSpPr>
             <a:spLocks noGrp="1"/>
           </p:cNvSpPr>
           <p:nvPr>
-            <p:ph type="hdr" sz="quarter" idx="10"/>
+            <p:ph type="sldNum" sz="quarter" idx="10"/>
           </p:nvPr>
         </p:nvSpPr>
         <p:spPr/>
@@ -4794,115 +5003,18 @@
           <a:bodyPr/>
           <a:lstStyle/>
           <a:p>
-            <a:endParaRPr lang="en-US" dirty="0"/>
-          </a:p>
-        </p:txBody>
-      </p:sp>
-      <p:sp>
-        <p:nvSpPr>
-          <p:cNvPr id="5" name="Footer Placeholder 4"/>
-          <p:cNvSpPr>
-            <a:spLocks noGrp="1"/>
-          </p:cNvSpPr>
-          <p:nvPr>
-            <p:ph type="ftr" sz="quarter" idx="11"/>
-          </p:nvPr>
-        </p:nvSpPr>
-        <p:spPr/>
-        <p:txBody>
-          <a:bodyPr/>
-          <a:lstStyle/>
-          <a:p>
-            <a:pPr defTabSz="914099" eaLnBrk="0" hangingPunct="0"/>
-            <a:r>
-              <a:rPr lang="en-US" sz="400">
-                <a:gradFill>
-                  <a:gsLst>
-                    <a:gs pos="0">
-                      <a:prstClr val="black"/>
-                    </a:gs>
-                    <a:gs pos="100000">
-                      <a:prstClr val="black"/>
-                    </a:gs>
-                  </a:gsLst>
-                  <a:lin ang="5400000" scaled="0"/>
-                </a:gradFill>
-                <a:latin typeface="Segoe UI" pitchFamily="34" charset="0"/>
-                <a:ea typeface="Segoe UI" pitchFamily="34" charset="0"/>
-                <a:cs typeface="Segoe UI" pitchFamily="34" charset="0"/>
-              </a:rPr>
-              <a:t>© Microsoft Corporation. All rights reserved. MICROSOFT MAKES NO WARRANTIES, EXPRESS, IMPLIED OR STATUTORY, AS TO THE INFORMATION IN THIS PRESENTATION.</a:t>
-            </a:r>
-            <a:endParaRPr lang="en-US" sz="400" dirty="0">
-              <a:gradFill>
-                <a:gsLst>
-                  <a:gs pos="0">
-                    <a:prstClr val="black"/>
-                  </a:gs>
-                  <a:gs pos="100000">
-                    <a:prstClr val="black"/>
-                  </a:gs>
-                </a:gsLst>
-                <a:lin ang="5400000" scaled="0"/>
-              </a:gradFill>
-              <a:latin typeface="Segoe UI" pitchFamily="34" charset="0"/>
-              <a:ea typeface="Segoe UI" pitchFamily="34" charset="0"/>
-              <a:cs typeface="Segoe UI" pitchFamily="34" charset="0"/>
-            </a:endParaRPr>
-          </a:p>
-        </p:txBody>
-      </p:sp>
-      <p:sp>
-        <p:nvSpPr>
-          <p:cNvPr id="6" name="Date Placeholder 5"/>
-          <p:cNvSpPr>
-            <a:spLocks noGrp="1"/>
-          </p:cNvSpPr>
-          <p:nvPr>
-            <p:ph type="dt" idx="12"/>
-          </p:nvPr>
-        </p:nvSpPr>
-        <p:spPr/>
-        <p:txBody>
-          <a:bodyPr/>
-          <a:lstStyle/>
-          <a:p>
-            <a:fld id="{328EAAE8-B538-48EB-83B5-2B364220CC89}" type="datetime8">
+            <a:fld id="{0998D5BB-B127-481F-BC0A-2F77C576BB34}" type="slidenum">
               <a:rPr lang="en-US" smtClean="0"/>
-              <a:t>1/12/2019 2:26 PM</a:t>
-            </a:fld>
-            <a:endParaRPr lang="en-US" dirty="0"/>
-          </a:p>
-        </p:txBody>
-      </p:sp>
-      <p:sp>
-        <p:nvSpPr>
-          <p:cNvPr id="7" name="Slide Number Placeholder 6"/>
-          <p:cNvSpPr>
-            <a:spLocks noGrp="1"/>
-          </p:cNvSpPr>
-          <p:nvPr>
-            <p:ph type="sldNum" sz="quarter" idx="13"/>
-          </p:nvPr>
-        </p:nvSpPr>
-        <p:spPr/>
-        <p:txBody>
-          <a:bodyPr/>
-          <a:lstStyle/>
-          <a:p>
-            <a:fld id="{B4008EB6-D09E-4580-8CD6-DDB14511944F}" type="slidenum">
-              <a:rPr lang="en-US" smtClean="0"/>
-              <a:pPr/>
               <a:t>31</a:t>
             </a:fld>
-            <a:endParaRPr lang="en-US" dirty="0"/>
+            <a:endParaRPr lang="en-US"/>
           </a:p>
         </p:txBody>
       </p:sp>
     </p:spTree>
     <p:extLst>
       <p:ext uri="{BB962C8B-B14F-4D97-AF65-F5344CB8AC3E}">
-        <p14:creationId xmlns:p14="http://schemas.microsoft.com/office/powerpoint/2010/main" val="3283041316"/>
+        <p14:creationId xmlns:p14="http://schemas.microsoft.com/office/powerpoint/2010/main" val="3102653263"/>
       </p:ext>
     </p:extLst>
   </p:cSld>
@@ -4956,6 +5068,487 @@
           <a:bodyPr/>
           <a:lstStyle/>
           <a:p>
+            <a:endParaRPr lang="en-US"/>
+          </a:p>
+        </p:txBody>
+      </p:sp>
+      <p:sp>
+        <p:nvSpPr>
+          <p:cNvPr id="4" name="Slide Number Placeholder 3"/>
+          <p:cNvSpPr>
+            <a:spLocks noGrp="1"/>
+          </p:cNvSpPr>
+          <p:nvPr>
+            <p:ph type="sldNum" sz="quarter" idx="10"/>
+          </p:nvPr>
+        </p:nvSpPr>
+        <p:spPr/>
+        <p:txBody>
+          <a:bodyPr/>
+          <a:lstStyle/>
+          <a:p>
+            <a:fld id="{0998D5BB-B127-481F-BC0A-2F77C576BB34}" type="slidenum">
+              <a:rPr lang="en-US" smtClean="0"/>
+              <a:t>32</a:t>
+            </a:fld>
+            <a:endParaRPr lang="en-US"/>
+          </a:p>
+        </p:txBody>
+      </p:sp>
+    </p:spTree>
+    <p:extLst>
+      <p:ext uri="{BB962C8B-B14F-4D97-AF65-F5344CB8AC3E}">
+        <p14:creationId xmlns:p14="http://schemas.microsoft.com/office/powerpoint/2010/main" val="671285550"/>
+      </p:ext>
+    </p:extLst>
+  </p:cSld>
+  <p:clrMapOvr>
+    <a:masterClrMapping/>
+  </p:clrMapOvr>
+</p:notes>
+</file>
+
+<file path=ppt/notesSlides/notesSlide33.xml><?xml version="1.0" encoding="utf-8"?>
+<p:notes xmlns:a="http://schemas.openxmlformats.org/drawingml/2006/main" xmlns:r="http://schemas.openxmlformats.org/officeDocument/2006/relationships" xmlns:p="http://schemas.openxmlformats.org/presentationml/2006/main">
+  <p:cSld>
+    <p:spTree>
+      <p:nvGrpSpPr>
+        <p:cNvPr id="1" name=""/>
+        <p:cNvGrpSpPr/>
+        <p:nvPr/>
+      </p:nvGrpSpPr>
+      <p:grpSpPr>
+        <a:xfrm>
+          <a:off x="0" y="0"/>
+          <a:ext cx="0" cy="0"/>
+          <a:chOff x="0" y="0"/>
+          <a:chExt cx="0" cy="0"/>
+        </a:xfrm>
+      </p:grpSpPr>
+      <p:sp>
+        <p:nvSpPr>
+          <p:cNvPr id="2" name="Slide Image Placeholder 1"/>
+          <p:cNvSpPr>
+            <a:spLocks noGrp="1" noRot="1" noChangeAspect="1"/>
+          </p:cNvSpPr>
+          <p:nvPr>
+            <p:ph type="sldImg"/>
+          </p:nvPr>
+        </p:nvSpPr>
+        <p:spPr>
+          <a:xfrm>
+            <a:off x="381000" y="685800"/>
+            <a:ext cx="6096000" cy="3429000"/>
+          </a:xfrm>
+        </p:spPr>
+      </p:sp>
+      <p:sp>
+        <p:nvSpPr>
+          <p:cNvPr id="3" name="Notes Placeholder 2"/>
+          <p:cNvSpPr>
+            <a:spLocks noGrp="1"/>
+          </p:cNvSpPr>
+          <p:nvPr>
+            <p:ph type="body" idx="1"/>
+          </p:nvPr>
+        </p:nvSpPr>
+        <p:spPr/>
+        <p:txBody>
+          <a:bodyPr>
+            <a:normAutofit/>
+          </a:bodyPr>
+          <a:lstStyle/>
+          <a:p>
+            <a:endParaRPr lang="en-US" dirty="0"/>
+          </a:p>
+        </p:txBody>
+      </p:sp>
+      <p:sp>
+        <p:nvSpPr>
+          <p:cNvPr id="4" name="Header Placeholder 3"/>
+          <p:cNvSpPr>
+            <a:spLocks noGrp="1"/>
+          </p:cNvSpPr>
+          <p:nvPr>
+            <p:ph type="hdr" sz="quarter" idx="10"/>
+          </p:nvPr>
+        </p:nvSpPr>
+        <p:spPr>
+          <a:xfrm>
+            <a:off x="0" y="0"/>
+            <a:ext cx="2971800" cy="457200"/>
+          </a:xfrm>
+          <a:prstGeom prst="rect">
+            <a:avLst/>
+          </a:prstGeom>
+        </p:spPr>
+        <p:txBody>
+          <a:bodyPr/>
+          <a:lstStyle/>
+          <a:p>
+            <a:endParaRPr lang="en-US" dirty="0">
+              <a:solidFill>
+                <a:prstClr val="black"/>
+              </a:solidFill>
+            </a:endParaRPr>
+          </a:p>
+        </p:txBody>
+      </p:sp>
+      <p:sp>
+        <p:nvSpPr>
+          <p:cNvPr id="5" name="Date Placeholder 4"/>
+          <p:cNvSpPr>
+            <a:spLocks noGrp="1"/>
+          </p:cNvSpPr>
+          <p:nvPr>
+            <p:ph type="dt" idx="11"/>
+          </p:nvPr>
+        </p:nvSpPr>
+        <p:spPr/>
+        <p:txBody>
+          <a:bodyPr/>
+          <a:lstStyle/>
+          <a:p>
+            <a:fld id="{8AB9A6D4-FB34-4BDB-BA1E-7271914431FC}" type="datetime8">
+              <a:rPr lang="en-US" smtClean="0">
+                <a:solidFill>
+                  <a:prstClr val="black"/>
+                </a:solidFill>
+              </a:rPr>
+              <a:t>1/27/2019 4:51 PM</a:t>
+            </a:fld>
+            <a:endParaRPr lang="en-US" dirty="0">
+              <a:solidFill>
+                <a:prstClr val="black"/>
+              </a:solidFill>
+            </a:endParaRPr>
+          </a:p>
+        </p:txBody>
+      </p:sp>
+      <p:sp>
+        <p:nvSpPr>
+          <p:cNvPr id="7" name="Slide Number Placeholder 6"/>
+          <p:cNvSpPr>
+            <a:spLocks noGrp="1"/>
+          </p:cNvSpPr>
+          <p:nvPr>
+            <p:ph type="sldNum" sz="quarter" idx="13"/>
+          </p:nvPr>
+        </p:nvSpPr>
+        <p:spPr/>
+        <p:txBody>
+          <a:bodyPr/>
+          <a:lstStyle/>
+          <a:p>
+            <a:fld id="{EC87E0CF-87F6-4B58-B8B8-DCAB2DAAF3CA}" type="slidenum">
+              <a:rPr lang="en-US" smtClean="0">
+                <a:solidFill>
+                  <a:prstClr val="black"/>
+                </a:solidFill>
+              </a:rPr>
+              <a:pPr/>
+              <a:t>33</a:t>
+            </a:fld>
+            <a:endParaRPr lang="en-US" dirty="0">
+              <a:solidFill>
+                <a:prstClr val="black"/>
+              </a:solidFill>
+            </a:endParaRPr>
+          </a:p>
+        </p:txBody>
+      </p:sp>
+      <p:sp>
+        <p:nvSpPr>
+          <p:cNvPr id="6" name="Footer Placeholder 5"/>
+          <p:cNvSpPr>
+            <a:spLocks noGrp="1"/>
+          </p:cNvSpPr>
+          <p:nvPr>
+            <p:ph type="ftr" sz="quarter" idx="14"/>
+          </p:nvPr>
+        </p:nvSpPr>
+        <p:spPr/>
+        <p:txBody>
+          <a:bodyPr/>
+          <a:lstStyle/>
+          <a:p>
+            <a:pPr defTabSz="914099" eaLnBrk="0" hangingPunct="0"/>
+            <a:r>
+              <a:rPr lang="en-US" sz="400">
+                <a:gradFill>
+                  <a:gsLst>
+                    <a:gs pos="0">
+                      <a:prstClr val="black"/>
+                    </a:gs>
+                    <a:gs pos="100000">
+                      <a:prstClr val="black"/>
+                    </a:gs>
+                  </a:gsLst>
+                  <a:lin ang="5400000" scaled="0"/>
+                </a:gradFill>
+                <a:latin typeface="Segoe UI" pitchFamily="34" charset="0"/>
+                <a:ea typeface="Segoe UI" pitchFamily="34" charset="0"/>
+                <a:cs typeface="Segoe UI" pitchFamily="34" charset="0"/>
+              </a:rPr>
+              <a:t>© Microsoft Corporation. All rights reserved. MICROSOFT MAKES NO WARRANTIES, EXPRESS, IMPLIED OR STATUTORY, AS TO THE INFORMATION IN THIS PRESENTATION.</a:t>
+            </a:r>
+            <a:endParaRPr lang="en-US" sz="400" dirty="0">
+              <a:gradFill>
+                <a:gsLst>
+                  <a:gs pos="0">
+                    <a:prstClr val="black"/>
+                  </a:gs>
+                  <a:gs pos="100000">
+                    <a:prstClr val="black"/>
+                  </a:gs>
+                </a:gsLst>
+                <a:lin ang="5400000" scaled="0"/>
+              </a:gradFill>
+              <a:latin typeface="Segoe UI" pitchFamily="34" charset="0"/>
+              <a:ea typeface="Segoe UI" pitchFamily="34" charset="0"/>
+              <a:cs typeface="Segoe UI" pitchFamily="34" charset="0"/>
+            </a:endParaRPr>
+          </a:p>
+        </p:txBody>
+      </p:sp>
+    </p:spTree>
+    <p:extLst>
+      <p:ext uri="{BB962C8B-B14F-4D97-AF65-F5344CB8AC3E}">
+        <p14:creationId xmlns:p14="http://schemas.microsoft.com/office/powerpoint/2010/main" val="4011344012"/>
+      </p:ext>
+    </p:extLst>
+  </p:cSld>
+  <p:clrMapOvr>
+    <a:masterClrMapping/>
+  </p:clrMapOvr>
+</p:notes>
+</file>
+
+<file path=ppt/notesSlides/notesSlide34.xml><?xml version="1.0" encoding="utf-8"?>
+<p:notes xmlns:a="http://schemas.openxmlformats.org/drawingml/2006/main" xmlns:r="http://schemas.openxmlformats.org/officeDocument/2006/relationships" xmlns:p="http://schemas.openxmlformats.org/presentationml/2006/main">
+  <p:cSld>
+    <p:spTree>
+      <p:nvGrpSpPr>
+        <p:cNvPr id="1" name=""/>
+        <p:cNvGrpSpPr/>
+        <p:nvPr/>
+      </p:nvGrpSpPr>
+      <p:grpSpPr>
+        <a:xfrm>
+          <a:off x="0" y="0"/>
+          <a:ext cx="0" cy="0"/>
+          <a:chOff x="0" y="0"/>
+          <a:chExt cx="0" cy="0"/>
+        </a:xfrm>
+      </p:grpSpPr>
+      <p:sp>
+        <p:nvSpPr>
+          <p:cNvPr id="2" name="Slide Image Placeholder 1"/>
+          <p:cNvSpPr>
+            <a:spLocks noGrp="1" noRot="1" noChangeAspect="1"/>
+          </p:cNvSpPr>
+          <p:nvPr>
+            <p:ph type="sldImg"/>
+          </p:nvPr>
+        </p:nvSpPr>
+        <p:spPr/>
+      </p:sp>
+      <p:sp>
+        <p:nvSpPr>
+          <p:cNvPr id="3" name="Notes Placeholder 2"/>
+          <p:cNvSpPr>
+            <a:spLocks noGrp="1"/>
+          </p:cNvSpPr>
+          <p:nvPr>
+            <p:ph type="body" idx="1"/>
+          </p:nvPr>
+        </p:nvSpPr>
+        <p:spPr/>
+        <p:txBody>
+          <a:bodyPr/>
+          <a:lstStyle/>
+          <a:p>
+            <a:endParaRPr lang="en-US" dirty="0"/>
+          </a:p>
+        </p:txBody>
+      </p:sp>
+      <p:sp>
+        <p:nvSpPr>
+          <p:cNvPr id="4" name="Header Placeholder 3"/>
+          <p:cNvSpPr>
+            <a:spLocks noGrp="1"/>
+          </p:cNvSpPr>
+          <p:nvPr>
+            <p:ph type="hdr" sz="quarter" idx="10"/>
+          </p:nvPr>
+        </p:nvSpPr>
+        <p:spPr/>
+        <p:txBody>
+          <a:bodyPr/>
+          <a:lstStyle/>
+          <a:p>
+            <a:endParaRPr lang="en-US" dirty="0"/>
+          </a:p>
+        </p:txBody>
+      </p:sp>
+      <p:sp>
+        <p:nvSpPr>
+          <p:cNvPr id="5" name="Footer Placeholder 4"/>
+          <p:cNvSpPr>
+            <a:spLocks noGrp="1"/>
+          </p:cNvSpPr>
+          <p:nvPr>
+            <p:ph type="ftr" sz="quarter" idx="11"/>
+          </p:nvPr>
+        </p:nvSpPr>
+        <p:spPr/>
+        <p:txBody>
+          <a:bodyPr/>
+          <a:lstStyle/>
+          <a:p>
+            <a:pPr defTabSz="914099" eaLnBrk="0" hangingPunct="0"/>
+            <a:r>
+              <a:rPr lang="en-US" sz="400">
+                <a:gradFill>
+                  <a:gsLst>
+                    <a:gs pos="0">
+                      <a:prstClr val="black"/>
+                    </a:gs>
+                    <a:gs pos="100000">
+                      <a:prstClr val="black"/>
+                    </a:gs>
+                  </a:gsLst>
+                  <a:lin ang="5400000" scaled="0"/>
+                </a:gradFill>
+                <a:latin typeface="Segoe UI" pitchFamily="34" charset="0"/>
+                <a:ea typeface="Segoe UI" pitchFamily="34" charset="0"/>
+                <a:cs typeface="Segoe UI" pitchFamily="34" charset="0"/>
+              </a:rPr>
+              <a:t>© Microsoft Corporation. All rights reserved. MICROSOFT MAKES NO WARRANTIES, EXPRESS, IMPLIED OR STATUTORY, AS TO THE INFORMATION IN THIS PRESENTATION.</a:t>
+            </a:r>
+            <a:endParaRPr lang="en-US" sz="400" dirty="0">
+              <a:gradFill>
+                <a:gsLst>
+                  <a:gs pos="0">
+                    <a:prstClr val="black"/>
+                  </a:gs>
+                  <a:gs pos="100000">
+                    <a:prstClr val="black"/>
+                  </a:gs>
+                </a:gsLst>
+                <a:lin ang="5400000" scaled="0"/>
+              </a:gradFill>
+              <a:latin typeface="Segoe UI" pitchFamily="34" charset="0"/>
+              <a:ea typeface="Segoe UI" pitchFamily="34" charset="0"/>
+              <a:cs typeface="Segoe UI" pitchFamily="34" charset="0"/>
+            </a:endParaRPr>
+          </a:p>
+        </p:txBody>
+      </p:sp>
+      <p:sp>
+        <p:nvSpPr>
+          <p:cNvPr id="6" name="Date Placeholder 5"/>
+          <p:cNvSpPr>
+            <a:spLocks noGrp="1"/>
+          </p:cNvSpPr>
+          <p:nvPr>
+            <p:ph type="dt" idx="12"/>
+          </p:nvPr>
+        </p:nvSpPr>
+        <p:spPr/>
+        <p:txBody>
+          <a:bodyPr/>
+          <a:lstStyle/>
+          <a:p>
+            <a:fld id="{328EAAE8-B538-48EB-83B5-2B364220CC89}" type="datetime8">
+              <a:rPr lang="en-US" smtClean="0"/>
+              <a:t>1/27/2019 4:51 PM</a:t>
+            </a:fld>
+            <a:endParaRPr lang="en-US" dirty="0"/>
+          </a:p>
+        </p:txBody>
+      </p:sp>
+      <p:sp>
+        <p:nvSpPr>
+          <p:cNvPr id="7" name="Slide Number Placeholder 6"/>
+          <p:cNvSpPr>
+            <a:spLocks noGrp="1"/>
+          </p:cNvSpPr>
+          <p:nvPr>
+            <p:ph type="sldNum" sz="quarter" idx="13"/>
+          </p:nvPr>
+        </p:nvSpPr>
+        <p:spPr/>
+        <p:txBody>
+          <a:bodyPr/>
+          <a:lstStyle/>
+          <a:p>
+            <a:fld id="{B4008EB6-D09E-4580-8CD6-DDB14511944F}" type="slidenum">
+              <a:rPr lang="en-US" smtClean="0"/>
+              <a:pPr/>
+              <a:t>34</a:t>
+            </a:fld>
+            <a:endParaRPr lang="en-US" dirty="0"/>
+          </a:p>
+        </p:txBody>
+      </p:sp>
+    </p:spTree>
+    <p:extLst>
+      <p:ext uri="{BB962C8B-B14F-4D97-AF65-F5344CB8AC3E}">
+        <p14:creationId xmlns:p14="http://schemas.microsoft.com/office/powerpoint/2010/main" val="3283041316"/>
+      </p:ext>
+    </p:extLst>
+  </p:cSld>
+  <p:clrMapOvr>
+    <a:masterClrMapping/>
+  </p:clrMapOvr>
+</p:notes>
+</file>
+
+<file path=ppt/notesSlides/notesSlide35.xml><?xml version="1.0" encoding="utf-8"?>
+<p:notes xmlns:a="http://schemas.openxmlformats.org/drawingml/2006/main" xmlns:r="http://schemas.openxmlformats.org/officeDocument/2006/relationships" xmlns:p="http://schemas.openxmlformats.org/presentationml/2006/main">
+  <p:cSld>
+    <p:spTree>
+      <p:nvGrpSpPr>
+        <p:cNvPr id="1" name=""/>
+        <p:cNvGrpSpPr/>
+        <p:nvPr/>
+      </p:nvGrpSpPr>
+      <p:grpSpPr>
+        <a:xfrm>
+          <a:off x="0" y="0"/>
+          <a:ext cx="0" cy="0"/>
+          <a:chOff x="0" y="0"/>
+          <a:chExt cx="0" cy="0"/>
+        </a:xfrm>
+      </p:grpSpPr>
+      <p:sp>
+        <p:nvSpPr>
+          <p:cNvPr id="2" name="Slide Image Placeholder 1"/>
+          <p:cNvSpPr>
+            <a:spLocks noGrp="1" noRot="1" noChangeAspect="1"/>
+          </p:cNvSpPr>
+          <p:nvPr>
+            <p:ph type="sldImg"/>
+          </p:nvPr>
+        </p:nvSpPr>
+        <p:spPr/>
+      </p:sp>
+      <p:sp>
+        <p:nvSpPr>
+          <p:cNvPr id="3" name="Notes Placeholder 2"/>
+          <p:cNvSpPr>
+            <a:spLocks noGrp="1"/>
+          </p:cNvSpPr>
+          <p:nvPr>
+            <p:ph type="body" idx="1"/>
+          </p:nvPr>
+        </p:nvSpPr>
+        <p:spPr/>
+        <p:txBody>
+          <a:bodyPr/>
+          <a:lstStyle/>
+          <a:p>
             <a:endParaRPr lang="en-US" dirty="0"/>
           </a:p>
         </p:txBody>
@@ -4978,7 +5571,7 @@
             <a:fld id="{B4008EB6-D09E-4580-8CD6-DDB14511944F}" type="slidenum">
               <a:rPr lang="en-US" smtClean="0"/>
               <a:pPr/>
-              <a:t>32</a:t>
+              <a:t>35</a:t>
             </a:fld>
             <a:endParaRPr lang="en-US" dirty="0"/>
           </a:p>
@@ -5001,7 +5594,7 @@
           <a:p>
             <a:fld id="{5A70A388-5CB4-42F2-85B9-1AE1F63398FA}" type="datetime8">
               <a:rPr lang="en-US" smtClean="0"/>
-              <a:t>1/12/2019 2:26 PM</a:t>
+              <a:t>1/27/2019 4:51 PM</a:t>
             </a:fld>
             <a:endParaRPr lang="en-US" dirty="0"/>
           </a:p>
@@ -5093,7 +5686,7 @@
 </p:notes>
 </file>
 
-<file path=ppt/notesSlides/notesSlide33.xml><?xml version="1.0" encoding="utf-8"?>
+<file path=ppt/notesSlides/notesSlide36.xml><?xml version="1.0" encoding="utf-8"?>
 <p:notes xmlns:a="http://schemas.openxmlformats.org/drawingml/2006/main" xmlns:r="http://schemas.openxmlformats.org/officeDocument/2006/relationships" xmlns:p="http://schemas.openxmlformats.org/presentationml/2006/main">
   <p:cSld>
     <p:spTree>
@@ -5184,7 +5777,7 @@
           <a:p>
             <a:fld id="{6939CF7E-134C-4B4A-9853-17D7568CBCC2}" type="datetime8">
               <a:rPr lang="en-US" smtClean="0"/>
-              <a:t>1/12/2019 2:26 PM</a:t>
+              <a:t>1/27/2019 4:51 PM</a:t>
             </a:fld>
             <a:endParaRPr lang="en-US" dirty="0"/>
           </a:p>
@@ -5216,7 +5809,7 @@
             <a:fld id="{8B263312-38AA-4E1E-B2B5-0F8F122B24FE}" type="slidenum">
               <a:rPr lang="en-US" smtClean="0"/>
               <a:pPr/>
-              <a:t>33</a:t>
+              <a:t>36</a:t>
             </a:fld>
             <a:endParaRPr lang="en-US" dirty="0"/>
           </a:p>
@@ -5299,549 +5892,6 @@
     <p:extLst>
       <p:ext uri="{BB962C8B-B14F-4D97-AF65-F5344CB8AC3E}">
         <p14:creationId xmlns:p14="http://schemas.microsoft.com/office/powerpoint/2010/main" val="2215225009"/>
-      </p:ext>
-    </p:extLst>
-  </p:cSld>
-  <p:clrMapOvr>
-    <a:masterClrMapping/>
-  </p:clrMapOvr>
-</p:notes>
-</file>
-
-<file path=ppt/notesSlides/notesSlide34.xml><?xml version="1.0" encoding="utf-8"?>
-<p:notes xmlns:a="http://schemas.openxmlformats.org/drawingml/2006/main" xmlns:r="http://schemas.openxmlformats.org/officeDocument/2006/relationships" xmlns:p="http://schemas.openxmlformats.org/presentationml/2006/main">
-  <p:cSld>
-    <p:spTree>
-      <p:nvGrpSpPr>
-        <p:cNvPr id="1" name=""/>
-        <p:cNvGrpSpPr/>
-        <p:nvPr/>
-      </p:nvGrpSpPr>
-      <p:grpSpPr>
-        <a:xfrm>
-          <a:off x="0" y="0"/>
-          <a:ext cx="0" cy="0"/>
-          <a:chOff x="0" y="0"/>
-          <a:chExt cx="0" cy="0"/>
-        </a:xfrm>
-      </p:grpSpPr>
-      <p:sp>
-        <p:nvSpPr>
-          <p:cNvPr id="2" name="Slide Image Placeholder 1"/>
-          <p:cNvSpPr>
-            <a:spLocks noGrp="1" noRot="1" noChangeAspect="1"/>
-          </p:cNvSpPr>
-          <p:nvPr>
-            <p:ph type="sldImg"/>
-          </p:nvPr>
-        </p:nvSpPr>
-        <p:spPr/>
-      </p:sp>
-      <p:sp>
-        <p:nvSpPr>
-          <p:cNvPr id="3" name="Notes Placeholder 2"/>
-          <p:cNvSpPr>
-            <a:spLocks noGrp="1"/>
-          </p:cNvSpPr>
-          <p:nvPr>
-            <p:ph type="body" idx="1"/>
-          </p:nvPr>
-        </p:nvSpPr>
-        <p:spPr/>
-        <p:txBody>
-          <a:bodyPr/>
-          <a:lstStyle/>
-          <a:p>
-            <a:endParaRPr lang="en-US" dirty="0"/>
-          </a:p>
-        </p:txBody>
-      </p:sp>
-      <p:sp>
-        <p:nvSpPr>
-          <p:cNvPr id="4" name="Header Placeholder 3"/>
-          <p:cNvSpPr>
-            <a:spLocks noGrp="1"/>
-          </p:cNvSpPr>
-          <p:nvPr>
-            <p:ph type="hdr" sz="quarter" idx="10"/>
-          </p:nvPr>
-        </p:nvSpPr>
-        <p:spPr/>
-        <p:txBody>
-          <a:bodyPr/>
-          <a:lstStyle/>
-          <a:p>
-            <a:endParaRPr lang="en-US" dirty="0"/>
-          </a:p>
-        </p:txBody>
-      </p:sp>
-      <p:sp>
-        <p:nvSpPr>
-          <p:cNvPr id="5" name="Footer Placeholder 4"/>
-          <p:cNvSpPr>
-            <a:spLocks noGrp="1"/>
-          </p:cNvSpPr>
-          <p:nvPr>
-            <p:ph type="ftr" sz="quarter" idx="11"/>
-          </p:nvPr>
-        </p:nvSpPr>
-        <p:spPr/>
-        <p:txBody>
-          <a:bodyPr/>
-          <a:lstStyle/>
-          <a:p>
-            <a:pPr defTabSz="914099" eaLnBrk="0" hangingPunct="0"/>
-            <a:r>
-              <a:rPr lang="en-US" sz="400">
-                <a:gradFill>
-                  <a:gsLst>
-                    <a:gs pos="0">
-                      <a:prstClr val="black"/>
-                    </a:gs>
-                    <a:gs pos="100000">
-                      <a:prstClr val="black"/>
-                    </a:gs>
-                  </a:gsLst>
-                  <a:lin ang="5400000" scaled="0"/>
-                </a:gradFill>
-                <a:latin typeface="Segoe UI" pitchFamily="34" charset="0"/>
-                <a:ea typeface="Segoe UI" pitchFamily="34" charset="0"/>
-                <a:cs typeface="Segoe UI" pitchFamily="34" charset="0"/>
-              </a:rPr>
-              <a:t>© Microsoft Corporation. All rights reserved. MICROSOFT MAKES NO WARRANTIES, EXPRESS, IMPLIED OR STATUTORY, AS TO THE INFORMATION IN THIS PRESENTATION.</a:t>
-            </a:r>
-            <a:endParaRPr lang="en-US" sz="400" dirty="0">
-              <a:gradFill>
-                <a:gsLst>
-                  <a:gs pos="0">
-                    <a:prstClr val="black"/>
-                  </a:gs>
-                  <a:gs pos="100000">
-                    <a:prstClr val="black"/>
-                  </a:gs>
-                </a:gsLst>
-                <a:lin ang="5400000" scaled="0"/>
-              </a:gradFill>
-              <a:latin typeface="Segoe UI" pitchFamily="34" charset="0"/>
-              <a:ea typeface="Segoe UI" pitchFamily="34" charset="0"/>
-              <a:cs typeface="Segoe UI" pitchFamily="34" charset="0"/>
-            </a:endParaRPr>
-          </a:p>
-        </p:txBody>
-      </p:sp>
-      <p:sp>
-        <p:nvSpPr>
-          <p:cNvPr id="6" name="Date Placeholder 5"/>
-          <p:cNvSpPr>
-            <a:spLocks noGrp="1"/>
-          </p:cNvSpPr>
-          <p:nvPr>
-            <p:ph type="dt" idx="12"/>
-          </p:nvPr>
-        </p:nvSpPr>
-        <p:spPr/>
-        <p:txBody>
-          <a:bodyPr/>
-          <a:lstStyle/>
-          <a:p>
-            <a:fld id="{B76134C8-AC9E-49DD-B3D6-722B1A93F18D}" type="datetime8">
-              <a:rPr lang="en-US" smtClean="0"/>
-              <a:t>1/12/2019 2:26 PM</a:t>
-            </a:fld>
-            <a:endParaRPr lang="en-US" dirty="0"/>
-          </a:p>
-        </p:txBody>
-      </p:sp>
-      <p:sp>
-        <p:nvSpPr>
-          <p:cNvPr id="7" name="Slide Number Placeholder 6"/>
-          <p:cNvSpPr>
-            <a:spLocks noGrp="1"/>
-          </p:cNvSpPr>
-          <p:nvPr>
-            <p:ph type="sldNum" sz="quarter" idx="13"/>
-          </p:nvPr>
-        </p:nvSpPr>
-        <p:spPr/>
-        <p:txBody>
-          <a:bodyPr/>
-          <a:lstStyle/>
-          <a:p>
-            <a:fld id="{B4008EB6-D09E-4580-8CD6-DDB14511944F}" type="slidenum">
-              <a:rPr lang="en-US" smtClean="0"/>
-              <a:pPr/>
-              <a:t>34</a:t>
-            </a:fld>
-            <a:endParaRPr lang="en-US" dirty="0"/>
-          </a:p>
-        </p:txBody>
-      </p:sp>
-    </p:spTree>
-    <p:extLst>
-      <p:ext uri="{BB962C8B-B14F-4D97-AF65-F5344CB8AC3E}">
-        <p14:creationId xmlns:p14="http://schemas.microsoft.com/office/powerpoint/2010/main" val="3547892515"/>
-      </p:ext>
-    </p:extLst>
-  </p:cSld>
-  <p:clrMapOvr>
-    <a:masterClrMapping/>
-  </p:clrMapOvr>
-</p:notes>
-</file>
-
-<file path=ppt/notesSlides/notesSlide35.xml><?xml version="1.0" encoding="utf-8"?>
-<p:notes xmlns:a="http://schemas.openxmlformats.org/drawingml/2006/main" xmlns:r="http://schemas.openxmlformats.org/officeDocument/2006/relationships" xmlns:p="http://schemas.openxmlformats.org/presentationml/2006/main">
-  <p:cSld>
-    <p:spTree>
-      <p:nvGrpSpPr>
-        <p:cNvPr id="1" name=""/>
-        <p:cNvGrpSpPr/>
-        <p:nvPr/>
-      </p:nvGrpSpPr>
-      <p:grpSpPr>
-        <a:xfrm>
-          <a:off x="0" y="0"/>
-          <a:ext cx="0" cy="0"/>
-          <a:chOff x="0" y="0"/>
-          <a:chExt cx="0" cy="0"/>
-        </a:xfrm>
-      </p:grpSpPr>
-      <p:sp>
-        <p:nvSpPr>
-          <p:cNvPr id="2" name="Slide Image Placeholder 1"/>
-          <p:cNvSpPr>
-            <a:spLocks noGrp="1" noRot="1" noChangeAspect="1"/>
-          </p:cNvSpPr>
-          <p:nvPr>
-            <p:ph type="sldImg"/>
-          </p:nvPr>
-        </p:nvSpPr>
-        <p:spPr/>
-      </p:sp>
-      <p:sp>
-        <p:nvSpPr>
-          <p:cNvPr id="3" name="Notes Placeholder 2"/>
-          <p:cNvSpPr>
-            <a:spLocks noGrp="1"/>
-          </p:cNvSpPr>
-          <p:nvPr>
-            <p:ph type="body" idx="1"/>
-          </p:nvPr>
-        </p:nvSpPr>
-        <p:spPr/>
-        <p:txBody>
-          <a:bodyPr/>
-          <a:lstStyle/>
-          <a:p>
-            <a:endParaRPr lang="en-US"/>
-          </a:p>
-        </p:txBody>
-      </p:sp>
-      <p:sp>
-        <p:nvSpPr>
-          <p:cNvPr id="4" name="Header Placeholder 3"/>
-          <p:cNvSpPr>
-            <a:spLocks noGrp="1"/>
-          </p:cNvSpPr>
-          <p:nvPr>
-            <p:ph type="hdr" sz="quarter" idx="10"/>
-          </p:nvPr>
-        </p:nvSpPr>
-        <p:spPr/>
-        <p:txBody>
-          <a:bodyPr/>
-          <a:lstStyle/>
-          <a:p>
-            <a:endParaRPr lang="en-US" dirty="0"/>
-          </a:p>
-        </p:txBody>
-      </p:sp>
-      <p:sp>
-        <p:nvSpPr>
-          <p:cNvPr id="5" name="Footer Placeholder 4"/>
-          <p:cNvSpPr>
-            <a:spLocks noGrp="1"/>
-          </p:cNvSpPr>
-          <p:nvPr>
-            <p:ph type="ftr" sz="quarter" idx="11"/>
-          </p:nvPr>
-        </p:nvSpPr>
-        <p:spPr/>
-        <p:txBody>
-          <a:bodyPr/>
-          <a:lstStyle/>
-          <a:p>
-            <a:pPr defTabSz="914099" eaLnBrk="0" hangingPunct="0"/>
-            <a:r>
-              <a:rPr lang="en-US" sz="400">
-                <a:gradFill>
-                  <a:gsLst>
-                    <a:gs pos="0">
-                      <a:prstClr val="black"/>
-                    </a:gs>
-                    <a:gs pos="100000">
-                      <a:prstClr val="black"/>
-                    </a:gs>
-                  </a:gsLst>
-                  <a:lin ang="5400000" scaled="0"/>
-                </a:gradFill>
-                <a:latin typeface="Segoe UI" pitchFamily="34" charset="0"/>
-                <a:ea typeface="Segoe UI" pitchFamily="34" charset="0"/>
-                <a:cs typeface="Segoe UI" pitchFamily="34" charset="0"/>
-              </a:rPr>
-              <a:t>© Microsoft Corporation. All rights reserved. MICROSOFT MAKES NO WARRANTIES, EXPRESS, IMPLIED OR STATUTORY, AS TO THE INFORMATION IN THIS PRESENTATION.</a:t>
-            </a:r>
-            <a:endParaRPr lang="en-US" sz="400" dirty="0">
-              <a:gradFill>
-                <a:gsLst>
-                  <a:gs pos="0">
-                    <a:prstClr val="black"/>
-                  </a:gs>
-                  <a:gs pos="100000">
-                    <a:prstClr val="black"/>
-                  </a:gs>
-                </a:gsLst>
-                <a:lin ang="5400000" scaled="0"/>
-              </a:gradFill>
-              <a:latin typeface="Segoe UI" pitchFamily="34" charset="0"/>
-              <a:ea typeface="Segoe UI" pitchFamily="34" charset="0"/>
-              <a:cs typeface="Segoe UI" pitchFamily="34" charset="0"/>
-            </a:endParaRPr>
-          </a:p>
-        </p:txBody>
-      </p:sp>
-      <p:sp>
-        <p:nvSpPr>
-          <p:cNvPr id="6" name="Date Placeholder 5"/>
-          <p:cNvSpPr>
-            <a:spLocks noGrp="1"/>
-          </p:cNvSpPr>
-          <p:nvPr>
-            <p:ph type="dt" idx="12"/>
-          </p:nvPr>
-        </p:nvSpPr>
-        <p:spPr/>
-        <p:txBody>
-          <a:bodyPr/>
-          <a:lstStyle/>
-          <a:p>
-            <a:fld id="{34FAA446-E61B-4D43-A3B1-7749AA6DC131}" type="datetime8">
-              <a:rPr lang="en-US" smtClean="0"/>
-              <a:t>1/12/2019 2:26 PM</a:t>
-            </a:fld>
-            <a:endParaRPr lang="en-US" dirty="0"/>
-          </a:p>
-        </p:txBody>
-      </p:sp>
-      <p:sp>
-        <p:nvSpPr>
-          <p:cNvPr id="7" name="Slide Number Placeholder 6"/>
-          <p:cNvSpPr>
-            <a:spLocks noGrp="1"/>
-          </p:cNvSpPr>
-          <p:nvPr>
-            <p:ph type="sldNum" sz="quarter" idx="13"/>
-          </p:nvPr>
-        </p:nvSpPr>
-        <p:spPr/>
-        <p:txBody>
-          <a:bodyPr/>
-          <a:lstStyle/>
-          <a:p>
-            <a:fld id="{B4008EB6-D09E-4580-8CD6-DDB14511944F}" type="slidenum">
-              <a:rPr lang="en-US" smtClean="0"/>
-              <a:pPr/>
-              <a:t>35</a:t>
-            </a:fld>
-            <a:endParaRPr lang="en-US" dirty="0"/>
-          </a:p>
-        </p:txBody>
-      </p:sp>
-    </p:spTree>
-    <p:extLst>
-      <p:ext uri="{BB962C8B-B14F-4D97-AF65-F5344CB8AC3E}">
-        <p14:creationId xmlns:p14="http://schemas.microsoft.com/office/powerpoint/2010/main" val="1325077928"/>
-      </p:ext>
-    </p:extLst>
-  </p:cSld>
-  <p:clrMapOvr>
-    <a:masterClrMapping/>
-  </p:clrMapOvr>
-</p:notes>
-</file>
-
-<file path=ppt/notesSlides/notesSlide36.xml><?xml version="1.0" encoding="utf-8"?>
-<p:notes xmlns:a="http://schemas.openxmlformats.org/drawingml/2006/main" xmlns:r="http://schemas.openxmlformats.org/officeDocument/2006/relationships" xmlns:p="http://schemas.openxmlformats.org/presentationml/2006/main">
-  <p:cSld>
-    <p:spTree>
-      <p:nvGrpSpPr>
-        <p:cNvPr id="1" name=""/>
-        <p:cNvGrpSpPr/>
-        <p:nvPr/>
-      </p:nvGrpSpPr>
-      <p:grpSpPr>
-        <a:xfrm>
-          <a:off x="0" y="0"/>
-          <a:ext cx="0" cy="0"/>
-          <a:chOff x="0" y="0"/>
-          <a:chExt cx="0" cy="0"/>
-        </a:xfrm>
-      </p:grpSpPr>
-      <p:sp>
-        <p:nvSpPr>
-          <p:cNvPr id="2" name="Slide Image Placeholder 1"/>
-          <p:cNvSpPr>
-            <a:spLocks noGrp="1" noRot="1" noChangeAspect="1"/>
-          </p:cNvSpPr>
-          <p:nvPr>
-            <p:ph type="sldImg"/>
-          </p:nvPr>
-        </p:nvSpPr>
-        <p:spPr/>
-      </p:sp>
-      <p:sp>
-        <p:nvSpPr>
-          <p:cNvPr id="3" name="Notes Placeholder 2"/>
-          <p:cNvSpPr>
-            <a:spLocks noGrp="1"/>
-          </p:cNvSpPr>
-          <p:nvPr>
-            <p:ph type="body" idx="1"/>
-          </p:nvPr>
-        </p:nvSpPr>
-        <p:spPr/>
-        <p:txBody>
-          <a:bodyPr/>
-          <a:lstStyle/>
-          <a:p>
-            <a:endParaRPr lang="en-US"/>
-          </a:p>
-        </p:txBody>
-      </p:sp>
-      <p:sp>
-        <p:nvSpPr>
-          <p:cNvPr id="4" name="Header Placeholder 3"/>
-          <p:cNvSpPr>
-            <a:spLocks noGrp="1"/>
-          </p:cNvSpPr>
-          <p:nvPr>
-            <p:ph type="hdr" sz="quarter" idx="10"/>
-          </p:nvPr>
-        </p:nvSpPr>
-        <p:spPr/>
-        <p:txBody>
-          <a:bodyPr/>
-          <a:lstStyle/>
-          <a:p>
-            <a:endParaRPr lang="en-US" dirty="0"/>
-          </a:p>
-        </p:txBody>
-      </p:sp>
-      <p:sp>
-        <p:nvSpPr>
-          <p:cNvPr id="5" name="Footer Placeholder 4"/>
-          <p:cNvSpPr>
-            <a:spLocks noGrp="1"/>
-          </p:cNvSpPr>
-          <p:nvPr>
-            <p:ph type="ftr" sz="quarter" idx="11"/>
-          </p:nvPr>
-        </p:nvSpPr>
-        <p:spPr/>
-        <p:txBody>
-          <a:bodyPr/>
-          <a:lstStyle/>
-          <a:p>
-            <a:pPr defTabSz="914099" eaLnBrk="0" hangingPunct="0"/>
-            <a:r>
-              <a:rPr lang="en-US" sz="400">
-                <a:gradFill>
-                  <a:gsLst>
-                    <a:gs pos="0">
-                      <a:prstClr val="black"/>
-                    </a:gs>
-                    <a:gs pos="100000">
-                      <a:prstClr val="black"/>
-                    </a:gs>
-                  </a:gsLst>
-                  <a:lin ang="5400000" scaled="0"/>
-                </a:gradFill>
-                <a:latin typeface="Segoe UI" pitchFamily="34" charset="0"/>
-                <a:ea typeface="Segoe UI" pitchFamily="34" charset="0"/>
-                <a:cs typeface="Segoe UI" pitchFamily="34" charset="0"/>
-              </a:rPr>
-              <a:t>© Microsoft Corporation. All rights reserved. MICROSOFT MAKES NO WARRANTIES, EXPRESS, IMPLIED OR STATUTORY, AS TO THE INFORMATION IN THIS PRESENTATION.</a:t>
-            </a:r>
-            <a:endParaRPr lang="en-US" sz="400" dirty="0">
-              <a:gradFill>
-                <a:gsLst>
-                  <a:gs pos="0">
-                    <a:prstClr val="black"/>
-                  </a:gs>
-                  <a:gs pos="100000">
-                    <a:prstClr val="black"/>
-                  </a:gs>
-                </a:gsLst>
-                <a:lin ang="5400000" scaled="0"/>
-              </a:gradFill>
-              <a:latin typeface="Segoe UI" pitchFamily="34" charset="0"/>
-              <a:ea typeface="Segoe UI" pitchFamily="34" charset="0"/>
-              <a:cs typeface="Segoe UI" pitchFamily="34" charset="0"/>
-            </a:endParaRPr>
-          </a:p>
-        </p:txBody>
-      </p:sp>
-      <p:sp>
-        <p:nvSpPr>
-          <p:cNvPr id="6" name="Date Placeholder 5"/>
-          <p:cNvSpPr>
-            <a:spLocks noGrp="1"/>
-          </p:cNvSpPr>
-          <p:nvPr>
-            <p:ph type="dt" idx="12"/>
-          </p:nvPr>
-        </p:nvSpPr>
-        <p:spPr/>
-        <p:txBody>
-          <a:bodyPr/>
-          <a:lstStyle/>
-          <a:p>
-            <a:fld id="{F86059B6-667D-4F24-AA48-46C1EA5D9E8E}" type="datetime8">
-              <a:rPr lang="en-US" smtClean="0"/>
-              <a:t>1/12/2019 2:26 PM</a:t>
-            </a:fld>
-            <a:endParaRPr lang="en-US" dirty="0"/>
-          </a:p>
-        </p:txBody>
-      </p:sp>
-      <p:sp>
-        <p:nvSpPr>
-          <p:cNvPr id="7" name="Slide Number Placeholder 6"/>
-          <p:cNvSpPr>
-            <a:spLocks noGrp="1"/>
-          </p:cNvSpPr>
-          <p:nvPr>
-            <p:ph type="sldNum" sz="quarter" idx="13"/>
-          </p:nvPr>
-        </p:nvSpPr>
-        <p:spPr/>
-        <p:txBody>
-          <a:bodyPr/>
-          <a:lstStyle/>
-          <a:p>
-            <a:fld id="{B4008EB6-D09E-4580-8CD6-DDB14511944F}" type="slidenum">
-              <a:rPr lang="en-US" smtClean="0"/>
-              <a:pPr/>
-              <a:t>36</a:t>
-            </a:fld>
-            <a:endParaRPr lang="en-US" dirty="0"/>
-          </a:p>
-        </p:txBody>
-      </p:sp>
-    </p:spTree>
-    <p:extLst>
-      <p:ext uri="{BB962C8B-B14F-4D97-AF65-F5344CB8AC3E}">
-        <p14:creationId xmlns:p14="http://schemas.microsoft.com/office/powerpoint/2010/main" val="1742629459"/>
       </p:ext>
     </p:extLst>
   </p:cSld>
@@ -5987,9 +6037,9 @@
           <a:bodyPr/>
           <a:lstStyle/>
           <a:p>
-            <a:fld id="{35A2D088-BDBD-41A5-ADCE-5C6A4DC08057}" type="datetime8">
+            <a:fld id="{B76134C8-AC9E-49DD-B3D6-722B1A93F18D}" type="datetime8">
               <a:rPr lang="en-US" smtClean="0"/>
-              <a:t>1/12/2019 2:26 PM</a:t>
+              <a:t>1/27/2019 4:51 PM</a:t>
             </a:fld>
             <a:endParaRPr lang="en-US" dirty="0"/>
           </a:p>
@@ -6022,7 +6072,7 @@
     </p:spTree>
     <p:extLst>
       <p:ext uri="{BB962C8B-B14F-4D97-AF65-F5344CB8AC3E}">
-        <p14:creationId xmlns:p14="http://schemas.microsoft.com/office/powerpoint/2010/main" val="2696667868"/>
+        <p14:creationId xmlns:p14="http://schemas.microsoft.com/office/powerpoint/2010/main" val="3547892515"/>
       </p:ext>
     </p:extLst>
   </p:cSld>
@@ -6076,18 +6126,18 @@
           <a:bodyPr/>
           <a:lstStyle/>
           <a:p>
-            <a:endParaRPr lang="en-US" dirty="0"/>
+            <a:endParaRPr lang="en-US"/>
           </a:p>
         </p:txBody>
       </p:sp>
       <p:sp>
         <p:nvSpPr>
-          <p:cNvPr id="6" name="Slide Number Placeholder 5"/>
+          <p:cNvPr id="4" name="Header Placeholder 3"/>
           <p:cNvSpPr>
             <a:spLocks noGrp="1"/>
           </p:cNvSpPr>
           <p:nvPr>
-            <p:ph type="sldNum" sz="quarter" idx="12"/>
+            <p:ph type="hdr" sz="quarter" idx="10"/>
           </p:nvPr>
         </p:nvSpPr>
         <p:spPr/>
@@ -6095,46 +6145,18 @@
           <a:bodyPr/>
           <a:lstStyle/>
           <a:p>
-            <a:fld id="{B4008EB6-D09E-4580-8CD6-DDB14511944F}" type="slidenum">
-              <a:rPr lang="en-US" smtClean="0"/>
-              <a:pPr/>
-              <a:t>38</a:t>
-            </a:fld>
             <a:endParaRPr lang="en-US" dirty="0"/>
           </a:p>
         </p:txBody>
       </p:sp>
       <p:sp>
         <p:nvSpPr>
-          <p:cNvPr id="10" name="Date Placeholder 9"/>
+          <p:cNvPr id="5" name="Footer Placeholder 4"/>
           <p:cNvSpPr>
             <a:spLocks noGrp="1"/>
           </p:cNvSpPr>
           <p:nvPr>
-            <p:ph type="dt" idx="13"/>
-          </p:nvPr>
-        </p:nvSpPr>
-        <p:spPr/>
-        <p:txBody>
-          <a:bodyPr/>
-          <a:lstStyle/>
-          <a:p>
-            <a:fld id="{174E4CE6-2FE4-433F-87B8-CB5DD266EBFC}" type="datetime8">
-              <a:rPr lang="en-US" smtClean="0"/>
-              <a:t>1/12/2019 2:26 PM</a:t>
-            </a:fld>
-            <a:endParaRPr lang="en-US" dirty="0"/>
-          </a:p>
-        </p:txBody>
-      </p:sp>
-      <p:sp>
-        <p:nvSpPr>
-          <p:cNvPr id="4" name="Footer Placeholder 3"/>
-          <p:cNvSpPr>
-            <a:spLocks noGrp="1"/>
-          </p:cNvSpPr>
-          <p:nvPr>
-            <p:ph type="ftr" sz="quarter" idx="14"/>
+            <p:ph type="ftr" sz="quarter" idx="11"/>
           </p:nvPr>
         </p:nvSpPr>
         <p:spPr/>
@@ -6183,12 +6205,12 @@
       </p:sp>
       <p:sp>
         <p:nvSpPr>
-          <p:cNvPr id="5" name="Header Placeholder 4"/>
+          <p:cNvPr id="6" name="Date Placeholder 5"/>
           <p:cNvSpPr>
             <a:spLocks noGrp="1"/>
           </p:cNvSpPr>
           <p:nvPr>
-            <p:ph type="hdr" sz="quarter" idx="15"/>
+            <p:ph type="dt" idx="12"/>
           </p:nvPr>
         </p:nvSpPr>
         <p:spPr/>
@@ -6196,6 +6218,34 @@
           <a:bodyPr/>
           <a:lstStyle/>
           <a:p>
+            <a:fld id="{34FAA446-E61B-4D43-A3B1-7749AA6DC131}" type="datetime8">
+              <a:rPr lang="en-US" smtClean="0"/>
+              <a:t>1/27/2019 4:51 PM</a:t>
+            </a:fld>
+            <a:endParaRPr lang="en-US" dirty="0"/>
+          </a:p>
+        </p:txBody>
+      </p:sp>
+      <p:sp>
+        <p:nvSpPr>
+          <p:cNvPr id="7" name="Slide Number Placeholder 6"/>
+          <p:cNvSpPr>
+            <a:spLocks noGrp="1"/>
+          </p:cNvSpPr>
+          <p:nvPr>
+            <p:ph type="sldNum" sz="quarter" idx="13"/>
+          </p:nvPr>
+        </p:nvSpPr>
+        <p:spPr/>
+        <p:txBody>
+          <a:bodyPr/>
+          <a:lstStyle/>
+          <a:p>
+            <a:fld id="{B4008EB6-D09E-4580-8CD6-DDB14511944F}" type="slidenum">
+              <a:rPr lang="en-US" smtClean="0"/>
+              <a:pPr/>
+              <a:t>38</a:t>
+            </a:fld>
             <a:endParaRPr lang="en-US" dirty="0"/>
           </a:p>
         </p:txBody>
@@ -6203,7 +6253,7 @@
     </p:spTree>
     <p:extLst>
       <p:ext uri="{BB962C8B-B14F-4D97-AF65-F5344CB8AC3E}">
-        <p14:creationId xmlns:p14="http://schemas.microsoft.com/office/powerpoint/2010/main" val="4230932213"/>
+        <p14:creationId xmlns:p14="http://schemas.microsoft.com/office/powerpoint/2010/main" val="1325077928"/>
       </p:ext>
     </p:extLst>
   </p:cSld>
@@ -6240,12 +6290,7 @@
             <p:ph type="sldImg"/>
           </p:nvPr>
         </p:nvSpPr>
-        <p:spPr>
-          <a:xfrm>
-            <a:off x="381000" y="685800"/>
-            <a:ext cx="6096000" cy="3429000"/>
-          </a:xfrm>
-        </p:spPr>
+        <p:spPr/>
       </p:sp>
       <p:sp>
         <p:nvSpPr>
@@ -6259,12 +6304,10 @@
         </p:nvSpPr>
         <p:spPr/>
         <p:txBody>
-          <a:bodyPr>
-            <a:normAutofit/>
-          </a:bodyPr>
+          <a:bodyPr/>
           <a:lstStyle/>
           <a:p>
-            <a:endParaRPr lang="en-US" dirty="0"/>
+            <a:endParaRPr lang="en-US"/>
           </a:p>
         </p:txBody>
       </p:sp>
@@ -6278,35 +6321,23 @@
             <p:ph type="hdr" sz="quarter" idx="10"/>
           </p:nvPr>
         </p:nvSpPr>
-        <p:spPr>
-          <a:xfrm>
-            <a:off x="0" y="0"/>
-            <a:ext cx="2971800" cy="457200"/>
-          </a:xfrm>
-          <a:prstGeom prst="rect">
-            <a:avLst/>
-          </a:prstGeom>
-        </p:spPr>
+        <p:spPr/>
         <p:txBody>
           <a:bodyPr/>
           <a:lstStyle/>
           <a:p>
-            <a:endParaRPr lang="en-US" dirty="0">
-              <a:solidFill>
-                <a:prstClr val="black"/>
-              </a:solidFill>
-            </a:endParaRPr>
+            <a:endParaRPr lang="en-US" dirty="0"/>
           </a:p>
         </p:txBody>
       </p:sp>
       <p:sp>
         <p:nvSpPr>
-          <p:cNvPr id="5" name="Date Placeholder 4"/>
+          <p:cNvPr id="5" name="Footer Placeholder 4"/>
           <p:cNvSpPr>
             <a:spLocks noGrp="1"/>
           </p:cNvSpPr>
           <p:nvPr>
-            <p:ph type="dt" idx="11"/>
+            <p:ph type="ftr" sz="quarter" idx="11"/>
           </p:nvPr>
         </p:nvSpPr>
         <p:spPr/>
@@ -6314,19 +6345,65 @@
           <a:bodyPr/>
           <a:lstStyle/>
           <a:p>
-            <a:fld id="{ED16B1EF-9462-406A-AECC-672A87EF37F1}" type="datetime8">
-              <a:rPr lang="en-US" smtClean="0">
-                <a:solidFill>
-                  <a:prstClr val="black"/>
-                </a:solidFill>
-              </a:rPr>
-              <a:t>1/12/2019 2:26 PM</a:t>
+            <a:pPr defTabSz="914099" eaLnBrk="0" hangingPunct="0"/>
+            <a:r>
+              <a:rPr lang="en-US" sz="400">
+                <a:gradFill>
+                  <a:gsLst>
+                    <a:gs pos="0">
+                      <a:prstClr val="black"/>
+                    </a:gs>
+                    <a:gs pos="100000">
+                      <a:prstClr val="black"/>
+                    </a:gs>
+                  </a:gsLst>
+                  <a:lin ang="5400000" scaled="0"/>
+                </a:gradFill>
+                <a:latin typeface="Segoe UI" pitchFamily="34" charset="0"/>
+                <a:ea typeface="Segoe UI" pitchFamily="34" charset="0"/>
+                <a:cs typeface="Segoe UI" pitchFamily="34" charset="0"/>
+              </a:rPr>
+              <a:t>© Microsoft Corporation. All rights reserved. MICROSOFT MAKES NO WARRANTIES, EXPRESS, IMPLIED OR STATUTORY, AS TO THE INFORMATION IN THIS PRESENTATION.</a:t>
+            </a:r>
+            <a:endParaRPr lang="en-US" sz="400" dirty="0">
+              <a:gradFill>
+                <a:gsLst>
+                  <a:gs pos="0">
+                    <a:prstClr val="black"/>
+                  </a:gs>
+                  <a:gs pos="100000">
+                    <a:prstClr val="black"/>
+                  </a:gs>
+                </a:gsLst>
+                <a:lin ang="5400000" scaled="0"/>
+              </a:gradFill>
+              <a:latin typeface="Segoe UI" pitchFamily="34" charset="0"/>
+              <a:ea typeface="Segoe UI" pitchFamily="34" charset="0"/>
+              <a:cs typeface="Segoe UI" pitchFamily="34" charset="0"/>
+            </a:endParaRPr>
+          </a:p>
+        </p:txBody>
+      </p:sp>
+      <p:sp>
+        <p:nvSpPr>
+          <p:cNvPr id="6" name="Date Placeholder 5"/>
+          <p:cNvSpPr>
+            <a:spLocks noGrp="1"/>
+          </p:cNvSpPr>
+          <p:nvPr>
+            <p:ph type="dt" idx="12"/>
+          </p:nvPr>
+        </p:nvSpPr>
+        <p:spPr/>
+        <p:txBody>
+          <a:bodyPr/>
+          <a:lstStyle/>
+          <a:p>
+            <a:fld id="{F86059B6-667D-4F24-AA48-46C1EA5D9E8E}" type="datetime8">
+              <a:rPr lang="en-US" smtClean="0"/>
+              <a:t>1/27/2019 4:51 PM</a:t>
             </a:fld>
-            <a:endParaRPr lang="en-US" dirty="0">
-              <a:solidFill>
-                <a:prstClr val="black"/>
-              </a:solidFill>
-            </a:endParaRPr>
+            <a:endParaRPr lang="en-US" dirty="0"/>
           </a:p>
         </p:txBody>
       </p:sp>
@@ -6345,81 +6422,19 @@
           <a:bodyPr/>
           <a:lstStyle/>
           <a:p>
-            <a:fld id="{EC87E0CF-87F6-4B58-B8B8-DCAB2DAAF3CA}" type="slidenum">
-              <a:rPr lang="en-US" smtClean="0">
-                <a:solidFill>
-                  <a:prstClr val="black"/>
-                </a:solidFill>
-              </a:rPr>
+            <a:fld id="{B4008EB6-D09E-4580-8CD6-DDB14511944F}" type="slidenum">
+              <a:rPr lang="en-US" smtClean="0"/>
               <a:pPr/>
               <a:t>39</a:t>
             </a:fld>
-            <a:endParaRPr lang="en-US" dirty="0">
-              <a:solidFill>
-                <a:prstClr val="black"/>
-              </a:solidFill>
-            </a:endParaRPr>
-          </a:p>
-        </p:txBody>
-      </p:sp>
-      <p:sp>
-        <p:nvSpPr>
-          <p:cNvPr id="6" name="Footer Placeholder 5"/>
-          <p:cNvSpPr>
-            <a:spLocks noGrp="1"/>
-          </p:cNvSpPr>
-          <p:nvPr>
-            <p:ph type="ftr" sz="quarter" idx="14"/>
-          </p:nvPr>
-        </p:nvSpPr>
-        <p:spPr/>
-        <p:txBody>
-          <a:bodyPr/>
-          <a:lstStyle/>
-          <a:p>
-            <a:pPr defTabSz="914099" eaLnBrk="0" hangingPunct="0"/>
-            <a:r>
-              <a:rPr lang="en-US" sz="400">
-                <a:gradFill>
-                  <a:gsLst>
-                    <a:gs pos="0">
-                      <a:prstClr val="black"/>
-                    </a:gs>
-                    <a:gs pos="100000">
-                      <a:prstClr val="black"/>
-                    </a:gs>
-                  </a:gsLst>
-                  <a:lin ang="5400000" scaled="0"/>
-                </a:gradFill>
-                <a:latin typeface="Segoe UI" pitchFamily="34" charset="0"/>
-                <a:ea typeface="Segoe UI" pitchFamily="34" charset="0"/>
-                <a:cs typeface="Segoe UI" pitchFamily="34" charset="0"/>
-              </a:rPr>
-              <a:t>© Microsoft Corporation. All rights reserved. MICROSOFT MAKES NO WARRANTIES, EXPRESS, IMPLIED OR STATUTORY, AS TO THE INFORMATION IN THIS PRESENTATION.</a:t>
-            </a:r>
-            <a:endParaRPr lang="en-US" sz="400" dirty="0">
-              <a:gradFill>
-                <a:gsLst>
-                  <a:gs pos="0">
-                    <a:prstClr val="black"/>
-                  </a:gs>
-                  <a:gs pos="100000">
-                    <a:prstClr val="black"/>
-                  </a:gs>
-                </a:gsLst>
-                <a:lin ang="5400000" scaled="0"/>
-              </a:gradFill>
-              <a:latin typeface="Segoe UI" pitchFamily="34" charset="0"/>
-              <a:ea typeface="Segoe UI" pitchFamily="34" charset="0"/>
-              <a:cs typeface="Segoe UI" pitchFamily="34" charset="0"/>
-            </a:endParaRPr>
+            <a:endParaRPr lang="en-US" dirty="0"/>
           </a:p>
         </p:txBody>
       </p:sp>
     </p:spTree>
     <p:extLst>
       <p:ext uri="{BB962C8B-B14F-4D97-AF65-F5344CB8AC3E}">
-        <p14:creationId xmlns:p14="http://schemas.microsoft.com/office/powerpoint/2010/main" val="2000989474"/>
+        <p14:creationId xmlns:p14="http://schemas.microsoft.com/office/powerpoint/2010/main" val="1742629459"/>
       </p:ext>
     </p:extLst>
   </p:cSld>
@@ -6504,6 +6519,584 @@
     <p:extLst>
       <p:ext uri="{BB962C8B-B14F-4D97-AF65-F5344CB8AC3E}">
         <p14:creationId xmlns:p14="http://schemas.microsoft.com/office/powerpoint/2010/main" val="1812498391"/>
+      </p:ext>
+    </p:extLst>
+  </p:cSld>
+  <p:clrMapOvr>
+    <a:masterClrMapping/>
+  </p:clrMapOvr>
+</p:notes>
+</file>
+
+<file path=ppt/notesSlides/notesSlide40.xml><?xml version="1.0" encoding="utf-8"?>
+<p:notes xmlns:a="http://schemas.openxmlformats.org/drawingml/2006/main" xmlns:r="http://schemas.openxmlformats.org/officeDocument/2006/relationships" xmlns:p="http://schemas.openxmlformats.org/presentationml/2006/main">
+  <p:cSld>
+    <p:spTree>
+      <p:nvGrpSpPr>
+        <p:cNvPr id="1" name=""/>
+        <p:cNvGrpSpPr/>
+        <p:nvPr/>
+      </p:nvGrpSpPr>
+      <p:grpSpPr>
+        <a:xfrm>
+          <a:off x="0" y="0"/>
+          <a:ext cx="0" cy="0"/>
+          <a:chOff x="0" y="0"/>
+          <a:chExt cx="0" cy="0"/>
+        </a:xfrm>
+      </p:grpSpPr>
+      <p:sp>
+        <p:nvSpPr>
+          <p:cNvPr id="2" name="Slide Image Placeholder 1"/>
+          <p:cNvSpPr>
+            <a:spLocks noGrp="1" noRot="1" noChangeAspect="1"/>
+          </p:cNvSpPr>
+          <p:nvPr>
+            <p:ph type="sldImg"/>
+          </p:nvPr>
+        </p:nvSpPr>
+        <p:spPr/>
+      </p:sp>
+      <p:sp>
+        <p:nvSpPr>
+          <p:cNvPr id="3" name="Notes Placeholder 2"/>
+          <p:cNvSpPr>
+            <a:spLocks noGrp="1"/>
+          </p:cNvSpPr>
+          <p:nvPr>
+            <p:ph type="body" idx="1"/>
+          </p:nvPr>
+        </p:nvSpPr>
+        <p:spPr/>
+        <p:txBody>
+          <a:bodyPr/>
+          <a:lstStyle/>
+          <a:p>
+            <a:endParaRPr lang="en-US" dirty="0"/>
+          </a:p>
+        </p:txBody>
+      </p:sp>
+      <p:sp>
+        <p:nvSpPr>
+          <p:cNvPr id="4" name="Header Placeholder 3"/>
+          <p:cNvSpPr>
+            <a:spLocks noGrp="1"/>
+          </p:cNvSpPr>
+          <p:nvPr>
+            <p:ph type="hdr" sz="quarter" idx="10"/>
+          </p:nvPr>
+        </p:nvSpPr>
+        <p:spPr/>
+        <p:txBody>
+          <a:bodyPr/>
+          <a:lstStyle/>
+          <a:p>
+            <a:endParaRPr lang="en-US" dirty="0"/>
+          </a:p>
+        </p:txBody>
+      </p:sp>
+      <p:sp>
+        <p:nvSpPr>
+          <p:cNvPr id="5" name="Footer Placeholder 4"/>
+          <p:cNvSpPr>
+            <a:spLocks noGrp="1"/>
+          </p:cNvSpPr>
+          <p:nvPr>
+            <p:ph type="ftr" sz="quarter" idx="11"/>
+          </p:nvPr>
+        </p:nvSpPr>
+        <p:spPr/>
+        <p:txBody>
+          <a:bodyPr/>
+          <a:lstStyle/>
+          <a:p>
+            <a:pPr defTabSz="914099" eaLnBrk="0" hangingPunct="0"/>
+            <a:r>
+              <a:rPr lang="en-US" sz="400">
+                <a:gradFill>
+                  <a:gsLst>
+                    <a:gs pos="0">
+                      <a:prstClr val="black"/>
+                    </a:gs>
+                    <a:gs pos="100000">
+                      <a:prstClr val="black"/>
+                    </a:gs>
+                  </a:gsLst>
+                  <a:lin ang="5400000" scaled="0"/>
+                </a:gradFill>
+                <a:latin typeface="Segoe UI" pitchFamily="34" charset="0"/>
+                <a:ea typeface="Segoe UI" pitchFamily="34" charset="0"/>
+                <a:cs typeface="Segoe UI" pitchFamily="34" charset="0"/>
+              </a:rPr>
+              <a:t>© Microsoft Corporation. All rights reserved. MICROSOFT MAKES NO WARRANTIES, EXPRESS, IMPLIED OR STATUTORY, AS TO THE INFORMATION IN THIS PRESENTATION.</a:t>
+            </a:r>
+            <a:endParaRPr lang="en-US" sz="400" dirty="0">
+              <a:gradFill>
+                <a:gsLst>
+                  <a:gs pos="0">
+                    <a:prstClr val="black"/>
+                  </a:gs>
+                  <a:gs pos="100000">
+                    <a:prstClr val="black"/>
+                  </a:gs>
+                </a:gsLst>
+                <a:lin ang="5400000" scaled="0"/>
+              </a:gradFill>
+              <a:latin typeface="Segoe UI" pitchFamily="34" charset="0"/>
+              <a:ea typeface="Segoe UI" pitchFamily="34" charset="0"/>
+              <a:cs typeface="Segoe UI" pitchFamily="34" charset="0"/>
+            </a:endParaRPr>
+          </a:p>
+        </p:txBody>
+      </p:sp>
+      <p:sp>
+        <p:nvSpPr>
+          <p:cNvPr id="6" name="Date Placeholder 5"/>
+          <p:cNvSpPr>
+            <a:spLocks noGrp="1"/>
+          </p:cNvSpPr>
+          <p:nvPr>
+            <p:ph type="dt" idx="12"/>
+          </p:nvPr>
+        </p:nvSpPr>
+        <p:spPr/>
+        <p:txBody>
+          <a:bodyPr/>
+          <a:lstStyle/>
+          <a:p>
+            <a:fld id="{35A2D088-BDBD-41A5-ADCE-5C6A4DC08057}" type="datetime8">
+              <a:rPr lang="en-US" smtClean="0"/>
+              <a:t>1/27/2019 4:51 PM</a:t>
+            </a:fld>
+            <a:endParaRPr lang="en-US" dirty="0"/>
+          </a:p>
+        </p:txBody>
+      </p:sp>
+      <p:sp>
+        <p:nvSpPr>
+          <p:cNvPr id="7" name="Slide Number Placeholder 6"/>
+          <p:cNvSpPr>
+            <a:spLocks noGrp="1"/>
+          </p:cNvSpPr>
+          <p:nvPr>
+            <p:ph type="sldNum" sz="quarter" idx="13"/>
+          </p:nvPr>
+        </p:nvSpPr>
+        <p:spPr/>
+        <p:txBody>
+          <a:bodyPr/>
+          <a:lstStyle/>
+          <a:p>
+            <a:fld id="{B4008EB6-D09E-4580-8CD6-DDB14511944F}" type="slidenum">
+              <a:rPr lang="en-US" smtClean="0"/>
+              <a:pPr/>
+              <a:t>40</a:t>
+            </a:fld>
+            <a:endParaRPr lang="en-US" dirty="0"/>
+          </a:p>
+        </p:txBody>
+      </p:sp>
+    </p:spTree>
+    <p:extLst>
+      <p:ext uri="{BB962C8B-B14F-4D97-AF65-F5344CB8AC3E}">
+        <p14:creationId xmlns:p14="http://schemas.microsoft.com/office/powerpoint/2010/main" val="2696667868"/>
+      </p:ext>
+    </p:extLst>
+  </p:cSld>
+  <p:clrMapOvr>
+    <a:masterClrMapping/>
+  </p:clrMapOvr>
+</p:notes>
+</file>
+
+<file path=ppt/notesSlides/notesSlide41.xml><?xml version="1.0" encoding="utf-8"?>
+<p:notes xmlns:a="http://schemas.openxmlformats.org/drawingml/2006/main" xmlns:r="http://schemas.openxmlformats.org/officeDocument/2006/relationships" xmlns:p="http://schemas.openxmlformats.org/presentationml/2006/main">
+  <p:cSld>
+    <p:spTree>
+      <p:nvGrpSpPr>
+        <p:cNvPr id="1" name=""/>
+        <p:cNvGrpSpPr/>
+        <p:nvPr/>
+      </p:nvGrpSpPr>
+      <p:grpSpPr>
+        <a:xfrm>
+          <a:off x="0" y="0"/>
+          <a:ext cx="0" cy="0"/>
+          <a:chOff x="0" y="0"/>
+          <a:chExt cx="0" cy="0"/>
+        </a:xfrm>
+      </p:grpSpPr>
+      <p:sp>
+        <p:nvSpPr>
+          <p:cNvPr id="2" name="Slide Image Placeholder 1"/>
+          <p:cNvSpPr>
+            <a:spLocks noGrp="1" noRot="1" noChangeAspect="1"/>
+          </p:cNvSpPr>
+          <p:nvPr>
+            <p:ph type="sldImg"/>
+          </p:nvPr>
+        </p:nvSpPr>
+        <p:spPr/>
+      </p:sp>
+      <p:sp>
+        <p:nvSpPr>
+          <p:cNvPr id="3" name="Notes Placeholder 2"/>
+          <p:cNvSpPr>
+            <a:spLocks noGrp="1"/>
+          </p:cNvSpPr>
+          <p:nvPr>
+            <p:ph type="body" idx="1"/>
+          </p:nvPr>
+        </p:nvSpPr>
+        <p:spPr/>
+        <p:txBody>
+          <a:bodyPr/>
+          <a:lstStyle/>
+          <a:p>
+            <a:endParaRPr lang="en-US" dirty="0"/>
+          </a:p>
+        </p:txBody>
+      </p:sp>
+      <p:sp>
+        <p:nvSpPr>
+          <p:cNvPr id="6" name="Slide Number Placeholder 5"/>
+          <p:cNvSpPr>
+            <a:spLocks noGrp="1"/>
+          </p:cNvSpPr>
+          <p:nvPr>
+            <p:ph type="sldNum" sz="quarter" idx="12"/>
+          </p:nvPr>
+        </p:nvSpPr>
+        <p:spPr/>
+        <p:txBody>
+          <a:bodyPr/>
+          <a:lstStyle/>
+          <a:p>
+            <a:fld id="{B4008EB6-D09E-4580-8CD6-DDB14511944F}" type="slidenum">
+              <a:rPr lang="en-US" smtClean="0"/>
+              <a:pPr/>
+              <a:t>41</a:t>
+            </a:fld>
+            <a:endParaRPr lang="en-US" dirty="0"/>
+          </a:p>
+        </p:txBody>
+      </p:sp>
+      <p:sp>
+        <p:nvSpPr>
+          <p:cNvPr id="10" name="Date Placeholder 9"/>
+          <p:cNvSpPr>
+            <a:spLocks noGrp="1"/>
+          </p:cNvSpPr>
+          <p:nvPr>
+            <p:ph type="dt" idx="13"/>
+          </p:nvPr>
+        </p:nvSpPr>
+        <p:spPr/>
+        <p:txBody>
+          <a:bodyPr/>
+          <a:lstStyle/>
+          <a:p>
+            <a:fld id="{174E4CE6-2FE4-433F-87B8-CB5DD266EBFC}" type="datetime8">
+              <a:rPr lang="en-US" smtClean="0"/>
+              <a:t>1/27/2019 4:51 PM</a:t>
+            </a:fld>
+            <a:endParaRPr lang="en-US" dirty="0"/>
+          </a:p>
+        </p:txBody>
+      </p:sp>
+      <p:sp>
+        <p:nvSpPr>
+          <p:cNvPr id="4" name="Footer Placeholder 3"/>
+          <p:cNvSpPr>
+            <a:spLocks noGrp="1"/>
+          </p:cNvSpPr>
+          <p:nvPr>
+            <p:ph type="ftr" sz="quarter" idx="14"/>
+          </p:nvPr>
+        </p:nvSpPr>
+        <p:spPr/>
+        <p:txBody>
+          <a:bodyPr/>
+          <a:lstStyle/>
+          <a:p>
+            <a:pPr defTabSz="914099" eaLnBrk="0" hangingPunct="0"/>
+            <a:r>
+              <a:rPr lang="en-US" sz="400">
+                <a:gradFill>
+                  <a:gsLst>
+                    <a:gs pos="0">
+                      <a:prstClr val="black"/>
+                    </a:gs>
+                    <a:gs pos="100000">
+                      <a:prstClr val="black"/>
+                    </a:gs>
+                  </a:gsLst>
+                  <a:lin ang="5400000" scaled="0"/>
+                </a:gradFill>
+                <a:latin typeface="Segoe UI" pitchFamily="34" charset="0"/>
+                <a:ea typeface="Segoe UI" pitchFamily="34" charset="0"/>
+                <a:cs typeface="Segoe UI" pitchFamily="34" charset="0"/>
+              </a:rPr>
+              <a:t>© Microsoft Corporation. All rights reserved. MICROSOFT MAKES NO WARRANTIES, EXPRESS, IMPLIED OR STATUTORY, AS TO THE INFORMATION IN THIS PRESENTATION.</a:t>
+            </a:r>
+            <a:endParaRPr lang="en-US" sz="400" dirty="0">
+              <a:gradFill>
+                <a:gsLst>
+                  <a:gs pos="0">
+                    <a:prstClr val="black"/>
+                  </a:gs>
+                  <a:gs pos="100000">
+                    <a:prstClr val="black"/>
+                  </a:gs>
+                </a:gsLst>
+                <a:lin ang="5400000" scaled="0"/>
+              </a:gradFill>
+              <a:latin typeface="Segoe UI" pitchFamily="34" charset="0"/>
+              <a:ea typeface="Segoe UI" pitchFamily="34" charset="0"/>
+              <a:cs typeface="Segoe UI" pitchFamily="34" charset="0"/>
+            </a:endParaRPr>
+          </a:p>
+        </p:txBody>
+      </p:sp>
+      <p:sp>
+        <p:nvSpPr>
+          <p:cNvPr id="5" name="Header Placeholder 4"/>
+          <p:cNvSpPr>
+            <a:spLocks noGrp="1"/>
+          </p:cNvSpPr>
+          <p:nvPr>
+            <p:ph type="hdr" sz="quarter" idx="15"/>
+          </p:nvPr>
+        </p:nvSpPr>
+        <p:spPr/>
+        <p:txBody>
+          <a:bodyPr/>
+          <a:lstStyle/>
+          <a:p>
+            <a:endParaRPr lang="en-US" dirty="0"/>
+          </a:p>
+        </p:txBody>
+      </p:sp>
+    </p:spTree>
+    <p:extLst>
+      <p:ext uri="{BB962C8B-B14F-4D97-AF65-F5344CB8AC3E}">
+        <p14:creationId xmlns:p14="http://schemas.microsoft.com/office/powerpoint/2010/main" val="4230932213"/>
+      </p:ext>
+    </p:extLst>
+  </p:cSld>
+  <p:clrMapOvr>
+    <a:masterClrMapping/>
+  </p:clrMapOvr>
+</p:notes>
+</file>
+
+<file path=ppt/notesSlides/notesSlide42.xml><?xml version="1.0" encoding="utf-8"?>
+<p:notes xmlns:a="http://schemas.openxmlformats.org/drawingml/2006/main" xmlns:r="http://schemas.openxmlformats.org/officeDocument/2006/relationships" xmlns:p="http://schemas.openxmlformats.org/presentationml/2006/main">
+  <p:cSld>
+    <p:spTree>
+      <p:nvGrpSpPr>
+        <p:cNvPr id="1" name=""/>
+        <p:cNvGrpSpPr/>
+        <p:nvPr/>
+      </p:nvGrpSpPr>
+      <p:grpSpPr>
+        <a:xfrm>
+          <a:off x="0" y="0"/>
+          <a:ext cx="0" cy="0"/>
+          <a:chOff x="0" y="0"/>
+          <a:chExt cx="0" cy="0"/>
+        </a:xfrm>
+      </p:grpSpPr>
+      <p:sp>
+        <p:nvSpPr>
+          <p:cNvPr id="2" name="Slide Image Placeholder 1"/>
+          <p:cNvSpPr>
+            <a:spLocks noGrp="1" noRot="1" noChangeAspect="1"/>
+          </p:cNvSpPr>
+          <p:nvPr>
+            <p:ph type="sldImg"/>
+          </p:nvPr>
+        </p:nvSpPr>
+        <p:spPr>
+          <a:xfrm>
+            <a:off x="381000" y="685800"/>
+            <a:ext cx="6096000" cy="3429000"/>
+          </a:xfrm>
+        </p:spPr>
+      </p:sp>
+      <p:sp>
+        <p:nvSpPr>
+          <p:cNvPr id="3" name="Notes Placeholder 2"/>
+          <p:cNvSpPr>
+            <a:spLocks noGrp="1"/>
+          </p:cNvSpPr>
+          <p:nvPr>
+            <p:ph type="body" idx="1"/>
+          </p:nvPr>
+        </p:nvSpPr>
+        <p:spPr/>
+        <p:txBody>
+          <a:bodyPr>
+            <a:normAutofit/>
+          </a:bodyPr>
+          <a:lstStyle/>
+          <a:p>
+            <a:endParaRPr lang="en-US" dirty="0"/>
+          </a:p>
+        </p:txBody>
+      </p:sp>
+      <p:sp>
+        <p:nvSpPr>
+          <p:cNvPr id="4" name="Header Placeholder 3"/>
+          <p:cNvSpPr>
+            <a:spLocks noGrp="1"/>
+          </p:cNvSpPr>
+          <p:nvPr>
+            <p:ph type="hdr" sz="quarter" idx="10"/>
+          </p:nvPr>
+        </p:nvSpPr>
+        <p:spPr>
+          <a:xfrm>
+            <a:off x="0" y="0"/>
+            <a:ext cx="2971800" cy="457200"/>
+          </a:xfrm>
+          <a:prstGeom prst="rect">
+            <a:avLst/>
+          </a:prstGeom>
+        </p:spPr>
+        <p:txBody>
+          <a:bodyPr/>
+          <a:lstStyle/>
+          <a:p>
+            <a:endParaRPr lang="en-US" dirty="0">
+              <a:solidFill>
+                <a:prstClr val="black"/>
+              </a:solidFill>
+            </a:endParaRPr>
+          </a:p>
+        </p:txBody>
+      </p:sp>
+      <p:sp>
+        <p:nvSpPr>
+          <p:cNvPr id="5" name="Date Placeholder 4"/>
+          <p:cNvSpPr>
+            <a:spLocks noGrp="1"/>
+          </p:cNvSpPr>
+          <p:nvPr>
+            <p:ph type="dt" idx="11"/>
+          </p:nvPr>
+        </p:nvSpPr>
+        <p:spPr/>
+        <p:txBody>
+          <a:bodyPr/>
+          <a:lstStyle/>
+          <a:p>
+            <a:fld id="{ED16B1EF-9462-406A-AECC-672A87EF37F1}" type="datetime8">
+              <a:rPr lang="en-US" smtClean="0">
+                <a:solidFill>
+                  <a:prstClr val="black"/>
+                </a:solidFill>
+              </a:rPr>
+              <a:t>1/27/2019 4:51 PM</a:t>
+            </a:fld>
+            <a:endParaRPr lang="en-US" dirty="0">
+              <a:solidFill>
+                <a:prstClr val="black"/>
+              </a:solidFill>
+            </a:endParaRPr>
+          </a:p>
+        </p:txBody>
+      </p:sp>
+      <p:sp>
+        <p:nvSpPr>
+          <p:cNvPr id="7" name="Slide Number Placeholder 6"/>
+          <p:cNvSpPr>
+            <a:spLocks noGrp="1"/>
+          </p:cNvSpPr>
+          <p:nvPr>
+            <p:ph type="sldNum" sz="quarter" idx="13"/>
+          </p:nvPr>
+        </p:nvSpPr>
+        <p:spPr/>
+        <p:txBody>
+          <a:bodyPr/>
+          <a:lstStyle/>
+          <a:p>
+            <a:fld id="{EC87E0CF-87F6-4B58-B8B8-DCAB2DAAF3CA}" type="slidenum">
+              <a:rPr lang="en-US" smtClean="0">
+                <a:solidFill>
+                  <a:prstClr val="black"/>
+                </a:solidFill>
+              </a:rPr>
+              <a:pPr/>
+              <a:t>42</a:t>
+            </a:fld>
+            <a:endParaRPr lang="en-US" dirty="0">
+              <a:solidFill>
+                <a:prstClr val="black"/>
+              </a:solidFill>
+            </a:endParaRPr>
+          </a:p>
+        </p:txBody>
+      </p:sp>
+      <p:sp>
+        <p:nvSpPr>
+          <p:cNvPr id="6" name="Footer Placeholder 5"/>
+          <p:cNvSpPr>
+            <a:spLocks noGrp="1"/>
+          </p:cNvSpPr>
+          <p:nvPr>
+            <p:ph type="ftr" sz="quarter" idx="14"/>
+          </p:nvPr>
+        </p:nvSpPr>
+        <p:spPr/>
+        <p:txBody>
+          <a:bodyPr/>
+          <a:lstStyle/>
+          <a:p>
+            <a:pPr defTabSz="914099" eaLnBrk="0" hangingPunct="0"/>
+            <a:r>
+              <a:rPr lang="en-US" sz="400">
+                <a:gradFill>
+                  <a:gsLst>
+                    <a:gs pos="0">
+                      <a:prstClr val="black"/>
+                    </a:gs>
+                    <a:gs pos="100000">
+                      <a:prstClr val="black"/>
+                    </a:gs>
+                  </a:gsLst>
+                  <a:lin ang="5400000" scaled="0"/>
+                </a:gradFill>
+                <a:latin typeface="Segoe UI" pitchFamily="34" charset="0"/>
+                <a:ea typeface="Segoe UI" pitchFamily="34" charset="0"/>
+                <a:cs typeface="Segoe UI" pitchFamily="34" charset="0"/>
+              </a:rPr>
+              <a:t>© Microsoft Corporation. All rights reserved. MICROSOFT MAKES NO WARRANTIES, EXPRESS, IMPLIED OR STATUTORY, AS TO THE INFORMATION IN THIS PRESENTATION.</a:t>
+            </a:r>
+            <a:endParaRPr lang="en-US" sz="400" dirty="0">
+              <a:gradFill>
+                <a:gsLst>
+                  <a:gs pos="0">
+                    <a:prstClr val="black"/>
+                  </a:gs>
+                  <a:gs pos="100000">
+                    <a:prstClr val="black"/>
+                  </a:gs>
+                </a:gsLst>
+                <a:lin ang="5400000" scaled="0"/>
+              </a:gradFill>
+              <a:latin typeface="Segoe UI" pitchFamily="34" charset="0"/>
+              <a:ea typeface="Segoe UI" pitchFamily="34" charset="0"/>
+              <a:cs typeface="Segoe UI" pitchFamily="34" charset="0"/>
+            </a:endParaRPr>
+          </a:p>
+        </p:txBody>
+      </p:sp>
+    </p:spTree>
+    <p:extLst>
+      <p:ext uri="{BB962C8B-B14F-4D97-AF65-F5344CB8AC3E}">
+        <p14:creationId xmlns:p14="http://schemas.microsoft.com/office/powerpoint/2010/main" val="2000989474"/>
       </p:ext>
     </p:extLst>
   </p:cSld>
@@ -19779,6 +20372,181 @@
                 </a:solidFill>
                 <a:cs typeface="Segoe UI" panose="020B0502040204020203" pitchFamily="34" charset="0"/>
               </a:rPr>
+              <a:t>Customer objections</a:t>
+            </a:r>
+            <a:br>
+              <a:rPr lang="en-US" dirty="0">
+                <a:solidFill>
+                  <a:schemeClr val="tx1"/>
+                </a:solidFill>
+                <a:latin typeface="Segoe UI" panose="020B0502040204020203" pitchFamily="34" charset="0"/>
+              </a:rPr>
+            </a:br>
+            <a:endParaRPr lang="en-US" sz="3236" dirty="0">
+              <a:solidFill>
+                <a:schemeClr val="tx1"/>
+              </a:solidFill>
+              <a:latin typeface="Segoe UI" panose="020B0502040204020203" pitchFamily="34" charset="0"/>
+            </a:endParaRPr>
+          </a:p>
+        </p:txBody>
+      </p:sp>
+      <p:sp>
+        <p:nvSpPr>
+          <p:cNvPr id="6" name="Content Placeholder 2">
+            <a:extLst>
+              <a:ext uri="{FF2B5EF4-FFF2-40B4-BE49-F238E27FC236}">
+                <a16:creationId xmlns:a16="http://schemas.microsoft.com/office/drawing/2014/main" id="{F230660E-D2B6-47B1-B27F-B1C52FFB506F}"/>
+              </a:ext>
+            </a:extLst>
+          </p:cNvPr>
+          <p:cNvSpPr>
+            <a:spLocks noGrp="1"/>
+          </p:cNvSpPr>
+          <p:nvPr>
+            <p:ph type="body" sz="quarter" idx="10"/>
+          </p:nvPr>
+        </p:nvSpPr>
+        <p:spPr>
+          <a:xfrm>
+            <a:off x="269240" y="1579748"/>
+            <a:ext cx="9159649" cy="5069529"/>
+          </a:xfrm>
+        </p:spPr>
+        <p:txBody>
+          <a:bodyPr>
+            <a:normAutofit/>
+          </a:bodyPr>
+          <a:lstStyle/>
+          <a:p>
+            <a:pPr lvl="1"/>
+            <a:r>
+              <a:rPr lang="en-US" sz="3600" dirty="0">
+                <a:solidFill>
+                  <a:schemeClr val="tx1"/>
+                </a:solidFill>
+                <a:latin typeface="Segoe UI Semilight" panose="020B0402040204020203" pitchFamily="34" charset="0"/>
+                <a:cs typeface="Segoe UI Semilight" panose="020B0402040204020203" pitchFamily="34" charset="0"/>
+              </a:rPr>
+              <a:t>We are concerned about how much it costs to use Cosmos DB for our solution. What is the real value in using this service?</a:t>
+            </a:r>
+          </a:p>
+          <a:p>
+            <a:pPr marL="0" indent="0">
+              <a:spcAft>
+                <a:spcPts val="882"/>
+              </a:spcAft>
+              <a:buNone/>
+            </a:pPr>
+            <a:endParaRPr lang="en-US" sz="1800" dirty="0">
+              <a:solidFill>
+                <a:schemeClr val="tx1"/>
+              </a:solidFill>
+            </a:endParaRPr>
+          </a:p>
+        </p:txBody>
+      </p:sp>
+      <p:pic>
+        <p:nvPicPr>
+          <p:cNvPr id="7" name="Graphic 6" descr="Question icon" title="Question icon">
+            <a:extLst>
+              <a:ext uri="{FF2B5EF4-FFF2-40B4-BE49-F238E27FC236}">
+                <a16:creationId xmlns:a16="http://schemas.microsoft.com/office/drawing/2014/main" id="{7B1DE207-BA33-41B2-8AE1-49942EF5B175}"/>
+              </a:ext>
+            </a:extLst>
+          </p:cNvPr>
+          <p:cNvPicPr>
+            <a:picLocks noChangeAspect="1"/>
+          </p:cNvPicPr>
+          <p:nvPr/>
+        </p:nvPicPr>
+        <p:blipFill>
+          <a:blip r:embed="rId3">
+            <a:extLst>
+              <a:ext uri="{28A0092B-C50C-407E-A947-70E740481C1C}">
+                <a14:useLocalDpi xmlns:a14="http://schemas.microsoft.com/office/drawing/2010/main" val="0"/>
+              </a:ext>
+              <a:ext uri="{96DAC541-7B7A-43D3-8B79-37D633B846F1}">
+                <asvg:svgBlip xmlns:asvg="http://schemas.microsoft.com/office/drawing/2016/SVG/main" r:embed="rId4"/>
+              </a:ext>
+            </a:extLst>
+          </a:blip>
+          <a:stretch>
+            <a:fillRect/>
+          </a:stretch>
+        </p:blipFill>
+        <p:spPr>
+          <a:xfrm>
+            <a:off x="9535338" y="1258100"/>
+            <a:ext cx="2169751" cy="2169751"/>
+          </a:xfrm>
+          <a:prstGeom prst="rect">
+            <a:avLst/>
+          </a:prstGeom>
+        </p:spPr>
+      </p:pic>
+    </p:spTree>
+    <p:extLst>
+      <p:ext uri="{BB962C8B-B14F-4D97-AF65-F5344CB8AC3E}">
+        <p14:creationId xmlns:p14="http://schemas.microsoft.com/office/powerpoint/2010/main" val="519981978"/>
+      </p:ext>
+    </p:extLst>
+  </p:cSld>
+  <p:clrMapOvr>
+    <a:masterClrMapping/>
+  </p:clrMapOvr>
+  <mc:AlternateContent xmlns:mc="http://schemas.openxmlformats.org/markup-compatibility/2006" xmlns:p14="http://schemas.microsoft.com/office/powerpoint/2010/main">
+    <mc:Choice Requires="p14">
+      <p:transition p14:dur="0"/>
+    </mc:Choice>
+    <mc:Fallback xmlns="">
+      <p:transition/>
+    </mc:Fallback>
+  </mc:AlternateContent>
+</p:sld>
+</file>
+
+<file path=ppt/slides/slide11.xml><?xml version="1.0" encoding="utf-8"?>
+<p:sld xmlns:a="http://schemas.openxmlformats.org/drawingml/2006/main" xmlns:r="http://schemas.openxmlformats.org/officeDocument/2006/relationships" xmlns:p="http://schemas.openxmlformats.org/presentationml/2006/main">
+  <p:cSld>
+    <p:spTree>
+      <p:nvGrpSpPr>
+        <p:cNvPr id="1" name=""/>
+        <p:cNvGrpSpPr/>
+        <p:nvPr/>
+      </p:nvGrpSpPr>
+      <p:grpSpPr>
+        <a:xfrm>
+          <a:off x="0" y="0"/>
+          <a:ext cx="0" cy="0"/>
+          <a:chOff x="0" y="0"/>
+          <a:chExt cx="0" cy="0"/>
+        </a:xfrm>
+      </p:grpSpPr>
+      <p:sp>
+        <p:nvSpPr>
+          <p:cNvPr id="2" name="Title 1"/>
+          <p:cNvSpPr>
+            <a:spLocks noGrp="1"/>
+          </p:cNvSpPr>
+          <p:nvPr>
+            <p:ph type="title"/>
+          </p:nvPr>
+        </p:nvSpPr>
+        <p:spPr/>
+        <p:txBody>
+          <a:bodyPr>
+            <a:normAutofit fontScale="90000"/>
+          </a:bodyPr>
+          <a:lstStyle/>
+          <a:p>
+            <a:r>
+              <a:rPr lang="en-US" sz="4900" dirty="0">
+                <a:solidFill>
+                  <a:schemeClr val="tx1"/>
+                </a:solidFill>
+                <a:cs typeface="Segoe UI" panose="020B0502040204020203" pitchFamily="34" charset="0"/>
+              </a:rPr>
               <a:t>Common scenarios</a:t>
             </a:r>
             <a:br>
@@ -19855,7 +20623,7 @@
 </p:sld>
 </file>
 
-<file path=ppt/slides/slide11.xml><?xml version="1.0" encoding="utf-8"?>
+<file path=ppt/slides/slide12.xml><?xml version="1.0" encoding="utf-8"?>
 <p:sld xmlns:a="http://schemas.openxmlformats.org/drawingml/2006/main" xmlns:r="http://schemas.openxmlformats.org/officeDocument/2006/relationships" xmlns:p="http://schemas.openxmlformats.org/presentationml/2006/main">
   <p:cSld>
     <p:spTree>
@@ -20405,310 +21173,6 @@
 </p:sld>
 </file>
 
-<file path=ppt/slides/slide12.xml><?xml version="1.0" encoding="utf-8"?>
-<p:sld xmlns:a="http://schemas.openxmlformats.org/drawingml/2006/main" xmlns:r="http://schemas.openxmlformats.org/officeDocument/2006/relationships" xmlns:p="http://schemas.openxmlformats.org/presentationml/2006/main">
-  <p:cSld>
-    <p:spTree>
-      <p:nvGrpSpPr>
-        <p:cNvPr id="1" name=""/>
-        <p:cNvGrpSpPr/>
-        <p:nvPr/>
-      </p:nvGrpSpPr>
-      <p:grpSpPr>
-        <a:xfrm>
-          <a:off x="0" y="0"/>
-          <a:ext cx="0" cy="0"/>
-          <a:chOff x="0" y="0"/>
-          <a:chExt cx="0" cy="0"/>
-        </a:xfrm>
-      </p:grpSpPr>
-      <p:sp>
-        <p:nvSpPr>
-          <p:cNvPr id="2" name="Title 1"/>
-          <p:cNvSpPr>
-            <a:spLocks noGrp="1"/>
-          </p:cNvSpPr>
-          <p:nvPr>
-            <p:ph type="title"/>
-          </p:nvPr>
-        </p:nvSpPr>
-        <p:spPr/>
-        <p:txBody>
-          <a:bodyPr>
-            <a:normAutofit/>
-          </a:bodyPr>
-          <a:lstStyle/>
-          <a:p>
-            <a:r>
-              <a:rPr lang="en-US" sz="4400" dirty="0">
-                <a:solidFill>
-                  <a:schemeClr val="tx1"/>
-                </a:solidFill>
-                <a:latin typeface="Segoe UI Light" panose="020B0502040204020203" pitchFamily="34" charset="0"/>
-                <a:cs typeface="Segoe UI Light" panose="020B0502040204020203" pitchFamily="34" charset="0"/>
-              </a:rPr>
-              <a:t>Step 3: Present the solution</a:t>
-            </a:r>
-          </a:p>
-        </p:txBody>
-      </p:sp>
-      <p:sp>
-        <p:nvSpPr>
-          <p:cNvPr id="9" name="TextBox 8">
-            <a:extLst>
-              <a:ext uri="{FF2B5EF4-FFF2-40B4-BE49-F238E27FC236}">
-                <a16:creationId xmlns:a16="http://schemas.microsoft.com/office/drawing/2014/main" id="{0F86F9F9-39B5-4CE6-AF48-9ADAE40EA728}"/>
-              </a:ext>
-            </a:extLst>
-          </p:cNvPr>
-          <p:cNvSpPr txBox="1"/>
-          <p:nvPr/>
-        </p:nvSpPr>
-        <p:spPr>
-          <a:xfrm>
-            <a:off x="340285" y="1062166"/>
-            <a:ext cx="10229103" cy="5838521"/>
-          </a:xfrm>
-          <a:prstGeom prst="rect">
-            <a:avLst/>
-          </a:prstGeom>
-          <a:noFill/>
-        </p:spPr>
-        <p:txBody>
-          <a:bodyPr wrap="square" lIns="182880" tIns="146304" rIns="182880" bIns="146304" rtlCol="0">
-            <a:spAutoFit/>
-          </a:bodyPr>
-          <a:lstStyle/>
-          <a:p>
-            <a:pPr>
-              <a:lnSpc>
-                <a:spcPct val="90000"/>
-              </a:lnSpc>
-              <a:spcAft>
-                <a:spcPts val="600"/>
-              </a:spcAft>
-            </a:pPr>
-            <a:r>
-              <a:rPr lang="en-US" sz="3600" dirty="0">
-                <a:latin typeface="+mj-lt"/>
-              </a:rPr>
-              <a:t>Outcome</a:t>
-            </a:r>
-          </a:p>
-          <a:p>
-            <a:pPr>
-              <a:lnSpc>
-                <a:spcPct val="90000"/>
-              </a:lnSpc>
-              <a:spcAft>
-                <a:spcPts val="600"/>
-              </a:spcAft>
-            </a:pPr>
-            <a:r>
-              <a:rPr lang="en-US" sz="2400" dirty="0">
-                <a:latin typeface="Segoe UI Semilight" panose="020B0402040204020203" pitchFamily="34" charset="0"/>
-                <a:cs typeface="Segoe UI Semilight" panose="020B0402040204020203" pitchFamily="34" charset="0"/>
-              </a:rPr>
-              <a:t>Present a solution to the target customer in a 15-minute chalk-talk format </a:t>
-            </a:r>
-            <a:endParaRPr lang="en-US" sz="3600" dirty="0">
-              <a:latin typeface="+mj-lt"/>
-            </a:endParaRPr>
-          </a:p>
-          <a:p>
-            <a:pPr>
-              <a:lnSpc>
-                <a:spcPct val="90000"/>
-              </a:lnSpc>
-              <a:spcAft>
-                <a:spcPts val="600"/>
-              </a:spcAft>
-            </a:pPr>
-            <a:endParaRPr lang="en-US" sz="2400" dirty="0">
-              <a:latin typeface="+mj-lt"/>
-            </a:endParaRPr>
-          </a:p>
-          <a:p>
-            <a:pPr>
-              <a:lnSpc>
-                <a:spcPct val="90000"/>
-              </a:lnSpc>
-              <a:spcAft>
-                <a:spcPts val="600"/>
-              </a:spcAft>
-            </a:pPr>
-            <a:r>
-              <a:rPr lang="en-US" sz="3600" dirty="0">
-                <a:latin typeface="+mj-lt"/>
-              </a:rPr>
-              <a:t>Timeframe</a:t>
-            </a:r>
-          </a:p>
-          <a:p>
-            <a:pPr>
-              <a:lnSpc>
-                <a:spcPct val="90000"/>
-              </a:lnSpc>
-              <a:spcAft>
-                <a:spcPts val="600"/>
-              </a:spcAft>
-            </a:pPr>
-            <a:r>
-              <a:rPr lang="en-US" sz="2400" dirty="0">
-                <a:latin typeface="Segoe UI Semilight" panose="020B0402040204020203" pitchFamily="34" charset="0"/>
-                <a:cs typeface="Segoe UI Semilight" panose="020B0402040204020203" pitchFamily="34" charset="0"/>
-              </a:rPr>
-              <a:t>30 minutes (15 minutes for each team to present and receive feedback) </a:t>
-            </a:r>
-          </a:p>
-          <a:p>
-            <a:pPr>
-              <a:lnSpc>
-                <a:spcPct val="90000"/>
-              </a:lnSpc>
-              <a:spcAft>
-                <a:spcPts val="600"/>
-              </a:spcAft>
-            </a:pPr>
-            <a:endParaRPr lang="en-US" sz="2400" dirty="0">
-              <a:latin typeface="+mj-lt"/>
-            </a:endParaRPr>
-          </a:p>
-          <a:p>
-            <a:pPr>
-              <a:lnSpc>
-                <a:spcPct val="90000"/>
-              </a:lnSpc>
-              <a:spcAft>
-                <a:spcPts val="600"/>
-              </a:spcAft>
-            </a:pPr>
-            <a:r>
-              <a:rPr lang="en-US" sz="3600" dirty="0">
-                <a:latin typeface="+mj-lt"/>
-              </a:rPr>
-              <a:t>Directions</a:t>
-            </a:r>
-          </a:p>
-          <a:p>
-            <a:pPr marL="342900" lvl="0" indent="-342900">
-              <a:buFont typeface="Arial" panose="020B0604020202020204" pitchFamily="34" charset="0"/>
-              <a:buChar char="•"/>
-            </a:pPr>
-            <a:r>
-              <a:rPr lang="en-US" sz="2000" dirty="0">
-                <a:latin typeface="Segoe UI Semilight" panose="020B0402040204020203" pitchFamily="34" charset="0"/>
-                <a:cs typeface="Segoe UI Semilight" panose="020B0402040204020203" pitchFamily="34" charset="0"/>
-              </a:rPr>
-              <a:t>Pair with another table</a:t>
-            </a:r>
-          </a:p>
-          <a:p>
-            <a:pPr marL="342900" lvl="0" indent="-342900">
-              <a:buFont typeface="Arial" panose="020B0604020202020204" pitchFamily="34" charset="0"/>
-              <a:buChar char="•"/>
-            </a:pPr>
-            <a:r>
-              <a:rPr lang="en-US" sz="2000" dirty="0">
-                <a:latin typeface="Segoe UI Semilight" panose="020B0402040204020203" pitchFamily="34" charset="0"/>
-                <a:cs typeface="Segoe UI Semilight" panose="020B0402040204020203" pitchFamily="34" charset="0"/>
-              </a:rPr>
-              <a:t>One table is the Microsoft team and the other table is the customer</a:t>
-            </a:r>
-          </a:p>
-          <a:p>
-            <a:pPr marL="342900" lvl="0" indent="-342900">
-              <a:buFont typeface="Arial" panose="020B0604020202020204" pitchFamily="34" charset="0"/>
-              <a:buChar char="•"/>
-            </a:pPr>
-            <a:r>
-              <a:rPr lang="en-US" sz="2000" dirty="0">
-                <a:latin typeface="Segoe UI Semilight" panose="020B0402040204020203" pitchFamily="34" charset="0"/>
-                <a:cs typeface="Segoe UI Semilight" panose="020B0402040204020203" pitchFamily="34" charset="0"/>
-              </a:rPr>
-              <a:t>The Microsoft team presents their proposed solution to the customer</a:t>
-            </a:r>
-          </a:p>
-          <a:p>
-            <a:pPr marL="342900" lvl="0" indent="-342900">
-              <a:buFont typeface="Arial" panose="020B0604020202020204" pitchFamily="34" charset="0"/>
-              <a:buChar char="•"/>
-            </a:pPr>
-            <a:r>
-              <a:rPr lang="en-US" sz="2000" dirty="0">
-                <a:latin typeface="Segoe UI Semilight" panose="020B0402040204020203" pitchFamily="34" charset="0"/>
-                <a:cs typeface="Segoe UI Semilight" panose="020B0402040204020203" pitchFamily="34" charset="0"/>
-              </a:rPr>
-              <a:t>The customer asks one of the objections from the list of objections in the case study</a:t>
-            </a:r>
-          </a:p>
-          <a:p>
-            <a:pPr marL="342900" lvl="0" indent="-342900">
-              <a:buFont typeface="Arial" panose="020B0604020202020204" pitchFamily="34" charset="0"/>
-              <a:buChar char="•"/>
-            </a:pPr>
-            <a:r>
-              <a:rPr lang="en-US" sz="2000" dirty="0">
-                <a:latin typeface="Segoe UI Semilight" panose="020B0402040204020203" pitchFamily="34" charset="0"/>
-                <a:cs typeface="Segoe UI Semilight" panose="020B0402040204020203" pitchFamily="34" charset="0"/>
-              </a:rPr>
-              <a:t>The Microsoft team responds to the objection</a:t>
-            </a:r>
-          </a:p>
-          <a:p>
-            <a:pPr marL="342900" lvl="0" indent="-342900">
-              <a:buFont typeface="Arial" panose="020B0604020202020204" pitchFamily="34" charset="0"/>
-              <a:buChar char="•"/>
-            </a:pPr>
-            <a:r>
-              <a:rPr lang="en-US" sz="2000" dirty="0">
-                <a:latin typeface="Segoe UI Semilight" panose="020B0402040204020203" pitchFamily="34" charset="0"/>
-                <a:cs typeface="Segoe UI Semilight" panose="020B0402040204020203" pitchFamily="34" charset="0"/>
-              </a:rPr>
-              <a:t>The customer team gives feedback to the Microsoft team</a:t>
-            </a:r>
-            <a:endParaRPr lang="en-US" sz="2000" strike="sngStrike" dirty="0">
-              <a:latin typeface="Segoe UI Semilight" panose="020B0402040204020203" pitchFamily="34" charset="0"/>
-              <a:cs typeface="Segoe UI Semilight" panose="020B0402040204020203" pitchFamily="34" charset="0"/>
-            </a:endParaRPr>
-          </a:p>
-          <a:p>
-            <a:pPr>
-              <a:lnSpc>
-                <a:spcPct val="90000"/>
-              </a:lnSpc>
-              <a:spcAft>
-                <a:spcPts val="600"/>
-              </a:spcAft>
-            </a:pPr>
-            <a:endParaRPr lang="en-US" sz="2400" dirty="0">
-              <a:latin typeface="Segoe UI Semilight" panose="020B0402040204020203" pitchFamily="34" charset="0"/>
-              <a:cs typeface="Segoe UI Semilight" panose="020B0402040204020203" pitchFamily="34" charset="0"/>
-            </a:endParaRPr>
-          </a:p>
-        </p:txBody>
-      </p:sp>
-    </p:spTree>
-    <p:extLst>
-      <p:ext uri="{BB962C8B-B14F-4D97-AF65-F5344CB8AC3E}">
-        <p14:creationId xmlns:p14="http://schemas.microsoft.com/office/powerpoint/2010/main" val="3717261927"/>
-      </p:ext>
-    </p:extLst>
-  </p:cSld>
-  <p:clrMapOvr>
-    <a:masterClrMapping/>
-  </p:clrMapOvr>
-  <mc:AlternateContent xmlns:mc="http://schemas.openxmlformats.org/markup-compatibility/2006" xmlns:p14="http://schemas.microsoft.com/office/powerpoint/2010/main">
-    <mc:Choice Requires="p14">
-      <p:transition p14:dur="0"/>
-    </mc:Choice>
-    <mc:Fallback xmlns="">
-      <p:transition/>
-    </mc:Fallback>
-  </mc:AlternateContent>
-</p:sld>
-</file>
-
 <file path=ppt/slides/slide13.xml><?xml version="1.0" encoding="utf-8"?>
 <p:sld xmlns:a="http://schemas.openxmlformats.org/drawingml/2006/main" xmlns:r="http://schemas.openxmlformats.org/officeDocument/2006/relationships" xmlns:p="http://schemas.openxmlformats.org/presentationml/2006/main">
   <p:cSld>
@@ -20751,6 +21215,310 @@
                 <a:latin typeface="Segoe UI Light" panose="020B0502040204020203" pitchFamily="34" charset="0"/>
                 <a:cs typeface="Segoe UI Light" panose="020B0502040204020203" pitchFamily="34" charset="0"/>
               </a:rPr>
+              <a:t>Step 3: Present the solution</a:t>
+            </a:r>
+          </a:p>
+        </p:txBody>
+      </p:sp>
+      <p:sp>
+        <p:nvSpPr>
+          <p:cNvPr id="9" name="TextBox 8">
+            <a:extLst>
+              <a:ext uri="{FF2B5EF4-FFF2-40B4-BE49-F238E27FC236}">
+                <a16:creationId xmlns:a16="http://schemas.microsoft.com/office/drawing/2014/main" id="{0F86F9F9-39B5-4CE6-AF48-9ADAE40EA728}"/>
+              </a:ext>
+            </a:extLst>
+          </p:cNvPr>
+          <p:cNvSpPr txBox="1"/>
+          <p:nvPr/>
+        </p:nvSpPr>
+        <p:spPr>
+          <a:xfrm>
+            <a:off x="340285" y="1062166"/>
+            <a:ext cx="10229103" cy="5838521"/>
+          </a:xfrm>
+          <a:prstGeom prst="rect">
+            <a:avLst/>
+          </a:prstGeom>
+          <a:noFill/>
+        </p:spPr>
+        <p:txBody>
+          <a:bodyPr wrap="square" lIns="182880" tIns="146304" rIns="182880" bIns="146304" rtlCol="0">
+            <a:spAutoFit/>
+          </a:bodyPr>
+          <a:lstStyle/>
+          <a:p>
+            <a:pPr>
+              <a:lnSpc>
+                <a:spcPct val="90000"/>
+              </a:lnSpc>
+              <a:spcAft>
+                <a:spcPts val="600"/>
+              </a:spcAft>
+            </a:pPr>
+            <a:r>
+              <a:rPr lang="en-US" sz="3600" dirty="0">
+                <a:latin typeface="+mj-lt"/>
+              </a:rPr>
+              <a:t>Outcome</a:t>
+            </a:r>
+          </a:p>
+          <a:p>
+            <a:pPr>
+              <a:lnSpc>
+                <a:spcPct val="90000"/>
+              </a:lnSpc>
+              <a:spcAft>
+                <a:spcPts val="600"/>
+              </a:spcAft>
+            </a:pPr>
+            <a:r>
+              <a:rPr lang="en-US" sz="2400" dirty="0">
+                <a:latin typeface="Segoe UI Semilight" panose="020B0402040204020203" pitchFamily="34" charset="0"/>
+                <a:cs typeface="Segoe UI Semilight" panose="020B0402040204020203" pitchFamily="34" charset="0"/>
+              </a:rPr>
+              <a:t>Present a solution to the target customer in a 15-minute chalk-talk format </a:t>
+            </a:r>
+            <a:endParaRPr lang="en-US" sz="3600" dirty="0">
+              <a:latin typeface="+mj-lt"/>
+            </a:endParaRPr>
+          </a:p>
+          <a:p>
+            <a:pPr>
+              <a:lnSpc>
+                <a:spcPct val="90000"/>
+              </a:lnSpc>
+              <a:spcAft>
+                <a:spcPts val="600"/>
+              </a:spcAft>
+            </a:pPr>
+            <a:endParaRPr lang="en-US" sz="2400" dirty="0">
+              <a:latin typeface="+mj-lt"/>
+            </a:endParaRPr>
+          </a:p>
+          <a:p>
+            <a:pPr>
+              <a:lnSpc>
+                <a:spcPct val="90000"/>
+              </a:lnSpc>
+              <a:spcAft>
+                <a:spcPts val="600"/>
+              </a:spcAft>
+            </a:pPr>
+            <a:r>
+              <a:rPr lang="en-US" sz="3600" dirty="0">
+                <a:latin typeface="+mj-lt"/>
+              </a:rPr>
+              <a:t>Timeframe</a:t>
+            </a:r>
+          </a:p>
+          <a:p>
+            <a:pPr>
+              <a:lnSpc>
+                <a:spcPct val="90000"/>
+              </a:lnSpc>
+              <a:spcAft>
+                <a:spcPts val="600"/>
+              </a:spcAft>
+            </a:pPr>
+            <a:r>
+              <a:rPr lang="en-US" sz="2400" dirty="0">
+                <a:latin typeface="Segoe UI Semilight" panose="020B0402040204020203" pitchFamily="34" charset="0"/>
+                <a:cs typeface="Segoe UI Semilight" panose="020B0402040204020203" pitchFamily="34" charset="0"/>
+              </a:rPr>
+              <a:t>30 minutes (15 minutes for each team to present and receive feedback) </a:t>
+            </a:r>
+          </a:p>
+          <a:p>
+            <a:pPr>
+              <a:lnSpc>
+                <a:spcPct val="90000"/>
+              </a:lnSpc>
+              <a:spcAft>
+                <a:spcPts val="600"/>
+              </a:spcAft>
+            </a:pPr>
+            <a:endParaRPr lang="en-US" sz="2400" dirty="0">
+              <a:latin typeface="+mj-lt"/>
+            </a:endParaRPr>
+          </a:p>
+          <a:p>
+            <a:pPr>
+              <a:lnSpc>
+                <a:spcPct val="90000"/>
+              </a:lnSpc>
+              <a:spcAft>
+                <a:spcPts val="600"/>
+              </a:spcAft>
+            </a:pPr>
+            <a:r>
+              <a:rPr lang="en-US" sz="3600" dirty="0">
+                <a:latin typeface="+mj-lt"/>
+              </a:rPr>
+              <a:t>Directions</a:t>
+            </a:r>
+          </a:p>
+          <a:p>
+            <a:pPr marL="342900" lvl="0" indent="-342900">
+              <a:buFont typeface="Arial" panose="020B0604020202020204" pitchFamily="34" charset="0"/>
+              <a:buChar char="•"/>
+            </a:pPr>
+            <a:r>
+              <a:rPr lang="en-US" sz="2000" dirty="0">
+                <a:latin typeface="Segoe UI Semilight" panose="020B0402040204020203" pitchFamily="34" charset="0"/>
+                <a:cs typeface="Segoe UI Semilight" panose="020B0402040204020203" pitchFamily="34" charset="0"/>
+              </a:rPr>
+              <a:t>Pair with another table</a:t>
+            </a:r>
+          </a:p>
+          <a:p>
+            <a:pPr marL="342900" lvl="0" indent="-342900">
+              <a:buFont typeface="Arial" panose="020B0604020202020204" pitchFamily="34" charset="0"/>
+              <a:buChar char="•"/>
+            </a:pPr>
+            <a:r>
+              <a:rPr lang="en-US" sz="2000" dirty="0">
+                <a:latin typeface="Segoe UI Semilight" panose="020B0402040204020203" pitchFamily="34" charset="0"/>
+                <a:cs typeface="Segoe UI Semilight" panose="020B0402040204020203" pitchFamily="34" charset="0"/>
+              </a:rPr>
+              <a:t>One table is the Microsoft team and the other table is the customer</a:t>
+            </a:r>
+          </a:p>
+          <a:p>
+            <a:pPr marL="342900" lvl="0" indent="-342900">
+              <a:buFont typeface="Arial" panose="020B0604020202020204" pitchFamily="34" charset="0"/>
+              <a:buChar char="•"/>
+            </a:pPr>
+            <a:r>
+              <a:rPr lang="en-US" sz="2000" dirty="0">
+                <a:latin typeface="Segoe UI Semilight" panose="020B0402040204020203" pitchFamily="34" charset="0"/>
+                <a:cs typeface="Segoe UI Semilight" panose="020B0402040204020203" pitchFamily="34" charset="0"/>
+              </a:rPr>
+              <a:t>The Microsoft team presents their proposed solution to the customer</a:t>
+            </a:r>
+          </a:p>
+          <a:p>
+            <a:pPr marL="342900" lvl="0" indent="-342900">
+              <a:buFont typeface="Arial" panose="020B0604020202020204" pitchFamily="34" charset="0"/>
+              <a:buChar char="•"/>
+            </a:pPr>
+            <a:r>
+              <a:rPr lang="en-US" sz="2000" dirty="0">
+                <a:latin typeface="Segoe UI Semilight" panose="020B0402040204020203" pitchFamily="34" charset="0"/>
+                <a:cs typeface="Segoe UI Semilight" panose="020B0402040204020203" pitchFamily="34" charset="0"/>
+              </a:rPr>
+              <a:t>The customer asks one of the objections from the list of objections in the case study</a:t>
+            </a:r>
+          </a:p>
+          <a:p>
+            <a:pPr marL="342900" lvl="0" indent="-342900">
+              <a:buFont typeface="Arial" panose="020B0604020202020204" pitchFamily="34" charset="0"/>
+              <a:buChar char="•"/>
+            </a:pPr>
+            <a:r>
+              <a:rPr lang="en-US" sz="2000" dirty="0">
+                <a:latin typeface="Segoe UI Semilight" panose="020B0402040204020203" pitchFamily="34" charset="0"/>
+                <a:cs typeface="Segoe UI Semilight" panose="020B0402040204020203" pitchFamily="34" charset="0"/>
+              </a:rPr>
+              <a:t>The Microsoft team responds to the objection</a:t>
+            </a:r>
+          </a:p>
+          <a:p>
+            <a:pPr marL="342900" lvl="0" indent="-342900">
+              <a:buFont typeface="Arial" panose="020B0604020202020204" pitchFamily="34" charset="0"/>
+              <a:buChar char="•"/>
+            </a:pPr>
+            <a:r>
+              <a:rPr lang="en-US" sz="2000" dirty="0">
+                <a:latin typeface="Segoe UI Semilight" panose="020B0402040204020203" pitchFamily="34" charset="0"/>
+                <a:cs typeface="Segoe UI Semilight" panose="020B0402040204020203" pitchFamily="34" charset="0"/>
+              </a:rPr>
+              <a:t>The customer team gives feedback to the Microsoft team</a:t>
+            </a:r>
+            <a:endParaRPr lang="en-US" sz="2000" strike="sngStrike" dirty="0">
+              <a:latin typeface="Segoe UI Semilight" panose="020B0402040204020203" pitchFamily="34" charset="0"/>
+              <a:cs typeface="Segoe UI Semilight" panose="020B0402040204020203" pitchFamily="34" charset="0"/>
+            </a:endParaRPr>
+          </a:p>
+          <a:p>
+            <a:pPr>
+              <a:lnSpc>
+                <a:spcPct val="90000"/>
+              </a:lnSpc>
+              <a:spcAft>
+                <a:spcPts val="600"/>
+              </a:spcAft>
+            </a:pPr>
+            <a:endParaRPr lang="en-US" sz="2400" dirty="0">
+              <a:latin typeface="Segoe UI Semilight" panose="020B0402040204020203" pitchFamily="34" charset="0"/>
+              <a:cs typeface="Segoe UI Semilight" panose="020B0402040204020203" pitchFamily="34" charset="0"/>
+            </a:endParaRPr>
+          </a:p>
+        </p:txBody>
+      </p:sp>
+    </p:spTree>
+    <p:extLst>
+      <p:ext uri="{BB962C8B-B14F-4D97-AF65-F5344CB8AC3E}">
+        <p14:creationId xmlns:p14="http://schemas.microsoft.com/office/powerpoint/2010/main" val="3717261927"/>
+      </p:ext>
+    </p:extLst>
+  </p:cSld>
+  <p:clrMapOvr>
+    <a:masterClrMapping/>
+  </p:clrMapOvr>
+  <mc:AlternateContent xmlns:mc="http://schemas.openxmlformats.org/markup-compatibility/2006" xmlns:p14="http://schemas.microsoft.com/office/powerpoint/2010/main">
+    <mc:Choice Requires="p14">
+      <p:transition p14:dur="0"/>
+    </mc:Choice>
+    <mc:Fallback xmlns="">
+      <p:transition/>
+    </mc:Fallback>
+  </mc:AlternateContent>
+</p:sld>
+</file>
+
+<file path=ppt/slides/slide14.xml><?xml version="1.0" encoding="utf-8"?>
+<p:sld xmlns:a="http://schemas.openxmlformats.org/drawingml/2006/main" xmlns:r="http://schemas.openxmlformats.org/officeDocument/2006/relationships" xmlns:p="http://schemas.openxmlformats.org/presentationml/2006/main">
+  <p:cSld>
+    <p:spTree>
+      <p:nvGrpSpPr>
+        <p:cNvPr id="1" name=""/>
+        <p:cNvGrpSpPr/>
+        <p:nvPr/>
+      </p:nvGrpSpPr>
+      <p:grpSpPr>
+        <a:xfrm>
+          <a:off x="0" y="0"/>
+          <a:ext cx="0" cy="0"/>
+          <a:chOff x="0" y="0"/>
+          <a:chExt cx="0" cy="0"/>
+        </a:xfrm>
+      </p:grpSpPr>
+      <p:sp>
+        <p:nvSpPr>
+          <p:cNvPr id="2" name="Title 1"/>
+          <p:cNvSpPr>
+            <a:spLocks noGrp="1"/>
+          </p:cNvSpPr>
+          <p:nvPr>
+            <p:ph type="title"/>
+          </p:nvPr>
+        </p:nvSpPr>
+        <p:spPr/>
+        <p:txBody>
+          <a:bodyPr>
+            <a:normAutofit/>
+          </a:bodyPr>
+          <a:lstStyle/>
+          <a:p>
+            <a:r>
+              <a:rPr lang="en-US" sz="4400" dirty="0">
+                <a:solidFill>
+                  <a:schemeClr val="tx1"/>
+                </a:solidFill>
+                <a:latin typeface="Segoe UI Light" panose="020B0502040204020203" pitchFamily="34" charset="0"/>
+                <a:cs typeface="Segoe UI Light" panose="020B0502040204020203" pitchFamily="34" charset="0"/>
+              </a:rPr>
               <a:t>Wrap-up</a:t>
             </a:r>
           </a:p>
@@ -20900,7 +21668,7 @@
 </p:sld>
 </file>
 
-<file path=ppt/slides/slide14.xml><?xml version="1.0" encoding="utf-8"?>
+<file path=ppt/slides/slide15.xml><?xml version="1.0" encoding="utf-8"?>
 <p:sld xmlns:a="http://schemas.openxmlformats.org/drawingml/2006/main" xmlns:r="http://schemas.openxmlformats.org/officeDocument/2006/relationships" xmlns:p="http://schemas.openxmlformats.org/presentationml/2006/main">
   <p:cSld>
     <p:bg>
@@ -21121,7 +21889,7 @@
 </p:sld>
 </file>
 
-<file path=ppt/slides/slide15.xml><?xml version="1.0" encoding="utf-8"?>
+<file path=ppt/slides/slide16.xml><?xml version="1.0" encoding="utf-8"?>
 <p:sld xmlns:a="http://schemas.openxmlformats.org/drawingml/2006/main" xmlns:r="http://schemas.openxmlformats.org/officeDocument/2006/relationships" xmlns:p="http://schemas.openxmlformats.org/presentationml/2006/main">
   <p:cSld>
     <p:spTree>
@@ -21196,15 +21964,21 @@
           <p:nvPr/>
         </p:nvPicPr>
         <p:blipFill>
-          <a:blip r:embed="rId3"/>
+          <a:blip r:embed="rId3">
+            <a:extLst>
+              <a:ext uri="{28A0092B-C50C-407E-A947-70E740481C1C}">
+                <a14:useLocalDpi xmlns:a14="http://schemas.microsoft.com/office/drawing/2010/main" val="0"/>
+              </a:ext>
+            </a:extLst>
+          </a:blip>
           <a:stretch>
             <a:fillRect/>
           </a:stretch>
         </p:blipFill>
         <p:spPr>
           <a:xfrm>
-            <a:off x="1066569" y="988942"/>
-            <a:ext cx="10058862" cy="5779606"/>
+            <a:off x="1117495" y="988942"/>
+            <a:ext cx="9957009" cy="5779606"/>
           </a:xfrm>
           <a:prstGeom prst="rect">
             <a:avLst/>
@@ -21232,7 +22006,7 @@
 </p:sld>
 </file>
 
-<file path=ppt/slides/slide16.xml><?xml version="1.0" encoding="utf-8"?>
+<file path=ppt/slides/slide17.xml><?xml version="1.0" encoding="utf-8"?>
 <p:sld xmlns:a="http://schemas.openxmlformats.org/drawingml/2006/main" xmlns:r="http://schemas.openxmlformats.org/officeDocument/2006/relationships" xmlns:p="http://schemas.openxmlformats.org/presentationml/2006/main">
   <p:cSld>
     <p:spTree>
@@ -21547,7 +22321,7 @@
 </p:sld>
 </file>
 
-<file path=ppt/slides/slide17.xml><?xml version="1.0" encoding="utf-8"?>
+<file path=ppt/slides/slide18.xml><?xml version="1.0" encoding="utf-8"?>
 <p:sld xmlns:a="http://schemas.openxmlformats.org/drawingml/2006/main" xmlns:r="http://schemas.openxmlformats.org/officeDocument/2006/relationships" xmlns:p="http://schemas.openxmlformats.org/presentationml/2006/main">
   <p:cSld>
     <p:spTree>
@@ -21869,7 +22643,7 @@
 </p:sld>
 </file>
 
-<file path=ppt/slides/slide18.xml><?xml version="1.0" encoding="utf-8"?>
+<file path=ppt/slides/slide19.xml><?xml version="1.0" encoding="utf-8"?>
 <p:sld xmlns:a="http://schemas.openxmlformats.org/drawingml/2006/main" xmlns:r="http://schemas.openxmlformats.org/officeDocument/2006/relationships" xmlns:p="http://schemas.openxmlformats.org/presentationml/2006/main">
   <p:cSld>
     <p:spTree>
@@ -22130,304 +22904,6 @@
     <p:extLst>
       <p:ext uri="{BB962C8B-B14F-4D97-AF65-F5344CB8AC3E}">
         <p14:creationId xmlns:p14="http://schemas.microsoft.com/office/powerpoint/2010/main" val="1296936109"/>
-      </p:ext>
-    </p:extLst>
-  </p:cSld>
-  <p:clrMapOvr>
-    <a:masterClrMapping/>
-  </p:clrMapOvr>
-  <mc:AlternateContent xmlns:mc="http://schemas.openxmlformats.org/markup-compatibility/2006" xmlns:p14="http://schemas.microsoft.com/office/powerpoint/2010/main">
-    <mc:Choice Requires="p14">
-      <p:transition p14:dur="0"/>
-    </mc:Choice>
-    <mc:Fallback xmlns="">
-      <p:transition/>
-    </mc:Fallback>
-  </mc:AlternateContent>
-</p:sld>
-</file>
-
-<file path=ppt/slides/slide19.xml><?xml version="1.0" encoding="utf-8"?>
-<p:sld xmlns:a="http://schemas.openxmlformats.org/drawingml/2006/main" xmlns:r="http://schemas.openxmlformats.org/officeDocument/2006/relationships" xmlns:p="http://schemas.openxmlformats.org/presentationml/2006/main">
-  <p:cSld>
-    <p:spTree>
-      <p:nvGrpSpPr>
-        <p:cNvPr id="1" name=""/>
-        <p:cNvGrpSpPr/>
-        <p:nvPr/>
-      </p:nvGrpSpPr>
-      <p:grpSpPr>
-        <a:xfrm>
-          <a:off x="0" y="0"/>
-          <a:ext cx="0" cy="0"/>
-          <a:chOff x="0" y="0"/>
-          <a:chExt cx="0" cy="0"/>
-        </a:xfrm>
-      </p:grpSpPr>
-      <p:sp>
-        <p:nvSpPr>
-          <p:cNvPr id="2" name="Title 1"/>
-          <p:cNvSpPr>
-            <a:spLocks noGrp="1"/>
-          </p:cNvSpPr>
-          <p:nvPr>
-            <p:ph type="title"/>
-          </p:nvPr>
-        </p:nvSpPr>
-        <p:spPr/>
-        <p:txBody>
-          <a:bodyPr>
-            <a:normAutofit fontScale="90000"/>
-          </a:bodyPr>
-          <a:lstStyle/>
-          <a:p>
-            <a:r>
-              <a:rPr lang="en-US" sz="4900" dirty="0">
-                <a:solidFill>
-                  <a:schemeClr val="tx1"/>
-                </a:solidFill>
-                <a:cs typeface="Segoe UI" panose="020B0502040204020203" pitchFamily="34" charset="0"/>
-              </a:rPr>
-              <a:t>Preferred solution</a:t>
-            </a:r>
-            <a:br>
-              <a:rPr lang="en-US" dirty="0">
-                <a:solidFill>
-                  <a:schemeClr val="tx1"/>
-                </a:solidFill>
-                <a:latin typeface="Segoe UI" panose="020B0502040204020203" pitchFamily="34" charset="0"/>
-              </a:rPr>
-            </a:br>
-            <a:endParaRPr lang="en-US" sz="3236" dirty="0">
-              <a:solidFill>
-                <a:schemeClr val="tx1"/>
-              </a:solidFill>
-              <a:latin typeface="Segoe UI" panose="020B0502040204020203" pitchFamily="34" charset="0"/>
-            </a:endParaRPr>
-          </a:p>
-        </p:txBody>
-      </p:sp>
-      <p:sp>
-        <p:nvSpPr>
-          <p:cNvPr id="3" name="Content Placeholder 2" descr="Document Database icon" title="Document Database icon"/>
-          <p:cNvSpPr>
-            <a:spLocks noGrp="1"/>
-          </p:cNvSpPr>
-          <p:nvPr>
-            <p:ph type="body" sz="quarter" idx="10"/>
-          </p:nvPr>
-        </p:nvSpPr>
-        <p:spPr>
-          <a:xfrm>
-            <a:off x="269240" y="1189177"/>
-            <a:ext cx="9904422" cy="5432182"/>
-          </a:xfrm>
-        </p:spPr>
-        <p:txBody>
-          <a:bodyPr>
-            <a:normAutofit/>
-          </a:bodyPr>
-          <a:lstStyle/>
-          <a:p>
-            <a:pPr marL="0" indent="0">
-              <a:buNone/>
-            </a:pPr>
-            <a:r>
-              <a:rPr lang="en-US" sz="3600" dirty="0">
-                <a:solidFill>
-                  <a:schemeClr val="tx1"/>
-                </a:solidFill>
-              </a:rPr>
-              <a:t>Data ingest</a:t>
-            </a:r>
-            <a:endParaRPr lang="en-US" sz="3600" dirty="0">
-              <a:solidFill>
-                <a:schemeClr val="tx1"/>
-              </a:solidFill>
-              <a:latin typeface="+mj-lt"/>
-            </a:endParaRPr>
-          </a:p>
-          <a:p>
-            <a:pPr marL="336145" lvl="1" indent="0">
-              <a:buNone/>
-            </a:pPr>
-            <a:endParaRPr lang="en-US" sz="2800" dirty="0">
-              <a:solidFill>
-                <a:schemeClr val="tx1"/>
-              </a:solidFill>
-              <a:latin typeface="Segoe UI Semilight" panose="020B0402040204020203" pitchFamily="34" charset="0"/>
-              <a:cs typeface="Segoe UI Semilight" panose="020B0402040204020203" pitchFamily="34" charset="0"/>
-            </a:endParaRPr>
-          </a:p>
-          <a:p>
-            <a:pPr lvl="1"/>
-            <a:r>
-              <a:rPr lang="en-US" sz="2800" dirty="0">
-                <a:solidFill>
-                  <a:schemeClr val="tx1"/>
-                </a:solidFill>
-                <a:latin typeface="Segoe UI Semilight" panose="020B0402040204020203" pitchFamily="34" charset="0"/>
-                <a:cs typeface="Segoe UI Semilight" panose="020B0402040204020203" pitchFamily="34" charset="0"/>
-              </a:rPr>
-              <a:t>Event Hubs can provide streaming data and can automatically store raw data in Blob storage or ADLS, using Event Hubs Capture.</a:t>
-            </a:r>
-          </a:p>
-          <a:p>
-            <a:pPr lvl="1"/>
-            <a:r>
-              <a:rPr lang="en-US" sz="2800" dirty="0">
-                <a:solidFill>
-                  <a:schemeClr val="tx1"/>
-                </a:solidFill>
-                <a:latin typeface="Segoe UI Semilight" panose="020B0402040204020203" pitchFamily="34" charset="0"/>
-                <a:cs typeface="Segoe UI Semilight" panose="020B0402040204020203" pitchFamily="34" charset="0"/>
-              </a:rPr>
-              <a:t>Cosmos DB likely easier for </a:t>
-            </a:r>
-            <a:r>
-              <a:rPr lang="en-US" sz="2800" dirty="0" err="1">
-                <a:solidFill>
-                  <a:schemeClr val="tx1"/>
-                </a:solidFill>
-                <a:latin typeface="Segoe UI Semilight" panose="020B0402040204020203" pitchFamily="34" charset="0"/>
-                <a:cs typeface="Segoe UI Semilight" panose="020B0402040204020203" pitchFamily="34" charset="0"/>
-              </a:rPr>
-              <a:t>Woodgrove</a:t>
-            </a:r>
-            <a:r>
-              <a:rPr lang="en-US" sz="2800" dirty="0">
-                <a:solidFill>
-                  <a:schemeClr val="tx1"/>
-                </a:solidFill>
-                <a:latin typeface="Segoe UI Semilight" panose="020B0402040204020203" pitchFamily="34" charset="0"/>
-                <a:cs typeface="Segoe UI Semilight" panose="020B0402040204020203" pitchFamily="34" charset="0"/>
-              </a:rPr>
-              <a:t> to integrate because they are already writing payment transactions to a database.</a:t>
-            </a:r>
-          </a:p>
-          <a:p>
-            <a:pPr lvl="1"/>
-            <a:r>
-              <a:rPr lang="en-US" sz="2800" dirty="0">
-                <a:solidFill>
-                  <a:schemeClr val="tx1"/>
-                </a:solidFill>
-                <a:latin typeface="Segoe UI Semilight" panose="020B0402040204020203" pitchFamily="34" charset="0"/>
-                <a:cs typeface="Segoe UI Semilight" panose="020B0402040204020203" pitchFamily="34" charset="0"/>
-              </a:rPr>
-              <a:t>Cosmos DB also has the advantage of operating at a global scale, whereas with Event Hubs, you have to host multiple instances to accomplish this.</a:t>
-            </a:r>
-          </a:p>
-          <a:p>
-            <a:pPr lvl="1"/>
-            <a:r>
-              <a:rPr lang="en-US" sz="2800" dirty="0">
-                <a:solidFill>
-                  <a:schemeClr val="tx1"/>
-                </a:solidFill>
-                <a:latin typeface="Segoe UI Semilight" panose="020B0402040204020203" pitchFamily="34" charset="0"/>
-                <a:cs typeface="Segoe UI Semilight" panose="020B0402040204020203" pitchFamily="34" charset="0"/>
-              </a:rPr>
-              <a:t>Therefore, Cosmos DB is the recommended solution.</a:t>
-            </a:r>
-          </a:p>
-          <a:p>
-            <a:pPr marL="0" indent="0">
-              <a:spcAft>
-                <a:spcPts val="882"/>
-              </a:spcAft>
-              <a:buNone/>
-            </a:pPr>
-            <a:endParaRPr lang="en-US" sz="1800" dirty="0">
-              <a:solidFill>
-                <a:schemeClr val="tx1"/>
-              </a:solidFill>
-            </a:endParaRPr>
-          </a:p>
-        </p:txBody>
-      </p:sp>
-      <p:pic>
-        <p:nvPicPr>
-          <p:cNvPr id="7" name="Graphic 6" descr="Download from cloud">
-            <a:extLst>
-              <a:ext uri="{FF2B5EF4-FFF2-40B4-BE49-F238E27FC236}">
-                <a16:creationId xmlns:a16="http://schemas.microsoft.com/office/drawing/2014/main" id="{C3229484-55B5-48EE-B99C-AB478A4EB785}"/>
-              </a:ext>
-            </a:extLst>
-          </p:cNvPr>
-          <p:cNvPicPr>
-            <a:picLocks noChangeAspect="1"/>
-          </p:cNvPicPr>
-          <p:nvPr/>
-        </p:nvPicPr>
-        <p:blipFill>
-          <a:blip r:embed="rId3">
-            <a:extLst>
-              <a:ext uri="{28A0092B-C50C-407E-A947-70E740481C1C}">
-                <a14:useLocalDpi xmlns:a14="http://schemas.microsoft.com/office/drawing/2010/main" val="0"/>
-              </a:ext>
-              <a:ext uri="{96DAC541-7B7A-43D3-8B79-37D633B846F1}">
-                <asvg:svgBlip xmlns:asvg="http://schemas.microsoft.com/office/drawing/2016/SVG/main" r:embed="rId4"/>
-              </a:ext>
-            </a:extLst>
-          </a:blip>
-          <a:stretch>
-            <a:fillRect/>
-          </a:stretch>
-        </p:blipFill>
-        <p:spPr>
-          <a:xfrm>
-            <a:off x="10592170" y="3225373"/>
-            <a:ext cx="914400" cy="914400"/>
-          </a:xfrm>
-          <a:prstGeom prst="rect">
-            <a:avLst/>
-          </a:prstGeom>
-        </p:spPr>
-      </p:pic>
-      <p:pic>
-        <p:nvPicPr>
-          <p:cNvPr id="8" name="Graphic 7" descr="Database">
-            <a:extLst>
-              <a:ext uri="{FF2B5EF4-FFF2-40B4-BE49-F238E27FC236}">
-                <a16:creationId xmlns:a16="http://schemas.microsoft.com/office/drawing/2014/main" id="{B0CAA031-5F71-4E43-A7ED-C4FE18E45028}"/>
-              </a:ext>
-            </a:extLst>
-          </p:cNvPr>
-          <p:cNvPicPr>
-            <a:picLocks noChangeAspect="1"/>
-          </p:cNvPicPr>
-          <p:nvPr/>
-        </p:nvPicPr>
-        <p:blipFill>
-          <a:blip r:embed="rId5">
-            <a:extLst>
-              <a:ext uri="{28A0092B-C50C-407E-A947-70E740481C1C}">
-                <a14:useLocalDpi xmlns:a14="http://schemas.microsoft.com/office/drawing/2010/main" val="0"/>
-              </a:ext>
-              <a:ext uri="{96DAC541-7B7A-43D3-8B79-37D633B846F1}">
-                <asvg:svgBlip xmlns:asvg="http://schemas.microsoft.com/office/drawing/2016/SVG/main" r:embed="rId6"/>
-              </a:ext>
-            </a:extLst>
-          </a:blip>
-          <a:stretch>
-            <a:fillRect/>
-          </a:stretch>
-        </p:blipFill>
-        <p:spPr>
-          <a:xfrm>
-            <a:off x="10332969" y="3970724"/>
-            <a:ext cx="1432803" cy="1432803"/>
-          </a:xfrm>
-          <a:prstGeom prst="rect">
-            <a:avLst/>
-          </a:prstGeom>
-        </p:spPr>
-      </p:pic>
-    </p:spTree>
-    <p:extLst>
-      <p:ext uri="{BB962C8B-B14F-4D97-AF65-F5344CB8AC3E}">
-        <p14:creationId xmlns:p14="http://schemas.microsoft.com/office/powerpoint/2010/main" val="2061549202"/>
       </p:ext>
     </p:extLst>
   </p:cSld>
@@ -30335,6 +30811,304 @@
                   <a:schemeClr val="tx1"/>
                 </a:solidFill>
               </a:rPr>
+              <a:t>Data ingest</a:t>
+            </a:r>
+            <a:endParaRPr lang="en-US" sz="3600" dirty="0">
+              <a:solidFill>
+                <a:schemeClr val="tx1"/>
+              </a:solidFill>
+              <a:latin typeface="+mj-lt"/>
+            </a:endParaRPr>
+          </a:p>
+          <a:p>
+            <a:pPr marL="336145" lvl="1" indent="0">
+              <a:buNone/>
+            </a:pPr>
+            <a:endParaRPr lang="en-US" sz="2800" dirty="0">
+              <a:solidFill>
+                <a:schemeClr val="tx1"/>
+              </a:solidFill>
+              <a:latin typeface="Segoe UI Semilight" panose="020B0402040204020203" pitchFamily="34" charset="0"/>
+              <a:cs typeface="Segoe UI Semilight" panose="020B0402040204020203" pitchFamily="34" charset="0"/>
+            </a:endParaRPr>
+          </a:p>
+          <a:p>
+            <a:pPr lvl="1"/>
+            <a:r>
+              <a:rPr lang="en-US" sz="2800" dirty="0">
+                <a:solidFill>
+                  <a:schemeClr val="tx1"/>
+                </a:solidFill>
+                <a:latin typeface="Segoe UI Semilight" panose="020B0402040204020203" pitchFamily="34" charset="0"/>
+                <a:cs typeface="Segoe UI Semilight" panose="020B0402040204020203" pitchFamily="34" charset="0"/>
+              </a:rPr>
+              <a:t>Event Hubs can provide streaming data and can automatically store raw data in Blob storage or ADLS, using Event Hubs Capture.</a:t>
+            </a:r>
+          </a:p>
+          <a:p>
+            <a:pPr lvl="1"/>
+            <a:r>
+              <a:rPr lang="en-US" sz="2800" dirty="0">
+                <a:solidFill>
+                  <a:schemeClr val="tx1"/>
+                </a:solidFill>
+                <a:latin typeface="Segoe UI Semilight" panose="020B0402040204020203" pitchFamily="34" charset="0"/>
+                <a:cs typeface="Segoe UI Semilight" panose="020B0402040204020203" pitchFamily="34" charset="0"/>
+              </a:rPr>
+              <a:t>Cosmos DB likely easier for </a:t>
+            </a:r>
+            <a:r>
+              <a:rPr lang="en-US" sz="2800" dirty="0" err="1">
+                <a:solidFill>
+                  <a:schemeClr val="tx1"/>
+                </a:solidFill>
+                <a:latin typeface="Segoe UI Semilight" panose="020B0402040204020203" pitchFamily="34" charset="0"/>
+                <a:cs typeface="Segoe UI Semilight" panose="020B0402040204020203" pitchFamily="34" charset="0"/>
+              </a:rPr>
+              <a:t>Woodgrove</a:t>
+            </a:r>
+            <a:r>
+              <a:rPr lang="en-US" sz="2800" dirty="0">
+                <a:solidFill>
+                  <a:schemeClr val="tx1"/>
+                </a:solidFill>
+                <a:latin typeface="Segoe UI Semilight" panose="020B0402040204020203" pitchFamily="34" charset="0"/>
+                <a:cs typeface="Segoe UI Semilight" panose="020B0402040204020203" pitchFamily="34" charset="0"/>
+              </a:rPr>
+              <a:t> to integrate because they are already writing payment transactions to a database.</a:t>
+            </a:r>
+          </a:p>
+          <a:p>
+            <a:pPr lvl="1"/>
+            <a:r>
+              <a:rPr lang="en-US" sz="2800" dirty="0">
+                <a:solidFill>
+                  <a:schemeClr val="tx1"/>
+                </a:solidFill>
+                <a:latin typeface="Segoe UI Semilight" panose="020B0402040204020203" pitchFamily="34" charset="0"/>
+                <a:cs typeface="Segoe UI Semilight" panose="020B0402040204020203" pitchFamily="34" charset="0"/>
+              </a:rPr>
+              <a:t>Cosmos DB also has the advantage of operating at a global scale, whereas with Event Hubs, you have to host multiple instances to accomplish this.</a:t>
+            </a:r>
+          </a:p>
+          <a:p>
+            <a:pPr lvl="1"/>
+            <a:r>
+              <a:rPr lang="en-US" sz="2800" dirty="0">
+                <a:solidFill>
+                  <a:schemeClr val="tx1"/>
+                </a:solidFill>
+                <a:latin typeface="Segoe UI Semilight" panose="020B0402040204020203" pitchFamily="34" charset="0"/>
+                <a:cs typeface="Segoe UI Semilight" panose="020B0402040204020203" pitchFamily="34" charset="0"/>
+              </a:rPr>
+              <a:t>Therefore, Cosmos DB is the recommended solution.</a:t>
+            </a:r>
+          </a:p>
+          <a:p>
+            <a:pPr marL="0" indent="0">
+              <a:spcAft>
+                <a:spcPts val="882"/>
+              </a:spcAft>
+              <a:buNone/>
+            </a:pPr>
+            <a:endParaRPr lang="en-US" sz="1800" dirty="0">
+              <a:solidFill>
+                <a:schemeClr val="tx1"/>
+              </a:solidFill>
+            </a:endParaRPr>
+          </a:p>
+        </p:txBody>
+      </p:sp>
+      <p:pic>
+        <p:nvPicPr>
+          <p:cNvPr id="7" name="Graphic 6" descr="Download from cloud">
+            <a:extLst>
+              <a:ext uri="{FF2B5EF4-FFF2-40B4-BE49-F238E27FC236}">
+                <a16:creationId xmlns:a16="http://schemas.microsoft.com/office/drawing/2014/main" id="{C3229484-55B5-48EE-B99C-AB478A4EB785}"/>
+              </a:ext>
+            </a:extLst>
+          </p:cNvPr>
+          <p:cNvPicPr>
+            <a:picLocks noChangeAspect="1"/>
+          </p:cNvPicPr>
+          <p:nvPr/>
+        </p:nvPicPr>
+        <p:blipFill>
+          <a:blip r:embed="rId3">
+            <a:extLst>
+              <a:ext uri="{28A0092B-C50C-407E-A947-70E740481C1C}">
+                <a14:useLocalDpi xmlns:a14="http://schemas.microsoft.com/office/drawing/2010/main" val="0"/>
+              </a:ext>
+              <a:ext uri="{96DAC541-7B7A-43D3-8B79-37D633B846F1}">
+                <asvg:svgBlip xmlns:asvg="http://schemas.microsoft.com/office/drawing/2016/SVG/main" r:embed="rId4"/>
+              </a:ext>
+            </a:extLst>
+          </a:blip>
+          <a:stretch>
+            <a:fillRect/>
+          </a:stretch>
+        </p:blipFill>
+        <p:spPr>
+          <a:xfrm>
+            <a:off x="10592170" y="3225373"/>
+            <a:ext cx="914400" cy="914400"/>
+          </a:xfrm>
+          <a:prstGeom prst="rect">
+            <a:avLst/>
+          </a:prstGeom>
+        </p:spPr>
+      </p:pic>
+      <p:pic>
+        <p:nvPicPr>
+          <p:cNvPr id="8" name="Graphic 7" descr="Database">
+            <a:extLst>
+              <a:ext uri="{FF2B5EF4-FFF2-40B4-BE49-F238E27FC236}">
+                <a16:creationId xmlns:a16="http://schemas.microsoft.com/office/drawing/2014/main" id="{B0CAA031-5F71-4E43-A7ED-C4FE18E45028}"/>
+              </a:ext>
+            </a:extLst>
+          </p:cNvPr>
+          <p:cNvPicPr>
+            <a:picLocks noChangeAspect="1"/>
+          </p:cNvPicPr>
+          <p:nvPr/>
+        </p:nvPicPr>
+        <p:blipFill>
+          <a:blip r:embed="rId5">
+            <a:extLst>
+              <a:ext uri="{28A0092B-C50C-407E-A947-70E740481C1C}">
+                <a14:useLocalDpi xmlns:a14="http://schemas.microsoft.com/office/drawing/2010/main" val="0"/>
+              </a:ext>
+              <a:ext uri="{96DAC541-7B7A-43D3-8B79-37D633B846F1}">
+                <asvg:svgBlip xmlns:asvg="http://schemas.microsoft.com/office/drawing/2016/SVG/main" r:embed="rId6"/>
+              </a:ext>
+            </a:extLst>
+          </a:blip>
+          <a:stretch>
+            <a:fillRect/>
+          </a:stretch>
+        </p:blipFill>
+        <p:spPr>
+          <a:xfrm>
+            <a:off x="10332969" y="3970724"/>
+            <a:ext cx="1432803" cy="1432803"/>
+          </a:xfrm>
+          <a:prstGeom prst="rect">
+            <a:avLst/>
+          </a:prstGeom>
+        </p:spPr>
+      </p:pic>
+    </p:spTree>
+    <p:extLst>
+      <p:ext uri="{BB962C8B-B14F-4D97-AF65-F5344CB8AC3E}">
+        <p14:creationId xmlns:p14="http://schemas.microsoft.com/office/powerpoint/2010/main" val="2061549202"/>
+      </p:ext>
+    </p:extLst>
+  </p:cSld>
+  <p:clrMapOvr>
+    <a:masterClrMapping/>
+  </p:clrMapOvr>
+  <mc:AlternateContent xmlns:mc="http://schemas.openxmlformats.org/markup-compatibility/2006" xmlns:p14="http://schemas.microsoft.com/office/powerpoint/2010/main">
+    <mc:Choice Requires="p14">
+      <p:transition p14:dur="0"/>
+    </mc:Choice>
+    <mc:Fallback xmlns="">
+      <p:transition/>
+    </mc:Fallback>
+  </mc:AlternateContent>
+</p:sld>
+</file>
+
+<file path=ppt/slides/slide21.xml><?xml version="1.0" encoding="utf-8"?>
+<p:sld xmlns:a="http://schemas.openxmlformats.org/drawingml/2006/main" xmlns:r="http://schemas.openxmlformats.org/officeDocument/2006/relationships" xmlns:p="http://schemas.openxmlformats.org/presentationml/2006/main">
+  <p:cSld>
+    <p:spTree>
+      <p:nvGrpSpPr>
+        <p:cNvPr id="1" name=""/>
+        <p:cNvGrpSpPr/>
+        <p:nvPr/>
+      </p:nvGrpSpPr>
+      <p:grpSpPr>
+        <a:xfrm>
+          <a:off x="0" y="0"/>
+          <a:ext cx="0" cy="0"/>
+          <a:chOff x="0" y="0"/>
+          <a:chExt cx="0" cy="0"/>
+        </a:xfrm>
+      </p:grpSpPr>
+      <p:sp>
+        <p:nvSpPr>
+          <p:cNvPr id="2" name="Title 1"/>
+          <p:cNvSpPr>
+            <a:spLocks noGrp="1"/>
+          </p:cNvSpPr>
+          <p:nvPr>
+            <p:ph type="title"/>
+          </p:nvPr>
+        </p:nvSpPr>
+        <p:spPr/>
+        <p:txBody>
+          <a:bodyPr>
+            <a:normAutofit fontScale="90000"/>
+          </a:bodyPr>
+          <a:lstStyle/>
+          <a:p>
+            <a:r>
+              <a:rPr lang="en-US" sz="4900" dirty="0">
+                <a:solidFill>
+                  <a:schemeClr val="tx1"/>
+                </a:solidFill>
+                <a:cs typeface="Segoe UI" panose="020B0502040204020203" pitchFamily="34" charset="0"/>
+              </a:rPr>
+              <a:t>Preferred solution</a:t>
+            </a:r>
+            <a:br>
+              <a:rPr lang="en-US" dirty="0">
+                <a:solidFill>
+                  <a:schemeClr val="tx1"/>
+                </a:solidFill>
+                <a:latin typeface="Segoe UI" panose="020B0502040204020203" pitchFamily="34" charset="0"/>
+              </a:rPr>
+            </a:br>
+            <a:endParaRPr lang="en-US" sz="3236" dirty="0">
+              <a:solidFill>
+                <a:schemeClr val="tx1"/>
+              </a:solidFill>
+              <a:latin typeface="Segoe UI" panose="020B0502040204020203" pitchFamily="34" charset="0"/>
+            </a:endParaRPr>
+          </a:p>
+        </p:txBody>
+      </p:sp>
+      <p:sp>
+        <p:nvSpPr>
+          <p:cNvPr id="3" name="Content Placeholder 2" descr="Document Database icon" title="Document Database icon"/>
+          <p:cNvSpPr>
+            <a:spLocks noGrp="1"/>
+          </p:cNvSpPr>
+          <p:nvPr>
+            <p:ph type="body" sz="quarter" idx="10"/>
+          </p:nvPr>
+        </p:nvSpPr>
+        <p:spPr>
+          <a:xfrm>
+            <a:off x="269240" y="1189177"/>
+            <a:ext cx="9904422" cy="5432182"/>
+          </a:xfrm>
+        </p:spPr>
+        <p:txBody>
+          <a:bodyPr>
+            <a:normAutofit/>
+          </a:bodyPr>
+          <a:lstStyle/>
+          <a:p>
+            <a:pPr marL="0" indent="0">
+              <a:buNone/>
+            </a:pPr>
+            <a:r>
+              <a:rPr lang="en-US" sz="3600" dirty="0">
+                <a:solidFill>
+                  <a:schemeClr val="tx1"/>
+                </a:solidFill>
+              </a:rPr>
               <a:t>Data pipeline processing</a:t>
             </a:r>
             <a:endParaRPr lang="en-US" sz="3600" dirty="0">
@@ -30519,7 +31293,7 @@
 </p:sld>
 </file>
 
-<file path=ppt/slides/slide21.xml><?xml version="1.0" encoding="utf-8"?>
+<file path=ppt/slides/slide22.xml><?xml version="1.0" encoding="utf-8"?>
 <p:sld xmlns:a="http://schemas.openxmlformats.org/drawingml/2006/main" xmlns:r="http://schemas.openxmlformats.org/officeDocument/2006/relationships" xmlns:p="http://schemas.openxmlformats.org/presentationml/2006/main">
   <p:cSld>
     <p:spTree>
@@ -30821,7 +31595,7 @@
 </p:sld>
 </file>
 
-<file path=ppt/slides/slide22.xml><?xml version="1.0" encoding="utf-8"?>
+<file path=ppt/slides/slide23.xml><?xml version="1.0" encoding="utf-8"?>
 <p:sld xmlns:a="http://schemas.openxmlformats.org/drawingml/2006/main" xmlns:r="http://schemas.openxmlformats.org/officeDocument/2006/relationships" xmlns:p="http://schemas.openxmlformats.org/presentationml/2006/main">
   <p:cSld>
     <p:spTree>
@@ -31100,7 +31874,7 @@
 </p:sld>
 </file>
 
-<file path=ppt/slides/slide23.xml><?xml version="1.0" encoding="utf-8"?>
+<file path=ppt/slides/slide24.xml><?xml version="1.0" encoding="utf-8"?>
 <p:sld xmlns:a="http://schemas.openxmlformats.org/drawingml/2006/main" xmlns:r="http://schemas.openxmlformats.org/officeDocument/2006/relationships" xmlns:p="http://schemas.openxmlformats.org/presentationml/2006/main">
   <p:cSld>
     <p:spTree>
@@ -31395,7 +32169,7 @@
 </p:sld>
 </file>
 
-<file path=ppt/slides/slide24.xml><?xml version="1.0" encoding="utf-8"?>
+<file path=ppt/slides/slide25.xml><?xml version="1.0" encoding="utf-8"?>
 <p:sld xmlns:a="http://schemas.openxmlformats.org/drawingml/2006/main" xmlns:r="http://schemas.openxmlformats.org/officeDocument/2006/relationships" xmlns:p="http://schemas.openxmlformats.org/presentationml/2006/main">
   <p:cSld>
     <p:spTree>
@@ -31716,7 +32490,7 @@
 </p:sld>
 </file>
 
-<file path=ppt/slides/slide25.xml><?xml version="1.0" encoding="utf-8"?>
+<file path=ppt/slides/slide26.xml><?xml version="1.0" encoding="utf-8"?>
 <p:sld xmlns:a="http://schemas.openxmlformats.org/drawingml/2006/main" xmlns:r="http://schemas.openxmlformats.org/officeDocument/2006/relationships" xmlns:p="http://schemas.openxmlformats.org/presentationml/2006/main">
   <p:cSld>
     <p:spTree>
@@ -32003,7 +32777,272 @@
 </p:sld>
 </file>
 
-<file path=ppt/slides/slide26.xml><?xml version="1.0" encoding="utf-8"?>
+<file path=ppt/slides/slide27.xml><?xml version="1.0" encoding="utf-8"?>
+<p:sld xmlns:a="http://schemas.openxmlformats.org/drawingml/2006/main" xmlns:r="http://schemas.openxmlformats.org/officeDocument/2006/relationships" xmlns:p="http://schemas.openxmlformats.org/presentationml/2006/main">
+  <p:cSld>
+    <p:spTree>
+      <p:nvGrpSpPr>
+        <p:cNvPr id="1" name=""/>
+        <p:cNvGrpSpPr/>
+        <p:nvPr/>
+      </p:nvGrpSpPr>
+      <p:grpSpPr>
+        <a:xfrm>
+          <a:off x="0" y="0"/>
+          <a:ext cx="0" cy="0"/>
+          <a:chOff x="0" y="0"/>
+          <a:chExt cx="0" cy="0"/>
+        </a:xfrm>
+      </p:grpSpPr>
+      <p:sp>
+        <p:nvSpPr>
+          <p:cNvPr id="2" name="Title 1"/>
+          <p:cNvSpPr>
+            <a:spLocks noGrp="1"/>
+          </p:cNvSpPr>
+          <p:nvPr>
+            <p:ph type="title"/>
+          </p:nvPr>
+        </p:nvSpPr>
+        <p:spPr/>
+        <p:txBody>
+          <a:bodyPr>
+            <a:normAutofit fontScale="90000"/>
+          </a:bodyPr>
+          <a:lstStyle/>
+          <a:p>
+            <a:r>
+              <a:rPr lang="en-US" sz="4900" dirty="0">
+                <a:solidFill>
+                  <a:schemeClr val="tx1"/>
+                </a:solidFill>
+                <a:cs typeface="Segoe UI" panose="020B0502040204020203" pitchFamily="34" charset="0"/>
+              </a:rPr>
+              <a:t>Preferred solution</a:t>
+            </a:r>
+            <a:br>
+              <a:rPr lang="en-US" dirty="0">
+                <a:solidFill>
+                  <a:schemeClr val="tx1"/>
+                </a:solidFill>
+                <a:latin typeface="Segoe UI" panose="020B0502040204020203" pitchFamily="34" charset="0"/>
+              </a:rPr>
+            </a:br>
+            <a:endParaRPr lang="en-US" sz="3236" dirty="0">
+              <a:solidFill>
+                <a:schemeClr val="tx1"/>
+              </a:solidFill>
+              <a:latin typeface="Segoe UI" panose="020B0502040204020203" pitchFamily="34" charset="0"/>
+            </a:endParaRPr>
+          </a:p>
+        </p:txBody>
+      </p:sp>
+      <p:sp>
+        <p:nvSpPr>
+          <p:cNvPr id="3" name="Content Placeholder 2" descr="Document Database icon" title="Document Database icon"/>
+          <p:cNvSpPr>
+            <a:spLocks noGrp="1"/>
+          </p:cNvSpPr>
+          <p:nvPr>
+            <p:ph type="body" sz="quarter" idx="10"/>
+          </p:nvPr>
+        </p:nvSpPr>
+        <p:spPr>
+          <a:xfrm>
+            <a:off x="269240" y="1189177"/>
+            <a:ext cx="9904422" cy="5432182"/>
+          </a:xfrm>
+        </p:spPr>
+        <p:txBody>
+          <a:bodyPr>
+            <a:normAutofit/>
+          </a:bodyPr>
+          <a:lstStyle/>
+          <a:p>
+            <a:pPr marL="0" indent="0">
+              <a:buNone/>
+            </a:pPr>
+            <a:r>
+              <a:rPr lang="en-US" sz="3600" dirty="0">
+                <a:solidFill>
+                  <a:schemeClr val="tx1"/>
+                </a:solidFill>
+              </a:rPr>
+              <a:t>Dashboards and reporting</a:t>
+            </a:r>
+            <a:endParaRPr lang="en-US" sz="3600" dirty="0">
+              <a:solidFill>
+                <a:schemeClr val="tx1"/>
+              </a:solidFill>
+              <a:latin typeface="+mj-lt"/>
+            </a:endParaRPr>
+          </a:p>
+          <a:p>
+            <a:pPr marL="336145" lvl="1" indent="0">
+              <a:buNone/>
+            </a:pPr>
+            <a:endParaRPr lang="en-US" sz="2800" dirty="0">
+              <a:solidFill>
+                <a:schemeClr val="tx1"/>
+              </a:solidFill>
+              <a:latin typeface="Segoe UI Semilight" panose="020B0402040204020203" pitchFamily="34" charset="0"/>
+              <a:cs typeface="Segoe UI Semilight" panose="020B0402040204020203" pitchFamily="34" charset="0"/>
+            </a:endParaRPr>
+          </a:p>
+          <a:p>
+            <a:pPr lvl="1"/>
+            <a:r>
+              <a:rPr lang="en-US" sz="2800" dirty="0">
+                <a:solidFill>
+                  <a:schemeClr val="tx1"/>
+                </a:solidFill>
+                <a:latin typeface="Segoe UI Semilight" panose="020B0402040204020203" pitchFamily="34" charset="0"/>
+                <a:cs typeface="Segoe UI Semilight" panose="020B0402040204020203" pitchFamily="34" charset="0"/>
+              </a:rPr>
+              <a:t>A more cost-effective option for serving summary data for business analysts to use from Power BI is to use Azure Analysis Services. This eliminates having to have a dedicated Databricks cluster running at all times for reporting and analysis.</a:t>
+            </a:r>
+          </a:p>
+          <a:p>
+            <a:pPr lvl="1"/>
+            <a:r>
+              <a:rPr lang="en-US" sz="2800" dirty="0">
+                <a:solidFill>
+                  <a:schemeClr val="tx1"/>
+                </a:solidFill>
+                <a:latin typeface="Segoe UI Semilight" panose="020B0402040204020203" pitchFamily="34" charset="0"/>
+                <a:cs typeface="Segoe UI Semilight" panose="020B0402040204020203" pitchFamily="34" charset="0"/>
+              </a:rPr>
+              <a:t>Your data is stored in a tabular semantic data model, which you populate by writing to it during stream processing using rolling aggregates over a time window, or by batch processing on a schedule using an Azure Databricks job or an orchestration service like </a:t>
+            </a:r>
+            <a:r>
+              <a:rPr lang="en-US" sz="2800">
+                <a:solidFill>
+                  <a:schemeClr val="tx1"/>
+                </a:solidFill>
+                <a:latin typeface="Segoe UI Semilight" panose="020B0402040204020203" pitchFamily="34" charset="0"/>
+                <a:cs typeface="Segoe UI Semilight" panose="020B0402040204020203" pitchFamily="34" charset="0"/>
+              </a:rPr>
+              <a:t>Azure Data Factory.</a:t>
+            </a:r>
+            <a:endParaRPr lang="en-US" sz="2408" dirty="0">
+              <a:solidFill>
+                <a:schemeClr val="tx1"/>
+              </a:solidFill>
+              <a:latin typeface="Segoe UI Semilight" panose="020B0402040204020203" pitchFamily="34" charset="0"/>
+              <a:cs typeface="Segoe UI Semilight" panose="020B0402040204020203" pitchFamily="34" charset="0"/>
+            </a:endParaRPr>
+          </a:p>
+          <a:p>
+            <a:pPr marL="0" indent="0">
+              <a:spcAft>
+                <a:spcPts val="882"/>
+              </a:spcAft>
+              <a:buNone/>
+            </a:pPr>
+            <a:endParaRPr lang="en-US" sz="1800" dirty="0">
+              <a:solidFill>
+                <a:schemeClr val="tx1"/>
+              </a:solidFill>
+            </a:endParaRPr>
+          </a:p>
+        </p:txBody>
+      </p:sp>
+      <p:pic>
+        <p:nvPicPr>
+          <p:cNvPr id="7" name="Picture 6" descr="A close up of a logo&#10;&#10;Description automatically generated">
+            <a:extLst>
+              <a:ext uri="{FF2B5EF4-FFF2-40B4-BE49-F238E27FC236}">
+                <a16:creationId xmlns:a16="http://schemas.microsoft.com/office/drawing/2014/main" id="{9040D8A2-5E71-48F8-AC13-EEA57DDB228A}"/>
+              </a:ext>
+            </a:extLst>
+          </p:cNvPr>
+          <p:cNvPicPr>
+            <a:picLocks noChangeAspect="1"/>
+          </p:cNvPicPr>
+          <p:nvPr/>
+        </p:nvPicPr>
+        <p:blipFill>
+          <a:blip r:embed="rId3" cstate="print">
+            <a:lum bright="70000" contrast="-70000"/>
+            <a:extLst>
+              <a:ext uri="{28A0092B-C50C-407E-A947-70E740481C1C}">
+                <a14:useLocalDpi xmlns:a14="http://schemas.microsoft.com/office/drawing/2010/main" val="0"/>
+              </a:ext>
+            </a:extLst>
+          </a:blip>
+          <a:stretch>
+            <a:fillRect/>
+          </a:stretch>
+        </p:blipFill>
+        <p:spPr>
+          <a:xfrm>
+            <a:off x="10307403" y="2611002"/>
+            <a:ext cx="1294266" cy="1294266"/>
+          </a:xfrm>
+          <a:prstGeom prst="rect">
+            <a:avLst/>
+          </a:prstGeom>
+        </p:spPr>
+      </p:pic>
+      <p:pic>
+        <p:nvPicPr>
+          <p:cNvPr id="6" name="Picture 5" descr="A picture containing object&#10;&#10;Description automatically generated">
+            <a:extLst>
+              <a:ext uri="{FF2B5EF4-FFF2-40B4-BE49-F238E27FC236}">
+                <a16:creationId xmlns:a16="http://schemas.microsoft.com/office/drawing/2014/main" id="{6736AFB8-2C5F-465C-872A-1606F7557841}"/>
+              </a:ext>
+            </a:extLst>
+          </p:cNvPr>
+          <p:cNvPicPr>
+            <a:picLocks noChangeAspect="1"/>
+          </p:cNvPicPr>
+          <p:nvPr/>
+        </p:nvPicPr>
+        <p:blipFill>
+          <a:blip r:embed="rId4" cstate="print">
+            <a:biLevel thresh="25000"/>
+            <a:extLst>
+              <a:ext uri="{28A0092B-C50C-407E-A947-70E740481C1C}">
+                <a14:useLocalDpi xmlns:a14="http://schemas.microsoft.com/office/drawing/2010/main" val="0"/>
+              </a:ext>
+            </a:extLst>
+          </a:blip>
+          <a:stretch>
+            <a:fillRect/>
+          </a:stretch>
+        </p:blipFill>
+        <p:spPr>
+          <a:xfrm>
+            <a:off x="10307402" y="4451109"/>
+            <a:ext cx="1294267" cy="1294267"/>
+          </a:xfrm>
+          <a:prstGeom prst="rect">
+            <a:avLst/>
+          </a:prstGeom>
+        </p:spPr>
+      </p:pic>
+    </p:spTree>
+    <p:extLst>
+      <p:ext uri="{BB962C8B-B14F-4D97-AF65-F5344CB8AC3E}">
+        <p14:creationId xmlns:p14="http://schemas.microsoft.com/office/powerpoint/2010/main" val="3865293447"/>
+      </p:ext>
+    </p:extLst>
+  </p:cSld>
+  <p:clrMapOvr>
+    <a:masterClrMapping/>
+  </p:clrMapOvr>
+  <mc:AlternateContent xmlns:mc="http://schemas.openxmlformats.org/markup-compatibility/2006" xmlns:p14="http://schemas.microsoft.com/office/powerpoint/2010/main">
+    <mc:Choice Requires="p14">
+      <p:transition p14:dur="0"/>
+    </mc:Choice>
+    <mc:Fallback xmlns="">
+      <p:transition/>
+    </mc:Fallback>
+  </mc:AlternateContent>
+</p:sld>
+</file>
+
+<file path=ppt/slides/slide28.xml><?xml version="1.0" encoding="utf-8"?>
 <p:sld xmlns:a="http://schemas.openxmlformats.org/drawingml/2006/main" xmlns:r="http://schemas.openxmlformats.org/officeDocument/2006/relationships" xmlns:p="http://schemas.openxmlformats.org/presentationml/2006/main">
   <p:cSld>
     <p:spTree>
@@ -32268,7 +33307,7 @@
 </p:sld>
 </file>
 
-<file path=ppt/slides/slide27.xml><?xml version="1.0" encoding="utf-8"?>
+<file path=ppt/slides/slide29.xml><?xml version="1.0" encoding="utf-8"?>
 <p:sld xmlns:a="http://schemas.openxmlformats.org/drawingml/2006/main" xmlns:r="http://schemas.openxmlformats.org/officeDocument/2006/relationships" xmlns:p="http://schemas.openxmlformats.org/presentationml/2006/main">
   <p:cSld>
     <p:spTree>
@@ -32568,473 +33607,6 @@
     <p:extLst>
       <p:ext uri="{BB962C8B-B14F-4D97-AF65-F5344CB8AC3E}">
         <p14:creationId xmlns:p14="http://schemas.microsoft.com/office/powerpoint/2010/main" val="2743922150"/>
-      </p:ext>
-    </p:extLst>
-  </p:cSld>
-  <p:clrMapOvr>
-    <a:masterClrMapping/>
-  </p:clrMapOvr>
-  <mc:AlternateContent xmlns:mc="http://schemas.openxmlformats.org/markup-compatibility/2006" xmlns:p14="http://schemas.microsoft.com/office/powerpoint/2010/main">
-    <mc:Choice Requires="p14">
-      <p:transition p14:dur="0"/>
-    </mc:Choice>
-    <mc:Fallback xmlns="">
-      <p:transition/>
-    </mc:Fallback>
-  </mc:AlternateContent>
-</p:sld>
-</file>
-
-<file path=ppt/slides/slide28.xml><?xml version="1.0" encoding="utf-8"?>
-<p:sld xmlns:a="http://schemas.openxmlformats.org/drawingml/2006/main" xmlns:r="http://schemas.openxmlformats.org/officeDocument/2006/relationships" xmlns:p="http://schemas.openxmlformats.org/presentationml/2006/main">
-  <p:cSld>
-    <p:spTree>
-      <p:nvGrpSpPr>
-        <p:cNvPr id="1" name=""/>
-        <p:cNvGrpSpPr/>
-        <p:nvPr/>
-      </p:nvGrpSpPr>
-      <p:grpSpPr>
-        <a:xfrm>
-          <a:off x="0" y="0"/>
-          <a:ext cx="0" cy="0"/>
-          <a:chOff x="0" y="0"/>
-          <a:chExt cx="0" cy="0"/>
-        </a:xfrm>
-      </p:grpSpPr>
-      <p:sp>
-        <p:nvSpPr>
-          <p:cNvPr id="2" name="Title 1"/>
-          <p:cNvSpPr>
-            <a:spLocks noGrp="1"/>
-          </p:cNvSpPr>
-          <p:nvPr>
-            <p:ph type="title"/>
-          </p:nvPr>
-        </p:nvSpPr>
-        <p:spPr/>
-        <p:txBody>
-          <a:bodyPr>
-            <a:normAutofit fontScale="90000"/>
-          </a:bodyPr>
-          <a:lstStyle/>
-          <a:p>
-            <a:r>
-              <a:rPr lang="en-US" sz="4900" dirty="0">
-                <a:solidFill>
-                  <a:schemeClr val="tx1"/>
-                </a:solidFill>
-                <a:cs typeface="Segoe UI" panose="020B0502040204020203" pitchFamily="34" charset="0"/>
-              </a:rPr>
-              <a:t>Preferred objections handling</a:t>
-            </a:r>
-            <a:br>
-              <a:rPr lang="en-US" dirty="0">
-                <a:solidFill>
-                  <a:schemeClr val="tx1"/>
-                </a:solidFill>
-                <a:latin typeface="Segoe UI" panose="020B0502040204020203" pitchFamily="34" charset="0"/>
-              </a:rPr>
-            </a:br>
-            <a:endParaRPr lang="en-US" sz="3236" dirty="0">
-              <a:solidFill>
-                <a:schemeClr val="tx1"/>
-              </a:solidFill>
-              <a:latin typeface="Segoe UI" panose="020B0502040204020203" pitchFamily="34" charset="0"/>
-            </a:endParaRPr>
-          </a:p>
-        </p:txBody>
-      </p:sp>
-      <p:sp>
-        <p:nvSpPr>
-          <p:cNvPr id="6" name="Content Placeholder 2">
-            <a:extLst>
-              <a:ext uri="{FF2B5EF4-FFF2-40B4-BE49-F238E27FC236}">
-                <a16:creationId xmlns:a16="http://schemas.microsoft.com/office/drawing/2014/main" id="{5FE77A15-50F1-4647-9C43-F377F1C592EE}"/>
-              </a:ext>
-            </a:extLst>
-          </p:cNvPr>
-          <p:cNvSpPr>
-            <a:spLocks noGrp="1"/>
-          </p:cNvSpPr>
-          <p:nvPr>
-            <p:ph type="body" sz="quarter" idx="10"/>
-          </p:nvPr>
-        </p:nvSpPr>
-        <p:spPr>
-          <a:xfrm>
-            <a:off x="269241" y="1474065"/>
-            <a:ext cx="11435848" cy="5094424"/>
-          </a:xfrm>
-        </p:spPr>
-        <p:txBody>
-          <a:bodyPr>
-            <a:normAutofit/>
-          </a:bodyPr>
-          <a:lstStyle/>
-          <a:p>
-            <a:r>
-              <a:rPr lang="en-US" sz="3200" dirty="0">
-                <a:solidFill>
-                  <a:schemeClr val="tx1"/>
-                </a:solidFill>
-                <a:latin typeface="Segoe UI Light" panose="020B0502040204020203" pitchFamily="34" charset="0"/>
-                <a:ea typeface="Segoe UI" panose="020B0502040204020203" pitchFamily="34" charset="0"/>
-                <a:cs typeface="Segoe UI Light" panose="020B0502040204020203" pitchFamily="34" charset="0"/>
-              </a:rPr>
-              <a:t>Properly selecting the right algorithm and training a </a:t>
-            </a:r>
-            <a:br>
-              <a:rPr lang="en-US" sz="3200" dirty="0">
-                <a:solidFill>
-                  <a:schemeClr val="tx1"/>
-                </a:solidFill>
-                <a:latin typeface="Segoe UI Light" panose="020B0502040204020203" pitchFamily="34" charset="0"/>
-                <a:ea typeface="Segoe UI" panose="020B0502040204020203" pitchFamily="34" charset="0"/>
-                <a:cs typeface="Segoe UI Light" panose="020B0502040204020203" pitchFamily="34" charset="0"/>
-              </a:rPr>
-            </a:br>
-            <a:r>
-              <a:rPr lang="en-US" sz="3200" dirty="0">
-                <a:solidFill>
-                  <a:schemeClr val="tx1"/>
-                </a:solidFill>
-                <a:latin typeface="Segoe UI Light" panose="020B0502040204020203" pitchFamily="34" charset="0"/>
-                <a:ea typeface="Segoe UI" panose="020B0502040204020203" pitchFamily="34" charset="0"/>
-                <a:cs typeface="Segoe UI Light" panose="020B0502040204020203" pitchFamily="34" charset="0"/>
-              </a:rPr>
-              <a:t>model using the optimal set of parameters can take a </a:t>
-            </a:r>
-            <a:br>
-              <a:rPr lang="en-US" sz="3200" dirty="0">
-                <a:solidFill>
-                  <a:schemeClr val="tx1"/>
-                </a:solidFill>
-                <a:latin typeface="Segoe UI Light" panose="020B0502040204020203" pitchFamily="34" charset="0"/>
-                <a:ea typeface="Segoe UI" panose="020B0502040204020203" pitchFamily="34" charset="0"/>
-                <a:cs typeface="Segoe UI Light" panose="020B0502040204020203" pitchFamily="34" charset="0"/>
-              </a:rPr>
-            </a:br>
-            <a:r>
-              <a:rPr lang="en-US" sz="3200" dirty="0">
-                <a:solidFill>
-                  <a:schemeClr val="tx1"/>
-                </a:solidFill>
-                <a:latin typeface="Segoe UI Light" panose="020B0502040204020203" pitchFamily="34" charset="0"/>
-                <a:ea typeface="Segoe UI" panose="020B0502040204020203" pitchFamily="34" charset="0"/>
-                <a:cs typeface="Segoe UI Light" panose="020B0502040204020203" pitchFamily="34" charset="0"/>
-              </a:rPr>
-              <a:t>lot of time. Is there a way to speed up this process?</a:t>
-            </a:r>
-          </a:p>
-          <a:p>
-            <a:endParaRPr lang="en-US" sz="3200" dirty="0">
-              <a:solidFill>
-                <a:schemeClr val="tx1"/>
-              </a:solidFill>
-              <a:latin typeface="Segoe UI Light" panose="020B0502040204020203" pitchFamily="34" charset="0"/>
-              <a:ea typeface="Segoe UI" panose="020B0502040204020203" pitchFamily="34" charset="0"/>
-              <a:cs typeface="Segoe UI Light" panose="020B0502040204020203" pitchFamily="34" charset="0"/>
-            </a:endParaRPr>
-          </a:p>
-          <a:p>
-            <a:pPr marL="336145" lvl="1" indent="0">
-              <a:buNone/>
-            </a:pPr>
-            <a:r>
-              <a:rPr lang="en-US" sz="2800" dirty="0">
-                <a:solidFill>
-                  <a:schemeClr val="tx1"/>
-                </a:solidFill>
-                <a:latin typeface="Segoe UI Light" panose="020B0502040204020203" pitchFamily="34" charset="0"/>
-                <a:ea typeface="Segoe UI" panose="020B0502040204020203" pitchFamily="34" charset="0"/>
-                <a:cs typeface="Segoe UI Light" panose="020B0502040204020203" pitchFamily="34" charset="0"/>
-              </a:rPr>
-              <a:t>The typical approach to model training involves a time-consuming process trying dozens or even hundreds of combinations. This includes different ways of normalizing data, trying different algorithms and different settings for those algorithms (hyperparameters). Azure Machine Learning </a:t>
-            </a:r>
-            <a:r>
-              <a:rPr lang="en-US" sz="2800" dirty="0" err="1">
-                <a:solidFill>
-                  <a:schemeClr val="tx1"/>
-                </a:solidFill>
-                <a:latin typeface="Segoe UI Light" panose="020B0502040204020203" pitchFamily="34" charset="0"/>
-                <a:ea typeface="Segoe UI" panose="020B0502040204020203" pitchFamily="34" charset="0"/>
-                <a:cs typeface="Segoe UI Light" panose="020B0502040204020203" pitchFamily="34" charset="0"/>
-              </a:rPr>
-              <a:t>AutoML</a:t>
-            </a:r>
-            <a:r>
-              <a:rPr lang="en-US" sz="2800" dirty="0">
-                <a:solidFill>
-                  <a:schemeClr val="tx1"/>
-                </a:solidFill>
-                <a:latin typeface="Segoe UI Light" panose="020B0502040204020203" pitchFamily="34" charset="0"/>
-                <a:ea typeface="Segoe UI" panose="020B0502040204020203" pitchFamily="34" charset="0"/>
-                <a:cs typeface="Segoe UI Light" panose="020B0502040204020203" pitchFamily="34" charset="0"/>
-              </a:rPr>
-              <a:t> helps automate trying different combinations and evaluating the best performing model against a user-selected performance metric. This can be used within Databricks notebooks.</a:t>
-            </a:r>
-          </a:p>
-          <a:p>
-            <a:pPr marL="0" indent="0">
-              <a:spcAft>
-                <a:spcPts val="882"/>
-              </a:spcAft>
-              <a:buNone/>
-            </a:pPr>
-            <a:endParaRPr lang="en-US" sz="1800" dirty="0">
-              <a:solidFill>
-                <a:schemeClr val="tx1"/>
-              </a:solidFill>
-            </a:endParaRPr>
-          </a:p>
-        </p:txBody>
-      </p:sp>
-      <p:pic>
-        <p:nvPicPr>
-          <p:cNvPr id="7" name="Graphic 6" descr="Question icon&#10;&#10;">
-            <a:extLst>
-              <a:ext uri="{FF2B5EF4-FFF2-40B4-BE49-F238E27FC236}">
-                <a16:creationId xmlns:a16="http://schemas.microsoft.com/office/drawing/2014/main" id="{889D6449-11C1-40AE-9B51-5752FA2A011F}"/>
-              </a:ext>
-            </a:extLst>
-          </p:cNvPr>
-          <p:cNvPicPr>
-            <a:picLocks noChangeAspect="1"/>
-          </p:cNvPicPr>
-          <p:nvPr/>
-        </p:nvPicPr>
-        <p:blipFill>
-          <a:blip r:embed="rId3">
-            <a:extLst>
-              <a:ext uri="{28A0092B-C50C-407E-A947-70E740481C1C}">
-                <a14:useLocalDpi xmlns:a14="http://schemas.microsoft.com/office/drawing/2010/main" val="0"/>
-              </a:ext>
-              <a:ext uri="{96DAC541-7B7A-43D3-8B79-37D633B846F1}">
-                <asvg:svgBlip xmlns:asvg="http://schemas.microsoft.com/office/drawing/2016/SVG/main" r:embed="rId4"/>
-              </a:ext>
-            </a:extLst>
-          </a:blip>
-          <a:stretch>
-            <a:fillRect/>
-          </a:stretch>
-        </p:blipFill>
-        <p:spPr>
-          <a:xfrm>
-            <a:off x="9753008" y="104300"/>
-            <a:ext cx="2169751" cy="2169751"/>
-          </a:xfrm>
-          <a:prstGeom prst="rect">
-            <a:avLst/>
-          </a:prstGeom>
-        </p:spPr>
-      </p:pic>
-    </p:spTree>
-    <p:extLst>
-      <p:ext uri="{BB962C8B-B14F-4D97-AF65-F5344CB8AC3E}">
-        <p14:creationId xmlns:p14="http://schemas.microsoft.com/office/powerpoint/2010/main" val="3126255992"/>
-      </p:ext>
-    </p:extLst>
-  </p:cSld>
-  <p:clrMapOvr>
-    <a:masterClrMapping/>
-  </p:clrMapOvr>
-  <mc:AlternateContent xmlns:mc="http://schemas.openxmlformats.org/markup-compatibility/2006" xmlns:p14="http://schemas.microsoft.com/office/powerpoint/2010/main">
-    <mc:Choice Requires="p14">
-      <p:transition p14:dur="0"/>
-    </mc:Choice>
-    <mc:Fallback xmlns="">
-      <p:transition/>
-    </mc:Fallback>
-  </mc:AlternateContent>
-</p:sld>
-</file>
-
-<file path=ppt/slides/slide29.xml><?xml version="1.0" encoding="utf-8"?>
-<p:sld xmlns:a="http://schemas.openxmlformats.org/drawingml/2006/main" xmlns:r="http://schemas.openxmlformats.org/officeDocument/2006/relationships" xmlns:p="http://schemas.openxmlformats.org/presentationml/2006/main">
-  <p:cSld>
-    <p:spTree>
-      <p:nvGrpSpPr>
-        <p:cNvPr id="1" name=""/>
-        <p:cNvGrpSpPr/>
-        <p:nvPr/>
-      </p:nvGrpSpPr>
-      <p:grpSpPr>
-        <a:xfrm>
-          <a:off x="0" y="0"/>
-          <a:ext cx="0" cy="0"/>
-          <a:chOff x="0" y="0"/>
-          <a:chExt cx="0" cy="0"/>
-        </a:xfrm>
-      </p:grpSpPr>
-      <p:sp>
-        <p:nvSpPr>
-          <p:cNvPr id="2" name="Title 1"/>
-          <p:cNvSpPr>
-            <a:spLocks noGrp="1"/>
-          </p:cNvSpPr>
-          <p:nvPr>
-            <p:ph type="title"/>
-          </p:nvPr>
-        </p:nvSpPr>
-        <p:spPr/>
-        <p:txBody>
-          <a:bodyPr>
-            <a:normAutofit fontScale="90000"/>
-          </a:bodyPr>
-          <a:lstStyle/>
-          <a:p>
-            <a:r>
-              <a:rPr lang="en-US" sz="4900" dirty="0">
-                <a:solidFill>
-                  <a:schemeClr val="tx1"/>
-                </a:solidFill>
-                <a:cs typeface="Segoe UI" panose="020B0502040204020203" pitchFamily="34" charset="0"/>
-              </a:rPr>
-              <a:t>Customer quote</a:t>
-            </a:r>
-            <a:br>
-              <a:rPr lang="en-US" dirty="0">
-                <a:solidFill>
-                  <a:schemeClr val="tx1"/>
-                </a:solidFill>
-                <a:latin typeface="Segoe UI" panose="020B0502040204020203" pitchFamily="34" charset="0"/>
-              </a:rPr>
-            </a:br>
-            <a:endParaRPr lang="en-US" sz="3236" dirty="0">
-              <a:solidFill>
-                <a:schemeClr val="tx1"/>
-              </a:solidFill>
-              <a:latin typeface="Segoe UI" panose="020B0502040204020203" pitchFamily="34" charset="0"/>
-            </a:endParaRPr>
-          </a:p>
-        </p:txBody>
-      </p:sp>
-      <p:sp>
-        <p:nvSpPr>
-          <p:cNvPr id="6" name="Content Placeholder 2">
-            <a:extLst>
-              <a:ext uri="{FF2B5EF4-FFF2-40B4-BE49-F238E27FC236}">
-                <a16:creationId xmlns:a16="http://schemas.microsoft.com/office/drawing/2014/main" id="{33C73602-D512-4A39-9908-FD380D7E1072}"/>
-              </a:ext>
-            </a:extLst>
-          </p:cNvPr>
-          <p:cNvSpPr>
-            <a:spLocks noGrp="1"/>
-          </p:cNvSpPr>
-          <p:nvPr>
-            <p:ph type="body" sz="quarter" idx="10"/>
-          </p:nvPr>
-        </p:nvSpPr>
-        <p:spPr>
-          <a:xfrm>
-            <a:off x="269239" y="1616509"/>
-            <a:ext cx="11653523" cy="3263354"/>
-          </a:xfrm>
-        </p:spPr>
-        <p:txBody>
-          <a:bodyPr>
-            <a:normAutofit fontScale="55000" lnSpcReduction="20000"/>
-          </a:bodyPr>
-          <a:lstStyle/>
-          <a:p>
-            <a:pPr marL="0" indent="0">
-              <a:lnSpc>
-                <a:spcPct val="110000"/>
-              </a:lnSpc>
-              <a:buNone/>
-            </a:pPr>
-            <a:r>
-              <a:rPr lang="en-US" sz="5100" dirty="0">
-                <a:solidFill>
-                  <a:schemeClr val="tx1"/>
-                </a:solidFill>
-                <a:latin typeface="+mn-lt"/>
-              </a:rPr>
-              <a:t>“As a bank who is entrusted by customers all around the world with processing online payments, we have to be pro-active in detecting online fraud and protecting those customers. If we do not detect such activity quickly enough, things can spiral out of control, causing losses and in both monetary terms and our customers' trust. Azure has really enabled us to add that layer of security and peace of mind at a grand scale.”</a:t>
-            </a:r>
-          </a:p>
-          <a:p>
-            <a:pPr marL="0" indent="0">
-              <a:lnSpc>
-                <a:spcPct val="110000"/>
-              </a:lnSpc>
-              <a:buNone/>
-            </a:pPr>
-            <a:endParaRPr lang="en-US" sz="3600" dirty="0">
-              <a:solidFill>
-                <a:schemeClr val="tx1"/>
-              </a:solidFill>
-            </a:endParaRPr>
-          </a:p>
-          <a:p>
-            <a:pPr marL="0" indent="0">
-              <a:lnSpc>
-                <a:spcPct val="110000"/>
-              </a:lnSpc>
-              <a:buNone/>
-            </a:pPr>
-            <a:r>
-              <a:rPr lang="en-US" sz="4500" dirty="0">
-                <a:solidFill>
-                  <a:schemeClr val="tx1"/>
-                </a:solidFill>
-                <a:latin typeface="+mn-lt"/>
-              </a:rPr>
-              <a:t>Mari Stephens, CIO, </a:t>
-            </a:r>
-            <a:r>
-              <a:rPr lang="en-US" sz="4500" dirty="0" err="1">
-                <a:solidFill>
-                  <a:schemeClr val="tx1"/>
-                </a:solidFill>
-                <a:latin typeface="+mn-lt"/>
-              </a:rPr>
-              <a:t>Woodgrove</a:t>
-            </a:r>
-            <a:r>
-              <a:rPr lang="en-US" sz="4500">
-                <a:solidFill>
-                  <a:schemeClr val="tx1"/>
-                </a:solidFill>
-                <a:latin typeface="+mn-lt"/>
-              </a:rPr>
-              <a:t> Bank</a:t>
-            </a:r>
-            <a:endParaRPr lang="en-US" sz="4500" dirty="0">
-              <a:solidFill>
-                <a:schemeClr val="tx1"/>
-              </a:solidFill>
-              <a:latin typeface="+mn-lt"/>
-            </a:endParaRPr>
-          </a:p>
-          <a:p>
-            <a:endParaRPr lang="en-US" sz="3600" dirty="0">
-              <a:solidFill>
-                <a:schemeClr val="tx1"/>
-              </a:solidFill>
-              <a:latin typeface="+mj-lt"/>
-            </a:endParaRPr>
-          </a:p>
-          <a:p>
-            <a:pPr marL="0" indent="0">
-              <a:spcAft>
-                <a:spcPts val="882"/>
-              </a:spcAft>
-              <a:buNone/>
-            </a:pPr>
-            <a:endParaRPr lang="en-US" sz="1800" dirty="0">
-              <a:solidFill>
-                <a:schemeClr val="tx1"/>
-              </a:solidFill>
-            </a:endParaRPr>
-          </a:p>
-        </p:txBody>
-      </p:sp>
-    </p:spTree>
-    <p:extLst>
-      <p:ext uri="{BB962C8B-B14F-4D97-AF65-F5344CB8AC3E}">
-        <p14:creationId xmlns:p14="http://schemas.microsoft.com/office/powerpoint/2010/main" val="2584764470"/>
       </p:ext>
     </p:extLst>
   </p:cSld>
@@ -33234,6 +33806,716 @@
 <file path=ppt/slides/slide30.xml><?xml version="1.0" encoding="utf-8"?>
 <p:sld xmlns:a="http://schemas.openxmlformats.org/drawingml/2006/main" xmlns:r="http://schemas.openxmlformats.org/officeDocument/2006/relationships" xmlns:p="http://schemas.openxmlformats.org/presentationml/2006/main">
   <p:cSld>
+    <p:spTree>
+      <p:nvGrpSpPr>
+        <p:cNvPr id="1" name=""/>
+        <p:cNvGrpSpPr/>
+        <p:nvPr/>
+      </p:nvGrpSpPr>
+      <p:grpSpPr>
+        <a:xfrm>
+          <a:off x="0" y="0"/>
+          <a:ext cx="0" cy="0"/>
+          <a:chOff x="0" y="0"/>
+          <a:chExt cx="0" cy="0"/>
+        </a:xfrm>
+      </p:grpSpPr>
+      <p:sp>
+        <p:nvSpPr>
+          <p:cNvPr id="2" name="Title 1"/>
+          <p:cNvSpPr>
+            <a:spLocks noGrp="1"/>
+          </p:cNvSpPr>
+          <p:nvPr>
+            <p:ph type="title"/>
+          </p:nvPr>
+        </p:nvSpPr>
+        <p:spPr/>
+        <p:txBody>
+          <a:bodyPr>
+            <a:normAutofit fontScale="90000"/>
+          </a:bodyPr>
+          <a:lstStyle/>
+          <a:p>
+            <a:r>
+              <a:rPr lang="en-US" sz="4900" dirty="0">
+                <a:solidFill>
+                  <a:schemeClr val="tx1"/>
+                </a:solidFill>
+                <a:cs typeface="Segoe UI" panose="020B0502040204020203" pitchFamily="34" charset="0"/>
+              </a:rPr>
+              <a:t>Preferred objections handling</a:t>
+            </a:r>
+            <a:br>
+              <a:rPr lang="en-US" dirty="0">
+                <a:solidFill>
+                  <a:schemeClr val="tx1"/>
+                </a:solidFill>
+                <a:latin typeface="Segoe UI" panose="020B0502040204020203" pitchFamily="34" charset="0"/>
+              </a:rPr>
+            </a:br>
+            <a:endParaRPr lang="en-US" sz="3236" dirty="0">
+              <a:solidFill>
+                <a:schemeClr val="tx1"/>
+              </a:solidFill>
+              <a:latin typeface="Segoe UI" panose="020B0502040204020203" pitchFamily="34" charset="0"/>
+            </a:endParaRPr>
+          </a:p>
+        </p:txBody>
+      </p:sp>
+      <p:sp>
+        <p:nvSpPr>
+          <p:cNvPr id="6" name="Content Placeholder 2">
+            <a:extLst>
+              <a:ext uri="{FF2B5EF4-FFF2-40B4-BE49-F238E27FC236}">
+                <a16:creationId xmlns:a16="http://schemas.microsoft.com/office/drawing/2014/main" id="{5FE77A15-50F1-4647-9C43-F377F1C592EE}"/>
+              </a:ext>
+            </a:extLst>
+          </p:cNvPr>
+          <p:cNvSpPr>
+            <a:spLocks noGrp="1"/>
+          </p:cNvSpPr>
+          <p:nvPr>
+            <p:ph type="body" sz="quarter" idx="10"/>
+          </p:nvPr>
+        </p:nvSpPr>
+        <p:spPr>
+          <a:xfrm>
+            <a:off x="269241" y="1474065"/>
+            <a:ext cx="11435848" cy="5094424"/>
+          </a:xfrm>
+        </p:spPr>
+        <p:txBody>
+          <a:bodyPr>
+            <a:normAutofit/>
+          </a:bodyPr>
+          <a:lstStyle/>
+          <a:p>
+            <a:r>
+              <a:rPr lang="en-US" sz="3200" dirty="0">
+                <a:solidFill>
+                  <a:schemeClr val="tx1"/>
+                </a:solidFill>
+                <a:latin typeface="Segoe UI Light" panose="020B0502040204020203" pitchFamily="34" charset="0"/>
+                <a:ea typeface="Segoe UI" panose="020B0502040204020203" pitchFamily="34" charset="0"/>
+                <a:cs typeface="Segoe UI Light" panose="020B0502040204020203" pitchFamily="34" charset="0"/>
+              </a:rPr>
+              <a:t>Properly selecting the right algorithm and training a </a:t>
+            </a:r>
+            <a:br>
+              <a:rPr lang="en-US" sz="3200" dirty="0">
+                <a:solidFill>
+                  <a:schemeClr val="tx1"/>
+                </a:solidFill>
+                <a:latin typeface="Segoe UI Light" panose="020B0502040204020203" pitchFamily="34" charset="0"/>
+                <a:ea typeface="Segoe UI" panose="020B0502040204020203" pitchFamily="34" charset="0"/>
+                <a:cs typeface="Segoe UI Light" panose="020B0502040204020203" pitchFamily="34" charset="0"/>
+              </a:rPr>
+            </a:br>
+            <a:r>
+              <a:rPr lang="en-US" sz="3200" dirty="0">
+                <a:solidFill>
+                  <a:schemeClr val="tx1"/>
+                </a:solidFill>
+                <a:latin typeface="Segoe UI Light" panose="020B0502040204020203" pitchFamily="34" charset="0"/>
+                <a:ea typeface="Segoe UI" panose="020B0502040204020203" pitchFamily="34" charset="0"/>
+                <a:cs typeface="Segoe UI Light" panose="020B0502040204020203" pitchFamily="34" charset="0"/>
+              </a:rPr>
+              <a:t>model using the optimal set of parameters can take a </a:t>
+            </a:r>
+            <a:br>
+              <a:rPr lang="en-US" sz="3200" dirty="0">
+                <a:solidFill>
+                  <a:schemeClr val="tx1"/>
+                </a:solidFill>
+                <a:latin typeface="Segoe UI Light" panose="020B0502040204020203" pitchFamily="34" charset="0"/>
+                <a:ea typeface="Segoe UI" panose="020B0502040204020203" pitchFamily="34" charset="0"/>
+                <a:cs typeface="Segoe UI Light" panose="020B0502040204020203" pitchFamily="34" charset="0"/>
+              </a:rPr>
+            </a:br>
+            <a:r>
+              <a:rPr lang="en-US" sz="3200" dirty="0">
+                <a:solidFill>
+                  <a:schemeClr val="tx1"/>
+                </a:solidFill>
+                <a:latin typeface="Segoe UI Light" panose="020B0502040204020203" pitchFamily="34" charset="0"/>
+                <a:ea typeface="Segoe UI" panose="020B0502040204020203" pitchFamily="34" charset="0"/>
+                <a:cs typeface="Segoe UI Light" panose="020B0502040204020203" pitchFamily="34" charset="0"/>
+              </a:rPr>
+              <a:t>lot of time. Is there a way to speed up this process?</a:t>
+            </a:r>
+          </a:p>
+          <a:p>
+            <a:endParaRPr lang="en-US" sz="3200" dirty="0">
+              <a:solidFill>
+                <a:schemeClr val="tx1"/>
+              </a:solidFill>
+              <a:latin typeface="Segoe UI Light" panose="020B0502040204020203" pitchFamily="34" charset="0"/>
+              <a:ea typeface="Segoe UI" panose="020B0502040204020203" pitchFamily="34" charset="0"/>
+              <a:cs typeface="Segoe UI Light" panose="020B0502040204020203" pitchFamily="34" charset="0"/>
+            </a:endParaRPr>
+          </a:p>
+          <a:p>
+            <a:pPr marL="336145" lvl="1" indent="0">
+              <a:buNone/>
+            </a:pPr>
+            <a:r>
+              <a:rPr lang="en-US" sz="2800" dirty="0">
+                <a:solidFill>
+                  <a:schemeClr val="tx1"/>
+                </a:solidFill>
+                <a:latin typeface="Segoe UI Light" panose="020B0502040204020203" pitchFamily="34" charset="0"/>
+                <a:ea typeface="Segoe UI" panose="020B0502040204020203" pitchFamily="34" charset="0"/>
+                <a:cs typeface="Segoe UI Light" panose="020B0502040204020203" pitchFamily="34" charset="0"/>
+              </a:rPr>
+              <a:t>The typical approach to model training involves a time-consuming process trying dozens or even hundreds of combinations. This includes different ways of normalizing data, trying different algorithms and different settings for those algorithms (hyperparameters). Azure Machine Learning </a:t>
+            </a:r>
+            <a:r>
+              <a:rPr lang="en-US" sz="2800" dirty="0" err="1">
+                <a:solidFill>
+                  <a:schemeClr val="tx1"/>
+                </a:solidFill>
+                <a:latin typeface="Segoe UI Light" panose="020B0502040204020203" pitchFamily="34" charset="0"/>
+                <a:ea typeface="Segoe UI" panose="020B0502040204020203" pitchFamily="34" charset="0"/>
+                <a:cs typeface="Segoe UI Light" panose="020B0502040204020203" pitchFamily="34" charset="0"/>
+              </a:rPr>
+              <a:t>AutoML</a:t>
+            </a:r>
+            <a:r>
+              <a:rPr lang="en-US" sz="2800" dirty="0">
+                <a:solidFill>
+                  <a:schemeClr val="tx1"/>
+                </a:solidFill>
+                <a:latin typeface="Segoe UI Light" panose="020B0502040204020203" pitchFamily="34" charset="0"/>
+                <a:ea typeface="Segoe UI" panose="020B0502040204020203" pitchFamily="34" charset="0"/>
+                <a:cs typeface="Segoe UI Light" panose="020B0502040204020203" pitchFamily="34" charset="0"/>
+              </a:rPr>
+              <a:t> helps automate trying different combinations and evaluating the best performing model against a user-selected performance metric. This can be used within Databricks notebooks.</a:t>
+            </a:r>
+          </a:p>
+          <a:p>
+            <a:pPr marL="0" indent="0">
+              <a:spcAft>
+                <a:spcPts val="882"/>
+              </a:spcAft>
+              <a:buNone/>
+            </a:pPr>
+            <a:endParaRPr lang="en-US" sz="1800" dirty="0">
+              <a:solidFill>
+                <a:schemeClr val="tx1"/>
+              </a:solidFill>
+            </a:endParaRPr>
+          </a:p>
+        </p:txBody>
+      </p:sp>
+      <p:pic>
+        <p:nvPicPr>
+          <p:cNvPr id="7" name="Graphic 6" descr="Question icon&#10;&#10;">
+            <a:extLst>
+              <a:ext uri="{FF2B5EF4-FFF2-40B4-BE49-F238E27FC236}">
+                <a16:creationId xmlns:a16="http://schemas.microsoft.com/office/drawing/2014/main" id="{889D6449-11C1-40AE-9B51-5752FA2A011F}"/>
+              </a:ext>
+            </a:extLst>
+          </p:cNvPr>
+          <p:cNvPicPr>
+            <a:picLocks noChangeAspect="1"/>
+          </p:cNvPicPr>
+          <p:nvPr/>
+        </p:nvPicPr>
+        <p:blipFill>
+          <a:blip r:embed="rId3">
+            <a:extLst>
+              <a:ext uri="{28A0092B-C50C-407E-A947-70E740481C1C}">
+                <a14:useLocalDpi xmlns:a14="http://schemas.microsoft.com/office/drawing/2010/main" val="0"/>
+              </a:ext>
+              <a:ext uri="{96DAC541-7B7A-43D3-8B79-37D633B846F1}">
+                <asvg:svgBlip xmlns:asvg="http://schemas.microsoft.com/office/drawing/2016/SVG/main" r:embed="rId4"/>
+              </a:ext>
+            </a:extLst>
+          </a:blip>
+          <a:stretch>
+            <a:fillRect/>
+          </a:stretch>
+        </p:blipFill>
+        <p:spPr>
+          <a:xfrm>
+            <a:off x="9753008" y="104300"/>
+            <a:ext cx="2169751" cy="2169751"/>
+          </a:xfrm>
+          <a:prstGeom prst="rect">
+            <a:avLst/>
+          </a:prstGeom>
+        </p:spPr>
+      </p:pic>
+    </p:spTree>
+    <p:extLst>
+      <p:ext uri="{BB962C8B-B14F-4D97-AF65-F5344CB8AC3E}">
+        <p14:creationId xmlns:p14="http://schemas.microsoft.com/office/powerpoint/2010/main" val="3126255992"/>
+      </p:ext>
+    </p:extLst>
+  </p:cSld>
+  <p:clrMapOvr>
+    <a:masterClrMapping/>
+  </p:clrMapOvr>
+  <mc:AlternateContent xmlns:mc="http://schemas.openxmlformats.org/markup-compatibility/2006" xmlns:p14="http://schemas.microsoft.com/office/powerpoint/2010/main">
+    <mc:Choice Requires="p14">
+      <p:transition p14:dur="0"/>
+    </mc:Choice>
+    <mc:Fallback xmlns="">
+      <p:transition/>
+    </mc:Fallback>
+  </mc:AlternateContent>
+</p:sld>
+</file>
+
+<file path=ppt/slides/slide31.xml><?xml version="1.0" encoding="utf-8"?>
+<p:sld xmlns:a="http://schemas.openxmlformats.org/drawingml/2006/main" xmlns:r="http://schemas.openxmlformats.org/officeDocument/2006/relationships" xmlns:p="http://schemas.openxmlformats.org/presentationml/2006/main">
+  <p:cSld>
+    <p:spTree>
+      <p:nvGrpSpPr>
+        <p:cNvPr id="1" name=""/>
+        <p:cNvGrpSpPr/>
+        <p:nvPr/>
+      </p:nvGrpSpPr>
+      <p:grpSpPr>
+        <a:xfrm>
+          <a:off x="0" y="0"/>
+          <a:ext cx="0" cy="0"/>
+          <a:chOff x="0" y="0"/>
+          <a:chExt cx="0" cy="0"/>
+        </a:xfrm>
+      </p:grpSpPr>
+      <p:sp>
+        <p:nvSpPr>
+          <p:cNvPr id="2" name="Title 1"/>
+          <p:cNvSpPr>
+            <a:spLocks noGrp="1"/>
+          </p:cNvSpPr>
+          <p:nvPr>
+            <p:ph type="title"/>
+          </p:nvPr>
+        </p:nvSpPr>
+        <p:spPr/>
+        <p:txBody>
+          <a:bodyPr>
+            <a:normAutofit fontScale="90000"/>
+          </a:bodyPr>
+          <a:lstStyle/>
+          <a:p>
+            <a:r>
+              <a:rPr lang="en-US" sz="4900" dirty="0">
+                <a:solidFill>
+                  <a:schemeClr val="tx1"/>
+                </a:solidFill>
+                <a:cs typeface="Segoe UI" panose="020B0502040204020203" pitchFamily="34" charset="0"/>
+              </a:rPr>
+              <a:t>Preferred objections handling</a:t>
+            </a:r>
+            <a:br>
+              <a:rPr lang="en-US" dirty="0">
+                <a:solidFill>
+                  <a:schemeClr val="tx1"/>
+                </a:solidFill>
+                <a:latin typeface="Segoe UI" panose="020B0502040204020203" pitchFamily="34" charset="0"/>
+              </a:rPr>
+            </a:br>
+            <a:endParaRPr lang="en-US" sz="3236" dirty="0">
+              <a:solidFill>
+                <a:schemeClr val="tx1"/>
+              </a:solidFill>
+              <a:latin typeface="Segoe UI" panose="020B0502040204020203" pitchFamily="34" charset="0"/>
+            </a:endParaRPr>
+          </a:p>
+        </p:txBody>
+      </p:sp>
+      <p:sp>
+        <p:nvSpPr>
+          <p:cNvPr id="6" name="Content Placeholder 2">
+            <a:extLst>
+              <a:ext uri="{FF2B5EF4-FFF2-40B4-BE49-F238E27FC236}">
+                <a16:creationId xmlns:a16="http://schemas.microsoft.com/office/drawing/2014/main" id="{5FE77A15-50F1-4647-9C43-F377F1C592EE}"/>
+              </a:ext>
+            </a:extLst>
+          </p:cNvPr>
+          <p:cNvSpPr>
+            <a:spLocks noGrp="1"/>
+          </p:cNvSpPr>
+          <p:nvPr>
+            <p:ph type="body" sz="quarter" idx="10"/>
+          </p:nvPr>
+        </p:nvSpPr>
+        <p:spPr>
+          <a:xfrm>
+            <a:off x="269241" y="1189176"/>
+            <a:ext cx="11435848" cy="5618680"/>
+          </a:xfrm>
+        </p:spPr>
+        <p:txBody>
+          <a:bodyPr>
+            <a:normAutofit/>
+          </a:bodyPr>
+          <a:lstStyle/>
+          <a:p>
+            <a:r>
+              <a:rPr lang="en-US" sz="3200" dirty="0">
+                <a:solidFill>
+                  <a:schemeClr val="tx1"/>
+                </a:solidFill>
+                <a:latin typeface="Segoe UI Light" panose="020B0502040204020203" pitchFamily="34" charset="0"/>
+                <a:ea typeface="Segoe UI" panose="020B0502040204020203" pitchFamily="34" charset="0"/>
+                <a:cs typeface="Segoe UI Light" panose="020B0502040204020203" pitchFamily="34" charset="0"/>
+              </a:rPr>
+              <a:t>We are concerned about how much it costs to use </a:t>
+            </a:r>
+            <a:br>
+              <a:rPr lang="en-US" sz="3200" dirty="0">
+                <a:solidFill>
+                  <a:schemeClr val="tx1"/>
+                </a:solidFill>
+                <a:latin typeface="Segoe UI Light" panose="020B0502040204020203" pitchFamily="34" charset="0"/>
+                <a:ea typeface="Segoe UI" panose="020B0502040204020203" pitchFamily="34" charset="0"/>
+                <a:cs typeface="Segoe UI Light" panose="020B0502040204020203" pitchFamily="34" charset="0"/>
+              </a:rPr>
+            </a:br>
+            <a:r>
+              <a:rPr lang="en-US" sz="3200" dirty="0">
+                <a:solidFill>
+                  <a:schemeClr val="tx1"/>
+                </a:solidFill>
+                <a:latin typeface="Segoe UI Light" panose="020B0502040204020203" pitchFamily="34" charset="0"/>
+                <a:ea typeface="Segoe UI" panose="020B0502040204020203" pitchFamily="34" charset="0"/>
+                <a:cs typeface="Segoe UI Light" panose="020B0502040204020203" pitchFamily="34" charset="0"/>
+              </a:rPr>
+              <a:t>Cosmos DB for our solution. What is the real value in </a:t>
+            </a:r>
+            <a:br>
+              <a:rPr lang="en-US" sz="3200" dirty="0">
+                <a:solidFill>
+                  <a:schemeClr val="tx1"/>
+                </a:solidFill>
+                <a:latin typeface="Segoe UI Light" panose="020B0502040204020203" pitchFamily="34" charset="0"/>
+                <a:ea typeface="Segoe UI" panose="020B0502040204020203" pitchFamily="34" charset="0"/>
+                <a:cs typeface="Segoe UI Light" panose="020B0502040204020203" pitchFamily="34" charset="0"/>
+              </a:rPr>
+            </a:br>
+            <a:r>
+              <a:rPr lang="en-US" sz="3200" dirty="0">
+                <a:solidFill>
+                  <a:schemeClr val="tx1"/>
+                </a:solidFill>
+                <a:latin typeface="Segoe UI Light" panose="020B0502040204020203" pitchFamily="34" charset="0"/>
+                <a:ea typeface="Segoe UI" panose="020B0502040204020203" pitchFamily="34" charset="0"/>
+                <a:cs typeface="Segoe UI Light" panose="020B0502040204020203" pitchFamily="34" charset="0"/>
+              </a:rPr>
+              <a:t>using this service?</a:t>
+            </a:r>
+          </a:p>
+          <a:p>
+            <a:endParaRPr lang="en-US" sz="3200" dirty="0">
+              <a:solidFill>
+                <a:schemeClr val="tx1"/>
+              </a:solidFill>
+              <a:latin typeface="Segoe UI Light" panose="020B0502040204020203" pitchFamily="34" charset="0"/>
+              <a:ea typeface="Segoe UI" panose="020B0502040204020203" pitchFamily="34" charset="0"/>
+              <a:cs typeface="Segoe UI Light" panose="020B0502040204020203" pitchFamily="34" charset="0"/>
+            </a:endParaRPr>
+          </a:p>
+          <a:p>
+            <a:pPr marL="336145" lvl="1" indent="0">
+              <a:buNone/>
+            </a:pPr>
+            <a:r>
+              <a:rPr lang="en-US" sz="2800" dirty="0">
+                <a:solidFill>
+                  <a:schemeClr val="tx1"/>
+                </a:solidFill>
+                <a:latin typeface="Segoe UI Light" panose="020B0502040204020203" pitchFamily="34" charset="0"/>
+                <a:ea typeface="Segoe UI" panose="020B0502040204020203" pitchFamily="34" charset="0"/>
+                <a:cs typeface="Segoe UI Light" panose="020B0502040204020203" pitchFamily="34" charset="0"/>
+              </a:rPr>
+              <a:t>Its greatest strength is that it provides a multi-model, globally available NoSQL database with high concurrency, low latency, and predictable results. All data is synchronized transparently across all regions for you. Save costs by scaling up resource units (RUs) as you need them for batch processes or heavy load, then scale back down. You can automate this with a combination of Azure Monitor and Azure Functions. Use time-to-live (TTL) to automatically delete entities after a specified period of time to save space. Also, store multiple entity types in the same collection. Do not create a separate collection for each entity type.</a:t>
+            </a:r>
+          </a:p>
+          <a:p>
+            <a:pPr marL="0" indent="0">
+              <a:spcAft>
+                <a:spcPts val="882"/>
+              </a:spcAft>
+              <a:buNone/>
+            </a:pPr>
+            <a:endParaRPr lang="en-US" sz="1800" dirty="0">
+              <a:solidFill>
+                <a:schemeClr val="tx1"/>
+              </a:solidFill>
+            </a:endParaRPr>
+          </a:p>
+        </p:txBody>
+      </p:sp>
+      <p:pic>
+        <p:nvPicPr>
+          <p:cNvPr id="7" name="Graphic 6" descr="Question icon&#10;&#10;">
+            <a:extLst>
+              <a:ext uri="{FF2B5EF4-FFF2-40B4-BE49-F238E27FC236}">
+                <a16:creationId xmlns:a16="http://schemas.microsoft.com/office/drawing/2014/main" id="{889D6449-11C1-40AE-9B51-5752FA2A011F}"/>
+              </a:ext>
+            </a:extLst>
+          </p:cNvPr>
+          <p:cNvPicPr>
+            <a:picLocks noChangeAspect="1"/>
+          </p:cNvPicPr>
+          <p:nvPr/>
+        </p:nvPicPr>
+        <p:blipFill>
+          <a:blip r:embed="rId3">
+            <a:extLst>
+              <a:ext uri="{28A0092B-C50C-407E-A947-70E740481C1C}">
+                <a14:useLocalDpi xmlns:a14="http://schemas.microsoft.com/office/drawing/2010/main" val="0"/>
+              </a:ext>
+              <a:ext uri="{96DAC541-7B7A-43D3-8B79-37D633B846F1}">
+                <asvg:svgBlip xmlns:asvg="http://schemas.microsoft.com/office/drawing/2016/SVG/main" r:embed="rId4"/>
+              </a:ext>
+            </a:extLst>
+          </a:blip>
+          <a:stretch>
+            <a:fillRect/>
+          </a:stretch>
+        </p:blipFill>
+        <p:spPr>
+          <a:xfrm>
+            <a:off x="9753008" y="104300"/>
+            <a:ext cx="2169751" cy="2169751"/>
+          </a:xfrm>
+          <a:prstGeom prst="rect">
+            <a:avLst/>
+          </a:prstGeom>
+        </p:spPr>
+      </p:pic>
+    </p:spTree>
+    <p:extLst>
+      <p:ext uri="{BB962C8B-B14F-4D97-AF65-F5344CB8AC3E}">
+        <p14:creationId xmlns:p14="http://schemas.microsoft.com/office/powerpoint/2010/main" val="2961251231"/>
+      </p:ext>
+    </p:extLst>
+  </p:cSld>
+  <p:clrMapOvr>
+    <a:masterClrMapping/>
+  </p:clrMapOvr>
+  <mc:AlternateContent xmlns:mc="http://schemas.openxmlformats.org/markup-compatibility/2006" xmlns:p14="http://schemas.microsoft.com/office/powerpoint/2010/main">
+    <mc:Choice Requires="p14">
+      <p:transition p14:dur="0"/>
+    </mc:Choice>
+    <mc:Fallback xmlns="">
+      <p:transition/>
+    </mc:Fallback>
+  </mc:AlternateContent>
+</p:sld>
+</file>
+
+<file path=ppt/slides/slide32.xml><?xml version="1.0" encoding="utf-8"?>
+<p:sld xmlns:a="http://schemas.openxmlformats.org/drawingml/2006/main" xmlns:r="http://schemas.openxmlformats.org/officeDocument/2006/relationships" xmlns:p="http://schemas.openxmlformats.org/presentationml/2006/main">
+  <p:cSld>
+    <p:spTree>
+      <p:nvGrpSpPr>
+        <p:cNvPr id="1" name=""/>
+        <p:cNvGrpSpPr/>
+        <p:nvPr/>
+      </p:nvGrpSpPr>
+      <p:grpSpPr>
+        <a:xfrm>
+          <a:off x="0" y="0"/>
+          <a:ext cx="0" cy="0"/>
+          <a:chOff x="0" y="0"/>
+          <a:chExt cx="0" cy="0"/>
+        </a:xfrm>
+      </p:grpSpPr>
+      <p:sp>
+        <p:nvSpPr>
+          <p:cNvPr id="2" name="Title 1"/>
+          <p:cNvSpPr>
+            <a:spLocks noGrp="1"/>
+          </p:cNvSpPr>
+          <p:nvPr>
+            <p:ph type="title"/>
+          </p:nvPr>
+        </p:nvSpPr>
+        <p:spPr/>
+        <p:txBody>
+          <a:bodyPr>
+            <a:normAutofit fontScale="90000"/>
+          </a:bodyPr>
+          <a:lstStyle/>
+          <a:p>
+            <a:r>
+              <a:rPr lang="en-US" sz="4900" dirty="0">
+                <a:solidFill>
+                  <a:schemeClr val="tx1"/>
+                </a:solidFill>
+                <a:cs typeface="Segoe UI" panose="020B0502040204020203" pitchFamily="34" charset="0"/>
+              </a:rPr>
+              <a:t>Customer quote</a:t>
+            </a:r>
+            <a:br>
+              <a:rPr lang="en-US" dirty="0">
+                <a:solidFill>
+                  <a:schemeClr val="tx1"/>
+                </a:solidFill>
+                <a:latin typeface="Segoe UI" panose="020B0502040204020203" pitchFamily="34" charset="0"/>
+              </a:rPr>
+            </a:br>
+            <a:endParaRPr lang="en-US" sz="3236" dirty="0">
+              <a:solidFill>
+                <a:schemeClr val="tx1"/>
+              </a:solidFill>
+              <a:latin typeface="Segoe UI" panose="020B0502040204020203" pitchFamily="34" charset="0"/>
+            </a:endParaRPr>
+          </a:p>
+        </p:txBody>
+      </p:sp>
+      <p:sp>
+        <p:nvSpPr>
+          <p:cNvPr id="6" name="Content Placeholder 2">
+            <a:extLst>
+              <a:ext uri="{FF2B5EF4-FFF2-40B4-BE49-F238E27FC236}">
+                <a16:creationId xmlns:a16="http://schemas.microsoft.com/office/drawing/2014/main" id="{33C73602-D512-4A39-9908-FD380D7E1072}"/>
+              </a:ext>
+            </a:extLst>
+          </p:cNvPr>
+          <p:cNvSpPr>
+            <a:spLocks noGrp="1"/>
+          </p:cNvSpPr>
+          <p:nvPr>
+            <p:ph type="body" sz="quarter" idx="10"/>
+          </p:nvPr>
+        </p:nvSpPr>
+        <p:spPr>
+          <a:xfrm>
+            <a:off x="269239" y="1616509"/>
+            <a:ext cx="11653523" cy="3263354"/>
+          </a:xfrm>
+        </p:spPr>
+        <p:txBody>
+          <a:bodyPr>
+            <a:normAutofit fontScale="55000" lnSpcReduction="20000"/>
+          </a:bodyPr>
+          <a:lstStyle/>
+          <a:p>
+            <a:pPr marL="0" indent="0">
+              <a:lnSpc>
+                <a:spcPct val="110000"/>
+              </a:lnSpc>
+              <a:buNone/>
+            </a:pPr>
+            <a:r>
+              <a:rPr lang="en-US" sz="5100" dirty="0">
+                <a:solidFill>
+                  <a:schemeClr val="tx1"/>
+                </a:solidFill>
+                <a:latin typeface="+mn-lt"/>
+              </a:rPr>
+              <a:t>“As a bank who is entrusted by customers all around the world with processing online payments, we have to be pro-active in detecting online fraud and protecting those customers. If we do not detect such activity quickly enough, things can spiral out of control, causing losses and in both monetary terms and our customers' trust. Azure has really enabled us to add that layer of security and peace of mind at a grand scale.”</a:t>
+            </a:r>
+          </a:p>
+          <a:p>
+            <a:pPr marL="0" indent="0">
+              <a:lnSpc>
+                <a:spcPct val="110000"/>
+              </a:lnSpc>
+              <a:buNone/>
+            </a:pPr>
+            <a:endParaRPr lang="en-US" sz="3600" dirty="0">
+              <a:solidFill>
+                <a:schemeClr val="tx1"/>
+              </a:solidFill>
+            </a:endParaRPr>
+          </a:p>
+          <a:p>
+            <a:pPr marL="0" indent="0">
+              <a:lnSpc>
+                <a:spcPct val="110000"/>
+              </a:lnSpc>
+              <a:buNone/>
+            </a:pPr>
+            <a:r>
+              <a:rPr lang="en-US" sz="4500" dirty="0">
+                <a:solidFill>
+                  <a:schemeClr val="tx1"/>
+                </a:solidFill>
+                <a:latin typeface="+mn-lt"/>
+              </a:rPr>
+              <a:t>Mari Stephens, CIO, </a:t>
+            </a:r>
+            <a:r>
+              <a:rPr lang="en-US" sz="4500" dirty="0" err="1">
+                <a:solidFill>
+                  <a:schemeClr val="tx1"/>
+                </a:solidFill>
+                <a:latin typeface="+mn-lt"/>
+              </a:rPr>
+              <a:t>Woodgrove</a:t>
+            </a:r>
+            <a:r>
+              <a:rPr lang="en-US" sz="4500">
+                <a:solidFill>
+                  <a:schemeClr val="tx1"/>
+                </a:solidFill>
+                <a:latin typeface="+mn-lt"/>
+              </a:rPr>
+              <a:t> Bank</a:t>
+            </a:r>
+            <a:endParaRPr lang="en-US" sz="4500" dirty="0">
+              <a:solidFill>
+                <a:schemeClr val="tx1"/>
+              </a:solidFill>
+              <a:latin typeface="+mn-lt"/>
+            </a:endParaRPr>
+          </a:p>
+          <a:p>
+            <a:endParaRPr lang="en-US" sz="3600" dirty="0">
+              <a:solidFill>
+                <a:schemeClr val="tx1"/>
+              </a:solidFill>
+              <a:latin typeface="+mj-lt"/>
+            </a:endParaRPr>
+          </a:p>
+          <a:p>
+            <a:pPr marL="0" indent="0">
+              <a:spcAft>
+                <a:spcPts val="882"/>
+              </a:spcAft>
+              <a:buNone/>
+            </a:pPr>
+            <a:endParaRPr lang="en-US" sz="1800" dirty="0">
+              <a:solidFill>
+                <a:schemeClr val="tx1"/>
+              </a:solidFill>
+            </a:endParaRPr>
+          </a:p>
+        </p:txBody>
+      </p:sp>
+    </p:spTree>
+    <p:extLst>
+      <p:ext uri="{BB962C8B-B14F-4D97-AF65-F5344CB8AC3E}">
+        <p14:creationId xmlns:p14="http://schemas.microsoft.com/office/powerpoint/2010/main" val="2584764470"/>
+      </p:ext>
+    </p:extLst>
+  </p:cSld>
+  <p:clrMapOvr>
+    <a:masterClrMapping/>
+  </p:clrMapOvr>
+  <mc:AlternateContent xmlns:mc="http://schemas.openxmlformats.org/markup-compatibility/2006" xmlns:p14="http://schemas.microsoft.com/office/powerpoint/2010/main">
+    <mc:Choice Requires="p14">
+      <p:transition p14:dur="0"/>
+    </mc:Choice>
+    <mc:Fallback xmlns="">
+      <p:transition/>
+    </mc:Fallback>
+  </mc:AlternateContent>
+</p:sld>
+</file>
+
+<file path=ppt/slides/slide33.xml><?xml version="1.0" encoding="utf-8"?>
+<p:sld xmlns:a="http://schemas.openxmlformats.org/drawingml/2006/main" xmlns:r="http://schemas.openxmlformats.org/officeDocument/2006/relationships" xmlns:p="http://schemas.openxmlformats.org/presentationml/2006/main">
+  <p:cSld>
     <p:bg>
       <p:bgPr>
         <a:solidFill>
@@ -33281,7 +34563,7 @@
 </p:sld>
 </file>
 
-<file path=ppt/slides/slide31.xml><?xml version="1.0" encoding="utf-8"?>
+<file path=ppt/slides/slide34.xml><?xml version="1.0" encoding="utf-8"?>
 <p:sld xmlns:a="http://schemas.openxmlformats.org/drawingml/2006/main" xmlns:r="http://schemas.openxmlformats.org/officeDocument/2006/relationships" xmlns:p="http://schemas.openxmlformats.org/presentationml/2006/main" show="0">
   <p:cSld>
     <p:spTree>
@@ -33432,7 +34714,7 @@
 </p:sld>
 </file>
 
-<file path=ppt/slides/slide32.xml><?xml version="1.0" encoding="utf-8"?>
+<file path=ppt/slides/slide35.xml><?xml version="1.0" encoding="utf-8"?>
 <p:sld xmlns:a="http://schemas.openxmlformats.org/drawingml/2006/main" xmlns:r="http://schemas.openxmlformats.org/officeDocument/2006/relationships" xmlns:p="http://schemas.openxmlformats.org/presentationml/2006/main" show="0">
   <p:cSld>
     <p:spTree>
@@ -33840,7 +35122,7 @@
 </p:sld>
 </file>
 
-<file path=ppt/slides/slide33.xml><?xml version="1.0" encoding="utf-8"?>
+<file path=ppt/slides/slide36.xml><?xml version="1.0" encoding="utf-8"?>
 <p:sld xmlns:a="http://schemas.openxmlformats.org/drawingml/2006/main" xmlns:r="http://schemas.openxmlformats.org/officeDocument/2006/relationships" xmlns:p="http://schemas.openxmlformats.org/presentationml/2006/main" show="0">
   <p:cSld>
     <p:spTree>
@@ -33996,229 +35278,6 @@
     <p:extLst>
       <p:ext uri="{BB962C8B-B14F-4D97-AF65-F5344CB8AC3E}">
         <p14:creationId xmlns:p14="http://schemas.microsoft.com/office/powerpoint/2010/main" val="3887587415"/>
-      </p:ext>
-    </p:extLst>
-  </p:cSld>
-  <p:clrMapOvr>
-    <a:masterClrMapping/>
-  </p:clrMapOvr>
-  <mc:AlternateContent xmlns:mc="http://schemas.openxmlformats.org/markup-compatibility/2006" xmlns:p14="http://schemas.microsoft.com/office/powerpoint/2010/main">
-    <mc:Choice Requires="p14">
-      <p:transition spd="med" p14:dur="700">
-        <p:fade/>
-      </p:transition>
-    </mc:Choice>
-    <mc:Fallback xmlns="">
-      <p:transition spd="med">
-        <p:fade/>
-      </p:transition>
-    </mc:Fallback>
-  </mc:AlternateContent>
-</p:sld>
-</file>
-
-<file path=ppt/slides/slide34.xml><?xml version="1.0" encoding="utf-8"?>
-<p:sld xmlns:a="http://schemas.openxmlformats.org/drawingml/2006/main" xmlns:r="http://schemas.openxmlformats.org/officeDocument/2006/relationships" xmlns:p="http://schemas.openxmlformats.org/presentationml/2006/main" show="0">
-  <p:cSld>
-    <p:spTree>
-      <p:nvGrpSpPr>
-        <p:cNvPr id="1" name=""/>
-        <p:cNvGrpSpPr/>
-        <p:nvPr/>
-      </p:nvGrpSpPr>
-      <p:grpSpPr>
-        <a:xfrm>
-          <a:off x="0" y="0"/>
-          <a:ext cx="0" cy="0"/>
-          <a:chOff x="0" y="0"/>
-          <a:chExt cx="0" cy="0"/>
-        </a:xfrm>
-      </p:grpSpPr>
-      <p:sp>
-        <p:nvSpPr>
-          <p:cNvPr id="2" name="Title 1"/>
-          <p:cNvSpPr>
-            <a:spLocks noGrp="1"/>
-          </p:cNvSpPr>
-          <p:nvPr>
-            <p:ph type="title"/>
-          </p:nvPr>
-        </p:nvSpPr>
-        <p:spPr>
-          <a:xfrm>
-            <a:off x="269240" y="3010840"/>
-            <a:ext cx="4795873" cy="836319"/>
-          </a:xfrm>
-        </p:spPr>
-        <p:txBody>
-          <a:bodyPr/>
-          <a:lstStyle/>
-          <a:p>
-            <a:r>
-              <a:rPr lang="en-US" dirty="0">
-                <a:solidFill>
-                  <a:schemeClr val="tx1"/>
-                </a:solidFill>
-              </a:rPr>
-              <a:t>Photo layout 1</a:t>
-            </a:r>
-          </a:p>
-        </p:txBody>
-      </p:sp>
-      <p:sp>
-        <p:nvSpPr>
-          <p:cNvPr id="3" name="Picture Placeholder 2">
-            <a:extLst>
-              <a:ext uri="{FF2B5EF4-FFF2-40B4-BE49-F238E27FC236}">
-                <a16:creationId xmlns:a16="http://schemas.microsoft.com/office/drawing/2014/main" id="{1C1F0CEC-E709-49D5-9437-71B581E4C3E3}"/>
-              </a:ext>
-            </a:extLst>
-          </p:cNvPr>
-          <p:cNvSpPr>
-            <a:spLocks noGrp="1"/>
-          </p:cNvSpPr>
-          <p:nvPr>
-            <p:ph type="pic" sz="quarter" idx="10"/>
-          </p:nvPr>
-        </p:nvSpPr>
-        <p:spPr/>
-      </p:sp>
-    </p:spTree>
-    <p:extLst>
-      <p:ext uri="{BB962C8B-B14F-4D97-AF65-F5344CB8AC3E}">
-        <p14:creationId xmlns:p14="http://schemas.microsoft.com/office/powerpoint/2010/main" val="491487794"/>
-      </p:ext>
-    </p:extLst>
-  </p:cSld>
-  <p:clrMapOvr>
-    <a:masterClrMapping/>
-  </p:clrMapOvr>
-  <mc:AlternateContent xmlns:mc="http://schemas.openxmlformats.org/markup-compatibility/2006" xmlns:p14="http://schemas.microsoft.com/office/powerpoint/2010/main">
-    <mc:Choice Requires="p14">
-      <p:transition spd="med" p14:dur="700">
-        <p:fade/>
-      </p:transition>
-    </mc:Choice>
-    <mc:Fallback xmlns="">
-      <p:transition spd="med">
-        <p:fade/>
-      </p:transition>
-    </mc:Fallback>
-  </mc:AlternateContent>
-</p:sld>
-</file>
-
-<file path=ppt/slides/slide35.xml><?xml version="1.0" encoding="utf-8"?>
-<p:sld xmlns:a="http://schemas.openxmlformats.org/drawingml/2006/main" xmlns:r="http://schemas.openxmlformats.org/officeDocument/2006/relationships" xmlns:p="http://schemas.openxmlformats.org/presentationml/2006/main" show="0">
-  <p:cSld>
-    <p:spTree>
-      <p:nvGrpSpPr>
-        <p:cNvPr id="1" name=""/>
-        <p:cNvGrpSpPr/>
-        <p:nvPr/>
-      </p:nvGrpSpPr>
-      <p:grpSpPr>
-        <a:xfrm>
-          <a:off x="0" y="0"/>
-          <a:ext cx="0" cy="0"/>
-          <a:chOff x="0" y="0"/>
-          <a:chExt cx="0" cy="0"/>
-        </a:xfrm>
-      </p:grpSpPr>
-      <p:sp>
-        <p:nvSpPr>
-          <p:cNvPr id="3" name="Title 2"/>
-          <p:cNvSpPr>
-            <a:spLocks noGrp="1"/>
-          </p:cNvSpPr>
-          <p:nvPr>
-            <p:ph type="title"/>
-          </p:nvPr>
-        </p:nvSpPr>
-        <p:spPr/>
-        <p:txBody>
-          <a:bodyPr/>
-          <a:lstStyle/>
-          <a:p>
-            <a:r>
-              <a:rPr lang="en-US" dirty="0">
-                <a:solidFill>
-                  <a:schemeClr val="tx1"/>
-                </a:solidFill>
-              </a:rPr>
-              <a:t>Demo</a:t>
-            </a:r>
-          </a:p>
-        </p:txBody>
-      </p:sp>
-    </p:spTree>
-    <p:extLst>
-      <p:ext uri="{BB962C8B-B14F-4D97-AF65-F5344CB8AC3E}">
-        <p14:creationId xmlns:p14="http://schemas.microsoft.com/office/powerpoint/2010/main" val="4151172388"/>
-      </p:ext>
-    </p:extLst>
-  </p:cSld>
-  <p:clrMapOvr>
-    <a:masterClrMapping/>
-  </p:clrMapOvr>
-  <mc:AlternateContent xmlns:mc="http://schemas.openxmlformats.org/markup-compatibility/2006" xmlns:p14="http://schemas.microsoft.com/office/powerpoint/2010/main">
-    <mc:Choice Requires="p14">
-      <p:transition spd="med" p14:dur="700">
-        <p:fade/>
-      </p:transition>
-    </mc:Choice>
-    <mc:Fallback xmlns="">
-      <p:transition spd="med">
-        <p:fade/>
-      </p:transition>
-    </mc:Fallback>
-  </mc:AlternateContent>
-</p:sld>
-</file>
-
-<file path=ppt/slides/slide36.xml><?xml version="1.0" encoding="utf-8"?>
-<p:sld xmlns:a="http://schemas.openxmlformats.org/drawingml/2006/main" xmlns:r="http://schemas.openxmlformats.org/officeDocument/2006/relationships" xmlns:p="http://schemas.openxmlformats.org/presentationml/2006/main" show="0">
-  <p:cSld>
-    <p:spTree>
-      <p:nvGrpSpPr>
-        <p:cNvPr id="1" name=""/>
-        <p:cNvGrpSpPr/>
-        <p:nvPr/>
-      </p:nvGrpSpPr>
-      <p:grpSpPr>
-        <a:xfrm>
-          <a:off x="0" y="0"/>
-          <a:ext cx="0" cy="0"/>
-          <a:chOff x="0" y="0"/>
-          <a:chExt cx="0" cy="0"/>
-        </a:xfrm>
-      </p:grpSpPr>
-      <p:sp>
-        <p:nvSpPr>
-          <p:cNvPr id="4" name="Title 3"/>
-          <p:cNvSpPr>
-            <a:spLocks noGrp="1"/>
-          </p:cNvSpPr>
-          <p:nvPr>
-            <p:ph type="title"/>
-          </p:nvPr>
-        </p:nvSpPr>
-        <p:spPr/>
-        <p:txBody>
-          <a:bodyPr/>
-          <a:lstStyle/>
-          <a:p>
-            <a:r>
-              <a:rPr lang="en-US" dirty="0"/>
-              <a:t>Video</a:t>
-            </a:r>
-          </a:p>
-        </p:txBody>
-      </p:sp>
-    </p:spTree>
-    <p:extLst>
-      <p:ext uri="{BB962C8B-B14F-4D97-AF65-F5344CB8AC3E}">
-        <p14:creationId xmlns:p14="http://schemas.microsoft.com/office/powerpoint/2010/main" val="1702666910"/>
       </p:ext>
     </p:extLst>
   </p:cSld>
@@ -34267,7 +35326,12 @@
             <p:ph type="title"/>
           </p:nvPr>
         </p:nvSpPr>
-        <p:spPr/>
+        <p:spPr>
+          <a:xfrm>
+            <a:off x="269240" y="3010840"/>
+            <a:ext cx="4795873" cy="836319"/>
+          </a:xfrm>
+        </p:spPr>
         <p:txBody>
           <a:bodyPr/>
           <a:lstStyle/>
@@ -34278,15 +35342,33 @@
                   <a:schemeClr val="tx1"/>
                 </a:solidFill>
               </a:rPr>
-              <a:t>Section title</a:t>
+              <a:t>Photo layout 1</a:t>
             </a:r>
           </a:p>
         </p:txBody>
+      </p:sp>
+      <p:sp>
+        <p:nvSpPr>
+          <p:cNvPr id="3" name="Picture Placeholder 2">
+            <a:extLst>
+              <a:ext uri="{FF2B5EF4-FFF2-40B4-BE49-F238E27FC236}">
+                <a16:creationId xmlns:a16="http://schemas.microsoft.com/office/drawing/2014/main" id="{1C1F0CEC-E709-49D5-9437-71B581E4C3E3}"/>
+              </a:ext>
+            </a:extLst>
+          </p:cNvPr>
+          <p:cNvSpPr>
+            <a:spLocks noGrp="1"/>
+          </p:cNvSpPr>
+          <p:nvPr>
+            <p:ph type="pic" sz="quarter" idx="10"/>
+          </p:nvPr>
+        </p:nvSpPr>
+        <p:spPr/>
       </p:sp>
     </p:spTree>
     <p:extLst>
       <p:ext uri="{BB962C8B-B14F-4D97-AF65-F5344CB8AC3E}">
-        <p14:creationId xmlns:p14="http://schemas.microsoft.com/office/powerpoint/2010/main" val="1666887711"/>
+        <p14:creationId xmlns:p14="http://schemas.microsoft.com/office/powerpoint/2010/main" val="491487794"/>
       </p:ext>
     </p:extLst>
   </p:cSld>
@@ -34327,7 +35409,7 @@
       </p:grpSpPr>
       <p:sp>
         <p:nvSpPr>
-          <p:cNvPr id="4" name="Title 3"/>
+          <p:cNvPr id="3" name="Title 2"/>
           <p:cNvSpPr>
             <a:spLocks noGrp="1"/>
           </p:cNvSpPr>
@@ -34341,30 +35423,12 @@
           <a:lstStyle/>
           <a:p>
             <a:r>
-              <a:rPr lang="en-US" dirty="0"/>
-              <a:t>Software code slide</a:t>
-            </a:r>
-          </a:p>
-        </p:txBody>
-      </p:sp>
-      <p:sp>
-        <p:nvSpPr>
-          <p:cNvPr id="5" name="Text Placeholder 4"/>
-          <p:cNvSpPr>
-            <a:spLocks noGrp="1"/>
-          </p:cNvSpPr>
-          <p:nvPr>
-            <p:ph type="body" sz="quarter" idx="10"/>
-          </p:nvPr>
-        </p:nvSpPr>
-        <p:spPr/>
-        <p:txBody>
-          <a:bodyPr/>
-          <a:lstStyle/>
-          <a:p>
-            <a:r>
-              <a:rPr lang="en-US" dirty="0"/>
-              <a:t>This slide layout uses Consolas, a monotype font which is ideal for showing software code. </a:t>
+              <a:rPr lang="en-US" dirty="0">
+                <a:solidFill>
+                  <a:schemeClr val="tx1"/>
+                </a:solidFill>
+              </a:rPr>
+              <a:t>Demo</a:t>
             </a:r>
           </a:p>
         </p:txBody>
@@ -34372,7 +35436,7 @@
     </p:spTree>
     <p:extLst>
       <p:ext uri="{BB962C8B-B14F-4D97-AF65-F5344CB8AC3E}">
-        <p14:creationId xmlns:p14="http://schemas.microsoft.com/office/powerpoint/2010/main" val="4207219918"/>
+        <p14:creationId xmlns:p14="http://schemas.microsoft.com/office/powerpoint/2010/main" val="4151172388"/>
       </p:ext>
     </p:extLst>
   </p:cSld>
@@ -34413,61 +35477,6 @@
       </p:grpSpPr>
       <p:sp>
         <p:nvSpPr>
-          <p:cNvPr id="6" name="Text Placeholder 5"/>
-          <p:cNvSpPr>
-            <a:spLocks noGrp="1"/>
-          </p:cNvSpPr>
-          <p:nvPr>
-            <p:ph type="body" sz="quarter" idx="10"/>
-          </p:nvPr>
-        </p:nvSpPr>
-        <p:spPr>
-          <a:xfrm>
-            <a:off x="269239" y="1189177"/>
-            <a:ext cx="11653523" cy="1759649"/>
-          </a:xfrm>
-        </p:spPr>
-        <p:txBody>
-          <a:bodyPr/>
-          <a:lstStyle/>
-          <a:p>
-            <a:r>
-              <a:rPr lang="en-US" dirty="0"/>
-              <a:t>Some speakers at Microsoft like to use this slide for hidden “notes slides”. </a:t>
-            </a:r>
-          </a:p>
-          <a:p>
-            <a:r>
-              <a:rPr lang="en-US" dirty="0"/>
-              <a:t>Delete it if you don’t want to use it.</a:t>
-            </a:r>
-          </a:p>
-        </p:txBody>
-      </p:sp>
-      <p:sp>
-        <p:nvSpPr>
-          <p:cNvPr id="7" name="Text Placeholder 6"/>
-          <p:cNvSpPr>
-            <a:spLocks noGrp="1"/>
-          </p:cNvSpPr>
-          <p:nvPr>
-            <p:ph type="body" sz="quarter" idx="11"/>
-          </p:nvPr>
-        </p:nvSpPr>
-        <p:spPr/>
-        <p:txBody>
-          <a:bodyPr/>
-          <a:lstStyle/>
-          <a:p>
-            <a:r>
-              <a:rPr lang="en-US" dirty="0"/>
-              <a:t>NEXT: &lt;next slide title&gt;</a:t>
-            </a:r>
-          </a:p>
-        </p:txBody>
-      </p:sp>
-      <p:sp>
-        <p:nvSpPr>
           <p:cNvPr id="4" name="Title 3"/>
           <p:cNvSpPr>
             <a:spLocks noGrp="1"/>
@@ -34483,7 +35492,7 @@
           <a:p>
             <a:r>
               <a:rPr lang="en-US" dirty="0"/>
-              <a:t>Notes (hidden)</a:t>
+              <a:t>Video</a:t>
             </a:r>
           </a:p>
         </p:txBody>
@@ -34491,7 +35500,7 @@
     </p:spTree>
     <p:extLst>
       <p:ext uri="{BB962C8B-B14F-4D97-AF65-F5344CB8AC3E}">
-        <p14:creationId xmlns:p14="http://schemas.microsoft.com/office/powerpoint/2010/main" val="3726924698"/>
+        <p14:creationId xmlns:p14="http://schemas.microsoft.com/office/powerpoint/2010/main" val="1702666910"/>
       </p:ext>
     </p:extLst>
   </p:cSld>
@@ -34690,6 +35699,279 @@
     </mc:Choice>
     <mc:Fallback xmlns="">
       <p:transition/>
+    </mc:Fallback>
+  </mc:AlternateContent>
+</p:sld>
+</file>
+
+<file path=ppt/slides/slide40.xml><?xml version="1.0" encoding="utf-8"?>
+<p:sld xmlns:a="http://schemas.openxmlformats.org/drawingml/2006/main" xmlns:r="http://schemas.openxmlformats.org/officeDocument/2006/relationships" xmlns:p="http://schemas.openxmlformats.org/presentationml/2006/main" show="0">
+  <p:cSld>
+    <p:spTree>
+      <p:nvGrpSpPr>
+        <p:cNvPr id="1" name=""/>
+        <p:cNvGrpSpPr/>
+        <p:nvPr/>
+      </p:nvGrpSpPr>
+      <p:grpSpPr>
+        <a:xfrm>
+          <a:off x="0" y="0"/>
+          <a:ext cx="0" cy="0"/>
+          <a:chOff x="0" y="0"/>
+          <a:chExt cx="0" cy="0"/>
+        </a:xfrm>
+      </p:grpSpPr>
+      <p:sp>
+        <p:nvSpPr>
+          <p:cNvPr id="2" name="Title 1"/>
+          <p:cNvSpPr>
+            <a:spLocks noGrp="1"/>
+          </p:cNvSpPr>
+          <p:nvPr>
+            <p:ph type="title"/>
+          </p:nvPr>
+        </p:nvSpPr>
+        <p:spPr/>
+        <p:txBody>
+          <a:bodyPr/>
+          <a:lstStyle/>
+          <a:p>
+            <a:r>
+              <a:rPr lang="en-US" dirty="0">
+                <a:solidFill>
+                  <a:schemeClr val="tx1"/>
+                </a:solidFill>
+              </a:rPr>
+              <a:t>Section title</a:t>
+            </a:r>
+          </a:p>
+        </p:txBody>
+      </p:sp>
+    </p:spTree>
+    <p:extLst>
+      <p:ext uri="{BB962C8B-B14F-4D97-AF65-F5344CB8AC3E}">
+        <p14:creationId xmlns:p14="http://schemas.microsoft.com/office/powerpoint/2010/main" val="1666887711"/>
+      </p:ext>
+    </p:extLst>
+  </p:cSld>
+  <p:clrMapOvr>
+    <a:masterClrMapping/>
+  </p:clrMapOvr>
+  <mc:AlternateContent xmlns:mc="http://schemas.openxmlformats.org/markup-compatibility/2006" xmlns:p14="http://schemas.microsoft.com/office/powerpoint/2010/main">
+    <mc:Choice Requires="p14">
+      <p:transition spd="med" p14:dur="700">
+        <p:fade/>
+      </p:transition>
+    </mc:Choice>
+    <mc:Fallback xmlns="">
+      <p:transition spd="med">
+        <p:fade/>
+      </p:transition>
+    </mc:Fallback>
+  </mc:AlternateContent>
+</p:sld>
+</file>
+
+<file path=ppt/slides/slide41.xml><?xml version="1.0" encoding="utf-8"?>
+<p:sld xmlns:a="http://schemas.openxmlformats.org/drawingml/2006/main" xmlns:r="http://schemas.openxmlformats.org/officeDocument/2006/relationships" xmlns:p="http://schemas.openxmlformats.org/presentationml/2006/main" show="0">
+  <p:cSld>
+    <p:spTree>
+      <p:nvGrpSpPr>
+        <p:cNvPr id="1" name=""/>
+        <p:cNvGrpSpPr/>
+        <p:nvPr/>
+      </p:nvGrpSpPr>
+      <p:grpSpPr>
+        <a:xfrm>
+          <a:off x="0" y="0"/>
+          <a:ext cx="0" cy="0"/>
+          <a:chOff x="0" y="0"/>
+          <a:chExt cx="0" cy="0"/>
+        </a:xfrm>
+      </p:grpSpPr>
+      <p:sp>
+        <p:nvSpPr>
+          <p:cNvPr id="4" name="Title 3"/>
+          <p:cNvSpPr>
+            <a:spLocks noGrp="1"/>
+          </p:cNvSpPr>
+          <p:nvPr>
+            <p:ph type="title"/>
+          </p:nvPr>
+        </p:nvSpPr>
+        <p:spPr/>
+        <p:txBody>
+          <a:bodyPr/>
+          <a:lstStyle/>
+          <a:p>
+            <a:r>
+              <a:rPr lang="en-US" dirty="0"/>
+              <a:t>Software code slide</a:t>
+            </a:r>
+          </a:p>
+        </p:txBody>
+      </p:sp>
+      <p:sp>
+        <p:nvSpPr>
+          <p:cNvPr id="5" name="Text Placeholder 4"/>
+          <p:cNvSpPr>
+            <a:spLocks noGrp="1"/>
+          </p:cNvSpPr>
+          <p:nvPr>
+            <p:ph type="body" sz="quarter" idx="10"/>
+          </p:nvPr>
+        </p:nvSpPr>
+        <p:spPr/>
+        <p:txBody>
+          <a:bodyPr/>
+          <a:lstStyle/>
+          <a:p>
+            <a:r>
+              <a:rPr lang="en-US" dirty="0"/>
+              <a:t>This slide layout uses Consolas, a monotype font which is ideal for showing software code. </a:t>
+            </a:r>
+          </a:p>
+        </p:txBody>
+      </p:sp>
+    </p:spTree>
+    <p:extLst>
+      <p:ext uri="{BB962C8B-B14F-4D97-AF65-F5344CB8AC3E}">
+        <p14:creationId xmlns:p14="http://schemas.microsoft.com/office/powerpoint/2010/main" val="4207219918"/>
+      </p:ext>
+    </p:extLst>
+  </p:cSld>
+  <p:clrMapOvr>
+    <a:masterClrMapping/>
+  </p:clrMapOvr>
+  <mc:AlternateContent xmlns:mc="http://schemas.openxmlformats.org/markup-compatibility/2006" xmlns:p14="http://schemas.microsoft.com/office/powerpoint/2010/main">
+    <mc:Choice Requires="p14">
+      <p:transition spd="med" p14:dur="700">
+        <p:fade/>
+      </p:transition>
+    </mc:Choice>
+    <mc:Fallback xmlns="">
+      <p:transition spd="med">
+        <p:fade/>
+      </p:transition>
+    </mc:Fallback>
+  </mc:AlternateContent>
+</p:sld>
+</file>
+
+<file path=ppt/slides/slide42.xml><?xml version="1.0" encoding="utf-8"?>
+<p:sld xmlns:a="http://schemas.openxmlformats.org/drawingml/2006/main" xmlns:r="http://schemas.openxmlformats.org/officeDocument/2006/relationships" xmlns:p="http://schemas.openxmlformats.org/presentationml/2006/main" show="0">
+  <p:cSld>
+    <p:spTree>
+      <p:nvGrpSpPr>
+        <p:cNvPr id="1" name=""/>
+        <p:cNvGrpSpPr/>
+        <p:nvPr/>
+      </p:nvGrpSpPr>
+      <p:grpSpPr>
+        <a:xfrm>
+          <a:off x="0" y="0"/>
+          <a:ext cx="0" cy="0"/>
+          <a:chOff x="0" y="0"/>
+          <a:chExt cx="0" cy="0"/>
+        </a:xfrm>
+      </p:grpSpPr>
+      <p:sp>
+        <p:nvSpPr>
+          <p:cNvPr id="6" name="Text Placeholder 5"/>
+          <p:cNvSpPr>
+            <a:spLocks noGrp="1"/>
+          </p:cNvSpPr>
+          <p:nvPr>
+            <p:ph type="body" sz="quarter" idx="10"/>
+          </p:nvPr>
+        </p:nvSpPr>
+        <p:spPr>
+          <a:xfrm>
+            <a:off x="269239" y="1189177"/>
+            <a:ext cx="11653523" cy="1759649"/>
+          </a:xfrm>
+        </p:spPr>
+        <p:txBody>
+          <a:bodyPr/>
+          <a:lstStyle/>
+          <a:p>
+            <a:r>
+              <a:rPr lang="en-US" dirty="0"/>
+              <a:t>Some speakers at Microsoft like to use this slide for hidden “notes slides”. </a:t>
+            </a:r>
+          </a:p>
+          <a:p>
+            <a:r>
+              <a:rPr lang="en-US" dirty="0"/>
+              <a:t>Delete it if you don’t want to use it.</a:t>
+            </a:r>
+          </a:p>
+        </p:txBody>
+      </p:sp>
+      <p:sp>
+        <p:nvSpPr>
+          <p:cNvPr id="7" name="Text Placeholder 6"/>
+          <p:cNvSpPr>
+            <a:spLocks noGrp="1"/>
+          </p:cNvSpPr>
+          <p:nvPr>
+            <p:ph type="body" sz="quarter" idx="11"/>
+          </p:nvPr>
+        </p:nvSpPr>
+        <p:spPr/>
+        <p:txBody>
+          <a:bodyPr/>
+          <a:lstStyle/>
+          <a:p>
+            <a:r>
+              <a:rPr lang="en-US" dirty="0"/>
+              <a:t>NEXT: &lt;next slide title&gt;</a:t>
+            </a:r>
+          </a:p>
+        </p:txBody>
+      </p:sp>
+      <p:sp>
+        <p:nvSpPr>
+          <p:cNvPr id="4" name="Title 3"/>
+          <p:cNvSpPr>
+            <a:spLocks noGrp="1"/>
+          </p:cNvSpPr>
+          <p:nvPr>
+            <p:ph type="title"/>
+          </p:nvPr>
+        </p:nvSpPr>
+        <p:spPr/>
+        <p:txBody>
+          <a:bodyPr/>
+          <a:lstStyle/>
+          <a:p>
+            <a:r>
+              <a:rPr lang="en-US" dirty="0"/>
+              <a:t>Notes (hidden)</a:t>
+            </a:r>
+          </a:p>
+        </p:txBody>
+      </p:sp>
+    </p:spTree>
+    <p:extLst>
+      <p:ext uri="{BB962C8B-B14F-4D97-AF65-F5344CB8AC3E}">
+        <p14:creationId xmlns:p14="http://schemas.microsoft.com/office/powerpoint/2010/main" val="3726924698"/>
+      </p:ext>
+    </p:extLst>
+  </p:cSld>
+  <p:clrMapOvr>
+    <a:masterClrMapping/>
+  </p:clrMapOvr>
+  <mc:AlternateContent xmlns:mc="http://schemas.openxmlformats.org/markup-compatibility/2006" xmlns:p14="http://schemas.microsoft.com/office/powerpoint/2010/main">
+    <mc:Choice Requires="p14">
+      <p:transition spd="med" p14:dur="700">
+        <p:fade/>
+      </p:transition>
+    </mc:Choice>
+    <mc:Fallback xmlns="">
+      <p:transition spd="med">
+        <p:fade/>
+      </p:transition>
     </mc:Fallback>
   </mc:AlternateContent>
 </p:sld>
@@ -37239,15 +38521,6 @@
 </file>
 
 <file path=customXml/item1.xml><?xml version="1.0" encoding="utf-8"?>
-<?mso-contentType ?>
-<FormTemplates xmlns="http://schemas.microsoft.com/sharepoint/v3/contenttype/forms">
-  <Display>DocumentLibraryForm</Display>
-  <Edit>DocumentLibraryForm</Edit>
-  <New>DocumentLibraryForm</New>
-</FormTemplates>
-</file>
-
-<file path=customXml/item2.xml><?xml version="1.0" encoding="utf-8"?>
 <ct:contentTypeSchema xmlns:ct="http://schemas.microsoft.com/office/2006/metadata/contentType" xmlns:ma="http://schemas.microsoft.com/office/2006/metadata/properties/metaAttributes" ct:_="" ma:_="" ma:contentTypeName="Document" ma:contentTypeID="0x010100D15DFA3690A15B4081582BBCC6BEAC3E" ma:contentTypeVersion="9" ma:contentTypeDescription="Create a new document." ma:contentTypeScope="" ma:versionID="642da1784587cbe85a7fdbbe4dc36103">
   <xsd:schema xmlns:xsd="http://www.w3.org/2001/XMLSchema" xmlns:xs="http://www.w3.org/2001/XMLSchema" xmlns:p="http://schemas.microsoft.com/office/2006/metadata/properties" xmlns:ns1="http://schemas.microsoft.com/sharepoint/v3" xmlns:ns2="2023ac63-7b75-4916-a9ee-591457758eee" xmlns:ns3="d9c797ad-d7c3-4982-82b7-81352a75e4a5" targetNamespace="http://schemas.microsoft.com/office/2006/metadata/properties" ma:root="true" ma:fieldsID="91198b0246576053cc55dd2c67035a89" ns1:_="" ns2:_="" ns3:_="">
     <xsd:import namespace="http://schemas.microsoft.com/sharepoint/v3"/>
@@ -37449,6 +38722,15 @@
 </ct:contentTypeSchema>
 </file>
 
+<file path=customXml/item2.xml><?xml version="1.0" encoding="utf-8"?>
+<?mso-contentType ?>
+<FormTemplates xmlns="http://schemas.microsoft.com/sharepoint/v3/contenttype/forms">
+  <Display>DocumentLibraryForm</Display>
+  <Edit>DocumentLibraryForm</Edit>
+  <New>DocumentLibraryForm</New>
+</FormTemplates>
+</file>
+
 <file path=customXml/item3.xml><?xml version="1.0" encoding="utf-8"?>
 <p:properties xmlns:p="http://schemas.microsoft.com/office/2006/metadata/properties" xmlns:xsi="http://www.w3.org/2001/XMLSchema-instance" xmlns:pc="http://schemas.microsoft.com/office/infopath/2007/PartnerControls">
   <documentManagement>
@@ -37459,14 +38741,6 @@
 </file>
 
 <file path=customXml/itemProps1.xml><?xml version="1.0" encoding="utf-8"?>
-<ds:datastoreItem xmlns:ds="http://schemas.openxmlformats.org/officeDocument/2006/customXml" ds:itemID="{F18501AF-04CF-4482-BAE1-607B49DDC378}">
-  <ds:schemaRefs>
-    <ds:schemaRef ds:uri="http://schemas.microsoft.com/sharepoint/v3/contenttype/forms"/>
-  </ds:schemaRefs>
-</ds:datastoreItem>
-</file>
-
-<file path=customXml/itemProps2.xml><?xml version="1.0" encoding="utf-8"?>
 <ds:datastoreItem xmlns:ds="http://schemas.openxmlformats.org/officeDocument/2006/customXml" ds:itemID="{255F5BEB-6AD6-480A-8556-C80C5EBC10F2}">
   <ds:schemaRefs>
     <ds:schemaRef ds:uri="http://schemas.microsoft.com/office/2006/metadata/contentType"/>
@@ -37482,6 +38756,14 @@
     <ds:schemaRef ds:uri="http://purl.org/dc/elements/1.1/"/>
     <ds:schemaRef ds:uri="http://purl.org/dc/terms/"/>
     <ds:schemaRef ds:uri="http://schemas.microsoft.com/internal/obd"/>
+  </ds:schemaRefs>
+</ds:datastoreItem>
+</file>
+
+<file path=customXml/itemProps2.xml><?xml version="1.0" encoding="utf-8"?>
+<ds:datastoreItem xmlns:ds="http://schemas.openxmlformats.org/officeDocument/2006/customXml" ds:itemID="{F18501AF-04CF-4482-BAE1-607B49DDC378}">
+  <ds:schemaRefs>
+    <ds:schemaRef ds:uri="http://schemas.microsoft.com/sharepoint/v3/contenttype/forms"/>
   </ds:schemaRefs>
 </ds:datastoreItem>
 </file>

--- a/Whiteboard design session/WDS trainer presentation - Cosmos DB Real Time Advanced Analytics.pptx
+++ b/Whiteboard design session/WDS trainer presentation - Cosmos DB Real Time Advanced Analytics.pptx
@@ -248,7 +248,7 @@
           <a:p>
             <a:fld id="{52A13B17-C506-4D51-BB37-16B365906619}" type="datetimeFigureOut">
               <a:rPr lang="en-US" smtClean="0"/>
-              <a:t>1/27/2019</a:t>
+              <a:t>2/4/2019</a:t>
             </a:fld>
             <a:endParaRPr lang="en-US"/>
           </a:p>
@@ -713,7 +713,7 @@
                 <a:ea typeface="+mn-ea"/>
                 <a:cs typeface="+mn-cs"/>
               </a:rPr>
-              <a:t>We are concerned about how much it costs to use Cosmos DB for our solution. What is the real value in using this service?</a:t>
+              <a:t>We are concerned about how much it costs to use Cosmos DB for our solution. What is the real value of the service, and how do we set up Cosmos DB in an optimal way?</a:t>
             </a:r>
           </a:p>
         </p:txBody>
@@ -1228,7 +1228,7 @@
                 <a:ea typeface="+mn-ea"/>
                 <a:cs typeface="+mn-cs"/>
               </a:rPr>
-              <a:t>The solution begins with the payment transaction systems writing transactions to Azure Cosmos DB. With change feed enabled in Cosmos DB, the transactions can be read as a stream of incoming data within an Azure Databricks notebook, using the `azure-</a:t>
+              <a:t>The solution begins with the payment transaction systems writing transactions to Azure Cosmos DB. Using the built-in change feed feature in Cosmos DB, the transactions can be read as a stream of incoming data within an Azure Databricks notebook, using the `azure-</a:t>
             </a:r>
             <a:r>
               <a:rPr lang="en-US" sz="1200" b="0" kern="1200" dirty="0" err="1">
@@ -1276,10 +1276,12 @@
                 <a:ea typeface="+mn-ea"/>
                 <a:cs typeface="+mn-cs"/>
               </a:rPr>
-              <a:t>) to the transaction data. Tables created in Databricks over this data can be accessed by business analysts using dashboards and reports in Power BI, by using Power BI's Spark connector. Alternately, semantic models can be stored in Azure Analysis Service to serve data to Power BI, eliminating the need to keep a dedicated Databricks cluster running for reporting. Data scientists and engineers can create their own reports against Databricks tables, using Azure Databricks notebooks. Azure Databricks also supports training and validating the machine learning model, using historical data stored in Azure Data Lake Storage. The model can be periodically re-trained using the data stored in Delta tables or other historical tables. The Azure Machine Learning service is used to deploy the trained model as a real-time scoring web service running on a highly available Azure Kubernetes Service cluster (AKS cluster). The trained model is also used in scheduled offline scoring through Databricks jobs, and the "suspicious activity" output is stored in Azure Cosmos DB so it is globally available in regions closest to </a:t>
-            </a:r>
-            <a:r>
-              <a:rPr lang="en-US" sz="1200" b="0" kern="1200" dirty="0" err="1">
+              <a:t>) to the transaction data. Tables created in Databricks over this data can be accessed by business analysts using dashboards and reports in Power BI, by using Power BI's Spark connector. Alternately, semantic models can be stored in Azure Analysis Service to serve data to Power BI, eliminating the need to keep a dedicated Databricks cluster running for reporting.</a:t>
+            </a:r>
+          </a:p>
+          <a:p>
+            <a:r>
+              <a:rPr lang="en-US" sz="1200" b="0" kern="1200" dirty="0">
                 <a:solidFill>
                   <a:schemeClr val="tx1"/>
                 </a:solidFill>
@@ -1288,8 +1290,21 @@
                 <a:ea typeface="+mn-ea"/>
                 <a:cs typeface="+mn-cs"/>
               </a:rPr>
-              <a:t>Woodgrove</a:t>
-            </a:r>
+              <a:t>Data scientists and engineers can create their own reports against Databricks tables, using Azure Databricks notebooks.</a:t>
+            </a:r>
+          </a:p>
+          <a:p>
+            <a:endParaRPr lang="en-US" sz="1200" b="0" kern="1200" dirty="0">
+              <a:solidFill>
+                <a:schemeClr val="tx1"/>
+              </a:solidFill>
+              <a:effectLst/>
+              <a:latin typeface="+mn-lt"/>
+              <a:ea typeface="+mn-ea"/>
+              <a:cs typeface="+mn-cs"/>
+            </a:endParaRPr>
+          </a:p>
+          <a:p>
             <a:r>
               <a:rPr lang="en-US" sz="1200" b="0" kern="1200" dirty="0">
                 <a:solidFill>
@@ -1300,7 +1315,68 @@
                 <a:ea typeface="+mn-ea"/>
                 <a:cs typeface="+mn-cs"/>
               </a:rPr>
-              <a:t> Bank's customers through their web applications. Finally, Azure Key Vault is used to securely store secrets, such as account keys and connection strings, and serves as a backing for Azure Databricks secret scopes.</a:t>
+              <a:t>Azure Databricks also supports training and validating the machine learning model, using historical data stored in Azure Data Lake Storage. The model can be periodically re-trained using the data stored in Delta tables or other historical tables. The Azure Machine Learning service is used to deploy the trained model as a real-time scoring web service running on a highly available Azure Kubernetes Service cluster (AKS cluster). The trained model is also used in scheduled offline scoring through Databricks jobs, and the "suspicious activity" output is stored in Azure Cosmos DB so it is globally available in regions closest to </a:t>
+            </a:r>
+            <a:r>
+              <a:rPr lang="en-US" sz="1200" b="0" kern="1200" dirty="0" err="1">
+                <a:solidFill>
+                  <a:schemeClr val="tx1"/>
+                </a:solidFill>
+                <a:effectLst/>
+                <a:latin typeface="+mn-lt"/>
+                <a:ea typeface="+mn-ea"/>
+                <a:cs typeface="+mn-cs"/>
+              </a:rPr>
+              <a:t>Woodgrove</a:t>
+            </a:r>
+            <a:r>
+              <a:rPr lang="en-US" sz="1200" b="0" kern="1200" dirty="0">
+                <a:solidFill>
+                  <a:schemeClr val="tx1"/>
+                </a:solidFill>
+                <a:effectLst/>
+                <a:latin typeface="+mn-lt"/>
+                <a:ea typeface="+mn-ea"/>
+                <a:cs typeface="+mn-cs"/>
+              </a:rPr>
+              <a:t> Bank's customers through their web applications.</a:t>
+            </a:r>
+          </a:p>
+          <a:p>
+            <a:endParaRPr lang="en-US" sz="1200" b="0" kern="1200">
+              <a:solidFill>
+                <a:schemeClr val="tx1"/>
+              </a:solidFill>
+              <a:effectLst/>
+              <a:latin typeface="+mn-lt"/>
+              <a:ea typeface="+mn-ea"/>
+              <a:cs typeface="+mn-cs"/>
+            </a:endParaRPr>
+          </a:p>
+          <a:p>
+            <a:r>
+              <a:rPr lang="en-US" sz="1200" b="0" kern="1200">
+                <a:solidFill>
+                  <a:schemeClr val="tx1"/>
+                </a:solidFill>
+                <a:effectLst/>
+                <a:latin typeface="+mn-lt"/>
+                <a:ea typeface="+mn-ea"/>
+                <a:cs typeface="+mn-cs"/>
+              </a:rPr>
+              <a:t>Finally</a:t>
+            </a:r>
+            <a:r>
+              <a:rPr lang="en-US" sz="1200" b="0" kern="1200" dirty="0">
+                <a:solidFill>
+                  <a:schemeClr val="tx1"/>
+                </a:solidFill>
+                <a:effectLst/>
+                <a:latin typeface="+mn-lt"/>
+                <a:ea typeface="+mn-ea"/>
+                <a:cs typeface="+mn-cs"/>
+              </a:rPr>
+              <a:t>, Azure Key Vault is used to securely store secrets, such as account keys and connection strings, and serves as a backing for Azure Databricks secret scopes.</a:t>
             </a:r>
           </a:p>
         </p:txBody>
@@ -4754,7 +4830,7 @@
                 <a:ea typeface="+mn-ea"/>
                 <a:cs typeface="+mn-cs"/>
               </a:rPr>
-              <a:t>We are concerned about how much it costs to use Cosmos DB for our solution. What is the real value in using this service?</a:t>
+              <a:t>We are concerned about how much it costs to use Cosmos DB for our solution. What is the real value in using this service, and how do we set up Cosmos DB in an optimal way?</a:t>
             </a:r>
             <a:endParaRPr lang="en-US" sz="1200" b="1" i="0" kern="1200" dirty="0">
               <a:solidFill>
@@ -5215,7 +5291,7 @@
                   <a:prstClr val="black"/>
                 </a:solidFill>
               </a:rPr>
-              <a:t>1/27/2019 4:51 PM</a:t>
+              <a:t>2/4/2019 8:48 AM</a:t>
             </a:fld>
             <a:endParaRPr lang="en-US" dirty="0">
               <a:solidFill>
@@ -5462,7 +5538,7 @@
           <a:p>
             <a:fld id="{328EAAE8-B538-48EB-83B5-2B364220CC89}" type="datetime8">
               <a:rPr lang="en-US" smtClean="0"/>
-              <a:t>1/27/2019 4:51 PM</a:t>
+              <a:t>2/4/2019 8:48 AM</a:t>
             </a:fld>
             <a:endParaRPr lang="en-US" dirty="0"/>
           </a:p>
@@ -5594,7 +5670,7 @@
           <a:p>
             <a:fld id="{5A70A388-5CB4-42F2-85B9-1AE1F63398FA}" type="datetime8">
               <a:rPr lang="en-US" smtClean="0"/>
-              <a:t>1/27/2019 4:51 PM</a:t>
+              <a:t>2/4/2019 8:48 AM</a:t>
             </a:fld>
             <a:endParaRPr lang="en-US" dirty="0"/>
           </a:p>
@@ -5777,7 +5853,7 @@
           <a:p>
             <a:fld id="{6939CF7E-134C-4B4A-9853-17D7568CBCC2}" type="datetime8">
               <a:rPr lang="en-US" smtClean="0"/>
-              <a:t>1/27/2019 4:51 PM</a:t>
+              <a:t>2/4/2019 8:48 AM</a:t>
             </a:fld>
             <a:endParaRPr lang="en-US" dirty="0"/>
           </a:p>
@@ -6039,7 +6115,7 @@
           <a:p>
             <a:fld id="{B76134C8-AC9E-49DD-B3D6-722B1A93F18D}" type="datetime8">
               <a:rPr lang="en-US" smtClean="0"/>
-              <a:t>1/27/2019 4:51 PM</a:t>
+              <a:t>2/4/2019 8:48 AM</a:t>
             </a:fld>
             <a:endParaRPr lang="en-US" dirty="0"/>
           </a:p>
@@ -6220,7 +6296,7 @@
           <a:p>
             <a:fld id="{34FAA446-E61B-4D43-A3B1-7749AA6DC131}" type="datetime8">
               <a:rPr lang="en-US" smtClean="0"/>
-              <a:t>1/27/2019 4:51 PM</a:t>
+              <a:t>2/4/2019 8:48 AM</a:t>
             </a:fld>
             <a:endParaRPr lang="en-US" dirty="0"/>
           </a:p>
@@ -6401,7 +6477,7 @@
           <a:p>
             <a:fld id="{F86059B6-667D-4F24-AA48-46C1EA5D9E8E}" type="datetime8">
               <a:rPr lang="en-US" smtClean="0"/>
-              <a:t>1/27/2019 4:51 PM</a:t>
+              <a:t>2/4/2019 8:48 AM</a:t>
             </a:fld>
             <a:endParaRPr lang="en-US" dirty="0"/>
           </a:p>
@@ -6666,7 +6742,7 @@
           <a:p>
             <a:fld id="{35A2D088-BDBD-41A5-ADCE-5C6A4DC08057}" type="datetime8">
               <a:rPr lang="en-US" smtClean="0"/>
-              <a:t>1/27/2019 4:51 PM</a:t>
+              <a:t>2/4/2019 8:48 AM</a:t>
             </a:fld>
             <a:endParaRPr lang="en-US" dirty="0"/>
           </a:p>
@@ -6798,7 +6874,7 @@
           <a:p>
             <a:fld id="{174E4CE6-2FE4-433F-87B8-CB5DD266EBFC}" type="datetime8">
               <a:rPr lang="en-US" smtClean="0"/>
-              <a:t>1/27/2019 4:51 PM</a:t>
+              <a:t>2/4/2019 8:48 AM</a:t>
             </a:fld>
             <a:endParaRPr lang="en-US" dirty="0"/>
           </a:p>
@@ -6997,7 +7073,7 @@
                   <a:prstClr val="black"/>
                 </a:solidFill>
               </a:rPr>
-              <a:t>1/27/2019 4:51 PM</a:t>
+              <a:t>2/4/2019 8:48 AM</a:t>
             </a:fld>
             <a:endParaRPr lang="en-US" dirty="0">
               <a:solidFill>
@@ -20428,7 +20504,7 @@
                 <a:latin typeface="Segoe UI Semilight" panose="020B0402040204020203" pitchFamily="34" charset="0"/>
                 <a:cs typeface="Segoe UI Semilight" panose="020B0402040204020203" pitchFamily="34" charset="0"/>
               </a:rPr>
-              <a:t>We are concerned about how much it costs to use Cosmos DB for our solution. What is the real value in using this service?</a:t>
+              <a:t>We are concerned about how much it costs to use Cosmos DB for our solution. What is the real value of the service, and how do we set up Cosmos DB in an optimal way?</a:t>
             </a:r>
           </a:p>
           <a:p>
@@ -21977,8 +22053,8 @@
         </p:blipFill>
         <p:spPr>
           <a:xfrm>
-            <a:off x="1117495" y="988942"/>
-            <a:ext cx="9957009" cy="5779606"/>
+            <a:off x="1117495" y="992185"/>
+            <a:ext cx="9957009" cy="5773119"/>
           </a:xfrm>
           <a:prstGeom prst="rect">
             <a:avLst/>
@@ -34152,7 +34228,7 @@
         </p:spPr>
         <p:txBody>
           <a:bodyPr>
-            <a:normAutofit/>
+            <a:normAutofit lnSpcReduction="10000"/>
           </a:bodyPr>
           <a:lstStyle/>
           <a:p>
@@ -34207,7 +34283,28 @@
                 <a:ea typeface="Segoe UI" panose="020B0502040204020203" pitchFamily="34" charset="0"/>
                 <a:cs typeface="Segoe UI Light" panose="020B0502040204020203" pitchFamily="34" charset="0"/>
               </a:rPr>
-              <a:t>using this service?</a:t>
+              <a:t>using this service, and how do we set up Cosmos DB in</a:t>
+            </a:r>
+            <a:br>
+              <a:rPr lang="en-US" sz="3200" dirty="0">
+                <a:solidFill>
+                  <a:schemeClr val="tx1"/>
+                </a:solidFill>
+                <a:latin typeface="Segoe UI Light" panose="020B0502040204020203" pitchFamily="34" charset="0"/>
+                <a:ea typeface="Segoe UI" panose="020B0502040204020203" pitchFamily="34" charset="0"/>
+                <a:cs typeface="Segoe UI Light" panose="020B0502040204020203" pitchFamily="34" charset="0"/>
+              </a:rPr>
+            </a:br>
+            <a:r>
+              <a:rPr lang="en-US" sz="3200" dirty="0">
+                <a:solidFill>
+                  <a:schemeClr val="tx1"/>
+                </a:solidFill>
+                <a:latin typeface="Segoe UI Light" panose="020B0502040204020203" pitchFamily="34" charset="0"/>
+                <a:ea typeface="Segoe UI" panose="020B0502040204020203" pitchFamily="34" charset="0"/>
+                <a:cs typeface="Segoe UI Light" panose="020B0502040204020203" pitchFamily="34" charset="0"/>
+              </a:rPr>
+              <a:t>an optimal way?</a:t>
             </a:r>
           </a:p>
           <a:p>
@@ -38521,6 +38618,15 @@
 </file>
 
 <file path=customXml/item1.xml><?xml version="1.0" encoding="utf-8"?>
+<?mso-contentType ?>
+<FormTemplates xmlns="http://schemas.microsoft.com/sharepoint/v3/contenttype/forms">
+  <Display>DocumentLibraryForm</Display>
+  <Edit>DocumentLibraryForm</Edit>
+  <New>DocumentLibraryForm</New>
+</FormTemplates>
+</file>
+
+<file path=customXml/item2.xml><?xml version="1.0" encoding="utf-8"?>
 <ct:contentTypeSchema xmlns:ct="http://schemas.microsoft.com/office/2006/metadata/contentType" xmlns:ma="http://schemas.microsoft.com/office/2006/metadata/properties/metaAttributes" ct:_="" ma:_="" ma:contentTypeName="Document" ma:contentTypeID="0x010100D15DFA3690A15B4081582BBCC6BEAC3E" ma:contentTypeVersion="9" ma:contentTypeDescription="Create a new document." ma:contentTypeScope="" ma:versionID="642da1784587cbe85a7fdbbe4dc36103">
   <xsd:schema xmlns:xsd="http://www.w3.org/2001/XMLSchema" xmlns:xs="http://www.w3.org/2001/XMLSchema" xmlns:p="http://schemas.microsoft.com/office/2006/metadata/properties" xmlns:ns1="http://schemas.microsoft.com/sharepoint/v3" xmlns:ns2="2023ac63-7b75-4916-a9ee-591457758eee" xmlns:ns3="d9c797ad-d7c3-4982-82b7-81352a75e4a5" targetNamespace="http://schemas.microsoft.com/office/2006/metadata/properties" ma:root="true" ma:fieldsID="91198b0246576053cc55dd2c67035a89" ns1:_="" ns2:_="" ns3:_="">
     <xsd:import namespace="http://schemas.microsoft.com/sharepoint/v3"/>
@@ -38722,15 +38828,6 @@
 </ct:contentTypeSchema>
 </file>
 
-<file path=customXml/item2.xml><?xml version="1.0" encoding="utf-8"?>
-<?mso-contentType ?>
-<FormTemplates xmlns="http://schemas.microsoft.com/sharepoint/v3/contenttype/forms">
-  <Display>DocumentLibraryForm</Display>
-  <Edit>DocumentLibraryForm</Edit>
-  <New>DocumentLibraryForm</New>
-</FormTemplates>
-</file>
-
 <file path=customXml/item3.xml><?xml version="1.0" encoding="utf-8"?>
 <p:properties xmlns:p="http://schemas.microsoft.com/office/2006/metadata/properties" xmlns:xsi="http://www.w3.org/2001/XMLSchema-instance" xmlns:pc="http://schemas.microsoft.com/office/infopath/2007/PartnerControls">
   <documentManagement>
@@ -38741,6 +38838,14 @@
 </file>
 
 <file path=customXml/itemProps1.xml><?xml version="1.0" encoding="utf-8"?>
+<ds:datastoreItem xmlns:ds="http://schemas.openxmlformats.org/officeDocument/2006/customXml" ds:itemID="{F18501AF-04CF-4482-BAE1-607B49DDC378}">
+  <ds:schemaRefs>
+    <ds:schemaRef ds:uri="http://schemas.microsoft.com/sharepoint/v3/contenttype/forms"/>
+  </ds:schemaRefs>
+</ds:datastoreItem>
+</file>
+
+<file path=customXml/itemProps2.xml><?xml version="1.0" encoding="utf-8"?>
 <ds:datastoreItem xmlns:ds="http://schemas.openxmlformats.org/officeDocument/2006/customXml" ds:itemID="{255F5BEB-6AD6-480A-8556-C80C5EBC10F2}">
   <ds:schemaRefs>
     <ds:schemaRef ds:uri="http://schemas.microsoft.com/office/2006/metadata/contentType"/>
@@ -38756,14 +38861,6 @@
     <ds:schemaRef ds:uri="http://purl.org/dc/elements/1.1/"/>
     <ds:schemaRef ds:uri="http://purl.org/dc/terms/"/>
     <ds:schemaRef ds:uri="http://schemas.microsoft.com/internal/obd"/>
-  </ds:schemaRefs>
-</ds:datastoreItem>
-</file>
-
-<file path=customXml/itemProps2.xml><?xml version="1.0" encoding="utf-8"?>
-<ds:datastoreItem xmlns:ds="http://schemas.openxmlformats.org/officeDocument/2006/customXml" ds:itemID="{F18501AF-04CF-4482-BAE1-607B49DDC378}">
-  <ds:schemaRefs>
-    <ds:schemaRef ds:uri="http://schemas.microsoft.com/sharepoint/v3/contenttype/forms"/>
   </ds:schemaRefs>
 </ds:datastoreItem>
 </file>

--- a/Whiteboard design session/WDS trainer presentation - Cosmos DB Real Time Advanced Analytics.pptx
+++ b/Whiteboard design session/WDS trainer presentation - Cosmos DB Real Time Advanced Analytics.pptx
@@ -248,7 +248,7 @@
           <a:p>
             <a:fld id="{52A13B17-C506-4D51-BB37-16B365906619}" type="datetimeFigureOut">
               <a:rPr lang="en-US" smtClean="0"/>
-              <a:t>2/4/2019</a:t>
+              <a:t>2/8/2019</a:t>
             </a:fld>
             <a:endParaRPr lang="en-US"/>
           </a:p>
@@ -1709,7 +1709,7 @@
                 <a:ea typeface="+mn-ea"/>
                 <a:cs typeface="+mn-cs"/>
               </a:rPr>
-              <a:t> can use session consistency level for offline storage of suspicious activity, as it is very heavy on reads with seldom writes. For real-time transaction ingest, they should consider either Cosmos DB stored procedures or monitor the Probabilistically Bounded Staleness (PBS) metric of their Cosmos DB transactions to help select the most appropriate consistency level.</a:t>
+              <a:t> can use session consistency level for offline storage of suspicious activity, as it is very heavy on reads with seldom writes.</a:t>
             </a:r>
             <a:endParaRPr lang="en-US" sz="2200" b="0" dirty="0">
               <a:solidFill>
@@ -2139,6 +2139,84 @@
                 <a:cs typeface="+mn-cs"/>
               </a:rPr>
               <a:t>In a multi-region Azure Cosmos account, if a write-region fails over, change feed will work across the manual failover operation and it will be contiguous.</a:t>
+            </a:r>
+          </a:p>
+          <a:p>
+            <a:pPr marL="171450" indent="-171450">
+              <a:buFont typeface="Arial" panose="020B0604020202020204" pitchFamily="34" charset="0"/>
+              <a:buChar char="•"/>
+            </a:pPr>
+            <a:endParaRPr lang="en-US" sz="1200" b="0" i="0" kern="1200" dirty="0">
+              <a:solidFill>
+                <a:schemeClr val="tx1"/>
+              </a:solidFill>
+              <a:effectLst/>
+              <a:latin typeface="+mn-lt"/>
+              <a:ea typeface="+mn-ea"/>
+              <a:cs typeface="+mn-cs"/>
+            </a:endParaRPr>
+          </a:p>
+          <a:p>
+            <a:r>
+              <a:rPr lang="en-US" sz="1200" b="0" i="0" kern="1200" dirty="0">
+                <a:solidFill>
+                  <a:schemeClr val="tx1"/>
+                </a:solidFill>
+                <a:effectLst/>
+                <a:latin typeface="+mn-lt"/>
+                <a:ea typeface="+mn-ea"/>
+                <a:cs typeface="+mn-cs"/>
+              </a:rPr>
+              <a:t>Another decision point for using Cosmos DB for ingestion, is that it offers flexible message retention through its time-to-live (TTL) settings. This value can be set at the container level by applying a TTL value for all documents within, or on individual messages as they are sent. This optimization helps save in storage costs by automatically expiring (deleting) the documents after the specified period of time. For instance, you can set the TTL to 60 days to allow </a:t>
+            </a:r>
+            <a:r>
+              <a:rPr lang="en-US" sz="1200" b="0" i="0" kern="1200" dirty="0" err="1">
+                <a:solidFill>
+                  <a:schemeClr val="tx1"/>
+                </a:solidFill>
+                <a:effectLst/>
+                <a:latin typeface="+mn-lt"/>
+                <a:ea typeface="+mn-ea"/>
+                <a:cs typeface="+mn-cs"/>
+              </a:rPr>
+              <a:t>Woodgrove</a:t>
+            </a:r>
+            <a:r>
+              <a:rPr lang="en-US" sz="1200" b="0" i="0" kern="1200" dirty="0">
+                <a:solidFill>
+                  <a:schemeClr val="tx1"/>
+                </a:solidFill>
+                <a:effectLst/>
+                <a:latin typeface="+mn-lt"/>
+                <a:ea typeface="+mn-ea"/>
+                <a:cs typeface="+mn-cs"/>
+              </a:rPr>
+              <a:t> Bank to keep the streaming data available for that amount of time so they can reprocess in Azure Databricks, or query the raw data within the collection as needed.</a:t>
+            </a:r>
+          </a:p>
+          <a:p>
+            <a:endParaRPr lang="en-US" sz="1200" b="0" i="0" kern="1200" dirty="0">
+              <a:solidFill>
+                <a:schemeClr val="tx1"/>
+              </a:solidFill>
+              <a:effectLst/>
+              <a:latin typeface="+mn-lt"/>
+              <a:ea typeface="+mn-ea"/>
+              <a:cs typeface="+mn-cs"/>
+            </a:endParaRPr>
+          </a:p>
+          <a:p>
+            <a:r>
+              <a:rPr lang="en-US" sz="1200" b="0" i="0" kern="1200" dirty="0">
+                <a:solidFill>
+                  <a:schemeClr val="tx1"/>
+                </a:solidFill>
+                <a:effectLst/>
+                <a:latin typeface="+mn-lt"/>
+                <a:ea typeface="+mn-ea"/>
+                <a:cs typeface="+mn-cs"/>
+              </a:rPr>
+              <a:t>Event Hubs has a similar feature called message retention. You can set the value between one and seven days, or a maximum of four weeks if you contact Microsoft support. Setting the TTL for documents saved to Cosmos DB individually for any length of time desired (even beyond 7 days) is an advantage Cosmos DB has over Event Hubs when used for ingesting streaming data.</a:t>
             </a:r>
           </a:p>
           <a:p>
@@ -5291,7 +5369,7 @@
                   <a:prstClr val="black"/>
                 </a:solidFill>
               </a:rPr>
-              <a:t>2/4/2019 8:48 AM</a:t>
+              <a:t>2/8/2019 5:22 PM</a:t>
             </a:fld>
             <a:endParaRPr lang="en-US" dirty="0">
               <a:solidFill>
@@ -5538,7 +5616,7 @@
           <a:p>
             <a:fld id="{328EAAE8-B538-48EB-83B5-2B364220CC89}" type="datetime8">
               <a:rPr lang="en-US" smtClean="0"/>
-              <a:t>2/4/2019 8:48 AM</a:t>
+              <a:t>2/8/2019 5:22 PM</a:t>
             </a:fld>
             <a:endParaRPr lang="en-US" dirty="0"/>
           </a:p>
@@ -5670,7 +5748,7 @@
           <a:p>
             <a:fld id="{5A70A388-5CB4-42F2-85B9-1AE1F63398FA}" type="datetime8">
               <a:rPr lang="en-US" smtClean="0"/>
-              <a:t>2/4/2019 8:48 AM</a:t>
+              <a:t>2/8/2019 5:22 PM</a:t>
             </a:fld>
             <a:endParaRPr lang="en-US" dirty="0"/>
           </a:p>
@@ -5853,7 +5931,7 @@
           <a:p>
             <a:fld id="{6939CF7E-134C-4B4A-9853-17D7568CBCC2}" type="datetime8">
               <a:rPr lang="en-US" smtClean="0"/>
-              <a:t>2/4/2019 8:48 AM</a:t>
+              <a:t>2/8/2019 5:22 PM</a:t>
             </a:fld>
             <a:endParaRPr lang="en-US" dirty="0"/>
           </a:p>
@@ -6115,7 +6193,7 @@
           <a:p>
             <a:fld id="{B76134C8-AC9E-49DD-B3D6-722B1A93F18D}" type="datetime8">
               <a:rPr lang="en-US" smtClean="0"/>
-              <a:t>2/4/2019 8:48 AM</a:t>
+              <a:t>2/8/2019 5:22 PM</a:t>
             </a:fld>
             <a:endParaRPr lang="en-US" dirty="0"/>
           </a:p>
@@ -6296,7 +6374,7 @@
           <a:p>
             <a:fld id="{34FAA446-E61B-4D43-A3B1-7749AA6DC131}" type="datetime8">
               <a:rPr lang="en-US" smtClean="0"/>
-              <a:t>2/4/2019 8:48 AM</a:t>
+              <a:t>2/8/2019 5:22 PM</a:t>
             </a:fld>
             <a:endParaRPr lang="en-US" dirty="0"/>
           </a:p>
@@ -6477,7 +6555,7 @@
           <a:p>
             <a:fld id="{F86059B6-667D-4F24-AA48-46C1EA5D9E8E}" type="datetime8">
               <a:rPr lang="en-US" smtClean="0"/>
-              <a:t>2/4/2019 8:48 AM</a:t>
+              <a:t>2/8/2019 5:22 PM</a:t>
             </a:fld>
             <a:endParaRPr lang="en-US" dirty="0"/>
           </a:p>
@@ -6742,7 +6820,7 @@
           <a:p>
             <a:fld id="{35A2D088-BDBD-41A5-ADCE-5C6A4DC08057}" type="datetime8">
               <a:rPr lang="en-US" smtClean="0"/>
-              <a:t>2/4/2019 8:48 AM</a:t>
+              <a:t>2/8/2019 5:22 PM</a:t>
             </a:fld>
             <a:endParaRPr lang="en-US" dirty="0"/>
           </a:p>
@@ -6874,7 +6952,7 @@
           <a:p>
             <a:fld id="{174E4CE6-2FE4-433F-87B8-CB5DD266EBFC}" type="datetime8">
               <a:rPr lang="en-US" smtClean="0"/>
-              <a:t>2/4/2019 8:48 AM</a:t>
+              <a:t>2/8/2019 5:22 PM</a:t>
             </a:fld>
             <a:endParaRPr lang="en-US" dirty="0"/>
           </a:p>
@@ -7073,7 +7151,7 @@
                   <a:prstClr val="black"/>
                 </a:solidFill>
               </a:rPr>
-              <a:t>2/4/2019 8:48 AM</a:t>
+              <a:t>2/8/2019 5:22 PM</a:t>
             </a:fld>
             <a:endParaRPr lang="en-US" dirty="0">
               <a:solidFill>
@@ -22545,27 +22623,7 @@
                 <a:latin typeface="Segoe UI Semilight" panose="020B0402040204020203" pitchFamily="34" charset="0"/>
                 <a:cs typeface="Segoe UI Semilight" panose="020B0402040204020203" pitchFamily="34" charset="0"/>
               </a:rPr>
-              <a:t>For real-time transaction ingest, consider either stored procedures to guarantee ACID-compliant transactions, or monitor </a:t>
-            </a:r>
-            <a:r>
-              <a:rPr lang="en-US" sz="2800" dirty="0" err="1">
-                <a:solidFill>
-                  <a:schemeClr val="tx1"/>
-                </a:solidFill>
-                <a:latin typeface="Segoe UI Semilight" panose="020B0402040204020203" pitchFamily="34" charset="0"/>
-                <a:cs typeface="Segoe UI Semilight" panose="020B0402040204020203" pitchFamily="34" charset="0"/>
-              </a:rPr>
-              <a:t>Porbabilistically</a:t>
-            </a:r>
-            <a:r>
-              <a:rPr lang="en-US" sz="2800" dirty="0">
-                <a:solidFill>
-                  <a:schemeClr val="tx1"/>
-                </a:solidFill>
-                <a:latin typeface="Segoe UI Semilight" panose="020B0402040204020203" pitchFamily="34" charset="0"/>
-                <a:cs typeface="Segoe UI Semilight" panose="020B0402040204020203" pitchFamily="34" charset="0"/>
-              </a:rPr>
-              <a:t> Bounded Staleness (PBS) metric to help select appropriate consistency level.</a:t>
+              <a:t>The suspicious transactions are stored by a batch process, resulting in a very read-heavy workload with infrequent writes. Therefore, use the Session consistency level for this data for lower cost and faster reads.</a:t>
             </a:r>
           </a:p>
           <a:p>
@@ -22791,13 +22849,13 @@
         </p:nvSpPr>
         <p:spPr>
           <a:xfrm>
-            <a:off x="269240" y="1189177"/>
-            <a:ext cx="9904422" cy="5432182"/>
+            <a:off x="269239" y="1189177"/>
+            <a:ext cx="10377371" cy="5478992"/>
           </a:xfrm>
         </p:spPr>
         <p:txBody>
           <a:bodyPr>
-            <a:normAutofit/>
+            <a:normAutofit fontScale="92500" lnSpcReduction="10000"/>
           </a:bodyPr>
           <a:lstStyle/>
           <a:p>
@@ -22880,7 +22938,7 @@
                 <a:latin typeface="Segoe UI Semilight" panose="020B0402040204020203" pitchFamily="34" charset="0"/>
                 <a:cs typeface="Segoe UI Semilight" panose="020B0402040204020203" pitchFamily="34" charset="0"/>
               </a:rPr>
-              <a:t>Cosmos DB can serve as raw storage and provide streaming through its change feed.</a:t>
+              <a:t>Cosmos DB can serve as raw storage and provide streaming through its change feed. It also has very flexible message retention by setting the time-to-live (TTL) value for ingest documents so they automatically delete after any desired period of time, allowing for re-processing and saving in storage costs.</a:t>
             </a:r>
           </a:p>
           <a:p>
@@ -38618,15 +38676,6 @@
 </file>
 
 <file path=customXml/item1.xml><?xml version="1.0" encoding="utf-8"?>
-<?mso-contentType ?>
-<FormTemplates xmlns="http://schemas.microsoft.com/sharepoint/v3/contenttype/forms">
-  <Display>DocumentLibraryForm</Display>
-  <Edit>DocumentLibraryForm</Edit>
-  <New>DocumentLibraryForm</New>
-</FormTemplates>
-</file>
-
-<file path=customXml/item2.xml><?xml version="1.0" encoding="utf-8"?>
 <ct:contentTypeSchema xmlns:ct="http://schemas.microsoft.com/office/2006/metadata/contentType" xmlns:ma="http://schemas.microsoft.com/office/2006/metadata/properties/metaAttributes" ct:_="" ma:_="" ma:contentTypeName="Document" ma:contentTypeID="0x010100D15DFA3690A15B4081582BBCC6BEAC3E" ma:contentTypeVersion="9" ma:contentTypeDescription="Create a new document." ma:contentTypeScope="" ma:versionID="642da1784587cbe85a7fdbbe4dc36103">
   <xsd:schema xmlns:xsd="http://www.w3.org/2001/XMLSchema" xmlns:xs="http://www.w3.org/2001/XMLSchema" xmlns:p="http://schemas.microsoft.com/office/2006/metadata/properties" xmlns:ns1="http://schemas.microsoft.com/sharepoint/v3" xmlns:ns2="2023ac63-7b75-4916-a9ee-591457758eee" xmlns:ns3="d9c797ad-d7c3-4982-82b7-81352a75e4a5" targetNamespace="http://schemas.microsoft.com/office/2006/metadata/properties" ma:root="true" ma:fieldsID="91198b0246576053cc55dd2c67035a89" ns1:_="" ns2:_="" ns3:_="">
     <xsd:import namespace="http://schemas.microsoft.com/sharepoint/v3"/>
@@ -38828,6 +38877,15 @@
 </ct:contentTypeSchema>
 </file>
 
+<file path=customXml/item2.xml><?xml version="1.0" encoding="utf-8"?>
+<?mso-contentType ?>
+<FormTemplates xmlns="http://schemas.microsoft.com/sharepoint/v3/contenttype/forms">
+  <Display>DocumentLibraryForm</Display>
+  <Edit>DocumentLibraryForm</Edit>
+  <New>DocumentLibraryForm</New>
+</FormTemplates>
+</file>
+
 <file path=customXml/item3.xml><?xml version="1.0" encoding="utf-8"?>
 <p:properties xmlns:p="http://schemas.microsoft.com/office/2006/metadata/properties" xmlns:xsi="http://www.w3.org/2001/XMLSchema-instance" xmlns:pc="http://schemas.microsoft.com/office/infopath/2007/PartnerControls">
   <documentManagement>
@@ -38838,14 +38896,6 @@
 </file>
 
 <file path=customXml/itemProps1.xml><?xml version="1.0" encoding="utf-8"?>
-<ds:datastoreItem xmlns:ds="http://schemas.openxmlformats.org/officeDocument/2006/customXml" ds:itemID="{F18501AF-04CF-4482-BAE1-607B49DDC378}">
-  <ds:schemaRefs>
-    <ds:schemaRef ds:uri="http://schemas.microsoft.com/sharepoint/v3/contenttype/forms"/>
-  </ds:schemaRefs>
-</ds:datastoreItem>
-</file>
-
-<file path=customXml/itemProps2.xml><?xml version="1.0" encoding="utf-8"?>
 <ds:datastoreItem xmlns:ds="http://schemas.openxmlformats.org/officeDocument/2006/customXml" ds:itemID="{255F5BEB-6AD6-480A-8556-C80C5EBC10F2}">
   <ds:schemaRefs>
     <ds:schemaRef ds:uri="http://schemas.microsoft.com/office/2006/metadata/contentType"/>
@@ -38861,6 +38911,14 @@
     <ds:schemaRef ds:uri="http://purl.org/dc/elements/1.1/"/>
     <ds:schemaRef ds:uri="http://purl.org/dc/terms/"/>
     <ds:schemaRef ds:uri="http://schemas.microsoft.com/internal/obd"/>
+  </ds:schemaRefs>
+</ds:datastoreItem>
+</file>
+
+<file path=customXml/itemProps2.xml><?xml version="1.0" encoding="utf-8"?>
+<ds:datastoreItem xmlns:ds="http://schemas.openxmlformats.org/officeDocument/2006/customXml" ds:itemID="{F18501AF-04CF-4482-BAE1-607B49DDC378}">
+  <ds:schemaRefs>
+    <ds:schemaRef ds:uri="http://schemas.microsoft.com/sharepoint/v3/contenttype/forms"/>
   </ds:schemaRefs>
 </ds:datastoreItem>
 </file>

--- a/Whiteboard design session/WDS trainer presentation - Cosmos DB Real Time Advanced Analytics.pptx
+++ b/Whiteboard design session/WDS trainer presentation - Cosmos DB Real Time Advanced Analytics.pptx
@@ -1,46 +1,46 @@
 
 <file path=ppt/presentation.xml><?xml version="1.0" encoding="utf-8"?>
-<p:presentation xmlns:a="http://schemas.openxmlformats.org/drawingml/2006/main" xmlns:r="http://schemas.openxmlformats.org/officeDocument/2006/relationships" xmlns:p="http://schemas.openxmlformats.org/presentationml/2006/main" saveSubsetFonts="1">
+<p:presentation xmlns:a="http://schemas.openxmlformats.org/drawingml/2006/main" xmlns:r="http://schemas.openxmlformats.org/officeDocument/2006/relationships" xmlns:p="http://schemas.openxmlformats.org/presentationml/2006/main" removePersonalInfoOnSave="1" saveSubsetFonts="1">
   <p:sldMasterIdLst>
-    <p:sldMasterId id="2147483660" r:id="rId4"/>
-    <p:sldMasterId id="2147483665" r:id="rId5"/>
+    <p:sldMasterId id="2147483660" r:id="rId1"/>
+    <p:sldMasterId id="2147483665" r:id="rId2"/>
   </p:sldMasterIdLst>
   <p:notesMasterIdLst>
-    <p:notesMasterId r:id="rId38"/>
+    <p:notesMasterId r:id="rId35"/>
   </p:notesMasterIdLst>
   <p:sldIdLst>
-    <p:sldId id="300" r:id="rId6"/>
-    <p:sldId id="323" r:id="rId7"/>
-    <p:sldId id="302" r:id="rId8"/>
-    <p:sldId id="259" r:id="rId9"/>
-    <p:sldId id="303" r:id="rId10"/>
-    <p:sldId id="324" r:id="rId11"/>
-    <p:sldId id="325" r:id="rId12"/>
-    <p:sldId id="304" r:id="rId13"/>
-    <p:sldId id="338" r:id="rId14"/>
-    <p:sldId id="305" r:id="rId15"/>
-    <p:sldId id="320" r:id="rId16"/>
-    <p:sldId id="322" r:id="rId17"/>
-    <p:sldId id="321" r:id="rId18"/>
-    <p:sldId id="317" r:id="rId19"/>
-    <p:sldId id="316" r:id="rId20"/>
-    <p:sldId id="326" r:id="rId21"/>
-    <p:sldId id="327" r:id="rId22"/>
-    <p:sldId id="328" r:id="rId23"/>
-    <p:sldId id="329" r:id="rId24"/>
-    <p:sldId id="330" r:id="rId25"/>
-    <p:sldId id="331" r:id="rId26"/>
-    <p:sldId id="332" r:id="rId27"/>
-    <p:sldId id="333" r:id="rId28"/>
-    <p:sldId id="334" r:id="rId29"/>
-    <p:sldId id="335" r:id="rId30"/>
-    <p:sldId id="340" r:id="rId31"/>
-    <p:sldId id="319" r:id="rId32"/>
-    <p:sldId id="336" r:id="rId33"/>
-    <p:sldId id="337" r:id="rId34"/>
-    <p:sldId id="339" r:id="rId35"/>
-    <p:sldId id="318" r:id="rId36"/>
-    <p:sldId id="315" r:id="rId37"/>
+    <p:sldId id="300" r:id="rId3"/>
+    <p:sldId id="323" r:id="rId4"/>
+    <p:sldId id="302" r:id="rId5"/>
+    <p:sldId id="259" r:id="rId6"/>
+    <p:sldId id="303" r:id="rId7"/>
+    <p:sldId id="324" r:id="rId8"/>
+    <p:sldId id="325" r:id="rId9"/>
+    <p:sldId id="304" r:id="rId10"/>
+    <p:sldId id="338" r:id="rId11"/>
+    <p:sldId id="305" r:id="rId12"/>
+    <p:sldId id="320" r:id="rId13"/>
+    <p:sldId id="322" r:id="rId14"/>
+    <p:sldId id="321" r:id="rId15"/>
+    <p:sldId id="317" r:id="rId16"/>
+    <p:sldId id="316" r:id="rId17"/>
+    <p:sldId id="326" r:id="rId18"/>
+    <p:sldId id="327" r:id="rId19"/>
+    <p:sldId id="328" r:id="rId20"/>
+    <p:sldId id="329" r:id="rId21"/>
+    <p:sldId id="330" r:id="rId22"/>
+    <p:sldId id="331" r:id="rId23"/>
+    <p:sldId id="332" r:id="rId24"/>
+    <p:sldId id="333" r:id="rId25"/>
+    <p:sldId id="334" r:id="rId26"/>
+    <p:sldId id="335" r:id="rId27"/>
+    <p:sldId id="340" r:id="rId28"/>
+    <p:sldId id="319" r:id="rId29"/>
+    <p:sldId id="336" r:id="rId30"/>
+    <p:sldId id="337" r:id="rId31"/>
+    <p:sldId id="339" r:id="rId32"/>
+    <p:sldId id="318" r:id="rId33"/>
+    <p:sldId id="315" r:id="rId34"/>
   </p:sldIdLst>
   <p:sldSz cx="12192000" cy="6858000"/>
   <p:notesSz cx="6858000" cy="9144000"/>
@@ -238,7 +238,7 @@
           <a:p>
             <a:fld id="{52A13B17-C506-4D51-BB37-16B365906619}" type="datetimeFigureOut">
               <a:rPr lang="en-US" smtClean="0"/>
-              <a:t>3/7/2019</a:t>
+              <a:t>3/19/2019</a:t>
             </a:fld>
             <a:endParaRPr lang="en-US" dirty="0"/>
           </a:p>
@@ -4472,7 +4472,7 @@
                   <a:prstClr val="black"/>
                 </a:solidFill>
               </a:rPr>
-              <a:t>3/7/2019 12:09 PM</a:t>
+              <a:t>3/19/2019 8:26 AM</a:t>
             </a:fld>
             <a:endParaRPr lang="en-US" dirty="0">
               <a:solidFill>
@@ -17516,7 +17516,7 @@
       </p:sp>
       <p:pic>
         <p:nvPicPr>
-          <p:cNvPr id="4" name="Picture 3">
+          <p:cNvPr id="4" name="Picture 3" descr="Diagram of common scenarios using Azure Cosmos DB. Streaming events are used as a data source and ingested into Cosmos DB. Data is prepared and analyzed using Azure Databricks and Azure ML, then served through Cosmos DB and presented using Power BI Dashboards.">
             <a:extLst>
               <a:ext uri="{FF2B5EF4-FFF2-40B4-BE49-F238E27FC236}">
                 <a16:creationId xmlns:a16="http://schemas.microsoft.com/office/drawing/2014/main" id="{FBE1216C-A00A-431B-BE38-1A55F1A057DA}"/>
@@ -18759,7 +18759,7 @@
       </p:sp>
       <p:pic>
         <p:nvPicPr>
-          <p:cNvPr id="7" name="Graphic 6" descr="Decorative image" title="Meeting icon">
+          <p:cNvPr id="7" name="Graphic 6" descr="Meeting icon">
             <a:extLst>
               <a:ext uri="{FF2B5EF4-FFF2-40B4-BE49-F238E27FC236}">
                 <a16:creationId xmlns:a16="http://schemas.microsoft.com/office/drawing/2014/main" id="{5EEAC033-463F-41E9-A481-7B1D19604BBB}"/>
@@ -18879,7 +18879,7 @@
       </p:sp>
       <p:pic>
         <p:nvPicPr>
-          <p:cNvPr id="6" name="Picture 5">
+          <p:cNvPr id="6" name="Picture 5" descr="The preferred solution diagram shows streaming events being ingested into Cosmos DB via Event Hubs. Data is prepared and analyzed using Azure Databricks, then served through Cosmos DB and presented using Power BI Dashboards.">
             <a:extLst>
               <a:ext uri="{FF2B5EF4-FFF2-40B4-BE49-F238E27FC236}">
                 <a16:creationId xmlns:a16="http://schemas.microsoft.com/office/drawing/2014/main" id="{7BBFBDF1-5E6E-4E0D-B9EF-D4FC681F8DA9}"/>
@@ -19115,7 +19115,7 @@
       </p:sp>
       <p:pic>
         <p:nvPicPr>
-          <p:cNvPr id="16" name="Picture 15" descr="Database" title="Database">
+          <p:cNvPr id="16" name="Picture 15" descr="Document Database icon">
             <a:extLst>
               <a:ext uri="{FF2B5EF4-FFF2-40B4-BE49-F238E27FC236}">
                 <a16:creationId xmlns:a16="http://schemas.microsoft.com/office/drawing/2014/main" id="{3480198F-CCBB-4F09-B649-3DEB43376521}"/>
@@ -19152,7 +19152,7 @@
       </p:pic>
       <p:pic>
         <p:nvPicPr>
-          <p:cNvPr id="5" name="Graphic 4" descr="Earth Globe Americas">
+          <p:cNvPr id="5" name="Graphic 4" descr="Globe icon">
             <a:extLst>
               <a:ext uri="{FF2B5EF4-FFF2-40B4-BE49-F238E27FC236}">
                 <a16:creationId xmlns:a16="http://schemas.microsoft.com/office/drawing/2014/main" id="{574ED60D-80C1-437D-B88E-817EF35A158A}"/>
@@ -19191,7 +19191,7 @@
       </p:pic>
       <p:pic>
         <p:nvPicPr>
-          <p:cNvPr id="7" name="Graphic 6" descr="Gauge">
+          <p:cNvPr id="7" name="Graphic 6" descr="Gauge icon">
             <a:extLst>
               <a:ext uri="{FF2B5EF4-FFF2-40B4-BE49-F238E27FC236}">
                 <a16:creationId xmlns:a16="http://schemas.microsoft.com/office/drawing/2014/main" id="{DF36436B-E4B7-4DA5-878F-25E07CD2381F}"/>
@@ -19417,7 +19417,7 @@
       </p:sp>
       <p:pic>
         <p:nvPicPr>
-          <p:cNvPr id="9" name="Picture 8" descr="Database" title="Database">
+          <p:cNvPr id="9" name="Picture 8" descr="Document Database icon">
             <a:extLst>
               <a:ext uri="{FF2B5EF4-FFF2-40B4-BE49-F238E27FC236}">
                 <a16:creationId xmlns:a16="http://schemas.microsoft.com/office/drawing/2014/main" id="{8E556BBA-CF4A-41BA-9ACE-1BC32A1702B0}"/>
@@ -19454,7 +19454,7 @@
       </p:pic>
       <p:pic>
         <p:nvPicPr>
-          <p:cNvPr id="10" name="Graphic 9" descr="Earth Globe Americas">
+          <p:cNvPr id="10" name="Graphic 9" descr="Globe icon">
             <a:extLst>
               <a:ext uri="{FF2B5EF4-FFF2-40B4-BE49-F238E27FC236}">
                 <a16:creationId xmlns:a16="http://schemas.microsoft.com/office/drawing/2014/main" id="{5420517E-6452-45DC-B8C7-BCA1E8B257E5}"/>
@@ -19493,7 +19493,7 @@
       </p:pic>
       <p:pic>
         <p:nvPicPr>
-          <p:cNvPr id="12" name="Graphic 11" descr="Gauge">
+          <p:cNvPr id="12" name="Graphic 11" descr="Gauge icon">
             <a:extLst>
               <a:ext uri="{FF2B5EF4-FFF2-40B4-BE49-F238E27FC236}">
                 <a16:creationId xmlns:a16="http://schemas.microsoft.com/office/drawing/2014/main" id="{280D9E88-6B4D-4399-97FC-2E040ED4B148}"/>
@@ -19732,7 +19732,7 @@
       </p:sp>
       <p:pic>
         <p:nvPicPr>
-          <p:cNvPr id="11" name="Graphic 10" descr="Download from cloud">
+          <p:cNvPr id="11" name="Graphic 10" descr="Download from cloud icon">
             <a:extLst>
               <a:ext uri="{FF2B5EF4-FFF2-40B4-BE49-F238E27FC236}">
                 <a16:creationId xmlns:a16="http://schemas.microsoft.com/office/drawing/2014/main" id="{2E2BE4C3-BEE6-4981-A018-0FBDC0EEB7F7}"/>
@@ -19771,7 +19771,7 @@
       </p:pic>
       <p:pic>
         <p:nvPicPr>
-          <p:cNvPr id="13" name="Graphic 12" descr="Database">
+          <p:cNvPr id="13" name="Graphic 12" descr="Database icon">
             <a:extLst>
               <a:ext uri="{FF2B5EF4-FFF2-40B4-BE49-F238E27FC236}">
                 <a16:creationId xmlns:a16="http://schemas.microsoft.com/office/drawing/2014/main" id="{DC33B96B-A6EE-48E2-9B11-B91507CFC385}"/>
@@ -20010,7 +20010,7 @@
       </p:sp>
       <p:pic>
         <p:nvPicPr>
-          <p:cNvPr id="7" name="Graphic 6" descr="Download from cloud">
+          <p:cNvPr id="7" name="Graphic 6" descr="Download from cloud icon">
             <a:extLst>
               <a:ext uri="{FF2B5EF4-FFF2-40B4-BE49-F238E27FC236}">
                 <a16:creationId xmlns:a16="http://schemas.microsoft.com/office/drawing/2014/main" id="{C3229484-55B5-48EE-B99C-AB478A4EB785}"/>
@@ -20049,7 +20049,7 @@
       </p:pic>
       <p:pic>
         <p:nvPicPr>
-          <p:cNvPr id="8" name="Graphic 7" descr="Database">
+          <p:cNvPr id="8" name="Graphic 7" descr="Database icon">
             <a:extLst>
               <a:ext uri="{FF2B5EF4-FFF2-40B4-BE49-F238E27FC236}">
                 <a16:creationId xmlns:a16="http://schemas.microsoft.com/office/drawing/2014/main" id="{B0CAA031-5F71-4E43-A7ED-C4FE18E45028}"/>
@@ -20164,7 +20164,7 @@
       </p:sp>
       <p:pic>
         <p:nvPicPr>
-          <p:cNvPr id="4" name="Graphic 3" descr="Teacher icon" title="Teacher icon">
+          <p:cNvPr id="4" name="Graphic 3" descr="Teacher icon">
             <a:extLst>
               <a:ext uri="{FF2B5EF4-FFF2-40B4-BE49-F238E27FC236}">
                 <a16:creationId xmlns:a16="http://schemas.microsoft.com/office/drawing/2014/main" id="{9C3F82EB-6551-4435-B752-1DF4ADF2E21E}"/>
@@ -20502,7 +20502,7 @@
       </p:sp>
       <p:pic>
         <p:nvPicPr>
-          <p:cNvPr id="5" name="Picture 4">
+          <p:cNvPr id="5" name="Picture 4" descr="Databricks logo">
             <a:extLst>
               <a:ext uri="{FF2B5EF4-FFF2-40B4-BE49-F238E27FC236}">
                 <a16:creationId xmlns:a16="http://schemas.microsoft.com/office/drawing/2014/main" id="{37EBAA59-7347-4383-868D-EDB3969B9938}"/>
@@ -20804,7 +20804,7 @@
       </p:sp>
       <p:pic>
         <p:nvPicPr>
-          <p:cNvPr id="5" name="Picture 4">
+          <p:cNvPr id="5" name="Picture 4" descr="Databricks logo">
             <a:extLst>
               <a:ext uri="{FF2B5EF4-FFF2-40B4-BE49-F238E27FC236}">
                 <a16:creationId xmlns:a16="http://schemas.microsoft.com/office/drawing/2014/main" id="{37EBAA59-7347-4383-868D-EDB3969B9938}"/>
@@ -21047,7 +21047,7 @@
       </p:sp>
       <p:pic>
         <p:nvPicPr>
-          <p:cNvPr id="5" name="Picture 4">
+          <p:cNvPr id="5" name="Picture 4" descr="Databricks logo">
             <a:extLst>
               <a:ext uri="{FF2B5EF4-FFF2-40B4-BE49-F238E27FC236}">
                 <a16:creationId xmlns:a16="http://schemas.microsoft.com/office/drawing/2014/main" id="{37EBAA59-7347-4383-868D-EDB3969B9938}"/>
@@ -21083,7 +21083,7 @@
       </p:pic>
       <p:pic>
         <p:nvPicPr>
-          <p:cNvPr id="6" name="Picture 5">
+          <p:cNvPr id="6" name="Picture 5" descr="Azure Key Vault logo">
             <a:extLst>
               <a:ext uri="{FF2B5EF4-FFF2-40B4-BE49-F238E27FC236}">
                 <a16:creationId xmlns:a16="http://schemas.microsoft.com/office/drawing/2014/main" id="{65C9088F-FEF0-4E2B-9D7F-A536323D25AD}"/>
@@ -21339,7 +21339,7 @@
       </p:sp>
       <p:pic>
         <p:nvPicPr>
-          <p:cNvPr id="5" name="Picture 4">
+          <p:cNvPr id="5" name="Picture 4" descr="Databricks logo">
             <a:extLst>
               <a:ext uri="{FF2B5EF4-FFF2-40B4-BE49-F238E27FC236}">
                 <a16:creationId xmlns:a16="http://schemas.microsoft.com/office/drawing/2014/main" id="{37EBAA59-7347-4383-868D-EDB3969B9938}"/>
@@ -21621,7 +21621,7 @@
       </p:sp>
       <p:pic>
         <p:nvPicPr>
-          <p:cNvPr id="5" name="Picture 4">
+          <p:cNvPr id="5" name="Picture 4" descr="Databricks logo">
             <a:extLst>
               <a:ext uri="{FF2B5EF4-FFF2-40B4-BE49-F238E27FC236}">
                 <a16:creationId xmlns:a16="http://schemas.microsoft.com/office/drawing/2014/main" id="{37EBAA59-7347-4383-868D-EDB3969B9938}"/>
@@ -21657,7 +21657,7 @@
       </p:pic>
       <p:pic>
         <p:nvPicPr>
-          <p:cNvPr id="6" name="Graphic 5" descr="Brain">
+          <p:cNvPr id="6" name="Graphic 5" descr="Brain icon">
             <a:extLst>
               <a:ext uri="{FF2B5EF4-FFF2-40B4-BE49-F238E27FC236}">
                 <a16:creationId xmlns:a16="http://schemas.microsoft.com/office/drawing/2014/main" id="{6A94AC2D-6DEC-46CC-BE49-E8E07EC2F9C7}"/>
@@ -21696,7 +21696,7 @@
       </p:pic>
       <p:pic>
         <p:nvPicPr>
-          <p:cNvPr id="8" name="Graphic 7" descr="Flask">
+          <p:cNvPr id="8" name="Graphic 7" descr="Azure Machine Learning icon">
             <a:extLst>
               <a:ext uri="{FF2B5EF4-FFF2-40B4-BE49-F238E27FC236}">
                 <a16:creationId xmlns:a16="http://schemas.microsoft.com/office/drawing/2014/main" id="{8506511A-115F-4395-82D5-46DF71FABEF4}"/>
@@ -21949,7 +21949,7 @@
       </p:sp>
       <p:pic>
         <p:nvPicPr>
-          <p:cNvPr id="5" name="Picture 4">
+          <p:cNvPr id="5" name="Picture 4" descr="Databricks logo">
             <a:extLst>
               <a:ext uri="{FF2B5EF4-FFF2-40B4-BE49-F238E27FC236}">
                 <a16:creationId xmlns:a16="http://schemas.microsoft.com/office/drawing/2014/main" id="{37EBAA59-7347-4383-868D-EDB3969B9938}"/>
@@ -21985,7 +21985,7 @@
       </p:pic>
       <p:pic>
         <p:nvPicPr>
-          <p:cNvPr id="7" name="Picture 6" descr="A close up of a logo&#10;&#10;Description automatically generated">
+          <p:cNvPr id="7" name="Picture 6" descr="Power BI logo">
             <a:extLst>
               <a:ext uri="{FF2B5EF4-FFF2-40B4-BE49-F238E27FC236}">
                 <a16:creationId xmlns:a16="http://schemas.microsoft.com/office/drawing/2014/main" id="{9040D8A2-5E71-48F8-AC13-EEA57DDB228A}"/>
@@ -22203,7 +22203,7 @@
       </p:sp>
       <p:pic>
         <p:nvPicPr>
-          <p:cNvPr id="7" name="Picture 6" descr="A close up of a logo&#10;&#10;Description automatically generated">
+          <p:cNvPr id="7" name="Picture 6" descr="Power BI logo">
             <a:extLst>
               <a:ext uri="{FF2B5EF4-FFF2-40B4-BE49-F238E27FC236}">
                 <a16:creationId xmlns:a16="http://schemas.microsoft.com/office/drawing/2014/main" id="{9040D8A2-5E71-48F8-AC13-EEA57DDB228A}"/>
@@ -22240,7 +22240,7 @@
       </p:pic>
       <p:pic>
         <p:nvPicPr>
-          <p:cNvPr id="6" name="Picture 5" descr="A picture containing object&#10;&#10;Description automatically generated">
+          <p:cNvPr id="6" name="Picture 5" descr="Analysis Services logo">
             <a:extLst>
               <a:ext uri="{FF2B5EF4-FFF2-40B4-BE49-F238E27FC236}">
                 <a16:creationId xmlns:a16="http://schemas.microsoft.com/office/drawing/2014/main" id="{6736AFB8-2C5F-465C-872A-1606F7557841}"/>
@@ -24293,7 +24293,7 @@
       </p:sp>
       <p:pic>
         <p:nvPicPr>
-          <p:cNvPr id="8" name="Graphic 7" descr="Earth Globe Americas">
+          <p:cNvPr id="8" name="Graphic 7" descr="Globe icon">
             <a:extLst>
               <a:ext uri="{FF2B5EF4-FFF2-40B4-BE49-F238E27FC236}">
                 <a16:creationId xmlns:a16="http://schemas.microsoft.com/office/drawing/2014/main" id="{84614F9B-5D2D-43AB-BBBB-4E31E1ADDB76}"/>
@@ -24332,7 +24332,7 @@
       </p:pic>
       <p:pic>
         <p:nvPicPr>
-          <p:cNvPr id="10" name="Graphic 9" descr="Brain">
+          <p:cNvPr id="10" name="Graphic 9" descr="Brain icon">
             <a:extLst>
               <a:ext uri="{FF2B5EF4-FFF2-40B4-BE49-F238E27FC236}">
                 <a16:creationId xmlns:a16="http://schemas.microsoft.com/office/drawing/2014/main" id="{0EFED397-9BFC-4141-8DAB-3806FCDE8B36}"/>
@@ -24744,7 +24744,7 @@
       </p:sp>
       <p:pic>
         <p:nvPicPr>
-          <p:cNvPr id="4" name="Graphic 3" descr="Flask">
+          <p:cNvPr id="4" name="Graphic 3" descr="Azure Machine Learning icon">
             <a:extLst>
               <a:ext uri="{FF2B5EF4-FFF2-40B4-BE49-F238E27FC236}">
                 <a16:creationId xmlns:a16="http://schemas.microsoft.com/office/drawing/2014/main" id="{0EB52B4E-6EFA-4220-A9E6-64D7DDE75EB3}"/>
@@ -25355,7 +25355,7 @@
       </p:sp>
       <p:pic>
         <p:nvPicPr>
-          <p:cNvPr id="7" name="Graphic 6" descr="Question icon" title="Question icon">
+          <p:cNvPr id="7" name="Graphic 6" descr="Question icon">
             <a:extLst>
               <a:ext uri="{FF2B5EF4-FFF2-40B4-BE49-F238E27FC236}">
                 <a16:creationId xmlns:a16="http://schemas.microsoft.com/office/drawing/2014/main" id="{7B1DE207-BA33-41B2-8AE1-49942EF5B175}"/>
@@ -25530,7 +25530,7 @@
       </p:sp>
       <p:pic>
         <p:nvPicPr>
-          <p:cNvPr id="7" name="Graphic 6" descr="Question icon" title="Question icon">
+          <p:cNvPr id="7" name="Graphic 6" descr="Question icon">
             <a:extLst>
               <a:ext uri="{FF2B5EF4-FFF2-40B4-BE49-F238E27FC236}">
                 <a16:creationId xmlns:a16="http://schemas.microsoft.com/office/drawing/2014/main" id="{7B1DE207-BA33-41B2-8AE1-49942EF5B175}"/>
@@ -26451,270 +26451,4 @@
     </a:ext>
   </a:extLst>
 </a:theme>
-</file>
-
-<file path=customXml/item1.xml><?xml version="1.0" encoding="utf-8"?>
-<p:properties xmlns:p="http://schemas.microsoft.com/office/2006/metadata/properties" xmlns:xsi="http://www.w3.org/2001/XMLSchema-instance" xmlns:pc="http://schemas.microsoft.com/office/infopath/2007/PartnerControls">
-  <documentManagement>
-    <_ip_UnifiedCompliancePolicyUIAction xmlns="http://schemas.microsoft.com/sharepoint/v3" xsi:nil="true"/>
-    <_ip_UnifiedCompliancePolicyProperties xmlns="http://schemas.microsoft.com/sharepoint/v3" xsi:nil="true"/>
-  </documentManagement>
-</p:properties>
-</file>
-
-<file path=customXml/item2.xml><?xml version="1.0" encoding="utf-8"?>
-<?mso-contentType ?>
-<FormTemplates xmlns="http://schemas.microsoft.com/sharepoint/v3/contenttype/forms">
-  <Display>DocumentLibraryForm</Display>
-  <Edit>DocumentLibraryForm</Edit>
-  <New>DocumentLibraryForm</New>
-</FormTemplates>
-</file>
-
-<file path=customXml/item3.xml><?xml version="1.0" encoding="utf-8"?>
-<ct:contentTypeSchema xmlns:ct="http://schemas.microsoft.com/office/2006/metadata/contentType" xmlns:ma="http://schemas.microsoft.com/office/2006/metadata/properties/metaAttributes" ct:_="" ma:_="" ma:contentTypeName="Document" ma:contentTypeID="0x010100D15DFA3690A15B4081582BBCC6BEAC3E" ma:contentTypeVersion="9" ma:contentTypeDescription="Create a new document." ma:contentTypeScope="" ma:versionID="642da1784587cbe85a7fdbbe4dc36103">
-  <xsd:schema xmlns:xsd="http://www.w3.org/2001/XMLSchema" xmlns:xs="http://www.w3.org/2001/XMLSchema" xmlns:p="http://schemas.microsoft.com/office/2006/metadata/properties" xmlns:ns1="http://schemas.microsoft.com/sharepoint/v3" xmlns:ns2="2023ac63-7b75-4916-a9ee-591457758eee" xmlns:ns3="d9c797ad-d7c3-4982-82b7-81352a75e4a5" targetNamespace="http://schemas.microsoft.com/office/2006/metadata/properties" ma:root="true" ma:fieldsID="91198b0246576053cc55dd2c67035a89" ns1:_="" ns2:_="" ns3:_="">
-    <xsd:import namespace="http://schemas.microsoft.com/sharepoint/v3"/>
-    <xsd:import namespace="2023ac63-7b75-4916-a9ee-591457758eee"/>
-    <xsd:import namespace="d9c797ad-d7c3-4982-82b7-81352a75e4a5"/>
-    <xsd:element name="properties">
-      <xsd:complexType>
-        <xsd:sequence>
-          <xsd:element name="documentManagement">
-            <xsd:complexType>
-              <xsd:all>
-                <xsd:element ref="ns2:SharedWithUsers" minOccurs="0"/>
-                <xsd:element ref="ns2:SharedWithDetails" minOccurs="0"/>
-                <xsd:element ref="ns2:LastSharedByUser" minOccurs="0"/>
-                <xsd:element ref="ns2:LastSharedByTime" minOccurs="0"/>
-                <xsd:element ref="ns3:MediaServiceMetadata" minOccurs="0"/>
-                <xsd:element ref="ns3:MediaServiceFastMetadata" minOccurs="0"/>
-                <xsd:element ref="ns1:_ip_UnifiedCompliancePolicyProperties" minOccurs="0"/>
-                <xsd:element ref="ns1:_ip_UnifiedCompliancePolicyUIAction" minOccurs="0"/>
-                <xsd:element ref="ns3:MediaServiceDateTaken" minOccurs="0"/>
-              </xsd:all>
-            </xsd:complexType>
-          </xsd:element>
-        </xsd:sequence>
-      </xsd:complexType>
-    </xsd:element>
-  </xsd:schema>
-  <xsd:schema xmlns:xsd="http://www.w3.org/2001/XMLSchema" xmlns:xs="http://www.w3.org/2001/XMLSchema" xmlns:dms="http://schemas.microsoft.com/office/2006/documentManagement/types" xmlns:pc="http://schemas.microsoft.com/office/infopath/2007/PartnerControls" targetNamespace="http://schemas.microsoft.com/sharepoint/v3" elementFormDefault="qualified">
-    <xsd:import namespace="http://schemas.microsoft.com/office/2006/documentManagement/types"/>
-    <xsd:import namespace="http://schemas.microsoft.com/office/infopath/2007/PartnerControls"/>
-    <xsd:element name="_ip_UnifiedCompliancePolicyProperties" ma:index="14" nillable="true" ma:displayName="Unified Compliance Policy Properties" ma:description="" ma:hidden="true" ma:internalName="_ip_UnifiedCompliancePolicyProperties">
-      <xsd:simpleType>
-        <xsd:restriction base="dms:Note"/>
-      </xsd:simpleType>
-    </xsd:element>
-    <xsd:element name="_ip_UnifiedCompliancePolicyUIAction" ma:index="15" nillable="true" ma:displayName="Unified Compliance Policy UI Action" ma:description="" ma:hidden="true" ma:internalName="_ip_UnifiedCompliancePolicyUIAction">
-      <xsd:simpleType>
-        <xsd:restriction base="dms:Text"/>
-      </xsd:simpleType>
-    </xsd:element>
-  </xsd:schema>
-  <xsd:schema xmlns:xsd="http://www.w3.org/2001/XMLSchema" xmlns:xs="http://www.w3.org/2001/XMLSchema" xmlns:dms="http://schemas.microsoft.com/office/2006/documentManagement/types" xmlns:pc="http://schemas.microsoft.com/office/infopath/2007/PartnerControls" targetNamespace="2023ac63-7b75-4916-a9ee-591457758eee" elementFormDefault="qualified">
-    <xsd:import namespace="http://schemas.microsoft.com/office/2006/documentManagement/types"/>
-    <xsd:import namespace="http://schemas.microsoft.com/office/infopath/2007/PartnerControls"/>
-    <xsd:element name="SharedWithUsers" ma:index="8" nillable="true" ma:displayName="Shared With" ma:description="" ma:internalName="SharedWithUsers" ma:readOnly="true">
-      <xsd:complexType>
-        <xsd:complexContent>
-          <xsd:extension base="dms:UserMulti">
-            <xsd:sequence>
-              <xsd:element name="UserInfo" minOccurs="0" maxOccurs="unbounded">
-                <xsd:complexType>
-                  <xsd:sequence>
-                    <xsd:element name="DisplayName" type="xsd:string" minOccurs="0"/>
-                    <xsd:element name="AccountId" type="dms:UserId" minOccurs="0" nillable="true"/>
-                    <xsd:element name="AccountType" type="xsd:string" minOccurs="0"/>
-                  </xsd:sequence>
-                </xsd:complexType>
-              </xsd:element>
-            </xsd:sequence>
-          </xsd:extension>
-        </xsd:complexContent>
-      </xsd:complexType>
-    </xsd:element>
-    <xsd:element name="SharedWithDetails" ma:index="9" nillable="true" ma:displayName="Shared With Details" ma:description="" ma:internalName="SharedWithDetails" ma:readOnly="true">
-      <xsd:simpleType>
-        <xsd:restriction base="dms:Note">
-          <xsd:maxLength value="255"/>
-        </xsd:restriction>
-      </xsd:simpleType>
-    </xsd:element>
-    <xsd:element name="LastSharedByUser" ma:index="10" nillable="true" ma:displayName="Last Shared By User" ma:description="" ma:internalName="LastSharedByUser" ma:readOnly="true">
-      <xsd:simpleType>
-        <xsd:restriction base="dms:Note">
-          <xsd:maxLength value="255"/>
-        </xsd:restriction>
-      </xsd:simpleType>
-    </xsd:element>
-    <xsd:element name="LastSharedByTime" ma:index="11" nillable="true" ma:displayName="Last Shared By Time" ma:description="" ma:internalName="LastSharedByTime" ma:readOnly="true">
-      <xsd:simpleType>
-        <xsd:restriction base="dms:DateTime"/>
-      </xsd:simpleType>
-    </xsd:element>
-  </xsd:schema>
-  <xsd:schema xmlns:xsd="http://www.w3.org/2001/XMLSchema" xmlns:xs="http://www.w3.org/2001/XMLSchema" xmlns:dms="http://schemas.microsoft.com/office/2006/documentManagement/types" xmlns:pc="http://schemas.microsoft.com/office/infopath/2007/PartnerControls" targetNamespace="d9c797ad-d7c3-4982-82b7-81352a75e4a5" elementFormDefault="qualified">
-    <xsd:import namespace="http://schemas.microsoft.com/office/2006/documentManagement/types"/>
-    <xsd:import namespace="http://schemas.microsoft.com/office/infopath/2007/PartnerControls"/>
-    <xsd:element name="MediaServiceMetadata" ma:index="12" nillable="true" ma:displayName="MediaServiceMetadata" ma:description="" ma:hidden="true" ma:internalName="MediaServiceMetadata" ma:readOnly="true">
-      <xsd:simpleType>
-        <xsd:restriction base="dms:Note"/>
-      </xsd:simpleType>
-    </xsd:element>
-    <xsd:element name="MediaServiceFastMetadata" ma:index="13" nillable="true" ma:displayName="MediaServiceFastMetadata" ma:description="" ma:hidden="true" ma:internalName="MediaServiceFastMetadata" ma:readOnly="true">
-      <xsd:simpleType>
-        <xsd:restriction base="dms:Note"/>
-      </xsd:simpleType>
-    </xsd:element>
-    <xsd:element name="MediaServiceDateTaken" ma:index="16" nillable="true" ma:displayName="MediaServiceDateTaken" ma:hidden="true" ma:internalName="MediaServiceDateTaken" ma:readOnly="true">
-      <xsd:simpleType>
-        <xsd:restriction base="dms:Text"/>
-      </xsd:simpleType>
-    </xsd:element>
-  </xsd:schema>
-  <xsd:schema xmlns="http://schemas.openxmlformats.org/package/2006/metadata/core-properties" xmlns:xsd="http://www.w3.org/2001/XMLSchema" xmlns:xsi="http://www.w3.org/2001/XMLSchema-instance" xmlns:dc="http://purl.org/dc/elements/1.1/" xmlns:dcterms="http://purl.org/dc/terms/" xmlns:odoc="http://schemas.microsoft.com/internal/obd" targetNamespace="http://schemas.openxmlformats.org/package/2006/metadata/core-properties" elementFormDefault="qualified" attributeFormDefault="unqualified" blockDefault="#all">
-    <xsd:import namespace="http://purl.org/dc/elements/1.1/" schemaLocation="http://dublincore.org/schemas/xmls/qdc/2003/04/02/dc.xsd"/>
-    <xsd:import namespace="http://purl.org/dc/terms/" schemaLocation="http://dublincore.org/schemas/xmls/qdc/2003/04/02/dcterms.xsd"/>
-    <xsd:element name="coreProperties" type="CT_coreProperties"/>
-    <xsd:complexType name="CT_coreProperties">
-      <xsd:all>
-        <xsd:element ref="dc:creator" minOccurs="0" maxOccurs="1"/>
-        <xsd:element ref="dcterms:created" minOccurs="0" maxOccurs="1"/>
-        <xsd:element ref="dc:identifier" minOccurs="0" maxOccurs="1"/>
-        <xsd:element name="contentType" minOccurs="0" maxOccurs="1" type="xsd:string" ma:index="0" ma:displayName="Content Type"/>
-        <xsd:element ref="dc:title" minOccurs="0" maxOccurs="1" ma:index="4" ma:displayName="Title"/>
-        <xsd:element ref="dc:subject" minOccurs="0" maxOccurs="1"/>
-        <xsd:element ref="dc:description" minOccurs="0" maxOccurs="1"/>
-        <xsd:element name="keywords" minOccurs="0" maxOccurs="1" type="xsd:string"/>
-        <xsd:element ref="dc:language" minOccurs="0" maxOccurs="1"/>
-        <xsd:element name="category" minOccurs="0" maxOccurs="1" type="xsd:string"/>
-        <xsd:element name="version" minOccurs="0" maxOccurs="1" type="xsd:string"/>
-        <xsd:element name="revision" minOccurs="0" maxOccurs="1" type="xsd:string">
-          <xsd:annotation>
-            <xsd:documentation>
-                        This value indicates the number of saves or revisions. The application is responsible for updating this value after each revision.
-                    </xsd:documentation>
-          </xsd:annotation>
-        </xsd:element>
-        <xsd:element name="lastModifiedBy" minOccurs="0" maxOccurs="1" type="xsd:string"/>
-        <xsd:element ref="dcterms:modified" minOccurs="0" maxOccurs="1"/>
-        <xsd:element name="contentStatus" minOccurs="0" maxOccurs="1" type="xsd:string"/>
-      </xsd:all>
-    </xsd:complexType>
-  </xsd:schema>
-  <xs:schema xmlns:pc="http://schemas.microsoft.com/office/infopath/2007/PartnerControls" xmlns:xs="http://www.w3.org/2001/XMLSchema" targetNamespace="http://schemas.microsoft.com/office/infopath/2007/PartnerControls" elementFormDefault="qualified" attributeFormDefault="unqualified">
-    <xs:element name="Person">
-      <xs:complexType>
-        <xs:sequence>
-          <xs:element ref="pc:DisplayName" minOccurs="0"/>
-          <xs:element ref="pc:AccountId" minOccurs="0"/>
-          <xs:element ref="pc:AccountType" minOccurs="0"/>
-        </xs:sequence>
-      </xs:complexType>
-    </xs:element>
-    <xs:element name="DisplayName" type="xs:string"/>
-    <xs:element name="AccountId" type="xs:string"/>
-    <xs:element name="AccountType" type="xs:string"/>
-    <xs:element name="BDCAssociatedEntity">
-      <xs:complexType>
-        <xs:sequence>
-          <xs:element ref="pc:BDCEntity" minOccurs="0" maxOccurs="unbounded"/>
-        </xs:sequence>
-        <xs:attribute ref="pc:EntityNamespace"/>
-        <xs:attribute ref="pc:EntityName"/>
-        <xs:attribute ref="pc:SystemInstanceName"/>
-        <xs:attribute ref="pc:AssociationName"/>
-      </xs:complexType>
-    </xs:element>
-    <xs:attribute name="EntityNamespace" type="xs:string"/>
-    <xs:attribute name="EntityName" type="xs:string"/>
-    <xs:attribute name="SystemInstanceName" type="xs:string"/>
-    <xs:attribute name="AssociationName" type="xs:string"/>
-    <xs:element name="BDCEntity">
-      <xs:complexType>
-        <xs:sequence>
-          <xs:element ref="pc:EntityDisplayName" minOccurs="0"/>
-          <xs:element ref="pc:EntityInstanceReference" minOccurs="0"/>
-          <xs:element ref="pc:EntityId1" minOccurs="0"/>
-          <xs:element ref="pc:EntityId2" minOccurs="0"/>
-          <xs:element ref="pc:EntityId3" minOccurs="0"/>
-          <xs:element ref="pc:EntityId4" minOccurs="0"/>
-          <xs:element ref="pc:EntityId5" minOccurs="0"/>
-        </xs:sequence>
-      </xs:complexType>
-    </xs:element>
-    <xs:element name="EntityDisplayName" type="xs:string"/>
-    <xs:element name="EntityInstanceReference" type="xs:string"/>
-    <xs:element name="EntityId1" type="xs:string"/>
-    <xs:element name="EntityId2" type="xs:string"/>
-    <xs:element name="EntityId3" type="xs:string"/>
-    <xs:element name="EntityId4" type="xs:string"/>
-    <xs:element name="EntityId5" type="xs:string"/>
-    <xs:element name="Terms">
-      <xs:complexType>
-        <xs:sequence>
-          <xs:element ref="pc:TermInfo" minOccurs="0" maxOccurs="unbounded"/>
-        </xs:sequence>
-      </xs:complexType>
-    </xs:element>
-    <xs:element name="TermInfo">
-      <xs:complexType>
-        <xs:sequence>
-          <xs:element ref="pc:TermName" minOccurs="0"/>
-          <xs:element ref="pc:TermId" minOccurs="0"/>
-        </xs:sequence>
-      </xs:complexType>
-    </xs:element>
-    <xs:element name="TermName" type="xs:string"/>
-    <xs:element name="TermId" type="xs:string"/>
-  </xs:schema>
-</ct:contentTypeSchema>
-</file>
-
-<file path=customXml/itemProps1.xml><?xml version="1.0" encoding="utf-8"?>
-<ds:datastoreItem xmlns:ds="http://schemas.openxmlformats.org/officeDocument/2006/customXml" ds:itemID="{BAF7D529-36AB-45DA-B239-2F912F2D1610}">
-  <ds:schemaRefs>
-    <ds:schemaRef ds:uri="http://purl.org/dc/elements/1.1/"/>
-    <ds:schemaRef ds:uri="http://schemas.microsoft.com/office/2006/metadata/properties"/>
-    <ds:schemaRef ds:uri="http://purl.org/dc/terms/"/>
-    <ds:schemaRef ds:uri="http://schemas.microsoft.com/office/infopath/2007/PartnerControls"/>
-    <ds:schemaRef ds:uri="http://purl.org/dc/dcmitype/"/>
-    <ds:schemaRef ds:uri="http://schemas.openxmlformats.org/package/2006/metadata/core-properties"/>
-    <ds:schemaRef ds:uri="http://schemas.microsoft.com/office/2006/documentManagement/types"/>
-    <ds:schemaRef ds:uri="d9c797ad-d7c3-4982-82b7-81352a75e4a5"/>
-    <ds:schemaRef ds:uri="2023ac63-7b75-4916-a9ee-591457758eee"/>
-    <ds:schemaRef ds:uri="http://schemas.microsoft.com/sharepoint/v3"/>
-    <ds:schemaRef ds:uri="http://www.w3.org/XML/1998/namespace"/>
-  </ds:schemaRefs>
-</ds:datastoreItem>
-</file>
-
-<file path=customXml/itemProps2.xml><?xml version="1.0" encoding="utf-8"?>
-<ds:datastoreItem xmlns:ds="http://schemas.openxmlformats.org/officeDocument/2006/customXml" ds:itemID="{F18501AF-04CF-4482-BAE1-607B49DDC378}">
-  <ds:schemaRefs>
-    <ds:schemaRef ds:uri="http://schemas.microsoft.com/sharepoint/v3/contenttype/forms"/>
-  </ds:schemaRefs>
-</ds:datastoreItem>
-</file>
-
-<file path=customXml/itemProps3.xml><?xml version="1.0" encoding="utf-8"?>
-<ds:datastoreItem xmlns:ds="http://schemas.openxmlformats.org/officeDocument/2006/customXml" ds:itemID="{255F5BEB-6AD6-480A-8556-C80C5EBC10F2}">
-  <ds:schemaRefs>
-    <ds:schemaRef ds:uri="http://schemas.microsoft.com/office/2006/metadata/contentType"/>
-    <ds:schemaRef ds:uri="http://schemas.microsoft.com/office/2006/metadata/properties/metaAttributes"/>
-    <ds:schemaRef ds:uri="http://www.w3.org/2001/XMLSchema"/>
-    <ds:schemaRef ds:uri="http://schemas.microsoft.com/office/2006/metadata/properties"/>
-    <ds:schemaRef ds:uri="http://schemas.microsoft.com/sharepoint/v3"/>
-    <ds:schemaRef ds:uri="2023ac63-7b75-4916-a9ee-591457758eee"/>
-    <ds:schemaRef ds:uri="d9c797ad-d7c3-4982-82b7-81352a75e4a5"/>
-    <ds:schemaRef ds:uri="http://schemas.microsoft.com/office/2006/documentManagement/types"/>
-    <ds:schemaRef ds:uri="http://schemas.microsoft.com/office/infopath/2007/PartnerControls"/>
-    <ds:schemaRef ds:uri="http://schemas.openxmlformats.org/package/2006/metadata/core-properties"/>
-    <ds:schemaRef ds:uri="http://purl.org/dc/elements/1.1/"/>
-    <ds:schemaRef ds:uri="http://purl.org/dc/terms/"/>
-    <ds:schemaRef ds:uri="http://schemas.microsoft.com/internal/obd"/>
-  </ds:schemaRefs>
-</ds:datastoreItem>
 </file>
--- a/Whiteboard design session/WDS trainer presentation - Cosmos DB Real Time Advanced Analytics.pptx
+++ b/Whiteboard design session/WDS trainer presentation - Cosmos DB Real Time Advanced Analytics.pptx
@@ -238,7 +238,7 @@
           <a:p>
             <a:fld id="{52A13B17-C506-4D51-BB37-16B365906619}" type="datetimeFigureOut">
               <a:rPr lang="en-US" smtClean="0"/>
-              <a:t>3/19/2019</a:t>
+              <a:t>5/21/2019</a:t>
             </a:fld>
             <a:endParaRPr lang="en-US" dirty="0"/>
           </a:p>
@@ -4472,7 +4472,7 @@
                   <a:prstClr val="black"/>
                 </a:solidFill>
               </a:rPr>
-              <a:t>3/19/2019 8:26 AM</a:t>
+              <a:t>5/21/2019 5:35 PM</a:t>
             </a:fld>
             <a:endParaRPr lang="en-US" dirty="0">
               <a:solidFill>
@@ -20679,7 +20679,7 @@
                 <a:latin typeface="Segoe UI Semilight" panose="020B0402040204020203" pitchFamily="34" charset="0"/>
                 <a:cs typeface="Segoe UI Semilight" panose="020B0402040204020203" pitchFamily="34" charset="0"/>
               </a:rPr>
-              <a:t>Databricks Delta tables are Spark tables with built-in reliability and performance optimizations.</a:t>
+              <a:t>Databricks Delta Lake tables are Spark tables with built-in reliability and performance optimizations.</a:t>
             </a:r>
           </a:p>
           <a:p>
@@ -20994,7 +20994,7 @@
                 <a:latin typeface="Segoe UI Semilight" panose="020B0402040204020203" pitchFamily="34" charset="0"/>
                 <a:cs typeface="Segoe UI Semilight" panose="020B0402040204020203" pitchFamily="34" charset="0"/>
               </a:rPr>
-              <a:t>Use Spark Structured Streaming to process real-time payment transactions into Databricks Delta tables.</a:t>
+              <a:t>Use Spark Structured Streaming to process real-time payment transactions into Delta Lake tables.</a:t>
             </a:r>
           </a:p>
           <a:p>
@@ -21216,7 +21216,7 @@
         </p:spPr>
         <p:txBody>
           <a:bodyPr>
-            <a:normAutofit/>
+            <a:normAutofit lnSpcReduction="10000"/>
           </a:bodyPr>
           <a:lstStyle/>
           <a:p>
@@ -21260,7 +21260,7 @@
                 <a:latin typeface="Segoe UI Semilight" panose="020B0402040204020203" pitchFamily="34" charset="0"/>
                 <a:cs typeface="Segoe UI Semilight" panose="020B0402040204020203" pitchFamily="34" charset="0"/>
               </a:rPr>
-              <a:t>Use Azure Data Lake Storage Gen2 (ADLS Gen2) as the underlying long-term file store for Databricks Delta tables.</a:t>
+              <a:t>Use Azure Data Lake Storage Gen2 (ADLS Gen2) as the underlying long-term file store for Delta Lake tables.</a:t>
             </a:r>
           </a:p>
           <a:p>
@@ -21299,7 +21299,7 @@
                 <a:latin typeface="Segoe UI Semilight" panose="020B0402040204020203" pitchFamily="34" charset="0"/>
                 <a:cs typeface="Segoe UI Semilight" panose="020B0402040204020203" pitchFamily="34" charset="0"/>
               </a:rPr>
-              <a:t>Databricks Delta can compact small files together into larger files up to 1 GB in size using the OPTIMIZE operator. This can improve query performance over time.</a:t>
+              <a:t>Delta Lake can compact small files together into larger files up to 1 GB in size using the OPTIMIZE operator. This can improve query performance over time.</a:t>
             </a:r>
           </a:p>
           <a:p>
@@ -21312,7 +21312,7 @@
                 <a:latin typeface="Segoe UI Semilight" panose="020B0402040204020203" pitchFamily="34" charset="0"/>
                 <a:cs typeface="Segoe UI Semilight" panose="020B0402040204020203" pitchFamily="34" charset="0"/>
               </a:rPr>
-              <a:t>Define file paths in ADLS for query, dimension, and summary tables. Point to those paths when saving to Delta.</a:t>
+              <a:t>Define file paths in ADLS for query, dimension, and summary tables. Point to those paths when saving to Delta Lake.</a:t>
             </a:r>
             <a:endParaRPr lang="en-US" sz="2408" dirty="0">
               <a:solidFill>
@@ -23445,7 +23445,7 @@
                 <a:ea typeface="Segoe UI" panose="020B0502040204020203" pitchFamily="34" charset="0"/>
                 <a:cs typeface="Segoe UI Light" panose="020B0502040204020203" pitchFamily="34" charset="0"/>
               </a:rPr>
-              <a:t>Its greatest strength is that it provides a multi-model, globally available NoSQL database with high concurrency, low latency, and predictable results. All data is synchronized transparently across all regions for you. Save costs by scaling up resource units (RUs) as you need them for batch processes or heavy load, then scale back down. You can automate this with a combination of Azure Monitor and Azure Functions. Use time-to-live (TTL) to automatically delete entities after a specified period of time to save space. Also, store multiple entity types in the same collection. Do not create a separate collection for each entity type.</a:t>
+              <a:t>Its greatest strength is that it provides a multi-model, globally available NoSQL database with high concurrency, low latency, and predictable results. All data is synchronized transparently across all regions for you. Save costs by scaling up resource units (RUs) as you need them for batch processes or heavy load, then scale back down. You can automate this with a combination of Azure Monitor and Azure Functions. Use time-to-live (TTL) to automatically delete entities after a specified period of time to save space. Also, store multiple entity types in the same container. Do not create a separate container for each entity type.</a:t>
             </a:r>
           </a:p>
           <a:p>

--- a/Whiteboard design session/WDS trainer presentation - Cosmos DB Real Time Advanced Analytics.pptx
+++ b/Whiteboard design session/WDS trainer presentation - Cosmos DB Real Time Advanced Analytics.pptx
@@ -150,8 +150,8 @@
 <file path=ppt/revisionInfo.xml><?xml version="1.0" encoding="utf-8"?>
 <p1510:revInfo xmlns:a="http://schemas.openxmlformats.org/drawingml/2006/main" xmlns:r="http://schemas.openxmlformats.org/officeDocument/2006/relationships" xmlns:p1510="http://schemas.microsoft.com/office/powerpoint/2015/10/main">
   <p1510:revLst>
+    <p1510:client id="{5F159153-6972-4091-9728-9592CD7B1E22}" v="1" dt="2018-06-29T19:57:36.034"/>
     <p1510:client id="{738DBAC3-60A1-4913-A600-E1113DEB827D}" v="37" dt="2018-05-10T17:30:28.024"/>
-    <p1510:client id="{5F159153-6972-4091-9728-9592CD7B1E22}" v="1" dt="2018-06-29T19:57:36.034"/>
   </p1510:revLst>
 </p1510:revInfo>
 </file>
@@ -238,7 +238,7 @@
           <a:p>
             <a:fld id="{52A13B17-C506-4D51-BB37-16B365906619}" type="datetimeFigureOut">
               <a:rPr lang="en-US" smtClean="0"/>
-              <a:t>5/21/2019</a:t>
+              <a:t>9/28/2020</a:t>
             </a:fld>
             <a:endParaRPr lang="en-US" dirty="0"/>
           </a:p>
@@ -4472,7 +4472,7 @@
                   <a:prstClr val="black"/>
                 </a:solidFill>
               </a:rPr>
-              <a:t>5/21/2019 5:35 PM</a:t>
+              <a:t>9/28/2020 2:43 PM</a:t>
             </a:fld>
             <a:endParaRPr lang="en-US" dirty="0">
               <a:solidFill>
@@ -5582,7 +5582,7 @@
       </p:transition>
     </mc:Fallback>
   </mc:AlternateContent>
-  <p:extLst mod="1">
+  <p:extLst>
     <p:ext uri="{DCECCB84-F9BA-43D5-87BE-67443E8EF086}">
       <p15:sldGuideLst xmlns:p15="http://schemas.microsoft.com/office/powerpoint/2012/main">
         <p15:guide id="1" pos="288">
@@ -16587,7 +16587,7 @@
       </a:lvl9pPr>
     </p:otherStyle>
   </p:txStyles>
-  <p:extLst mod="1">
+  <p:extLst>
     <p:ext uri="{27BBF7A9-308A-43DC-89C8-2F10F3537804}">
       <p15:sldGuideLst xmlns:p15="http://schemas.microsoft.com/office/powerpoint/2012/main">
         <p15:guide id="1" orient="horz" pos="187">
@@ -17202,7 +17202,7 @@
       </a:lvl9pPr>
     </p:otherStyle>
   </p:txStyles>
-  <p:extLst mod="1">
+  <p:extLst>
     <p:ext uri="{27BBF7A9-308A-43DC-89C8-2F10F3537804}">
       <p15:sldGuideLst xmlns:p15="http://schemas.microsoft.com/office/powerpoint/2012/main">
         <p15:guide id="1" orient="horz" pos="187">
@@ -17516,7 +17516,7 @@
       </p:sp>
       <p:pic>
         <p:nvPicPr>
-          <p:cNvPr id="4" name="Picture 3" descr="Diagram of common scenarios using Azure Cosmos DB. Streaming events are used as a data source and ingested into Cosmos DB. Data is prepared and analyzed using Azure Databricks and Azure ML, then served through Cosmos DB and presented using Power BI Dashboards.">
+          <p:cNvPr id="4" name="Picture 3">
             <a:extLst>
               <a:ext uri="{FF2B5EF4-FFF2-40B4-BE49-F238E27FC236}">
                 <a16:creationId xmlns:a16="http://schemas.microsoft.com/office/drawing/2014/main" id="{FBE1216C-A00A-431B-BE38-1A55F1A057DA}"/>
@@ -17536,14 +17536,13 @@
               </a:ext>
             </a:extLst>
           </a:blip>
-          <a:stretch>
-            <a:fillRect/>
-          </a:stretch>
+          <a:srcRect/>
+          <a:stretch/>
         </p:blipFill>
         <p:spPr>
           <a:xfrm>
-            <a:off x="928301" y="1178915"/>
-            <a:ext cx="10335398" cy="5679085"/>
+            <a:off x="962257" y="1178915"/>
+            <a:ext cx="10267485" cy="5679085"/>
           </a:xfrm>
           <a:prstGeom prst="rect">
             <a:avLst/>
@@ -18879,7 +18878,7 @@
       </p:sp>
       <p:pic>
         <p:nvPicPr>
-          <p:cNvPr id="6" name="Picture 5" descr="The preferred solution diagram shows streaming events being ingested into Cosmos DB via Event Hubs. Data is prepared and analyzed using Azure Databricks, then served through Cosmos DB and presented using Power BI Dashboards.">
+          <p:cNvPr id="6" name="Picture 5">
             <a:extLst>
               <a:ext uri="{FF2B5EF4-FFF2-40B4-BE49-F238E27FC236}">
                 <a16:creationId xmlns:a16="http://schemas.microsoft.com/office/drawing/2014/main" id="{7BBFBDF1-5E6E-4E0D-B9EF-D4FC681F8DA9}"/>
@@ -18899,14 +18898,13 @@
               </a:ext>
             </a:extLst>
           </a:blip>
-          <a:stretch>
-            <a:fillRect/>
-          </a:stretch>
+          <a:srcRect/>
+          <a:stretch/>
         </p:blipFill>
         <p:spPr>
           <a:xfrm>
-            <a:off x="1117495" y="992185"/>
-            <a:ext cx="9957009" cy="5773119"/>
+            <a:off x="1117495" y="1078336"/>
+            <a:ext cx="9957009" cy="5600817"/>
           </a:xfrm>
           <a:prstGeom prst="rect">
             <a:avLst/>

--- a/Whiteboard design session/WDS trainer presentation - Cosmos DB Real Time Advanced Analytics.pptx
+++ b/Whiteboard design session/WDS trainer presentation - Cosmos DB Real Time Advanced Analytics.pptx
@@ -25,16 +25,16 @@
     <p:sldId id="317" r:id="rId16"/>
     <p:sldId id="316" r:id="rId17"/>
     <p:sldId id="326" r:id="rId18"/>
-    <p:sldId id="327" r:id="rId19"/>
-    <p:sldId id="328" r:id="rId20"/>
-    <p:sldId id="329" r:id="rId21"/>
-    <p:sldId id="330" r:id="rId22"/>
-    <p:sldId id="331" r:id="rId23"/>
-    <p:sldId id="332" r:id="rId24"/>
-    <p:sldId id="333" r:id="rId25"/>
-    <p:sldId id="334" r:id="rId26"/>
-    <p:sldId id="335" r:id="rId27"/>
-    <p:sldId id="340" r:id="rId28"/>
+    <p:sldId id="341" r:id="rId19"/>
+    <p:sldId id="327" r:id="rId20"/>
+    <p:sldId id="328" r:id="rId21"/>
+    <p:sldId id="329" r:id="rId22"/>
+    <p:sldId id="330" r:id="rId23"/>
+    <p:sldId id="331" r:id="rId24"/>
+    <p:sldId id="332" r:id="rId25"/>
+    <p:sldId id="333" r:id="rId26"/>
+    <p:sldId id="334" r:id="rId27"/>
+    <p:sldId id="335" r:id="rId28"/>
     <p:sldId id="319" r:id="rId29"/>
     <p:sldId id="336" r:id="rId30"/>
     <p:sldId id="337" r:id="rId31"/>
@@ -1113,81 +1113,135 @@
           <a:bodyPr/>
           <a:lstStyle/>
           <a:p>
-            <a:r>
-              <a:rPr lang="en-US" sz="1200" b="0" kern="1200" dirty="0">
-                <a:solidFill>
-                  <a:schemeClr val="tx1"/>
+            <a:pPr algn="l"/>
+            <a:r>
+              <a:rPr lang="en-US" b="0" i="0" dirty="0">
+                <a:solidFill>
+                  <a:srgbClr val="24292E"/>
                 </a:solidFill>
                 <a:effectLst/>
-                <a:latin typeface="+mn-lt"/>
-                <a:ea typeface="+mn-ea"/>
-                <a:cs typeface="+mn-cs"/>
-              </a:rPr>
-              <a:t>The solution begins with the payment transaction systems writing transactions to Azure Cosmos DB. Using the built-in change feed feature in Cosmos DB, the transactions can be read as a stream of incoming data within an Azure Databricks notebook, using the `azure-cosmosdb-spark` connector, and stored long-term within an Azure Databricks Delta table backed by Azure Data Lake Storage. The Delta tables efficiently manage inserts and updates (e.g., upserts) to the transaction data. Tables created in Databricks over this data can be accessed by business analysts using dashboards and reports in Power BI, by using Power BI's Spark connector. Alternately, semantic models can be stored in Azure Analysis Service to serve data to Power BI, eliminating the need to keep a dedicated Databricks cluster running for reporting.</a:t>
-            </a:r>
-          </a:p>
-          <a:p>
-            <a:r>
-              <a:rPr lang="en-US" sz="1200" b="0" kern="1200" dirty="0">
-                <a:solidFill>
-                  <a:schemeClr val="tx1"/>
+                <a:latin typeface="-apple-system"/>
+              </a:rPr>
+              <a:t>The data flow for the solution begins with the payment transaction systems writing transactions to Azure Cosmos DB. Using the built-in change feed feature in Cosmos DB, the transactions can be read as a stream of incoming data within an Azure Synapse Analytics notebook, using Synapse Link. All transactional data is automatically stored in a fully isolated column store by enabling the Azure Cosmos DB Analytical Store. This store enables large-scale analytics against the operational data in Azure Cosmos DB, without impacting the transactional workloads or incurring resource unit (RU) costs. </a:t>
+            </a:r>
+            <a:r>
+              <a:rPr lang="en-US" b="0" i="0" dirty="0" err="1">
+                <a:solidFill>
+                  <a:srgbClr val="24292E"/>
                 </a:solidFill>
                 <a:effectLst/>
-                <a:latin typeface="+mn-lt"/>
-                <a:ea typeface="+mn-ea"/>
-                <a:cs typeface="+mn-cs"/>
-              </a:rPr>
-              <a:t>Data scientists and engineers can create their own reports against Databricks tables, using Azure Databricks notebooks.</a:t>
-            </a:r>
-          </a:p>
-          <a:p>
-            <a:endParaRPr lang="en-US" sz="1200" b="0" kern="1200" dirty="0">
+                <a:latin typeface="-apple-system"/>
+              </a:rPr>
+              <a:t>Woodgrove</a:t>
+            </a:r>
+            <a:r>
+              <a:rPr lang="en-US" b="0" i="0" dirty="0">
+                <a:solidFill>
+                  <a:srgbClr val="24292E"/>
+                </a:solidFill>
+                <a:effectLst/>
+                <a:latin typeface="-apple-system"/>
+              </a:rPr>
+              <a:t> Bank's analysts query historical data contained within the analytical store and use it to join on reference data stored within the analytical store of other containers, as well as the data lake.</a:t>
+            </a:r>
+          </a:p>
+          <a:p>
+            <a:pPr algn="l"/>
+            <a:endParaRPr lang="en-US" b="0" i="0" dirty="0">
               <a:solidFill>
-                <a:schemeClr val="tx1"/>
+                <a:srgbClr val="24292E"/>
               </a:solidFill>
               <a:effectLst/>
-              <a:latin typeface="+mn-lt"/>
-              <a:ea typeface="+mn-ea"/>
-              <a:cs typeface="+mn-cs"/>
+              <a:latin typeface="-apple-system"/>
             </a:endParaRPr>
           </a:p>
           <a:p>
-            <a:r>
-              <a:rPr lang="en-US" sz="1200" b="0" kern="1200" dirty="0">
-                <a:solidFill>
-                  <a:schemeClr val="tx1"/>
+            <a:pPr algn="l"/>
+            <a:r>
+              <a:rPr lang="en-US" b="0" i="0" dirty="0">
+                <a:solidFill>
+                  <a:srgbClr val="24292E"/>
                 </a:solidFill>
                 <a:effectLst/>
-                <a:latin typeface="+mn-lt"/>
-                <a:ea typeface="+mn-ea"/>
-                <a:cs typeface="+mn-cs"/>
-              </a:rPr>
-              <a:t>Azure Databricks also supports training and validating the machine learning model, using historical data stored in Azure Data Lake Storage. The model can be periodically re-trained using the data stored in Delta tables or other historical tables. The Azure Machine Learning service is used to deploy the trained model as a real-time scoring web service running on a highly available Azure Kubernetes Service cluster (AKS cluster). The trained model is also used in scheduled offline scoring through Databricks jobs, and the "suspicious activity" output is stored in Azure Cosmos DB so it is globally available in regions closest to Woodgrove Bank's customers through their web applications.</a:t>
-            </a:r>
-          </a:p>
-          <a:p>
-            <a:endParaRPr lang="en-US" sz="1200" b="0" kern="1200" dirty="0">
+                <a:latin typeface="-apple-system"/>
+              </a:rPr>
+              <a:t>Azure Synapse Analytics serves as the end-to-end analytics platform that combines SQL data warehousing, big data analytics, and data integration, and is central to the architecture. Synapse Analytics is required when using the Synapse Link feature that enables the Azure Cosmos DB analytical store.</a:t>
+            </a:r>
+          </a:p>
+          <a:p>
+            <a:pPr algn="l"/>
+            <a:r>
+              <a:rPr lang="en-US" b="0" i="0" dirty="0">
+                <a:solidFill>
+                  <a:srgbClr val="24292E"/>
+                </a:solidFill>
+                <a:effectLst/>
+                <a:latin typeface="-apple-system"/>
+              </a:rPr>
+              <a:t>Azure Machine Learning (Azure ML) is used to train both the real-time and batch machine learning models. The Azure ML workspace stores and manages trained models, and is used to deploy the trained model as a real-time scoring web service running on a highly available Azure Kubernetes Service cluster (AKS cluster). </a:t>
+            </a:r>
+            <a:r>
+              <a:rPr lang="en-US" b="0" i="0" dirty="0" err="1">
+                <a:solidFill>
+                  <a:srgbClr val="24292E"/>
+                </a:solidFill>
+                <a:effectLst/>
+                <a:latin typeface="-apple-system"/>
+              </a:rPr>
+              <a:t>Woodgrove</a:t>
+            </a:r>
+            <a:r>
+              <a:rPr lang="en-US" b="0" i="0" dirty="0">
+                <a:solidFill>
+                  <a:srgbClr val="24292E"/>
+                </a:solidFill>
+                <a:effectLst/>
+                <a:latin typeface="-apple-system"/>
+              </a:rPr>
+              <a:t> Bank uses the batch-scoring machine learning model within Azure Synapse Analytics notebooks for predicting fraud against the day's transactions, building aggregates showing statistics around fraudulent activity, and writing the results to an Azure Cosmos DB container. The batch-scoring model is also used within a Synapse notebook to reduce prediction latency by scoring the streaming data from the Azure Cosmos DB change feed, using Spark Structured Streaming. All transactions with "suspicious activity" output are stored in Azure Cosmos DB so it is globally available in regions closest to </a:t>
+            </a:r>
+            <a:r>
+              <a:rPr lang="en-US" b="0" i="0" dirty="0" err="1">
+                <a:solidFill>
+                  <a:srgbClr val="24292E"/>
+                </a:solidFill>
+                <a:effectLst/>
+                <a:latin typeface="-apple-system"/>
+              </a:rPr>
+              <a:t>Woodgrove</a:t>
+            </a:r>
+            <a:r>
+              <a:rPr lang="en-US" b="0" i="0" dirty="0">
+                <a:solidFill>
+                  <a:srgbClr val="24292E"/>
+                </a:solidFill>
+                <a:effectLst/>
+                <a:latin typeface="-apple-system"/>
+              </a:rPr>
+              <a:t> Bank's customers through their web applications. The analytical store feature is enabled on the container that contains predicted suspicious activity. Synapse SQL Serverless views are created against this and other analytical stores and can be accessed by business analysts using dashboards and reports in Power BI, which are embedded within the Synapse Analytics workspace. Data scientists and engineers can create their own reports against the Azure Cosmos DB Analytical Store, using Synapse notebooks.</a:t>
+            </a:r>
+          </a:p>
+          <a:p>
+            <a:pPr algn="l"/>
+            <a:endParaRPr lang="en-US" b="0" i="0" dirty="0">
               <a:solidFill>
-                <a:schemeClr val="tx1"/>
+                <a:srgbClr val="24292E"/>
               </a:solidFill>
               <a:effectLst/>
-              <a:latin typeface="+mn-lt"/>
-              <a:ea typeface="+mn-ea"/>
-              <a:cs typeface="+mn-cs"/>
+              <a:latin typeface="-apple-system"/>
             </a:endParaRPr>
           </a:p>
           <a:p>
-            <a:r>
-              <a:rPr lang="en-US" sz="1200" b="0" kern="1200" dirty="0">
-                <a:solidFill>
-                  <a:schemeClr val="tx1"/>
+            <a:pPr algn="l"/>
+            <a:r>
+              <a:rPr lang="en-US" b="0" i="0" dirty="0">
+                <a:solidFill>
+                  <a:srgbClr val="24292E"/>
                 </a:solidFill>
                 <a:effectLst/>
-                <a:latin typeface="+mn-lt"/>
-                <a:ea typeface="+mn-ea"/>
-                <a:cs typeface="+mn-cs"/>
-              </a:rPr>
-              <a:t>Finally, Azure Key Vault is used to securely store secrets, such as account keys and connection strings, and serves as a backing for Azure Databricks secret scopes.</a:t>
+                <a:latin typeface="-apple-system"/>
+              </a:rPr>
+              <a:t>Finally, Azure Key Vault is used to securely store secrets, such as account keys and connection strings. The Synapse Linked Services securely access these secrets, hiding them from Synapse Analytics users who connect to the services.</a:t>
             </a:r>
           </a:p>
         </p:txBody>
@@ -1301,7 +1355,7 @@
                 <a:ea typeface="+mn-ea"/>
                 <a:cs typeface="+mn-cs"/>
               </a:rPr>
-              <a:t>- Cosmos DB is well-suited for delivering large amounts of data in a fast and reliable way through data centers around the world. It supports multiple models (documents, graphs, key-value, column-family) without requiring schemas, which provides the flexibility of choice and changing data feature requirements. In addition, there is a connector available for reading and writing to Cosmos DB from Spark clusters, like those in Azure Databricks, making it a good candidate for both data ingest and as a data serving layer. Be sure to select a partition key that provides even distribution of storage and throughput, which also impacts scalability.</a:t>
+              <a:t>- Cosmos DB is well-suited for delivering large amounts of data in a fast and reliable way through data centers around the world. It supports multiple models (documents, graphs, key-value, column-family) without requiring schemas, which provides the flexibility of choice and changing data feature requirements. In addition, there is a connector available for reading and writing to Cosmos DB from Spark clusters, like those in Azure Synapse Analytics, making it a good candidate for both data ingest and as a data serving layer. Be sure to select a partition key that provides even distribution of storage and throughput, which also impacts scalability.</a:t>
             </a:r>
           </a:p>
           <a:p>
@@ -1337,7 +1391,7 @@
                 <a:ea typeface="+mn-ea"/>
                 <a:cs typeface="+mn-cs"/>
               </a:rPr>
-              <a:t>- Cosmos DB throughput represented as request units/second (RUs). You can quickly and easily add/remove regions without impacting your apps. Scale to millions/requests per second. You cannot selectively assign different Rus to a specific region. Rus are provisioned for a container (database) for all associated regions.</a:t>
+              <a:t>- Cosmos DB throughput represented as request units/second (RUs). You can quickly and easily add/remove regions without impacting your apps. Scale to millions/requests per second. You cannot selectively assign different Rus to a specific region. RUs are provisioned for a container (database) for all associated regions.</a:t>
             </a:r>
           </a:p>
         </p:txBody>
@@ -1422,42 +1476,93 @@
           <a:bodyPr/>
           <a:lstStyle/>
           <a:p>
-            <a:pPr lvl="0"/>
-            <a:r>
-              <a:rPr lang="en-US" sz="1200" b="1" i="0" kern="1200" dirty="0">
-                <a:solidFill>
-                  <a:schemeClr val="tx1"/>
+            <a:pPr algn="l"/>
+            <a:r>
+              <a:rPr lang="en-US" b="0" i="0" dirty="0">
+                <a:solidFill>
+                  <a:srgbClr val="24292E"/>
                 </a:solidFill>
                 <a:effectLst/>
-                <a:latin typeface="+mn-lt"/>
-                <a:ea typeface="+mn-ea"/>
-                <a:cs typeface="+mn-cs"/>
-              </a:rPr>
-              <a:t>Distributed databases that replicate data to multiple locations have some potential delay between when you write a record and when that record is available for reading. What options does your chosen service have to ensure the data is not "stale" when read? Are there any tradeoffs between reducing the window between writes, and if so, how do they apply to Woodgrove Bank's situation?</a:t>
-            </a:r>
-          </a:p>
-          <a:p>
-            <a:pPr lvl="0"/>
-            <a:r>
-              <a:rPr lang="en-US" sz="1200" b="0" i="0" kern="1200" dirty="0">
-                <a:solidFill>
-                  <a:schemeClr val="tx1"/>
+                <a:latin typeface="-apple-system"/>
+              </a:rPr>
+              <a:t>To maximize analytical queries while minimizing RU cost, we use Azure Synapse Link for Cosmos DB and enable the analytical store on their Azure Cosmos DB containers. With this configuration, all transactional data is automatically stored in a fully isolated column store. This store enables large-scale analytics against the operational data in Azure Cosmos DB, without impacting the transactional workloads or incurring resource unit (RU) costs. Azure Synapse Link for Cosmos DB creates a tight integration between Azure Cosmos DB and Azure Synapse Analytics, which enables </a:t>
+            </a:r>
+            <a:r>
+              <a:rPr lang="en-US" b="0" i="0" dirty="0" err="1">
+                <a:solidFill>
+                  <a:srgbClr val="24292E"/>
                 </a:solidFill>
                 <a:effectLst/>
-                <a:latin typeface="+mn-lt"/>
-                <a:ea typeface="+mn-ea"/>
-                <a:cs typeface="+mn-cs"/>
-              </a:rPr>
-              <a:t>- Cosmos DB offers 5 different consistency levels (strong, bounded staleness, session, consistent prefix, and eventual). There are tradeoffs between read consistency, availability, latency, and throughput with these levels. Session is the default, and it along with consistent prefix and eventual consistency provide roughly 2x read throughput compared to the stronger levels. Woodgrove can use session consistency level for offline storage of suspicious activity, as it is very heavy on reads with seldom writes.</a:t>
-            </a:r>
-            <a:endParaRPr lang="en-US" sz="2200" b="0" dirty="0">
+                <a:latin typeface="-apple-system"/>
+              </a:rPr>
+              <a:t>Woodgrove</a:t>
+            </a:r>
+            <a:r>
+              <a:rPr lang="en-US" b="0" i="0" dirty="0">
+                <a:solidFill>
+                  <a:srgbClr val="24292E"/>
+                </a:solidFill>
+                <a:effectLst/>
+                <a:latin typeface="-apple-system"/>
+              </a:rPr>
+              <a:t> Bank to run near real-time analytics over their operational data with no-ETL and full performance isolation from their transactional workloads.</a:t>
+            </a:r>
+          </a:p>
+          <a:p>
+            <a:pPr algn="l"/>
+            <a:endParaRPr lang="en-US" b="0" i="0" dirty="0">
               <a:solidFill>
-                <a:schemeClr val="tx1"/>
+                <a:srgbClr val="24292E"/>
               </a:solidFill>
-              <a:latin typeface="Segoe UI" panose="020B0502040204020203" pitchFamily="34" charset="0"/>
-              <a:ea typeface="Segoe UI" panose="020B0502040204020203" pitchFamily="34" charset="0"/>
-              <a:cs typeface="Segoe UI" panose="020B0502040204020203" pitchFamily="34" charset="0"/>
+              <a:effectLst/>
+              <a:latin typeface="-apple-system"/>
             </a:endParaRPr>
+          </a:p>
+          <a:p>
+            <a:pPr algn="l"/>
+            <a:r>
+              <a:rPr lang="en-US" b="0" i="0" dirty="0">
+                <a:solidFill>
+                  <a:srgbClr val="24292E"/>
+                </a:solidFill>
+                <a:effectLst/>
+                <a:latin typeface="-apple-system"/>
+              </a:rPr>
+              <a:t>To enable the Azure Cosmos DB analytical store, we use Azure Synapse Analytics. Azure Synapse is an end-to-end analytics platform which combines SQL data warehousing, big data analytics, and data integration into a single integrated environment.</a:t>
+            </a:r>
+          </a:p>
+          <a:p>
+            <a:pPr algn="l"/>
+            <a:r>
+              <a:rPr lang="en-US" b="0" i="0" dirty="0">
+                <a:solidFill>
+                  <a:srgbClr val="24292E"/>
+                </a:solidFill>
+                <a:effectLst/>
+                <a:latin typeface="-apple-system"/>
+              </a:rPr>
+              <a:t>By combining the distributed scale of Cosmos DB's transactional processing with the built-in analytical store and the computing power of Azure Synapse Analytics, Azure Synapse Link enables a Hybrid Transactional/Analytical Processing (HTAP) architecture for optimizing </a:t>
+            </a:r>
+            <a:r>
+              <a:rPr lang="en-US" b="0" i="0" dirty="0" err="1">
+                <a:solidFill>
+                  <a:srgbClr val="24292E"/>
+                </a:solidFill>
+                <a:effectLst/>
+                <a:latin typeface="-apple-system"/>
+              </a:rPr>
+              <a:t>Woodgrove</a:t>
+            </a:r>
+            <a:r>
+              <a:rPr lang="en-US" b="0" i="0" dirty="0">
+                <a:solidFill>
+                  <a:srgbClr val="24292E"/>
+                </a:solidFill>
+                <a:effectLst/>
+                <a:latin typeface="-apple-system"/>
+              </a:rPr>
+              <a:t> Bank's business processes. This integration eliminates ETL processes, enabling business analysts, data engineers, and data scientists to self-serve and run near real-time BI, analytics, and Machine Learning pipelines over operational data.</a:t>
+            </a:r>
           </a:p>
         </p:txBody>
       </p:sp>
@@ -1487,7 +1592,7 @@
     </p:spTree>
     <p:extLst>
       <p:ext uri="{BB962C8B-B14F-4D97-AF65-F5344CB8AC3E}">
-        <p14:creationId xmlns:p14="http://schemas.microsoft.com/office/powerpoint/2010/main" val="1017964691"/>
+        <p14:creationId xmlns:p14="http://schemas.microsoft.com/office/powerpoint/2010/main" val="3677540212"/>
       </p:ext>
     </p:extLst>
   </p:cSld>
@@ -1552,7 +1657,7 @@
                 <a:ea typeface="+mn-ea"/>
                 <a:cs typeface="+mn-cs"/>
               </a:rPr>
-              <a:t>What are your recommended options for ingesting payment transaction events as they occur in a scalable way that can be easily processed while maintaining event order with no data loss?</a:t>
+              <a:t>Distributed databases that replicate data to multiple locations have some potential delay between when you write a record and when that record is available for reading. What options does your chosen service have to ensure the data is not "stale" when read? Are there any tradeoffs between reducing the window between writes, and if so, how do they apply to Woodgrove Bank's situation?</a:t>
             </a:r>
           </a:p>
           <a:p>
@@ -1567,351 +1672,8 @@
                 <a:ea typeface="+mn-ea"/>
                 <a:cs typeface="+mn-cs"/>
               </a:rPr>
-              <a:t>- There are a couple of options in Azure for ingesting real-time streaming payment transactions. Which one you choose will depend on various factors, including the rate of flow (how many transactions/second), data source and compatibility, level of effort to implement, and long-term storage needs.</a:t>
-            </a:r>
-          </a:p>
-          <a:p>
-            <a:r>
-              <a:rPr lang="en-US" sz="1200" b="1" i="0" kern="1200" dirty="0">
-                <a:solidFill>
-                  <a:schemeClr val="tx1"/>
-                </a:solidFill>
-                <a:effectLst/>
-                <a:latin typeface="+mn-lt"/>
-                <a:ea typeface="+mn-ea"/>
-                <a:cs typeface="+mn-cs"/>
-              </a:rPr>
-              <a:t>Event Hubs</a:t>
-            </a:r>
-            <a:r>
-              <a:rPr lang="en-US" sz="1200" b="0" i="0" kern="1200" dirty="0">
-                <a:solidFill>
-                  <a:schemeClr val="tx1"/>
-                </a:solidFill>
-                <a:effectLst/>
-                <a:latin typeface="+mn-lt"/>
-                <a:ea typeface="+mn-ea"/>
-                <a:cs typeface="+mn-cs"/>
-              </a:rPr>
-              <a:t> is a Big Data streaming platform and event ingestion service, capable of ingesting millions of events per second. It supports multiple consumers (event processors) and is automatically scalable. Event Hubs is a good candidate for this architecture for the following reasons:</a:t>
-            </a:r>
-          </a:p>
-          <a:p>
-            <a:pPr marL="171450" indent="-171450">
-              <a:buFont typeface="Arial" panose="020B0604020202020204" pitchFamily="34" charset="0"/>
-              <a:buChar char="•"/>
-            </a:pPr>
-            <a:r>
-              <a:rPr lang="en-US" sz="1200" b="0" i="0" kern="1200" dirty="0">
-                <a:solidFill>
-                  <a:schemeClr val="tx1"/>
-                </a:solidFill>
-                <a:effectLst/>
-                <a:latin typeface="+mn-lt"/>
-                <a:ea typeface="+mn-ea"/>
-                <a:cs typeface="+mn-cs"/>
-              </a:rPr>
-              <a:t>Fully managed PaaS with little configuration or management overhead.</a:t>
-            </a:r>
-          </a:p>
-          <a:p>
-            <a:pPr marL="171450" indent="-171450">
-              <a:buFont typeface="Arial" panose="020B0604020202020204" pitchFamily="34" charset="0"/>
-              <a:buChar char="•"/>
-            </a:pPr>
-            <a:r>
-              <a:rPr lang="en-US" sz="1200" b="0" i="0" kern="1200" dirty="0">
-                <a:solidFill>
-                  <a:schemeClr val="tx1"/>
-                </a:solidFill>
-                <a:effectLst/>
-                <a:latin typeface="+mn-lt"/>
-                <a:ea typeface="+mn-ea"/>
-                <a:cs typeface="+mn-cs"/>
-              </a:rPr>
-              <a:t>Highly scalable to process millions of events per second. Use the Auto-inflate feature to automatically scale the number of throughput units to meet usage needs.</a:t>
-            </a:r>
-          </a:p>
-          <a:p>
-            <a:pPr marL="171450" indent="-171450">
-              <a:buFont typeface="Arial" panose="020B0604020202020204" pitchFamily="34" charset="0"/>
-              <a:buChar char="•"/>
-            </a:pPr>
-            <a:r>
-              <a:rPr lang="en-US" sz="1200" b="0" i="0" kern="1200" dirty="0">
-                <a:solidFill>
-                  <a:schemeClr val="tx1"/>
-                </a:solidFill>
-                <a:effectLst/>
-                <a:latin typeface="+mn-lt"/>
-                <a:ea typeface="+mn-ea"/>
-                <a:cs typeface="+mn-cs"/>
-              </a:rPr>
-              <a:t>Contains an optional Apache Kafka endpoint, allowing for event processing from existing Kafka-based applications. This also allows for simple integration with Apache Spark clusters, such as those hosted in Azure Databricks.</a:t>
-            </a:r>
-          </a:p>
-          <a:p>
-            <a:pPr marL="171450" indent="-171450">
-              <a:buFont typeface="Arial" panose="020B0604020202020204" pitchFamily="34" charset="0"/>
-              <a:buChar char="•"/>
-            </a:pPr>
-            <a:r>
-              <a:rPr lang="en-US" sz="1200" b="0" i="0" kern="1200" dirty="0">
-                <a:solidFill>
-                  <a:schemeClr val="tx1"/>
-                </a:solidFill>
-                <a:effectLst/>
-                <a:latin typeface="+mn-lt"/>
-                <a:ea typeface="+mn-ea"/>
-                <a:cs typeface="+mn-cs"/>
-              </a:rPr>
-              <a:t>Simultaneously supports real-time and batch processing through Event Hubs Capture. This feature allows one to easily capture and store all events in their raw form to either Azure Blob storage or Azure Data Lake Store for long-term retention and micro-batch processing.</a:t>
-            </a:r>
-          </a:p>
-          <a:p>
-            <a:pPr marL="171450" indent="-171450">
-              <a:buFont typeface="Arial" panose="020B0604020202020204" pitchFamily="34" charset="0"/>
-              <a:buChar char="•"/>
-            </a:pPr>
-            <a:r>
-              <a:rPr lang="en-US" sz="1200" b="0" i="0" kern="1200" dirty="0">
-                <a:solidFill>
-                  <a:schemeClr val="tx1"/>
-                </a:solidFill>
-                <a:effectLst/>
-                <a:latin typeface="+mn-lt"/>
-                <a:ea typeface="+mn-ea"/>
-                <a:cs typeface="+mn-cs"/>
-              </a:rPr>
-              <a:t>Event publishers (systems sending payment transaction data) can publish events using HTTPS, AMQP 1.0, or Apache Kafka 1.0 and above.</a:t>
-            </a:r>
-          </a:p>
-          <a:p>
-            <a:pPr marL="171450" indent="-171450">
-              <a:buFont typeface="Arial" panose="020B0604020202020204" pitchFamily="34" charset="0"/>
-              <a:buChar char="•"/>
-            </a:pPr>
-            <a:r>
-              <a:rPr lang="en-US" sz="1200" b="0" i="0" kern="1200" dirty="0">
-                <a:solidFill>
-                  <a:schemeClr val="tx1"/>
-                </a:solidFill>
-                <a:effectLst/>
-                <a:latin typeface="+mn-lt"/>
-                <a:ea typeface="+mn-ea"/>
-                <a:cs typeface="+mn-cs"/>
-              </a:rPr>
-              <a:t>Event consumers can process streams using .NET, Java, Python, Go, or Node.js.</a:t>
-            </a:r>
-          </a:p>
-          <a:p>
-            <a:r>
-              <a:rPr lang="en-US" sz="1200" b="1" i="0" kern="1200" dirty="0">
-                <a:solidFill>
-                  <a:schemeClr val="tx1"/>
-                </a:solidFill>
-                <a:effectLst/>
-                <a:latin typeface="+mn-lt"/>
-                <a:ea typeface="+mn-ea"/>
-                <a:cs typeface="+mn-cs"/>
-              </a:rPr>
-              <a:t>Azure Cosmos DB change feed</a:t>
-            </a:r>
-            <a:r>
-              <a:rPr lang="en-US" sz="1200" b="0" i="0" kern="1200" dirty="0">
-                <a:solidFill>
-                  <a:schemeClr val="tx1"/>
-                </a:solidFill>
-                <a:effectLst/>
-                <a:latin typeface="+mn-lt"/>
-                <a:ea typeface="+mn-ea"/>
-                <a:cs typeface="+mn-cs"/>
-              </a:rPr>
-              <a:t> outputs a sorted list of documents that were changed in the order in which they were modified or inserted. Like Event Hubs, the change feed output can be distributed across one or more consumers for parallel processing. Azure Cosmos DB change feed is a good candidate for this architecture for the following reasons:</a:t>
-            </a:r>
-          </a:p>
-          <a:p>
-            <a:pPr marL="171450" indent="-171450">
-              <a:buFont typeface="Arial" panose="020B0604020202020204" pitchFamily="34" charset="0"/>
-              <a:buChar char="•"/>
-            </a:pPr>
-            <a:r>
-              <a:rPr lang="en-US" sz="1200" b="0" i="0" kern="1200" dirty="0">
-                <a:solidFill>
-                  <a:schemeClr val="tx1"/>
-                </a:solidFill>
-                <a:effectLst/>
-                <a:latin typeface="+mn-lt"/>
-                <a:ea typeface="+mn-ea"/>
-                <a:cs typeface="+mn-cs"/>
-              </a:rPr>
-              <a:t>Fully managed PaaS with little configuration or management overhead.</a:t>
-            </a:r>
-          </a:p>
-          <a:p>
-            <a:pPr marL="171450" indent="-171450">
-              <a:buFont typeface="Arial" panose="020B0604020202020204" pitchFamily="34" charset="0"/>
-              <a:buChar char="•"/>
-            </a:pPr>
-            <a:r>
-              <a:rPr lang="en-US" sz="1200" b="0" i="0" kern="1200" dirty="0">
-                <a:solidFill>
-                  <a:schemeClr val="tx1"/>
-                </a:solidFill>
-                <a:effectLst/>
-                <a:latin typeface="+mn-lt"/>
-                <a:ea typeface="+mn-ea"/>
-                <a:cs typeface="+mn-cs"/>
-              </a:rPr>
-              <a:t>Cosmos DB is highly scalable, and is already being used to store pre-scored fraud data.</a:t>
-            </a:r>
-          </a:p>
-          <a:p>
-            <a:pPr marL="171450" indent="-171450">
-              <a:buFont typeface="Arial" panose="020B0604020202020204" pitchFamily="34" charset="0"/>
-              <a:buChar char="•"/>
-            </a:pPr>
-            <a:r>
-              <a:rPr lang="en-US" sz="1200" b="0" i="0" kern="1200" dirty="0">
-                <a:solidFill>
-                  <a:schemeClr val="tx1"/>
-                </a:solidFill>
-                <a:effectLst/>
-                <a:latin typeface="+mn-lt"/>
-                <a:ea typeface="+mn-ea"/>
-                <a:cs typeface="+mn-cs"/>
-              </a:rPr>
-              <a:t>An Apache Spark connector is available, allowing Azure Databricks clusters to directly access the change feed with very little code.</a:t>
-            </a:r>
-          </a:p>
-          <a:p>
-            <a:pPr marL="171450" indent="-171450">
-              <a:buFont typeface="Arial" panose="020B0604020202020204" pitchFamily="34" charset="0"/>
-              <a:buChar char="•"/>
-            </a:pPr>
-            <a:r>
-              <a:rPr lang="en-US" sz="1200" b="0" i="0" kern="1200" dirty="0">
-                <a:solidFill>
-                  <a:schemeClr val="tx1"/>
-                </a:solidFill>
-                <a:effectLst/>
-                <a:latin typeface="+mn-lt"/>
-                <a:ea typeface="+mn-ea"/>
-                <a:cs typeface="+mn-cs"/>
-              </a:rPr>
-              <a:t>Cosmos DB with change feed enabled acts as both a raw data store for batch processing and stream processing.</a:t>
-            </a:r>
-          </a:p>
-          <a:p>
-            <a:pPr marL="171450" indent="-171450">
-              <a:buFont typeface="Arial" panose="020B0604020202020204" pitchFamily="34" charset="0"/>
-              <a:buChar char="•"/>
-            </a:pPr>
-            <a:r>
-              <a:rPr lang="en-US" sz="1200" b="0" i="0" kern="1200" dirty="0">
-                <a:solidFill>
-                  <a:schemeClr val="tx1"/>
-                </a:solidFill>
-                <a:effectLst/>
-                <a:latin typeface="+mn-lt"/>
-                <a:ea typeface="+mn-ea"/>
-                <a:cs typeface="+mn-cs"/>
-              </a:rPr>
-              <a:t>Event publishers can publish events to Cosmos DB using .NET, Java, Node.js, and Python, using a number of APIs, such as SQL, Cassandra, MongoDB, Gremlin, and Azure Table Storage. However, please note that the change feed feature can only be used by the SQL and Gremlin APIs. Woodgrove will be using the SQL API, so they will be able to use the change feed feature.</a:t>
-            </a:r>
-          </a:p>
-          <a:p>
-            <a:pPr marL="171450" indent="-171450">
-              <a:buFont typeface="Arial" panose="020B0604020202020204" pitchFamily="34" charset="0"/>
-              <a:buChar char="•"/>
-            </a:pPr>
-            <a:r>
-              <a:rPr lang="en-US" sz="1200" b="0" i="0" kern="1200" dirty="0">
-                <a:solidFill>
-                  <a:schemeClr val="tx1"/>
-                </a:solidFill>
-                <a:effectLst/>
-                <a:latin typeface="+mn-lt"/>
-                <a:ea typeface="+mn-ea"/>
-                <a:cs typeface="+mn-cs"/>
-              </a:rPr>
-              <a:t>Cosmos DB is globally accessible across many Azure regions, bringing it closer to distributed event publishers and consumers.</a:t>
-            </a:r>
-          </a:p>
-          <a:p>
-            <a:pPr marL="171450" indent="-171450">
-              <a:buFont typeface="Arial" panose="020B0604020202020204" pitchFamily="34" charset="0"/>
-              <a:buChar char="•"/>
-            </a:pPr>
-            <a:r>
-              <a:rPr lang="en-US" sz="1200" b="0" i="0" kern="1200" dirty="0">
-                <a:solidFill>
-                  <a:schemeClr val="tx1"/>
-                </a:solidFill>
-                <a:effectLst/>
-                <a:latin typeface="+mn-lt"/>
-                <a:ea typeface="+mn-ea"/>
-                <a:cs typeface="+mn-cs"/>
-              </a:rPr>
-              <a:t>In a multi-region Azure Cosmos account, if a write-region fails over, change feed will work across the manual failover operation and it will be contiguous.</a:t>
-            </a:r>
-          </a:p>
-          <a:p>
-            <a:pPr marL="171450" indent="-171450">
-              <a:buFont typeface="Arial" panose="020B0604020202020204" pitchFamily="34" charset="0"/>
-              <a:buChar char="•"/>
-            </a:pPr>
-            <a:endParaRPr lang="en-US" sz="1200" b="0" i="0" kern="1200" dirty="0">
-              <a:solidFill>
-                <a:schemeClr val="tx1"/>
-              </a:solidFill>
-              <a:effectLst/>
-              <a:latin typeface="+mn-lt"/>
-              <a:ea typeface="+mn-ea"/>
-              <a:cs typeface="+mn-cs"/>
-            </a:endParaRPr>
-          </a:p>
-          <a:p>
-            <a:r>
-              <a:rPr lang="en-US" sz="1200" b="0" i="0" kern="1200" dirty="0">
-                <a:solidFill>
-                  <a:schemeClr val="tx1"/>
-                </a:solidFill>
-                <a:effectLst/>
-                <a:latin typeface="+mn-lt"/>
-                <a:ea typeface="+mn-ea"/>
-                <a:cs typeface="+mn-cs"/>
-              </a:rPr>
-              <a:t>Another decision point for using Cosmos DB for ingestion, is that it offers flexible message retention through its time-to-live (TTL) settings. This value can be set at the container level by applying a TTL value for all documents within, or on individual messages as they are sent. This optimization helps save in storage costs by automatically expiring (deleting) the documents after the specified period of time. For instance, you can set the TTL to 60 days to allow Woodgrove Bank to keep the streaming data available for that amount of time so they can reprocess in Azure Databricks, or query the raw data within the collection as needed.</a:t>
-            </a:r>
-          </a:p>
-          <a:p>
-            <a:endParaRPr lang="en-US" sz="1200" b="0" i="0" kern="1200" dirty="0">
-              <a:solidFill>
-                <a:schemeClr val="tx1"/>
-              </a:solidFill>
-              <a:effectLst/>
-              <a:latin typeface="+mn-lt"/>
-              <a:ea typeface="+mn-ea"/>
-              <a:cs typeface="+mn-cs"/>
-            </a:endParaRPr>
-          </a:p>
-          <a:p>
-            <a:r>
-              <a:rPr lang="en-US" sz="1200" b="0" i="0" kern="1200" dirty="0">
-                <a:solidFill>
-                  <a:schemeClr val="tx1"/>
-                </a:solidFill>
-                <a:effectLst/>
-                <a:latin typeface="+mn-lt"/>
-                <a:ea typeface="+mn-ea"/>
-                <a:cs typeface="+mn-cs"/>
-              </a:rPr>
-              <a:t>Event Hubs has a similar feature called message retention. You can set the value between one and seven days, or a maximum of four weeks if you contact Microsoft support. Setting the TTL for documents saved to Cosmos DB individually for any length of time desired (even beyond 7 days) is an advantage Cosmos DB has over Event Hubs when used for ingesting streaming data.</a:t>
-            </a:r>
-          </a:p>
-          <a:p>
-            <a:pPr lvl="0"/>
+              <a:t>- Cosmos DB offers 5 different consistency levels (strong, bounded staleness, session, consistent prefix, and eventual). There are tradeoffs between read consistency, availability, latency, and throughput with these levels. Session is the default, and it along with consistent prefix and eventual consistency provide roughly 2x read throughput compared to the stronger levels. Woodgrove can use session consistency level for offline storage of suspicious activity, as it is very heavy on reads with seldom writes.</a:t>
+            </a:r>
             <a:endParaRPr lang="en-US" sz="2200" b="0" dirty="0">
               <a:solidFill>
                 <a:schemeClr val="tx1"/>
@@ -1949,7 +1711,7 @@
     </p:spTree>
     <p:extLst>
       <p:ext uri="{BB962C8B-B14F-4D97-AF65-F5344CB8AC3E}">
-        <p14:creationId xmlns:p14="http://schemas.microsoft.com/office/powerpoint/2010/main" val="126400301"/>
+        <p14:creationId xmlns:p14="http://schemas.microsoft.com/office/powerpoint/2010/main" val="1017964691"/>
       </p:ext>
     </p:extLst>
   </p:cSld>
@@ -2014,10 +1776,11 @@
                 <a:ea typeface="+mn-ea"/>
                 <a:cs typeface="+mn-cs"/>
               </a:rPr>
-              <a:t>Of the ingest options you identified previously, which would you recommend for the scenario?</a:t>
-            </a:r>
-          </a:p>
-          <a:p>
+              <a:t>What are your recommended options for ingesting payment transaction events as they occur in a scalable way that can be easily processed while maintaining event order with no data loss?</a:t>
+            </a:r>
+          </a:p>
+          <a:p>
+            <a:pPr lvl="0"/>
             <a:r>
               <a:rPr lang="en-US" sz="1200" b="0" i="0" kern="1200" dirty="0">
                 <a:solidFill>
@@ -2028,10 +1791,352 @@
                 <a:ea typeface="+mn-ea"/>
                 <a:cs typeface="+mn-cs"/>
               </a:rPr>
-              <a:t>- Both services are certainly capable of acting as the ingestion service. They both support a high rate of flow, and both have options for long-term storage needs. However, Event Hubs requires an extra step for long-term storage, which is handled through Event Hubs Capture, whereas Cosmos DB already acts as this storage for raw data. Level of effort to implement tilts the scale toward Cosmos DB since transactional data is already being written to a database, those payment processors can be updated to also write to Cosmos DB or switch over to Cosmos entirely if it makes sense. Event Hubs requires adding an event service to their architecture and learning how to use it from their current systems.</a:t>
-            </a:r>
-          </a:p>
-          <a:p>
+              <a:t>- There are a couple of options in Azure for ingesting real-time streaming payment transactions. Which one you choose will depend on various factors, including the rate of flow (how many transactions/second), data source and compatibility, level of effort to implement, and long-term storage needs.</a:t>
+            </a:r>
+          </a:p>
+          <a:p>
+            <a:r>
+              <a:rPr lang="en-US" sz="1200" b="1" i="0" kern="1200" dirty="0">
+                <a:solidFill>
+                  <a:schemeClr val="tx1"/>
+                </a:solidFill>
+                <a:effectLst/>
+                <a:latin typeface="+mn-lt"/>
+                <a:ea typeface="+mn-ea"/>
+                <a:cs typeface="+mn-cs"/>
+              </a:rPr>
+              <a:t>Event Hubs</a:t>
+            </a:r>
+            <a:r>
+              <a:rPr lang="en-US" sz="1200" b="0" i="0" kern="1200" dirty="0">
+                <a:solidFill>
+                  <a:schemeClr val="tx1"/>
+                </a:solidFill>
+                <a:effectLst/>
+                <a:latin typeface="+mn-lt"/>
+                <a:ea typeface="+mn-ea"/>
+                <a:cs typeface="+mn-cs"/>
+              </a:rPr>
+              <a:t> is a Big Data streaming platform and event ingestion service, capable of ingesting millions of events per second. It supports multiple consumers (event processors) and is automatically scalable. Event Hubs is a good candidate for this architecture for the following reasons:</a:t>
+            </a:r>
+          </a:p>
+          <a:p>
+            <a:pPr algn="l">
+              <a:buFont typeface="Arial" panose="020B0604020202020204" pitchFamily="34" charset="0"/>
+              <a:buChar char="•"/>
+            </a:pPr>
+            <a:r>
+              <a:rPr lang="en-US" b="0" i="0" dirty="0">
+                <a:solidFill>
+                  <a:srgbClr val="24292E"/>
+                </a:solidFill>
+                <a:effectLst/>
+                <a:latin typeface="-apple-system"/>
+              </a:rPr>
+              <a:t>Fully managed PaaS with little configuration or management overhead.</a:t>
+            </a:r>
+          </a:p>
+          <a:p>
+            <a:pPr algn="l">
+              <a:buFont typeface="Arial" panose="020B0604020202020204" pitchFamily="34" charset="0"/>
+              <a:buChar char="•"/>
+            </a:pPr>
+            <a:r>
+              <a:rPr lang="en-US" b="0" i="0" dirty="0">
+                <a:solidFill>
+                  <a:srgbClr val="24292E"/>
+                </a:solidFill>
+                <a:effectLst/>
+                <a:latin typeface="-apple-system"/>
+              </a:rPr>
+              <a:t>Highly scalable to process millions of events per second. Use the Auto-inflate feature to automatically scale the number of throughput units to meet usage needs.</a:t>
+            </a:r>
+          </a:p>
+          <a:p>
+            <a:pPr algn="l">
+              <a:buFont typeface="Arial" panose="020B0604020202020204" pitchFamily="34" charset="0"/>
+              <a:buChar char="•"/>
+            </a:pPr>
+            <a:r>
+              <a:rPr lang="en-US" b="0" i="0" dirty="0">
+                <a:solidFill>
+                  <a:srgbClr val="24292E"/>
+                </a:solidFill>
+                <a:effectLst/>
+                <a:latin typeface="-apple-system"/>
+              </a:rPr>
+              <a:t>Contains an optional Apache Kafka endpoint, allowing for event processing from existing Kafka-based applications. This also allows for simple integration with Apache Spark clusters.</a:t>
+            </a:r>
+          </a:p>
+          <a:p>
+            <a:pPr algn="l">
+              <a:buFont typeface="Arial" panose="020B0604020202020204" pitchFamily="34" charset="0"/>
+              <a:buChar char="•"/>
+            </a:pPr>
+            <a:r>
+              <a:rPr lang="en-US" b="0" i="0" dirty="0">
+                <a:solidFill>
+                  <a:srgbClr val="24292E"/>
+                </a:solidFill>
+                <a:effectLst/>
+                <a:latin typeface="-apple-system"/>
+              </a:rPr>
+              <a:t>Simultaneously supports real-time and batch processing through Event Hubs Capture. This feature allows one to easily capture and store all events in their raw form to either Azure Blob storage or Azure Data Lake Store for long-term retention and micro-batch processing.</a:t>
+            </a:r>
+          </a:p>
+          <a:p>
+            <a:pPr algn="l">
+              <a:buFont typeface="Arial" panose="020B0604020202020204" pitchFamily="34" charset="0"/>
+              <a:buChar char="•"/>
+            </a:pPr>
+            <a:r>
+              <a:rPr lang="en-US" b="0" i="0" dirty="0">
+                <a:solidFill>
+                  <a:srgbClr val="24292E"/>
+                </a:solidFill>
+                <a:effectLst/>
+                <a:latin typeface="-apple-system"/>
+              </a:rPr>
+              <a:t>Event publishers (systems sending payment transaction data) can publish events using HTTPS, AMQP 1.0, or Apache Kafka 1.0 and above.</a:t>
+            </a:r>
+          </a:p>
+          <a:p>
+            <a:pPr algn="l">
+              <a:buFont typeface="Arial" panose="020B0604020202020204" pitchFamily="34" charset="0"/>
+              <a:buChar char="•"/>
+            </a:pPr>
+            <a:r>
+              <a:rPr lang="en-US" b="0" i="0" dirty="0">
+                <a:solidFill>
+                  <a:srgbClr val="24292E"/>
+                </a:solidFill>
+                <a:effectLst/>
+                <a:latin typeface="-apple-system"/>
+              </a:rPr>
+              <a:t>Event consumers can process streams using .NET, Java, Python, Go, or Node.js.</a:t>
+            </a:r>
+          </a:p>
+          <a:p>
+            <a:r>
+              <a:rPr lang="en-US" sz="1200" b="1" i="0" kern="1200" dirty="0">
+                <a:solidFill>
+                  <a:schemeClr val="tx1"/>
+                </a:solidFill>
+                <a:effectLst/>
+                <a:latin typeface="+mn-lt"/>
+                <a:ea typeface="+mn-ea"/>
+                <a:cs typeface="+mn-cs"/>
+              </a:rPr>
+              <a:t>Azure Cosmos DB change feed</a:t>
+            </a:r>
+            <a:r>
+              <a:rPr lang="en-US" sz="1200" b="0" i="0" kern="1200" dirty="0">
+                <a:solidFill>
+                  <a:schemeClr val="tx1"/>
+                </a:solidFill>
+                <a:effectLst/>
+                <a:latin typeface="+mn-lt"/>
+                <a:ea typeface="+mn-ea"/>
+                <a:cs typeface="+mn-cs"/>
+              </a:rPr>
+              <a:t> outputs a sorted list of documents that were changed in the order in which they were modified or inserted. Like Event Hubs, the change feed output can be distributed across one or more consumers for parallel processing. Azure Cosmos DB change feed is a good candidate for this architecture for the following reasons:</a:t>
+            </a:r>
+          </a:p>
+          <a:p>
+            <a:pPr algn="l">
+              <a:buFont typeface="Arial" panose="020B0604020202020204" pitchFamily="34" charset="0"/>
+              <a:buChar char="•"/>
+            </a:pPr>
+            <a:r>
+              <a:rPr lang="en-US" b="0" i="0" dirty="0">
+                <a:solidFill>
+                  <a:srgbClr val="24292E"/>
+                </a:solidFill>
+                <a:effectLst/>
+                <a:latin typeface="-apple-system"/>
+              </a:rPr>
+              <a:t>Fully managed PaaS with little configuration or management overhead.</a:t>
+            </a:r>
+          </a:p>
+          <a:p>
+            <a:pPr algn="l">
+              <a:buFont typeface="Arial" panose="020B0604020202020204" pitchFamily="34" charset="0"/>
+              <a:buChar char="•"/>
+            </a:pPr>
+            <a:r>
+              <a:rPr lang="en-US" b="0" i="0" dirty="0">
+                <a:solidFill>
+                  <a:srgbClr val="24292E"/>
+                </a:solidFill>
+                <a:effectLst/>
+                <a:latin typeface="-apple-system"/>
+              </a:rPr>
+              <a:t>Cosmos DB is highly scalable, and is already being used to store pre-scored fraud data.</a:t>
+            </a:r>
+          </a:p>
+          <a:p>
+            <a:pPr algn="l">
+              <a:buFont typeface="Arial" panose="020B0604020202020204" pitchFamily="34" charset="0"/>
+              <a:buChar char="•"/>
+            </a:pPr>
+            <a:r>
+              <a:rPr lang="en-US" b="0" i="0" dirty="0">
+                <a:solidFill>
+                  <a:srgbClr val="24292E"/>
+                </a:solidFill>
+                <a:effectLst/>
+                <a:latin typeface="-apple-system"/>
+              </a:rPr>
+              <a:t>An Apache Spark connector is available, allowing Azure Synapse Analytics Spark Pools to directly access the change feed with very little code.</a:t>
+            </a:r>
+          </a:p>
+          <a:p>
+            <a:pPr algn="l">
+              <a:buFont typeface="Arial" panose="020B0604020202020204" pitchFamily="34" charset="0"/>
+              <a:buChar char="•"/>
+            </a:pPr>
+            <a:r>
+              <a:rPr lang="en-US" b="0" i="0" dirty="0">
+                <a:solidFill>
+                  <a:srgbClr val="24292E"/>
+                </a:solidFill>
+                <a:effectLst/>
+                <a:latin typeface="-apple-system"/>
+              </a:rPr>
+              <a:t>Cosmos DB with change feed enabled acts as both a raw data store for batch processing and stream processing.</a:t>
+            </a:r>
+          </a:p>
+          <a:p>
+            <a:pPr algn="l">
+              <a:buFont typeface="Arial" panose="020B0604020202020204" pitchFamily="34" charset="0"/>
+              <a:buChar char="•"/>
+            </a:pPr>
+            <a:r>
+              <a:rPr lang="en-US" b="0" i="0" dirty="0">
+                <a:solidFill>
+                  <a:srgbClr val="24292E"/>
+                </a:solidFill>
+                <a:effectLst/>
+                <a:latin typeface="-apple-system"/>
+              </a:rPr>
+              <a:t>Event publishers can publish events to Cosmos DB using .NET, Java, Node.js, and Python, using a number of APIs, such as SQL, Cassandra, MongoDB, Gremlin, and Azure Table Storage.</a:t>
+            </a:r>
+          </a:p>
+          <a:p>
+            <a:pPr algn="l">
+              <a:buFont typeface="Arial" panose="020B0604020202020204" pitchFamily="34" charset="0"/>
+              <a:buChar char="•"/>
+            </a:pPr>
+            <a:r>
+              <a:rPr lang="en-US" b="0" i="0" dirty="0">
+                <a:solidFill>
+                  <a:srgbClr val="24292E"/>
+                </a:solidFill>
+                <a:effectLst/>
+                <a:latin typeface="-apple-system"/>
+              </a:rPr>
+              <a:t>The change feed feature can only be used by the SQL and Gremlin APIs of Cosmos DB. </a:t>
+            </a:r>
+            <a:r>
+              <a:rPr lang="en-US" b="0" i="0" dirty="0" err="1">
+                <a:solidFill>
+                  <a:srgbClr val="24292E"/>
+                </a:solidFill>
+                <a:effectLst/>
+                <a:latin typeface="-apple-system"/>
+              </a:rPr>
+              <a:t>Woodgrove</a:t>
+            </a:r>
+            <a:r>
+              <a:rPr lang="en-US" b="0" i="0" dirty="0">
+                <a:solidFill>
+                  <a:srgbClr val="24292E"/>
+                </a:solidFill>
+                <a:effectLst/>
+                <a:latin typeface="-apple-system"/>
+              </a:rPr>
+              <a:t> will be using the SQL API, so they will be able to use the change feed feature.</a:t>
+            </a:r>
+          </a:p>
+          <a:p>
+            <a:pPr algn="l">
+              <a:buFont typeface="Arial" panose="020B0604020202020204" pitchFamily="34" charset="0"/>
+              <a:buChar char="•"/>
+            </a:pPr>
+            <a:r>
+              <a:rPr lang="en-US" b="0" i="0" dirty="0">
+                <a:solidFill>
+                  <a:srgbClr val="24292E"/>
+                </a:solidFill>
+                <a:effectLst/>
+                <a:latin typeface="-apple-system"/>
+              </a:rPr>
+              <a:t>Cosmos DB is globally accessible across many Azure regions, bringing it closer to distributed event publishers and consumers.</a:t>
+            </a:r>
+          </a:p>
+          <a:p>
+            <a:pPr algn="l">
+              <a:buFont typeface="Arial" panose="020B0604020202020204" pitchFamily="34" charset="0"/>
+              <a:buChar char="•"/>
+            </a:pPr>
+            <a:r>
+              <a:rPr lang="en-US" b="0" i="0" dirty="0">
+                <a:solidFill>
+                  <a:srgbClr val="24292E"/>
+                </a:solidFill>
+                <a:effectLst/>
+                <a:latin typeface="-apple-system"/>
+              </a:rPr>
+              <a:t>In a multi-region Azure Cosmos account, if a write-region fails over, the change feed will work across the manual failover operation and it will be contiguous.</a:t>
+            </a:r>
+          </a:p>
+          <a:p>
+            <a:pPr algn="l">
+              <a:buFont typeface="Arial" panose="020B0604020202020204" pitchFamily="34" charset="0"/>
+              <a:buChar char="•"/>
+            </a:pPr>
+            <a:r>
+              <a:rPr lang="en-US" b="0" i="0" dirty="0">
+                <a:solidFill>
+                  <a:srgbClr val="24292E"/>
+                </a:solidFill>
+                <a:effectLst/>
+                <a:latin typeface="-apple-system"/>
+              </a:rPr>
+              <a:t>Coupled with Azure Synapse Analytics, the Synapse Link feature enables the analytical store on the containers. The analytical store provides long-term storage and is optimized for analytical queries. These queries do not impact the RUs allocated to the Cosmos DB container's transactional store.</a:t>
+            </a:r>
+          </a:p>
+          <a:p>
+            <a:pPr algn="l">
+              <a:buFont typeface="Arial" panose="020B0604020202020204" pitchFamily="34" charset="0"/>
+              <a:buChar char="•"/>
+            </a:pPr>
+            <a:r>
+              <a:rPr lang="en-US" b="0" i="0" dirty="0">
+                <a:solidFill>
+                  <a:srgbClr val="24292E"/>
+                </a:solidFill>
+                <a:effectLst/>
+                <a:latin typeface="-apple-system"/>
+              </a:rPr>
+              <a:t>Cosmos DB Allows you to set a time-to-live (TTL) value, in seconds, on a container or on individual documents. This value tells Cosmos DB when to expire, or delete, the document(s) automatically. This setting can help save in storage costs by removing what you no longer need. Typically, this is used on hot data, or data that must be expired after a period of time due to regulatory requirements.</a:t>
+            </a:r>
+          </a:p>
+          <a:p>
+            <a:pPr algn="l">
+              <a:buFont typeface="Arial" panose="020B0604020202020204" pitchFamily="34" charset="0"/>
+              <a:buChar char="•"/>
+            </a:pPr>
+            <a:r>
+              <a:rPr lang="en-US" b="0" i="0" dirty="0">
+                <a:solidFill>
+                  <a:srgbClr val="24292E"/>
+                </a:solidFill>
+                <a:effectLst/>
+                <a:latin typeface="-apple-system"/>
+              </a:rPr>
+              <a:t>Cosmos DB analytical stores, enabled by Synapse Link, have a separate TTL setting. Usually, you would either disable TTL on the analytical store, or set it to -1 to never expire. This is because the analytical store's storage costs is significantly less over time.</a:t>
+            </a:r>
             <a:endParaRPr lang="en-US" sz="1200" b="0" i="0" kern="1200" dirty="0">
               <a:solidFill>
                 <a:schemeClr val="tx1"/>
@@ -2043,6 +2148,21 @@
             </a:endParaRPr>
           </a:p>
           <a:p>
+            <a:pPr marL="171450" indent="-171450">
+              <a:buFont typeface="Arial" panose="020B0604020202020204" pitchFamily="34" charset="0"/>
+              <a:buChar char="•"/>
+            </a:pPr>
+            <a:endParaRPr lang="en-US" sz="1200" b="0" i="0" kern="1200" dirty="0">
+              <a:solidFill>
+                <a:schemeClr val="tx1"/>
+              </a:solidFill>
+              <a:effectLst/>
+              <a:latin typeface="+mn-lt"/>
+              <a:ea typeface="+mn-ea"/>
+              <a:cs typeface="+mn-cs"/>
+            </a:endParaRPr>
+          </a:p>
+          <a:p>
             <a:r>
               <a:rPr lang="en-US" sz="1200" b="0" i="0" kern="1200" dirty="0">
                 <a:solidFill>
@@ -2053,8 +2173,83 @@
                 <a:ea typeface="+mn-ea"/>
                 <a:cs typeface="+mn-cs"/>
               </a:rPr>
-              <a:t>- Apart from addressing the primary decision factors above, another strong consideration for choosing Cosmos DB is the issue of data sovereignty. Since Woodgrove Bank has customers around the world, some countries in which they operate may not allow data to be written and stored in a different country. Since Cosmos DB makes it easy to distribute data on a global scale, it may be required to have separate collections per region to meet regulatory requirements. This limitation can be worked around with Event Hubs, but the level of effort to do so may not be worth it in the long run. In this case, we will recommend Azure Cosmos DB for ingest.</a:t>
-            </a:r>
+              <a:t>Another decision point for using Cosmos DB for ingestion, is that it offers flexible message retention through its time-to-live (TTL) settings. This value can be set at the container level by applying a TTL value for all documents within, or on individual messages as they are sent. This optimization helps save in storage costs by automatically expiring (deleting) the documents after the specified period of time. For instance, you can set the TTL to 60 days to allow Woodgrove Bank to keep the streaming data available for that amount of time so they can reprocess in Azure Synapse Analytics, or query the raw data within the collection as needed. </a:t>
+            </a:r>
+            <a:r>
+              <a:rPr lang="en-US" b="0" i="0" dirty="0">
+                <a:solidFill>
+                  <a:srgbClr val="24292E"/>
+                </a:solidFill>
+                <a:effectLst/>
+                <a:latin typeface="-apple-system"/>
+              </a:rPr>
+              <a:t>However, with the addition of the analytical store that is enabled through Synapse Link, all data gets automatically copied to a low-cost Azure storage account in columnar format, giving </a:t>
+            </a:r>
+            <a:r>
+              <a:rPr lang="en-US" b="0" i="0" dirty="0" err="1">
+                <a:solidFill>
+                  <a:srgbClr val="24292E"/>
+                </a:solidFill>
+                <a:effectLst/>
+                <a:latin typeface="-apple-system"/>
+              </a:rPr>
+              <a:t>Woodgrove</a:t>
+            </a:r>
+            <a:r>
+              <a:rPr lang="en-US" b="0" i="0" dirty="0">
+                <a:solidFill>
+                  <a:srgbClr val="24292E"/>
+                </a:solidFill>
+                <a:effectLst/>
+                <a:latin typeface="-apple-system"/>
+              </a:rPr>
+              <a:t> easy access to all their data, regardless of the transactional store's TTL value, from within Synapse Analytics. Since these queries are executed against the analytical store, they do not use any RU/s allocated to the transaction store.</a:t>
+            </a:r>
+            <a:endParaRPr lang="en-US" sz="1200" b="0" i="0" kern="1200" dirty="0">
+              <a:solidFill>
+                <a:schemeClr val="tx1"/>
+              </a:solidFill>
+              <a:effectLst/>
+              <a:latin typeface="+mn-lt"/>
+              <a:ea typeface="+mn-ea"/>
+              <a:cs typeface="+mn-cs"/>
+            </a:endParaRPr>
+          </a:p>
+          <a:p>
+            <a:endParaRPr lang="en-US" sz="1200" b="0" i="0" kern="1200" dirty="0">
+              <a:solidFill>
+                <a:schemeClr val="tx1"/>
+              </a:solidFill>
+              <a:effectLst/>
+              <a:latin typeface="+mn-lt"/>
+              <a:ea typeface="+mn-ea"/>
+              <a:cs typeface="+mn-cs"/>
+            </a:endParaRPr>
+          </a:p>
+          <a:p>
+            <a:r>
+              <a:rPr lang="en-US" sz="1200" b="0" i="0" kern="1200" dirty="0">
+                <a:solidFill>
+                  <a:schemeClr val="tx1"/>
+                </a:solidFill>
+                <a:effectLst/>
+                <a:latin typeface="+mn-lt"/>
+                <a:ea typeface="+mn-ea"/>
+                <a:cs typeface="+mn-cs"/>
+              </a:rPr>
+              <a:t>Event Hubs has a similar feature called message retention. You can set the value between one and seven days, or a maximum of four weeks if you contact Microsoft support. Setting the TTL for documents saved to Cosmos DB individually for any length of time desired (even beyond 7 days) is an advantage Cosmos DB has over Event Hubs when used for ingesting streaming data.</a:t>
+            </a:r>
+          </a:p>
+          <a:p>
+            <a:pPr lvl="0"/>
+            <a:endParaRPr lang="en-US" sz="2200" b="0" dirty="0">
+              <a:solidFill>
+                <a:schemeClr val="tx1"/>
+              </a:solidFill>
+              <a:latin typeface="Segoe UI" panose="020B0502040204020203" pitchFamily="34" charset="0"/>
+              <a:ea typeface="Segoe UI" panose="020B0502040204020203" pitchFamily="34" charset="0"/>
+              <a:cs typeface="Segoe UI" panose="020B0502040204020203" pitchFamily="34" charset="0"/>
+            </a:endParaRPr>
           </a:p>
         </p:txBody>
       </p:sp>
@@ -2084,7 +2279,7 @@
     </p:spTree>
     <p:extLst>
       <p:ext uri="{BB962C8B-B14F-4D97-AF65-F5344CB8AC3E}">
-        <p14:creationId xmlns:p14="http://schemas.microsoft.com/office/powerpoint/2010/main" val="2322909020"/>
+        <p14:creationId xmlns:p14="http://schemas.microsoft.com/office/powerpoint/2010/main" val="126400301"/>
       </p:ext>
     </p:extLst>
   </p:cSld>
@@ -2233,11 +2428,10 @@
                 <a:ea typeface="+mn-ea"/>
                 <a:cs typeface="+mn-cs"/>
               </a:rPr>
-              <a:t>Woodgrove Bank indicated that they would like a unified way to process both streaming data and batch data on a platform that can also support their data science, data engineering, and development needs. Which platform would you recommend, and why?</a:t>
-            </a:r>
-          </a:p>
-          <a:p>
-            <a:pPr lvl="0"/>
+              <a:t>Of the ingest options you identified previously, which would you recommend for the scenario?</a:t>
+            </a:r>
+          </a:p>
+          <a:p>
             <a:r>
               <a:rPr lang="en-US" sz="1200" b="0" i="0" kern="1200" dirty="0">
                 <a:solidFill>
@@ -2248,11 +2442,10 @@
                 <a:ea typeface="+mn-ea"/>
                 <a:cs typeface="+mn-cs"/>
               </a:rPr>
-              <a:t>- Recommended platform is Azure Databricks. Built on Apache Spark and provides unified way of working with big data, whether you process it real-time as it arrives or in batches, Apache Spark provides a fast and capable engine that also supports data science processes, like machine learning and advanced analytics. Built as a joint effort by the team that started Apache Spark and Microsoft, Azure Databricks provides data science and engineering teams with a single platform for Big Data processing and Machine Learning.</a:t>
-            </a:r>
-          </a:p>
-          <a:p>
-            <a:pPr lvl="0"/>
+              <a:t>- Both services are certainly capable of acting as the ingestion service. They both support a high rate of flow, and both have options for long-term storage needs. However, Event Hubs requires an extra step for long-term storage, which is handled through Event Hubs Capture, whereas Cosmos DB already acts as this storage for raw data. Level of effort to implement tilts the scale toward Cosmos DB since transactional data is already being written to a database, those payment processors can be updated to also write to Cosmos DB or switch over to Cosmos entirely if it makes sense. Event Hubs requires adding an event service to their architecture and learning how to use it from their current systems.</a:t>
+            </a:r>
+          </a:p>
+          <a:p>
             <a:endParaRPr lang="en-US" sz="1200" b="0" i="0" kern="1200" dirty="0">
               <a:solidFill>
                 <a:schemeClr val="tx1"/>
@@ -2274,164 +2467,8 @@
                 <a:ea typeface="+mn-ea"/>
                 <a:cs typeface="+mn-cs"/>
               </a:rPr>
-              <a:t>There are a lot of features Azure Databricks offers over top of standard Spark installations. The key features that make this a good choice for Woodgrove Bank are:</a:t>
-            </a:r>
-          </a:p>
-          <a:p>
-            <a:pPr marL="171450" indent="-171450">
-              <a:buFont typeface="Arial" panose="020B0604020202020204" pitchFamily="34" charset="0"/>
-              <a:buChar char="•"/>
-            </a:pPr>
-            <a:r>
-              <a:rPr lang="en-US" sz="1200" b="0" i="0" kern="1200" dirty="0">
-                <a:solidFill>
-                  <a:schemeClr val="tx1"/>
-                </a:solidFill>
-                <a:effectLst/>
-                <a:latin typeface="+mn-lt"/>
-                <a:ea typeface="+mn-ea"/>
-                <a:cs typeface="+mn-cs"/>
-              </a:rPr>
-              <a:t>Integrates with Azure Active Directory for single sign-on and RBAC in certain scenarios.</a:t>
-            </a:r>
-          </a:p>
-          <a:p>
-            <a:pPr marL="171450" indent="-171450">
-              <a:buFont typeface="Arial" panose="020B0604020202020204" pitchFamily="34" charset="0"/>
-              <a:buChar char="•"/>
-            </a:pPr>
-            <a:r>
-              <a:rPr lang="en-US" sz="1200" b="0" i="0" kern="1200" dirty="0">
-                <a:solidFill>
-                  <a:schemeClr val="tx1"/>
-                </a:solidFill>
-                <a:effectLst/>
-                <a:latin typeface="+mn-lt"/>
-                <a:ea typeface="+mn-ea"/>
-                <a:cs typeface="+mn-cs"/>
-              </a:rPr>
-              <a:t>Contains collaborative features such as the workspace that contains both private and shared folders, integrated change tracking of notebooks and integration with git source control systems like GitHub, and granular user and role-based permissions.</a:t>
-            </a:r>
-          </a:p>
-          <a:p>
-            <a:pPr marL="171450" indent="-171450">
-              <a:buFont typeface="Arial" panose="020B0604020202020204" pitchFamily="34" charset="0"/>
-              <a:buChar char="•"/>
-            </a:pPr>
-            <a:r>
-              <a:rPr lang="en-US" sz="1200" b="0" i="0" kern="1200" dirty="0">
-                <a:solidFill>
-                  <a:schemeClr val="tx1"/>
-                </a:solidFill>
-                <a:effectLst/>
-                <a:latin typeface="+mn-lt"/>
-                <a:ea typeface="+mn-ea"/>
-                <a:cs typeface="+mn-cs"/>
-              </a:rPr>
-              <a:t>It is possible to start and stop clusters either manually or automatically, based on usage.</a:t>
-            </a:r>
-          </a:p>
-          <a:p>
-            <a:pPr marL="171450" indent="-171450">
-              <a:buFont typeface="Arial" panose="020B0604020202020204" pitchFamily="34" charset="0"/>
-              <a:buChar char="•"/>
-            </a:pPr>
-            <a:r>
-              <a:rPr lang="en-US" sz="1200" b="0" i="0" kern="1200" dirty="0">
-                <a:solidFill>
-                  <a:schemeClr val="tx1"/>
-                </a:solidFill>
-                <a:effectLst/>
-                <a:latin typeface="+mn-lt"/>
-                <a:ea typeface="+mn-ea"/>
-                <a:cs typeface="+mn-cs"/>
-              </a:rPr>
-              <a:t>Supports running scheduled jobs for executing notebooks and libraries on a schedule.</a:t>
-            </a:r>
-          </a:p>
-          <a:p>
-            <a:pPr marL="171450" indent="-171450">
-              <a:buFont typeface="Arial" panose="020B0604020202020204" pitchFamily="34" charset="0"/>
-              <a:buChar char="•"/>
-            </a:pPr>
-            <a:r>
-              <a:rPr lang="en-US" sz="1200" b="0" i="0" kern="1200" dirty="0">
-                <a:solidFill>
-                  <a:schemeClr val="tx1"/>
-                </a:solidFill>
-                <a:effectLst/>
-                <a:latin typeface="+mn-lt"/>
-                <a:ea typeface="+mn-ea"/>
-                <a:cs typeface="+mn-cs"/>
-              </a:rPr>
-              <a:t>Integrates with Azure Key Vault, which serves as a backing store for secrets within Azure Databricks, including automatic redaction of those secrets when users attempt to output them in a notebook.</a:t>
-            </a:r>
-          </a:p>
-          <a:p>
-            <a:pPr marL="171450" indent="-171450">
-              <a:buFont typeface="Arial" panose="020B0604020202020204" pitchFamily="34" charset="0"/>
-              <a:buChar char="•"/>
-            </a:pPr>
-            <a:r>
-              <a:rPr lang="en-US" sz="1200" b="0" i="0" kern="1200" dirty="0">
-                <a:solidFill>
-                  <a:schemeClr val="tx1"/>
-                </a:solidFill>
-                <a:effectLst/>
-                <a:latin typeface="+mn-lt"/>
-                <a:ea typeface="+mn-ea"/>
-                <a:cs typeface="+mn-cs"/>
-              </a:rPr>
-              <a:t>Includes Databricks Delta, which supports features Woodgrove Bank is looking for, such as the ability to upsert data into tables, optimize data storage, and simultaneously read data from tables which are being written to by streaming and batch processes.</a:t>
-            </a:r>
-          </a:p>
-          <a:p>
-            <a:pPr marL="171450" indent="-171450">
-              <a:buFont typeface="Arial" panose="020B0604020202020204" pitchFamily="34" charset="0"/>
-              <a:buChar char="•"/>
-            </a:pPr>
-            <a:r>
-              <a:rPr lang="en-US" sz="1200" b="0" i="0" kern="1200" dirty="0">
-                <a:solidFill>
-                  <a:schemeClr val="tx1"/>
-                </a:solidFill>
-                <a:effectLst/>
-                <a:latin typeface="+mn-lt"/>
-                <a:ea typeface="+mn-ea"/>
-                <a:cs typeface="+mn-cs"/>
-              </a:rPr>
-              <a:t>Join disparate data sets found in data lakes.</a:t>
-            </a:r>
-          </a:p>
-          <a:p>
-            <a:pPr marL="171450" indent="-171450">
-              <a:buFont typeface="Arial" panose="020B0604020202020204" pitchFamily="34" charset="0"/>
-              <a:buChar char="•"/>
-            </a:pPr>
-            <a:r>
-              <a:rPr lang="en-US" sz="1200" b="0" i="0" kern="1200" dirty="0">
-                <a:solidFill>
-                  <a:schemeClr val="tx1"/>
-                </a:solidFill>
-                <a:effectLst/>
-                <a:latin typeface="+mn-lt"/>
-                <a:ea typeface="+mn-ea"/>
-                <a:cs typeface="+mn-cs"/>
-              </a:rPr>
-              <a:t>Train and evaluate machine learning models at scale.</a:t>
-            </a:r>
-          </a:p>
-          <a:p>
-            <a:pPr lvl="0"/>
-            <a:endParaRPr lang="en-US" sz="1200" b="0" i="0" kern="1200" dirty="0">
-              <a:solidFill>
-                <a:schemeClr val="tx1"/>
-              </a:solidFill>
-              <a:effectLst/>
-              <a:latin typeface="+mn-lt"/>
-              <a:ea typeface="+mn-ea"/>
-              <a:cs typeface="+mn-cs"/>
-            </a:endParaRPr>
+              <a:t>- Apart from addressing the primary decision factors above, another strong consideration for choosing Cosmos DB is the issue of data sovereignty. Since Woodgrove Bank has customers around the world, some countries in which they operate may not allow data to be written and stored in a different country. Since Cosmos DB makes it easy to distribute data on a global scale, it may be required to have separate collections per region to meet regulatory requirements. This limitation can be worked around with Event Hubs, but the level of effort to do so may not be worth it in the long run. In this case, we will recommend Azure Cosmos DB for ingest.</a:t>
+            </a:r>
           </a:p>
         </p:txBody>
       </p:sp>
@@ -2461,7 +2498,7 @@
     </p:spTree>
     <p:extLst>
       <p:ext uri="{BB962C8B-B14F-4D97-AF65-F5344CB8AC3E}">
-        <p14:creationId xmlns:p14="http://schemas.microsoft.com/office/powerpoint/2010/main" val="3218326915"/>
+        <p14:creationId xmlns:p14="http://schemas.microsoft.com/office/powerpoint/2010/main" val="2322909020"/>
       </p:ext>
     </p:extLst>
   </p:cSld>
@@ -2515,6 +2552,7 @@
           <a:bodyPr/>
           <a:lstStyle/>
           <a:p>
+            <a:pPr lvl="0"/>
             <a:r>
               <a:rPr lang="en-US" sz="1200" b="1" i="0" kern="1200" dirty="0">
                 <a:solidFill>
@@ -2525,168 +2563,117 @@
                 <a:ea typeface="+mn-ea"/>
                 <a:cs typeface="+mn-cs"/>
               </a:rPr>
-              <a:t>The big data systems Woodgrove Bank used in the past were only able to append new data to the end of existing data sets. This meant each time they had update, they would actually create a duplicate row containing the changed data and then have to author queries to merge those rows so that they had a clean view of the current state of the data. How will your chosen platform cope with this challenge?</a:t>
-            </a:r>
-          </a:p>
-          <a:p>
-            <a:r>
-              <a:rPr lang="en-US" sz="1200" b="0" i="0" kern="1200" dirty="0">
-                <a:solidFill>
-                  <a:schemeClr val="tx1"/>
-                </a:solidFill>
-                <a:effectLst/>
-                <a:latin typeface="+mn-lt"/>
-                <a:ea typeface="+mn-ea"/>
-                <a:cs typeface="+mn-cs"/>
-              </a:rPr>
-              <a:t>- Use Databricks Delta. Databricks Delta is a Spark table with built-in reliability and performance optimizations.</a:t>
-            </a:r>
-          </a:p>
-          <a:p>
-            <a:r>
-              <a:rPr lang="en-US" sz="1200" b="0" i="0" kern="1200" dirty="0">
-                <a:solidFill>
-                  <a:schemeClr val="tx1"/>
-                </a:solidFill>
-                <a:effectLst/>
-                <a:latin typeface="+mn-lt"/>
-                <a:ea typeface="+mn-ea"/>
-                <a:cs typeface="+mn-cs"/>
-              </a:rPr>
-              <a:t>- You can read and write data stored in Databricks Delta using the same familiar Apache Spark SQL batch and streaming APIs you use to work with Hive tables or Databricks File Store (DBFS) directories. Databricks Delta provides the following functionality:</a:t>
-            </a:r>
-          </a:p>
-          <a:p>
-            <a:pPr marL="171450" indent="-171450">
-              <a:buFont typeface="Arial" panose="020B0604020202020204" pitchFamily="34" charset="0"/>
-              <a:buChar char="•"/>
-            </a:pPr>
-            <a:r>
-              <a:rPr lang="en-US" sz="1200" b="1" i="0" kern="1200" dirty="0">
-                <a:solidFill>
-                  <a:schemeClr val="tx1"/>
-                </a:solidFill>
-                <a:effectLst/>
-                <a:latin typeface="+mn-lt"/>
-                <a:ea typeface="+mn-ea"/>
-                <a:cs typeface="+mn-cs"/>
-              </a:rPr>
-              <a:t>ACID transactions</a:t>
-            </a:r>
-            <a:r>
-              <a:rPr lang="en-US" sz="1200" b="0" i="0" kern="1200" dirty="0">
-                <a:solidFill>
-                  <a:schemeClr val="tx1"/>
-                </a:solidFill>
-                <a:effectLst/>
-                <a:latin typeface="+mn-lt"/>
-                <a:ea typeface="+mn-ea"/>
-                <a:cs typeface="+mn-cs"/>
-              </a:rPr>
-              <a:t> - Multiple writers can simultaneously modify a data set and see consistent views.</a:t>
-            </a:r>
-          </a:p>
-          <a:p>
-            <a:pPr marL="171450" indent="-171450">
-              <a:buFont typeface="Arial" panose="020B0604020202020204" pitchFamily="34" charset="0"/>
-              <a:buChar char="•"/>
-            </a:pPr>
-            <a:r>
-              <a:rPr lang="en-US" sz="1200" b="1" i="0" kern="1200" dirty="0">
-                <a:solidFill>
-                  <a:schemeClr val="tx1"/>
-                </a:solidFill>
-                <a:effectLst/>
-                <a:latin typeface="+mn-lt"/>
-                <a:ea typeface="+mn-ea"/>
-                <a:cs typeface="+mn-cs"/>
-              </a:rPr>
-              <a:t>DELETES/UPDATES/UPSERTS</a:t>
-            </a:r>
-            <a:r>
-              <a:rPr lang="en-US" sz="1200" b="0" i="0" kern="1200" dirty="0">
-                <a:solidFill>
-                  <a:schemeClr val="tx1"/>
-                </a:solidFill>
-                <a:effectLst/>
-                <a:latin typeface="+mn-lt"/>
-                <a:ea typeface="+mn-ea"/>
-                <a:cs typeface="+mn-cs"/>
-              </a:rPr>
-              <a:t> - Writers can modify a data set without interfering with jobs reading the data set.</a:t>
-            </a:r>
-          </a:p>
-          <a:p>
-            <a:pPr marL="171450" indent="-171450">
-              <a:buFont typeface="Arial" panose="020B0604020202020204" pitchFamily="34" charset="0"/>
-              <a:buChar char="•"/>
-            </a:pPr>
-            <a:r>
-              <a:rPr lang="en-US" sz="1200" b="1" i="0" kern="1200" dirty="0">
-                <a:solidFill>
-                  <a:schemeClr val="tx1"/>
-                </a:solidFill>
-                <a:effectLst/>
-                <a:latin typeface="+mn-lt"/>
-                <a:ea typeface="+mn-ea"/>
-                <a:cs typeface="+mn-cs"/>
-              </a:rPr>
-              <a:t>Automatic file management</a:t>
-            </a:r>
-            <a:r>
-              <a:rPr lang="en-US" sz="1200" b="0" i="0" kern="1200" dirty="0">
-                <a:solidFill>
-                  <a:schemeClr val="tx1"/>
-                </a:solidFill>
-                <a:effectLst/>
-                <a:latin typeface="+mn-lt"/>
-                <a:ea typeface="+mn-ea"/>
-                <a:cs typeface="+mn-cs"/>
-              </a:rPr>
-              <a:t> - Data access speeds up by organizing data into large files that can be read efficiently.</a:t>
-            </a:r>
-          </a:p>
-          <a:p>
-            <a:pPr marL="171450" indent="-171450">
-              <a:buFont typeface="Arial" panose="020B0604020202020204" pitchFamily="34" charset="0"/>
-              <a:buChar char="•"/>
-            </a:pPr>
-            <a:r>
-              <a:rPr lang="en-US" sz="1200" b="1" i="0" kern="1200" dirty="0">
-                <a:solidFill>
-                  <a:schemeClr val="tx1"/>
-                </a:solidFill>
-                <a:effectLst/>
-                <a:latin typeface="+mn-lt"/>
-                <a:ea typeface="+mn-ea"/>
-                <a:cs typeface="+mn-cs"/>
-              </a:rPr>
-              <a:t>Statistics and data skipping</a:t>
-            </a:r>
-            <a:r>
-              <a:rPr lang="en-US" sz="1200" b="0" i="0" kern="1200" dirty="0">
-                <a:solidFill>
-                  <a:schemeClr val="tx1"/>
-                </a:solidFill>
-                <a:effectLst/>
-                <a:latin typeface="+mn-lt"/>
-                <a:ea typeface="+mn-ea"/>
-                <a:cs typeface="+mn-cs"/>
-              </a:rPr>
-              <a:t> - Reads are 10-100x faster when statistics are tracked about the data in each file, allowing Delta to avoid reading irrelevant information.</a:t>
-            </a:r>
-          </a:p>
-          <a:p>
-            <a:pPr lvl="0"/>
-            <a:endParaRPr lang="en-US" sz="1200" b="0" i="0" kern="1200" dirty="0">
+              <a:t>Woodgrove Bank indicated that they would like a unified way to process both streaming data and batch data on a platform that can also support their data science, data engineering, and development needs. Which platform would you recommend, and why?</a:t>
+            </a:r>
+          </a:p>
+          <a:p>
+            <a:pPr algn="l"/>
+            <a:endParaRPr lang="en-US" b="0" i="0" dirty="0">
               <a:solidFill>
-                <a:schemeClr val="tx1"/>
+                <a:srgbClr val="24292E"/>
               </a:solidFill>
               <a:effectLst/>
-              <a:latin typeface="+mn-lt"/>
-              <a:ea typeface="+mn-ea"/>
-              <a:cs typeface="+mn-cs"/>
+              <a:latin typeface="-apple-system"/>
             </a:endParaRPr>
+          </a:p>
+          <a:p>
+            <a:pPr algn="l"/>
+            <a:r>
+              <a:rPr lang="en-US" b="0" i="0" dirty="0">
+                <a:solidFill>
+                  <a:srgbClr val="24292E"/>
+                </a:solidFill>
+                <a:effectLst/>
+                <a:latin typeface="-apple-system"/>
+              </a:rPr>
+              <a:t>The recommended platform that meets these needs for this solution is Azure Synapse Analytics. When it comes to working with big data in a unified way, whether you process it real-time as it arrives or in batches, Apache Spark provides a fast and capable engine that also supports data science processes, like machine learning and advanced analytics. Azure Synapse brings together the best of SQL technologies used in enterprise data warehousing, Spark technologies used for big data, and Pipelines for data integration and ETL/ELT. Synapse has a web-based Studio that provides a single place for management, monitoring, coding, and security. Synapse features deep integration with other Azure services such as Power BI, Azure Cosmos DB, and Azure Machine Learning.</a:t>
+            </a:r>
+          </a:p>
+          <a:p>
+            <a:pPr algn="l"/>
+            <a:endParaRPr lang="en-US" b="0" i="0" dirty="0">
+              <a:solidFill>
+                <a:srgbClr val="24292E"/>
+              </a:solidFill>
+              <a:effectLst/>
+              <a:latin typeface="-apple-system"/>
+            </a:endParaRPr>
+          </a:p>
+          <a:p>
+            <a:pPr algn="l"/>
+            <a:r>
+              <a:rPr lang="en-US" b="0" i="0" dirty="0">
+                <a:solidFill>
+                  <a:srgbClr val="24292E"/>
+                </a:solidFill>
+                <a:effectLst/>
+                <a:latin typeface="-apple-system"/>
+              </a:rPr>
+              <a:t>Since the primary data source for this solution is Azure Cosmos DB, Synapse Analytics provides another big benefit: Azure Synapse Link for Azure Cosmos DB. Synapse Link for Azure Cosmos DB is a cloud-native hybrid transactional and analytical processing (HTAP) capability that will enable </a:t>
+            </a:r>
+            <a:r>
+              <a:rPr lang="en-US" b="0" i="0" dirty="0" err="1">
+                <a:solidFill>
+                  <a:srgbClr val="24292E"/>
+                </a:solidFill>
+                <a:effectLst/>
+                <a:latin typeface="-apple-system"/>
+              </a:rPr>
+              <a:t>Woodgrove</a:t>
+            </a:r>
+            <a:r>
+              <a:rPr lang="en-US" b="0" i="0" dirty="0">
+                <a:solidFill>
+                  <a:srgbClr val="24292E"/>
+                </a:solidFill>
+                <a:effectLst/>
+                <a:latin typeface="-apple-system"/>
+              </a:rPr>
+              <a:t> Bank to run near real-time analytics over operational data in Azure Cosmos DB. Azure Synapse Link creates a tight seamless integration between Azure Cosmos DB and Azure Synapse Analytics.</a:t>
+            </a:r>
+          </a:p>
+          <a:p>
+            <a:pPr algn="l"/>
+            <a:endParaRPr lang="en-US" b="0" i="0" dirty="0">
+              <a:solidFill>
+                <a:srgbClr val="24292E"/>
+              </a:solidFill>
+              <a:effectLst/>
+              <a:latin typeface="-apple-system"/>
+            </a:endParaRPr>
+          </a:p>
+          <a:p>
+            <a:pPr algn="l"/>
+            <a:r>
+              <a:rPr lang="en-US" b="0" i="0" dirty="0">
+                <a:solidFill>
+                  <a:srgbClr val="24292E"/>
+                </a:solidFill>
+                <a:effectLst/>
+                <a:latin typeface="-apple-system"/>
+              </a:rPr>
+              <a:t>Using the Azure Cosmos DB analytical store, a fully isolated column store, Azure Synapse Link enables no Extract-Transform-Load (ETL) analytics in Azure Synapse Analytics against the operational data at scale. Business analysts, data engineers, and data scientists can now use Synapse Spark or Synapse SQL interchangeably to run near real-time business intelligence, analytics, and machine learning pipelines. We can achieve this without impacting the performance of </a:t>
+            </a:r>
+            <a:r>
+              <a:rPr lang="en-US" b="0" i="0" dirty="0" err="1">
+                <a:solidFill>
+                  <a:srgbClr val="24292E"/>
+                </a:solidFill>
+                <a:effectLst/>
+                <a:latin typeface="-apple-system"/>
+              </a:rPr>
+              <a:t>Woodgrove's</a:t>
+            </a:r>
+            <a:r>
+              <a:rPr lang="en-US" b="0" i="0" dirty="0">
+                <a:solidFill>
+                  <a:srgbClr val="24292E"/>
+                </a:solidFill>
+                <a:effectLst/>
+                <a:latin typeface="-apple-system"/>
+              </a:rPr>
+              <a:t> transactional workloads on Azure Cosmos DB.</a:t>
+            </a:r>
           </a:p>
         </p:txBody>
       </p:sp>
@@ -2716,7 +2703,7 @@
     </p:spTree>
     <p:extLst>
       <p:ext uri="{BB962C8B-B14F-4D97-AF65-F5344CB8AC3E}">
-        <p14:creationId xmlns:p14="http://schemas.microsoft.com/office/powerpoint/2010/main" val="3524087441"/>
+        <p14:creationId xmlns:p14="http://schemas.microsoft.com/office/powerpoint/2010/main" val="3218326915"/>
       </p:ext>
     </p:extLst>
   </p:cSld>
@@ -2780,7 +2767,7 @@
                 <a:ea typeface="+mn-ea"/>
                 <a:cs typeface="+mn-cs"/>
               </a:rPr>
-              <a:t>How will your chosen data processing platform connect to and process data from your chosen data ingest solution for streaming data?</a:t>
+              <a:t>The big data systems Woodgrove Bank used in the past were only able to append new data to the end of existing data sets. This meant each time they had update, they would actually create a duplicate row containing the changed data and then have to author queries to merge those rows so that they had a clean view of the current state of the data. How will your chosen platform cope with this challenge?</a:t>
             </a:r>
           </a:p>
           <a:p>
@@ -2794,77 +2781,38 @@
                 <a:ea typeface="+mn-ea"/>
                 <a:cs typeface="+mn-cs"/>
               </a:rPr>
-              <a:t>- Whether you have chosen to ingest your data using Azure Cosmos DB with change feed, or Event Hubs, you can connect to either of these directly from Spark. For Cosmos DB, use the azure-cosmosdb-spark connector, which lets you easily read to and write from Azure Cosmos DB via Spark DataFrames in either Python or Scala. For Event Hubs, either use the azure-eventhubs-spark library, or enable Kafka on your event hub and use the Spark-Kafka adapter (supports Kafka v2.0+), available as of Spark v2.4.</a:t>
-            </a:r>
-          </a:p>
-          <a:p>
-            <a:r>
-              <a:rPr lang="en-US" sz="1200" b="0" i="0" kern="1200" dirty="0">
-                <a:solidFill>
-                  <a:schemeClr val="tx1"/>
+              <a:t>- </a:t>
+            </a:r>
+            <a:r>
+              <a:rPr lang="en-US" b="0" i="0" dirty="0">
+                <a:solidFill>
+                  <a:srgbClr val="24292E"/>
                 </a:solidFill>
                 <a:effectLst/>
-                <a:latin typeface="+mn-lt"/>
-                <a:ea typeface="+mn-ea"/>
-                <a:cs typeface="+mn-cs"/>
-              </a:rPr>
-              <a:t>- Because the payment transactions will be arriving in real time, you will want to use Spark Structured Streaming to process the data. Think of a stream of data as a table to which data is continuously appended. In streaming, the problems of traditional data pipelines are exacerbated. Specifically, with frequent meta data refreshes, table repairs and accumulation of small files in intervals measured in seconds or minutes. Many small files result because data may be streamed in at low volumes with short triggers. Databricks Delta is uniquely designed to address these needs.</a:t>
-            </a:r>
-          </a:p>
-          <a:p>
-            <a:endParaRPr lang="en-US" sz="1200" b="1" i="0" kern="1200" dirty="0">
-              <a:solidFill>
-                <a:schemeClr val="tx1"/>
-              </a:solidFill>
-              <a:effectLst/>
-              <a:latin typeface="+mn-lt"/>
-              <a:ea typeface="+mn-ea"/>
-              <a:cs typeface="+mn-cs"/>
-            </a:endParaRPr>
-          </a:p>
-          <a:p>
-            <a:r>
-              <a:rPr lang="en-US" sz="1200" b="1" i="0" kern="1200" dirty="0">
-                <a:solidFill>
-                  <a:schemeClr val="tx1"/>
+                <a:latin typeface="-apple-system"/>
+              </a:rPr>
+              <a:t>The Azure Synapse Link for Azure Cosmos DB feature automatically handles updates to the underlying analytical store for each container on which the feature is enabled. Any inserts, updates, and deletes are automatically synchronized to the analytical store in near real-time. Also, for updates to the container's transactional store, Azure Cosmos DB supports </a:t>
+            </a:r>
+            <a:r>
+              <a:rPr lang="en-US" b="0" i="0" dirty="0" err="1">
+                <a:solidFill>
+                  <a:srgbClr val="24292E"/>
                 </a:solidFill>
                 <a:effectLst/>
-                <a:latin typeface="+mn-lt"/>
-                <a:ea typeface="+mn-ea"/>
-                <a:cs typeface="+mn-cs"/>
-              </a:rPr>
-              <a:t>What configuration would you need to apply to your solution to allow it to restart any stream processing in the case the job is stopped?</a:t>
-            </a:r>
-          </a:p>
-          <a:p>
-            <a:r>
-              <a:rPr lang="en-US" sz="1200" b="0" i="0" kern="1200" dirty="0">
-                <a:solidFill>
-                  <a:schemeClr val="tx1"/>
+                <a:latin typeface="-apple-system"/>
+              </a:rPr>
+              <a:t>upserts</a:t>
+            </a:r>
+            <a:r>
+              <a:rPr lang="en-US" b="0" i="0" dirty="0">
+                <a:solidFill>
+                  <a:srgbClr val="24292E"/>
                 </a:solidFill>
                 <a:effectLst/>
-                <a:latin typeface="+mn-lt"/>
-                <a:ea typeface="+mn-ea"/>
-                <a:cs typeface="+mn-cs"/>
-              </a:rPr>
-              <a:t>- When defining a Delta streaming query, one of the options that you need to specify is the location of a checkpoint directory.</a:t>
-            </a:r>
-          </a:p>
-          <a:p>
-            <a:r>
-              <a:rPr lang="en-US" sz="1200" b="0" i="0" kern="1200" dirty="0">
-                <a:solidFill>
-                  <a:schemeClr val="tx1"/>
-                </a:solidFill>
-                <a:effectLst/>
-                <a:latin typeface="+mn-lt"/>
-                <a:ea typeface="+mn-ea"/>
-                <a:cs typeface="+mn-cs"/>
-              </a:rPr>
-              <a:t>- Please note, if you do not have a checkpoint directory, when the streaming job stops, you lose all state around your streaming job and upon restart, you start from scratch.</a:t>
-            </a:r>
-          </a:p>
-          <a:p>
+                <a:latin typeface="-apple-system"/>
+              </a:rPr>
+              <a:t>.</a:t>
+            </a:r>
             <a:endParaRPr lang="en-US" sz="1200" b="0" i="0" kern="1200" dirty="0">
               <a:solidFill>
                 <a:schemeClr val="tx1"/>
@@ -2874,62 +2822,6 @@
               <a:ea typeface="+mn-ea"/>
               <a:cs typeface="+mn-cs"/>
             </a:endParaRPr>
-          </a:p>
-          <a:p>
-            <a:r>
-              <a:rPr lang="en-US" sz="1200" b="1" i="0" kern="1200" dirty="0">
-                <a:solidFill>
-                  <a:schemeClr val="tx1"/>
-                </a:solidFill>
-                <a:effectLst/>
-                <a:latin typeface="+mn-lt"/>
-                <a:ea typeface="+mn-ea"/>
-                <a:cs typeface="+mn-cs"/>
-              </a:rPr>
-              <a:t>What specific secrets will their processing solution might want to store? How would they securely store and access those secrets?</a:t>
-            </a:r>
-          </a:p>
-          <a:p>
-            <a:r>
-              <a:rPr lang="en-US" sz="1200" b="0" i="0" kern="1200" dirty="0">
-                <a:solidFill>
-                  <a:schemeClr val="tx1"/>
-                </a:solidFill>
-                <a:effectLst/>
-                <a:latin typeface="+mn-lt"/>
-                <a:ea typeface="+mn-ea"/>
-                <a:cs typeface="+mn-cs"/>
-              </a:rPr>
-              <a:t>- Specific secrets that they may need to be accessed by Azure Databricks are account names and keys for Azure Data Lake Storage, Cosmos DB connection strings or access keys, and Azure Machine Learning account keys.</a:t>
-            </a:r>
-          </a:p>
-          <a:p>
-            <a:r>
-              <a:rPr lang="en-US" sz="1200" b="0" i="0" kern="1200" dirty="0">
-                <a:solidFill>
-                  <a:schemeClr val="tx1"/>
-                </a:solidFill>
-                <a:effectLst/>
-                <a:latin typeface="+mn-lt"/>
-                <a:ea typeface="+mn-ea"/>
-                <a:cs typeface="+mn-cs"/>
-              </a:rPr>
-              <a:t>- To securely store these secrets, use Azure Key Vault, in addition to Key Vault-backed secret scopes within Azure Databricks. Azure Key Vault provides a service that allows you to securely centralize application secrets. The benefit of it being a centralized store of secrets, is that you only need to define those secrets, like connection strings or account keys, in one place which can be accessed by several Azure services as well as custom applications.</a:t>
-            </a:r>
-          </a:p>
-          <a:p>
-            <a:r>
-              <a:rPr lang="en-US" sz="1200" b="0" i="0" kern="1200" dirty="0">
-                <a:solidFill>
-                  <a:schemeClr val="tx1"/>
-                </a:solidFill>
-                <a:effectLst/>
-                <a:latin typeface="+mn-lt"/>
-                <a:ea typeface="+mn-ea"/>
-                <a:cs typeface="+mn-cs"/>
-              </a:rPr>
-              <a:t>- Azure Databricks has two types of secret scopes: Key Vault-backed and Databricks-backed. These secret scopes allow you to store secrets, such as database connection strings, securely. If someone tries to output a secret to a notebook, it is replaced by [REDACTED]. This helps prevent someone from viewing the secret or accidentally leaking it when displaying or sharing the notebook.</a:t>
-            </a:r>
           </a:p>
         </p:txBody>
       </p:sp>
@@ -2959,7 +2851,7 @@
     </p:spTree>
     <p:extLst>
       <p:ext uri="{BB962C8B-B14F-4D97-AF65-F5344CB8AC3E}">
-        <p14:creationId xmlns:p14="http://schemas.microsoft.com/office/powerpoint/2010/main" val="3731698051"/>
+        <p14:creationId xmlns:p14="http://schemas.microsoft.com/office/powerpoint/2010/main" val="3524087441"/>
       </p:ext>
     </p:extLst>
   </p:cSld>
@@ -3023,10 +2915,11 @@
                 <a:ea typeface="+mn-ea"/>
                 <a:cs typeface="+mn-cs"/>
               </a:rPr>
-              <a:t>As incoming data is processed, refined, and scored, all of the transactions need to be persisted to long-term storage for analysis, model training and validation, and reporting. This storage needs to handle long-term growth, be fast enough to rapidly ingest new data while simultaneously handling reads against the same data set without interference, and act as a reliable data source for dashboards and reports. Which is your recommended long-term data storage solution, keeping in mind its role within your selected data pipeline processing platform?</a:t>
-            </a:r>
-          </a:p>
-          <a:p>
+              <a:t>How will your chosen data processing platform connect to and process data from your chosen data ingest solution for streaming data?</a:t>
+            </a:r>
+          </a:p>
+          <a:p>
+            <a:pPr algn="l"/>
             <a:r>
               <a:rPr lang="en-US" sz="1200" b="0" i="0" kern="1200" dirty="0">
                 <a:solidFill>
@@ -3037,12 +2930,146 @@
                 <a:ea typeface="+mn-ea"/>
                 <a:cs typeface="+mn-cs"/>
               </a:rPr>
-              <a:t>- Although our proposed solution uses Databricks Delta to store data within a Delta table, we still need to select the appropriate storage service it uses under the covers. For this, use Azure Data Lake Storage Gen2 (ADLS Gen2).</a:t>
-            </a:r>
-          </a:p>
-          <a:p>
-            <a:r>
-              <a:rPr lang="en-US" sz="1200" b="0" i="0" kern="1200" dirty="0">
+              <a:t>- </a:t>
+            </a:r>
+            <a:r>
+              <a:rPr lang="en-US" b="0" i="0" dirty="0">
+                <a:solidFill>
+                  <a:srgbClr val="24292E"/>
+                </a:solidFill>
+                <a:effectLst/>
+                <a:latin typeface="-apple-system"/>
+              </a:rPr>
+              <a:t>In our preferred architecture, we have chosen to ingest </a:t>
+            </a:r>
+            <a:r>
+              <a:rPr lang="en-US" b="0" i="0" dirty="0" err="1">
+                <a:solidFill>
+                  <a:srgbClr val="24292E"/>
+                </a:solidFill>
+                <a:effectLst/>
+                <a:latin typeface="-apple-system"/>
+              </a:rPr>
+              <a:t>Woodgrove's</a:t>
+            </a:r>
+            <a:r>
+              <a:rPr lang="en-US" b="0" i="0" dirty="0">
+                <a:solidFill>
+                  <a:srgbClr val="24292E"/>
+                </a:solidFill>
+                <a:effectLst/>
+                <a:latin typeface="-apple-system"/>
+              </a:rPr>
+              <a:t> data using Azure Cosmos DB and have enabled Synapse Link to integrate with Azure Synapse Analytics. The Azure Cosmos DB linked service enables </a:t>
+            </a:r>
+            <a:r>
+              <a:rPr lang="en-US" b="0" i="0" dirty="0" err="1">
+                <a:solidFill>
+                  <a:srgbClr val="24292E"/>
+                </a:solidFill>
+                <a:effectLst/>
+                <a:latin typeface="-apple-system"/>
+              </a:rPr>
+              <a:t>Woodgrove</a:t>
+            </a:r>
+            <a:r>
+              <a:rPr lang="en-US" b="0" i="0" dirty="0">
+                <a:solidFill>
+                  <a:srgbClr val="24292E"/>
+                </a:solidFill>
+                <a:effectLst/>
+                <a:latin typeface="-apple-system"/>
+              </a:rPr>
+              <a:t> to connect to the transactional Cosmos DB container and read from the stream provided by the change feed into a Spark </a:t>
+            </a:r>
+            <a:r>
+              <a:rPr lang="en-US" b="0" i="0" dirty="0" err="1">
+                <a:solidFill>
+                  <a:srgbClr val="24292E"/>
+                </a:solidFill>
+                <a:effectLst/>
+                <a:latin typeface="-apple-system"/>
+              </a:rPr>
+              <a:t>DataFrame</a:t>
+            </a:r>
+            <a:r>
+              <a:rPr lang="en-US" b="0" i="0" dirty="0">
+                <a:solidFill>
+                  <a:srgbClr val="24292E"/>
+                </a:solidFill>
+                <a:effectLst/>
+                <a:latin typeface="-apple-system"/>
+              </a:rPr>
+              <a:t>. You will use a Synapse Spark notebook to process the streaming data.</a:t>
+            </a:r>
+          </a:p>
+          <a:p>
+            <a:pPr algn="l"/>
+            <a:r>
+              <a:rPr lang="en-US" b="0" i="0" dirty="0">
+                <a:solidFill>
+                  <a:srgbClr val="24292E"/>
+                </a:solidFill>
+                <a:effectLst/>
+                <a:latin typeface="-apple-system"/>
+              </a:rPr>
+              <a:t>- Because the payment transactions will be arriving in real time, you will want to use Spark Structured Streaming to process the data. Think of a stream of data as a table to which data is continuously appended. You need to create a </a:t>
+            </a:r>
+            <a:r>
+              <a:rPr lang="en-US" b="0" i="0" dirty="0" err="1">
+                <a:solidFill>
+                  <a:srgbClr val="24292E"/>
+                </a:solidFill>
+                <a:effectLst/>
+                <a:latin typeface="-apple-system"/>
+              </a:rPr>
+              <a:t>foreachBatch</a:t>
+            </a:r>
+            <a:r>
+              <a:rPr lang="en-US" b="0" i="0" dirty="0">
+                <a:solidFill>
+                  <a:srgbClr val="24292E"/>
+                </a:solidFill>
+                <a:effectLst/>
+                <a:latin typeface="-apple-system"/>
+              </a:rPr>
+              <a:t> method that leverages the batch-scoring model for scoring </a:t>
+            </a:r>
+            <a:r>
+              <a:rPr lang="en-US" b="0" i="0" dirty="0" err="1">
+                <a:solidFill>
+                  <a:srgbClr val="24292E"/>
+                </a:solidFill>
+                <a:effectLst/>
+                <a:latin typeface="-apple-system"/>
+              </a:rPr>
+              <a:t>microbatches</a:t>
+            </a:r>
+            <a:r>
+              <a:rPr lang="en-US" b="0" i="0" dirty="0">
+                <a:solidFill>
+                  <a:srgbClr val="24292E"/>
+                </a:solidFill>
+                <a:effectLst/>
+                <a:latin typeface="-apple-system"/>
+              </a:rPr>
+              <a:t>. The function will write the scored results to a Cosmos DB container, using the linked service.</a:t>
+            </a:r>
+          </a:p>
+          <a:p>
+            <a:endParaRPr lang="en-US" sz="1200" b="1" i="0" kern="1200" dirty="0">
+              <a:solidFill>
+                <a:schemeClr val="tx1"/>
+              </a:solidFill>
+              <a:effectLst/>
+              <a:latin typeface="+mn-lt"/>
+              <a:ea typeface="+mn-ea"/>
+              <a:cs typeface="+mn-cs"/>
+            </a:endParaRPr>
+          </a:p>
+          <a:p>
+            <a:r>
+              <a:rPr lang="en-US" sz="1200" b="1" i="0" kern="1200" dirty="0">
                 <a:solidFill>
                   <a:schemeClr val="tx1"/>
                 </a:solidFill>
@@ -3051,7 +3078,35 @@
                 <a:ea typeface="+mn-ea"/>
                 <a:cs typeface="+mn-cs"/>
               </a:rPr>
-              <a:t>- With Databricks Delta managing the files stored within ADLS, the files will be optimized through re-indexing and combining numerous small files into fewer, read-friendly large files. Other enhancements provided by Delta allow for simultaneously handling reads and writes against the same data set without interference. The Delta table can be accessed by BI dashboard and reporting services that support reading Hive tables, such as Power BI.</a:t>
+              <a:t>What configuration would you need to apply to your solution to allow it to restart any stream processing in the case the job is stopped?</a:t>
+            </a:r>
+          </a:p>
+          <a:p>
+            <a:r>
+              <a:rPr lang="en-US" sz="1200" b="0" i="0" kern="1200" dirty="0">
+                <a:solidFill>
+                  <a:schemeClr val="tx1"/>
+                </a:solidFill>
+                <a:effectLst/>
+                <a:latin typeface="+mn-lt"/>
+                <a:ea typeface="+mn-ea"/>
+                <a:cs typeface="+mn-cs"/>
+              </a:rPr>
+              <a:t>- When defining a streaming query, one of the options that you need to specify is the location of a checkpoint directory.</a:t>
+            </a:r>
+          </a:p>
+          <a:p>
+            <a:r>
+              <a:rPr lang="en-US" sz="1200" b="0" i="0" kern="1200" dirty="0">
+                <a:solidFill>
+                  <a:schemeClr val="tx1"/>
+                </a:solidFill>
+                <a:effectLst/>
+                <a:latin typeface="+mn-lt"/>
+                <a:ea typeface="+mn-ea"/>
+                <a:cs typeface="+mn-cs"/>
+              </a:rPr>
+              <a:t>- Please note, if you do not have a checkpoint directory, when the streaming job stops, you lose all state around your streaming job and upon restart, you start from scratch.</a:t>
             </a:r>
           </a:p>
           <a:p>
@@ -3076,10 +3131,11 @@
                 <a:ea typeface="+mn-ea"/>
                 <a:cs typeface="+mn-cs"/>
               </a:rPr>
-              <a:t>How do you ensure your data is continuously optimized within your chosen long-term data storage solution, given the requirements to store inserts, updates, and deletes while avoiding generating very small, un-optimized files?</a:t>
-            </a:r>
-          </a:p>
-          <a:p>
+              <a:t>What specific secrets will their processing solution might want to store? How would they securely store and access those secrets?</a:t>
+            </a:r>
+          </a:p>
+          <a:p>
+            <a:pPr algn="l"/>
             <a:r>
               <a:rPr lang="en-US" sz="1200" b="0" i="0" kern="1200" dirty="0">
                 <a:solidFill>
@@ -3090,37 +3146,30 @@
                 <a:ea typeface="+mn-ea"/>
                 <a:cs typeface="+mn-cs"/>
               </a:rPr>
-              <a:t>- Historical and new data is often written in very small files and directories. This will especially be the case when dealing with real-time payment transaction data. The result is that a query on this data may be very slow due to network latency or volume of file metadata. The solution is to compact many small files into one larger file. Databricks Delta does this using the </a:t>
-            </a:r>
-            <a:r>
-              <a:rPr lang="en-US" dirty="0"/>
-              <a:t>OPTIMIZE</a:t>
-            </a:r>
-            <a:r>
-              <a:rPr lang="en-US" sz="1200" b="0" i="0" kern="1200" dirty="0">
-                <a:solidFill>
-                  <a:schemeClr val="tx1"/>
+              <a:t>- </a:t>
+            </a:r>
+            <a:r>
+              <a:rPr lang="en-US" b="0" i="0" dirty="0">
+                <a:solidFill>
+                  <a:srgbClr val="24292E"/>
                 </a:solidFill>
                 <a:effectLst/>
-                <a:latin typeface="+mn-lt"/>
-                <a:ea typeface="+mn-ea"/>
-                <a:cs typeface="+mn-cs"/>
-              </a:rPr>
-              <a:t> operation. Small files are compacted together into new larger files up to 1GB. The 1GB size was determined by the Databricks optimization team as a trade-off between query speed and run-time performance.</a:t>
-            </a:r>
-          </a:p>
-          <a:p>
-            <a:r>
-              <a:rPr lang="en-US" sz="1200" b="0" i="0" kern="1200" dirty="0">
-                <a:solidFill>
-                  <a:schemeClr val="tx1"/>
+                <a:latin typeface="-apple-system"/>
+              </a:rPr>
+              <a:t>Specific secrets that they may need to be accessed by Azure Synapse Analytics are account names and keys for Azure Data Lake Storage, Cosmos DB connection strings or access keys, and Azure Machine Learning service account keys.</a:t>
+            </a:r>
+          </a:p>
+          <a:p>
+            <a:pPr algn="l"/>
+            <a:r>
+              <a:rPr lang="en-US" b="0" i="0" dirty="0">
+                <a:solidFill>
+                  <a:srgbClr val="24292E"/>
                 </a:solidFill>
                 <a:effectLst/>
-                <a:latin typeface="+mn-lt"/>
-                <a:ea typeface="+mn-ea"/>
-                <a:cs typeface="+mn-cs"/>
-              </a:rPr>
-              <a:t>- OPTIMIZE is not run automatically and can take some time to complete. Set up a schedule to periodically run and observe results.</a:t>
+                <a:latin typeface="-apple-system"/>
+              </a:rPr>
+              <a:t>- To securely store these secrets, use Azure Key Vault and create a linked service within Synapse Analytics for the Key Vault account. Azure Key Vault provides a service that allows you to securely centralize application secrets. The benefit of it being a centralized store of secrets, is that you only need to define those secrets, like connection strings or account keys, in one place which can be accessed by several Azure services as well as custom applications.</a:t>
             </a:r>
           </a:p>
         </p:txBody>
@@ -3151,7 +3200,7 @@
     </p:spTree>
     <p:extLst>
       <p:ext uri="{BB962C8B-B14F-4D97-AF65-F5344CB8AC3E}">
-        <p14:creationId xmlns:p14="http://schemas.microsoft.com/office/powerpoint/2010/main" val="1537834090"/>
+        <p14:creationId xmlns:p14="http://schemas.microsoft.com/office/powerpoint/2010/main" val="3731698051"/>
       </p:ext>
     </p:extLst>
   </p:cSld>
@@ -3215,10 +3264,11 @@
                 <a:ea typeface="+mn-ea"/>
                 <a:cs typeface="+mn-cs"/>
               </a:rPr>
-              <a:t>Describe how your chosen data processing platform will support machine learning model training and deployment. The model will need to be trained on and validated against historical payment transaction data that includes known fraudulent transactions.</a:t>
-            </a:r>
-          </a:p>
-          <a:p>
+              <a:t>As incoming data is processed, refined, and scored, all of the transactions need to be persisted to long-term storage for analysis, model training and validation, and reporting. This storage needs to handle long-term growth, be fast enough to rapidly ingest new data while simultaneously handling reads against the same data set without interference, and act as a reliable data source for dashboards and reports. Which is your recommended long-term data storage solution, keeping in mind its role within your selected data pipeline processing platform?</a:t>
+            </a:r>
+          </a:p>
+          <a:p>
+            <a:pPr algn="l"/>
             <a:r>
               <a:rPr lang="en-US" sz="1200" b="0" i="0" kern="1200" dirty="0">
                 <a:solidFill>
@@ -3229,72 +3279,57 @@
                 <a:ea typeface="+mn-ea"/>
                 <a:cs typeface="+mn-cs"/>
               </a:rPr>
-              <a:t>- Azure Databricks supports machine learning training at scale. This means that it can handle the historical payment transaction data, which Woodgrove Bank said it can provide as a series of CSV files, and transform that data as needed for cleanup and feature selection. A large portion of that data will be used for training, and the rest can be used to validate the performance of the trained model.</a:t>
-            </a:r>
-          </a:p>
-          <a:p>
-            <a:r>
-              <a:rPr lang="en-US" sz="1200" b="0" i="0" kern="1200" dirty="0">
-                <a:solidFill>
-                  <a:schemeClr val="tx1"/>
+              <a:t>- </a:t>
+            </a:r>
+            <a:r>
+              <a:rPr lang="en-US" b="0" i="0" dirty="0">
+                <a:solidFill>
+                  <a:srgbClr val="24292E"/>
                 </a:solidFill>
                 <a:effectLst/>
-                <a:latin typeface="+mn-lt"/>
-                <a:ea typeface="+mn-ea"/>
-                <a:cs typeface="+mn-cs"/>
-              </a:rPr>
-              <a:t>- For model deployment, use Azure Machine Learning service and the Azure Machine Learning SDK to host a trained machine learning model and automatically deploy the model to an Azure Kubernetes Service (AKS) cluster. Creating the AKS cluster is a one-time process for your workspace, where after you can reuse it for multiple deployments as the model gets updated through re-training.</a:t>
-            </a:r>
-          </a:p>
-          <a:p>
-            <a:endParaRPr lang="en-US" sz="1200" b="0" i="0" kern="1200" dirty="0">
-              <a:solidFill>
-                <a:schemeClr val="tx1"/>
-              </a:solidFill>
-              <a:effectLst/>
-              <a:latin typeface="+mn-lt"/>
-              <a:ea typeface="+mn-ea"/>
-              <a:cs typeface="+mn-cs"/>
-            </a:endParaRPr>
-          </a:p>
-          <a:p>
-            <a:r>
-              <a:rPr lang="en-US" sz="1200" b="1" i="0" kern="1200" dirty="0">
-                <a:solidFill>
-                  <a:schemeClr val="tx1"/>
+                <a:latin typeface="-apple-system"/>
+              </a:rPr>
+              <a:t>Our proposed solution uses Synapse Analytics, which uses an Azure Data Lake Storage Gen2 (ADLS Gen2) account for its primary storage. ADLS Gen2 is a set of capabilities dedicated to big data analytics, built on Azure Blob storage. Data Lake Storage Gen2 is the result of converging the capabilities of Microsoft's two existing storage services, Azure Blob storage and Azure Data Lake Storage Gen1. Features from Azure Data Lake Storage Gen1, such as file system semantics, directory, and file level security and scale are combined with the low-cost, tiered storage, and high availability/disaster recovery capabilities from Azure Blob storage.</a:t>
+            </a:r>
+          </a:p>
+          <a:p>
+            <a:pPr algn="l"/>
+            <a:r>
+              <a:rPr lang="en-US" b="0" i="0" dirty="0">
+                <a:solidFill>
+                  <a:srgbClr val="24292E"/>
                 </a:solidFill>
                 <a:effectLst/>
-                <a:latin typeface="+mn-lt"/>
-                <a:ea typeface="+mn-ea"/>
-                <a:cs typeface="+mn-cs"/>
-              </a:rPr>
-              <a:t>How will you schedule regular batch scoring of fraud data using the trained model, and make that data available to Woodgrove Bank's web applications at a global scale?</a:t>
-            </a:r>
-          </a:p>
-          <a:p>
-            <a:r>
-              <a:rPr lang="en-US" sz="1200" b="0" i="0" kern="1200" dirty="0">
-                <a:solidFill>
-                  <a:schemeClr val="tx1"/>
+                <a:latin typeface="-apple-system"/>
+              </a:rPr>
+              <a:t>- ADLS Gen2 makes Azure Storage the foundation for building enterprise data lakes on Azure. Designed from the start to service multiple petabytes of information while sustaining hundreds of gigabits of throughput, ADLS Gen2 allows you to easily manage massive amounts of data.</a:t>
+            </a:r>
+          </a:p>
+          <a:p>
+            <a:pPr algn="l"/>
+            <a:r>
+              <a:rPr lang="en-US" b="0" i="0" dirty="0">
+                <a:solidFill>
+                  <a:srgbClr val="24292E"/>
                 </a:solidFill>
                 <a:effectLst/>
-                <a:latin typeface="+mn-lt"/>
-                <a:ea typeface="+mn-ea"/>
-                <a:cs typeface="+mn-cs"/>
-              </a:rPr>
-              <a:t>- The models that they have trained within Azure Databricks notebooks can be saved to ADLS or to Azure Machine Learning service. These saved models can then be re-loaded by a notebook or a job that executes a notebook to batch score the “suspicious transactions” on a scheduled basis. The notebook logic would use the Cosmos DB Spark connector to push the scored results out to the globally distributed set of collections, making the suspicious transactions “locally” available to authorized consuming applications.</a:t>
-            </a:r>
-          </a:p>
-          <a:p>
-            <a:endParaRPr lang="en-US" sz="1200" b="0" i="0" kern="1200" dirty="0">
-              <a:solidFill>
-                <a:schemeClr val="tx1"/>
-              </a:solidFill>
-              <a:effectLst/>
-              <a:latin typeface="+mn-lt"/>
-              <a:ea typeface="+mn-ea"/>
-              <a:cs typeface="+mn-cs"/>
-            </a:endParaRPr>
+                <a:latin typeface="-apple-system"/>
+              </a:rPr>
+              <a:t>- ADLS Gen2 allows you to manage and access data just as you would with a Hadoop Distributed File System (HDFS). The Azure Blob Filesystem (ABFS) driver allows Azure Synapse Analytics to access data stored in ADLS Gen2. This driver is optimized specifically for big data analytics, and overcomes the inherent deficiencies of the previous WASB driver.</a:t>
+            </a:r>
+          </a:p>
+          <a:p>
+            <a:pPr algn="l"/>
+            <a:r>
+              <a:rPr lang="en-US" b="0" i="0" dirty="0">
+                <a:solidFill>
+                  <a:srgbClr val="24292E"/>
+                </a:solidFill>
+                <a:effectLst/>
+                <a:latin typeface="-apple-system"/>
+              </a:rPr>
+              <a:t>- Since we are using the Azure Cosmos DB analytical store feature through Azure Synapse Link, all long-term analytical data is automatically stored within a separate, managed storage account. Azure Cosmos DB synchronizes data to this storage account as data in the transactional containers change. - You do not need to access the storage account directly through Synapse Analytics or other means. Instead, you access the analytical store through Synapse Notebooks with Apache Spark, or through T-SQL through Synapse SQL Serverless (SQL on-demand). Synapse Link provides a layer of abstraction over top of the storage, letting you focus on writing queries instead of managing access to the storage account.</a:t>
+            </a:r>
           </a:p>
         </p:txBody>
       </p:sp>
@@ -3324,7 +3359,7 @@
     </p:spTree>
     <p:extLst>
       <p:ext uri="{BB962C8B-B14F-4D97-AF65-F5344CB8AC3E}">
-        <p14:creationId xmlns:p14="http://schemas.microsoft.com/office/powerpoint/2010/main" val="1390008499"/>
+        <p14:creationId xmlns:p14="http://schemas.microsoft.com/office/powerpoint/2010/main" val="1537834090"/>
       </p:ext>
     </p:extLst>
   </p:cSld>
@@ -3388,10 +3423,11 @@
                 <a:ea typeface="+mn-ea"/>
                 <a:cs typeface="+mn-cs"/>
               </a:rPr>
-              <a:t>Woodgrove Bank's business analysts would like to have a set of dashboards they can monitor that provide real-time views of fraud trends at a global scale. Thinking back to how your proposed solution provides a set of summary (gold) tables containing business-level aggregates, what do you propose using to meet this requirement? Be specific about how this solution will be put in place and which features it supports.</a:t>
-            </a:r>
-          </a:p>
-          <a:p>
+              <a:t>Describe how your chosen data processing platform will support machine learning model training and deployment. The model will need to be trained on and validated against historical payment transaction data that includes known fraudulent transactions.</a:t>
+            </a:r>
+          </a:p>
+          <a:p>
+            <a:pPr algn="l"/>
             <a:r>
               <a:rPr lang="en-US" sz="1200" b="0" i="0" kern="1200" dirty="0">
                 <a:solidFill>
@@ -3402,7 +3438,64 @@
                 <a:ea typeface="+mn-ea"/>
                 <a:cs typeface="+mn-cs"/>
               </a:rPr>
-              <a:t>- PowerBI can query any tables created in Azure Databricks. This connection is facilitated via a JDBC connector, whose connection information is provided in the Get Data UI of Power BI by selecting the Spark connector. While the data for these tables may be stored in ADLS, the experience to the analysts is similar to them querying a table from a more traditional relational database. With the table connection in place, analysts can build reports and dashboards using Power BI.</a:t>
+              <a:t>- </a:t>
+            </a:r>
+            <a:r>
+              <a:rPr lang="en-US" b="0" i="0" dirty="0">
+                <a:solidFill>
+                  <a:srgbClr val="24292E"/>
+                </a:solidFill>
+                <a:effectLst/>
+                <a:latin typeface="-apple-system"/>
+              </a:rPr>
+              <a:t>For model training and deployment, use Azure Machine Learning. Azure Machine Learning studio provides a web-based, interactive interface for managing the end-to-end machine learning lifecycle. Use Jupyter notebooks for model training and required data transformation steps as part of the ML pipeline. Create a datastore that points to the primary Synapse Analytics ADLS Gen2 account that contains the historical payment transaction data, which </a:t>
+            </a:r>
+            <a:r>
+              <a:rPr lang="en-US" b="0" i="0" dirty="0" err="1">
+                <a:solidFill>
+                  <a:srgbClr val="24292E"/>
+                </a:solidFill>
+                <a:effectLst/>
+                <a:latin typeface="-apple-system"/>
+              </a:rPr>
+              <a:t>Woodgrove</a:t>
+            </a:r>
+            <a:r>
+              <a:rPr lang="en-US" b="0" i="0" dirty="0">
+                <a:solidFill>
+                  <a:srgbClr val="24292E"/>
+                </a:solidFill>
+                <a:effectLst/>
+                <a:latin typeface="-apple-system"/>
+              </a:rPr>
+              <a:t> Bank said it can provide as a series of CSV files. The notebooks used for training the models can access the files through the datastore and transform that data as needed for cleanup and feature selection. A large portion of that data will be used for training, and the rest can be used to validate the performance of the trained model.</a:t>
+            </a:r>
+          </a:p>
+          <a:p>
+            <a:pPr algn="l"/>
+            <a:r>
+              <a:rPr lang="en-US" b="0" i="0" dirty="0">
+                <a:solidFill>
+                  <a:srgbClr val="24292E"/>
+                </a:solidFill>
+                <a:effectLst/>
+                <a:latin typeface="-apple-system"/>
+              </a:rPr>
+              <a:t>The trained models are stored in Azure ML's model registry and deployed from a notebook, or through the Machine Learning studio's interface.</a:t>
+            </a:r>
+          </a:p>
+          <a:p>
+            <a:r>
+              <a:rPr lang="en-US" sz="1200" b="0" i="0" kern="1200" dirty="0">
+                <a:solidFill>
+                  <a:schemeClr val="tx1"/>
+                </a:solidFill>
+                <a:effectLst/>
+                <a:latin typeface="+mn-lt"/>
+                <a:ea typeface="+mn-ea"/>
+                <a:cs typeface="+mn-cs"/>
+              </a:rPr>
+              <a:t>- Deploy the model to an Azure Kubernetes Service (AKS) cluster. Creating the AKS cluster is a one-time process for your workspace, where after you can reuse it for multiple deployments as the model gets updated through re-training.</a:t>
             </a:r>
           </a:p>
           <a:p>
@@ -3427,7 +3520,7 @@
                 <a:ea typeface="+mn-ea"/>
                 <a:cs typeface="+mn-cs"/>
               </a:rPr>
-              <a:t>How do you propose giving access to this same data to Woodgrove Bank's data scientists and data engineers within the data processing environment wherein they can craft complex queries and data visualizations?</a:t>
+              <a:t>How will you schedule regular batch scoring of fraud data using the trained model, and make that data available to Woodgrove Bank's web applications at a global scale?</a:t>
             </a:r>
           </a:p>
           <a:p>
@@ -3441,8 +3534,58 @@
                 <a:ea typeface="+mn-ea"/>
                 <a:cs typeface="+mn-cs"/>
               </a:rPr>
-              <a:t>- Data scientists and data engineers would use Azure Databricks notebooks to craft complex queries and data visualizations.</a:t>
-            </a:r>
+              <a:t>- </a:t>
+            </a:r>
+            <a:r>
+              <a:rPr lang="en-US" b="0" i="0" dirty="0">
+                <a:solidFill>
+                  <a:srgbClr val="24292E"/>
+                </a:solidFill>
+                <a:effectLst/>
+                <a:latin typeface="-apple-system"/>
+              </a:rPr>
+              <a:t>The models that they have trained within Azure Machine Learning notebooks can be saved to ADLS Gen2 or to Azure Machine Learning model registry. These saved models can then be re-loaded by a Synapse Notebook to batch score and aggregate the daily “suspicious transactions” results on a scheduled basis. </a:t>
+            </a:r>
+            <a:r>
+              <a:rPr lang="en-US" b="0" i="0" dirty="0" err="1">
+                <a:solidFill>
+                  <a:srgbClr val="24292E"/>
+                </a:solidFill>
+                <a:effectLst/>
+                <a:latin typeface="-apple-system"/>
+              </a:rPr>
+              <a:t>Woodgrove</a:t>
+            </a:r>
+            <a:r>
+              <a:rPr lang="en-US" b="0" i="0" dirty="0">
+                <a:solidFill>
+                  <a:srgbClr val="24292E"/>
+                </a:solidFill>
+                <a:effectLst/>
+                <a:latin typeface="-apple-system"/>
+              </a:rPr>
+              <a:t> will create a new pipeline in Synapse Analytics that contains a Notebook activity that calls the batch scoring notebook. They can configure the pipeline to run on a regular interval or as part of a larger data pipeline process. The notebook logic would use the Cosmos DB Linked Service to push the scored results out to the globally distributed set of containers, making the suspicious transactions “locally” available to authorized consuming applications.</a:t>
+            </a:r>
+            <a:endParaRPr lang="en-US" sz="1200" b="0" i="0" kern="1200" dirty="0">
+              <a:solidFill>
+                <a:schemeClr val="tx1"/>
+              </a:solidFill>
+              <a:effectLst/>
+              <a:latin typeface="+mn-lt"/>
+              <a:ea typeface="+mn-ea"/>
+              <a:cs typeface="+mn-cs"/>
+            </a:endParaRPr>
+          </a:p>
+          <a:p>
+            <a:endParaRPr lang="en-US" sz="1200" b="0" i="0" kern="1200" dirty="0">
+              <a:solidFill>
+                <a:schemeClr val="tx1"/>
+              </a:solidFill>
+              <a:effectLst/>
+              <a:latin typeface="+mn-lt"/>
+              <a:ea typeface="+mn-ea"/>
+              <a:cs typeface="+mn-cs"/>
+            </a:endParaRPr>
           </a:p>
         </p:txBody>
       </p:sp>
@@ -3472,7 +3615,7 @@
     </p:spTree>
     <p:extLst>
       <p:ext uri="{BB962C8B-B14F-4D97-AF65-F5344CB8AC3E}">
-        <p14:creationId xmlns:p14="http://schemas.microsoft.com/office/powerpoint/2010/main" val="2965567035"/>
+        <p14:creationId xmlns:p14="http://schemas.microsoft.com/office/powerpoint/2010/main" val="1390008499"/>
       </p:ext>
     </p:extLst>
   </p:cSld>
@@ -3527,20 +3670,94 @@
           <a:lstStyle/>
           <a:p>
             <a:r>
-              <a:rPr lang="en-US" sz="1200" b="1" kern="1200" dirty="0">
-                <a:solidFill>
-                  <a:schemeClr val="tx1"/>
+              <a:rPr lang="en-US" b="1" i="0" dirty="0" err="1">
+                <a:solidFill>
+                  <a:srgbClr val="24292E"/>
                 </a:solidFill>
                 <a:effectLst/>
-                <a:latin typeface="+mn-lt"/>
-                <a:ea typeface="+mn-ea"/>
-                <a:cs typeface="+mn-cs"/>
-              </a:rPr>
-              <a:t>Option 2: Additional service and synchronization required, but lower cost option:</a:t>
-            </a:r>
-          </a:p>
-          <a:p>
-            <a:endParaRPr lang="en-US" sz="1200" b="1" kern="1200" dirty="0">
+                <a:latin typeface="-apple-system"/>
+              </a:rPr>
+              <a:t>Woodgrove</a:t>
+            </a:r>
+            <a:r>
+              <a:rPr lang="en-US" b="1" i="0" dirty="0">
+                <a:solidFill>
+                  <a:srgbClr val="24292E"/>
+                </a:solidFill>
+                <a:effectLst/>
+                <a:latin typeface="-apple-system"/>
+              </a:rPr>
+              <a:t> Bank's business analysts would like to have a set of dashboards they can monitor that provide real-time views of fraud trends at a global scale. Thinking back to how your proposed solution provides a set of summary tables containing business-level aggregates, what do you propose using to meet this requirement? Be specific about how this solution will be put in place and which features it supports.</a:t>
+            </a:r>
+          </a:p>
+          <a:p>
+            <a:pPr algn="l"/>
+            <a:r>
+              <a:rPr lang="en-US" b="0" i="0" dirty="0">
+                <a:solidFill>
+                  <a:srgbClr val="24292E"/>
+                </a:solidFill>
+                <a:effectLst/>
+                <a:latin typeface="-apple-system"/>
+              </a:rPr>
+              <a:t>- Since we are using the Azure Synapse Link for Azure Cosmos DB feature, and have enabled the analytical store on the Cosmos DB containers, we can create SQL views and add them to a Synapse SQL Serverless (SQL on-demand) database. These views use T-SQL to query the analytical store data, which does not impact the transactional store in any way, saving valuable </a:t>
+            </a:r>
+            <a:r>
+              <a:rPr lang="en-US" b="0" i="0" dirty="0" err="1">
+                <a:solidFill>
+                  <a:srgbClr val="24292E"/>
+                </a:solidFill>
+                <a:effectLst/>
+                <a:latin typeface="-apple-system"/>
+              </a:rPr>
+              <a:t>RUs.</a:t>
+            </a:r>
+            <a:r>
+              <a:rPr lang="en-US" b="0" i="0" dirty="0">
+                <a:solidFill>
+                  <a:srgbClr val="24292E"/>
+                </a:solidFill>
+                <a:effectLst/>
+                <a:latin typeface="-apple-system"/>
+              </a:rPr>
+              <a:t> Since the analytical store is optimized for read-heavy analytical queries, we can efficiently query over all current and historical data, create aggregates, join analytical stores together or with other external resources, and use these views to create Power BI reports and dashboards.</a:t>
+            </a:r>
+          </a:p>
+          <a:p>
+            <a:pPr algn="l"/>
+            <a:r>
+              <a:rPr lang="en-US" b="0" i="0" dirty="0">
+                <a:solidFill>
+                  <a:srgbClr val="24292E"/>
+                </a:solidFill>
+                <a:effectLst/>
+                <a:latin typeface="-apple-system"/>
+              </a:rPr>
+              <a:t>- The Power BI reports can be added to the Power BI service and embedded in </a:t>
+            </a:r>
+            <a:r>
+              <a:rPr lang="en-US" b="0" i="0" dirty="0" err="1">
+                <a:solidFill>
+                  <a:srgbClr val="24292E"/>
+                </a:solidFill>
+                <a:effectLst/>
+                <a:latin typeface="-apple-system"/>
+              </a:rPr>
+              <a:t>Woodgrove's</a:t>
+            </a:r>
+            <a:r>
+              <a:rPr lang="en-US" b="0" i="0" dirty="0">
+                <a:solidFill>
+                  <a:srgbClr val="24292E"/>
+                </a:solidFill>
+                <a:effectLst/>
+                <a:latin typeface="-apple-system"/>
+              </a:rPr>
+              <a:t> web applications for consumption by their processing customers. They can add the Power BI service workspace that contains the reports, as a Synapse linked service. Once added as a linked service, the Power BI datasets and reports can be managed from within Synapse Studio, providing a fully integrated experience.</a:t>
+            </a:r>
+          </a:p>
+          <a:p>
+            <a:endParaRPr lang="en-US" sz="1200" b="0" i="0" kern="1200" dirty="0">
               <a:solidFill>
                 <a:schemeClr val="tx1"/>
               </a:solidFill>
@@ -3552,7 +3769,38 @@
           </a:p>
           <a:p>
             <a:r>
-              <a:rPr lang="en-US" sz="1200" b="0" kern="1200" dirty="0">
+              <a:rPr lang="en-US" b="1" i="0" dirty="0" err="1">
+                <a:solidFill>
+                  <a:srgbClr val="24292E"/>
+                </a:solidFill>
+                <a:effectLst/>
+                <a:latin typeface="-apple-system"/>
+              </a:rPr>
+              <a:t>Woodgrove</a:t>
+            </a:r>
+            <a:r>
+              <a:rPr lang="en-US" b="1" i="0" dirty="0">
+                <a:solidFill>
+                  <a:srgbClr val="24292E"/>
+                </a:solidFill>
+                <a:effectLst/>
+                <a:latin typeface="-apple-system"/>
+              </a:rPr>
+              <a:t> Bank's data analysts, who build and maintain reports, are comfortable working with T-SQL. How can they efficiently access the data for analytical queries, ensuring they have access to the most up-to-date data, without impacting the transactional data store?</a:t>
+            </a:r>
+            <a:endParaRPr lang="en-US" sz="1200" b="1" i="0" kern="1200" dirty="0">
+              <a:solidFill>
+                <a:schemeClr val="tx1"/>
+              </a:solidFill>
+              <a:effectLst/>
+              <a:latin typeface="+mn-lt"/>
+              <a:ea typeface="+mn-ea"/>
+              <a:cs typeface="+mn-cs"/>
+            </a:endParaRPr>
+          </a:p>
+          <a:p>
+            <a:r>
+              <a:rPr lang="en-US" sz="1200" b="0" i="0" kern="1200" dirty="0">
                 <a:solidFill>
                   <a:schemeClr val="tx1"/>
                 </a:solidFill>
@@ -3561,10 +3809,38 @@
                 <a:ea typeface="+mn-ea"/>
                 <a:cs typeface="+mn-cs"/>
               </a:rPr>
-              <a:t>A more cost-effective approach to reporting is to store the summary (gold) table data in Azure Analysis Services, which you connect to from Power BI. This eliminates having to have a dedicated Databricks cluster running at all times for reporting and analysis. Azure Analysis Services is a fully managed platform as a service (PaaS) for storing your data in a tabular semantic data model. You will need to synchronize the data to your semantic models in Azure Analysis Services to keep your dashboard and reports up-to-date. This can be done as an extra step during stream processing, using rolling aggregates over a time window, or by batch processing on a schedule, using an Azure Databricks job or an orchestration service like Azure Data Factory.</a:t>
-            </a:r>
-          </a:p>
-          <a:p>
+              <a:t>- </a:t>
+            </a:r>
+            <a:r>
+              <a:rPr lang="en-US" b="0" i="0" dirty="0">
+                <a:solidFill>
+                  <a:srgbClr val="24292E"/>
+                </a:solidFill>
+                <a:effectLst/>
+                <a:latin typeface="-apple-system"/>
+              </a:rPr>
+              <a:t>Using the Azure Synapse Link for Azure Cosmos DB feature, </a:t>
+            </a:r>
+            <a:r>
+              <a:rPr lang="en-US" b="0" i="0" dirty="0" err="1">
+                <a:solidFill>
+                  <a:srgbClr val="24292E"/>
+                </a:solidFill>
+                <a:effectLst/>
+                <a:latin typeface="-apple-system"/>
+              </a:rPr>
+              <a:t>Woodgrove</a:t>
+            </a:r>
+            <a:r>
+              <a:rPr lang="en-US" b="0" i="0" dirty="0">
+                <a:solidFill>
+                  <a:srgbClr val="24292E"/>
+                </a:solidFill>
+                <a:effectLst/>
+                <a:latin typeface="-apple-system"/>
+              </a:rPr>
+              <a:t> can enable the analytical store on any container they create after enabling the feature. The analytical store is updated in near real-time and can be accessed using T-SQL through Synapse SQL Serverless (SQL on-demand) to create scripts or views.</a:t>
+            </a:r>
             <a:endParaRPr lang="en-US" sz="1200" b="0" i="0" kern="1200" dirty="0">
               <a:solidFill>
                 <a:schemeClr val="tx1"/>
@@ -3603,7 +3879,7 @@
     </p:spTree>
     <p:extLst>
       <p:ext uri="{BB962C8B-B14F-4D97-AF65-F5344CB8AC3E}">
-        <p14:creationId xmlns:p14="http://schemas.microsoft.com/office/powerpoint/2010/main" val="3743424142"/>
+        <p14:creationId xmlns:p14="http://schemas.microsoft.com/office/powerpoint/2010/main" val="2965567035"/>
       </p:ext>
     </p:extLst>
   </p:cSld>
@@ -3683,17 +3959,44 @@
               </a:rPr>
             </a:br>
             <a:r>
-              <a:rPr lang="en-US" sz="1200" b="0" kern="1200" dirty="0">
-                <a:solidFill>
-                  <a:schemeClr val="tx1"/>
+              <a:rPr lang="en-US" b="0" i="0" dirty="0">
+                <a:solidFill>
+                  <a:srgbClr val="24292E"/>
                 </a:solidFill>
                 <a:effectLst/>
-                <a:latin typeface="+mn-lt"/>
-                <a:ea typeface="+mn-ea"/>
-                <a:cs typeface="+mn-cs"/>
-              </a:rPr>
-              <a:t>Cosmos DB was created from the ground-up as a multi-model distributed database service that transparently handles the complexity of running within multiple regions around the world. Because providing data to customers around the globe is a key requirement, Cosmos DB is an ideal choice for ingesting data where it arrives and serving the data where it is requested. The change feed feature of Cosmos DB makes it useful for both storing raw transaction data as it is written, and notifying consumers, like Azure Databricks, of changes as they occur for real-time processing.</a:t>
-            </a:r>
+                <a:latin typeface="-apple-system"/>
+              </a:rPr>
+              <a:t>Cosmos DB was created from the ground-up as a distributed database service that transparently handles the complexity of running within multiple regions around the world. Because providing data to customers around the globe is a key requirement, Cosmos DB is an ideal choice for ingesting data where it arrives, and serving the data where it is requested. It's major advantage when operating at a global scale is its high concurrency with low latency and predictable results. This combination is unique to Cosmos DB and ideal for </a:t>
+            </a:r>
+            <a:r>
+              <a:rPr lang="en-US" b="0" i="0" dirty="0" err="1">
+                <a:solidFill>
+                  <a:srgbClr val="24292E"/>
+                </a:solidFill>
+                <a:effectLst/>
+                <a:latin typeface="-apple-system"/>
+              </a:rPr>
+              <a:t>Woodgrove</a:t>
+            </a:r>
+            <a:r>
+              <a:rPr lang="en-US" b="0" i="0" dirty="0">
+                <a:solidFill>
+                  <a:srgbClr val="24292E"/>
+                </a:solidFill>
+                <a:effectLst/>
+                <a:latin typeface="-apple-system"/>
+              </a:rPr>
+              <a:t> Bank's needs. The change feed feature of Cosmos DB makes it useful for both storing raw transaction data as it is written, and notifying consumers, like Azure Synapse Analytics, of changes as they occur for real-time processing.</a:t>
+            </a:r>
+            <a:endParaRPr lang="en-US" sz="1200" b="0" kern="1200" dirty="0">
+              <a:solidFill>
+                <a:schemeClr val="tx1"/>
+              </a:solidFill>
+              <a:effectLst/>
+              <a:latin typeface="+mn-lt"/>
+              <a:ea typeface="+mn-ea"/>
+              <a:cs typeface="+mn-cs"/>
+            </a:endParaRPr>
           </a:p>
         </p:txBody>
       </p:sp>
@@ -3803,17 +4106,67 @@
               </a:rPr>
             </a:br>
             <a:r>
-              <a:rPr lang="en-US" sz="1200" b="0" kern="1200" dirty="0">
-                <a:solidFill>
-                  <a:schemeClr val="tx1"/>
+              <a:rPr lang="en-US" b="0" i="0" dirty="0">
+                <a:solidFill>
+                  <a:srgbClr val="24292E"/>
                 </a:solidFill>
                 <a:effectLst/>
-                <a:latin typeface="+mn-lt"/>
-                <a:ea typeface="+mn-ea"/>
-                <a:cs typeface="+mn-cs"/>
-              </a:rPr>
-              <a:t>Yes, the `azure-cosmosdb-spark` connector can be used to read and write to Cosmos DB, and is also capable of using the change feed to react to events as the occur. Visit &lt;https://github.com/Azure/azure-cosmosdb-spark&gt; to learn how to use the connector and to access sample code.</a:t>
-            </a:r>
+                <a:latin typeface="-apple-system"/>
+              </a:rPr>
+              <a:t>Yes, the </a:t>
+            </a:r>
+            <a:r>
+              <a:rPr lang="en-US" dirty="0"/>
+              <a:t>azure-</a:t>
+            </a:r>
+            <a:r>
+              <a:rPr lang="en-US" dirty="0" err="1"/>
+              <a:t>cosmosdb</a:t>
+            </a:r>
+            <a:r>
+              <a:rPr lang="en-US" dirty="0"/>
+              <a:t>-spark</a:t>
+            </a:r>
+            <a:r>
+              <a:rPr lang="en-US" b="0" i="0" dirty="0">
+                <a:solidFill>
+                  <a:srgbClr val="24292E"/>
+                </a:solidFill>
+                <a:effectLst/>
+                <a:latin typeface="-apple-system"/>
+              </a:rPr>
+              <a:t> connector can be used to read and write to Cosmos DB, and is also capable of using the change feed to react to events as they occur. Visit </a:t>
+            </a:r>
+            <a:r>
+              <a:rPr lang="en-US" b="0" i="0" u="none" strike="noStrike" dirty="0">
+                <a:solidFill>
+                  <a:srgbClr val="0366D6"/>
+                </a:solidFill>
+                <a:effectLst/>
+                <a:latin typeface="-apple-system"/>
+                <a:hlinkClick r:id="rId3"/>
+              </a:rPr>
+              <a:t>https://github.com/Azure/azure-cosmosdb-spark</a:t>
+            </a:r>
+            <a:r>
+              <a:rPr lang="en-US" b="0" i="0" dirty="0">
+                <a:solidFill>
+                  <a:srgbClr val="24292E"/>
+                </a:solidFill>
+                <a:effectLst/>
+                <a:latin typeface="-apple-system"/>
+              </a:rPr>
+              <a:t> to learn how to use the connector and to access sample code. When using Azure Synapse Analytics, you can seamlessly access Cosmos DB from Synapse Notebooks after you create a Cosmos DB Linked Service. The Azure Synapse Link for Azure Cosmos DB feature adds further capability by providing access to the analytical store from within Synapse Analytics.</a:t>
+            </a:r>
+            <a:endParaRPr lang="en-US" sz="1200" b="0" kern="1200" dirty="0">
+              <a:solidFill>
+                <a:schemeClr val="tx1"/>
+              </a:solidFill>
+              <a:effectLst/>
+              <a:latin typeface="+mn-lt"/>
+              <a:ea typeface="+mn-ea"/>
+              <a:cs typeface="+mn-cs"/>
+            </a:endParaRPr>
           </a:p>
           <a:p>
             <a:endParaRPr lang="en-US" dirty="0"/>
@@ -3926,17 +4279,64 @@
           </a:p>
           <a:p>
             <a:r>
-              <a:rPr lang="en-US" sz="1200" b="0" i="0" kern="1200" dirty="0">
-                <a:solidFill>
-                  <a:schemeClr val="tx1"/>
+              <a:rPr lang="en-US" b="0" i="0" dirty="0">
+                <a:solidFill>
+                  <a:srgbClr val="24292E"/>
                 </a:solidFill>
                 <a:effectLst/>
-                <a:latin typeface="+mn-lt"/>
-                <a:ea typeface="+mn-ea"/>
-                <a:cs typeface="+mn-cs"/>
-              </a:rPr>
-              <a:t>The typical approach to model training involves a time-consuming process trying dozens or even hundreds of combinations. Data scientists often try different ways of normalizing the data, different algorithms and different settings for those algorithms (hyperparameters). Data scientists will often setup a grid-search approach that will run multiple independent tests using differing combinations, measuring the performance of each and choosing the combination that provides the best results according to some performance metrics they select. With Azure Machine Learning AutoML, this search process is automated, and greatly simplifies the setup to try the typical combinations and quickly identify the best performing model against a user-selected performance metric. AutoML is used via the Azure Machine Learning Python SDK and can be utilized within Azure Databricks notebooks.</a:t>
-            </a:r>
+                <a:latin typeface="-apple-system"/>
+              </a:rPr>
+              <a:t>The typical approach to model training involves a time-consuming process trying dozens or even hundreds of combinations. Data scientists often try different ways of normalizing the data, different algorithms and different settings for those algorithms (hyperparameters). Data scientists will often setup a grid-search approach that will run multiple independent tests using differing combinations, measuring the performance of each and choosing the combination that provides the best results according to some performance metrics they select. With Azure Machine Learning </a:t>
+            </a:r>
+            <a:r>
+              <a:rPr lang="en-US" b="0" i="0" dirty="0" err="1">
+                <a:solidFill>
+                  <a:srgbClr val="24292E"/>
+                </a:solidFill>
+                <a:effectLst/>
+                <a:latin typeface="-apple-system"/>
+              </a:rPr>
+              <a:t>AutoML</a:t>
+            </a:r>
+            <a:r>
+              <a:rPr lang="en-US" b="0" i="0" dirty="0">
+                <a:solidFill>
+                  <a:srgbClr val="24292E"/>
+                </a:solidFill>
+                <a:effectLst/>
+                <a:latin typeface="-apple-system"/>
+              </a:rPr>
+              <a:t>, this search process is automated, and greatly simplifies the setup to try the typical combinations and quickly identify the best performing model against a user-selected performance metric. </a:t>
+            </a:r>
+            <a:r>
+              <a:rPr lang="en-US" b="0" i="0" dirty="0" err="1">
+                <a:solidFill>
+                  <a:srgbClr val="24292E"/>
+                </a:solidFill>
+                <a:effectLst/>
+                <a:latin typeface="-apple-system"/>
+              </a:rPr>
+              <a:t>AutoML</a:t>
+            </a:r>
+            <a:r>
+              <a:rPr lang="en-US" b="0" i="0" dirty="0">
+                <a:solidFill>
+                  <a:srgbClr val="24292E"/>
+                </a:solidFill>
+                <a:effectLst/>
+                <a:latin typeface="-apple-system"/>
+              </a:rPr>
+              <a:t> is used via the Azure Machine Learning Python SDK and can be utilized within Azure Machine Learning notebooks.</a:t>
+            </a:r>
+            <a:endParaRPr lang="en-US" sz="1200" b="0" i="0" kern="1200" dirty="0">
+              <a:solidFill>
+                <a:schemeClr val="tx1"/>
+              </a:solidFill>
+              <a:effectLst/>
+              <a:latin typeface="+mn-lt"/>
+              <a:ea typeface="+mn-ea"/>
+              <a:cs typeface="+mn-cs"/>
+            </a:endParaRPr>
           </a:p>
         </p:txBody>
       </p:sp>
@@ -4194,6 +4594,90 @@
             </a:r>
           </a:p>
           <a:p>
+            <a:endParaRPr lang="en-US" sz="1200" b="0" kern="1200" dirty="0">
+              <a:solidFill>
+                <a:schemeClr val="tx1"/>
+              </a:solidFill>
+              <a:effectLst/>
+              <a:latin typeface="+mn-lt"/>
+              <a:ea typeface="+mn-ea"/>
+              <a:cs typeface="+mn-cs"/>
+            </a:endParaRPr>
+          </a:p>
+          <a:p>
+            <a:r>
+              <a:rPr lang="en-US" b="0" i="0" dirty="0">
+                <a:solidFill>
+                  <a:srgbClr val="24292E"/>
+                </a:solidFill>
+                <a:effectLst/>
+                <a:latin typeface="-apple-system"/>
+              </a:rPr>
+              <a:t>Another option is to use the </a:t>
+            </a:r>
+            <a:r>
+              <a:rPr lang="en-US" b="0" i="0" u="none" strike="noStrike" dirty="0" err="1">
+                <a:solidFill>
+                  <a:srgbClr val="0366D6"/>
+                </a:solidFill>
+                <a:effectLst/>
+                <a:latin typeface="-apple-system"/>
+                <a:hlinkClick r:id="rId3"/>
+              </a:rPr>
+              <a:t>autoscale</a:t>
+            </a:r>
+            <a:r>
+              <a:rPr lang="en-US" b="0" i="0" u="none" strike="noStrike" dirty="0">
+                <a:solidFill>
+                  <a:srgbClr val="0366D6"/>
+                </a:solidFill>
+                <a:effectLst/>
+                <a:latin typeface="-apple-system"/>
+                <a:hlinkClick r:id="rId3"/>
+              </a:rPr>
+              <a:t> throughput feature</a:t>
+            </a:r>
+            <a:r>
+              <a:rPr lang="en-US" b="0" i="0" dirty="0">
+                <a:solidFill>
+                  <a:srgbClr val="24292E"/>
+                </a:solidFill>
+                <a:effectLst/>
+                <a:latin typeface="-apple-system"/>
+              </a:rPr>
+              <a:t> on containers and databases. With </a:t>
+            </a:r>
+            <a:r>
+              <a:rPr lang="en-US" b="0" i="0" dirty="0" err="1">
+                <a:solidFill>
+                  <a:srgbClr val="24292E"/>
+                </a:solidFill>
+                <a:effectLst/>
+                <a:latin typeface="-apple-system"/>
+              </a:rPr>
+              <a:t>autoscale</a:t>
+            </a:r>
+            <a:r>
+              <a:rPr lang="en-US" b="0" i="0" dirty="0">
+                <a:solidFill>
+                  <a:srgbClr val="24292E"/>
+                </a:solidFill>
+                <a:effectLst/>
+                <a:latin typeface="-apple-system"/>
+              </a:rPr>
+              <a:t>, Azure Cosmos DB automatically and instantly scales the throughput (RU/s) of your database or container based on usage, without impacting the availability, latency, throughput, or performance of the workload.</a:t>
+            </a:r>
+            <a:endParaRPr lang="en-US" sz="1200" b="0" kern="1200" dirty="0">
+              <a:solidFill>
+                <a:schemeClr val="tx1"/>
+              </a:solidFill>
+              <a:effectLst/>
+              <a:latin typeface="+mn-lt"/>
+              <a:ea typeface="+mn-ea"/>
+              <a:cs typeface="+mn-cs"/>
+            </a:endParaRPr>
+          </a:p>
+          <a:p>
             <a:br>
               <a:rPr lang="en-US" sz="1200" b="0" kern="1200" dirty="0">
                 <a:solidFill>
@@ -4217,6 +4701,38 @@
               </a:rPr>
               <a:t>Cosmos DB also offers flexible time-to-live (TTL) that can be set at the collection-level or on individual documents. This value tells Cosmos DB to expire, or delete, a document after a certain amount of seconds. This value can be set to as little as one second, or months into the future. As a result, you can save storage costs for records that are no longer needed. The flexibility of setting TTL at the collection or record-level is a unique characteristic of Cosmos DB.</a:t>
             </a:r>
+          </a:p>
+          <a:p>
+            <a:endParaRPr lang="en-US" sz="1200" b="0" kern="1200" dirty="0">
+              <a:solidFill>
+                <a:schemeClr val="tx1"/>
+              </a:solidFill>
+              <a:effectLst/>
+              <a:latin typeface="+mn-lt"/>
+              <a:ea typeface="+mn-ea"/>
+              <a:cs typeface="+mn-cs"/>
+            </a:endParaRPr>
+          </a:p>
+          <a:p>
+            <a:r>
+              <a:rPr lang="en-US" b="0" i="0" dirty="0">
+                <a:solidFill>
+                  <a:srgbClr val="24292E"/>
+                </a:solidFill>
+                <a:effectLst/>
+                <a:latin typeface="-apple-system"/>
+              </a:rPr>
+              <a:t>If you plan on using Cosmos DB for analytical queries, you should use the Azure Synapse Link for Azure Cosmos DB feature. This feature allows you to use an analytical store for your containers. With this configuration, all transactional data is automatically stored in a fully isolated column store. This store enables large-scale analytics against the operational data in Azure Cosmos DB, without impacting the transactional workloads or incurring resource unit (RU) costs.</a:t>
+            </a:r>
+            <a:endParaRPr lang="en-US" sz="1200" b="0" kern="1200" dirty="0">
+              <a:solidFill>
+                <a:schemeClr val="tx1"/>
+              </a:solidFill>
+              <a:effectLst/>
+              <a:latin typeface="+mn-lt"/>
+              <a:ea typeface="+mn-ea"/>
+              <a:cs typeface="+mn-cs"/>
+            </a:endParaRPr>
           </a:p>
           <a:p>
             <a:br>
@@ -4472,7 +4988,7 @@
                   <a:prstClr val="black"/>
                 </a:solidFill>
               </a:rPr>
-              <a:t>9/28/2020 2:43 PM</a:t>
+              <a:t>9/28/2020 6:45 PM</a:t>
             </a:fld>
             <a:endParaRPr lang="en-US" dirty="0">
               <a:solidFill>
@@ -5000,79 +5516,84 @@
           <a:bodyPr/>
           <a:lstStyle/>
           <a:p>
-            <a:pPr marL="171450" indent="-171450">
+            <a:pPr marL="171450" indent="-171450" algn="l">
               <a:buFont typeface="Arial" panose="020B0604020202020204" pitchFamily="34" charset="0"/>
               <a:buChar char="•"/>
             </a:pPr>
             <a:r>
-              <a:rPr lang="en-US" sz="1200" b="0" i="0" kern="1200" dirty="0">
-                <a:solidFill>
-                  <a:schemeClr val="tx1"/>
+              <a:rPr lang="en-US" b="0" i="0" dirty="0">
+                <a:solidFill>
+                  <a:srgbClr val="24292E"/>
                 </a:solidFill>
                 <a:effectLst/>
-                <a:latin typeface="+mn-lt"/>
-                <a:ea typeface="+mn-ea"/>
-                <a:cs typeface="+mn-cs"/>
+                <a:latin typeface="-apple-system"/>
               </a:rPr>
               <a:t>Need to provide fraud detection services to our merchant customers, using incoming payment transaction data to provide early warning of fraudulent activity.</a:t>
             </a:r>
           </a:p>
           <a:p>
-            <a:pPr marL="171450" indent="-171450">
+            <a:pPr marL="171450" indent="-171450" algn="l">
               <a:buFont typeface="Arial" panose="020B0604020202020204" pitchFamily="34" charset="0"/>
               <a:buChar char="•"/>
             </a:pPr>
             <a:r>
-              <a:rPr lang="en-US" sz="1200" b="0" i="0" kern="1200" dirty="0">
-                <a:solidFill>
-                  <a:schemeClr val="tx1"/>
+              <a:rPr lang="en-US" b="0" i="0" dirty="0">
+                <a:solidFill>
+                  <a:srgbClr val="24292E"/>
                 </a:solidFill>
                 <a:effectLst/>
-                <a:latin typeface="+mn-lt"/>
-                <a:ea typeface="+mn-ea"/>
-                <a:cs typeface="+mn-cs"/>
-              </a:rPr>
-              <a:t>We would like to schedule offline scoring of “suspicious activity” using our trained model and make that data globally available in regions closest to our customers through our web applications.</a:t>
-            </a:r>
-          </a:p>
-          <a:p>
-            <a:pPr marL="171450" indent="-171450">
+                <a:latin typeface="-apple-system"/>
+              </a:rPr>
+              <a:t>We would like to schedule offline scoring of “suspicious activity” using our trained model to create aggregates showing statistics around detected fraudulent activity, and make that data globally available in regions closest to our customers through our web applications.</a:t>
+            </a:r>
+          </a:p>
+          <a:p>
+            <a:pPr marL="171450" indent="-171450" algn="l">
               <a:buFont typeface="Arial" panose="020B0604020202020204" pitchFamily="34" charset="0"/>
               <a:buChar char="•"/>
             </a:pPr>
             <a:r>
-              <a:rPr lang="en-US" sz="1200" b="0" i="0" kern="1200" dirty="0">
-                <a:solidFill>
-                  <a:schemeClr val="tx1"/>
+              <a:rPr lang="en-US" b="0" i="0" dirty="0">
+                <a:solidFill>
+                  <a:srgbClr val="24292E"/>
                 </a:solidFill>
                 <a:effectLst/>
-                <a:latin typeface="+mn-lt"/>
-                <a:ea typeface="+mn-ea"/>
-                <a:cs typeface="+mn-cs"/>
-              </a:rPr>
-              <a:t>We want to be to analyze all transactions over time, so we need to be able to store data from streaming sources into long-term storage, without interfering with jobs reading the data set.</a:t>
-            </a:r>
-          </a:p>
-          <a:p>
-            <a:pPr marL="171450" indent="-171450">
+                <a:latin typeface="-apple-system"/>
+              </a:rPr>
+              <a:t>For all transactions flowing through our system, we want to use our trained model to make near real-time predictions of fraudulent activity.</a:t>
+            </a:r>
+          </a:p>
+          <a:p>
+            <a:pPr marL="171450" indent="-171450" algn="l">
               <a:buFont typeface="Arial" panose="020B0604020202020204" pitchFamily="34" charset="0"/>
               <a:buChar char="•"/>
             </a:pPr>
             <a:r>
-              <a:rPr lang="en-US" sz="1200" b="0" i="0" kern="1200" dirty="0">
-                <a:solidFill>
-                  <a:schemeClr val="tx1"/>
+              <a:rPr lang="en-US" b="0" i="0" dirty="0">
+                <a:solidFill>
+                  <a:srgbClr val="24292E"/>
                 </a:solidFill>
                 <a:effectLst/>
-                <a:latin typeface="+mn-lt"/>
-                <a:ea typeface="+mn-ea"/>
-                <a:cs typeface="+mn-cs"/>
+                <a:latin typeface="-apple-system"/>
+              </a:rPr>
+              <a:t>We want the ability to analyze all transactions over time, so we need to be able to store data from transaction sources into long-term storage, without interfering with jobs reading the data set.</a:t>
+            </a:r>
+          </a:p>
+          <a:p>
+            <a:pPr marL="171450" indent="-171450" algn="l">
+              <a:buFont typeface="Arial" panose="020B0604020202020204" pitchFamily="34" charset="0"/>
+              <a:buChar char="•"/>
+            </a:pPr>
+            <a:r>
+              <a:rPr lang="en-US" b="0" i="0" dirty="0">
+                <a:solidFill>
+                  <a:srgbClr val="24292E"/>
+                </a:solidFill>
+                <a:effectLst/>
+                <a:latin typeface="-apple-system"/>
               </a:rPr>
               <a:t>We would like to use a standard platform that supports our near-term data pipeline needs while providing a long-term standard for data science, data engineering, and development.</a:t>
             </a:r>
-          </a:p>
-          <a:p>
-            <a:endParaRPr lang="en-US" dirty="0"/>
           </a:p>
         </p:txBody>
       </p:sp>
@@ -19319,6 +19840,308 @@
         </p:nvSpPr>
         <p:spPr>
           <a:xfrm>
+            <a:off x="269239" y="1189177"/>
+            <a:ext cx="9508867" cy="5432182"/>
+          </a:xfrm>
+        </p:spPr>
+        <p:txBody>
+          <a:bodyPr>
+            <a:normAutofit/>
+          </a:bodyPr>
+          <a:lstStyle/>
+          <a:p>
+            <a:pPr marL="0" indent="0">
+              <a:buNone/>
+            </a:pPr>
+            <a:r>
+              <a:rPr lang="en-US" sz="3600" dirty="0">
+                <a:solidFill>
+                  <a:schemeClr val="tx1"/>
+                </a:solidFill>
+              </a:rPr>
+              <a:t>Globally distributed data</a:t>
+            </a:r>
+            <a:endParaRPr lang="en-US" sz="3600" dirty="0">
+              <a:solidFill>
+                <a:schemeClr val="tx1"/>
+              </a:solidFill>
+              <a:latin typeface="+mj-lt"/>
+            </a:endParaRPr>
+          </a:p>
+          <a:p>
+            <a:pPr marL="336145" lvl="1" indent="0">
+              <a:buNone/>
+            </a:pPr>
+            <a:endParaRPr lang="en-US" sz="2800" dirty="0">
+              <a:solidFill>
+                <a:schemeClr val="tx1"/>
+              </a:solidFill>
+              <a:latin typeface="Segoe UI Semilight" panose="020B0402040204020203" pitchFamily="34" charset="0"/>
+              <a:cs typeface="Segoe UI Semilight" panose="020B0402040204020203" pitchFamily="34" charset="0"/>
+            </a:endParaRPr>
+          </a:p>
+          <a:p>
+            <a:pPr lvl="1"/>
+            <a:r>
+              <a:rPr lang="en-US" sz="2800" dirty="0">
+                <a:solidFill>
+                  <a:schemeClr val="tx1"/>
+                </a:solidFill>
+                <a:latin typeface="Segoe UI Semilight" panose="020B0402040204020203" pitchFamily="34" charset="0"/>
+                <a:cs typeface="Segoe UI Semilight" panose="020B0402040204020203" pitchFamily="34" charset="0"/>
+              </a:rPr>
+              <a:t>Use Azure Synapse Link for Cosmos DB to enable the analytical store on their containers.</a:t>
+            </a:r>
+          </a:p>
+          <a:p>
+            <a:pPr lvl="1"/>
+            <a:r>
+              <a:rPr lang="en-US" sz="2800" dirty="0">
+                <a:solidFill>
+                  <a:schemeClr val="tx1"/>
+                </a:solidFill>
+                <a:latin typeface="Segoe UI Semilight" panose="020B0402040204020203" pitchFamily="34" charset="0"/>
+                <a:cs typeface="Segoe UI Semilight" panose="020B0402040204020203" pitchFamily="34" charset="0"/>
+              </a:rPr>
+              <a:t>All transactional data automatically stored in a fully isolated column store that enables large-scale analytics without impacting the transactional workloads (no RU cost)</a:t>
+            </a:r>
+          </a:p>
+          <a:p>
+            <a:pPr lvl="1"/>
+            <a:r>
+              <a:rPr lang="en-US" sz="2800" dirty="0">
+                <a:solidFill>
+                  <a:schemeClr val="tx1"/>
+                </a:solidFill>
+                <a:latin typeface="Segoe UI Semilight" panose="020B0402040204020203" pitchFamily="34" charset="0"/>
+                <a:cs typeface="Segoe UI Semilight" panose="020B0402040204020203" pitchFamily="34" charset="0"/>
+              </a:rPr>
+              <a:t>Efficiently query the analytical store from Synapse Analytics through Synapse Spark notebooks or T-SQL scripts with Synapse SQL Serverless (SQL on-demand)</a:t>
+            </a:r>
+          </a:p>
+          <a:p>
+            <a:pPr marL="0" indent="0">
+              <a:spcAft>
+                <a:spcPts val="882"/>
+              </a:spcAft>
+              <a:buNone/>
+            </a:pPr>
+            <a:endParaRPr lang="en-US" sz="1800" dirty="0">
+              <a:solidFill>
+                <a:schemeClr val="tx1"/>
+              </a:solidFill>
+            </a:endParaRPr>
+          </a:p>
+        </p:txBody>
+      </p:sp>
+      <p:pic>
+        <p:nvPicPr>
+          <p:cNvPr id="16" name="Picture 15" descr="Document Database icon">
+            <a:extLst>
+              <a:ext uri="{FF2B5EF4-FFF2-40B4-BE49-F238E27FC236}">
+                <a16:creationId xmlns:a16="http://schemas.microsoft.com/office/drawing/2014/main" id="{3480198F-CCBB-4F09-B649-3DEB43376521}"/>
+              </a:ext>
+            </a:extLst>
+          </p:cNvPr>
+          <p:cNvPicPr>
+            <a:picLocks noChangeAspect="1"/>
+          </p:cNvPicPr>
+          <p:nvPr/>
+        </p:nvPicPr>
+        <p:blipFill>
+          <a:blip r:embed="rId3" cstate="print">
+            <a:biLevel thresh="25000"/>
+            <a:extLst>
+              <a:ext uri="{28A0092B-C50C-407E-A947-70E740481C1C}">
+                <a14:useLocalDpi xmlns:a14="http://schemas.microsoft.com/office/drawing/2010/main" val="0"/>
+              </a:ext>
+            </a:extLst>
+          </a:blip>
+          <a:stretch>
+            <a:fillRect/>
+          </a:stretch>
+        </p:blipFill>
+        <p:spPr>
+          <a:xfrm>
+            <a:off x="10628591" y="5218892"/>
+            <a:ext cx="899665" cy="899665"/>
+          </a:xfrm>
+          <a:prstGeom prst="rect">
+            <a:avLst/>
+          </a:prstGeom>
+        </p:spPr>
+      </p:pic>
+      <p:pic>
+        <p:nvPicPr>
+          <p:cNvPr id="5" name="Graphic 4" descr="Globe icon">
+            <a:extLst>
+              <a:ext uri="{FF2B5EF4-FFF2-40B4-BE49-F238E27FC236}">
+                <a16:creationId xmlns:a16="http://schemas.microsoft.com/office/drawing/2014/main" id="{574ED60D-80C1-437D-B88E-817EF35A158A}"/>
+              </a:ext>
+            </a:extLst>
+          </p:cNvPr>
+          <p:cNvPicPr>
+            <a:picLocks noChangeAspect="1"/>
+          </p:cNvPicPr>
+          <p:nvPr/>
+        </p:nvPicPr>
+        <p:blipFill>
+          <a:blip r:embed="rId4">
+            <a:extLst>
+              <a:ext uri="{28A0092B-C50C-407E-A947-70E740481C1C}">
+                <a14:useLocalDpi xmlns:a14="http://schemas.microsoft.com/office/drawing/2010/main" val="0"/>
+              </a:ext>
+              <a:ext uri="{96DAC541-7B7A-43D3-8B79-37D633B846F1}">
+                <asvg:svgBlip xmlns:asvg="http://schemas.microsoft.com/office/drawing/2016/SVG/main" r:embed="rId5"/>
+              </a:ext>
+            </a:extLst>
+          </a:blip>
+          <a:stretch>
+            <a:fillRect/>
+          </a:stretch>
+        </p:blipFill>
+        <p:spPr>
+          <a:xfrm>
+            <a:off x="10613856" y="2514601"/>
+            <a:ext cx="914399" cy="914399"/>
+          </a:xfrm>
+          <a:prstGeom prst="rect">
+            <a:avLst/>
+          </a:prstGeom>
+        </p:spPr>
+      </p:pic>
+      <p:pic>
+        <p:nvPicPr>
+          <p:cNvPr id="7" name="Graphic 6" descr="Gauge icon">
+            <a:extLst>
+              <a:ext uri="{FF2B5EF4-FFF2-40B4-BE49-F238E27FC236}">
+                <a16:creationId xmlns:a16="http://schemas.microsoft.com/office/drawing/2014/main" id="{DF36436B-E4B7-4DA5-878F-25E07CD2381F}"/>
+              </a:ext>
+            </a:extLst>
+          </p:cNvPr>
+          <p:cNvPicPr>
+            <a:picLocks noChangeAspect="1"/>
+          </p:cNvPicPr>
+          <p:nvPr/>
+        </p:nvPicPr>
+        <p:blipFill>
+          <a:blip r:embed="rId6">
+            <a:extLst>
+              <a:ext uri="{28A0092B-C50C-407E-A947-70E740481C1C}">
+                <a14:useLocalDpi xmlns:a14="http://schemas.microsoft.com/office/drawing/2010/main" val="0"/>
+              </a:ext>
+              <a:ext uri="{96DAC541-7B7A-43D3-8B79-37D633B846F1}">
+                <asvg:svgBlip xmlns:asvg="http://schemas.microsoft.com/office/drawing/2016/SVG/main" r:embed="rId7"/>
+              </a:ext>
+            </a:extLst>
+          </a:blip>
+          <a:stretch>
+            <a:fillRect/>
+          </a:stretch>
+        </p:blipFill>
+        <p:spPr>
+          <a:xfrm>
+            <a:off x="10613856" y="3770940"/>
+            <a:ext cx="914400" cy="914400"/>
+          </a:xfrm>
+          <a:prstGeom prst="rect">
+            <a:avLst/>
+          </a:prstGeom>
+        </p:spPr>
+      </p:pic>
+    </p:spTree>
+    <p:extLst>
+      <p:ext uri="{BB962C8B-B14F-4D97-AF65-F5344CB8AC3E}">
+        <p14:creationId xmlns:p14="http://schemas.microsoft.com/office/powerpoint/2010/main" val="2811327563"/>
+      </p:ext>
+    </p:extLst>
+  </p:cSld>
+  <p:clrMapOvr>
+    <a:masterClrMapping/>
+  </p:clrMapOvr>
+  <mc:AlternateContent xmlns:mc="http://schemas.openxmlformats.org/markup-compatibility/2006">
+    <mc:Choice xmlns:p14="http://schemas.microsoft.com/office/powerpoint/2010/main" Requires="p14">
+      <p:transition p14:dur="0"/>
+    </mc:Choice>
+    <mc:Fallback>
+      <p:transition/>
+    </mc:Fallback>
+  </mc:AlternateContent>
+</p:sld>
+</file>
+
+<file path=ppt/slides/slide18.xml><?xml version="1.0" encoding="utf-8"?>
+<p:sld xmlns:a="http://schemas.openxmlformats.org/drawingml/2006/main" xmlns:r="http://schemas.openxmlformats.org/officeDocument/2006/relationships" xmlns:p="http://schemas.openxmlformats.org/presentationml/2006/main">
+  <p:cSld>
+    <p:spTree>
+      <p:nvGrpSpPr>
+        <p:cNvPr id="1" name=""/>
+        <p:cNvGrpSpPr/>
+        <p:nvPr/>
+      </p:nvGrpSpPr>
+      <p:grpSpPr>
+        <a:xfrm>
+          <a:off x="0" y="0"/>
+          <a:ext cx="0" cy="0"/>
+          <a:chOff x="0" y="0"/>
+          <a:chExt cx="0" cy="0"/>
+        </a:xfrm>
+      </p:grpSpPr>
+      <p:sp>
+        <p:nvSpPr>
+          <p:cNvPr id="2" name="Title 1"/>
+          <p:cNvSpPr>
+            <a:spLocks noGrp="1"/>
+          </p:cNvSpPr>
+          <p:nvPr>
+            <p:ph type="title"/>
+          </p:nvPr>
+        </p:nvSpPr>
+        <p:spPr/>
+        <p:txBody>
+          <a:bodyPr>
+            <a:normAutofit fontScale="90000"/>
+          </a:bodyPr>
+          <a:lstStyle/>
+          <a:p>
+            <a:r>
+              <a:rPr lang="en-US" sz="4900" dirty="0">
+                <a:solidFill>
+                  <a:schemeClr val="tx1"/>
+                </a:solidFill>
+                <a:cs typeface="Segoe UI" panose="020B0502040204020203" pitchFamily="34" charset="0"/>
+              </a:rPr>
+              <a:t>Preferred solution</a:t>
+            </a:r>
+            <a:br>
+              <a:rPr lang="en-US" dirty="0">
+                <a:solidFill>
+                  <a:schemeClr val="tx1"/>
+                </a:solidFill>
+                <a:latin typeface="Segoe UI" panose="020B0502040204020203" pitchFamily="34" charset="0"/>
+              </a:rPr>
+            </a:br>
+            <a:endParaRPr lang="en-US" sz="3236" dirty="0">
+              <a:solidFill>
+                <a:schemeClr val="tx1"/>
+              </a:solidFill>
+              <a:latin typeface="Segoe UI" panose="020B0502040204020203" pitchFamily="34" charset="0"/>
+            </a:endParaRPr>
+          </a:p>
+        </p:txBody>
+      </p:sp>
+      <p:sp>
+        <p:nvSpPr>
+          <p:cNvPr id="3" name="Content Placeholder 2" descr="Document Database icon" title="Document Database icon"/>
+          <p:cNvSpPr>
+            <a:spLocks noGrp="1"/>
+          </p:cNvSpPr>
+          <p:nvPr>
+            <p:ph type="body" sz="quarter" idx="10"/>
+          </p:nvPr>
+        </p:nvSpPr>
+        <p:spPr>
+          <a:xfrm>
             <a:off x="269240" y="1189177"/>
             <a:ext cx="9904422" cy="5432182"/>
           </a:xfrm>
@@ -19549,7 +20372,7 @@
 </p:sld>
 </file>
 
-<file path=ppt/slides/slide18.xml><?xml version="1.0" encoding="utf-8"?>
+<file path=ppt/slides/slide19.xml><?xml version="1.0" encoding="utf-8"?>
 <p:sld xmlns:a="http://schemas.openxmlformats.org/drawingml/2006/main" xmlns:r="http://schemas.openxmlformats.org/officeDocument/2006/relationships" xmlns:p="http://schemas.openxmlformats.org/presentationml/2006/main">
   <p:cSld>
     <p:spTree>
@@ -19827,7 +20650,182 @@
 </p:sld>
 </file>
 
-<file path=ppt/slides/slide19.xml><?xml version="1.0" encoding="utf-8"?>
+<file path=ppt/slides/slide2.xml><?xml version="1.0" encoding="utf-8"?>
+<p:sld xmlns:a="http://schemas.openxmlformats.org/drawingml/2006/main" xmlns:r="http://schemas.openxmlformats.org/officeDocument/2006/relationships" xmlns:p="http://schemas.openxmlformats.org/presentationml/2006/main">
+  <p:cSld>
+    <p:bg>
+      <p:bgPr>
+        <a:solidFill>
+          <a:schemeClr val="bg2"/>
+        </a:solidFill>
+        <a:effectLst/>
+      </p:bgPr>
+    </p:bg>
+    <p:spTree>
+      <p:nvGrpSpPr>
+        <p:cNvPr id="1" name=""/>
+        <p:cNvGrpSpPr/>
+        <p:nvPr/>
+      </p:nvGrpSpPr>
+      <p:grpSpPr>
+        <a:xfrm>
+          <a:off x="0" y="0"/>
+          <a:ext cx="0" cy="0"/>
+          <a:chOff x="0" y="0"/>
+          <a:chExt cx="0" cy="0"/>
+        </a:xfrm>
+      </p:grpSpPr>
+      <p:sp>
+        <p:nvSpPr>
+          <p:cNvPr id="2" name="Title 1"/>
+          <p:cNvSpPr>
+            <a:spLocks noGrp="1"/>
+          </p:cNvSpPr>
+          <p:nvPr>
+            <p:ph type="title"/>
+          </p:nvPr>
+        </p:nvSpPr>
+        <p:spPr/>
+        <p:txBody>
+          <a:bodyPr>
+            <a:normAutofit/>
+          </a:bodyPr>
+          <a:lstStyle/>
+          <a:p>
+            <a:r>
+              <a:rPr lang="en-US" sz="4400" dirty="0">
+                <a:solidFill>
+                  <a:schemeClr val="tx1"/>
+                </a:solidFill>
+                <a:latin typeface="Segoe UI Light" panose="020B0502040204020203" pitchFamily="34" charset="0"/>
+                <a:cs typeface="Segoe UI Light" panose="020B0502040204020203" pitchFamily="34" charset="0"/>
+              </a:rPr>
+              <a:t>Abstract and learning objectives</a:t>
+            </a:r>
+          </a:p>
+        </p:txBody>
+      </p:sp>
+      <p:pic>
+        <p:nvPicPr>
+          <p:cNvPr id="4" name="Graphic 3" descr="Teacher icon">
+            <a:extLst>
+              <a:ext uri="{FF2B5EF4-FFF2-40B4-BE49-F238E27FC236}">
+                <a16:creationId xmlns:a16="http://schemas.microsoft.com/office/drawing/2014/main" id="{9C3F82EB-6551-4435-B752-1DF4ADF2E21E}"/>
+              </a:ext>
+            </a:extLst>
+          </p:cNvPr>
+          <p:cNvPicPr>
+            <a:picLocks noChangeAspect="1"/>
+          </p:cNvPicPr>
+          <p:nvPr/>
+        </p:nvPicPr>
+        <p:blipFill>
+          <a:blip r:embed="rId3">
+            <a:extLst>
+              <a:ext uri="{28A0092B-C50C-407E-A947-70E740481C1C}">
+                <a14:useLocalDpi xmlns:a14="http://schemas.microsoft.com/office/drawing/2010/main" val="0"/>
+              </a:ext>
+              <a:ext uri="{96DAC541-7B7A-43D3-8B79-37D633B846F1}">
+                <asvg:svgBlip xmlns:asvg="http://schemas.microsoft.com/office/drawing/2016/SVG/main" r:embed="rId4"/>
+              </a:ext>
+            </a:extLst>
+          </a:blip>
+          <a:stretch>
+            <a:fillRect/>
+          </a:stretch>
+        </p:blipFill>
+        <p:spPr>
+          <a:xfrm>
+            <a:off x="8370276" y="1568308"/>
+            <a:ext cx="3199567" cy="3199567"/>
+          </a:xfrm>
+          <a:prstGeom prst="rect">
+            <a:avLst/>
+          </a:prstGeom>
+        </p:spPr>
+      </p:pic>
+      <p:sp>
+        <p:nvSpPr>
+          <p:cNvPr id="5" name="TextBox 4">
+            <a:extLst>
+              <a:ext uri="{FF2B5EF4-FFF2-40B4-BE49-F238E27FC236}">
+                <a16:creationId xmlns:a16="http://schemas.microsoft.com/office/drawing/2014/main" id="{D2DFD166-7E14-4C8D-A006-199356D98A9E}"/>
+              </a:ext>
+            </a:extLst>
+          </p:cNvPr>
+          <p:cNvSpPr txBox="1"/>
+          <p:nvPr/>
+        </p:nvSpPr>
+        <p:spPr>
+          <a:xfrm>
+            <a:off x="340284" y="1029049"/>
+            <a:ext cx="8123778" cy="5552289"/>
+          </a:xfrm>
+          <a:prstGeom prst="rect">
+            <a:avLst/>
+          </a:prstGeom>
+          <a:noFill/>
+        </p:spPr>
+        <p:txBody>
+          <a:bodyPr wrap="square" lIns="182880" tIns="146304" rIns="182880" bIns="146304" rtlCol="0">
+            <a:spAutoFit/>
+          </a:bodyPr>
+          <a:lstStyle/>
+          <a:p>
+            <a:r>
+              <a:rPr lang="en-US" sz="2000" dirty="0"/>
+              <a:t>Woodgrove Bank, who provides payment processing services for commerce, is looking to design and implement a PoC of an innovative fraud detection solution. They want to provide new services to their merchant customers, helping them save costs by applying machine learning and advanced analytics to detect fraudulent transactions. Their customers are around the world, and the right solutions for them would minimize any latencies experienced using their service by distributing as much of the solution as possible, as closely as possible, to the regions in which their customers use the service.</a:t>
+            </a:r>
+          </a:p>
+          <a:p>
+            <a:endParaRPr lang="en-US" sz="2000" dirty="0"/>
+          </a:p>
+          <a:p>
+            <a:r>
+              <a:rPr lang="en-US" sz="2000" dirty="0"/>
+              <a:t>At the end of this whiteboard design session, you will be better able to implement solutions that leverage the strengths of Cosmos DB in support of advanced analytics solutions that require high throughput ingest, low latency serving and global scale in combination with scalable machine learning, big data and real-time processing capabilities.</a:t>
+            </a:r>
+          </a:p>
+          <a:p>
+            <a:pPr marL="342900" indent="-342900">
+              <a:lnSpc>
+                <a:spcPct val="90000"/>
+              </a:lnSpc>
+              <a:spcAft>
+                <a:spcPts val="600"/>
+              </a:spcAft>
+              <a:buFont typeface="Arial" panose="020B0604020202020204" pitchFamily="34" charset="0"/>
+              <a:buChar char="•"/>
+            </a:pPr>
+            <a:endParaRPr lang="en-US" sz="2400" dirty="0">
+              <a:latin typeface="Segoe UI Semilight" panose="020B0402040204020203" pitchFamily="34" charset="0"/>
+              <a:cs typeface="Segoe UI Semilight" panose="020B0402040204020203" pitchFamily="34" charset="0"/>
+            </a:endParaRPr>
+          </a:p>
+        </p:txBody>
+      </p:sp>
+    </p:spTree>
+    <p:extLst>
+      <p:ext uri="{BB962C8B-B14F-4D97-AF65-F5344CB8AC3E}">
+        <p14:creationId xmlns:p14="http://schemas.microsoft.com/office/powerpoint/2010/main" val="772880493"/>
+      </p:ext>
+    </p:extLst>
+  </p:cSld>
+  <p:clrMapOvr>
+    <a:masterClrMapping/>
+  </p:clrMapOvr>
+  <mc:AlternateContent xmlns:mc="http://schemas.openxmlformats.org/markup-compatibility/2006" xmlns:p14="http://schemas.microsoft.com/office/powerpoint/2010/main">
+    <mc:Choice Requires="p14">
+      <p:transition p14:dur="0"/>
+    </mc:Choice>
+    <mc:Fallback xmlns="">
+      <p:transition/>
+    </mc:Fallback>
+  </mc:AlternateContent>
+</p:sld>
+</file>
+
+<file path=ppt/slides/slide20.xml><?xml version="1.0" encoding="utf-8"?>
 <p:sld xmlns:a="http://schemas.openxmlformats.org/drawingml/2006/main" xmlns:r="http://schemas.openxmlformats.org/officeDocument/2006/relationships" xmlns:p="http://schemas.openxmlformats.org/presentationml/2006/main">
   <p:cSld>
     <p:spTree>
@@ -20105,456 +21103,6 @@
 </p:sld>
 </file>
 
-<file path=ppt/slides/slide2.xml><?xml version="1.0" encoding="utf-8"?>
-<p:sld xmlns:a="http://schemas.openxmlformats.org/drawingml/2006/main" xmlns:r="http://schemas.openxmlformats.org/officeDocument/2006/relationships" xmlns:p="http://schemas.openxmlformats.org/presentationml/2006/main">
-  <p:cSld>
-    <p:bg>
-      <p:bgPr>
-        <a:solidFill>
-          <a:schemeClr val="bg2"/>
-        </a:solidFill>
-        <a:effectLst/>
-      </p:bgPr>
-    </p:bg>
-    <p:spTree>
-      <p:nvGrpSpPr>
-        <p:cNvPr id="1" name=""/>
-        <p:cNvGrpSpPr/>
-        <p:nvPr/>
-      </p:nvGrpSpPr>
-      <p:grpSpPr>
-        <a:xfrm>
-          <a:off x="0" y="0"/>
-          <a:ext cx="0" cy="0"/>
-          <a:chOff x="0" y="0"/>
-          <a:chExt cx="0" cy="0"/>
-        </a:xfrm>
-      </p:grpSpPr>
-      <p:sp>
-        <p:nvSpPr>
-          <p:cNvPr id="2" name="Title 1"/>
-          <p:cNvSpPr>
-            <a:spLocks noGrp="1"/>
-          </p:cNvSpPr>
-          <p:nvPr>
-            <p:ph type="title"/>
-          </p:nvPr>
-        </p:nvSpPr>
-        <p:spPr/>
-        <p:txBody>
-          <a:bodyPr>
-            <a:normAutofit/>
-          </a:bodyPr>
-          <a:lstStyle/>
-          <a:p>
-            <a:r>
-              <a:rPr lang="en-US" sz="4400" dirty="0">
-                <a:solidFill>
-                  <a:schemeClr val="tx1"/>
-                </a:solidFill>
-                <a:latin typeface="Segoe UI Light" panose="020B0502040204020203" pitchFamily="34" charset="0"/>
-                <a:cs typeface="Segoe UI Light" panose="020B0502040204020203" pitchFamily="34" charset="0"/>
-              </a:rPr>
-              <a:t>Abstract and learning objectives</a:t>
-            </a:r>
-          </a:p>
-        </p:txBody>
-      </p:sp>
-      <p:pic>
-        <p:nvPicPr>
-          <p:cNvPr id="4" name="Graphic 3" descr="Teacher icon">
-            <a:extLst>
-              <a:ext uri="{FF2B5EF4-FFF2-40B4-BE49-F238E27FC236}">
-                <a16:creationId xmlns:a16="http://schemas.microsoft.com/office/drawing/2014/main" id="{9C3F82EB-6551-4435-B752-1DF4ADF2E21E}"/>
-              </a:ext>
-            </a:extLst>
-          </p:cNvPr>
-          <p:cNvPicPr>
-            <a:picLocks noChangeAspect="1"/>
-          </p:cNvPicPr>
-          <p:nvPr/>
-        </p:nvPicPr>
-        <p:blipFill>
-          <a:blip r:embed="rId3">
-            <a:extLst>
-              <a:ext uri="{28A0092B-C50C-407E-A947-70E740481C1C}">
-                <a14:useLocalDpi xmlns:a14="http://schemas.microsoft.com/office/drawing/2010/main" val="0"/>
-              </a:ext>
-              <a:ext uri="{96DAC541-7B7A-43D3-8B79-37D633B846F1}">
-                <asvg:svgBlip xmlns:asvg="http://schemas.microsoft.com/office/drawing/2016/SVG/main" r:embed="rId4"/>
-              </a:ext>
-            </a:extLst>
-          </a:blip>
-          <a:stretch>
-            <a:fillRect/>
-          </a:stretch>
-        </p:blipFill>
-        <p:spPr>
-          <a:xfrm>
-            <a:off x="8370276" y="1568308"/>
-            <a:ext cx="3199567" cy="3199567"/>
-          </a:xfrm>
-          <a:prstGeom prst="rect">
-            <a:avLst/>
-          </a:prstGeom>
-        </p:spPr>
-      </p:pic>
-      <p:sp>
-        <p:nvSpPr>
-          <p:cNvPr id="5" name="TextBox 4">
-            <a:extLst>
-              <a:ext uri="{FF2B5EF4-FFF2-40B4-BE49-F238E27FC236}">
-                <a16:creationId xmlns:a16="http://schemas.microsoft.com/office/drawing/2014/main" id="{D2DFD166-7E14-4C8D-A006-199356D98A9E}"/>
-              </a:ext>
-            </a:extLst>
-          </p:cNvPr>
-          <p:cNvSpPr txBox="1"/>
-          <p:nvPr/>
-        </p:nvSpPr>
-        <p:spPr>
-          <a:xfrm>
-            <a:off x="340284" y="1029049"/>
-            <a:ext cx="8123778" cy="5552289"/>
-          </a:xfrm>
-          <a:prstGeom prst="rect">
-            <a:avLst/>
-          </a:prstGeom>
-          <a:noFill/>
-        </p:spPr>
-        <p:txBody>
-          <a:bodyPr wrap="square" lIns="182880" tIns="146304" rIns="182880" bIns="146304" rtlCol="0">
-            <a:spAutoFit/>
-          </a:bodyPr>
-          <a:lstStyle/>
-          <a:p>
-            <a:r>
-              <a:rPr lang="en-US" sz="2000" dirty="0"/>
-              <a:t>Woodgrove Bank, who provides payment processing services for commerce, is looking to design and implement a PoC of an innovative fraud detection solution. They want to provide new services to their merchant customers, helping them save costs by applying machine learning and advanced analytics to detect fraudulent transactions. Their customers are around the world, and the right solutions for them would minimize any latencies experienced using their service by distributing as much of the solution as possible, as closely as possible, to the regions in which their customers use the service.</a:t>
-            </a:r>
-          </a:p>
-          <a:p>
-            <a:endParaRPr lang="en-US" sz="2000" dirty="0"/>
-          </a:p>
-          <a:p>
-            <a:r>
-              <a:rPr lang="en-US" sz="2000" dirty="0"/>
-              <a:t>At the end of this whiteboard design session, you will be better able to implement solutions that leverage the strengths of Cosmos DB in support of advanced analytics solutions that require high throughput ingest, low latency serving and global scale in combination with scalable machine learning, big data and real-time processing capabilities.</a:t>
-            </a:r>
-          </a:p>
-          <a:p>
-            <a:pPr marL="342900" indent="-342900">
-              <a:lnSpc>
-                <a:spcPct val="90000"/>
-              </a:lnSpc>
-              <a:spcAft>
-                <a:spcPts val="600"/>
-              </a:spcAft>
-              <a:buFont typeface="Arial" panose="020B0604020202020204" pitchFamily="34" charset="0"/>
-              <a:buChar char="•"/>
-            </a:pPr>
-            <a:endParaRPr lang="en-US" sz="2400" dirty="0">
-              <a:latin typeface="Segoe UI Semilight" panose="020B0402040204020203" pitchFamily="34" charset="0"/>
-              <a:cs typeface="Segoe UI Semilight" panose="020B0402040204020203" pitchFamily="34" charset="0"/>
-            </a:endParaRPr>
-          </a:p>
-        </p:txBody>
-      </p:sp>
-    </p:spTree>
-    <p:extLst>
-      <p:ext uri="{BB962C8B-B14F-4D97-AF65-F5344CB8AC3E}">
-        <p14:creationId xmlns:p14="http://schemas.microsoft.com/office/powerpoint/2010/main" val="772880493"/>
-      </p:ext>
-    </p:extLst>
-  </p:cSld>
-  <p:clrMapOvr>
-    <a:masterClrMapping/>
-  </p:clrMapOvr>
-  <mc:AlternateContent xmlns:mc="http://schemas.openxmlformats.org/markup-compatibility/2006" xmlns:p14="http://schemas.microsoft.com/office/powerpoint/2010/main">
-    <mc:Choice Requires="p14">
-      <p:transition p14:dur="0"/>
-    </mc:Choice>
-    <mc:Fallback xmlns="">
-      <p:transition/>
-    </mc:Fallback>
-  </mc:AlternateContent>
-</p:sld>
-</file>
-
-<file path=ppt/slides/slide20.xml><?xml version="1.0" encoding="utf-8"?>
-<p:sld xmlns:a="http://schemas.openxmlformats.org/drawingml/2006/main" xmlns:r="http://schemas.openxmlformats.org/officeDocument/2006/relationships" xmlns:p="http://schemas.openxmlformats.org/presentationml/2006/main">
-  <p:cSld>
-    <p:spTree>
-      <p:nvGrpSpPr>
-        <p:cNvPr id="1" name=""/>
-        <p:cNvGrpSpPr/>
-        <p:nvPr/>
-      </p:nvGrpSpPr>
-      <p:grpSpPr>
-        <a:xfrm>
-          <a:off x="0" y="0"/>
-          <a:ext cx="0" cy="0"/>
-          <a:chOff x="0" y="0"/>
-          <a:chExt cx="0" cy="0"/>
-        </a:xfrm>
-      </p:grpSpPr>
-      <p:sp>
-        <p:nvSpPr>
-          <p:cNvPr id="2" name="Title 1"/>
-          <p:cNvSpPr>
-            <a:spLocks noGrp="1"/>
-          </p:cNvSpPr>
-          <p:nvPr>
-            <p:ph type="title"/>
-          </p:nvPr>
-        </p:nvSpPr>
-        <p:spPr/>
-        <p:txBody>
-          <a:bodyPr>
-            <a:normAutofit fontScale="90000"/>
-          </a:bodyPr>
-          <a:lstStyle/>
-          <a:p>
-            <a:r>
-              <a:rPr lang="en-US" sz="4900" dirty="0">
-                <a:solidFill>
-                  <a:schemeClr val="tx1"/>
-                </a:solidFill>
-                <a:cs typeface="Segoe UI" panose="020B0502040204020203" pitchFamily="34" charset="0"/>
-              </a:rPr>
-              <a:t>Preferred solution</a:t>
-            </a:r>
-            <a:br>
-              <a:rPr lang="en-US" dirty="0">
-                <a:solidFill>
-                  <a:schemeClr val="tx1"/>
-                </a:solidFill>
-                <a:latin typeface="Segoe UI" panose="020B0502040204020203" pitchFamily="34" charset="0"/>
-              </a:rPr>
-            </a:br>
-            <a:endParaRPr lang="en-US" sz="3236" dirty="0">
-              <a:solidFill>
-                <a:schemeClr val="tx1"/>
-              </a:solidFill>
-              <a:latin typeface="Segoe UI" panose="020B0502040204020203" pitchFamily="34" charset="0"/>
-            </a:endParaRPr>
-          </a:p>
-        </p:txBody>
-      </p:sp>
-      <p:sp>
-        <p:nvSpPr>
-          <p:cNvPr id="3" name="Content Placeholder 2" descr="Document Database icon" title="Document Database icon"/>
-          <p:cNvSpPr>
-            <a:spLocks noGrp="1"/>
-          </p:cNvSpPr>
-          <p:nvPr>
-            <p:ph type="body" sz="quarter" idx="10"/>
-          </p:nvPr>
-        </p:nvSpPr>
-        <p:spPr>
-          <a:xfrm>
-            <a:off x="269240" y="1189177"/>
-            <a:ext cx="9904422" cy="5432182"/>
-          </a:xfrm>
-        </p:spPr>
-        <p:txBody>
-          <a:bodyPr>
-            <a:normAutofit/>
-          </a:bodyPr>
-          <a:lstStyle/>
-          <a:p>
-            <a:pPr marL="0" indent="0">
-              <a:buNone/>
-            </a:pPr>
-            <a:r>
-              <a:rPr lang="en-US" sz="3600" dirty="0">
-                <a:solidFill>
-                  <a:schemeClr val="tx1"/>
-                </a:solidFill>
-              </a:rPr>
-              <a:t>Data pipeline processing</a:t>
-            </a:r>
-            <a:endParaRPr lang="en-US" sz="3600" dirty="0">
-              <a:solidFill>
-                <a:schemeClr val="tx1"/>
-              </a:solidFill>
-              <a:latin typeface="+mj-lt"/>
-            </a:endParaRPr>
-          </a:p>
-          <a:p>
-            <a:pPr marL="336145" lvl="1" indent="0">
-              <a:buNone/>
-            </a:pPr>
-            <a:endParaRPr lang="en-US" sz="2800" dirty="0">
-              <a:solidFill>
-                <a:schemeClr val="tx1"/>
-              </a:solidFill>
-              <a:latin typeface="Segoe UI Semilight" panose="020B0402040204020203" pitchFamily="34" charset="0"/>
-              <a:cs typeface="Segoe UI Semilight" panose="020B0402040204020203" pitchFamily="34" charset="0"/>
-            </a:endParaRPr>
-          </a:p>
-          <a:p>
-            <a:pPr lvl="1"/>
-            <a:r>
-              <a:rPr lang="en-US" sz="2800" dirty="0">
-                <a:solidFill>
-                  <a:schemeClr val="tx1"/>
-                </a:solidFill>
-                <a:latin typeface="Segoe UI Semilight" panose="020B0402040204020203" pitchFamily="34" charset="0"/>
-                <a:cs typeface="Segoe UI Semilight" panose="020B0402040204020203" pitchFamily="34" charset="0"/>
-              </a:rPr>
-              <a:t>Use Azure Databricks, a platform that can process streaming and batch data, as well enable data science, data engineering, and support development needs.</a:t>
-            </a:r>
-          </a:p>
-          <a:p>
-            <a:pPr lvl="1"/>
-            <a:r>
-              <a:rPr lang="en-US" sz="2800" dirty="0">
-                <a:solidFill>
-                  <a:schemeClr val="tx1"/>
-                </a:solidFill>
-                <a:latin typeface="Segoe UI Semilight" panose="020B0402040204020203" pitchFamily="34" charset="0"/>
-                <a:cs typeface="Segoe UI Semilight" panose="020B0402040204020203" pitchFamily="34" charset="0"/>
-              </a:rPr>
-              <a:t>Features it provides over top of standard Apache Spark include:</a:t>
-            </a:r>
-          </a:p>
-          <a:p>
-            <a:pPr lvl="2"/>
-            <a:r>
-              <a:rPr lang="en-US" sz="2408" dirty="0">
-                <a:solidFill>
-                  <a:schemeClr val="tx1"/>
-                </a:solidFill>
-                <a:latin typeface="Segoe UI Semilight" panose="020B0402040204020203" pitchFamily="34" charset="0"/>
-                <a:cs typeface="Segoe UI Semilight" panose="020B0402040204020203" pitchFamily="34" charset="0"/>
-              </a:rPr>
-              <a:t>AAD integration and RBAC</a:t>
-            </a:r>
-          </a:p>
-          <a:p>
-            <a:pPr lvl="2"/>
-            <a:r>
-              <a:rPr lang="en-US" sz="2408" dirty="0">
-                <a:solidFill>
-                  <a:schemeClr val="tx1"/>
-                </a:solidFill>
-                <a:latin typeface="Segoe UI Semilight" panose="020B0402040204020203" pitchFamily="34" charset="0"/>
-                <a:cs typeface="Segoe UI Semilight" panose="020B0402040204020203" pitchFamily="34" charset="0"/>
-              </a:rPr>
-              <a:t>Collaborative features such as workspace and git integration</a:t>
-            </a:r>
-          </a:p>
-          <a:p>
-            <a:pPr lvl="2"/>
-            <a:r>
-              <a:rPr lang="en-US" sz="2408" dirty="0">
-                <a:solidFill>
-                  <a:schemeClr val="tx1"/>
-                </a:solidFill>
-                <a:latin typeface="Segoe UI Semilight" panose="020B0402040204020203" pitchFamily="34" charset="0"/>
-                <a:cs typeface="Segoe UI Semilight" panose="020B0402040204020203" pitchFamily="34" charset="0"/>
-              </a:rPr>
-              <a:t>Run scheduled jobs for automatic notebook/library execution</a:t>
-            </a:r>
-          </a:p>
-          <a:p>
-            <a:pPr lvl="2"/>
-            <a:r>
-              <a:rPr lang="en-US" sz="2408" dirty="0">
-                <a:solidFill>
-                  <a:schemeClr val="tx1"/>
-                </a:solidFill>
-                <a:latin typeface="Segoe UI Semilight" panose="020B0402040204020203" pitchFamily="34" charset="0"/>
-                <a:cs typeface="Segoe UI Semilight" panose="020B0402040204020203" pitchFamily="34" charset="0"/>
-              </a:rPr>
-              <a:t>Integrates with Azure Key Vault</a:t>
-            </a:r>
-          </a:p>
-          <a:p>
-            <a:pPr lvl="2"/>
-            <a:r>
-              <a:rPr lang="en-US" sz="2408" dirty="0">
-                <a:solidFill>
-                  <a:schemeClr val="tx1"/>
-                </a:solidFill>
-                <a:latin typeface="Segoe UI Semilight" panose="020B0402040204020203" pitchFamily="34" charset="0"/>
-                <a:cs typeface="Segoe UI Semilight" panose="020B0402040204020203" pitchFamily="34" charset="0"/>
-              </a:rPr>
-              <a:t>Train and evaluate machine learning models at scale</a:t>
-            </a:r>
-          </a:p>
-          <a:p>
-            <a:pPr marL="0" indent="0">
-              <a:spcAft>
-                <a:spcPts val="882"/>
-              </a:spcAft>
-              <a:buNone/>
-            </a:pPr>
-            <a:endParaRPr lang="en-US" sz="1800" dirty="0">
-              <a:solidFill>
-                <a:schemeClr val="tx1"/>
-              </a:solidFill>
-            </a:endParaRPr>
-          </a:p>
-        </p:txBody>
-      </p:sp>
-      <p:pic>
-        <p:nvPicPr>
-          <p:cNvPr id="5" name="Picture 4" descr="Databricks logo">
-            <a:extLst>
-              <a:ext uri="{FF2B5EF4-FFF2-40B4-BE49-F238E27FC236}">
-                <a16:creationId xmlns:a16="http://schemas.microsoft.com/office/drawing/2014/main" id="{37EBAA59-7347-4383-868D-EDB3969B9938}"/>
-              </a:ext>
-            </a:extLst>
-          </p:cNvPr>
-          <p:cNvPicPr>
-            <a:picLocks noChangeAspect="1"/>
-          </p:cNvPicPr>
-          <p:nvPr/>
-        </p:nvPicPr>
-        <p:blipFill>
-          <a:blip r:embed="rId3" cstate="print">
-            <a:extLst>
-              <a:ext uri="{28A0092B-C50C-407E-A947-70E740481C1C}">
-                <a14:useLocalDpi xmlns:a14="http://schemas.microsoft.com/office/drawing/2010/main" val="0"/>
-              </a:ext>
-            </a:extLst>
-          </a:blip>
-          <a:stretch>
-            <a:fillRect/>
-          </a:stretch>
-        </p:blipFill>
-        <p:spPr>
-          <a:xfrm>
-            <a:off x="9637155" y="3905268"/>
-            <a:ext cx="2121415" cy="2340628"/>
-          </a:xfrm>
-          <a:prstGeom prst="rect">
-            <a:avLst/>
-          </a:prstGeom>
-        </p:spPr>
-      </p:pic>
-    </p:spTree>
-    <p:extLst>
-      <p:ext uri="{BB962C8B-B14F-4D97-AF65-F5344CB8AC3E}">
-        <p14:creationId xmlns:p14="http://schemas.microsoft.com/office/powerpoint/2010/main" val="4112332141"/>
-      </p:ext>
-    </p:extLst>
-  </p:cSld>
-  <p:clrMapOvr>
-    <a:masterClrMapping/>
-  </p:clrMapOvr>
-  <mc:AlternateContent xmlns:mc="http://schemas.openxmlformats.org/markup-compatibility/2006" xmlns:p14="http://schemas.microsoft.com/office/powerpoint/2010/main">
-    <mc:Choice Requires="p14">
-      <p:transition p14:dur="0"/>
-    </mc:Choice>
-    <mc:Fallback xmlns="">
-      <p:transition/>
-    </mc:Fallback>
-  </mc:AlternateContent>
-</p:sld>
-</file>
-
 <file path=ppt/slides/slide21.xml><?xml version="1.0" encoding="utf-8"?>
 <p:sld xmlns:a="http://schemas.openxmlformats.org/drawingml/2006/main" xmlns:r="http://schemas.openxmlformats.org/officeDocument/2006/relationships" xmlns:p="http://schemas.openxmlformats.org/presentationml/2006/main">
   <p:cSld>
@@ -20677,7 +21225,7 @@
                 <a:latin typeface="Segoe UI Semilight" panose="020B0402040204020203" pitchFamily="34" charset="0"/>
                 <a:cs typeface="Segoe UI Semilight" panose="020B0402040204020203" pitchFamily="34" charset="0"/>
               </a:rPr>
-              <a:t>Databricks Delta Lake tables are Spark tables with built-in reliability and performance optimizations.</a:t>
+              <a:t>Use Azure Synapse Analytics to build big data pipelines, process incoming data in near real-time from the Cosmos DB change feed, using the Cosmos DB linked service and Synapse Spark notebooks, create integrated Power BI reports, consolidate data from various sources, and perform data engineering tasks.</a:t>
             </a:r>
           </a:p>
           <a:p>
@@ -20690,100 +21238,35 @@
                 <a:latin typeface="Segoe UI Semilight" panose="020B0402040204020203" pitchFamily="34" charset="0"/>
                 <a:cs typeface="Segoe UI Semilight" panose="020B0402040204020203" pitchFamily="34" charset="0"/>
               </a:rPr>
-              <a:t>Supports batch and streaming with additional features:</a:t>
-            </a:r>
-          </a:p>
-          <a:p>
-            <a:pPr lvl="2"/>
-            <a:r>
-              <a:rPr lang="en-US" sz="2408" b="1" dirty="0">
+              <a:t>Synapse Link enables read-heavy analytical queries against the Cosmos DB analytical store without impacting </a:t>
+            </a:r>
+            <a:r>
+              <a:rPr lang="en-US" sz="2800" dirty="0" err="1">
                 <a:solidFill>
                   <a:schemeClr val="tx1"/>
                 </a:solidFill>
                 <a:latin typeface="Segoe UI Semilight" panose="020B0402040204020203" pitchFamily="34" charset="0"/>
                 <a:cs typeface="Segoe UI Semilight" panose="020B0402040204020203" pitchFamily="34" charset="0"/>
               </a:rPr>
-              <a:t>ACID transactions</a:t>
-            </a:r>
-            <a:r>
-              <a:rPr lang="en-US" sz="2408" dirty="0">
+              <a:t>Woodgrove’s</a:t>
+            </a:r>
+            <a:r>
+              <a:rPr lang="en-US" sz="2800" dirty="0">
                 <a:solidFill>
                   <a:schemeClr val="tx1"/>
                 </a:solidFill>
                 <a:latin typeface="Segoe UI Semilight" panose="020B0402040204020203" pitchFamily="34" charset="0"/>
                 <a:cs typeface="Segoe UI Semilight" panose="020B0402040204020203" pitchFamily="34" charset="0"/>
               </a:rPr>
-              <a:t>: multiple writers simultaneously modify data</a:t>
-            </a:r>
-          </a:p>
-          <a:p>
-            <a:pPr lvl="2"/>
-            <a:r>
-              <a:rPr lang="en-US" sz="2408" b="1" dirty="0">
-                <a:solidFill>
-                  <a:schemeClr val="tx1"/>
-                </a:solidFill>
-                <a:latin typeface="Segoe UI Semilight" panose="020B0402040204020203" pitchFamily="34" charset="0"/>
-                <a:cs typeface="Segoe UI Semilight" panose="020B0402040204020203" pitchFamily="34" charset="0"/>
-              </a:rPr>
-              <a:t>DELETES/UPDATES/UPSERTS</a:t>
-            </a:r>
-            <a:r>
-              <a:rPr lang="en-US" sz="2408" dirty="0">
-                <a:solidFill>
-                  <a:schemeClr val="tx1"/>
-                </a:solidFill>
-                <a:latin typeface="Segoe UI Semilight" panose="020B0402040204020203" pitchFamily="34" charset="0"/>
-                <a:cs typeface="Segoe UI Semilight" panose="020B0402040204020203" pitchFamily="34" charset="0"/>
-              </a:rPr>
-              <a:t>: Writers can modify data set without interfering with jobs reading the data set</a:t>
-            </a:r>
-          </a:p>
-          <a:p>
-            <a:pPr lvl="2"/>
-            <a:r>
-              <a:rPr lang="en-US" sz="2408" b="1" dirty="0">
-                <a:solidFill>
-                  <a:schemeClr val="tx1"/>
-                </a:solidFill>
-                <a:latin typeface="Segoe UI Semilight" panose="020B0402040204020203" pitchFamily="34" charset="0"/>
-                <a:cs typeface="Segoe UI Semilight" panose="020B0402040204020203" pitchFamily="34" charset="0"/>
-              </a:rPr>
-              <a:t>Automatic file management</a:t>
-            </a:r>
-            <a:r>
-              <a:rPr lang="en-US" sz="2408" dirty="0">
-                <a:solidFill>
-                  <a:schemeClr val="tx1"/>
-                </a:solidFill>
-                <a:latin typeface="Segoe UI Semilight" panose="020B0402040204020203" pitchFamily="34" charset="0"/>
-                <a:cs typeface="Segoe UI Semilight" panose="020B0402040204020203" pitchFamily="34" charset="0"/>
-              </a:rPr>
-              <a:t>: Data access speeds up by organizing data into large files that can be read efficiently</a:t>
-            </a:r>
-          </a:p>
-          <a:p>
-            <a:pPr lvl="2"/>
-            <a:r>
-              <a:rPr lang="en-US" sz="2408" b="1" dirty="0">
-                <a:solidFill>
-                  <a:schemeClr val="tx1"/>
-                </a:solidFill>
-                <a:latin typeface="Segoe UI Semilight" panose="020B0402040204020203" pitchFamily="34" charset="0"/>
-                <a:cs typeface="Segoe UI Semilight" panose="020B0402040204020203" pitchFamily="34" charset="0"/>
-              </a:rPr>
-              <a:t>Statistics and data skipping</a:t>
-            </a:r>
-            <a:r>
-              <a:rPr lang="en-US" sz="2408" dirty="0">
-                <a:solidFill>
-                  <a:schemeClr val="tx1"/>
-                </a:solidFill>
-                <a:latin typeface="Segoe UI Semilight" panose="020B0402040204020203" pitchFamily="34" charset="0"/>
-                <a:cs typeface="Segoe UI Semilight" panose="020B0402040204020203" pitchFamily="34" charset="0"/>
-              </a:rPr>
-              <a:t>: Reads are 10-100x faster when statistics are tracked about data in each file, avoiding irrelevant information</a:t>
-            </a:r>
+              <a:t> transactional workload performance.</a:t>
+            </a:r>
+            <a:endParaRPr lang="en-US" sz="2408" dirty="0">
+              <a:solidFill>
+                <a:schemeClr val="tx1"/>
+              </a:solidFill>
+              <a:latin typeface="Segoe UI Semilight" panose="020B0402040204020203" pitchFamily="34" charset="0"/>
+              <a:cs typeface="Segoe UI Semilight" panose="020B0402040204020203" pitchFamily="34" charset="0"/>
+            </a:endParaRPr>
           </a:p>
           <a:p>
             <a:pPr marL="0" indent="0">
@@ -20802,7 +21285,7 @@
       </p:sp>
       <p:pic>
         <p:nvPicPr>
-          <p:cNvPr id="5" name="Picture 4" descr="Databricks logo">
+          <p:cNvPr id="5" name="Picture 4" descr="Synapse Analytics logo">
             <a:extLst>
               <a:ext uri="{FF2B5EF4-FFF2-40B4-BE49-F238E27FC236}">
                 <a16:creationId xmlns:a16="http://schemas.microsoft.com/office/drawing/2014/main" id="{37EBAA59-7347-4383-868D-EDB3969B9938}"/>
@@ -20815,21 +21298,23 @@
           <p:nvPr/>
         </p:nvPicPr>
         <p:blipFill>
-          <a:blip r:embed="rId3" cstate="print">
+          <a:blip r:embed="rId3">
             <a:extLst>
               <a:ext uri="{28A0092B-C50C-407E-A947-70E740481C1C}">
                 <a14:useLocalDpi xmlns:a14="http://schemas.microsoft.com/office/drawing/2010/main" val="0"/>
               </a:ext>
+              <a:ext uri="{96DAC541-7B7A-43D3-8B79-37D633B846F1}">
+                <asvg:svgBlip xmlns:asvg="http://schemas.microsoft.com/office/drawing/2016/SVG/main" r:embed="rId4"/>
+              </a:ext>
             </a:extLst>
           </a:blip>
-          <a:stretch>
-            <a:fillRect/>
-          </a:stretch>
+          <a:srcRect/>
+          <a:stretch/>
         </p:blipFill>
         <p:spPr>
           <a:xfrm>
-            <a:off x="9859992" y="2091837"/>
-            <a:ext cx="2121415" cy="2340628"/>
+            <a:off x="9852617" y="357274"/>
+            <a:ext cx="2121415" cy="2121415"/>
           </a:xfrm>
           <a:prstGeom prst="rect">
             <a:avLst/>
@@ -20839,7 +21324,7 @@
     </p:spTree>
     <p:extLst>
       <p:ext uri="{BB962C8B-B14F-4D97-AF65-F5344CB8AC3E}">
-        <p14:creationId xmlns:p14="http://schemas.microsoft.com/office/powerpoint/2010/main" val="1261049513"/>
+        <p14:creationId xmlns:p14="http://schemas.microsoft.com/office/powerpoint/2010/main" val="4112332141"/>
       </p:ext>
     </p:extLst>
   </p:cSld>
@@ -20979,7 +21464,7 @@
                 <a:latin typeface="Segoe UI Semilight" panose="020B0402040204020203" pitchFamily="34" charset="0"/>
                 <a:cs typeface="Segoe UI Semilight" panose="020B0402040204020203" pitchFamily="34" charset="0"/>
               </a:rPr>
-              <a:t>Azure Databricks can connect to both Event Hubs and Cosmos DB, using Spark connectors for both.</a:t>
+              <a:t>Azure Synapse Link for Azure Cosmos DB feature automatically handles updates to the underlying analytical store for each container on which the feature is enabled. </a:t>
             </a:r>
           </a:p>
           <a:p>
@@ -20992,7 +21477,7 @@
                 <a:latin typeface="Segoe UI Semilight" panose="020B0402040204020203" pitchFamily="34" charset="0"/>
                 <a:cs typeface="Segoe UI Semilight" panose="020B0402040204020203" pitchFamily="34" charset="0"/>
               </a:rPr>
-              <a:t>Use Spark Structured Streaming to process real-time payment transactions into Delta Lake tables.</a:t>
+              <a:t>Any inserts, updates, and deletes are automatically synchronized to the analytical store in near real-time.</a:t>
             </a:r>
           </a:p>
           <a:p>
@@ -21005,36 +21490,28 @@
                 <a:latin typeface="Segoe UI Semilight" panose="020B0402040204020203" pitchFamily="34" charset="0"/>
                 <a:cs typeface="Segoe UI Semilight" panose="020B0402040204020203" pitchFamily="34" charset="0"/>
               </a:rPr>
-              <a:t>Be sure to set a checkpoint directory on your streams. This allows you to restart stream processing if the job is stopped at any point.</a:t>
-            </a:r>
-          </a:p>
-          <a:p>
-            <a:pPr lvl="1"/>
-            <a:r>
-              <a:rPr lang="en-US" sz="2800" dirty="0">
+              <a:t>For updates to the container's transactional store, Azure Cosmos DB supports </a:t>
+            </a:r>
+            <a:r>
+              <a:rPr lang="en-US" sz="2800" dirty="0" err="1">
                 <a:solidFill>
                   <a:schemeClr val="tx1"/>
                 </a:solidFill>
                 <a:latin typeface="Segoe UI Semilight" panose="020B0402040204020203" pitchFamily="34" charset="0"/>
                 <a:cs typeface="Segoe UI Semilight" panose="020B0402040204020203" pitchFamily="34" charset="0"/>
               </a:rPr>
-              <a:t>Store secrets such as account keys and connection strings centrally in Azure Key Vault, then set that as the source for secret scopes in Azure Databricks. Secrets are [REDACTED].</a:t>
-            </a:r>
-            <a:endParaRPr lang="en-US" sz="2408" dirty="0">
-              <a:solidFill>
-                <a:schemeClr val="tx1"/>
-              </a:solidFill>
-              <a:latin typeface="Segoe UI Semilight" panose="020B0402040204020203" pitchFamily="34" charset="0"/>
-              <a:cs typeface="Segoe UI Semilight" panose="020B0402040204020203" pitchFamily="34" charset="0"/>
-            </a:endParaRPr>
-          </a:p>
-          <a:p>
-            <a:pPr marL="0" indent="0">
-              <a:spcAft>
-                <a:spcPts val="882"/>
-              </a:spcAft>
-              <a:buNone/>
-            </a:pPr>
+              <a:t>upserts</a:t>
+            </a:r>
+            <a:r>
+              <a:rPr lang="en-US" sz="2800" dirty="0">
+                <a:solidFill>
+                  <a:schemeClr val="tx1"/>
+                </a:solidFill>
+                <a:latin typeface="Segoe UI Semilight" panose="020B0402040204020203" pitchFamily="34" charset="0"/>
+                <a:cs typeface="Segoe UI Semilight" panose="020B0402040204020203" pitchFamily="34" charset="0"/>
+              </a:rPr>
+              <a:t>.</a:t>
+            </a:r>
             <a:endParaRPr lang="en-US" sz="1800" dirty="0">
               <a:solidFill>
                 <a:schemeClr val="tx1"/>
@@ -21045,10 +21522,10 @@
       </p:sp>
       <p:pic>
         <p:nvPicPr>
-          <p:cNvPr id="5" name="Picture 4" descr="Databricks logo">
+          <p:cNvPr id="4" name="Picture 4" descr="Synapse Analytics logo">
             <a:extLst>
               <a:ext uri="{FF2B5EF4-FFF2-40B4-BE49-F238E27FC236}">
-                <a16:creationId xmlns:a16="http://schemas.microsoft.com/office/drawing/2014/main" id="{37EBAA59-7347-4383-868D-EDB3969B9938}"/>
+                <a16:creationId xmlns:a16="http://schemas.microsoft.com/office/drawing/2014/main" id="{1EC7455D-110F-439A-987C-4518EABBF1DC}"/>
               </a:ext>
             </a:extLst>
           </p:cNvPr>
@@ -21058,57 +21535,23 @@
           <p:nvPr/>
         </p:nvPicPr>
         <p:blipFill>
-          <a:blip r:embed="rId3" cstate="print">
+          <a:blip r:embed="rId3">
             <a:extLst>
               <a:ext uri="{28A0092B-C50C-407E-A947-70E740481C1C}">
                 <a14:useLocalDpi xmlns:a14="http://schemas.microsoft.com/office/drawing/2010/main" val="0"/>
               </a:ext>
+              <a:ext uri="{96DAC541-7B7A-43D3-8B79-37D633B846F1}">
+                <asvg:svgBlip xmlns:asvg="http://schemas.microsoft.com/office/drawing/2016/SVG/main" r:embed="rId4"/>
+              </a:ext>
             </a:extLst>
           </a:blip>
-          <a:stretch>
-            <a:fillRect/>
-          </a:stretch>
+          <a:srcRect/>
+          <a:stretch/>
         </p:blipFill>
         <p:spPr>
           <a:xfrm>
-            <a:off x="9859992" y="2091837"/>
-            <a:ext cx="2121415" cy="2340628"/>
-          </a:xfrm>
-          <a:prstGeom prst="rect">
-            <a:avLst/>
-          </a:prstGeom>
-        </p:spPr>
-      </p:pic>
-      <p:pic>
-        <p:nvPicPr>
-          <p:cNvPr id="6" name="Picture 5" descr="Azure Key Vault logo">
-            <a:extLst>
-              <a:ext uri="{FF2B5EF4-FFF2-40B4-BE49-F238E27FC236}">
-                <a16:creationId xmlns:a16="http://schemas.microsoft.com/office/drawing/2014/main" id="{65C9088F-FEF0-4E2B-9D7F-A536323D25AD}"/>
-              </a:ext>
-            </a:extLst>
-          </p:cNvPr>
-          <p:cNvPicPr>
-            <a:picLocks noChangeAspect="1"/>
-          </p:cNvPicPr>
-          <p:nvPr/>
-        </p:nvPicPr>
-        <p:blipFill>
-          <a:blip r:embed="rId4" cstate="print">
-            <a:extLst>
-              <a:ext uri="{28A0092B-C50C-407E-A947-70E740481C1C}">
-                <a14:useLocalDpi xmlns:a14="http://schemas.microsoft.com/office/drawing/2010/main" val="0"/>
-              </a:ext>
-            </a:extLst>
-          </a:blip>
-          <a:stretch>
-            <a:fillRect/>
-          </a:stretch>
-        </p:blipFill>
-        <p:spPr>
-          <a:xfrm>
-            <a:off x="10223922" y="4892617"/>
-            <a:ext cx="1393553" cy="1393553"/>
+            <a:off x="9852617" y="357274"/>
+            <a:ext cx="2121415" cy="2121415"/>
           </a:xfrm>
           <a:prstGeom prst="rect">
             <a:avLst/>
@@ -21118,7 +21561,7 @@
     </p:spTree>
     <p:extLst>
       <p:ext uri="{BB962C8B-B14F-4D97-AF65-F5344CB8AC3E}">
-        <p14:creationId xmlns:p14="http://schemas.microsoft.com/office/powerpoint/2010/main" val="1969444154"/>
+        <p14:creationId xmlns:p14="http://schemas.microsoft.com/office/powerpoint/2010/main" val="1261049513"/>
       </p:ext>
     </p:extLst>
   </p:cSld>
@@ -21214,7 +21657,7 @@
         </p:spPr>
         <p:txBody>
           <a:bodyPr>
-            <a:normAutofit lnSpcReduction="10000"/>
+            <a:normAutofit/>
           </a:bodyPr>
           <a:lstStyle/>
           <a:p>
@@ -21227,7 +21670,7 @@
                   <a:schemeClr val="tx1"/>
                 </a:solidFill>
               </a:rPr>
-              <a:t>Long-term data storage</a:t>
+              <a:t>Data pipeline processing</a:t>
             </a:r>
             <a:endParaRPr lang="en-US" sz="3600" dirty="0">
               <a:solidFill>
@@ -21258,7 +21701,7 @@
                 <a:latin typeface="Segoe UI Semilight" panose="020B0402040204020203" pitchFamily="34" charset="0"/>
                 <a:cs typeface="Segoe UI Semilight" panose="020B0402040204020203" pitchFamily="34" charset="0"/>
               </a:rPr>
-              <a:t>Use Azure Data Lake Storage Gen2 (ADLS Gen2) as the underlying long-term file store for Delta Lake tables.</a:t>
+              <a:t>Use Spark Structured Streaming with the Cosmos DB linked service in a Synapse Notebook to process real-time payment transactions into a Cosmos DB container.</a:t>
             </a:r>
           </a:p>
           <a:p>
@@ -21271,7 +21714,7 @@
                 <a:latin typeface="Segoe UI Semilight" panose="020B0402040204020203" pitchFamily="34" charset="0"/>
                 <a:cs typeface="Segoe UI Semilight" panose="020B0402040204020203" pitchFamily="34" charset="0"/>
               </a:rPr>
-              <a:t>ADLS Gen2 is specifically optimized for Big Data workloads.</a:t>
+              <a:t>Be sure to set a checkpoint directory on your streams. This allows you to restart stream processing if the job is stopped at any point.</a:t>
             </a:r>
           </a:p>
           <a:p>
@@ -21284,33 +21727,7 @@
                 <a:latin typeface="Segoe UI Semilight" panose="020B0402040204020203" pitchFamily="34" charset="0"/>
                 <a:cs typeface="Segoe UI Semilight" panose="020B0402040204020203" pitchFamily="34" charset="0"/>
               </a:rPr>
-              <a:t>Delta tables can be accessed by Power BI through a JDBC connector.</a:t>
-            </a:r>
-          </a:p>
-          <a:p>
-            <a:pPr lvl="1"/>
-            <a:r>
-              <a:rPr lang="en-US" sz="2800" dirty="0">
-                <a:solidFill>
-                  <a:schemeClr val="tx1"/>
-                </a:solidFill>
-                <a:latin typeface="Segoe UI Semilight" panose="020B0402040204020203" pitchFamily="34" charset="0"/>
-                <a:cs typeface="Segoe UI Semilight" panose="020B0402040204020203" pitchFamily="34" charset="0"/>
-              </a:rPr>
-              <a:t>Delta Lake can compact small files together into larger files up to 1 GB in size using the OPTIMIZE operator. This can improve query performance over time.</a:t>
-            </a:r>
-          </a:p>
-          <a:p>
-            <a:pPr lvl="1"/>
-            <a:r>
-              <a:rPr lang="en-US" sz="2800" dirty="0">
-                <a:solidFill>
-                  <a:schemeClr val="tx1"/>
-                </a:solidFill>
-                <a:latin typeface="Segoe UI Semilight" panose="020B0402040204020203" pitchFamily="34" charset="0"/>
-                <a:cs typeface="Segoe UI Semilight" panose="020B0402040204020203" pitchFamily="34" charset="0"/>
-              </a:rPr>
-              <a:t>Define file paths in ADLS for query, dimension, and summary tables. Point to those paths when saving to Delta Lake.</a:t>
+              <a:t>Store secrets such as account keys and connection strings centrally in Azure Key Vault, then create a Key Vault linked service in Synapse Analytics.</a:t>
             </a:r>
             <a:endParaRPr lang="en-US" sz="2408" dirty="0">
               <a:solidFill>
@@ -21337,10 +21754,10 @@
       </p:sp>
       <p:pic>
         <p:nvPicPr>
-          <p:cNvPr id="5" name="Picture 4" descr="Databricks logo">
+          <p:cNvPr id="6" name="Picture 5" descr="Azure Key Vault logo">
             <a:extLst>
               <a:ext uri="{FF2B5EF4-FFF2-40B4-BE49-F238E27FC236}">
-                <a16:creationId xmlns:a16="http://schemas.microsoft.com/office/drawing/2014/main" id="{37EBAA59-7347-4383-868D-EDB3969B9938}"/>
+                <a16:creationId xmlns:a16="http://schemas.microsoft.com/office/drawing/2014/main" id="{65C9088F-FEF0-4E2B-9D7F-A536323D25AD}"/>
               </a:ext>
             </a:extLst>
           </p:cNvPr>
@@ -21363,8 +21780,8 @@
         </p:blipFill>
         <p:spPr>
           <a:xfrm>
-            <a:off x="10479671" y="4272322"/>
-            <a:ext cx="1294267" cy="1428008"/>
+            <a:off x="10223922" y="4892617"/>
+            <a:ext cx="1393553" cy="1393553"/>
           </a:xfrm>
           <a:prstGeom prst="rect">
             <a:avLst/>
@@ -21373,10 +21790,10 @@
       </p:pic>
       <p:pic>
         <p:nvPicPr>
-          <p:cNvPr id="7" name="Graphic 6" descr="Bar chart">
+          <p:cNvPr id="4" name="Picture 4" descr="Synapse Analytics logo">
             <a:extLst>
               <a:ext uri="{FF2B5EF4-FFF2-40B4-BE49-F238E27FC236}">
-                <a16:creationId xmlns:a16="http://schemas.microsoft.com/office/drawing/2014/main" id="{16DCD014-4007-4B34-B9E8-8380B4FA18D6}"/>
+                <a16:creationId xmlns:a16="http://schemas.microsoft.com/office/drawing/2014/main" id="{8D6AB4B6-5182-43A4-9BB6-6211A4CA193B}"/>
               </a:ext>
             </a:extLst>
           </p:cNvPr>
@@ -21396,14 +21813,13 @@
               </a:ext>
             </a:extLst>
           </a:blip>
-          <a:stretch>
-            <a:fillRect/>
-          </a:stretch>
+          <a:srcRect/>
+          <a:stretch/>
         </p:blipFill>
         <p:spPr>
           <a:xfrm>
-            <a:off x="10479672" y="2781867"/>
-            <a:ext cx="1294266" cy="1294266"/>
+            <a:off x="9859990" y="2170308"/>
+            <a:ext cx="2121415" cy="2121415"/>
           </a:xfrm>
           <a:prstGeom prst="rect">
             <a:avLst/>
@@ -21413,7 +21829,7 @@
     </p:spTree>
     <p:extLst>
       <p:ext uri="{BB962C8B-B14F-4D97-AF65-F5344CB8AC3E}">
-        <p14:creationId xmlns:p14="http://schemas.microsoft.com/office/powerpoint/2010/main" val="3866705493"/>
+        <p14:creationId xmlns:p14="http://schemas.microsoft.com/office/powerpoint/2010/main" val="1969444154"/>
       </p:ext>
     </p:extLst>
   </p:cSld>
@@ -21522,7 +21938,7 @@
                   <a:schemeClr val="tx1"/>
                 </a:solidFill>
               </a:rPr>
-              <a:t>Model training and deployment</a:t>
+              <a:t>Long-term data storage</a:t>
             </a:r>
             <a:endParaRPr lang="en-US" sz="3600" dirty="0">
               <a:solidFill>
@@ -21553,7 +21969,7 @@
                 <a:latin typeface="Segoe UI Semilight" panose="020B0402040204020203" pitchFamily="34" charset="0"/>
                 <a:cs typeface="Segoe UI Semilight" panose="020B0402040204020203" pitchFamily="34" charset="0"/>
               </a:rPr>
-              <a:t>Azure Databricks supports machine learning training at scale. Use large portion of historical payment transaction data for training, and the rest to validate the model.</a:t>
+              <a:t>Use Azure Data Lake Storage Gen2 (ADLS Gen2) as the primary file store for Synapse Analytics.</a:t>
             </a:r>
           </a:p>
           <a:p>
@@ -21566,7 +21982,7 @@
                 <a:latin typeface="Segoe UI Semilight" panose="020B0402040204020203" pitchFamily="34" charset="0"/>
                 <a:cs typeface="Segoe UI Semilight" panose="020B0402040204020203" pitchFamily="34" charset="0"/>
               </a:rPr>
-              <a:t>Use Azure Machine Learning service to host trained model and automatically deploy it to Azure Kubernetes Service (AKS) cluster for easy web accessibility and high availability.</a:t>
+              <a:t>ADLS Gen2 is specifically optimized for Big Data workloads.</a:t>
             </a:r>
           </a:p>
           <a:p>
@@ -21579,7 +21995,7 @@
                 <a:latin typeface="Segoe UI Semilight" panose="020B0402040204020203" pitchFamily="34" charset="0"/>
                 <a:cs typeface="Segoe UI Semilight" panose="020B0402040204020203" pitchFamily="34" charset="0"/>
               </a:rPr>
-              <a:t>Store trained model in ADLS or Azure Machine Learning.</a:t>
+              <a:t>Synapse Link automatically synchronizes Cosmos DB container data to an Azure storage account.</a:t>
             </a:r>
           </a:p>
           <a:p>
@@ -21592,7 +22008,7 @@
                 <a:latin typeface="Segoe UI Semilight" panose="020B0402040204020203" pitchFamily="34" charset="0"/>
                 <a:cs typeface="Segoe UI Semilight" panose="020B0402040204020203" pitchFamily="34" charset="0"/>
               </a:rPr>
-              <a:t>Access model from notebook to batch score “suspicious transactions” on schedule. Use Cosmos DB Spark connector from notebook to push data set globally.</a:t>
+              <a:t>Access the analytical store through Synapse Notebooks with Apache Spark, or through T-SQL through Synapse SQL Serverless (SQL on-demand). Business analysts can create queries and build Power BI reports that use SQL views.</a:t>
             </a:r>
             <a:endParaRPr lang="en-US" sz="2408" dirty="0">
               <a:solidFill>
@@ -21619,10 +22035,10 @@
       </p:sp>
       <p:pic>
         <p:nvPicPr>
-          <p:cNvPr id="5" name="Picture 4" descr="Databricks logo">
+          <p:cNvPr id="7" name="Graphic 6" descr="Bar chart">
             <a:extLst>
               <a:ext uri="{FF2B5EF4-FFF2-40B4-BE49-F238E27FC236}">
-                <a16:creationId xmlns:a16="http://schemas.microsoft.com/office/drawing/2014/main" id="{37EBAA59-7347-4383-868D-EDB3969B9938}"/>
+                <a16:creationId xmlns:a16="http://schemas.microsoft.com/office/drawing/2014/main" id="{16DCD014-4007-4B34-B9E8-8380B4FA18D6}"/>
               </a:ext>
             </a:extLst>
           </p:cNvPr>
@@ -21632,10 +22048,13 @@
           <p:nvPr/>
         </p:nvPicPr>
         <p:blipFill>
-          <a:blip r:embed="rId3" cstate="print">
+          <a:blip r:embed="rId3">
             <a:extLst>
               <a:ext uri="{28A0092B-C50C-407E-A947-70E740481C1C}">
                 <a14:useLocalDpi xmlns:a14="http://schemas.microsoft.com/office/drawing/2010/main" val="0"/>
+              </a:ext>
+              <a:ext uri="{96DAC541-7B7A-43D3-8B79-37D633B846F1}">
+                <asvg:svgBlip xmlns:asvg="http://schemas.microsoft.com/office/drawing/2016/SVG/main" r:embed="rId4"/>
               </a:ext>
             </a:extLst>
           </a:blip>
@@ -21645,8 +22064,8 @@
         </p:blipFill>
         <p:spPr>
           <a:xfrm>
-            <a:off x="10307403" y="4782185"/>
-            <a:ext cx="1294267" cy="1428008"/>
+            <a:off x="10479672" y="2781867"/>
+            <a:ext cx="1294266" cy="1294266"/>
           </a:xfrm>
           <a:prstGeom prst="rect">
             <a:avLst/>
@@ -21655,10 +22074,10 @@
       </p:pic>
       <p:pic>
         <p:nvPicPr>
-          <p:cNvPr id="6" name="Graphic 5" descr="Brain icon">
+          <p:cNvPr id="4" name="Picture 4" descr="Synapse Analytics logo">
             <a:extLst>
               <a:ext uri="{FF2B5EF4-FFF2-40B4-BE49-F238E27FC236}">
-                <a16:creationId xmlns:a16="http://schemas.microsoft.com/office/drawing/2014/main" id="{6A94AC2D-6DEC-46CC-BE49-E8E07EC2F9C7}"/>
+                <a16:creationId xmlns:a16="http://schemas.microsoft.com/office/drawing/2014/main" id="{31B27C7B-F7F3-45A0-9EBD-FEE80F7A1D26}"/>
               </a:ext>
             </a:extLst>
           </p:cNvPr>
@@ -21668,63 +22087,23 @@
           <p:nvPr/>
         </p:nvPicPr>
         <p:blipFill>
-          <a:blip r:embed="rId4">
+          <a:blip r:embed="rId5">
             <a:extLst>
               <a:ext uri="{28A0092B-C50C-407E-A947-70E740481C1C}">
                 <a14:useLocalDpi xmlns:a14="http://schemas.microsoft.com/office/drawing/2010/main" val="0"/>
               </a:ext>
               <a:ext uri="{96DAC541-7B7A-43D3-8B79-37D633B846F1}">
-                <asvg:svgBlip xmlns:asvg="http://schemas.microsoft.com/office/drawing/2016/SVG/main" r:embed="rId5"/>
+                <asvg:svgBlip xmlns:asvg="http://schemas.microsoft.com/office/drawing/2016/SVG/main" r:embed="rId6"/>
               </a:ext>
             </a:extLst>
           </a:blip>
-          <a:stretch>
-            <a:fillRect/>
-          </a:stretch>
+          <a:srcRect/>
+          <a:stretch/>
         </p:blipFill>
         <p:spPr>
           <a:xfrm>
-            <a:off x="10173662" y="1361811"/>
-            <a:ext cx="1428008" cy="1428008"/>
-          </a:xfrm>
-          <a:prstGeom prst="rect">
-            <a:avLst/>
-          </a:prstGeom>
-        </p:spPr>
-      </p:pic>
-      <p:pic>
-        <p:nvPicPr>
-          <p:cNvPr id="8" name="Graphic 7" descr="Azure Machine Learning icon">
-            <a:extLst>
-              <a:ext uri="{FF2B5EF4-FFF2-40B4-BE49-F238E27FC236}">
-                <a16:creationId xmlns:a16="http://schemas.microsoft.com/office/drawing/2014/main" id="{8506511A-115F-4395-82D5-46DF71FABEF4}"/>
-              </a:ext>
-            </a:extLst>
-          </p:cNvPr>
-          <p:cNvPicPr>
-            <a:picLocks noChangeAspect="1"/>
-          </p:cNvPicPr>
-          <p:nvPr/>
-        </p:nvPicPr>
-        <p:blipFill>
-          <a:blip r:embed="rId6">
-            <a:extLst>
-              <a:ext uri="{28A0092B-C50C-407E-A947-70E740481C1C}">
-                <a14:useLocalDpi xmlns:a14="http://schemas.microsoft.com/office/drawing/2010/main" val="0"/>
-              </a:ext>
-              <a:ext uri="{96DAC541-7B7A-43D3-8B79-37D633B846F1}">
-                <asvg:svgBlip xmlns:asvg="http://schemas.microsoft.com/office/drawing/2016/SVG/main" r:embed="rId7"/>
-              </a:ext>
-            </a:extLst>
-          </a:blip>
-          <a:stretch>
-            <a:fillRect/>
-          </a:stretch>
-        </p:blipFill>
-        <p:spPr>
-          <a:xfrm>
-            <a:off x="10307403" y="3063564"/>
-            <a:ext cx="1294267" cy="1294267"/>
+            <a:off x="10269886" y="4461565"/>
+            <a:ext cx="1652874" cy="1652874"/>
           </a:xfrm>
           <a:prstGeom prst="rect">
             <a:avLst/>
@@ -21734,7 +22113,7 @@
     </p:spTree>
     <p:extLst>
       <p:ext uri="{BB962C8B-B14F-4D97-AF65-F5344CB8AC3E}">
-        <p14:creationId xmlns:p14="http://schemas.microsoft.com/office/powerpoint/2010/main" val="661248076"/>
+        <p14:creationId xmlns:p14="http://schemas.microsoft.com/office/powerpoint/2010/main" val="3866705493"/>
       </p:ext>
     </p:extLst>
   </p:cSld>
@@ -21830,7 +22209,7 @@
         </p:spPr>
         <p:txBody>
           <a:bodyPr>
-            <a:normAutofit/>
+            <a:normAutofit fontScale="92500"/>
           </a:bodyPr>
           <a:lstStyle/>
           <a:p>
@@ -21843,7 +22222,7 @@
                   <a:schemeClr val="tx1"/>
                 </a:solidFill>
               </a:rPr>
-              <a:t>Dashboards and reporting</a:t>
+              <a:t>Model training and deployment</a:t>
             </a:r>
             <a:endParaRPr lang="en-US" sz="3600" dirty="0">
               <a:solidFill>
@@ -21874,18 +22253,8 @@
                 <a:latin typeface="Segoe UI Semilight" panose="020B0402040204020203" pitchFamily="34" charset="0"/>
                 <a:cs typeface="Segoe UI Semilight" panose="020B0402040204020203" pitchFamily="34" charset="0"/>
               </a:rPr>
-              <a:t>Connect to Databricks Delta tables from Power BI to allow analysts to build reports and dashboards.</a:t>
-            </a:r>
-          </a:p>
-          <a:p>
-            <a:pPr lvl="1"/>
-            <a:endParaRPr lang="en-US" sz="2800" dirty="0">
-              <a:solidFill>
-                <a:schemeClr val="tx1"/>
-              </a:solidFill>
-              <a:latin typeface="Segoe UI Semilight" panose="020B0402040204020203" pitchFamily="34" charset="0"/>
-              <a:cs typeface="Segoe UI Semilight" panose="020B0402040204020203" pitchFamily="34" charset="0"/>
-            </a:endParaRPr>
+              <a:t>Use Azure Machine Learning studio notebooks for model training. Use large portion of historical payment transaction data for training, and the rest to validate the model.</a:t>
+            </a:r>
           </a:p>
           <a:p>
             <a:pPr lvl="1"/>
@@ -21897,18 +22266,8 @@
                 <a:latin typeface="Segoe UI Semilight" panose="020B0402040204020203" pitchFamily="34" charset="0"/>
                 <a:cs typeface="Segoe UI Semilight" panose="020B0402040204020203" pitchFamily="34" charset="0"/>
               </a:rPr>
-              <a:t>The connection can be made using a JDBC connection string to an Azure Databricks cluster. Querying the tables is similar to querying a more traditional relational database.</a:t>
-            </a:r>
-          </a:p>
-          <a:p>
-            <a:pPr lvl="1"/>
-            <a:endParaRPr lang="en-US" sz="2800" dirty="0">
-              <a:solidFill>
-                <a:schemeClr val="tx1"/>
-              </a:solidFill>
-              <a:latin typeface="Segoe UI Semilight" panose="020B0402040204020203" pitchFamily="34" charset="0"/>
-              <a:cs typeface="Segoe UI Semilight" panose="020B0402040204020203" pitchFamily="34" charset="0"/>
-            </a:endParaRPr>
+              <a:t>Use Azure Machine Learning service to host trained model and automatically deploy it to Azure Kubernetes Service (AKS) cluster for easy web accessibility and high availability.</a:t>
+            </a:r>
           </a:p>
           <a:p>
             <a:pPr lvl="1"/>
@@ -21920,7 +22279,20 @@
                 <a:latin typeface="Segoe UI Semilight" panose="020B0402040204020203" pitchFamily="34" charset="0"/>
                 <a:cs typeface="Segoe UI Semilight" panose="020B0402040204020203" pitchFamily="34" charset="0"/>
               </a:rPr>
-              <a:t>Data scientists and data engineers can use Azure Databricks notebooks to craft complex queries and data visualizations.</a:t>
+              <a:t>Store trained model in ADLS and Azure Machine Learning.</a:t>
+            </a:r>
+          </a:p>
+          <a:p>
+            <a:pPr lvl="1"/>
+            <a:r>
+              <a:rPr lang="en-US" sz="2800" dirty="0">
+                <a:solidFill>
+                  <a:schemeClr val="tx1"/>
+                </a:solidFill>
+                <a:latin typeface="Segoe UI Semilight" panose="020B0402040204020203" pitchFamily="34" charset="0"/>
+                <a:cs typeface="Segoe UI Semilight" panose="020B0402040204020203" pitchFamily="34" charset="0"/>
+              </a:rPr>
+              <a:t>Access model from notebook to batch score “suspicious transactions” on schedule. Use Cosmos DB linked service from notebook to push data set globally. Schedule to run in a Synapse pipeline.</a:t>
             </a:r>
             <a:endParaRPr lang="en-US" sz="2408" dirty="0">
               <a:solidFill>
@@ -21947,10 +22319,10 @@
       </p:sp>
       <p:pic>
         <p:nvPicPr>
-          <p:cNvPr id="5" name="Picture 4" descr="Databricks logo">
+          <p:cNvPr id="6" name="Graphic 5" descr="Brain icon">
             <a:extLst>
               <a:ext uri="{FF2B5EF4-FFF2-40B4-BE49-F238E27FC236}">
-                <a16:creationId xmlns:a16="http://schemas.microsoft.com/office/drawing/2014/main" id="{37EBAA59-7347-4383-868D-EDB3969B9938}"/>
+                <a16:creationId xmlns:a16="http://schemas.microsoft.com/office/drawing/2014/main" id="{6A94AC2D-6DEC-46CC-BE49-E8E07EC2F9C7}"/>
               </a:ext>
             </a:extLst>
           </p:cNvPr>
@@ -21960,10 +22332,13 @@
           <p:nvPr/>
         </p:nvPicPr>
         <p:blipFill>
-          <a:blip r:embed="rId3" cstate="print">
+          <a:blip r:embed="rId3">
             <a:extLst>
               <a:ext uri="{28A0092B-C50C-407E-A947-70E740481C1C}">
                 <a14:useLocalDpi xmlns:a14="http://schemas.microsoft.com/office/drawing/2010/main" val="0"/>
+              </a:ext>
+              <a:ext uri="{96DAC541-7B7A-43D3-8B79-37D633B846F1}">
+                <asvg:svgBlip xmlns:asvg="http://schemas.microsoft.com/office/drawing/2016/SVG/main" r:embed="rId4"/>
               </a:ext>
             </a:extLst>
           </a:blip>
@@ -21973,8 +22348,8 @@
         </p:blipFill>
         <p:spPr>
           <a:xfrm>
-            <a:off x="10307403" y="4782185"/>
-            <a:ext cx="1294267" cy="1428008"/>
+            <a:off x="10173662" y="1361811"/>
+            <a:ext cx="1428008" cy="1428008"/>
           </a:xfrm>
           <a:prstGeom prst="rect">
             <a:avLst/>
@@ -21983,10 +22358,10 @@
       </p:pic>
       <p:pic>
         <p:nvPicPr>
-          <p:cNvPr id="7" name="Picture 6" descr="Power BI logo">
+          <p:cNvPr id="8" name="Graphic 7" descr="Azure Machine Learning icon">
             <a:extLst>
               <a:ext uri="{FF2B5EF4-FFF2-40B4-BE49-F238E27FC236}">
-                <a16:creationId xmlns:a16="http://schemas.microsoft.com/office/drawing/2014/main" id="{9040D8A2-5E71-48F8-AC13-EEA57DDB228A}"/>
+                <a16:creationId xmlns:a16="http://schemas.microsoft.com/office/drawing/2014/main" id="{8506511A-115F-4395-82D5-46DF71FABEF4}"/>
               </a:ext>
             </a:extLst>
           </p:cNvPr>
@@ -21996,11 +22371,13 @@
           <p:nvPr/>
         </p:nvPicPr>
         <p:blipFill>
-          <a:blip r:embed="rId4" cstate="print">
-            <a:lum bright="70000" contrast="-70000"/>
+          <a:blip r:embed="rId5">
             <a:extLst>
               <a:ext uri="{28A0092B-C50C-407E-A947-70E740481C1C}">
                 <a14:useLocalDpi xmlns:a14="http://schemas.microsoft.com/office/drawing/2010/main" val="0"/>
+              </a:ext>
+              <a:ext uri="{96DAC541-7B7A-43D3-8B79-37D633B846F1}">
+                <asvg:svgBlip xmlns:asvg="http://schemas.microsoft.com/office/drawing/2016/SVG/main" r:embed="rId6"/>
               </a:ext>
             </a:extLst>
           </a:blip>
@@ -22010,8 +22387,46 @@
         </p:blipFill>
         <p:spPr>
           <a:xfrm>
-            <a:off x="10307403" y="2611002"/>
-            <a:ext cx="1294266" cy="1294266"/>
+            <a:off x="10307403" y="3063564"/>
+            <a:ext cx="1294267" cy="1294267"/>
+          </a:xfrm>
+          <a:prstGeom prst="rect">
+            <a:avLst/>
+          </a:prstGeom>
+        </p:spPr>
+      </p:pic>
+      <p:pic>
+        <p:nvPicPr>
+          <p:cNvPr id="4" name="Picture 4" descr="Synapse Analytics logo">
+            <a:extLst>
+              <a:ext uri="{FF2B5EF4-FFF2-40B4-BE49-F238E27FC236}">
+                <a16:creationId xmlns:a16="http://schemas.microsoft.com/office/drawing/2014/main" id="{1D662483-B56A-47E8-B282-39D5C6C55CF7}"/>
+              </a:ext>
+            </a:extLst>
+          </p:cNvPr>
+          <p:cNvPicPr>
+            <a:picLocks noChangeAspect="1"/>
+          </p:cNvPicPr>
+          <p:nvPr/>
+        </p:nvPicPr>
+        <p:blipFill>
+          <a:blip r:embed="rId7">
+            <a:extLst>
+              <a:ext uri="{28A0092B-C50C-407E-A947-70E740481C1C}">
+                <a14:useLocalDpi xmlns:a14="http://schemas.microsoft.com/office/drawing/2010/main" val="0"/>
+              </a:ext>
+              <a:ext uri="{96DAC541-7B7A-43D3-8B79-37D633B846F1}">
+                <asvg:svgBlip xmlns:asvg="http://schemas.microsoft.com/office/drawing/2016/SVG/main" r:embed="rId8"/>
+              </a:ext>
+            </a:extLst>
+          </a:blip>
+          <a:srcRect/>
+          <a:stretch/>
+        </p:blipFill>
+        <p:spPr>
+          <a:xfrm>
+            <a:off x="10240532" y="4998910"/>
+            <a:ext cx="1428008" cy="1428008"/>
           </a:xfrm>
           <a:prstGeom prst="rect">
             <a:avLst/>
@@ -22021,7 +22436,7 @@
     </p:spTree>
     <p:extLst>
       <p:ext uri="{BB962C8B-B14F-4D97-AF65-F5344CB8AC3E}">
-        <p14:creationId xmlns:p14="http://schemas.microsoft.com/office/powerpoint/2010/main" val="2621193989"/>
+        <p14:creationId xmlns:p14="http://schemas.microsoft.com/office/powerpoint/2010/main" val="661248076"/>
       </p:ext>
     </p:extLst>
   </p:cSld>
@@ -22161,7 +22576,7 @@
                 <a:latin typeface="Segoe UI Semilight" panose="020B0402040204020203" pitchFamily="34" charset="0"/>
                 <a:cs typeface="Segoe UI Semilight" panose="020B0402040204020203" pitchFamily="34" charset="0"/>
               </a:rPr>
-              <a:t>A more cost-effective option for serving summary data for business analysts to use from Power BI is to use Azure Analysis Services. This eliminates having to have a dedicated Databricks cluster running at all times for reporting and analysis.</a:t>
+              <a:t>Create SQL views over the analytical store with Synapse SQL Serverless (SQL on-demand). Connect to views from Power BI to allow analysts to build reports and dashboards.</a:t>
             </a:r>
           </a:p>
           <a:p>
@@ -22174,7 +22589,33 @@
                 <a:latin typeface="Segoe UI Semilight" panose="020B0402040204020203" pitchFamily="34" charset="0"/>
                 <a:cs typeface="Segoe UI Semilight" panose="020B0402040204020203" pitchFamily="34" charset="0"/>
               </a:rPr>
-              <a:t>Your data is stored in a tabular semantic data model, which you populate by writing to it during stream processing using rolling aggregates over a time window, or by batch processing on a schedule using an Azure Databricks job or an orchestration service like Azure Data Factory.</a:t>
+              <a:t>The connection can be made using the SQL on-demand service endpoint. Querying the analytical store is similar to querying a more traditional relational database.</a:t>
+            </a:r>
+          </a:p>
+          <a:p>
+            <a:pPr lvl="1"/>
+            <a:r>
+              <a:rPr lang="en-US" sz="2800" dirty="0">
+                <a:solidFill>
+                  <a:schemeClr val="tx1"/>
+                </a:solidFill>
+                <a:latin typeface="Segoe UI Semilight" panose="020B0402040204020203" pitchFamily="34" charset="0"/>
+                <a:cs typeface="Segoe UI Semilight" panose="020B0402040204020203" pitchFamily="34" charset="0"/>
+              </a:rPr>
+              <a:t>Add a Power BI linked service for Power BI dataset and report integration into Synapse Studio.</a:t>
+            </a:r>
+          </a:p>
+          <a:p>
+            <a:pPr lvl="1"/>
+            <a:r>
+              <a:rPr lang="en-US" sz="2800" dirty="0">
+                <a:solidFill>
+                  <a:schemeClr val="tx1"/>
+                </a:solidFill>
+                <a:latin typeface="Segoe UI Semilight" panose="020B0402040204020203" pitchFamily="34" charset="0"/>
+                <a:cs typeface="Segoe UI Semilight" panose="020B0402040204020203" pitchFamily="34" charset="0"/>
+              </a:rPr>
+              <a:t>Data scientists and data engineers can use Azure Synapse notebooks to craft complex queries and data visualizations.</a:t>
             </a:r>
             <a:endParaRPr lang="en-US" sz="2408" dirty="0">
               <a:solidFill>
@@ -22238,10 +22679,10 @@
       </p:pic>
       <p:pic>
         <p:nvPicPr>
-          <p:cNvPr id="6" name="Picture 5" descr="Analysis Services logo">
+          <p:cNvPr id="4" name="Picture 4" descr="Synapse Analytics logo">
             <a:extLst>
               <a:ext uri="{FF2B5EF4-FFF2-40B4-BE49-F238E27FC236}">
-                <a16:creationId xmlns:a16="http://schemas.microsoft.com/office/drawing/2014/main" id="{6736AFB8-2C5F-465C-872A-1606F7557841}"/>
+                <a16:creationId xmlns:a16="http://schemas.microsoft.com/office/drawing/2014/main" id="{83F7FB4C-1F71-417F-9820-375695209493}"/>
               </a:ext>
             </a:extLst>
           </p:cNvPr>
@@ -22251,22 +22692,23 @@
           <p:nvPr/>
         </p:nvPicPr>
         <p:blipFill>
-          <a:blip r:embed="rId4" cstate="print">
-            <a:biLevel thresh="25000"/>
+          <a:blip r:embed="rId4">
             <a:extLst>
               <a:ext uri="{28A0092B-C50C-407E-A947-70E740481C1C}">
                 <a14:useLocalDpi xmlns:a14="http://schemas.microsoft.com/office/drawing/2010/main" val="0"/>
               </a:ext>
+              <a:ext uri="{96DAC541-7B7A-43D3-8B79-37D633B846F1}">
+                <asvg:svgBlip xmlns:asvg="http://schemas.microsoft.com/office/drawing/2016/SVG/main" r:embed="rId5"/>
+              </a:ext>
             </a:extLst>
           </a:blip>
-          <a:stretch>
-            <a:fillRect/>
-          </a:stretch>
+          <a:srcRect/>
+          <a:stretch/>
         </p:blipFill>
         <p:spPr>
           <a:xfrm>
-            <a:off x="10307402" y="4451109"/>
-            <a:ext cx="1294267" cy="1294267"/>
+            <a:off x="10240532" y="4998910"/>
+            <a:ext cx="1428008" cy="1428008"/>
           </a:xfrm>
           <a:prstGeom prst="rect">
             <a:avLst/>
@@ -22276,7 +22718,7 @@
     </p:spTree>
     <p:extLst>
       <p:ext uri="{BB962C8B-B14F-4D97-AF65-F5344CB8AC3E}">
-        <p14:creationId xmlns:p14="http://schemas.microsoft.com/office/powerpoint/2010/main" val="3865293447"/>
+        <p14:creationId xmlns:p14="http://schemas.microsoft.com/office/powerpoint/2010/main" val="2621193989"/>
       </p:ext>
     </p:extLst>
   </p:cSld>
@@ -22459,7 +22901,7 @@
                 <a:ea typeface="Segoe UI" panose="020B0502040204020203" pitchFamily="34" charset="0"/>
                 <a:cs typeface="Segoe UI Light" panose="020B0502040204020203" pitchFamily="34" charset="0"/>
               </a:rPr>
-              <a:t>Cosmos DB was created from the ground-up as a multi-model distributed database service that can run at a global scale. Storing and serving data globally is a key requirement for Woodgrove Bank. The change feed feature supports long-term raw data storage as well as sending streaming data to Azure Databricks for real-time processing.</a:t>
+              <a:t>Cosmos DB was created from the ground-up as a multi-model distributed database service that can run at a global scale. Storing and serving data globally is a key requirement for Woodgrove Bank. The change feed feature supports long-term raw data storage as well as sending streaming data to Synapse Analytics for real-time processing.</a:t>
             </a:r>
           </a:p>
           <a:p>
@@ -22732,29 +23174,7 @@
                 <a:ea typeface="Segoe UI" panose="020B0502040204020203" pitchFamily="34" charset="0"/>
                 <a:cs typeface="Segoe UI Light" panose="020B0502040204020203" pitchFamily="34" charset="0"/>
               </a:rPr>
-              <a:t>Visit </a:t>
-            </a:r>
-            <a:r>
-              <a:rPr lang="en-US" sz="2800" b="1" dirty="0">
-                <a:solidFill>
-                  <a:schemeClr val="tx1"/>
-                </a:solidFill>
-                <a:latin typeface="Segoe UI Light" panose="020B0502040204020203" pitchFamily="34" charset="0"/>
-                <a:ea typeface="Segoe UI" panose="020B0502040204020203" pitchFamily="34" charset="0"/>
-                <a:cs typeface="Segoe UI Light" panose="020B0502040204020203" pitchFamily="34" charset="0"/>
-              </a:rPr>
-              <a:t>https://github.com/Azure/azure-cosmosdb-spark</a:t>
-            </a:r>
-            <a:r>
-              <a:rPr lang="en-US" sz="2800" dirty="0">
-                <a:solidFill>
-                  <a:schemeClr val="tx1"/>
-                </a:solidFill>
-                <a:latin typeface="Segoe UI Light" panose="020B0502040204020203" pitchFamily="34" charset="0"/>
-                <a:ea typeface="Segoe UI" panose="020B0502040204020203" pitchFamily="34" charset="0"/>
-                <a:cs typeface="Segoe UI Light" panose="020B0502040204020203" pitchFamily="34" charset="0"/>
-              </a:rPr>
-              <a:t> to learn how to use the connector and to access sample code.</a:t>
+              <a:t>Add a Cosmos DB linked service to Synapse Analytics to easily access Cosmos DB containers and query from Synapse notebooks. Enable Synapse Link to use the Cosmos DB analytical store for efficient analytical queries.</a:t>
             </a:r>
           </a:p>
           <a:p>
@@ -22997,7 +23417,7 @@
                 <a:ea typeface="Segoe UI" panose="020B0502040204020203" pitchFamily="34" charset="0"/>
                 <a:cs typeface="Segoe UI Light" panose="020B0502040204020203" pitchFamily="34" charset="0"/>
               </a:rPr>
-              <a:t>The typical approach to model training involves a time-consuming process trying dozens or even hundreds of combinations. This includes different ways of normalizing data, trying different algorithms and different settings for those algorithms (hyperparameters). Azure Machine Learning AutoML helps automate trying different combinations and evaluating the best performing model against a user-selected performance metric. This can be used within Databricks notebooks.</a:t>
+              <a:t>The typical approach to model training involves a time-consuming process trying dozens or even hundreds of combinations. This includes different ways of normalizing data, trying different algorithms and different settings for those algorithms (hyperparameters). Azure Machine Learning AutoML helps automate trying different combinations and evaluating the best performing model against a user-selected performance metric. This can be used within Azure ML notebooks.</a:t>
             </a:r>
           </a:p>
           <a:p>
@@ -23341,7 +23761,7 @@
         </p:spPr>
         <p:txBody>
           <a:bodyPr>
-            <a:normAutofit lnSpcReduction="10000"/>
+            <a:normAutofit fontScale="92500" lnSpcReduction="10000"/>
           </a:bodyPr>
           <a:lstStyle/>
           <a:p>
@@ -23443,7 +23863,51 @@
                 <a:ea typeface="Segoe UI" panose="020B0502040204020203" pitchFamily="34" charset="0"/>
                 <a:cs typeface="Segoe UI Light" panose="020B0502040204020203" pitchFamily="34" charset="0"/>
               </a:rPr>
-              <a:t>Its greatest strength is that it provides a multi-model, globally available NoSQL database with high concurrency, low latency, and predictable results. All data is synchronized transparently across all regions for you. Save costs by scaling up resource units (RUs) as you need them for batch processes or heavy load, then scale back down. You can automate this with a combination of Azure Monitor and Azure Functions. Use time-to-live (TTL) to automatically delete entities after a specified period of time to save space. Also, store multiple entity types in the same container. Do not create a separate container for each entity type.</a:t>
+              <a:t>Its greatest strength is that it provides a multi-model, globally available NoSQL database with high concurrency, low latency, and predictable results. All data is synchronized transparently across all regions for you. Save costs by scaling up resource units (RUs) as you need them for batch processes or heavy load, then scale back down. Use the </a:t>
+            </a:r>
+            <a:r>
+              <a:rPr lang="en-US" sz="2800" dirty="0" err="1">
+                <a:solidFill>
+                  <a:schemeClr val="tx1"/>
+                </a:solidFill>
+                <a:latin typeface="Segoe UI Light" panose="020B0502040204020203" pitchFamily="34" charset="0"/>
+                <a:ea typeface="Segoe UI" panose="020B0502040204020203" pitchFamily="34" charset="0"/>
+                <a:cs typeface="Segoe UI Light" panose="020B0502040204020203" pitchFamily="34" charset="0"/>
+              </a:rPr>
+              <a:t>autoscale</a:t>
+            </a:r>
+            <a:r>
+              <a:rPr lang="en-US" sz="2800" dirty="0">
+                <a:solidFill>
+                  <a:schemeClr val="tx1"/>
+                </a:solidFill>
+                <a:latin typeface="Segoe UI Light" panose="020B0502040204020203" pitchFamily="34" charset="0"/>
+                <a:ea typeface="Segoe UI" panose="020B0502040204020203" pitchFamily="34" charset="0"/>
+                <a:cs typeface="Segoe UI Light" panose="020B0502040204020203" pitchFamily="34" charset="0"/>
+              </a:rPr>
+              <a:t> throughput feature on containers and databases to automatically scale RUs based on demand. Query the analytical store enabled by Synapse Link without impacting </a:t>
+            </a:r>
+            <a:r>
+              <a:rPr lang="en-US" sz="2800">
+                <a:solidFill>
+                  <a:schemeClr val="tx1"/>
+                </a:solidFill>
+                <a:latin typeface="Segoe UI Light" panose="020B0502040204020203" pitchFamily="34" charset="0"/>
+                <a:ea typeface="Segoe UI" panose="020B0502040204020203" pitchFamily="34" charset="0"/>
+                <a:cs typeface="Segoe UI Light" panose="020B0502040204020203" pitchFamily="34" charset="0"/>
+              </a:rPr>
+              <a:t>transactional workloads. </a:t>
+            </a:r>
+            <a:r>
+              <a:rPr lang="en-US" sz="2800" dirty="0">
+                <a:solidFill>
+                  <a:schemeClr val="tx1"/>
+                </a:solidFill>
+                <a:latin typeface="Segoe UI Light" panose="020B0502040204020203" pitchFamily="34" charset="0"/>
+                <a:ea typeface="Segoe UI" panose="020B0502040204020203" pitchFamily="34" charset="0"/>
+                <a:cs typeface="Segoe UI Light" panose="020B0502040204020203" pitchFamily="34" charset="0"/>
+              </a:rPr>
+              <a:t>Also, store multiple entity types in the same container. Do not create a separate container for each entity type.</a:t>
             </a:r>
           </a:p>
           <a:p>

--- a/Whiteboard design session/WDS trainer presentation - Cosmos DB Real Time Advanced Analytics.pptx
+++ b/Whiteboard design session/WDS trainer presentation - Cosmos DB Real Time Advanced Analytics.pptx
@@ -238,7 +238,7 @@
           <a:p>
             <a:fld id="{52A13B17-C506-4D51-BB37-16B365906619}" type="datetimeFigureOut">
               <a:rPr lang="en-US" smtClean="0"/>
-              <a:t>9/28/2020</a:t>
+              <a:t>10/9/2020</a:t>
             </a:fld>
             <a:endParaRPr lang="en-US" dirty="0"/>
           </a:p>
@@ -1113,135 +1113,239 @@
           <a:bodyPr/>
           <a:lstStyle/>
           <a:p>
-            <a:pPr algn="l"/>
-            <a:r>
-              <a:rPr lang="en-US" b="0" i="0" dirty="0">
-                <a:solidFill>
-                  <a:srgbClr val="24292E"/>
+            <a:r>
+              <a:rPr lang="en-US" b="0" dirty="0">
+                <a:solidFill>
+                  <a:srgbClr val="D6DEEB"/>
                 </a:solidFill>
                 <a:effectLst/>
-                <a:latin typeface="-apple-system"/>
-              </a:rPr>
-              <a:t>The data flow for the solution begins with the payment transaction systems writing transactions to Azure Cosmos DB. Using the built-in change feed feature in Cosmos DB, the transactions can be read as a stream of incoming data within an Azure Synapse Analytics notebook, using Synapse Link. All transactional data is automatically stored in a fully isolated column store by enabling the Azure Cosmos DB Analytical Store. This store enables large-scale analytics against the operational data in Azure Cosmos DB, without impacting the transactional workloads or incurring resource unit (RU) costs. </a:t>
-            </a:r>
-            <a:r>
-              <a:rPr lang="en-US" b="0" i="0" dirty="0" err="1">
-                <a:solidFill>
-                  <a:srgbClr val="24292E"/>
+                <a:latin typeface="Consolas" panose="020B0609020204030204" pitchFamily="49" charset="0"/>
+              </a:rPr>
+              <a:t>The data flow for the solution begins with the payment transaction systems writing transactions to Azure Cosmos DB. </a:t>
+            </a:r>
+            <a:r>
+              <a:rPr lang="en-US" b="0" dirty="0" err="1">
+                <a:solidFill>
+                  <a:srgbClr val="D6DEEB"/>
                 </a:solidFill>
                 <a:effectLst/>
-                <a:latin typeface="-apple-system"/>
+                <a:latin typeface="Consolas" panose="020B0609020204030204" pitchFamily="49" charset="0"/>
               </a:rPr>
               <a:t>Woodgrove</a:t>
             </a:r>
             <a:r>
-              <a:rPr lang="en-US" b="0" i="0" dirty="0">
-                <a:solidFill>
-                  <a:srgbClr val="24292E"/>
+              <a:rPr lang="en-US" b="0" dirty="0">
+                <a:solidFill>
+                  <a:srgbClr val="D6DEEB"/>
                 </a:solidFill>
                 <a:effectLst/>
-                <a:latin typeface="-apple-system"/>
-              </a:rPr>
-              <a:t> Bank's analysts query historical data contained within the analytical store and use it to join on reference data stored within the analytical store of other containers, as well as the data lake.</a:t>
-            </a:r>
-          </a:p>
-          <a:p>
-            <a:pPr algn="l"/>
-            <a:endParaRPr lang="en-US" b="0" i="0" dirty="0">
-              <a:solidFill>
-                <a:srgbClr val="24292E"/>
-              </a:solidFill>
-              <a:effectLst/>
-              <a:latin typeface="-apple-system"/>
-            </a:endParaRPr>
-          </a:p>
-          <a:p>
-            <a:pPr algn="l"/>
-            <a:r>
-              <a:rPr lang="en-US" b="0" i="0" dirty="0">
-                <a:solidFill>
-                  <a:srgbClr val="24292E"/>
+                <a:latin typeface="Consolas" panose="020B0609020204030204" pitchFamily="49" charset="0"/>
+              </a:rPr>
+              <a:t> Bank enables Synapse Link integration when provisioning the Azure Cosmos DB account. With this feature enabled, they turn on the analytical store when creating each of the containers, which serves as a fully isolated column store that is automatically populated when the payment transaction system writes data to the transactional container. The analytical store enables large-scale analytics against the operational data in Azure Cosmos DB, without impacting the transactional workloads or incurring resource unit (RU) costs. </a:t>
+            </a:r>
+            <a:r>
+              <a:rPr lang="en-US" b="0" dirty="0" err="1">
+                <a:solidFill>
+                  <a:srgbClr val="D6DEEB"/>
                 </a:solidFill>
                 <a:effectLst/>
-                <a:latin typeface="-apple-system"/>
-              </a:rPr>
-              <a:t>Azure Synapse Analytics serves as the end-to-end analytics platform that combines SQL data warehousing, big data analytics, and data integration, and is central to the architecture. Synapse Analytics is required when using the Synapse Link feature that enables the Azure Cosmos DB analytical store.</a:t>
-            </a:r>
-          </a:p>
-          <a:p>
-            <a:pPr algn="l"/>
-            <a:r>
-              <a:rPr lang="en-US" b="0" i="0" dirty="0">
-                <a:solidFill>
-                  <a:srgbClr val="24292E"/>
+                <a:latin typeface="Consolas" panose="020B0609020204030204" pitchFamily="49" charset="0"/>
+              </a:rPr>
+              <a:t>Woodgrove</a:t>
+            </a:r>
+            <a:r>
+              <a:rPr lang="en-US" b="0" dirty="0">
+                <a:solidFill>
+                  <a:srgbClr val="D6DEEB"/>
                 </a:solidFill>
                 <a:effectLst/>
-                <a:latin typeface="-apple-system"/>
-              </a:rPr>
-              <a:t>Azure Machine Learning (Azure ML) is used to train both the real-time and batch machine learning models. The Azure ML workspace stores and manages trained models, and is used to deploy the trained model as a real-time scoring web service running on a highly available Azure Kubernetes Service cluster (AKS cluster). </a:t>
-            </a:r>
-            <a:r>
-              <a:rPr lang="en-US" b="0" i="0" dirty="0" err="1">
-                <a:solidFill>
-                  <a:srgbClr val="24292E"/>
+                <a:latin typeface="Consolas" panose="020B0609020204030204" pitchFamily="49" charset="0"/>
+              </a:rPr>
+              <a:t> Bank's analysts query historical data within the analytical store and use it to join on reference data stored within the analytical store of other containers and the data lake. They execute these queries using Azure Synapse Spark notebooks and Azure Synapse SQL Serverless.</a:t>
+            </a:r>
+          </a:p>
+          <a:p>
+            <a:br>
+              <a:rPr lang="en-US" b="0" dirty="0">
+                <a:solidFill>
+                  <a:srgbClr val="D6DEEB"/>
                 </a:solidFill>
                 <a:effectLst/>
-                <a:latin typeface="-apple-system"/>
+                <a:latin typeface="Consolas" panose="020B0609020204030204" pitchFamily="49" charset="0"/>
+              </a:rPr>
+            </a:br>
+            <a:r>
+              <a:rPr lang="en-US" b="0" dirty="0" err="1">
+                <a:solidFill>
+                  <a:srgbClr val="D6DEEB"/>
+                </a:solidFill>
+                <a:effectLst/>
+                <a:latin typeface="Consolas" panose="020B0609020204030204" pitchFamily="49" charset="0"/>
               </a:rPr>
               <a:t>Woodgrove</a:t>
             </a:r>
             <a:r>
-              <a:rPr lang="en-US" b="0" i="0" dirty="0">
-                <a:solidFill>
-                  <a:srgbClr val="24292E"/>
+              <a:rPr lang="en-US" b="0" dirty="0">
+                <a:solidFill>
+                  <a:srgbClr val="D6DEEB"/>
                 </a:solidFill>
                 <a:effectLst/>
-                <a:latin typeface="-apple-system"/>
-              </a:rPr>
-              <a:t> Bank uses the batch-scoring machine learning model within Azure Synapse Analytics notebooks for predicting fraud against the day's transactions, building aggregates showing statistics around fraudulent activity, and writing the results to an Azure Cosmos DB container. The batch-scoring model is also used within a Synapse notebook to reduce prediction latency by scoring the streaming data from the Azure Cosmos DB change feed, using Spark Structured Streaming. All transactions with "suspicious activity" output are stored in Azure Cosmos DB so it is globally available in regions closest to </a:t>
-            </a:r>
-            <a:r>
-              <a:rPr lang="en-US" b="0" i="0" dirty="0" err="1">
-                <a:solidFill>
-                  <a:srgbClr val="24292E"/>
+                <a:latin typeface="Consolas" panose="020B0609020204030204" pitchFamily="49" charset="0"/>
+              </a:rPr>
+              <a:t> requires that the data retention for payment transactions stored in Azure Cosmos DB is set to 60 days and that all payment transactions need to be stored in long-term storage. To meet these requirements, the 'Transactional Store Time to Live (Transactional TTL)' property on the transactions container is enabled, and the TTL value is set to 60 on the documents. This setting automatically deletes payment transactions from the transactional store after the 60-day time period. The 'Analytical Store Time To Live (Analytical TTL)' setting allows </a:t>
+            </a:r>
+            <a:r>
+              <a:rPr lang="en-US" b="0" dirty="0" err="1">
+                <a:solidFill>
+                  <a:srgbClr val="D6DEEB"/>
                 </a:solidFill>
                 <a:effectLst/>
-                <a:latin typeface="-apple-system"/>
+                <a:latin typeface="Consolas" panose="020B0609020204030204" pitchFamily="49" charset="0"/>
               </a:rPr>
               <a:t>Woodgrove</a:t>
             </a:r>
             <a:r>
-              <a:rPr lang="en-US" b="0" i="0" dirty="0">
-                <a:solidFill>
-                  <a:srgbClr val="24292E"/>
+              <a:rPr lang="en-US" b="0" dirty="0">
+                <a:solidFill>
+                  <a:srgbClr val="D6DEEB"/>
                 </a:solidFill>
                 <a:effectLst/>
-                <a:latin typeface="-apple-system"/>
-              </a:rPr>
-              <a:t> Bank's customers through their web applications. The analytical store feature is enabled on the container that contains predicted suspicious activity. Synapse SQL Serverless views are created against this and other analytical stores and can be accessed by business analysts using dashboards and reports in Power BI, which are embedded within the Synapse Analytics workspace. Data scientists and engineers can create their own reports against the Azure Cosmos DB Analytical Store, using Synapse notebooks.</a:t>
-            </a:r>
-          </a:p>
-          <a:p>
-            <a:pPr algn="l"/>
-            <a:endParaRPr lang="en-US" b="0" i="0" dirty="0">
-              <a:solidFill>
-                <a:srgbClr val="24292E"/>
-              </a:solidFill>
-              <a:effectLst/>
-              <a:latin typeface="-apple-system"/>
-            </a:endParaRPr>
-          </a:p>
-          <a:p>
-            <a:pPr algn="l"/>
-            <a:r>
-              <a:rPr lang="en-US" b="0" i="0" dirty="0">
-                <a:solidFill>
-                  <a:srgbClr val="24292E"/>
+                <a:latin typeface="Consolas" panose="020B0609020204030204" pitchFamily="49" charset="0"/>
+              </a:rPr>
+              <a:t> Bank to manage the lifecycle of data retained in the analytical store independently from the transactional store. The TTL on the analytical store is set never to expire, enabling </a:t>
+            </a:r>
+            <a:r>
+              <a:rPr lang="en-US" b="0" dirty="0" err="1">
+                <a:solidFill>
+                  <a:srgbClr val="D6DEEB"/>
                 </a:solidFill>
                 <a:effectLst/>
-                <a:latin typeface="-apple-system"/>
-              </a:rPr>
-              <a:t>Finally, Azure Key Vault is used to securely store secrets, such as account keys and connection strings. The Synapse Linked Services securely access these secrets, hiding them from Synapse Analytics users who connect to the services.</a:t>
+                <a:latin typeface="Consolas" panose="020B0609020204030204" pitchFamily="49" charset="0"/>
+              </a:rPr>
+              <a:t>Woodgrove</a:t>
+            </a:r>
+            <a:r>
+              <a:rPr lang="en-US" b="0" dirty="0">
+                <a:solidFill>
+                  <a:srgbClr val="D6DEEB"/>
+                </a:solidFill>
+                <a:effectLst/>
+                <a:latin typeface="Consolas" panose="020B0609020204030204" pitchFamily="49" charset="0"/>
+              </a:rPr>
+              <a:t> to seamlessly tier and define the two stores' data retention period.</a:t>
+            </a:r>
+          </a:p>
+          <a:p>
+            <a:br>
+              <a:rPr lang="en-US" b="0" dirty="0">
+                <a:solidFill>
+                  <a:srgbClr val="D6DEEB"/>
+                </a:solidFill>
+                <a:effectLst/>
+                <a:latin typeface="Consolas" panose="020B0609020204030204" pitchFamily="49" charset="0"/>
+              </a:rPr>
+            </a:br>
+            <a:r>
+              <a:rPr lang="en-US" b="0" dirty="0">
+                <a:solidFill>
+                  <a:srgbClr val="D6DEEB"/>
+                </a:solidFill>
+                <a:effectLst/>
+                <a:latin typeface="Consolas" panose="020B0609020204030204" pitchFamily="49" charset="0"/>
+              </a:rPr>
+              <a:t>Azure Synapse Analytics serves as the end-to-end analytics platform that combines SQL data warehousing, big data analytics, and data integration, and is central to the architecture. Synapse Analytics is required when using the Synapse Link feature that enables the Azure Cosmos DB analytical store.</a:t>
+            </a:r>
+          </a:p>
+          <a:p>
+            <a:br>
+              <a:rPr lang="en-US" b="0" dirty="0">
+                <a:solidFill>
+                  <a:srgbClr val="D6DEEB"/>
+                </a:solidFill>
+                <a:effectLst/>
+                <a:latin typeface="Consolas" panose="020B0609020204030204" pitchFamily="49" charset="0"/>
+              </a:rPr>
+            </a:br>
+            <a:r>
+              <a:rPr lang="en-US" b="0" dirty="0">
+                <a:solidFill>
+                  <a:srgbClr val="D6DEEB"/>
+                </a:solidFill>
+                <a:effectLst/>
+                <a:latin typeface="Consolas" panose="020B0609020204030204" pitchFamily="49" charset="0"/>
+              </a:rPr>
+              <a:t>Azure Machine Learning (Azure ML) is used to train both the real-time and batch machine learning models. The Azure ML workspace stores and manages trained models and deploys the trained model as a real-time scoring web service running on a highly available Azure Kubernetes Service cluster (AKS cluster). </a:t>
+            </a:r>
+            <a:r>
+              <a:rPr lang="en-US" b="0" dirty="0" err="1">
+                <a:solidFill>
+                  <a:srgbClr val="D6DEEB"/>
+                </a:solidFill>
+                <a:effectLst/>
+                <a:latin typeface="Consolas" panose="020B0609020204030204" pitchFamily="49" charset="0"/>
+              </a:rPr>
+              <a:t>Woodgrove</a:t>
+            </a:r>
+            <a:r>
+              <a:rPr lang="en-US" b="0" dirty="0">
+                <a:solidFill>
+                  <a:srgbClr val="D6DEEB"/>
+                </a:solidFill>
+                <a:effectLst/>
+                <a:latin typeface="Consolas" panose="020B0609020204030204" pitchFamily="49" charset="0"/>
+              </a:rPr>
+              <a:t> Bank uses the batch-scoring machine learning model within Azure Synapse Analytics notebooks to predict fraud against the day's transactions, build aggregates showing statistics around fraudulent activity, and write the results to an Azure Cosmos DB container. The batch-scoring model is also used within a Synapse notebook to reduce prediction latency by scoring the Azure Cosmos DB change feed's streaming data, using Spark Structured Streaming. All transactions with "suspicious activity" output are stored in Azure Cosmos DB, so it is globally available in regions closest to </a:t>
+            </a:r>
+            <a:r>
+              <a:rPr lang="en-US" b="0" dirty="0" err="1">
+                <a:solidFill>
+                  <a:srgbClr val="D6DEEB"/>
+                </a:solidFill>
+                <a:effectLst/>
+                <a:latin typeface="Consolas" panose="020B0609020204030204" pitchFamily="49" charset="0"/>
+              </a:rPr>
+              <a:t>Woodgrove</a:t>
+            </a:r>
+            <a:r>
+              <a:rPr lang="en-US" b="0" dirty="0">
+                <a:solidFill>
+                  <a:srgbClr val="D6DEEB"/>
+                </a:solidFill>
+                <a:effectLst/>
+                <a:latin typeface="Consolas" panose="020B0609020204030204" pitchFamily="49" charset="0"/>
+              </a:rPr>
+              <a:t> Bank's customers through their web applications. The analytical store feature is enabled on the container that contains predicted suspicious activity. Synapse SQL Serverless views are created against this and other analytical stores. Business analysts can access them using dashboards and reports in Power BI, which are embedded within the Synapse Analytics workspace. Data scientists and engineers can create their own reports against the Azure Cosmos DB Analytical Store, using Synapse notebooks.</a:t>
+            </a:r>
+          </a:p>
+          <a:p>
+            <a:br>
+              <a:rPr lang="en-US" b="0">
+                <a:solidFill>
+                  <a:srgbClr val="D6DEEB"/>
+                </a:solidFill>
+                <a:effectLst/>
+                <a:latin typeface="Consolas" panose="020B0609020204030204" pitchFamily="49" charset="0"/>
+              </a:rPr>
+            </a:br>
+            <a:r>
+              <a:rPr lang="en-US" b="0">
+                <a:solidFill>
+                  <a:srgbClr val="D6DEEB"/>
+                </a:solidFill>
+                <a:effectLst/>
+                <a:latin typeface="Consolas" panose="020B0609020204030204" pitchFamily="49" charset="0"/>
+              </a:rPr>
+              <a:t>Finally</a:t>
+            </a:r>
+            <a:r>
+              <a:rPr lang="en-US" b="0" dirty="0">
+                <a:solidFill>
+                  <a:srgbClr val="D6DEEB"/>
+                </a:solidFill>
+                <a:effectLst/>
+                <a:latin typeface="Consolas" panose="020B0609020204030204" pitchFamily="49" charset="0"/>
+              </a:rPr>
+              <a:t>, Azure Key Vault is used to securely store secrets, such as account keys and connection strings. The Synapse Linked Services securely access these secrets, hiding them from Synapse Analytics users who connect to the services.</a:t>
             </a:r>
           </a:p>
         </p:txBody>
@@ -4988,7 +5092,7 @@
                   <a:prstClr val="black"/>
                 </a:solidFill>
               </a:rPr>
-              <a:t>9/28/2020 6:45 PM</a:t>
+              <a:t>10/9/2020 10:57 AM</a:t>
             </a:fld>
             <a:endParaRPr lang="en-US" dirty="0">
               <a:solidFill>
@@ -20059,11 +20163,11 @@
   <p:clrMapOvr>
     <a:masterClrMapping/>
   </p:clrMapOvr>
-  <mc:AlternateContent xmlns:mc="http://schemas.openxmlformats.org/markup-compatibility/2006">
-    <mc:Choice xmlns:p14="http://schemas.microsoft.com/office/powerpoint/2010/main" Requires="p14">
+  <mc:AlternateContent xmlns:mc="http://schemas.openxmlformats.org/markup-compatibility/2006" xmlns:p14="http://schemas.microsoft.com/office/powerpoint/2010/main">
+    <mc:Choice Requires="p14">
       <p:transition p14:dur="0"/>
     </mc:Choice>
-    <mc:Fallback>
+    <mc:Fallback xmlns="">
       <p:transition/>
     </mc:Fallback>
   </mc:AlternateContent>
